--- a/javaInstall/Installer l’environnement de développement java.pptx
+++ b/javaInstall/Installer l’environnement de développement java.pptx
@@ -108,10 +108,762 @@
       </a:defRPr>
     </a:lvl9pPr>
   </p:defaultTextStyle>
+  <p:extLst>
+    <p:ext uri="{EFAFB233-063F-42B5-8137-9DF3F51BA10A}">
+      <p15:sldGuideLst xmlns:p15="http://schemas.microsoft.com/office/powerpoint/2012/main"/>
+    </p:ext>
+  </p:extLst>
 </p:presentation>
 </file>
 
 <file path=ppt/diagrams/colors1.xml><?xml version="1.0" encoding="utf-8"?>
+<dgm:colorsDef xmlns:dgm="http://schemas.openxmlformats.org/drawingml/2006/diagram" xmlns:a="http://schemas.openxmlformats.org/drawingml/2006/main" uniqueId="urn:microsoft.com/office/officeart/2005/8/colors/accent1_2">
+  <dgm:title val=""/>
+  <dgm:desc val=""/>
+  <dgm:catLst>
+    <dgm:cat type="accent1" pri="11200"/>
+  </dgm:catLst>
+  <dgm:styleLbl name="node0">
+    <dgm:fillClrLst meth="repeat">
+      <a:schemeClr val="accent1"/>
+    </dgm:fillClrLst>
+    <dgm:linClrLst meth="repeat">
+      <a:schemeClr val="lt1"/>
+    </dgm:linClrLst>
+    <dgm:effectClrLst/>
+    <dgm:txLinClrLst/>
+    <dgm:txFillClrLst/>
+    <dgm:txEffectClrLst/>
+  </dgm:styleLbl>
+  <dgm:styleLbl name="alignNode1">
+    <dgm:fillClrLst meth="repeat">
+      <a:schemeClr val="accent1"/>
+    </dgm:fillClrLst>
+    <dgm:linClrLst meth="repeat">
+      <a:schemeClr val="accent1"/>
+    </dgm:linClrLst>
+    <dgm:effectClrLst/>
+    <dgm:txLinClrLst/>
+    <dgm:txFillClrLst/>
+    <dgm:txEffectClrLst/>
+  </dgm:styleLbl>
+  <dgm:styleLbl name="node1">
+    <dgm:fillClrLst meth="repeat">
+      <a:schemeClr val="accent1"/>
+    </dgm:fillClrLst>
+    <dgm:linClrLst meth="repeat">
+      <a:schemeClr val="lt1"/>
+    </dgm:linClrLst>
+    <dgm:effectClrLst/>
+    <dgm:txLinClrLst/>
+    <dgm:txFillClrLst/>
+    <dgm:txEffectClrLst/>
+  </dgm:styleLbl>
+  <dgm:styleLbl name="lnNode1">
+    <dgm:fillClrLst meth="repeat">
+      <a:schemeClr val="accent1"/>
+    </dgm:fillClrLst>
+    <dgm:linClrLst meth="repeat">
+      <a:schemeClr val="lt1"/>
+    </dgm:linClrLst>
+    <dgm:effectClrLst/>
+    <dgm:txLinClrLst/>
+    <dgm:txFillClrLst/>
+    <dgm:txEffectClrLst/>
+  </dgm:styleLbl>
+  <dgm:styleLbl name="vennNode1">
+    <dgm:fillClrLst meth="repeat">
+      <a:schemeClr val="accent1">
+        <a:alpha val="50000"/>
+      </a:schemeClr>
+    </dgm:fillClrLst>
+    <dgm:linClrLst meth="repeat">
+      <a:schemeClr val="lt1"/>
+    </dgm:linClrLst>
+    <dgm:effectClrLst/>
+    <dgm:txLinClrLst/>
+    <dgm:txFillClrLst/>
+    <dgm:txEffectClrLst/>
+  </dgm:styleLbl>
+  <dgm:styleLbl name="node2">
+    <dgm:fillClrLst meth="repeat">
+      <a:schemeClr val="accent1"/>
+    </dgm:fillClrLst>
+    <dgm:linClrLst meth="repeat">
+      <a:schemeClr val="lt1"/>
+    </dgm:linClrLst>
+    <dgm:effectClrLst/>
+    <dgm:txLinClrLst/>
+    <dgm:txFillClrLst/>
+    <dgm:txEffectClrLst/>
+  </dgm:styleLbl>
+  <dgm:styleLbl name="node3">
+    <dgm:fillClrLst meth="repeat">
+      <a:schemeClr val="accent1"/>
+    </dgm:fillClrLst>
+    <dgm:linClrLst meth="repeat">
+      <a:schemeClr val="lt1"/>
+    </dgm:linClrLst>
+    <dgm:effectClrLst/>
+    <dgm:txLinClrLst/>
+    <dgm:txFillClrLst/>
+    <dgm:txEffectClrLst/>
+  </dgm:styleLbl>
+  <dgm:styleLbl name="node4">
+    <dgm:fillClrLst meth="repeat">
+      <a:schemeClr val="accent1"/>
+    </dgm:fillClrLst>
+    <dgm:linClrLst meth="repeat">
+      <a:schemeClr val="lt1"/>
+    </dgm:linClrLst>
+    <dgm:effectClrLst/>
+    <dgm:txLinClrLst/>
+    <dgm:txFillClrLst/>
+    <dgm:txEffectClrLst/>
+  </dgm:styleLbl>
+  <dgm:styleLbl name="fgImgPlace1">
+    <dgm:fillClrLst meth="repeat">
+      <a:schemeClr val="accent1">
+        <a:tint val="50000"/>
+      </a:schemeClr>
+    </dgm:fillClrLst>
+    <dgm:linClrLst meth="repeat">
+      <a:schemeClr val="lt1"/>
+    </dgm:linClrLst>
+    <dgm:effectClrLst/>
+    <dgm:txLinClrLst/>
+    <dgm:txFillClrLst meth="repeat">
+      <a:schemeClr val="lt1"/>
+    </dgm:txFillClrLst>
+    <dgm:txEffectClrLst/>
+  </dgm:styleLbl>
+  <dgm:styleLbl name="alignImgPlace1">
+    <dgm:fillClrLst meth="repeat">
+      <a:schemeClr val="accent1">
+        <a:tint val="50000"/>
+      </a:schemeClr>
+    </dgm:fillClrLst>
+    <dgm:linClrLst meth="repeat">
+      <a:schemeClr val="lt1"/>
+    </dgm:linClrLst>
+    <dgm:effectClrLst/>
+    <dgm:txLinClrLst/>
+    <dgm:txFillClrLst meth="repeat">
+      <a:schemeClr val="lt1"/>
+    </dgm:txFillClrLst>
+    <dgm:txEffectClrLst/>
+  </dgm:styleLbl>
+  <dgm:styleLbl name="bgImgPlace1">
+    <dgm:fillClrLst meth="repeat">
+      <a:schemeClr val="accent1">
+        <a:tint val="50000"/>
+      </a:schemeClr>
+    </dgm:fillClrLst>
+    <dgm:linClrLst meth="repeat">
+      <a:schemeClr val="lt1"/>
+    </dgm:linClrLst>
+    <dgm:effectClrLst/>
+    <dgm:txLinClrLst/>
+    <dgm:txFillClrLst meth="repeat">
+      <a:schemeClr val="lt1"/>
+    </dgm:txFillClrLst>
+    <dgm:txEffectClrLst/>
+  </dgm:styleLbl>
+  <dgm:styleLbl name="sibTrans2D1">
+    <dgm:fillClrLst meth="repeat">
+      <a:schemeClr val="accent1">
+        <a:tint val="60000"/>
+      </a:schemeClr>
+    </dgm:fillClrLst>
+    <dgm:linClrLst meth="repeat">
+      <a:schemeClr val="accent1">
+        <a:tint val="60000"/>
+      </a:schemeClr>
+    </dgm:linClrLst>
+    <dgm:effectClrLst/>
+    <dgm:txLinClrLst/>
+    <dgm:txFillClrLst/>
+    <dgm:txEffectClrLst/>
+  </dgm:styleLbl>
+  <dgm:styleLbl name="fgSibTrans2D1">
+    <dgm:fillClrLst meth="repeat">
+      <a:schemeClr val="accent1">
+        <a:tint val="60000"/>
+      </a:schemeClr>
+    </dgm:fillClrLst>
+    <dgm:linClrLst meth="repeat">
+      <a:schemeClr val="accent1">
+        <a:tint val="60000"/>
+      </a:schemeClr>
+    </dgm:linClrLst>
+    <dgm:effectClrLst/>
+    <dgm:txLinClrLst/>
+    <dgm:txFillClrLst/>
+    <dgm:txEffectClrLst/>
+  </dgm:styleLbl>
+  <dgm:styleLbl name="bgSibTrans2D1">
+    <dgm:fillClrLst meth="repeat">
+      <a:schemeClr val="accent1">
+        <a:tint val="60000"/>
+      </a:schemeClr>
+    </dgm:fillClrLst>
+    <dgm:linClrLst meth="repeat">
+      <a:schemeClr val="accent1">
+        <a:tint val="60000"/>
+      </a:schemeClr>
+    </dgm:linClrLst>
+    <dgm:effectClrLst/>
+    <dgm:txLinClrLst/>
+    <dgm:txFillClrLst/>
+    <dgm:txEffectClrLst/>
+  </dgm:styleLbl>
+  <dgm:styleLbl name="sibTrans1D1">
+    <dgm:fillClrLst meth="repeat">
+      <a:schemeClr val="accent1"/>
+    </dgm:fillClrLst>
+    <dgm:linClrLst meth="repeat">
+      <a:schemeClr val="accent1"/>
+    </dgm:linClrLst>
+    <dgm:effectClrLst/>
+    <dgm:txLinClrLst/>
+    <dgm:txFillClrLst meth="repeat">
+      <a:schemeClr val="tx1"/>
+    </dgm:txFillClrLst>
+    <dgm:txEffectClrLst/>
+  </dgm:styleLbl>
+  <dgm:styleLbl name="callout">
+    <dgm:fillClrLst meth="repeat">
+      <a:schemeClr val="accent1"/>
+    </dgm:fillClrLst>
+    <dgm:linClrLst meth="repeat">
+      <a:schemeClr val="accent1">
+        <a:tint val="50000"/>
+      </a:schemeClr>
+    </dgm:linClrLst>
+    <dgm:effectClrLst/>
+    <dgm:txLinClrLst/>
+    <dgm:txFillClrLst meth="repeat">
+      <a:schemeClr val="tx1"/>
+    </dgm:txFillClrLst>
+    <dgm:txEffectClrLst/>
+  </dgm:styleLbl>
+  <dgm:styleLbl name="asst0">
+    <dgm:fillClrLst meth="repeat">
+      <a:schemeClr val="accent1"/>
+    </dgm:fillClrLst>
+    <dgm:linClrLst meth="repeat">
+      <a:schemeClr val="lt1"/>
+    </dgm:linClrLst>
+    <dgm:effectClrLst/>
+    <dgm:txLinClrLst/>
+    <dgm:txFillClrLst/>
+    <dgm:txEffectClrLst/>
+  </dgm:styleLbl>
+  <dgm:styleLbl name="asst1">
+    <dgm:fillClrLst meth="repeat">
+      <a:schemeClr val="accent1"/>
+    </dgm:fillClrLst>
+    <dgm:linClrLst meth="repeat">
+      <a:schemeClr val="lt1"/>
+    </dgm:linClrLst>
+    <dgm:effectClrLst/>
+    <dgm:txLinClrLst/>
+    <dgm:txFillClrLst/>
+    <dgm:txEffectClrLst/>
+  </dgm:styleLbl>
+  <dgm:styleLbl name="asst2">
+    <dgm:fillClrLst meth="repeat">
+      <a:schemeClr val="accent1"/>
+    </dgm:fillClrLst>
+    <dgm:linClrLst meth="repeat">
+      <a:schemeClr val="lt1"/>
+    </dgm:linClrLst>
+    <dgm:effectClrLst/>
+    <dgm:txLinClrLst/>
+    <dgm:txFillClrLst/>
+    <dgm:txEffectClrLst/>
+  </dgm:styleLbl>
+  <dgm:styleLbl name="asst3">
+    <dgm:fillClrLst meth="repeat">
+      <a:schemeClr val="accent1"/>
+    </dgm:fillClrLst>
+    <dgm:linClrLst meth="repeat">
+      <a:schemeClr val="lt1"/>
+    </dgm:linClrLst>
+    <dgm:effectClrLst/>
+    <dgm:txLinClrLst/>
+    <dgm:txFillClrLst/>
+    <dgm:txEffectClrLst/>
+  </dgm:styleLbl>
+  <dgm:styleLbl name="asst4">
+    <dgm:fillClrLst meth="repeat">
+      <a:schemeClr val="accent1"/>
+    </dgm:fillClrLst>
+    <dgm:linClrLst meth="repeat">
+      <a:schemeClr val="lt1"/>
+    </dgm:linClrLst>
+    <dgm:effectClrLst/>
+    <dgm:txLinClrLst/>
+    <dgm:txFillClrLst/>
+    <dgm:txEffectClrLst/>
+  </dgm:styleLbl>
+  <dgm:styleLbl name="parChTrans2D1">
+    <dgm:fillClrLst meth="repeat">
+      <a:schemeClr val="accent1">
+        <a:tint val="60000"/>
+      </a:schemeClr>
+    </dgm:fillClrLst>
+    <dgm:linClrLst meth="repeat">
+      <a:schemeClr val="accent1">
+        <a:tint val="60000"/>
+      </a:schemeClr>
+    </dgm:linClrLst>
+    <dgm:effectClrLst/>
+    <dgm:txLinClrLst/>
+    <dgm:txFillClrLst meth="repeat">
+      <a:schemeClr val="lt1"/>
+    </dgm:txFillClrLst>
+    <dgm:txEffectClrLst/>
+  </dgm:styleLbl>
+  <dgm:styleLbl name="parChTrans2D2">
+    <dgm:fillClrLst meth="repeat">
+      <a:schemeClr val="accent1"/>
+    </dgm:fillClrLst>
+    <dgm:linClrLst meth="repeat">
+      <a:schemeClr val="accent1"/>
+    </dgm:linClrLst>
+    <dgm:effectClrLst/>
+    <dgm:txLinClrLst/>
+    <dgm:txFillClrLst meth="repeat">
+      <a:schemeClr val="lt1"/>
+    </dgm:txFillClrLst>
+    <dgm:txEffectClrLst/>
+  </dgm:styleLbl>
+  <dgm:styleLbl name="parChTrans2D3">
+    <dgm:fillClrLst meth="repeat">
+      <a:schemeClr val="accent1"/>
+    </dgm:fillClrLst>
+    <dgm:linClrLst meth="repeat">
+      <a:schemeClr val="accent1"/>
+    </dgm:linClrLst>
+    <dgm:effectClrLst/>
+    <dgm:txLinClrLst/>
+    <dgm:txFillClrLst meth="repeat">
+      <a:schemeClr val="lt1"/>
+    </dgm:txFillClrLst>
+    <dgm:txEffectClrLst/>
+  </dgm:styleLbl>
+  <dgm:styleLbl name="parChTrans2D4">
+    <dgm:fillClrLst meth="repeat">
+      <a:schemeClr val="accent1"/>
+    </dgm:fillClrLst>
+    <dgm:linClrLst meth="repeat">
+      <a:schemeClr val="accent1"/>
+    </dgm:linClrLst>
+    <dgm:effectClrLst/>
+    <dgm:txLinClrLst/>
+    <dgm:txFillClrLst meth="repeat">
+      <a:schemeClr val="lt1"/>
+    </dgm:txFillClrLst>
+    <dgm:txEffectClrLst/>
+  </dgm:styleLbl>
+  <dgm:styleLbl name="parChTrans1D1">
+    <dgm:fillClrLst meth="repeat">
+      <a:schemeClr val="accent1"/>
+    </dgm:fillClrLst>
+    <dgm:linClrLst meth="repeat">
+      <a:schemeClr val="accent1">
+        <a:shade val="60000"/>
+      </a:schemeClr>
+    </dgm:linClrLst>
+    <dgm:effectClrLst/>
+    <dgm:txLinClrLst/>
+    <dgm:txFillClrLst meth="repeat">
+      <a:schemeClr val="tx1"/>
+    </dgm:txFillClrLst>
+    <dgm:txEffectClrLst/>
+  </dgm:styleLbl>
+  <dgm:styleLbl name="parChTrans1D2">
+    <dgm:fillClrLst meth="repeat">
+      <a:schemeClr val="accent1"/>
+    </dgm:fillClrLst>
+    <dgm:linClrLst meth="repeat">
+      <a:schemeClr val="accent1">
+        <a:shade val="60000"/>
+      </a:schemeClr>
+    </dgm:linClrLst>
+    <dgm:effectClrLst/>
+    <dgm:txLinClrLst/>
+    <dgm:txFillClrLst meth="repeat">
+      <a:schemeClr val="tx1"/>
+    </dgm:txFillClrLst>
+    <dgm:txEffectClrLst/>
+  </dgm:styleLbl>
+  <dgm:styleLbl name="parChTrans1D3">
+    <dgm:fillClrLst meth="repeat">
+      <a:schemeClr val="accent1"/>
+    </dgm:fillClrLst>
+    <dgm:linClrLst meth="repeat">
+      <a:schemeClr val="accent1">
+        <a:shade val="80000"/>
+      </a:schemeClr>
+    </dgm:linClrLst>
+    <dgm:effectClrLst/>
+    <dgm:txLinClrLst/>
+    <dgm:txFillClrLst meth="repeat">
+      <a:schemeClr val="tx1"/>
+    </dgm:txFillClrLst>
+    <dgm:txEffectClrLst/>
+  </dgm:styleLbl>
+  <dgm:styleLbl name="parChTrans1D4">
+    <dgm:fillClrLst meth="repeat">
+      <a:schemeClr val="accent1"/>
+    </dgm:fillClrLst>
+    <dgm:linClrLst meth="repeat">
+      <a:schemeClr val="accent1">
+        <a:shade val="80000"/>
+      </a:schemeClr>
+    </dgm:linClrLst>
+    <dgm:effectClrLst/>
+    <dgm:txLinClrLst/>
+    <dgm:txFillClrLst meth="repeat">
+      <a:schemeClr val="tx1"/>
+    </dgm:txFillClrLst>
+    <dgm:txEffectClrLst/>
+  </dgm:styleLbl>
+  <dgm:styleLbl name="fgAcc1">
+    <dgm:fillClrLst meth="repeat">
+      <a:schemeClr val="lt1">
+        <a:alpha val="90000"/>
+      </a:schemeClr>
+    </dgm:fillClrLst>
+    <dgm:linClrLst meth="repeat">
+      <a:schemeClr val="accent1"/>
+    </dgm:linClrLst>
+    <dgm:effectClrLst/>
+    <dgm:txLinClrLst/>
+    <dgm:txFillClrLst meth="repeat">
+      <a:schemeClr val="dk1"/>
+    </dgm:txFillClrLst>
+    <dgm:txEffectClrLst/>
+  </dgm:styleLbl>
+  <dgm:styleLbl name="conFgAcc1">
+    <dgm:fillClrLst meth="repeat">
+      <a:schemeClr val="lt1">
+        <a:alpha val="90000"/>
+      </a:schemeClr>
+    </dgm:fillClrLst>
+    <dgm:linClrLst meth="repeat">
+      <a:schemeClr val="accent1"/>
+    </dgm:linClrLst>
+    <dgm:effectClrLst/>
+    <dgm:txLinClrLst/>
+    <dgm:txFillClrLst meth="repeat">
+      <a:schemeClr val="dk1"/>
+    </dgm:txFillClrLst>
+    <dgm:txEffectClrLst/>
+  </dgm:styleLbl>
+  <dgm:styleLbl name="alignAcc1">
+    <dgm:fillClrLst meth="repeat">
+      <a:schemeClr val="lt1">
+        <a:alpha val="90000"/>
+      </a:schemeClr>
+    </dgm:fillClrLst>
+    <dgm:linClrLst meth="repeat">
+      <a:schemeClr val="accent1"/>
+    </dgm:linClrLst>
+    <dgm:effectClrLst/>
+    <dgm:txLinClrLst/>
+    <dgm:txFillClrLst meth="repeat">
+      <a:schemeClr val="dk1"/>
+    </dgm:txFillClrLst>
+    <dgm:txEffectClrLst/>
+  </dgm:styleLbl>
+  <dgm:styleLbl name="trAlignAcc1">
+    <dgm:fillClrLst meth="repeat">
+      <a:schemeClr val="lt1">
+        <a:alpha val="40000"/>
+      </a:schemeClr>
+    </dgm:fillClrLst>
+    <dgm:linClrLst meth="repeat">
+      <a:schemeClr val="accent1"/>
+    </dgm:linClrLst>
+    <dgm:effectClrLst/>
+    <dgm:txLinClrLst/>
+    <dgm:txFillClrLst meth="repeat">
+      <a:schemeClr val="dk1"/>
+    </dgm:txFillClrLst>
+    <dgm:txEffectClrLst/>
+  </dgm:styleLbl>
+  <dgm:styleLbl name="bgAcc1">
+    <dgm:fillClrLst meth="repeat">
+      <a:schemeClr val="lt1">
+        <a:alpha val="90000"/>
+      </a:schemeClr>
+    </dgm:fillClrLst>
+    <dgm:linClrLst meth="repeat">
+      <a:schemeClr val="accent1"/>
+    </dgm:linClrLst>
+    <dgm:effectClrLst/>
+    <dgm:txLinClrLst/>
+    <dgm:txFillClrLst meth="repeat">
+      <a:schemeClr val="dk1"/>
+    </dgm:txFillClrLst>
+    <dgm:txEffectClrLst/>
+  </dgm:styleLbl>
+  <dgm:styleLbl name="solidFgAcc1">
+    <dgm:fillClrLst meth="repeat">
+      <a:schemeClr val="lt1"/>
+    </dgm:fillClrLst>
+    <dgm:linClrLst meth="repeat">
+      <a:schemeClr val="accent1"/>
+    </dgm:linClrLst>
+    <dgm:effectClrLst/>
+    <dgm:txLinClrLst/>
+    <dgm:txFillClrLst meth="repeat">
+      <a:schemeClr val="dk1"/>
+    </dgm:txFillClrLst>
+    <dgm:txEffectClrLst/>
+  </dgm:styleLbl>
+  <dgm:styleLbl name="solidAlignAcc1">
+    <dgm:fillClrLst meth="repeat">
+      <a:schemeClr val="lt1"/>
+    </dgm:fillClrLst>
+    <dgm:linClrLst meth="repeat">
+      <a:schemeClr val="accent1"/>
+    </dgm:linClrLst>
+    <dgm:effectClrLst/>
+    <dgm:txLinClrLst/>
+    <dgm:txFillClrLst meth="repeat">
+      <a:schemeClr val="dk1"/>
+    </dgm:txFillClrLst>
+    <dgm:txEffectClrLst/>
+  </dgm:styleLbl>
+  <dgm:styleLbl name="solidBgAcc1">
+    <dgm:fillClrLst meth="repeat">
+      <a:schemeClr val="lt1"/>
+    </dgm:fillClrLst>
+    <dgm:linClrLst meth="repeat">
+      <a:schemeClr val="accent1"/>
+    </dgm:linClrLst>
+    <dgm:effectClrLst/>
+    <dgm:txLinClrLst/>
+    <dgm:txFillClrLst meth="repeat">
+      <a:schemeClr val="dk1"/>
+    </dgm:txFillClrLst>
+    <dgm:txEffectClrLst/>
+  </dgm:styleLbl>
+  <dgm:styleLbl name="fgAccFollowNode1">
+    <dgm:fillClrLst meth="repeat">
+      <a:schemeClr val="accent1">
+        <a:alpha val="90000"/>
+        <a:tint val="40000"/>
+      </a:schemeClr>
+    </dgm:fillClrLst>
+    <dgm:linClrLst meth="repeat">
+      <a:schemeClr val="accent1">
+        <a:alpha val="90000"/>
+        <a:tint val="40000"/>
+      </a:schemeClr>
+    </dgm:linClrLst>
+    <dgm:effectClrLst/>
+    <dgm:txLinClrLst/>
+    <dgm:txFillClrLst meth="repeat">
+      <a:schemeClr val="dk1"/>
+    </dgm:txFillClrLst>
+    <dgm:txEffectClrLst/>
+  </dgm:styleLbl>
+  <dgm:styleLbl name="alignAccFollowNode1">
+    <dgm:fillClrLst meth="repeat">
+      <a:schemeClr val="accent1">
+        <a:alpha val="90000"/>
+        <a:tint val="40000"/>
+      </a:schemeClr>
+    </dgm:fillClrLst>
+    <dgm:linClrLst meth="repeat">
+      <a:schemeClr val="accent1">
+        <a:alpha val="90000"/>
+        <a:tint val="40000"/>
+      </a:schemeClr>
+    </dgm:linClrLst>
+    <dgm:effectClrLst/>
+    <dgm:txLinClrLst/>
+    <dgm:txFillClrLst meth="repeat">
+      <a:schemeClr val="dk1"/>
+    </dgm:txFillClrLst>
+    <dgm:txEffectClrLst/>
+  </dgm:styleLbl>
+  <dgm:styleLbl name="bgAccFollowNode1">
+    <dgm:fillClrLst meth="repeat">
+      <a:schemeClr val="accent1">
+        <a:alpha val="90000"/>
+        <a:tint val="40000"/>
+      </a:schemeClr>
+    </dgm:fillClrLst>
+    <dgm:linClrLst meth="repeat">
+      <a:schemeClr val="accent1">
+        <a:alpha val="90000"/>
+        <a:tint val="40000"/>
+      </a:schemeClr>
+    </dgm:linClrLst>
+    <dgm:effectClrLst/>
+    <dgm:txLinClrLst/>
+    <dgm:txFillClrLst meth="repeat">
+      <a:schemeClr val="dk1"/>
+    </dgm:txFillClrLst>
+    <dgm:txEffectClrLst/>
+  </dgm:styleLbl>
+  <dgm:styleLbl name="fgAcc0">
+    <dgm:fillClrLst meth="repeat">
+      <a:schemeClr val="lt1">
+        <a:alpha val="90000"/>
+      </a:schemeClr>
+    </dgm:fillClrLst>
+    <dgm:linClrLst meth="repeat">
+      <a:schemeClr val="accent1"/>
+    </dgm:linClrLst>
+    <dgm:effectClrLst/>
+    <dgm:txLinClrLst/>
+    <dgm:txFillClrLst meth="repeat">
+      <a:schemeClr val="dk1"/>
+    </dgm:txFillClrLst>
+    <dgm:txEffectClrLst/>
+  </dgm:styleLbl>
+  <dgm:styleLbl name="fgAcc2">
+    <dgm:fillClrLst meth="repeat">
+      <a:schemeClr val="lt1">
+        <a:alpha val="90000"/>
+      </a:schemeClr>
+    </dgm:fillClrLst>
+    <dgm:linClrLst meth="repeat">
+      <a:schemeClr val="accent1"/>
+    </dgm:linClrLst>
+    <dgm:effectClrLst/>
+    <dgm:txLinClrLst/>
+    <dgm:txFillClrLst meth="repeat">
+      <a:schemeClr val="dk1"/>
+    </dgm:txFillClrLst>
+    <dgm:txEffectClrLst/>
+  </dgm:styleLbl>
+  <dgm:styleLbl name="fgAcc3">
+    <dgm:fillClrLst meth="repeat">
+      <a:schemeClr val="lt1">
+        <a:alpha val="90000"/>
+      </a:schemeClr>
+    </dgm:fillClrLst>
+    <dgm:linClrLst meth="repeat">
+      <a:schemeClr val="accent1"/>
+    </dgm:linClrLst>
+    <dgm:effectClrLst/>
+    <dgm:txLinClrLst/>
+    <dgm:txFillClrLst meth="repeat">
+      <a:schemeClr val="dk1"/>
+    </dgm:txFillClrLst>
+    <dgm:txEffectClrLst/>
+  </dgm:styleLbl>
+  <dgm:styleLbl name="fgAcc4">
+    <dgm:fillClrLst meth="repeat">
+      <a:schemeClr val="lt1">
+        <a:alpha val="90000"/>
+      </a:schemeClr>
+    </dgm:fillClrLst>
+    <dgm:linClrLst meth="repeat">
+      <a:schemeClr val="accent1"/>
+    </dgm:linClrLst>
+    <dgm:effectClrLst/>
+    <dgm:txLinClrLst/>
+    <dgm:txFillClrLst meth="repeat">
+      <a:schemeClr val="dk1"/>
+    </dgm:txFillClrLst>
+    <dgm:txEffectClrLst/>
+  </dgm:styleLbl>
+  <dgm:styleLbl name="bgShp">
+    <dgm:fillClrLst meth="repeat">
+      <a:schemeClr val="accent1">
+        <a:tint val="40000"/>
+      </a:schemeClr>
+    </dgm:fillClrLst>
+    <dgm:linClrLst meth="repeat">
+      <a:schemeClr val="accent1"/>
+    </dgm:linClrLst>
+    <dgm:effectClrLst/>
+    <dgm:txLinClrLst/>
+    <dgm:txFillClrLst meth="repeat">
+      <a:schemeClr val="dk1"/>
+    </dgm:txFillClrLst>
+    <dgm:txEffectClrLst/>
+  </dgm:styleLbl>
+  <dgm:styleLbl name="dkBgShp">
+    <dgm:fillClrLst meth="repeat">
+      <a:schemeClr val="accent1">
+        <a:shade val="80000"/>
+      </a:schemeClr>
+    </dgm:fillClrLst>
+    <dgm:linClrLst meth="repeat">
+      <a:schemeClr val="accent1"/>
+    </dgm:linClrLst>
+    <dgm:effectClrLst/>
+    <dgm:txLinClrLst/>
+    <dgm:txFillClrLst meth="repeat">
+      <a:schemeClr val="lt1"/>
+    </dgm:txFillClrLst>
+    <dgm:txEffectClrLst/>
+  </dgm:styleLbl>
+  <dgm:styleLbl name="trBgShp">
+    <dgm:fillClrLst meth="repeat">
+      <a:schemeClr val="accent1">
+        <a:tint val="50000"/>
+        <a:alpha val="40000"/>
+      </a:schemeClr>
+    </dgm:fillClrLst>
+    <dgm:linClrLst meth="repeat">
+      <a:schemeClr val="accent1"/>
+    </dgm:linClrLst>
+    <dgm:effectClrLst/>
+    <dgm:txLinClrLst/>
+    <dgm:txFillClrLst meth="repeat">
+      <a:schemeClr val="lt1"/>
+    </dgm:txFillClrLst>
+    <dgm:txEffectClrLst/>
+  </dgm:styleLbl>
+  <dgm:styleLbl name="fgShp">
+    <dgm:fillClrLst meth="repeat">
+      <a:schemeClr val="accent1">
+        <a:tint val="60000"/>
+      </a:schemeClr>
+    </dgm:fillClrLst>
+    <dgm:linClrLst meth="repeat">
+      <a:schemeClr val="lt1"/>
+    </dgm:linClrLst>
+    <dgm:effectClrLst/>
+    <dgm:txLinClrLst/>
+    <dgm:txFillClrLst meth="repeat">
+      <a:schemeClr val="dk1"/>
+    </dgm:txFillClrLst>
+    <dgm:txEffectClrLst/>
+  </dgm:styleLbl>
+  <dgm:styleLbl name="revTx">
+    <dgm:fillClrLst meth="repeat">
+      <a:schemeClr val="lt1">
+        <a:alpha val="0"/>
+      </a:schemeClr>
+    </dgm:fillClrLst>
+    <dgm:linClrLst meth="repeat">
+      <a:schemeClr val="dk1">
+        <a:alpha val="0"/>
+      </a:schemeClr>
+    </dgm:linClrLst>
+    <dgm:effectClrLst/>
+    <dgm:txLinClrLst/>
+    <dgm:txFillClrLst meth="repeat">
+      <a:schemeClr val="tx1"/>
+    </dgm:txFillClrLst>
+    <dgm:txEffectClrLst/>
+  </dgm:styleLbl>
+</dgm:colorsDef>
+</file>
+
+<file path=ppt/diagrams/colors2.xml><?xml version="1.0" encoding="utf-8"?>
 <dgm:colorsDef xmlns:dgm="http://schemas.openxmlformats.org/drawingml/2006/diagram" xmlns:a="http://schemas.openxmlformats.org/drawingml/2006/main" uniqueId="urn:microsoft.com/office/officeart/2005/8/colors/accent1_2">
   <dgm:title val=""/>
   <dgm:desc val=""/>
@@ -1614,6 +2366,462 @@
 </dgm:dataModel>
 </file>
 
+<file path=ppt/diagrams/data2.xml><?xml version="1.0" encoding="utf-8"?>
+<dgm:dataModel xmlns:dgm="http://schemas.openxmlformats.org/drawingml/2006/diagram" xmlns:a="http://schemas.openxmlformats.org/drawingml/2006/main">
+  <dgm:ptLst>
+    <dgm:pt modelId="{B8AD21DA-942B-43D2-B56E-5C279ADBDEF8}" type="doc">
+      <dgm:prSet loTypeId="urn:microsoft.com/office/officeart/2005/8/layout/hierarchy2" loCatId="hierarchy" qsTypeId="urn:microsoft.com/office/officeart/2005/8/quickstyle/3d2" qsCatId="3D" csTypeId="urn:microsoft.com/office/officeart/2005/8/colors/accent1_2" csCatId="accent1" phldr="1"/>
+      <dgm:spPr/>
+      <dgm:t>
+        <a:bodyPr/>
+        <a:lstStyle/>
+        <a:p>
+          <a:endParaRPr lang="fr-FR"/>
+        </a:p>
+      </dgm:t>
+    </dgm:pt>
+    <dgm:pt modelId="{66885F71-C15A-40F8-98C4-33CC248AF3A0}">
+      <dgm:prSet phldrT="[Texte]">
+        <dgm:style>
+          <a:lnRef idx="1">
+            <a:schemeClr val="accent4"/>
+          </a:lnRef>
+          <a:fillRef idx="2">
+            <a:schemeClr val="accent4"/>
+          </a:fillRef>
+          <a:effectRef idx="1">
+            <a:schemeClr val="accent4"/>
+          </a:effectRef>
+          <a:fontRef idx="minor">
+            <a:schemeClr val="dk1"/>
+          </a:fontRef>
+        </dgm:style>
+      </dgm:prSet>
+      <dgm:spPr/>
+      <dgm:t>
+        <a:bodyPr/>
+        <a:lstStyle/>
+        <a:p>
+          <a:r>
+            <a:rPr lang="fr-FR" dirty="0"/>
+            <a:t>Programme Java</a:t>
+          </a:r>
+        </a:p>
+      </dgm:t>
+    </dgm:pt>
+    <dgm:pt modelId="{269CB9C0-7D2E-4A9D-8806-98160CAE68A9}" type="parTrans" cxnId="{13C834FE-2690-4662-9F3A-68D77C246000}">
+      <dgm:prSet/>
+      <dgm:spPr/>
+      <dgm:t>
+        <a:bodyPr/>
+        <a:lstStyle/>
+        <a:p>
+          <a:endParaRPr lang="fr-FR"/>
+        </a:p>
+      </dgm:t>
+    </dgm:pt>
+    <dgm:pt modelId="{8D88BB96-0DA4-4EC8-8803-25F56769F0F1}" type="sibTrans" cxnId="{13C834FE-2690-4662-9F3A-68D77C246000}">
+      <dgm:prSet/>
+      <dgm:spPr/>
+      <dgm:t>
+        <a:bodyPr/>
+        <a:lstStyle/>
+        <a:p>
+          <a:endParaRPr lang="fr-FR"/>
+        </a:p>
+      </dgm:t>
+    </dgm:pt>
+    <dgm:pt modelId="{7A9858BA-EA4A-45BA-BE6F-9E702F539689}">
+      <dgm:prSet phldrT="[Texte]">
+        <dgm:style>
+          <a:lnRef idx="1">
+            <a:schemeClr val="accent5"/>
+          </a:lnRef>
+          <a:fillRef idx="2">
+            <a:schemeClr val="accent5"/>
+          </a:fillRef>
+          <a:effectRef idx="1">
+            <a:schemeClr val="accent5"/>
+          </a:effectRef>
+          <a:fontRef idx="minor">
+            <a:schemeClr val="dk1"/>
+          </a:fontRef>
+        </dgm:style>
+      </dgm:prSet>
+      <dgm:spPr/>
+      <dgm:t>
+        <a:bodyPr/>
+        <a:lstStyle/>
+        <a:p>
+          <a:r>
+            <a:rPr lang="fr-FR" dirty="0"/>
+            <a:t>Code source</a:t>
+          </a:r>
+        </a:p>
+      </dgm:t>
+    </dgm:pt>
+    <dgm:pt modelId="{DE2C2F35-17EF-41BE-8D5B-837338909383}" type="parTrans" cxnId="{E8304C7E-F5B7-423A-BED8-60A9492AF822}">
+      <dgm:prSet/>
+      <dgm:spPr/>
+      <dgm:t>
+        <a:bodyPr/>
+        <a:lstStyle/>
+        <a:p>
+          <a:endParaRPr lang="fr-FR"/>
+        </a:p>
+      </dgm:t>
+    </dgm:pt>
+    <dgm:pt modelId="{A262925C-78F3-41B2-B172-C5C85122D678}" type="sibTrans" cxnId="{E8304C7E-F5B7-423A-BED8-60A9492AF822}">
+      <dgm:prSet/>
+      <dgm:spPr/>
+      <dgm:t>
+        <a:bodyPr/>
+        <a:lstStyle/>
+        <a:p>
+          <a:endParaRPr lang="fr-FR"/>
+        </a:p>
+      </dgm:t>
+    </dgm:pt>
+    <dgm:pt modelId="{5B83CB79-52C0-4334-91BE-1B02441A350A}">
+      <dgm:prSet phldrT="[Texte]">
+        <dgm:style>
+          <a:lnRef idx="2">
+            <a:schemeClr val="dk1"/>
+          </a:lnRef>
+          <a:fillRef idx="1">
+            <a:schemeClr val="lt1"/>
+          </a:fillRef>
+          <a:effectRef idx="0">
+            <a:schemeClr val="dk1"/>
+          </a:effectRef>
+          <a:fontRef idx="minor">
+            <a:schemeClr val="dk1"/>
+          </a:fontRef>
+        </dgm:style>
+      </dgm:prSet>
+      <dgm:spPr/>
+      <dgm:t>
+        <a:bodyPr/>
+        <a:lstStyle/>
+        <a:p>
+          <a:r>
+            <a:rPr lang="fr-FR" dirty="0"/>
+            <a:t>.java</a:t>
+          </a:r>
+        </a:p>
+      </dgm:t>
+    </dgm:pt>
+    <dgm:pt modelId="{4E392908-A9F4-4B50-9971-B991DEEAE8F2}" type="parTrans" cxnId="{EC728CBD-825C-4930-81D5-D07097D1148A}">
+      <dgm:prSet/>
+      <dgm:spPr/>
+      <dgm:t>
+        <a:bodyPr/>
+        <a:lstStyle/>
+        <a:p>
+          <a:endParaRPr lang="fr-FR"/>
+        </a:p>
+      </dgm:t>
+    </dgm:pt>
+    <dgm:pt modelId="{0345E345-2B37-4826-97AA-0FD3B7D03DC7}" type="sibTrans" cxnId="{EC728CBD-825C-4930-81D5-D07097D1148A}">
+      <dgm:prSet/>
+      <dgm:spPr/>
+      <dgm:t>
+        <a:bodyPr/>
+        <a:lstStyle/>
+        <a:p>
+          <a:endParaRPr lang="fr-FR"/>
+        </a:p>
+      </dgm:t>
+    </dgm:pt>
+    <dgm:pt modelId="{D2294F9A-27B4-4AB1-89FC-0E35D7D33D7E}">
+      <dgm:prSet phldrT="[Texte]">
+        <dgm:style>
+          <a:lnRef idx="1">
+            <a:schemeClr val="accent3"/>
+          </a:lnRef>
+          <a:fillRef idx="2">
+            <a:schemeClr val="accent3"/>
+          </a:fillRef>
+          <a:effectRef idx="1">
+            <a:schemeClr val="accent3"/>
+          </a:effectRef>
+          <a:fontRef idx="minor">
+            <a:schemeClr val="dk1"/>
+          </a:fontRef>
+        </dgm:style>
+      </dgm:prSet>
+      <dgm:spPr/>
+      <dgm:t>
+        <a:bodyPr/>
+        <a:lstStyle/>
+        <a:p>
+          <a:r>
+            <a:rPr lang="fr-FR" dirty="0"/>
+            <a:t>Compilation en bytecode</a:t>
+          </a:r>
+        </a:p>
+      </dgm:t>
+    </dgm:pt>
+    <dgm:pt modelId="{56FD24C2-00F0-4F39-8AC3-9A85BC24DA50}" type="parTrans" cxnId="{79639CAD-E0FB-4C34-81E3-FFCA65EA1B11}">
+      <dgm:prSet/>
+      <dgm:spPr/>
+      <dgm:t>
+        <a:bodyPr/>
+        <a:lstStyle/>
+        <a:p>
+          <a:endParaRPr lang="fr-FR"/>
+        </a:p>
+      </dgm:t>
+    </dgm:pt>
+    <dgm:pt modelId="{C5FEDF44-480B-4D3F-AE85-F5DDC7926A1F}" type="sibTrans" cxnId="{79639CAD-E0FB-4C34-81E3-FFCA65EA1B11}">
+      <dgm:prSet/>
+      <dgm:spPr/>
+      <dgm:t>
+        <a:bodyPr/>
+        <a:lstStyle/>
+        <a:p>
+          <a:endParaRPr lang="fr-FR"/>
+        </a:p>
+      </dgm:t>
+    </dgm:pt>
+    <dgm:pt modelId="{A273CC46-B61B-4AB3-8B34-404E6E5F9951}">
+      <dgm:prSet phldrT="[Texte]">
+        <dgm:style>
+          <a:lnRef idx="2">
+            <a:schemeClr val="dk1"/>
+          </a:lnRef>
+          <a:fillRef idx="1">
+            <a:schemeClr val="lt1"/>
+          </a:fillRef>
+          <a:effectRef idx="0">
+            <a:schemeClr val="dk1"/>
+          </a:effectRef>
+          <a:fontRef idx="minor">
+            <a:schemeClr val="dk1"/>
+          </a:fontRef>
+        </dgm:style>
+      </dgm:prSet>
+      <dgm:spPr/>
+      <dgm:t>
+        <a:bodyPr/>
+        <a:lstStyle/>
+        <a:p>
+          <a:r>
+            <a:rPr lang="fr-FR" dirty="0"/>
+            <a:t>.class</a:t>
+          </a:r>
+        </a:p>
+      </dgm:t>
+    </dgm:pt>
+    <dgm:pt modelId="{926E2CE1-621B-4AE0-8E53-7719A0012891}" type="parTrans" cxnId="{D946E585-5CEC-4500-9319-5670B81FBA76}">
+      <dgm:prSet/>
+      <dgm:spPr/>
+      <dgm:t>
+        <a:bodyPr/>
+        <a:lstStyle/>
+        <a:p>
+          <a:endParaRPr lang="fr-FR"/>
+        </a:p>
+      </dgm:t>
+    </dgm:pt>
+    <dgm:pt modelId="{C38F8EDD-A8D0-4537-8152-332C133BE7C1}" type="sibTrans" cxnId="{D946E585-5CEC-4500-9319-5670B81FBA76}">
+      <dgm:prSet/>
+      <dgm:spPr/>
+      <dgm:t>
+        <a:bodyPr/>
+        <a:lstStyle/>
+        <a:p>
+          <a:endParaRPr lang="fr-FR"/>
+        </a:p>
+      </dgm:t>
+    </dgm:pt>
+    <dgm:pt modelId="{261F1D92-D4EB-4438-AAC2-7F580E226191}" type="pres">
+      <dgm:prSet presAssocID="{B8AD21DA-942B-43D2-B56E-5C279ADBDEF8}" presName="diagram" presStyleCnt="0">
+        <dgm:presLayoutVars>
+          <dgm:chPref val="1"/>
+          <dgm:dir/>
+          <dgm:animOne val="branch"/>
+          <dgm:animLvl val="lvl"/>
+          <dgm:resizeHandles val="exact"/>
+        </dgm:presLayoutVars>
+      </dgm:prSet>
+      <dgm:spPr/>
+    </dgm:pt>
+    <dgm:pt modelId="{B4D1BCFF-952C-4FF8-8D84-51C6BC67B44D}" type="pres">
+      <dgm:prSet presAssocID="{66885F71-C15A-40F8-98C4-33CC248AF3A0}" presName="root1" presStyleCnt="0"/>
+      <dgm:spPr/>
+    </dgm:pt>
+    <dgm:pt modelId="{715E9708-9977-486B-BF7D-BFE4E89AC05F}" type="pres">
+      <dgm:prSet presAssocID="{66885F71-C15A-40F8-98C4-33CC248AF3A0}" presName="LevelOneTextNode" presStyleLbl="node0" presStyleIdx="0" presStyleCnt="1">
+        <dgm:presLayoutVars>
+          <dgm:chPref val="3"/>
+        </dgm:presLayoutVars>
+      </dgm:prSet>
+      <dgm:spPr/>
+    </dgm:pt>
+    <dgm:pt modelId="{DFCC7DBB-4C4E-4E65-BA5A-59E46910E857}" type="pres">
+      <dgm:prSet presAssocID="{66885F71-C15A-40F8-98C4-33CC248AF3A0}" presName="level2hierChild" presStyleCnt="0"/>
+      <dgm:spPr/>
+    </dgm:pt>
+    <dgm:pt modelId="{3D721193-4EC8-4205-8854-BF367B53EF64}" type="pres">
+      <dgm:prSet presAssocID="{DE2C2F35-17EF-41BE-8D5B-837338909383}" presName="conn2-1" presStyleLbl="parChTrans1D2" presStyleIdx="0" presStyleCnt="2"/>
+      <dgm:spPr/>
+    </dgm:pt>
+    <dgm:pt modelId="{C15E7FC7-153F-4EC6-B010-B7F777921E6B}" type="pres">
+      <dgm:prSet presAssocID="{DE2C2F35-17EF-41BE-8D5B-837338909383}" presName="connTx" presStyleLbl="parChTrans1D2" presStyleIdx="0" presStyleCnt="2"/>
+      <dgm:spPr/>
+    </dgm:pt>
+    <dgm:pt modelId="{C3B8AC27-DE4F-41D2-B3B6-09C91C5350BE}" type="pres">
+      <dgm:prSet presAssocID="{7A9858BA-EA4A-45BA-BE6F-9E702F539689}" presName="root2" presStyleCnt="0"/>
+      <dgm:spPr/>
+    </dgm:pt>
+    <dgm:pt modelId="{6017485E-61F6-475A-8CAB-7EC2109CCA3F}" type="pres">
+      <dgm:prSet presAssocID="{7A9858BA-EA4A-45BA-BE6F-9E702F539689}" presName="LevelTwoTextNode" presStyleLbl="node2" presStyleIdx="0" presStyleCnt="2">
+        <dgm:presLayoutVars>
+          <dgm:chPref val="3"/>
+        </dgm:presLayoutVars>
+      </dgm:prSet>
+      <dgm:spPr/>
+    </dgm:pt>
+    <dgm:pt modelId="{73DFF547-E4E6-4BF2-9C11-DBA9C2A8066F}" type="pres">
+      <dgm:prSet presAssocID="{7A9858BA-EA4A-45BA-BE6F-9E702F539689}" presName="level3hierChild" presStyleCnt="0"/>
+      <dgm:spPr/>
+    </dgm:pt>
+    <dgm:pt modelId="{AD75A646-F6A7-49CE-9D8E-882811363414}" type="pres">
+      <dgm:prSet presAssocID="{4E392908-A9F4-4B50-9971-B991DEEAE8F2}" presName="conn2-1" presStyleLbl="parChTrans1D3" presStyleIdx="0" presStyleCnt="2"/>
+      <dgm:spPr/>
+    </dgm:pt>
+    <dgm:pt modelId="{DFD14DC8-2EA3-4759-9246-9DED91703D74}" type="pres">
+      <dgm:prSet presAssocID="{4E392908-A9F4-4B50-9971-B991DEEAE8F2}" presName="connTx" presStyleLbl="parChTrans1D3" presStyleIdx="0" presStyleCnt="2"/>
+      <dgm:spPr/>
+    </dgm:pt>
+    <dgm:pt modelId="{92157D24-21AB-4EA5-ABB7-742F85E39D07}" type="pres">
+      <dgm:prSet presAssocID="{5B83CB79-52C0-4334-91BE-1B02441A350A}" presName="root2" presStyleCnt="0"/>
+      <dgm:spPr/>
+    </dgm:pt>
+    <dgm:pt modelId="{F1B8820E-08F3-4E63-BE86-72BAA71E18B1}" type="pres">
+      <dgm:prSet presAssocID="{5B83CB79-52C0-4334-91BE-1B02441A350A}" presName="LevelTwoTextNode" presStyleLbl="node3" presStyleIdx="0" presStyleCnt="2">
+        <dgm:presLayoutVars>
+          <dgm:chPref val="3"/>
+        </dgm:presLayoutVars>
+      </dgm:prSet>
+      <dgm:spPr>
+        <a:prstGeom prst="flowChartDocument">
+          <a:avLst/>
+        </a:prstGeom>
+      </dgm:spPr>
+    </dgm:pt>
+    <dgm:pt modelId="{E7AFF429-CA3B-43BF-B113-16833C4579C1}" type="pres">
+      <dgm:prSet presAssocID="{5B83CB79-52C0-4334-91BE-1B02441A350A}" presName="level3hierChild" presStyleCnt="0"/>
+      <dgm:spPr/>
+    </dgm:pt>
+    <dgm:pt modelId="{51F73034-FD5B-40CC-8650-29375D3EF6A6}" type="pres">
+      <dgm:prSet presAssocID="{56FD24C2-00F0-4F39-8AC3-9A85BC24DA50}" presName="conn2-1" presStyleLbl="parChTrans1D2" presStyleIdx="1" presStyleCnt="2"/>
+      <dgm:spPr/>
+    </dgm:pt>
+    <dgm:pt modelId="{C783F197-BF06-480B-98DE-762707341E78}" type="pres">
+      <dgm:prSet presAssocID="{56FD24C2-00F0-4F39-8AC3-9A85BC24DA50}" presName="connTx" presStyleLbl="parChTrans1D2" presStyleIdx="1" presStyleCnt="2"/>
+      <dgm:spPr/>
+    </dgm:pt>
+    <dgm:pt modelId="{8D108936-2306-4457-97FD-D2DA6AECD07E}" type="pres">
+      <dgm:prSet presAssocID="{D2294F9A-27B4-4AB1-89FC-0E35D7D33D7E}" presName="root2" presStyleCnt="0"/>
+      <dgm:spPr/>
+    </dgm:pt>
+    <dgm:pt modelId="{CF7D34FD-0054-4E7F-9C95-3237018731EA}" type="pres">
+      <dgm:prSet presAssocID="{D2294F9A-27B4-4AB1-89FC-0E35D7D33D7E}" presName="LevelTwoTextNode" presStyleLbl="node2" presStyleIdx="1" presStyleCnt="2">
+        <dgm:presLayoutVars>
+          <dgm:chPref val="3"/>
+        </dgm:presLayoutVars>
+      </dgm:prSet>
+      <dgm:spPr/>
+    </dgm:pt>
+    <dgm:pt modelId="{633C33E3-7CEE-4B3A-B87F-1FD5B62AF64A}" type="pres">
+      <dgm:prSet presAssocID="{D2294F9A-27B4-4AB1-89FC-0E35D7D33D7E}" presName="level3hierChild" presStyleCnt="0"/>
+      <dgm:spPr/>
+    </dgm:pt>
+    <dgm:pt modelId="{7398701F-40C6-4DB7-9CC6-50975269EB6E}" type="pres">
+      <dgm:prSet presAssocID="{926E2CE1-621B-4AE0-8E53-7719A0012891}" presName="conn2-1" presStyleLbl="parChTrans1D3" presStyleIdx="1" presStyleCnt="2"/>
+      <dgm:spPr/>
+    </dgm:pt>
+    <dgm:pt modelId="{DA85A52F-4F19-42AF-8AA4-7FC203BDCCD1}" type="pres">
+      <dgm:prSet presAssocID="{926E2CE1-621B-4AE0-8E53-7719A0012891}" presName="connTx" presStyleLbl="parChTrans1D3" presStyleIdx="1" presStyleCnt="2"/>
+      <dgm:spPr/>
+    </dgm:pt>
+    <dgm:pt modelId="{A0FD50FE-C585-414B-B4B6-56F97B9828E8}" type="pres">
+      <dgm:prSet presAssocID="{A273CC46-B61B-4AB3-8B34-404E6E5F9951}" presName="root2" presStyleCnt="0"/>
+      <dgm:spPr/>
+    </dgm:pt>
+    <dgm:pt modelId="{E1E5A48A-4C8B-42C1-B039-E1FE46C80EE9}" type="pres">
+      <dgm:prSet presAssocID="{A273CC46-B61B-4AB3-8B34-404E6E5F9951}" presName="LevelTwoTextNode" presStyleLbl="node3" presStyleIdx="1" presStyleCnt="2">
+        <dgm:presLayoutVars>
+          <dgm:chPref val="3"/>
+        </dgm:presLayoutVars>
+      </dgm:prSet>
+      <dgm:spPr>
+        <a:prstGeom prst="flowChartDocument">
+          <a:avLst/>
+        </a:prstGeom>
+      </dgm:spPr>
+    </dgm:pt>
+    <dgm:pt modelId="{03344257-C0AE-4CF6-BA9A-EA3BE1D657B0}" type="pres">
+      <dgm:prSet presAssocID="{A273CC46-B61B-4AB3-8B34-404E6E5F9951}" presName="level3hierChild" presStyleCnt="0"/>
+      <dgm:spPr/>
+    </dgm:pt>
+  </dgm:ptLst>
+  <dgm:cxnLst>
+    <dgm:cxn modelId="{C62B8315-11F7-42BC-A6EE-F042DBAAD0E1}" type="presOf" srcId="{66885F71-C15A-40F8-98C4-33CC248AF3A0}" destId="{715E9708-9977-486B-BF7D-BFE4E89AC05F}" srcOrd="0" destOrd="0" presId="urn:microsoft.com/office/officeart/2005/8/layout/hierarchy2"/>
+    <dgm:cxn modelId="{3B70A737-A144-4F32-80AD-5C33408B2B30}" type="presOf" srcId="{56FD24C2-00F0-4F39-8AC3-9A85BC24DA50}" destId="{51F73034-FD5B-40CC-8650-29375D3EF6A6}" srcOrd="0" destOrd="0" presId="urn:microsoft.com/office/officeart/2005/8/layout/hierarchy2"/>
+    <dgm:cxn modelId="{4C6A1D65-421E-4279-8205-4DBD5898765D}" type="presOf" srcId="{5B83CB79-52C0-4334-91BE-1B02441A350A}" destId="{F1B8820E-08F3-4E63-BE86-72BAA71E18B1}" srcOrd="0" destOrd="0" presId="urn:microsoft.com/office/officeart/2005/8/layout/hierarchy2"/>
+    <dgm:cxn modelId="{6A745D77-B013-4094-9948-C55E8F093DBD}" type="presOf" srcId="{926E2CE1-621B-4AE0-8E53-7719A0012891}" destId="{DA85A52F-4F19-42AF-8AA4-7FC203BDCCD1}" srcOrd="1" destOrd="0" presId="urn:microsoft.com/office/officeart/2005/8/layout/hierarchy2"/>
+    <dgm:cxn modelId="{758C897D-E61F-4F8E-A587-24B0698EAB04}" type="presOf" srcId="{DE2C2F35-17EF-41BE-8D5B-837338909383}" destId="{C15E7FC7-153F-4EC6-B010-B7F777921E6B}" srcOrd="1" destOrd="0" presId="urn:microsoft.com/office/officeart/2005/8/layout/hierarchy2"/>
+    <dgm:cxn modelId="{E8304C7E-F5B7-423A-BED8-60A9492AF822}" srcId="{66885F71-C15A-40F8-98C4-33CC248AF3A0}" destId="{7A9858BA-EA4A-45BA-BE6F-9E702F539689}" srcOrd="0" destOrd="0" parTransId="{DE2C2F35-17EF-41BE-8D5B-837338909383}" sibTransId="{A262925C-78F3-41B2-B172-C5C85122D678}"/>
+    <dgm:cxn modelId="{D946E585-5CEC-4500-9319-5670B81FBA76}" srcId="{D2294F9A-27B4-4AB1-89FC-0E35D7D33D7E}" destId="{A273CC46-B61B-4AB3-8B34-404E6E5F9951}" srcOrd="0" destOrd="0" parTransId="{926E2CE1-621B-4AE0-8E53-7719A0012891}" sibTransId="{C38F8EDD-A8D0-4537-8152-332C133BE7C1}"/>
+    <dgm:cxn modelId="{269DB38A-794B-4441-A9D9-39E98318FCE7}" type="presOf" srcId="{56FD24C2-00F0-4F39-8AC3-9A85BC24DA50}" destId="{C783F197-BF06-480B-98DE-762707341E78}" srcOrd="1" destOrd="0" presId="urn:microsoft.com/office/officeart/2005/8/layout/hierarchy2"/>
+    <dgm:cxn modelId="{57896A97-0249-4A11-AFCB-4C614E75B1EE}" type="presOf" srcId="{4E392908-A9F4-4B50-9971-B991DEEAE8F2}" destId="{DFD14DC8-2EA3-4759-9246-9DED91703D74}" srcOrd="1" destOrd="0" presId="urn:microsoft.com/office/officeart/2005/8/layout/hierarchy2"/>
+    <dgm:cxn modelId="{79639CAD-E0FB-4C34-81E3-FFCA65EA1B11}" srcId="{66885F71-C15A-40F8-98C4-33CC248AF3A0}" destId="{D2294F9A-27B4-4AB1-89FC-0E35D7D33D7E}" srcOrd="1" destOrd="0" parTransId="{56FD24C2-00F0-4F39-8AC3-9A85BC24DA50}" sibTransId="{C5FEDF44-480B-4D3F-AE85-F5DDC7926A1F}"/>
+    <dgm:cxn modelId="{7BE1BFB0-5265-45E2-B50C-CAE95011297F}" type="presOf" srcId="{926E2CE1-621B-4AE0-8E53-7719A0012891}" destId="{7398701F-40C6-4DB7-9CC6-50975269EB6E}" srcOrd="0" destOrd="0" presId="urn:microsoft.com/office/officeart/2005/8/layout/hierarchy2"/>
+    <dgm:cxn modelId="{FAD6B3BA-1DD0-4221-983A-EA26F50166D3}" type="presOf" srcId="{B8AD21DA-942B-43D2-B56E-5C279ADBDEF8}" destId="{261F1D92-D4EB-4438-AAC2-7F580E226191}" srcOrd="0" destOrd="0" presId="urn:microsoft.com/office/officeart/2005/8/layout/hierarchy2"/>
+    <dgm:cxn modelId="{EC728CBD-825C-4930-81D5-D07097D1148A}" srcId="{7A9858BA-EA4A-45BA-BE6F-9E702F539689}" destId="{5B83CB79-52C0-4334-91BE-1B02441A350A}" srcOrd="0" destOrd="0" parTransId="{4E392908-A9F4-4B50-9971-B991DEEAE8F2}" sibTransId="{0345E345-2B37-4826-97AA-0FD3B7D03DC7}"/>
+    <dgm:cxn modelId="{D7A5FEC1-2476-4003-A9C1-DB2EBD6CF524}" type="presOf" srcId="{D2294F9A-27B4-4AB1-89FC-0E35D7D33D7E}" destId="{CF7D34FD-0054-4E7F-9C95-3237018731EA}" srcOrd="0" destOrd="0" presId="urn:microsoft.com/office/officeart/2005/8/layout/hierarchy2"/>
+    <dgm:cxn modelId="{178635C7-77A3-46C7-8EC5-0397B96564C1}" type="presOf" srcId="{7A9858BA-EA4A-45BA-BE6F-9E702F539689}" destId="{6017485E-61F6-475A-8CAB-7EC2109CCA3F}" srcOrd="0" destOrd="0" presId="urn:microsoft.com/office/officeart/2005/8/layout/hierarchy2"/>
+    <dgm:cxn modelId="{2505C0C9-9B95-405F-A65A-49059EBD14AC}" type="presOf" srcId="{4E392908-A9F4-4B50-9971-B991DEEAE8F2}" destId="{AD75A646-F6A7-49CE-9D8E-882811363414}" srcOrd="0" destOrd="0" presId="urn:microsoft.com/office/officeart/2005/8/layout/hierarchy2"/>
+    <dgm:cxn modelId="{2DF354CD-9AF5-4210-A284-EBF291724F42}" type="presOf" srcId="{DE2C2F35-17EF-41BE-8D5B-837338909383}" destId="{3D721193-4EC8-4205-8854-BF367B53EF64}" srcOrd="0" destOrd="0" presId="urn:microsoft.com/office/officeart/2005/8/layout/hierarchy2"/>
+    <dgm:cxn modelId="{4A4FA3FC-F44E-462E-9731-F2C70CFF27FC}" type="presOf" srcId="{A273CC46-B61B-4AB3-8B34-404E6E5F9951}" destId="{E1E5A48A-4C8B-42C1-B039-E1FE46C80EE9}" srcOrd="0" destOrd="0" presId="urn:microsoft.com/office/officeart/2005/8/layout/hierarchy2"/>
+    <dgm:cxn modelId="{13C834FE-2690-4662-9F3A-68D77C246000}" srcId="{B8AD21DA-942B-43D2-B56E-5C279ADBDEF8}" destId="{66885F71-C15A-40F8-98C4-33CC248AF3A0}" srcOrd="0" destOrd="0" parTransId="{269CB9C0-7D2E-4A9D-8806-98160CAE68A9}" sibTransId="{8D88BB96-0DA4-4EC8-8803-25F56769F0F1}"/>
+    <dgm:cxn modelId="{BA15365C-7DBE-47A7-8513-03015FD26F07}" type="presParOf" srcId="{261F1D92-D4EB-4438-AAC2-7F580E226191}" destId="{B4D1BCFF-952C-4FF8-8D84-51C6BC67B44D}" srcOrd="0" destOrd="0" presId="urn:microsoft.com/office/officeart/2005/8/layout/hierarchy2"/>
+    <dgm:cxn modelId="{E1859D42-A34A-45F6-8BBE-BF327E93EC25}" type="presParOf" srcId="{B4D1BCFF-952C-4FF8-8D84-51C6BC67B44D}" destId="{715E9708-9977-486B-BF7D-BFE4E89AC05F}" srcOrd="0" destOrd="0" presId="urn:microsoft.com/office/officeart/2005/8/layout/hierarchy2"/>
+    <dgm:cxn modelId="{A5849EF5-2EA5-4DDD-8952-DD763D5CA178}" type="presParOf" srcId="{B4D1BCFF-952C-4FF8-8D84-51C6BC67B44D}" destId="{DFCC7DBB-4C4E-4E65-BA5A-59E46910E857}" srcOrd="1" destOrd="0" presId="urn:microsoft.com/office/officeart/2005/8/layout/hierarchy2"/>
+    <dgm:cxn modelId="{0DEB36EB-2F26-40C5-BA06-39023A80C7D0}" type="presParOf" srcId="{DFCC7DBB-4C4E-4E65-BA5A-59E46910E857}" destId="{3D721193-4EC8-4205-8854-BF367B53EF64}" srcOrd="0" destOrd="0" presId="urn:microsoft.com/office/officeart/2005/8/layout/hierarchy2"/>
+    <dgm:cxn modelId="{886D4F6F-CEE5-47DD-9E72-F1C13DF01C35}" type="presParOf" srcId="{3D721193-4EC8-4205-8854-BF367B53EF64}" destId="{C15E7FC7-153F-4EC6-B010-B7F777921E6B}" srcOrd="0" destOrd="0" presId="urn:microsoft.com/office/officeart/2005/8/layout/hierarchy2"/>
+    <dgm:cxn modelId="{E43E795B-B9CF-4223-994E-6CCA84A6C0A7}" type="presParOf" srcId="{DFCC7DBB-4C4E-4E65-BA5A-59E46910E857}" destId="{C3B8AC27-DE4F-41D2-B3B6-09C91C5350BE}" srcOrd="1" destOrd="0" presId="urn:microsoft.com/office/officeart/2005/8/layout/hierarchy2"/>
+    <dgm:cxn modelId="{3C6D66D0-2DF1-4FF4-8046-860035C08A77}" type="presParOf" srcId="{C3B8AC27-DE4F-41D2-B3B6-09C91C5350BE}" destId="{6017485E-61F6-475A-8CAB-7EC2109CCA3F}" srcOrd="0" destOrd="0" presId="urn:microsoft.com/office/officeart/2005/8/layout/hierarchy2"/>
+    <dgm:cxn modelId="{2F1200A5-9036-4A1C-A6BB-5F1AE9D9C37A}" type="presParOf" srcId="{C3B8AC27-DE4F-41D2-B3B6-09C91C5350BE}" destId="{73DFF547-E4E6-4BF2-9C11-DBA9C2A8066F}" srcOrd="1" destOrd="0" presId="urn:microsoft.com/office/officeart/2005/8/layout/hierarchy2"/>
+    <dgm:cxn modelId="{3911C8A0-343B-478D-8D62-4646BA9C4068}" type="presParOf" srcId="{73DFF547-E4E6-4BF2-9C11-DBA9C2A8066F}" destId="{AD75A646-F6A7-49CE-9D8E-882811363414}" srcOrd="0" destOrd="0" presId="urn:microsoft.com/office/officeart/2005/8/layout/hierarchy2"/>
+    <dgm:cxn modelId="{B07C3B9C-7CDB-4702-B825-B91DF2F0E428}" type="presParOf" srcId="{AD75A646-F6A7-49CE-9D8E-882811363414}" destId="{DFD14DC8-2EA3-4759-9246-9DED91703D74}" srcOrd="0" destOrd="0" presId="urn:microsoft.com/office/officeart/2005/8/layout/hierarchy2"/>
+    <dgm:cxn modelId="{D2D88001-55A1-4F9C-B73A-2ACC09A6E217}" type="presParOf" srcId="{73DFF547-E4E6-4BF2-9C11-DBA9C2A8066F}" destId="{92157D24-21AB-4EA5-ABB7-742F85E39D07}" srcOrd="1" destOrd="0" presId="urn:microsoft.com/office/officeart/2005/8/layout/hierarchy2"/>
+    <dgm:cxn modelId="{94215829-5852-4FB9-AB44-8BE521C25378}" type="presParOf" srcId="{92157D24-21AB-4EA5-ABB7-742F85E39D07}" destId="{F1B8820E-08F3-4E63-BE86-72BAA71E18B1}" srcOrd="0" destOrd="0" presId="urn:microsoft.com/office/officeart/2005/8/layout/hierarchy2"/>
+    <dgm:cxn modelId="{E94D8B79-75E7-4115-BE9A-0786E51D03A1}" type="presParOf" srcId="{92157D24-21AB-4EA5-ABB7-742F85E39D07}" destId="{E7AFF429-CA3B-43BF-B113-16833C4579C1}" srcOrd="1" destOrd="0" presId="urn:microsoft.com/office/officeart/2005/8/layout/hierarchy2"/>
+    <dgm:cxn modelId="{41042465-1DD2-403A-9A91-22B90737BDC2}" type="presParOf" srcId="{DFCC7DBB-4C4E-4E65-BA5A-59E46910E857}" destId="{51F73034-FD5B-40CC-8650-29375D3EF6A6}" srcOrd="2" destOrd="0" presId="urn:microsoft.com/office/officeart/2005/8/layout/hierarchy2"/>
+    <dgm:cxn modelId="{EC845876-6E1D-405F-9573-AFDBB1881518}" type="presParOf" srcId="{51F73034-FD5B-40CC-8650-29375D3EF6A6}" destId="{C783F197-BF06-480B-98DE-762707341E78}" srcOrd="0" destOrd="0" presId="urn:microsoft.com/office/officeart/2005/8/layout/hierarchy2"/>
+    <dgm:cxn modelId="{3E51E6BB-00B2-4544-AF79-2427E2F756E9}" type="presParOf" srcId="{DFCC7DBB-4C4E-4E65-BA5A-59E46910E857}" destId="{8D108936-2306-4457-97FD-D2DA6AECD07E}" srcOrd="3" destOrd="0" presId="urn:microsoft.com/office/officeart/2005/8/layout/hierarchy2"/>
+    <dgm:cxn modelId="{BBCE1DB3-C4E3-4A09-978D-65DA890B2B5E}" type="presParOf" srcId="{8D108936-2306-4457-97FD-D2DA6AECD07E}" destId="{CF7D34FD-0054-4E7F-9C95-3237018731EA}" srcOrd="0" destOrd="0" presId="urn:microsoft.com/office/officeart/2005/8/layout/hierarchy2"/>
+    <dgm:cxn modelId="{8DC981FD-EC56-4489-B640-DD5D8A0E22EB}" type="presParOf" srcId="{8D108936-2306-4457-97FD-D2DA6AECD07E}" destId="{633C33E3-7CEE-4B3A-B87F-1FD5B62AF64A}" srcOrd="1" destOrd="0" presId="urn:microsoft.com/office/officeart/2005/8/layout/hierarchy2"/>
+    <dgm:cxn modelId="{247862CB-C171-479C-8666-6836CE867BAB}" type="presParOf" srcId="{633C33E3-7CEE-4B3A-B87F-1FD5B62AF64A}" destId="{7398701F-40C6-4DB7-9CC6-50975269EB6E}" srcOrd="0" destOrd="0" presId="urn:microsoft.com/office/officeart/2005/8/layout/hierarchy2"/>
+    <dgm:cxn modelId="{1ADA0A43-EFF7-4D8A-A7DA-EB6345CFC4A5}" type="presParOf" srcId="{7398701F-40C6-4DB7-9CC6-50975269EB6E}" destId="{DA85A52F-4F19-42AF-8AA4-7FC203BDCCD1}" srcOrd="0" destOrd="0" presId="urn:microsoft.com/office/officeart/2005/8/layout/hierarchy2"/>
+    <dgm:cxn modelId="{2E16C146-E92E-4ADC-A97B-EB7A1894ED36}" type="presParOf" srcId="{633C33E3-7CEE-4B3A-B87F-1FD5B62AF64A}" destId="{A0FD50FE-C585-414B-B4B6-56F97B9828E8}" srcOrd="1" destOrd="0" presId="urn:microsoft.com/office/officeart/2005/8/layout/hierarchy2"/>
+    <dgm:cxn modelId="{11345188-E02A-4694-BC86-9FFCA15E5974}" type="presParOf" srcId="{A0FD50FE-C585-414B-B4B6-56F97B9828E8}" destId="{E1E5A48A-4C8B-42C1-B039-E1FE46C80EE9}" srcOrd="0" destOrd="0" presId="urn:microsoft.com/office/officeart/2005/8/layout/hierarchy2"/>
+    <dgm:cxn modelId="{BBF112C6-35A3-4646-8701-B98B0219F8E5}" type="presParOf" srcId="{A0FD50FE-C585-414B-B4B6-56F97B9828E8}" destId="{03344257-C0AE-4CF6-BA9A-EA3BE1D657B0}" srcOrd="1" destOrd="0" presId="urn:microsoft.com/office/officeart/2005/8/layout/hierarchy2"/>
+  </dgm:cxnLst>
+  <dgm:bg/>
+  <dgm:whole/>
+  <dgm:extLst>
+    <a:ext uri="http://schemas.microsoft.com/office/drawing/2008/diagram">
+      <dsp:dataModelExt xmlns:dsp="http://schemas.microsoft.com/office/drawing/2008/diagram" relId="rId6" minVer="http://schemas.openxmlformats.org/drawingml/2006/diagram"/>
+    </a:ext>
+  </dgm:extLst>
+</dgm:dataModel>
+</file>
+
 <file path=ppt/diagrams/drawing1.xml><?xml version="1.0" encoding="utf-8"?>
 <dsp:drawing xmlns:dgm="http://schemas.openxmlformats.org/drawingml/2006/diagram" xmlns:dsp="http://schemas.microsoft.com/office/drawing/2008/diagram" xmlns:a="http://schemas.openxmlformats.org/drawingml/2006/main">
   <dsp:spTree>
@@ -2297,6 +3505,820 @@
 </dsp:drawing>
 </file>
 
+<file path=ppt/diagrams/drawing2.xml><?xml version="1.0" encoding="utf-8"?>
+<dsp:drawing xmlns:dgm="http://schemas.openxmlformats.org/drawingml/2006/diagram" xmlns:dsp="http://schemas.microsoft.com/office/drawing/2008/diagram" xmlns:a="http://schemas.openxmlformats.org/drawingml/2006/main">
+  <dsp:spTree>
+    <dsp:nvGrpSpPr>
+      <dsp:cNvPr id="0" name=""/>
+      <dsp:cNvGrpSpPr/>
+    </dsp:nvGrpSpPr>
+    <dsp:grpSpPr/>
+    <dsp:sp modelId="{715E9708-9977-486B-BF7D-BFE4E89AC05F}">
+      <dsp:nvSpPr>
+        <dsp:cNvPr id="0" name=""/>
+        <dsp:cNvSpPr/>
+      </dsp:nvSpPr>
+      <dsp:spPr>
+        <a:xfrm>
+          <a:off x="2116" y="2174875"/>
+          <a:ext cx="2137833" cy="1068916"/>
+        </a:xfrm>
+        <a:prstGeom prst="roundRect">
+          <a:avLst>
+            <a:gd name="adj" fmla="val 10000"/>
+          </a:avLst>
+        </a:prstGeom>
+        <a:gradFill rotWithShape="1">
+          <a:gsLst>
+            <a:gs pos="0">
+              <a:schemeClr val="accent4">
+                <a:lumMod val="110000"/>
+                <a:satMod val="105000"/>
+                <a:tint val="67000"/>
+              </a:schemeClr>
+            </a:gs>
+            <a:gs pos="50000">
+              <a:schemeClr val="accent4">
+                <a:lumMod val="105000"/>
+                <a:satMod val="103000"/>
+                <a:tint val="73000"/>
+              </a:schemeClr>
+            </a:gs>
+            <a:gs pos="100000">
+              <a:schemeClr val="accent4">
+                <a:lumMod val="105000"/>
+                <a:satMod val="109000"/>
+                <a:tint val="81000"/>
+              </a:schemeClr>
+            </a:gs>
+          </a:gsLst>
+          <a:lin ang="5400000" scaled="0"/>
+        </a:gradFill>
+        <a:ln w="6350" cap="flat" cmpd="sng" algn="ctr">
+          <a:solidFill>
+            <a:schemeClr val="accent4"/>
+          </a:solidFill>
+          <a:prstDash val="solid"/>
+          <a:miter lim="800000"/>
+        </a:ln>
+        <a:effectLst/>
+        <a:scene3d>
+          <a:camera prst="orthographicFront"/>
+          <a:lightRig rig="threePt" dir="t">
+            <a:rot lat="0" lon="0" rev="7500000"/>
+          </a:lightRig>
+        </a:scene3d>
+        <a:sp3d/>
+      </dsp:spPr>
+      <dsp:style>
+        <a:lnRef idx="1">
+          <a:schemeClr val="accent4"/>
+        </a:lnRef>
+        <a:fillRef idx="2">
+          <a:schemeClr val="accent4"/>
+        </a:fillRef>
+        <a:effectRef idx="1">
+          <a:schemeClr val="accent4"/>
+        </a:effectRef>
+        <a:fontRef idx="minor">
+          <a:schemeClr val="dk1"/>
+        </a:fontRef>
+      </dsp:style>
+      <dsp:txBody>
+        <a:bodyPr spcFirstLastPara="0" vert="horz" wrap="square" lIns="19685" tIns="19685" rIns="19685" bIns="19685" numCol="1" spcCol="1270" anchor="ctr" anchorCtr="0">
+          <a:noAutofit/>
+        </a:bodyPr>
+        <a:lstStyle/>
+        <a:p>
+          <a:pPr marL="0" lvl="0" indent="0" algn="ctr" defTabSz="1377950">
+            <a:lnSpc>
+              <a:spcPct val="90000"/>
+            </a:lnSpc>
+            <a:spcBef>
+              <a:spcPct val="0"/>
+            </a:spcBef>
+            <a:spcAft>
+              <a:spcPct val="35000"/>
+            </a:spcAft>
+            <a:buNone/>
+          </a:pPr>
+          <a:r>
+            <a:rPr lang="fr-FR" sz="3100" kern="1200" dirty="0"/>
+            <a:t>Programme Java</a:t>
+          </a:r>
+        </a:p>
+      </dsp:txBody>
+      <dsp:txXfrm>
+        <a:off x="33423" y="2206182"/>
+        <a:ext cx="2075219" cy="1006302"/>
+      </dsp:txXfrm>
+    </dsp:sp>
+    <dsp:sp modelId="{3D721193-4EC8-4205-8854-BF367B53EF64}">
+      <dsp:nvSpPr>
+        <dsp:cNvPr id="0" name=""/>
+        <dsp:cNvSpPr/>
+      </dsp:nvSpPr>
+      <dsp:spPr>
+        <a:xfrm rot="19457599">
+          <a:off x="2040966" y="2384266"/>
+          <a:ext cx="1053099" cy="35507"/>
+        </a:xfrm>
+        <a:custGeom>
+          <a:avLst/>
+          <a:gdLst/>
+          <a:ahLst/>
+          <a:cxnLst/>
+          <a:rect l="0" t="0" r="0" b="0"/>
+          <a:pathLst>
+            <a:path>
+              <a:moveTo>
+                <a:pt x="0" y="17753"/>
+              </a:moveTo>
+              <a:lnTo>
+                <a:pt x="1053099" y="17753"/>
+              </a:lnTo>
+            </a:path>
+          </a:pathLst>
+        </a:custGeom>
+        <a:noFill/>
+        <a:ln w="12700" cap="flat" cmpd="sng" algn="ctr">
+          <a:solidFill>
+            <a:schemeClr val="accent1">
+              <a:shade val="60000"/>
+              <a:hueOff val="0"/>
+              <a:satOff val="0"/>
+              <a:lumOff val="0"/>
+              <a:alphaOff val="0"/>
+            </a:schemeClr>
+          </a:solidFill>
+          <a:prstDash val="solid"/>
+          <a:miter lim="800000"/>
+        </a:ln>
+        <a:effectLst/>
+        <a:scene3d>
+          <a:camera prst="orthographicFront"/>
+          <a:lightRig rig="threePt" dir="t">
+            <a:rot lat="0" lon="0" rev="7500000"/>
+          </a:lightRig>
+        </a:scene3d>
+        <a:sp3d z="-40000" prstMaterial="matte"/>
+      </dsp:spPr>
+      <dsp:style>
+        <a:lnRef idx="2">
+          <a:scrgbClr r="0" g="0" b="0"/>
+        </a:lnRef>
+        <a:fillRef idx="0">
+          <a:scrgbClr r="0" g="0" b="0"/>
+        </a:fillRef>
+        <a:effectRef idx="0">
+          <a:scrgbClr r="0" g="0" b="0"/>
+        </a:effectRef>
+        <a:fontRef idx="minor"/>
+      </dsp:style>
+      <dsp:txBody>
+        <a:bodyPr spcFirstLastPara="0" vert="horz" wrap="square" lIns="12700" tIns="0" rIns="12700" bIns="0" numCol="1" spcCol="1270" anchor="ctr" anchorCtr="0">
+          <a:noAutofit/>
+        </a:bodyPr>
+        <a:lstStyle/>
+        <a:p>
+          <a:pPr marL="0" lvl="0" indent="0" algn="ctr" defTabSz="222250">
+            <a:lnSpc>
+              <a:spcPct val="90000"/>
+            </a:lnSpc>
+            <a:spcBef>
+              <a:spcPct val="0"/>
+            </a:spcBef>
+            <a:spcAft>
+              <a:spcPct val="35000"/>
+            </a:spcAft>
+            <a:buNone/>
+          </a:pPr>
+          <a:endParaRPr lang="fr-FR" sz="500" kern="1200"/>
+        </a:p>
+      </dsp:txBody>
+      <dsp:txXfrm>
+        <a:off x="2541189" y="2375692"/>
+        <a:ext cx="52654" cy="52654"/>
+      </dsp:txXfrm>
+    </dsp:sp>
+    <dsp:sp modelId="{6017485E-61F6-475A-8CAB-7EC2109CCA3F}">
+      <dsp:nvSpPr>
+        <dsp:cNvPr id="0" name=""/>
+        <dsp:cNvSpPr/>
+      </dsp:nvSpPr>
+      <dsp:spPr>
+        <a:xfrm>
+          <a:off x="2995083" y="1560248"/>
+          <a:ext cx="2137833" cy="1068916"/>
+        </a:xfrm>
+        <a:prstGeom prst="roundRect">
+          <a:avLst>
+            <a:gd name="adj" fmla="val 10000"/>
+          </a:avLst>
+        </a:prstGeom>
+        <a:gradFill rotWithShape="1">
+          <a:gsLst>
+            <a:gs pos="0">
+              <a:schemeClr val="accent5">
+                <a:lumMod val="110000"/>
+                <a:satMod val="105000"/>
+                <a:tint val="67000"/>
+              </a:schemeClr>
+            </a:gs>
+            <a:gs pos="50000">
+              <a:schemeClr val="accent5">
+                <a:lumMod val="105000"/>
+                <a:satMod val="103000"/>
+                <a:tint val="73000"/>
+              </a:schemeClr>
+            </a:gs>
+            <a:gs pos="100000">
+              <a:schemeClr val="accent5">
+                <a:lumMod val="105000"/>
+                <a:satMod val="109000"/>
+                <a:tint val="81000"/>
+              </a:schemeClr>
+            </a:gs>
+          </a:gsLst>
+          <a:lin ang="5400000" scaled="0"/>
+        </a:gradFill>
+        <a:ln w="6350" cap="flat" cmpd="sng" algn="ctr">
+          <a:solidFill>
+            <a:schemeClr val="accent5"/>
+          </a:solidFill>
+          <a:prstDash val="solid"/>
+          <a:miter lim="800000"/>
+        </a:ln>
+        <a:effectLst/>
+        <a:scene3d>
+          <a:camera prst="orthographicFront"/>
+          <a:lightRig rig="threePt" dir="t">
+            <a:rot lat="0" lon="0" rev="7500000"/>
+          </a:lightRig>
+        </a:scene3d>
+        <a:sp3d/>
+      </dsp:spPr>
+      <dsp:style>
+        <a:lnRef idx="1">
+          <a:schemeClr val="accent5"/>
+        </a:lnRef>
+        <a:fillRef idx="2">
+          <a:schemeClr val="accent5"/>
+        </a:fillRef>
+        <a:effectRef idx="1">
+          <a:schemeClr val="accent5"/>
+        </a:effectRef>
+        <a:fontRef idx="minor">
+          <a:schemeClr val="dk1"/>
+        </a:fontRef>
+      </dsp:style>
+      <dsp:txBody>
+        <a:bodyPr spcFirstLastPara="0" vert="horz" wrap="square" lIns="19685" tIns="19685" rIns="19685" bIns="19685" numCol="1" spcCol="1270" anchor="ctr" anchorCtr="0">
+          <a:noAutofit/>
+        </a:bodyPr>
+        <a:lstStyle/>
+        <a:p>
+          <a:pPr marL="0" lvl="0" indent="0" algn="ctr" defTabSz="1377950">
+            <a:lnSpc>
+              <a:spcPct val="90000"/>
+            </a:lnSpc>
+            <a:spcBef>
+              <a:spcPct val="0"/>
+            </a:spcBef>
+            <a:spcAft>
+              <a:spcPct val="35000"/>
+            </a:spcAft>
+            <a:buNone/>
+          </a:pPr>
+          <a:r>
+            <a:rPr lang="fr-FR" sz="3100" kern="1200" dirty="0"/>
+            <a:t>Code source</a:t>
+          </a:r>
+        </a:p>
+      </dsp:txBody>
+      <dsp:txXfrm>
+        <a:off x="3026390" y="1591555"/>
+        <a:ext cx="2075219" cy="1006302"/>
+      </dsp:txXfrm>
+    </dsp:sp>
+    <dsp:sp modelId="{AD75A646-F6A7-49CE-9D8E-882811363414}">
+      <dsp:nvSpPr>
+        <dsp:cNvPr id="0" name=""/>
+        <dsp:cNvSpPr/>
+      </dsp:nvSpPr>
+      <dsp:spPr>
+        <a:xfrm>
+          <a:off x="5132916" y="2076952"/>
+          <a:ext cx="855133" cy="35507"/>
+        </a:xfrm>
+        <a:custGeom>
+          <a:avLst/>
+          <a:gdLst/>
+          <a:ahLst/>
+          <a:cxnLst/>
+          <a:rect l="0" t="0" r="0" b="0"/>
+          <a:pathLst>
+            <a:path>
+              <a:moveTo>
+                <a:pt x="0" y="17753"/>
+              </a:moveTo>
+              <a:lnTo>
+                <a:pt x="855133" y="17753"/>
+              </a:lnTo>
+            </a:path>
+          </a:pathLst>
+        </a:custGeom>
+        <a:noFill/>
+        <a:ln w="12700" cap="flat" cmpd="sng" algn="ctr">
+          <a:solidFill>
+            <a:schemeClr val="accent1">
+              <a:shade val="80000"/>
+              <a:hueOff val="0"/>
+              <a:satOff val="0"/>
+              <a:lumOff val="0"/>
+              <a:alphaOff val="0"/>
+            </a:schemeClr>
+          </a:solidFill>
+          <a:prstDash val="solid"/>
+          <a:miter lim="800000"/>
+        </a:ln>
+        <a:effectLst/>
+        <a:scene3d>
+          <a:camera prst="orthographicFront"/>
+          <a:lightRig rig="threePt" dir="t">
+            <a:rot lat="0" lon="0" rev="7500000"/>
+          </a:lightRig>
+        </a:scene3d>
+        <a:sp3d z="-40000" prstMaterial="matte"/>
+      </dsp:spPr>
+      <dsp:style>
+        <a:lnRef idx="2">
+          <a:scrgbClr r="0" g="0" b="0"/>
+        </a:lnRef>
+        <a:fillRef idx="0">
+          <a:scrgbClr r="0" g="0" b="0"/>
+        </a:fillRef>
+        <a:effectRef idx="0">
+          <a:scrgbClr r="0" g="0" b="0"/>
+        </a:effectRef>
+        <a:fontRef idx="minor"/>
+      </dsp:style>
+      <dsp:txBody>
+        <a:bodyPr spcFirstLastPara="0" vert="horz" wrap="square" lIns="12700" tIns="0" rIns="12700" bIns="0" numCol="1" spcCol="1270" anchor="ctr" anchorCtr="0">
+          <a:noAutofit/>
+        </a:bodyPr>
+        <a:lstStyle/>
+        <a:p>
+          <a:pPr marL="0" lvl="0" indent="0" algn="ctr" defTabSz="222250">
+            <a:lnSpc>
+              <a:spcPct val="90000"/>
+            </a:lnSpc>
+            <a:spcBef>
+              <a:spcPct val="0"/>
+            </a:spcBef>
+            <a:spcAft>
+              <a:spcPct val="35000"/>
+            </a:spcAft>
+            <a:buNone/>
+          </a:pPr>
+          <a:endParaRPr lang="fr-FR" sz="500" kern="1200"/>
+        </a:p>
+      </dsp:txBody>
+      <dsp:txXfrm>
+        <a:off x="5539105" y="2073328"/>
+        <a:ext cx="42756" cy="42756"/>
+      </dsp:txXfrm>
+    </dsp:sp>
+    <dsp:sp modelId="{F1B8820E-08F3-4E63-BE86-72BAA71E18B1}">
+      <dsp:nvSpPr>
+        <dsp:cNvPr id="0" name=""/>
+        <dsp:cNvSpPr/>
+      </dsp:nvSpPr>
+      <dsp:spPr>
+        <a:xfrm>
+          <a:off x="5988050" y="1560248"/>
+          <a:ext cx="2137833" cy="1068916"/>
+        </a:xfrm>
+        <a:prstGeom prst="flowChartDocument">
+          <a:avLst/>
+        </a:prstGeom>
+        <a:solidFill>
+          <a:schemeClr val="lt1"/>
+        </a:solidFill>
+        <a:ln w="12700" cap="flat" cmpd="sng" algn="ctr">
+          <a:solidFill>
+            <a:schemeClr val="dk1"/>
+          </a:solidFill>
+          <a:prstDash val="solid"/>
+          <a:miter lim="800000"/>
+        </a:ln>
+        <a:effectLst/>
+        <a:scene3d>
+          <a:camera prst="orthographicFront"/>
+          <a:lightRig rig="threePt" dir="t">
+            <a:rot lat="0" lon="0" rev="7500000"/>
+          </a:lightRig>
+        </a:scene3d>
+        <a:sp3d/>
+      </dsp:spPr>
+      <dsp:style>
+        <a:lnRef idx="2">
+          <a:schemeClr val="dk1"/>
+        </a:lnRef>
+        <a:fillRef idx="1">
+          <a:schemeClr val="lt1"/>
+        </a:fillRef>
+        <a:effectRef idx="0">
+          <a:schemeClr val="dk1"/>
+        </a:effectRef>
+        <a:fontRef idx="minor">
+          <a:schemeClr val="dk1"/>
+        </a:fontRef>
+      </dsp:style>
+      <dsp:txBody>
+        <a:bodyPr spcFirstLastPara="0" vert="horz" wrap="square" lIns="19685" tIns="19685" rIns="19685" bIns="19685" numCol="1" spcCol="1270" anchor="ctr" anchorCtr="0">
+          <a:noAutofit/>
+        </a:bodyPr>
+        <a:lstStyle/>
+        <a:p>
+          <a:pPr marL="0" lvl="0" indent="0" algn="ctr" defTabSz="1377950">
+            <a:lnSpc>
+              <a:spcPct val="90000"/>
+            </a:lnSpc>
+            <a:spcBef>
+              <a:spcPct val="0"/>
+            </a:spcBef>
+            <a:spcAft>
+              <a:spcPct val="35000"/>
+            </a:spcAft>
+            <a:buNone/>
+          </a:pPr>
+          <a:r>
+            <a:rPr lang="fr-FR" sz="3100" kern="1200" dirty="0"/>
+            <a:t>.java</a:t>
+          </a:r>
+        </a:p>
+      </dsp:txBody>
+      <dsp:txXfrm>
+        <a:off x="5988050" y="1560248"/>
+        <a:ext cx="2137833" cy="857211"/>
+      </dsp:txXfrm>
+    </dsp:sp>
+    <dsp:sp modelId="{51F73034-FD5B-40CC-8650-29375D3EF6A6}">
+      <dsp:nvSpPr>
+        <dsp:cNvPr id="0" name=""/>
+        <dsp:cNvSpPr/>
+      </dsp:nvSpPr>
+      <dsp:spPr>
+        <a:xfrm rot="2142401">
+          <a:off x="2040966" y="2998893"/>
+          <a:ext cx="1053099" cy="35507"/>
+        </a:xfrm>
+        <a:custGeom>
+          <a:avLst/>
+          <a:gdLst/>
+          <a:ahLst/>
+          <a:cxnLst/>
+          <a:rect l="0" t="0" r="0" b="0"/>
+          <a:pathLst>
+            <a:path>
+              <a:moveTo>
+                <a:pt x="0" y="17753"/>
+              </a:moveTo>
+              <a:lnTo>
+                <a:pt x="1053099" y="17753"/>
+              </a:lnTo>
+            </a:path>
+          </a:pathLst>
+        </a:custGeom>
+        <a:noFill/>
+        <a:ln w="12700" cap="flat" cmpd="sng" algn="ctr">
+          <a:solidFill>
+            <a:schemeClr val="accent1">
+              <a:shade val="60000"/>
+              <a:hueOff val="0"/>
+              <a:satOff val="0"/>
+              <a:lumOff val="0"/>
+              <a:alphaOff val="0"/>
+            </a:schemeClr>
+          </a:solidFill>
+          <a:prstDash val="solid"/>
+          <a:miter lim="800000"/>
+        </a:ln>
+        <a:effectLst/>
+        <a:scene3d>
+          <a:camera prst="orthographicFront"/>
+          <a:lightRig rig="threePt" dir="t">
+            <a:rot lat="0" lon="0" rev="7500000"/>
+          </a:lightRig>
+        </a:scene3d>
+        <a:sp3d z="-40000" prstMaterial="matte"/>
+      </dsp:spPr>
+      <dsp:style>
+        <a:lnRef idx="2">
+          <a:scrgbClr r="0" g="0" b="0"/>
+        </a:lnRef>
+        <a:fillRef idx="0">
+          <a:scrgbClr r="0" g="0" b="0"/>
+        </a:fillRef>
+        <a:effectRef idx="0">
+          <a:scrgbClr r="0" g="0" b="0"/>
+        </a:effectRef>
+        <a:fontRef idx="minor"/>
+      </dsp:style>
+      <dsp:txBody>
+        <a:bodyPr spcFirstLastPara="0" vert="horz" wrap="square" lIns="12700" tIns="0" rIns="12700" bIns="0" numCol="1" spcCol="1270" anchor="ctr" anchorCtr="0">
+          <a:noAutofit/>
+        </a:bodyPr>
+        <a:lstStyle/>
+        <a:p>
+          <a:pPr marL="0" lvl="0" indent="0" algn="ctr" defTabSz="222250">
+            <a:lnSpc>
+              <a:spcPct val="90000"/>
+            </a:lnSpc>
+            <a:spcBef>
+              <a:spcPct val="0"/>
+            </a:spcBef>
+            <a:spcAft>
+              <a:spcPct val="35000"/>
+            </a:spcAft>
+            <a:buNone/>
+          </a:pPr>
+          <a:endParaRPr lang="fr-FR" sz="500" kern="1200"/>
+        </a:p>
+      </dsp:txBody>
+      <dsp:txXfrm>
+        <a:off x="2541189" y="2990319"/>
+        <a:ext cx="52654" cy="52654"/>
+      </dsp:txXfrm>
+    </dsp:sp>
+    <dsp:sp modelId="{CF7D34FD-0054-4E7F-9C95-3237018731EA}">
+      <dsp:nvSpPr>
+        <dsp:cNvPr id="0" name=""/>
+        <dsp:cNvSpPr/>
+      </dsp:nvSpPr>
+      <dsp:spPr>
+        <a:xfrm>
+          <a:off x="2995083" y="2789502"/>
+          <a:ext cx="2137833" cy="1068916"/>
+        </a:xfrm>
+        <a:prstGeom prst="roundRect">
+          <a:avLst>
+            <a:gd name="adj" fmla="val 10000"/>
+          </a:avLst>
+        </a:prstGeom>
+        <a:gradFill rotWithShape="1">
+          <a:gsLst>
+            <a:gs pos="0">
+              <a:schemeClr val="accent3">
+                <a:lumMod val="110000"/>
+                <a:satMod val="105000"/>
+                <a:tint val="67000"/>
+              </a:schemeClr>
+            </a:gs>
+            <a:gs pos="50000">
+              <a:schemeClr val="accent3">
+                <a:lumMod val="105000"/>
+                <a:satMod val="103000"/>
+                <a:tint val="73000"/>
+              </a:schemeClr>
+            </a:gs>
+            <a:gs pos="100000">
+              <a:schemeClr val="accent3">
+                <a:lumMod val="105000"/>
+                <a:satMod val="109000"/>
+                <a:tint val="81000"/>
+              </a:schemeClr>
+            </a:gs>
+          </a:gsLst>
+          <a:lin ang="5400000" scaled="0"/>
+        </a:gradFill>
+        <a:ln w="6350" cap="flat" cmpd="sng" algn="ctr">
+          <a:solidFill>
+            <a:schemeClr val="accent3"/>
+          </a:solidFill>
+          <a:prstDash val="solid"/>
+          <a:miter lim="800000"/>
+        </a:ln>
+        <a:effectLst/>
+        <a:scene3d>
+          <a:camera prst="orthographicFront"/>
+          <a:lightRig rig="threePt" dir="t">
+            <a:rot lat="0" lon="0" rev="7500000"/>
+          </a:lightRig>
+        </a:scene3d>
+        <a:sp3d/>
+      </dsp:spPr>
+      <dsp:style>
+        <a:lnRef idx="1">
+          <a:schemeClr val="accent3"/>
+        </a:lnRef>
+        <a:fillRef idx="2">
+          <a:schemeClr val="accent3"/>
+        </a:fillRef>
+        <a:effectRef idx="1">
+          <a:schemeClr val="accent3"/>
+        </a:effectRef>
+        <a:fontRef idx="minor">
+          <a:schemeClr val="dk1"/>
+        </a:fontRef>
+      </dsp:style>
+      <dsp:txBody>
+        <a:bodyPr spcFirstLastPara="0" vert="horz" wrap="square" lIns="19685" tIns="19685" rIns="19685" bIns="19685" numCol="1" spcCol="1270" anchor="ctr" anchorCtr="0">
+          <a:noAutofit/>
+        </a:bodyPr>
+        <a:lstStyle/>
+        <a:p>
+          <a:pPr marL="0" lvl="0" indent="0" algn="ctr" defTabSz="1377950">
+            <a:lnSpc>
+              <a:spcPct val="90000"/>
+            </a:lnSpc>
+            <a:spcBef>
+              <a:spcPct val="0"/>
+            </a:spcBef>
+            <a:spcAft>
+              <a:spcPct val="35000"/>
+            </a:spcAft>
+            <a:buNone/>
+          </a:pPr>
+          <a:r>
+            <a:rPr lang="fr-FR" sz="3100" kern="1200" dirty="0"/>
+            <a:t>Compilation en bytecode</a:t>
+          </a:r>
+        </a:p>
+      </dsp:txBody>
+      <dsp:txXfrm>
+        <a:off x="3026390" y="2820809"/>
+        <a:ext cx="2075219" cy="1006302"/>
+      </dsp:txXfrm>
+    </dsp:sp>
+    <dsp:sp modelId="{7398701F-40C6-4DB7-9CC6-50975269EB6E}">
+      <dsp:nvSpPr>
+        <dsp:cNvPr id="0" name=""/>
+        <dsp:cNvSpPr/>
+      </dsp:nvSpPr>
+      <dsp:spPr>
+        <a:xfrm>
+          <a:off x="5132916" y="3306206"/>
+          <a:ext cx="855133" cy="35507"/>
+        </a:xfrm>
+        <a:custGeom>
+          <a:avLst/>
+          <a:gdLst/>
+          <a:ahLst/>
+          <a:cxnLst/>
+          <a:rect l="0" t="0" r="0" b="0"/>
+          <a:pathLst>
+            <a:path>
+              <a:moveTo>
+                <a:pt x="0" y="17753"/>
+              </a:moveTo>
+              <a:lnTo>
+                <a:pt x="855133" y="17753"/>
+              </a:lnTo>
+            </a:path>
+          </a:pathLst>
+        </a:custGeom>
+        <a:noFill/>
+        <a:ln w="12700" cap="flat" cmpd="sng" algn="ctr">
+          <a:solidFill>
+            <a:schemeClr val="accent1">
+              <a:shade val="80000"/>
+              <a:hueOff val="0"/>
+              <a:satOff val="0"/>
+              <a:lumOff val="0"/>
+              <a:alphaOff val="0"/>
+            </a:schemeClr>
+          </a:solidFill>
+          <a:prstDash val="solid"/>
+          <a:miter lim="800000"/>
+        </a:ln>
+        <a:effectLst/>
+        <a:scene3d>
+          <a:camera prst="orthographicFront"/>
+          <a:lightRig rig="threePt" dir="t">
+            <a:rot lat="0" lon="0" rev="7500000"/>
+          </a:lightRig>
+        </a:scene3d>
+        <a:sp3d z="-40000" prstMaterial="matte"/>
+      </dsp:spPr>
+      <dsp:style>
+        <a:lnRef idx="2">
+          <a:scrgbClr r="0" g="0" b="0"/>
+        </a:lnRef>
+        <a:fillRef idx="0">
+          <a:scrgbClr r="0" g="0" b="0"/>
+        </a:fillRef>
+        <a:effectRef idx="0">
+          <a:scrgbClr r="0" g="0" b="0"/>
+        </a:effectRef>
+        <a:fontRef idx="minor"/>
+      </dsp:style>
+      <dsp:txBody>
+        <a:bodyPr spcFirstLastPara="0" vert="horz" wrap="square" lIns="12700" tIns="0" rIns="12700" bIns="0" numCol="1" spcCol="1270" anchor="ctr" anchorCtr="0">
+          <a:noAutofit/>
+        </a:bodyPr>
+        <a:lstStyle/>
+        <a:p>
+          <a:pPr marL="0" lvl="0" indent="0" algn="ctr" defTabSz="222250">
+            <a:lnSpc>
+              <a:spcPct val="90000"/>
+            </a:lnSpc>
+            <a:spcBef>
+              <a:spcPct val="0"/>
+            </a:spcBef>
+            <a:spcAft>
+              <a:spcPct val="35000"/>
+            </a:spcAft>
+            <a:buNone/>
+          </a:pPr>
+          <a:endParaRPr lang="fr-FR" sz="500" kern="1200"/>
+        </a:p>
+      </dsp:txBody>
+      <dsp:txXfrm>
+        <a:off x="5539105" y="3302582"/>
+        <a:ext cx="42756" cy="42756"/>
+      </dsp:txXfrm>
+    </dsp:sp>
+    <dsp:sp modelId="{E1E5A48A-4C8B-42C1-B039-E1FE46C80EE9}">
+      <dsp:nvSpPr>
+        <dsp:cNvPr id="0" name=""/>
+        <dsp:cNvSpPr/>
+      </dsp:nvSpPr>
+      <dsp:spPr>
+        <a:xfrm>
+          <a:off x="5988050" y="2789502"/>
+          <a:ext cx="2137833" cy="1068916"/>
+        </a:xfrm>
+        <a:prstGeom prst="flowChartDocument">
+          <a:avLst/>
+        </a:prstGeom>
+        <a:solidFill>
+          <a:schemeClr val="lt1"/>
+        </a:solidFill>
+        <a:ln w="12700" cap="flat" cmpd="sng" algn="ctr">
+          <a:solidFill>
+            <a:schemeClr val="dk1"/>
+          </a:solidFill>
+          <a:prstDash val="solid"/>
+          <a:miter lim="800000"/>
+        </a:ln>
+        <a:effectLst/>
+        <a:scene3d>
+          <a:camera prst="orthographicFront"/>
+          <a:lightRig rig="threePt" dir="t">
+            <a:rot lat="0" lon="0" rev="7500000"/>
+          </a:lightRig>
+        </a:scene3d>
+        <a:sp3d/>
+      </dsp:spPr>
+      <dsp:style>
+        <a:lnRef idx="2">
+          <a:schemeClr val="dk1"/>
+        </a:lnRef>
+        <a:fillRef idx="1">
+          <a:schemeClr val="lt1"/>
+        </a:fillRef>
+        <a:effectRef idx="0">
+          <a:schemeClr val="dk1"/>
+        </a:effectRef>
+        <a:fontRef idx="minor">
+          <a:schemeClr val="dk1"/>
+        </a:fontRef>
+      </dsp:style>
+      <dsp:txBody>
+        <a:bodyPr spcFirstLastPara="0" vert="horz" wrap="square" lIns="19685" tIns="19685" rIns="19685" bIns="19685" numCol="1" spcCol="1270" anchor="ctr" anchorCtr="0">
+          <a:noAutofit/>
+        </a:bodyPr>
+        <a:lstStyle/>
+        <a:p>
+          <a:pPr marL="0" lvl="0" indent="0" algn="ctr" defTabSz="1377950">
+            <a:lnSpc>
+              <a:spcPct val="90000"/>
+            </a:lnSpc>
+            <a:spcBef>
+              <a:spcPct val="0"/>
+            </a:spcBef>
+            <a:spcAft>
+              <a:spcPct val="35000"/>
+            </a:spcAft>
+            <a:buNone/>
+          </a:pPr>
+          <a:r>
+            <a:rPr lang="fr-FR" sz="3100" kern="1200" dirty="0"/>
+            <a:t>.class</a:t>
+          </a:r>
+        </a:p>
+      </dsp:txBody>
+      <dsp:txXfrm>
+        <a:off x="5988050" y="2789502"/>
+        <a:ext cx="2137833" cy="857211"/>
+      </dsp:txXfrm>
+    </dsp:sp>
+  </dsp:spTree>
+</dsp:drawing>
+</file>
+
 <file path=ppt/diagrams/layout1.xml><?xml version="1.0" encoding="utf-8"?>
 <dgm:layoutDef xmlns:dgm="http://schemas.openxmlformats.org/drawingml/2006/diagram" xmlns:a="http://schemas.openxmlformats.org/drawingml/2006/main" uniqueId="urn:microsoft.com/office/officeart/2005/8/layout/hProcess10">
   <dgm:title val=""/>
@@ -2537,6 +4559,326 @@
 </dgm:layoutDef>
 </file>
 
+<file path=ppt/diagrams/layout2.xml><?xml version="1.0" encoding="utf-8"?>
+<dgm:layoutDef xmlns:dgm="http://schemas.openxmlformats.org/drawingml/2006/diagram" xmlns:a="http://schemas.openxmlformats.org/drawingml/2006/main" uniqueId="urn:microsoft.com/office/officeart/2005/8/layout/hierarchy2">
+  <dgm:title val=""/>
+  <dgm:desc val=""/>
+  <dgm:catLst>
+    <dgm:cat type="hierarchy" pri="5000"/>
+  </dgm:catLst>
+  <dgm:sampData>
+    <dgm:dataModel>
+      <dgm:ptLst>
+        <dgm:pt modelId="0" type="doc"/>
+        <dgm:pt modelId="1">
+          <dgm:prSet phldr="1"/>
+        </dgm:pt>
+        <dgm:pt modelId="2">
+          <dgm:prSet phldr="1"/>
+        </dgm:pt>
+        <dgm:pt modelId="21">
+          <dgm:prSet phldr="1"/>
+        </dgm:pt>
+        <dgm:pt modelId="22">
+          <dgm:prSet phldr="1"/>
+        </dgm:pt>
+        <dgm:pt modelId="3">
+          <dgm:prSet phldr="1"/>
+        </dgm:pt>
+        <dgm:pt modelId="31">
+          <dgm:prSet phldr="1"/>
+        </dgm:pt>
+      </dgm:ptLst>
+      <dgm:cxnLst>
+        <dgm:cxn modelId="4" srcId="0" destId="1" srcOrd="0" destOrd="0"/>
+        <dgm:cxn modelId="5" srcId="1" destId="2" srcOrd="0" destOrd="0"/>
+        <dgm:cxn modelId="6" srcId="1" destId="3" srcOrd="1" destOrd="0"/>
+        <dgm:cxn modelId="23" srcId="2" destId="21" srcOrd="0" destOrd="0"/>
+        <dgm:cxn modelId="24" srcId="2" destId="22" srcOrd="1" destOrd="0"/>
+        <dgm:cxn modelId="33" srcId="3" destId="31" srcOrd="0" destOrd="0"/>
+      </dgm:cxnLst>
+      <dgm:bg/>
+      <dgm:whole/>
+    </dgm:dataModel>
+  </dgm:sampData>
+  <dgm:styleData>
+    <dgm:dataModel>
+      <dgm:ptLst>
+        <dgm:pt modelId="0" type="doc"/>
+        <dgm:pt modelId="1"/>
+        <dgm:pt modelId="11"/>
+        <dgm:pt modelId="12"/>
+      </dgm:ptLst>
+      <dgm:cxnLst>
+        <dgm:cxn modelId="2" srcId="0" destId="1" srcOrd="0" destOrd="0"/>
+        <dgm:cxn modelId="13" srcId="1" destId="11" srcOrd="0" destOrd="0"/>
+        <dgm:cxn modelId="14" srcId="1" destId="12" srcOrd="1" destOrd="0"/>
+      </dgm:cxnLst>
+      <dgm:bg/>
+      <dgm:whole/>
+    </dgm:dataModel>
+  </dgm:styleData>
+  <dgm:clrData>
+    <dgm:dataModel>
+      <dgm:ptLst>
+        <dgm:pt modelId="0" type="doc"/>
+        <dgm:pt modelId="1"/>
+        <dgm:pt modelId="2"/>
+        <dgm:pt modelId="21"/>
+        <dgm:pt modelId="211"/>
+        <dgm:pt modelId="3"/>
+        <dgm:pt modelId="31"/>
+        <dgm:pt modelId="311"/>
+      </dgm:ptLst>
+      <dgm:cxnLst>
+        <dgm:cxn modelId="4" srcId="0" destId="1" srcOrd="0" destOrd="0"/>
+        <dgm:cxn modelId="5" srcId="1" destId="2" srcOrd="0" destOrd="0"/>
+        <dgm:cxn modelId="6" srcId="1" destId="3" srcOrd="1" destOrd="0"/>
+        <dgm:cxn modelId="23" srcId="2" destId="21" srcOrd="0" destOrd="0"/>
+        <dgm:cxn modelId="24" srcId="21" destId="211" srcOrd="0" destOrd="0"/>
+        <dgm:cxn modelId="33" srcId="3" destId="31" srcOrd="0" destOrd="0"/>
+        <dgm:cxn modelId="34" srcId="31" destId="311" srcOrd="0" destOrd="0"/>
+      </dgm:cxnLst>
+      <dgm:bg/>
+      <dgm:whole/>
+    </dgm:dataModel>
+  </dgm:clrData>
+  <dgm:layoutNode name="diagram">
+    <dgm:varLst>
+      <dgm:chPref val="1"/>
+      <dgm:dir/>
+      <dgm:animOne val="branch"/>
+      <dgm:animLvl val="lvl"/>
+      <dgm:resizeHandles val="exact"/>
+    </dgm:varLst>
+    <dgm:choose name="Name0">
+      <dgm:if name="Name1" func="var" arg="dir" op="equ" val="norm">
+        <dgm:alg type="hierChild">
+          <dgm:param type="linDir" val="fromT"/>
+          <dgm:param type="chAlign" val="l"/>
+        </dgm:alg>
+      </dgm:if>
+      <dgm:else name="Name2">
+        <dgm:alg type="hierChild">
+          <dgm:param type="linDir" val="fromT"/>
+          <dgm:param type="chAlign" val="r"/>
+        </dgm:alg>
+      </dgm:else>
+    </dgm:choose>
+    <dgm:shape xmlns:r="http://schemas.openxmlformats.org/officeDocument/2006/relationships" r:blip="">
+      <dgm:adjLst/>
+    </dgm:shape>
+    <dgm:presOf/>
+    <dgm:constrLst>
+      <dgm:constr type="h" for="des" ptType="node" refType="h"/>
+      <dgm:constr type="w" for="des" ptType="node" refType="h" refFor="des" refPtType="node" fact="2"/>
+      <dgm:constr type="sibSp" refType="h" refFor="des" refPtType="node" op="equ" fact="0.15"/>
+      <dgm:constr type="sibSp" for="des" forName="level2hierChild" refType="h" refFor="des" refPtType="node" op="equ" fact="0.15"/>
+      <dgm:constr type="sibSp" for="des" forName="level3hierChild" refType="h" refFor="des" refPtType="node" op="equ" fact="0.15"/>
+      <dgm:constr type="sp" for="des" forName="root1" refType="w" refFor="des" refPtType="node" fact="0.4"/>
+      <dgm:constr type="sp" for="des" forName="root2" refType="sp" refFor="des" refForName="root1" op="equ"/>
+      <dgm:constr type="primFontSz" for="des" ptType="node" op="equ" val="65"/>
+      <dgm:constr type="primFontSz" for="des" forName="connTx" op="equ" val="55"/>
+      <dgm:constr type="primFontSz" for="des" forName="connTx" refType="primFontSz" refFor="des" refPtType="node" op="lte" fact="0.8"/>
+    </dgm:constrLst>
+    <dgm:ruleLst/>
+    <dgm:forEach name="Name3" axis="ch">
+      <dgm:forEach name="Name4" axis="self" ptType="node">
+        <dgm:layoutNode name="root1">
+          <dgm:choose name="Name5">
+            <dgm:if name="Name6" func="var" arg="dir" op="equ" val="norm">
+              <dgm:alg type="hierRoot">
+                <dgm:param type="hierAlign" val="lCtrCh"/>
+              </dgm:alg>
+            </dgm:if>
+            <dgm:else name="Name7">
+              <dgm:alg type="hierRoot">
+                <dgm:param type="hierAlign" val="rCtrCh"/>
+              </dgm:alg>
+            </dgm:else>
+          </dgm:choose>
+          <dgm:shape xmlns:r="http://schemas.openxmlformats.org/officeDocument/2006/relationships" r:blip="">
+            <dgm:adjLst/>
+          </dgm:shape>
+          <dgm:presOf/>
+          <dgm:constrLst/>
+          <dgm:ruleLst/>
+          <dgm:layoutNode name="LevelOneTextNode" styleLbl="node0">
+            <dgm:varLst>
+              <dgm:chPref val="3"/>
+            </dgm:varLst>
+            <dgm:alg type="tx"/>
+            <dgm:shape xmlns:r="http://schemas.openxmlformats.org/officeDocument/2006/relationships" type="roundRect" r:blip="">
+              <dgm:adjLst>
+                <dgm:adj idx="1" val="0.1"/>
+              </dgm:adjLst>
+            </dgm:shape>
+            <dgm:presOf axis="self"/>
+            <dgm:constrLst>
+              <dgm:constr type="tMarg" refType="primFontSz" fact="0.05"/>
+              <dgm:constr type="bMarg" refType="primFontSz" fact="0.05"/>
+              <dgm:constr type="lMarg" refType="primFontSz" fact="0.05"/>
+              <dgm:constr type="rMarg" refType="primFontSz" fact="0.05"/>
+            </dgm:constrLst>
+            <dgm:ruleLst>
+              <dgm:rule type="primFontSz" val="5" fact="NaN" max="NaN"/>
+            </dgm:ruleLst>
+          </dgm:layoutNode>
+          <dgm:layoutNode name="level2hierChild">
+            <dgm:choose name="Name8">
+              <dgm:if name="Name9" func="var" arg="dir" op="equ" val="norm">
+                <dgm:alg type="hierChild">
+                  <dgm:param type="linDir" val="fromT"/>
+                  <dgm:param type="chAlign" val="l"/>
+                </dgm:alg>
+              </dgm:if>
+              <dgm:else name="Name10">
+                <dgm:alg type="hierChild">
+                  <dgm:param type="linDir" val="fromT"/>
+                  <dgm:param type="chAlign" val="r"/>
+                </dgm:alg>
+              </dgm:else>
+            </dgm:choose>
+            <dgm:shape xmlns:r="http://schemas.openxmlformats.org/officeDocument/2006/relationships" r:blip="">
+              <dgm:adjLst/>
+            </dgm:shape>
+            <dgm:presOf/>
+            <dgm:constrLst/>
+            <dgm:ruleLst/>
+            <dgm:forEach name="repeat" axis="ch">
+              <dgm:forEach name="Name11" axis="self" ptType="parTrans" cnt="1">
+                <dgm:layoutNode name="conn2-1">
+                  <dgm:choose name="Name12">
+                    <dgm:if name="Name13" func="var" arg="dir" op="equ" val="norm">
+                      <dgm:alg type="conn">
+                        <dgm:param type="dim" val="1D"/>
+                        <dgm:param type="begPts" val="midR"/>
+                        <dgm:param type="endPts" val="midL"/>
+                        <dgm:param type="endSty" val="noArr"/>
+                      </dgm:alg>
+                    </dgm:if>
+                    <dgm:else name="Name14">
+                      <dgm:alg type="conn">
+                        <dgm:param type="dim" val="1D"/>
+                        <dgm:param type="begPts" val="midL"/>
+                        <dgm:param type="endPts" val="midR"/>
+                        <dgm:param type="endSty" val="noArr"/>
+                      </dgm:alg>
+                    </dgm:else>
+                  </dgm:choose>
+                  <dgm:shape xmlns:r="http://schemas.openxmlformats.org/officeDocument/2006/relationships" type="conn" r:blip="">
+                    <dgm:adjLst/>
+                  </dgm:shape>
+                  <dgm:presOf axis="self"/>
+                  <dgm:constrLst>
+                    <dgm:constr type="w" val="1"/>
+                    <dgm:constr type="h" val="5"/>
+                    <dgm:constr type="connDist"/>
+                    <dgm:constr type="begPad"/>
+                    <dgm:constr type="endPad"/>
+                    <dgm:constr type="userA" for="ch" refType="connDist"/>
+                  </dgm:constrLst>
+                  <dgm:ruleLst/>
+                  <dgm:layoutNode name="connTx">
+                    <dgm:alg type="tx">
+                      <dgm:param type="autoTxRot" val="grav"/>
+                    </dgm:alg>
+                    <dgm:shape xmlns:r="http://schemas.openxmlformats.org/officeDocument/2006/relationships" type="rect" r:blip="" hideGeom="1">
+                      <dgm:adjLst/>
+                    </dgm:shape>
+                    <dgm:presOf axis="self"/>
+                    <dgm:constrLst>
+                      <dgm:constr type="userA"/>
+                      <dgm:constr type="w" refType="userA" fact="0.05"/>
+                      <dgm:constr type="h" refType="userA" fact="0.05"/>
+                      <dgm:constr type="lMarg" val="1"/>
+                      <dgm:constr type="rMarg" val="1"/>
+                      <dgm:constr type="tMarg"/>
+                      <dgm:constr type="bMarg"/>
+                    </dgm:constrLst>
+                    <dgm:ruleLst>
+                      <dgm:rule type="h" val="NaN" fact="0.25" max="NaN"/>
+                      <dgm:rule type="w" val="NaN" fact="0.8" max="NaN"/>
+                      <dgm:rule type="primFontSz" val="5" fact="NaN" max="NaN"/>
+                    </dgm:ruleLst>
+                  </dgm:layoutNode>
+                </dgm:layoutNode>
+              </dgm:forEach>
+              <dgm:forEach name="Name15" axis="self" ptType="node">
+                <dgm:layoutNode name="root2">
+                  <dgm:choose name="Name16">
+                    <dgm:if name="Name17" func="var" arg="dir" op="equ" val="norm">
+                      <dgm:alg type="hierRoot">
+                        <dgm:param type="hierAlign" val="lCtrCh"/>
+                      </dgm:alg>
+                    </dgm:if>
+                    <dgm:else name="Name18">
+                      <dgm:alg type="hierRoot">
+                        <dgm:param type="hierAlign" val="rCtrCh"/>
+                      </dgm:alg>
+                    </dgm:else>
+                  </dgm:choose>
+                  <dgm:shape xmlns:r="http://schemas.openxmlformats.org/officeDocument/2006/relationships" r:blip="">
+                    <dgm:adjLst/>
+                  </dgm:shape>
+                  <dgm:presOf/>
+                  <dgm:constrLst/>
+                  <dgm:ruleLst/>
+                  <dgm:layoutNode name="LevelTwoTextNode">
+                    <dgm:varLst>
+                      <dgm:chPref val="3"/>
+                    </dgm:varLst>
+                    <dgm:alg type="tx"/>
+                    <dgm:shape xmlns:r="http://schemas.openxmlformats.org/officeDocument/2006/relationships" type="roundRect" r:blip="">
+                      <dgm:adjLst>
+                        <dgm:adj idx="1" val="0.1"/>
+                      </dgm:adjLst>
+                    </dgm:shape>
+                    <dgm:presOf axis="self"/>
+                    <dgm:constrLst>
+                      <dgm:constr type="tMarg" refType="primFontSz" fact="0.05"/>
+                      <dgm:constr type="bMarg" refType="primFontSz" fact="0.05"/>
+                      <dgm:constr type="lMarg" refType="primFontSz" fact="0.05"/>
+                      <dgm:constr type="rMarg" refType="primFontSz" fact="0.05"/>
+                    </dgm:constrLst>
+                    <dgm:ruleLst>
+                      <dgm:rule type="primFontSz" val="5" fact="NaN" max="NaN"/>
+                    </dgm:ruleLst>
+                  </dgm:layoutNode>
+                  <dgm:layoutNode name="level3hierChild">
+                    <dgm:choose name="Name19">
+                      <dgm:if name="Name20" func="var" arg="dir" op="equ" val="norm">
+                        <dgm:alg type="hierChild">
+                          <dgm:param type="linDir" val="fromT"/>
+                          <dgm:param type="chAlign" val="l"/>
+                        </dgm:alg>
+                      </dgm:if>
+                      <dgm:else name="Name21">
+                        <dgm:alg type="hierChild">
+                          <dgm:param type="linDir" val="fromT"/>
+                          <dgm:param type="chAlign" val="r"/>
+                        </dgm:alg>
+                      </dgm:else>
+                    </dgm:choose>
+                    <dgm:shape xmlns:r="http://schemas.openxmlformats.org/officeDocument/2006/relationships" r:blip="">
+                      <dgm:adjLst/>
+                    </dgm:shape>
+                    <dgm:presOf/>
+                    <dgm:constrLst/>
+                    <dgm:ruleLst/>
+                    <dgm:forEach name="Name22" ref="repeat"/>
+                  </dgm:layoutNode>
+                </dgm:layoutNode>
+              </dgm:forEach>
+            </dgm:forEach>
+          </dgm:layoutNode>
+        </dgm:layoutNode>
+      </dgm:forEach>
+    </dgm:forEach>
+  </dgm:layoutNode>
+</dgm:layoutDef>
+</file>
+
 <file path=ppt/diagrams/quickStyle1.xml><?xml version="1.0" encoding="utf-8"?>
 <dgm:styleDef xmlns:dgm="http://schemas.openxmlformats.org/drawingml/2006/diagram" xmlns:a="http://schemas.openxmlformats.org/drawingml/2006/main" uniqueId="urn:microsoft.com/office/officeart/2005/8/quickstyle/simple1">
   <dgm:title val=""/>
@@ -3546,6 +5888,1268 @@
         <a:scrgbClr r="0" g="0" b="0"/>
       </a:effectRef>
       <a:fontRef idx="minor"/>
+    </dgm:style>
+  </dgm:styleLbl>
+  <dgm:styleLbl name="revTx">
+    <dgm:scene3d>
+      <a:camera prst="orthographicFront"/>
+      <a:lightRig rig="threePt" dir="t"/>
+    </dgm:scene3d>
+    <dgm:sp3d/>
+    <dgm:txPr/>
+    <dgm:style>
+      <a:lnRef idx="0">
+        <a:scrgbClr r="0" g="0" b="0"/>
+      </a:lnRef>
+      <a:fillRef idx="0">
+        <a:scrgbClr r="0" g="0" b="0"/>
+      </a:fillRef>
+      <a:effectRef idx="0">
+        <a:scrgbClr r="0" g="0" b="0"/>
+      </a:effectRef>
+      <a:fontRef idx="minor"/>
+    </dgm:style>
+  </dgm:styleLbl>
+</dgm:styleDef>
+</file>
+
+<file path=ppt/diagrams/quickStyle2.xml><?xml version="1.0" encoding="utf-8"?>
+<dgm:styleDef xmlns:dgm="http://schemas.openxmlformats.org/drawingml/2006/diagram" xmlns:a="http://schemas.openxmlformats.org/drawingml/2006/main" uniqueId="urn:microsoft.com/office/officeart/2005/8/quickstyle/3d2">
+  <dgm:title val=""/>
+  <dgm:desc val=""/>
+  <dgm:catLst>
+    <dgm:cat type="3D" pri="11200"/>
+  </dgm:catLst>
+  <dgm:scene3d>
+    <a:camera prst="orthographicFront"/>
+    <a:lightRig rig="threePt" dir="t"/>
+  </dgm:scene3d>
+  <dgm:styleLbl name="node0">
+    <dgm:scene3d>
+      <a:camera prst="orthographicFront"/>
+      <a:lightRig rig="threePt" dir="t">
+        <a:rot lat="0" lon="0" rev="7500000"/>
+      </a:lightRig>
+    </dgm:scene3d>
+    <dgm:sp3d prstMaterial="plastic">
+      <a:bevelT w="127000" h="25400" prst="relaxedInset"/>
+    </dgm:sp3d>
+    <dgm:txPr/>
+    <dgm:style>
+      <a:lnRef idx="0">
+        <a:scrgbClr r="0" g="0" b="0"/>
+      </a:lnRef>
+      <a:fillRef idx="3">
+        <a:scrgbClr r="0" g="0" b="0"/>
+      </a:fillRef>
+      <a:effectRef idx="2">
+        <a:scrgbClr r="0" g="0" b="0"/>
+      </a:effectRef>
+      <a:fontRef idx="minor">
+        <a:schemeClr val="lt1"/>
+      </a:fontRef>
+    </dgm:style>
+  </dgm:styleLbl>
+  <dgm:styleLbl name="lnNode1">
+    <dgm:scene3d>
+      <a:camera prst="orthographicFront"/>
+      <a:lightRig rig="threePt" dir="t">
+        <a:rot lat="0" lon="0" rev="7500000"/>
+      </a:lightRig>
+    </dgm:scene3d>
+    <dgm:sp3d prstMaterial="plastic">
+      <a:bevelT w="127000" h="25400" prst="relaxedInset"/>
+    </dgm:sp3d>
+    <dgm:txPr/>
+    <dgm:style>
+      <a:lnRef idx="1">
+        <a:scrgbClr r="0" g="0" b="0"/>
+      </a:lnRef>
+      <a:fillRef idx="3">
+        <a:scrgbClr r="0" g="0" b="0"/>
+      </a:fillRef>
+      <a:effectRef idx="2">
+        <a:scrgbClr r="0" g="0" b="0"/>
+      </a:effectRef>
+      <a:fontRef idx="minor">
+        <a:schemeClr val="lt1"/>
+      </a:fontRef>
+    </dgm:style>
+  </dgm:styleLbl>
+  <dgm:styleLbl name="vennNode1">
+    <dgm:scene3d>
+      <a:camera prst="orthographicFront"/>
+      <a:lightRig rig="threePt" dir="t">
+        <a:rot lat="0" lon="0" rev="7500000"/>
+      </a:lightRig>
+    </dgm:scene3d>
+    <dgm:sp3d prstMaterial="plastic">
+      <a:bevelT w="127000" h="25400" prst="relaxedInset"/>
+    </dgm:sp3d>
+    <dgm:txPr/>
+    <dgm:style>
+      <a:lnRef idx="0">
+        <a:scrgbClr r="0" g="0" b="0"/>
+      </a:lnRef>
+      <a:fillRef idx="3">
+        <a:scrgbClr r="0" g="0" b="0"/>
+      </a:fillRef>
+      <a:effectRef idx="2">
+        <a:scrgbClr r="0" g="0" b="0"/>
+      </a:effectRef>
+      <a:fontRef idx="minor">
+        <a:schemeClr val="tx1"/>
+      </a:fontRef>
+    </dgm:style>
+  </dgm:styleLbl>
+  <dgm:styleLbl name="alingNode1">
+    <dgm:scene3d>
+      <a:camera prst="orthographicFront"/>
+      <a:lightRig rig="threePt" dir="t">
+        <a:rot lat="0" lon="0" rev="7500000"/>
+      </a:lightRig>
+    </dgm:scene3d>
+    <dgm:sp3d prstMaterial="plastic">
+      <a:bevelT w="127000" h="25400" prst="relaxedInset"/>
+    </dgm:sp3d>
+    <dgm:txPr/>
+    <dgm:style>
+      <a:lnRef idx="0">
+        <a:scrgbClr r="0" g="0" b="0"/>
+      </a:lnRef>
+      <a:fillRef idx="3">
+        <a:scrgbClr r="0" g="0" b="0"/>
+      </a:fillRef>
+      <a:effectRef idx="2">
+        <a:scrgbClr r="0" g="0" b="0"/>
+      </a:effectRef>
+      <a:fontRef idx="minor">
+        <a:schemeClr val="lt1"/>
+      </a:fontRef>
+    </dgm:style>
+  </dgm:styleLbl>
+  <dgm:styleLbl name="node1">
+    <dgm:scene3d>
+      <a:camera prst="orthographicFront"/>
+      <a:lightRig rig="threePt" dir="t">
+        <a:rot lat="0" lon="0" rev="7500000"/>
+      </a:lightRig>
+    </dgm:scene3d>
+    <dgm:sp3d prstMaterial="plastic">
+      <a:bevelT w="127000" h="25400" prst="relaxedInset"/>
+    </dgm:sp3d>
+    <dgm:txPr/>
+    <dgm:style>
+      <a:lnRef idx="0">
+        <a:scrgbClr r="0" g="0" b="0"/>
+      </a:lnRef>
+      <a:fillRef idx="3">
+        <a:scrgbClr r="0" g="0" b="0"/>
+      </a:fillRef>
+      <a:effectRef idx="2">
+        <a:scrgbClr r="0" g="0" b="0"/>
+      </a:effectRef>
+      <a:fontRef idx="minor">
+        <a:schemeClr val="lt1"/>
+      </a:fontRef>
+    </dgm:style>
+  </dgm:styleLbl>
+  <dgm:styleLbl name="node2">
+    <dgm:scene3d>
+      <a:camera prst="orthographicFront"/>
+      <a:lightRig rig="threePt" dir="t">
+        <a:rot lat="0" lon="0" rev="7500000"/>
+      </a:lightRig>
+    </dgm:scene3d>
+    <dgm:sp3d prstMaterial="plastic">
+      <a:bevelT w="127000" h="25400" prst="relaxedInset"/>
+    </dgm:sp3d>
+    <dgm:txPr/>
+    <dgm:style>
+      <a:lnRef idx="0">
+        <a:scrgbClr r="0" g="0" b="0"/>
+      </a:lnRef>
+      <a:fillRef idx="3">
+        <a:scrgbClr r="0" g="0" b="0"/>
+      </a:fillRef>
+      <a:effectRef idx="2">
+        <a:scrgbClr r="0" g="0" b="0"/>
+      </a:effectRef>
+      <a:fontRef idx="minor">
+        <a:schemeClr val="lt1"/>
+      </a:fontRef>
+    </dgm:style>
+  </dgm:styleLbl>
+  <dgm:styleLbl name="node3">
+    <dgm:scene3d>
+      <a:camera prst="orthographicFront"/>
+      <a:lightRig rig="threePt" dir="t">
+        <a:rot lat="0" lon="0" rev="7500000"/>
+      </a:lightRig>
+    </dgm:scene3d>
+    <dgm:sp3d prstMaterial="plastic">
+      <a:bevelT w="127000" h="25400" prst="relaxedInset"/>
+    </dgm:sp3d>
+    <dgm:txPr/>
+    <dgm:style>
+      <a:lnRef idx="0">
+        <a:scrgbClr r="0" g="0" b="0"/>
+      </a:lnRef>
+      <a:fillRef idx="3">
+        <a:scrgbClr r="0" g="0" b="0"/>
+      </a:fillRef>
+      <a:effectRef idx="2">
+        <a:scrgbClr r="0" g="0" b="0"/>
+      </a:effectRef>
+      <a:fontRef idx="minor">
+        <a:schemeClr val="lt1"/>
+      </a:fontRef>
+    </dgm:style>
+  </dgm:styleLbl>
+  <dgm:styleLbl name="node4">
+    <dgm:scene3d>
+      <a:camera prst="orthographicFront"/>
+      <a:lightRig rig="threePt" dir="t">
+        <a:rot lat="0" lon="0" rev="7500000"/>
+      </a:lightRig>
+    </dgm:scene3d>
+    <dgm:sp3d prstMaterial="plastic">
+      <a:bevelT w="127000" h="25400" prst="relaxedInset"/>
+    </dgm:sp3d>
+    <dgm:txPr/>
+    <dgm:style>
+      <a:lnRef idx="0">
+        <a:scrgbClr r="0" g="0" b="0"/>
+      </a:lnRef>
+      <a:fillRef idx="3">
+        <a:scrgbClr r="0" g="0" b="0"/>
+      </a:fillRef>
+      <a:effectRef idx="2">
+        <a:scrgbClr r="0" g="0" b="0"/>
+      </a:effectRef>
+      <a:fontRef idx="minor">
+        <a:schemeClr val="lt1"/>
+      </a:fontRef>
+    </dgm:style>
+  </dgm:styleLbl>
+  <dgm:styleLbl name="fgImgPlace1">
+    <dgm:scene3d>
+      <a:camera prst="orthographicFront"/>
+      <a:lightRig rig="threePt" dir="t">
+        <a:rot lat="0" lon="0" rev="7500000"/>
+      </a:lightRig>
+    </dgm:scene3d>
+    <dgm:sp3d z="152400" extrusionH="63500" prstMaterial="matte">
+      <a:bevelT w="50800" h="19050" prst="relaxedInset"/>
+      <a:contourClr>
+        <a:schemeClr val="bg1"/>
+      </a:contourClr>
+    </dgm:sp3d>
+    <dgm:txPr/>
+    <dgm:style>
+      <a:lnRef idx="0">
+        <a:scrgbClr r="0" g="0" b="0"/>
+      </a:lnRef>
+      <a:fillRef idx="1">
+        <a:scrgbClr r="0" g="0" b="0"/>
+      </a:fillRef>
+      <a:effectRef idx="0">
+        <a:scrgbClr r="0" g="0" b="0"/>
+      </a:effectRef>
+      <a:fontRef idx="minor"/>
+    </dgm:style>
+  </dgm:styleLbl>
+  <dgm:styleLbl name="alignImgPlace1">
+    <dgm:scene3d>
+      <a:camera prst="orthographicFront"/>
+      <a:lightRig rig="threePt" dir="t">
+        <a:rot lat="0" lon="0" rev="7500000"/>
+      </a:lightRig>
+    </dgm:scene3d>
+    <dgm:sp3d z="254000" extrusionH="63500" contourW="12700" prstMaterial="matte">
+      <a:contourClr>
+        <a:schemeClr val="lt1"/>
+      </a:contourClr>
+    </dgm:sp3d>
+    <dgm:txPr/>
+    <dgm:style>
+      <a:lnRef idx="0">
+        <a:scrgbClr r="0" g="0" b="0"/>
+      </a:lnRef>
+      <a:fillRef idx="1">
+        <a:scrgbClr r="0" g="0" b="0"/>
+      </a:fillRef>
+      <a:effectRef idx="0">
+        <a:scrgbClr r="0" g="0" b="0"/>
+      </a:effectRef>
+      <a:fontRef idx="minor"/>
+    </dgm:style>
+  </dgm:styleLbl>
+  <dgm:styleLbl name="bgImgPlace1">
+    <dgm:scene3d>
+      <a:camera prst="orthographicFront"/>
+      <a:lightRig rig="threePt" dir="t">
+        <a:rot lat="0" lon="0" rev="7500000"/>
+      </a:lightRig>
+    </dgm:scene3d>
+    <dgm:sp3d z="-152400" extrusionH="63500" contourW="12700" prstMaterial="matte">
+      <a:contourClr>
+        <a:schemeClr val="lt1"/>
+      </a:contourClr>
+    </dgm:sp3d>
+    <dgm:txPr/>
+    <dgm:style>
+      <a:lnRef idx="0">
+        <a:scrgbClr r="0" g="0" b="0"/>
+      </a:lnRef>
+      <a:fillRef idx="1">
+        <a:scrgbClr r="0" g="0" b="0"/>
+      </a:fillRef>
+      <a:effectRef idx="0">
+        <a:scrgbClr r="0" g="0" b="0"/>
+      </a:effectRef>
+      <a:fontRef idx="minor"/>
+    </dgm:style>
+  </dgm:styleLbl>
+  <dgm:styleLbl name="sibTrans2D1">
+    <dgm:scene3d>
+      <a:camera prst="orthographicFront"/>
+      <a:lightRig rig="threePt" dir="t">
+        <a:rot lat="0" lon="0" rev="7500000"/>
+      </a:lightRig>
+    </dgm:scene3d>
+    <dgm:sp3d z="-70000" extrusionH="63500" prstMaterial="matte">
+      <a:bevelT w="25400" h="6350" prst="relaxedInset"/>
+      <a:contourClr>
+        <a:schemeClr val="bg1"/>
+      </a:contourClr>
+    </dgm:sp3d>
+    <dgm:txPr/>
+    <dgm:style>
+      <a:lnRef idx="0">
+        <a:scrgbClr r="0" g="0" b="0"/>
+      </a:lnRef>
+      <a:fillRef idx="1">
+        <a:scrgbClr r="0" g="0" b="0"/>
+      </a:fillRef>
+      <a:effectRef idx="2">
+        <a:scrgbClr r="0" g="0" b="0"/>
+      </a:effectRef>
+      <a:fontRef idx="minor">
+        <a:schemeClr val="lt1"/>
+      </a:fontRef>
+    </dgm:style>
+  </dgm:styleLbl>
+  <dgm:styleLbl name="fgSibTrans2D1">
+    <dgm:scene3d>
+      <a:camera prst="orthographicFront"/>
+      <a:lightRig rig="threePt" dir="t">
+        <a:rot lat="0" lon="0" rev="7500000"/>
+      </a:lightRig>
+    </dgm:scene3d>
+    <dgm:sp3d z="152400" extrusionH="63500" prstMaterial="matte">
+      <a:bevelT w="25400" h="6350" prst="relaxedInset"/>
+      <a:contourClr>
+        <a:schemeClr val="bg1"/>
+      </a:contourClr>
+    </dgm:sp3d>
+    <dgm:txPr/>
+    <dgm:style>
+      <a:lnRef idx="0">
+        <a:scrgbClr r="0" g="0" b="0"/>
+      </a:lnRef>
+      <a:fillRef idx="1">
+        <a:scrgbClr r="0" g="0" b="0"/>
+      </a:fillRef>
+      <a:effectRef idx="2">
+        <a:scrgbClr r="0" g="0" b="0"/>
+      </a:effectRef>
+      <a:fontRef idx="minor">
+        <a:schemeClr val="lt1"/>
+      </a:fontRef>
+    </dgm:style>
+  </dgm:styleLbl>
+  <dgm:styleLbl name="bgSibTrans2D1">
+    <dgm:scene3d>
+      <a:camera prst="orthographicFront"/>
+      <a:lightRig rig="threePt" dir="t">
+        <a:rot lat="0" lon="0" rev="7500000"/>
+      </a:lightRig>
+    </dgm:scene3d>
+    <dgm:sp3d z="-152400" extrusionH="63500" prstMaterial="matte">
+      <a:bevelT w="25400" h="6350" prst="relaxedInset"/>
+      <a:contourClr>
+        <a:schemeClr val="bg1"/>
+      </a:contourClr>
+    </dgm:sp3d>
+    <dgm:txPr/>
+    <dgm:style>
+      <a:lnRef idx="0">
+        <a:scrgbClr r="0" g="0" b="0"/>
+      </a:lnRef>
+      <a:fillRef idx="1">
+        <a:scrgbClr r="0" g="0" b="0"/>
+      </a:fillRef>
+      <a:effectRef idx="2">
+        <a:scrgbClr r="0" g="0" b="0"/>
+      </a:effectRef>
+      <a:fontRef idx="minor">
+        <a:schemeClr val="lt1"/>
+      </a:fontRef>
+    </dgm:style>
+  </dgm:styleLbl>
+  <dgm:styleLbl name="sibTrans1D1">
+    <dgm:scene3d>
+      <a:camera prst="orthographicFront"/>
+      <a:lightRig rig="threePt" dir="t">
+        <a:rot lat="0" lon="0" rev="7500000"/>
+      </a:lightRig>
+    </dgm:scene3d>
+    <dgm:sp3d z="-40000" prstMaterial="matte"/>
+    <dgm:txPr/>
+    <dgm:style>
+      <a:lnRef idx="1">
+        <a:scrgbClr r="0" g="0" b="0"/>
+      </a:lnRef>
+      <a:fillRef idx="0">
+        <a:scrgbClr r="0" g="0" b="0"/>
+      </a:fillRef>
+      <a:effectRef idx="0">
+        <a:scrgbClr r="0" g="0" b="0"/>
+      </a:effectRef>
+      <a:fontRef idx="minor"/>
+    </dgm:style>
+  </dgm:styleLbl>
+  <dgm:styleLbl name="callout">
+    <dgm:scene3d>
+      <a:camera prst="orthographicFront"/>
+      <a:lightRig rig="threePt" dir="t">
+        <a:rot lat="0" lon="0" rev="7500000"/>
+      </a:lightRig>
+    </dgm:scene3d>
+    <dgm:sp3d z="127000" prstMaterial="matte"/>
+    <dgm:txPr/>
+    <dgm:style>
+      <a:lnRef idx="2">
+        <a:scrgbClr r="0" g="0" b="0"/>
+      </a:lnRef>
+      <a:fillRef idx="1">
+        <a:scrgbClr r="0" g="0" b="0"/>
+      </a:fillRef>
+      <a:effectRef idx="0">
+        <a:scrgbClr r="0" g="0" b="0"/>
+      </a:effectRef>
+      <a:fontRef idx="minor"/>
+    </dgm:style>
+  </dgm:styleLbl>
+  <dgm:styleLbl name="asst0">
+    <dgm:scene3d>
+      <a:camera prst="orthographicFront"/>
+      <a:lightRig rig="threePt" dir="t">
+        <a:rot lat="0" lon="0" rev="7500000"/>
+      </a:lightRig>
+    </dgm:scene3d>
+    <dgm:sp3d prstMaterial="plastic">
+      <a:bevelT w="127000" h="25400" prst="relaxedInset"/>
+    </dgm:sp3d>
+    <dgm:txPr/>
+    <dgm:style>
+      <a:lnRef idx="0">
+        <a:scrgbClr r="0" g="0" b="0"/>
+      </a:lnRef>
+      <a:fillRef idx="3">
+        <a:scrgbClr r="0" g="0" b="0"/>
+      </a:fillRef>
+      <a:effectRef idx="2">
+        <a:scrgbClr r="0" g="0" b="0"/>
+      </a:effectRef>
+      <a:fontRef idx="minor">
+        <a:schemeClr val="lt1"/>
+      </a:fontRef>
+    </dgm:style>
+  </dgm:styleLbl>
+  <dgm:styleLbl name="asst1">
+    <dgm:scene3d>
+      <a:camera prst="orthographicFront"/>
+      <a:lightRig rig="threePt" dir="t">
+        <a:rot lat="0" lon="0" rev="7500000"/>
+      </a:lightRig>
+    </dgm:scene3d>
+    <dgm:sp3d prstMaterial="plastic">
+      <a:bevelT w="127000" h="25400" prst="relaxedInset"/>
+    </dgm:sp3d>
+    <dgm:txPr/>
+    <dgm:style>
+      <a:lnRef idx="0">
+        <a:scrgbClr r="0" g="0" b="0"/>
+      </a:lnRef>
+      <a:fillRef idx="3">
+        <a:scrgbClr r="0" g="0" b="0"/>
+      </a:fillRef>
+      <a:effectRef idx="2">
+        <a:scrgbClr r="0" g="0" b="0"/>
+      </a:effectRef>
+      <a:fontRef idx="minor">
+        <a:schemeClr val="lt1"/>
+      </a:fontRef>
+    </dgm:style>
+  </dgm:styleLbl>
+  <dgm:styleLbl name="asst2">
+    <dgm:scene3d>
+      <a:camera prst="orthographicFront"/>
+      <a:lightRig rig="threePt" dir="t">
+        <a:rot lat="0" lon="0" rev="7500000"/>
+      </a:lightRig>
+    </dgm:scene3d>
+    <dgm:sp3d prstMaterial="plastic">
+      <a:bevelT w="127000" h="25400" prst="relaxedInset"/>
+    </dgm:sp3d>
+    <dgm:txPr/>
+    <dgm:style>
+      <a:lnRef idx="0">
+        <a:scrgbClr r="0" g="0" b="0"/>
+      </a:lnRef>
+      <a:fillRef idx="3">
+        <a:scrgbClr r="0" g="0" b="0"/>
+      </a:fillRef>
+      <a:effectRef idx="2">
+        <a:scrgbClr r="0" g="0" b="0"/>
+      </a:effectRef>
+      <a:fontRef idx="minor">
+        <a:schemeClr val="lt1"/>
+      </a:fontRef>
+    </dgm:style>
+  </dgm:styleLbl>
+  <dgm:styleLbl name="asst3">
+    <dgm:scene3d>
+      <a:camera prst="orthographicFront"/>
+      <a:lightRig rig="threePt" dir="t">
+        <a:rot lat="0" lon="0" rev="7500000"/>
+      </a:lightRig>
+    </dgm:scene3d>
+    <dgm:sp3d prstMaterial="plastic">
+      <a:bevelT w="127000" h="25400" prst="relaxedInset"/>
+    </dgm:sp3d>
+    <dgm:txPr/>
+    <dgm:style>
+      <a:lnRef idx="0">
+        <a:scrgbClr r="0" g="0" b="0"/>
+      </a:lnRef>
+      <a:fillRef idx="3">
+        <a:scrgbClr r="0" g="0" b="0"/>
+      </a:fillRef>
+      <a:effectRef idx="2">
+        <a:scrgbClr r="0" g="0" b="0"/>
+      </a:effectRef>
+      <a:fontRef idx="minor">
+        <a:schemeClr val="lt1"/>
+      </a:fontRef>
+    </dgm:style>
+  </dgm:styleLbl>
+  <dgm:styleLbl name="parChTrans2D1">
+    <dgm:scene3d>
+      <a:camera prst="orthographicFront"/>
+      <a:lightRig rig="threePt" dir="t">
+        <a:rot lat="0" lon="0" rev="7500000"/>
+      </a:lightRig>
+    </dgm:scene3d>
+    <dgm:sp3d extrusionH="63500" prstMaterial="matte">
+      <a:bevelT w="50800" h="19050" prst="relaxedInset"/>
+      <a:contourClr>
+        <a:schemeClr val="bg1"/>
+      </a:contourClr>
+    </dgm:sp3d>
+    <dgm:txPr/>
+    <dgm:style>
+      <a:lnRef idx="0">
+        <a:scrgbClr r="0" g="0" b="0"/>
+      </a:lnRef>
+      <a:fillRef idx="1">
+        <a:scrgbClr r="0" g="0" b="0"/>
+      </a:fillRef>
+      <a:effectRef idx="2">
+        <a:scrgbClr r="0" g="0" b="0"/>
+      </a:effectRef>
+      <a:fontRef idx="minor">
+        <a:schemeClr val="lt1"/>
+      </a:fontRef>
+    </dgm:style>
+  </dgm:styleLbl>
+  <dgm:styleLbl name="parChTrans2D2">
+    <dgm:scene3d>
+      <a:camera prst="orthographicFront"/>
+      <a:lightRig rig="threePt" dir="t">
+        <a:rot lat="0" lon="0" rev="7500000"/>
+      </a:lightRig>
+    </dgm:scene3d>
+    <dgm:sp3d extrusionH="63500" prstMaterial="matte">
+      <a:bevelT w="50800" h="19050" prst="relaxedInset"/>
+      <a:contourClr>
+        <a:schemeClr val="bg1"/>
+      </a:contourClr>
+    </dgm:sp3d>
+    <dgm:txPr/>
+    <dgm:style>
+      <a:lnRef idx="0">
+        <a:scrgbClr r="0" g="0" b="0"/>
+      </a:lnRef>
+      <a:fillRef idx="1">
+        <a:scrgbClr r="0" g="0" b="0"/>
+      </a:fillRef>
+      <a:effectRef idx="0">
+        <a:scrgbClr r="0" g="0" b="0"/>
+      </a:effectRef>
+      <a:fontRef idx="minor">
+        <a:schemeClr val="lt1"/>
+      </a:fontRef>
+    </dgm:style>
+  </dgm:styleLbl>
+  <dgm:styleLbl name="parChTrans2D3">
+    <dgm:scene3d>
+      <a:camera prst="orthographicFront"/>
+      <a:lightRig rig="threePt" dir="t">
+        <a:rot lat="0" lon="0" rev="7500000"/>
+      </a:lightRig>
+    </dgm:scene3d>
+    <dgm:sp3d z="60000" prstMaterial="flat">
+      <a:bevelT w="120900" h="88900"/>
+    </dgm:sp3d>
+    <dgm:txPr/>
+    <dgm:style>
+      <a:lnRef idx="0">
+        <a:scrgbClr r="0" g="0" b="0"/>
+      </a:lnRef>
+      <a:fillRef idx="3">
+        <a:scrgbClr r="0" g="0" b="0"/>
+      </a:fillRef>
+      <a:effectRef idx="1">
+        <a:scrgbClr r="0" g="0" b="0"/>
+      </a:effectRef>
+      <a:fontRef idx="minor">
+        <a:schemeClr val="lt1"/>
+      </a:fontRef>
+    </dgm:style>
+  </dgm:styleLbl>
+  <dgm:styleLbl name="parChTrans2D4">
+    <dgm:scene3d>
+      <a:camera prst="orthographicFront"/>
+      <a:lightRig rig="threePt" dir="t">
+        <a:rot lat="0" lon="0" rev="7500000"/>
+      </a:lightRig>
+    </dgm:scene3d>
+    <dgm:sp3d z="60000" prstMaterial="flat">
+      <a:bevelT w="120900" h="88900"/>
+    </dgm:sp3d>
+    <dgm:txPr/>
+    <dgm:style>
+      <a:lnRef idx="0">
+        <a:scrgbClr r="0" g="0" b="0"/>
+      </a:lnRef>
+      <a:fillRef idx="3">
+        <a:scrgbClr r="0" g="0" b="0"/>
+      </a:fillRef>
+      <a:effectRef idx="1">
+        <a:scrgbClr r="0" g="0" b="0"/>
+      </a:effectRef>
+      <a:fontRef idx="minor">
+        <a:schemeClr val="lt1"/>
+      </a:fontRef>
+    </dgm:style>
+  </dgm:styleLbl>
+  <dgm:styleLbl name="parChTrans1D1">
+    <dgm:scene3d>
+      <a:camera prst="orthographicFront"/>
+      <a:lightRig rig="threePt" dir="t">
+        <a:rot lat="0" lon="0" rev="7500000"/>
+      </a:lightRig>
+    </dgm:scene3d>
+    <dgm:sp3d z="-40000" prstMaterial="matte"/>
+    <dgm:txPr/>
+    <dgm:style>
+      <a:lnRef idx="2">
+        <a:scrgbClr r="0" g="0" b="0"/>
+      </a:lnRef>
+      <a:fillRef idx="0">
+        <a:scrgbClr r="0" g="0" b="0"/>
+      </a:fillRef>
+      <a:effectRef idx="0">
+        <a:scrgbClr r="0" g="0" b="0"/>
+      </a:effectRef>
+      <a:fontRef idx="minor"/>
+    </dgm:style>
+  </dgm:styleLbl>
+  <dgm:styleLbl name="parChTrans1D2">
+    <dgm:scene3d>
+      <a:camera prst="orthographicFront"/>
+      <a:lightRig rig="threePt" dir="t">
+        <a:rot lat="0" lon="0" rev="7500000"/>
+      </a:lightRig>
+    </dgm:scene3d>
+    <dgm:sp3d z="-40000" prstMaterial="matte"/>
+    <dgm:txPr/>
+    <dgm:style>
+      <a:lnRef idx="2">
+        <a:scrgbClr r="0" g="0" b="0"/>
+      </a:lnRef>
+      <a:fillRef idx="0">
+        <a:scrgbClr r="0" g="0" b="0"/>
+      </a:fillRef>
+      <a:effectRef idx="0">
+        <a:scrgbClr r="0" g="0" b="0"/>
+      </a:effectRef>
+      <a:fontRef idx="minor"/>
+    </dgm:style>
+  </dgm:styleLbl>
+  <dgm:styleLbl name="parChTrans1D3">
+    <dgm:scene3d>
+      <a:camera prst="orthographicFront"/>
+      <a:lightRig rig="threePt" dir="t">
+        <a:rot lat="0" lon="0" rev="7500000"/>
+      </a:lightRig>
+    </dgm:scene3d>
+    <dgm:sp3d z="-40000" prstMaterial="matte"/>
+    <dgm:txPr/>
+    <dgm:style>
+      <a:lnRef idx="2">
+        <a:scrgbClr r="0" g="0" b="0"/>
+      </a:lnRef>
+      <a:fillRef idx="0">
+        <a:scrgbClr r="0" g="0" b="0"/>
+      </a:fillRef>
+      <a:effectRef idx="0">
+        <a:scrgbClr r="0" g="0" b="0"/>
+      </a:effectRef>
+      <a:fontRef idx="minor"/>
+    </dgm:style>
+  </dgm:styleLbl>
+  <dgm:styleLbl name="parChTrans1D4">
+    <dgm:scene3d>
+      <a:camera prst="orthographicFront"/>
+      <a:lightRig rig="threePt" dir="t">
+        <a:rot lat="0" lon="0" rev="7500000"/>
+      </a:lightRig>
+    </dgm:scene3d>
+    <dgm:sp3d z="-40000" prstMaterial="matte"/>
+    <dgm:txPr/>
+    <dgm:style>
+      <a:lnRef idx="2">
+        <a:scrgbClr r="0" g="0" b="0"/>
+      </a:lnRef>
+      <a:fillRef idx="0">
+        <a:scrgbClr r="0" g="0" b="0"/>
+      </a:fillRef>
+      <a:effectRef idx="0">
+        <a:scrgbClr r="0" g="0" b="0"/>
+      </a:effectRef>
+      <a:fontRef idx="minor"/>
+    </dgm:style>
+  </dgm:styleLbl>
+  <dgm:styleLbl name="fgAcc1">
+    <dgm:scene3d>
+      <a:camera prst="orthographicFront"/>
+      <a:lightRig rig="threePt" dir="t">
+        <a:rot lat="0" lon="0" rev="7500000"/>
+      </a:lightRig>
+    </dgm:scene3d>
+    <dgm:sp3d z="152400" extrusionH="63500" prstMaterial="dkEdge">
+      <a:bevelT w="135400" h="16350" prst="relaxedInset"/>
+      <a:contourClr>
+        <a:schemeClr val="bg1"/>
+      </a:contourClr>
+    </dgm:sp3d>
+    <dgm:txPr/>
+    <dgm:style>
+      <a:lnRef idx="1">
+        <a:scrgbClr r="0" g="0" b="0"/>
+      </a:lnRef>
+      <a:fillRef idx="1">
+        <a:scrgbClr r="0" g="0" b="0"/>
+      </a:fillRef>
+      <a:effectRef idx="2">
+        <a:scrgbClr r="0" g="0" b="0"/>
+      </a:effectRef>
+      <a:fontRef idx="minor"/>
+    </dgm:style>
+  </dgm:styleLbl>
+  <dgm:styleLbl name="conFgAcc1">
+    <dgm:scene3d>
+      <a:camera prst="orthographicFront"/>
+      <a:lightRig rig="threePt" dir="t">
+        <a:rot lat="0" lon="0" rev="7500000"/>
+      </a:lightRig>
+    </dgm:scene3d>
+    <dgm:sp3d z="152400" extrusionH="63500" prstMaterial="dkEdge">
+      <a:bevelT w="135400" h="16350" prst="relaxedInset"/>
+      <a:contourClr>
+        <a:schemeClr val="bg1"/>
+      </a:contourClr>
+    </dgm:sp3d>
+    <dgm:txPr/>
+    <dgm:style>
+      <a:lnRef idx="1">
+        <a:scrgbClr r="0" g="0" b="0"/>
+      </a:lnRef>
+      <a:fillRef idx="1">
+        <a:scrgbClr r="0" g="0" b="0"/>
+      </a:fillRef>
+      <a:effectRef idx="2">
+        <a:scrgbClr r="0" g="0" b="0"/>
+      </a:effectRef>
+      <a:fontRef idx="minor"/>
+    </dgm:style>
+  </dgm:styleLbl>
+  <dgm:styleLbl name="alignAcc1">
+    <dgm:scene3d>
+      <a:camera prst="orthographicFront"/>
+      <a:lightRig rig="threePt" dir="t">
+        <a:rot lat="0" lon="0" rev="7500000"/>
+      </a:lightRig>
+    </dgm:scene3d>
+    <dgm:sp3d extrusionH="190500" prstMaterial="dkEdge">
+      <a:bevelT w="135400" h="16350" prst="relaxedInset"/>
+      <a:contourClr>
+        <a:schemeClr val="bg1"/>
+      </a:contourClr>
+    </dgm:sp3d>
+    <dgm:txPr/>
+    <dgm:style>
+      <a:lnRef idx="1">
+        <a:scrgbClr r="0" g="0" b="0"/>
+      </a:lnRef>
+      <a:fillRef idx="1">
+        <a:scrgbClr r="0" g="0" b="0"/>
+      </a:fillRef>
+      <a:effectRef idx="2">
+        <a:scrgbClr r="0" g="0" b="0"/>
+      </a:effectRef>
+      <a:fontRef idx="minor"/>
+    </dgm:style>
+  </dgm:styleLbl>
+  <dgm:styleLbl name="trAlignAcc1">
+    <dgm:scene3d>
+      <a:camera prst="orthographicFront"/>
+      <a:lightRig rig="threePt" dir="t">
+        <a:rot lat="0" lon="0" rev="7500000"/>
+      </a:lightRig>
+    </dgm:scene3d>
+    <dgm:sp3d prstMaterial="plastic">
+      <a:bevelT w="127000" h="35400"/>
+    </dgm:sp3d>
+    <dgm:txPr/>
+    <dgm:style>
+      <a:lnRef idx="1">
+        <a:scrgbClr r="0" g="0" b="0"/>
+      </a:lnRef>
+      <a:fillRef idx="1">
+        <a:scrgbClr r="0" g="0" b="0"/>
+      </a:fillRef>
+      <a:effectRef idx="2">
+        <a:scrgbClr r="0" g="0" b="0"/>
+      </a:effectRef>
+      <a:fontRef idx="minor">
+        <a:schemeClr val="lt1"/>
+      </a:fontRef>
+    </dgm:style>
+  </dgm:styleLbl>
+  <dgm:styleLbl name="bgAcc1">
+    <dgm:scene3d>
+      <a:camera prst="orthographicFront"/>
+      <a:lightRig rig="threePt" dir="t">
+        <a:rot lat="0" lon="0" rev="7500000"/>
+      </a:lightRig>
+    </dgm:scene3d>
+    <dgm:sp3d z="-152400" extrusionH="63500" prstMaterial="dkEdge">
+      <a:bevelT w="124450" h="16350" prst="relaxedInset"/>
+      <a:contourClr>
+        <a:schemeClr val="bg1"/>
+      </a:contourClr>
+    </dgm:sp3d>
+    <dgm:txPr/>
+    <dgm:style>
+      <a:lnRef idx="1">
+        <a:scrgbClr r="0" g="0" b="0"/>
+      </a:lnRef>
+      <a:fillRef idx="1">
+        <a:scrgbClr r="0" g="0" b="0"/>
+      </a:fillRef>
+      <a:effectRef idx="0">
+        <a:scrgbClr r="0" g="0" b="0"/>
+      </a:effectRef>
+      <a:fontRef idx="minor"/>
+    </dgm:style>
+  </dgm:styleLbl>
+  <dgm:styleLbl name="solidFgAcc1">
+    <dgm:scene3d>
+      <a:camera prst="orthographicFront"/>
+      <a:lightRig rig="threePt" dir="t">
+        <a:rot lat="0" lon="0" rev="7500000"/>
+      </a:lightRig>
+    </dgm:scene3d>
+    <dgm:sp3d z="152400" extrusionH="63500" prstMaterial="dkEdge">
+      <a:bevelT w="120800" h="19050" prst="relaxedInset"/>
+      <a:contourClr>
+        <a:schemeClr val="bg1"/>
+      </a:contourClr>
+    </dgm:sp3d>
+    <dgm:txPr/>
+    <dgm:style>
+      <a:lnRef idx="1">
+        <a:scrgbClr r="0" g="0" b="0"/>
+      </a:lnRef>
+      <a:fillRef idx="1">
+        <a:scrgbClr r="0" g="0" b="0"/>
+      </a:fillRef>
+      <a:effectRef idx="2">
+        <a:scrgbClr r="0" g="0" b="0"/>
+      </a:effectRef>
+      <a:fontRef idx="minor"/>
+    </dgm:style>
+  </dgm:styleLbl>
+  <dgm:styleLbl name="solidAlignAcc1">
+    <dgm:scene3d>
+      <a:camera prst="orthographicFront"/>
+      <a:lightRig rig="threePt" dir="t">
+        <a:rot lat="0" lon="0" rev="7500000"/>
+      </a:lightRig>
+    </dgm:scene3d>
+    <dgm:sp3d extrusionH="190500" prstMaterial="dkEdge">
+      <a:bevelT w="120650" h="38100" prst="relaxedInset"/>
+      <a:contourClr>
+        <a:schemeClr val="bg1"/>
+      </a:contourClr>
+    </dgm:sp3d>
+    <dgm:txPr/>
+    <dgm:style>
+      <a:lnRef idx="1">
+        <a:scrgbClr r="0" g="0" b="0"/>
+      </a:lnRef>
+      <a:fillRef idx="1">
+        <a:scrgbClr r="0" g="0" b="0"/>
+      </a:fillRef>
+      <a:effectRef idx="2">
+        <a:scrgbClr r="0" g="0" b="0"/>
+      </a:effectRef>
+      <a:fontRef idx="minor"/>
+    </dgm:style>
+  </dgm:styleLbl>
+  <dgm:styleLbl name="solidBgAcc1">
+    <dgm:scene3d>
+      <a:camera prst="orthographicFront"/>
+      <a:lightRig rig="threePt" dir="t">
+        <a:rot lat="0" lon="0" rev="7500000"/>
+      </a:lightRig>
+    </dgm:scene3d>
+    <dgm:sp3d z="-152400" extrusionH="63500" prstMaterial="dkEdge">
+      <a:bevelT w="144450" h="36350" prst="relaxedInset"/>
+      <a:contourClr>
+        <a:schemeClr val="bg1"/>
+      </a:contourClr>
+    </dgm:sp3d>
+    <dgm:txPr/>
+    <dgm:style>
+      <a:lnRef idx="1">
+        <a:scrgbClr r="0" g="0" b="0"/>
+      </a:lnRef>
+      <a:fillRef idx="1">
+        <a:scrgbClr r="0" g="0" b="0"/>
+      </a:fillRef>
+      <a:effectRef idx="0">
+        <a:scrgbClr r="0" g="0" b="0"/>
+      </a:effectRef>
+      <a:fontRef idx="minor"/>
+    </dgm:style>
+  </dgm:styleLbl>
+  <dgm:styleLbl name="fgAccFollowNode1">
+    <dgm:scene3d>
+      <a:camera prst="orthographicFront"/>
+      <a:lightRig rig="threePt" dir="t">
+        <a:rot lat="0" lon="0" rev="7500000"/>
+      </a:lightRig>
+    </dgm:scene3d>
+    <dgm:sp3d z="152400" extrusionH="63500" prstMaterial="dkEdge">
+      <a:bevelT w="125400" h="36350" prst="relaxedInset"/>
+      <a:contourClr>
+        <a:schemeClr val="bg1"/>
+      </a:contourClr>
+    </dgm:sp3d>
+    <dgm:txPr/>
+    <dgm:style>
+      <a:lnRef idx="1">
+        <a:scrgbClr r="0" g="0" b="0"/>
+      </a:lnRef>
+      <a:fillRef idx="1">
+        <a:scrgbClr r="0" g="0" b="0"/>
+      </a:fillRef>
+      <a:effectRef idx="0">
+        <a:scrgbClr r="0" g="0" b="0"/>
+      </a:effectRef>
+      <a:fontRef idx="minor"/>
+    </dgm:style>
+  </dgm:styleLbl>
+  <dgm:styleLbl name="alignAccFollowNode1">
+    <dgm:scene3d>
+      <a:camera prst="orthographicFront"/>
+      <a:lightRig rig="threePt" dir="t">
+        <a:rot lat="0" lon="0" rev="7500000"/>
+      </a:lightRig>
+    </dgm:scene3d>
+    <dgm:sp3d extrusionH="190500" prstMaterial="dkEdge">
+      <a:bevelT w="120650" h="38100" prst="relaxedInset"/>
+      <a:bevelB w="120650" h="57150" prst="relaxedInset"/>
+      <a:contourClr>
+        <a:schemeClr val="bg1"/>
+      </a:contourClr>
+    </dgm:sp3d>
+    <dgm:txPr/>
+    <dgm:style>
+      <a:lnRef idx="1">
+        <a:scrgbClr r="0" g="0" b="0"/>
+      </a:lnRef>
+      <a:fillRef idx="1">
+        <a:scrgbClr r="0" g="0" b="0"/>
+      </a:fillRef>
+      <a:effectRef idx="2">
+        <a:scrgbClr r="0" g="0" b="0"/>
+      </a:effectRef>
+      <a:fontRef idx="minor"/>
+    </dgm:style>
+  </dgm:styleLbl>
+  <dgm:styleLbl name="bgAccFollowNode1">
+    <dgm:scene3d>
+      <a:camera prst="orthographicFront"/>
+      <a:lightRig rig="threePt" dir="t">
+        <a:rot lat="0" lon="0" rev="7500000"/>
+      </a:lightRig>
+    </dgm:scene3d>
+    <dgm:sp3d z="-152400" extrusionH="63500" prstMaterial="dkEdge">
+      <a:bevelT w="144450" h="36350" prst="relaxedInset"/>
+      <a:contourClr>
+        <a:schemeClr val="bg1"/>
+      </a:contourClr>
+    </dgm:sp3d>
+    <dgm:txPr/>
+    <dgm:style>
+      <a:lnRef idx="1">
+        <a:scrgbClr r="0" g="0" b="0"/>
+      </a:lnRef>
+      <a:fillRef idx="1">
+        <a:scrgbClr r="0" g="0" b="0"/>
+      </a:fillRef>
+      <a:effectRef idx="2">
+        <a:scrgbClr r="0" g="0" b="0"/>
+      </a:effectRef>
+      <a:fontRef idx="minor"/>
+    </dgm:style>
+  </dgm:styleLbl>
+  <dgm:styleLbl name="fgAcc0">
+    <dgm:scene3d>
+      <a:camera prst="orthographicFront"/>
+      <a:lightRig rig="threePt" dir="t">
+        <a:rot lat="0" lon="0" rev="7500000"/>
+      </a:lightRig>
+    </dgm:scene3d>
+    <dgm:sp3d z="152400" extrusionH="63500" prstMaterial="dkEdge">
+      <a:bevelT w="125400" h="36350" prst="relaxedInset"/>
+      <a:contourClr>
+        <a:schemeClr val="bg1"/>
+      </a:contourClr>
+    </dgm:sp3d>
+    <dgm:txPr/>
+    <dgm:style>
+      <a:lnRef idx="1">
+        <a:scrgbClr r="0" g="0" b="0"/>
+      </a:lnRef>
+      <a:fillRef idx="1">
+        <a:scrgbClr r="0" g="0" b="0"/>
+      </a:fillRef>
+      <a:effectRef idx="2">
+        <a:scrgbClr r="0" g="0" b="0"/>
+      </a:effectRef>
+      <a:fontRef idx="minor"/>
+    </dgm:style>
+  </dgm:styleLbl>
+  <dgm:styleLbl name="fgAcc2">
+    <dgm:scene3d>
+      <a:camera prst="orthographicFront"/>
+      <a:lightRig rig="threePt" dir="t">
+        <a:rot lat="0" lon="0" rev="7500000"/>
+      </a:lightRig>
+    </dgm:scene3d>
+    <dgm:sp3d z="152400" extrusionH="63500" prstMaterial="dkEdge">
+      <a:bevelT w="125400" h="36350" prst="relaxedInset"/>
+      <a:contourClr>
+        <a:schemeClr val="bg1"/>
+      </a:contourClr>
+    </dgm:sp3d>
+    <dgm:txPr/>
+    <dgm:style>
+      <a:lnRef idx="1">
+        <a:scrgbClr r="0" g="0" b="0"/>
+      </a:lnRef>
+      <a:fillRef idx="1">
+        <a:scrgbClr r="0" g="0" b="0"/>
+      </a:fillRef>
+      <a:effectRef idx="2">
+        <a:scrgbClr r="0" g="0" b="0"/>
+      </a:effectRef>
+      <a:fontRef idx="minor"/>
+    </dgm:style>
+  </dgm:styleLbl>
+  <dgm:styleLbl name="fgAcc3">
+    <dgm:scene3d>
+      <a:camera prst="orthographicFront"/>
+      <a:lightRig rig="threePt" dir="t">
+        <a:rot lat="0" lon="0" rev="7500000"/>
+      </a:lightRig>
+    </dgm:scene3d>
+    <dgm:sp3d z="152400" extrusionH="63500" prstMaterial="dkEdge">
+      <a:bevelT w="125400" h="36350" prst="relaxedInset"/>
+      <a:contourClr>
+        <a:schemeClr val="bg1"/>
+      </a:contourClr>
+    </dgm:sp3d>
+    <dgm:txPr/>
+    <dgm:style>
+      <a:lnRef idx="1">
+        <a:scrgbClr r="0" g="0" b="0"/>
+      </a:lnRef>
+      <a:fillRef idx="1">
+        <a:scrgbClr r="0" g="0" b="0"/>
+      </a:fillRef>
+      <a:effectRef idx="2">
+        <a:scrgbClr r="0" g="0" b="0"/>
+      </a:effectRef>
+      <a:fontRef idx="minor"/>
+    </dgm:style>
+  </dgm:styleLbl>
+  <dgm:styleLbl name="fgAcc4">
+    <dgm:scene3d>
+      <a:camera prst="orthographicFront"/>
+      <a:lightRig rig="threePt" dir="t">
+        <a:rot lat="0" lon="0" rev="7500000"/>
+      </a:lightRig>
+    </dgm:scene3d>
+    <dgm:sp3d z="152400" extrusionH="63500" prstMaterial="dkEdge">
+      <a:bevelT w="125400" h="36350" prst="relaxedInset"/>
+      <a:contourClr>
+        <a:schemeClr val="bg1"/>
+      </a:contourClr>
+    </dgm:sp3d>
+    <dgm:txPr/>
+    <dgm:style>
+      <a:lnRef idx="1">
+        <a:scrgbClr r="0" g="0" b="0"/>
+      </a:lnRef>
+      <a:fillRef idx="1">
+        <a:scrgbClr r="0" g="0" b="0"/>
+      </a:fillRef>
+      <a:effectRef idx="2">
+        <a:scrgbClr r="0" g="0" b="0"/>
+      </a:effectRef>
+      <a:fontRef idx="minor"/>
+    </dgm:style>
+  </dgm:styleLbl>
+  <dgm:styleLbl name="bgShp">
+    <dgm:scene3d>
+      <a:camera prst="orthographicFront"/>
+      <a:lightRig rig="threePt" dir="t">
+        <a:rot lat="0" lon="0" rev="7500000"/>
+      </a:lightRig>
+    </dgm:scene3d>
+    <dgm:sp3d z="-152400" extrusionH="63500" prstMaterial="matte">
+      <a:bevelT w="144450" h="6350" prst="relaxedInset"/>
+      <a:contourClr>
+        <a:schemeClr val="bg1"/>
+      </a:contourClr>
+    </dgm:sp3d>
+    <dgm:txPr/>
+    <dgm:style>
+      <a:lnRef idx="0">
+        <a:scrgbClr r="0" g="0" b="0"/>
+      </a:lnRef>
+      <a:fillRef idx="3">
+        <a:scrgbClr r="0" g="0" b="0"/>
+      </a:fillRef>
+      <a:effectRef idx="0">
+        <a:scrgbClr r="0" g="0" b="0"/>
+      </a:effectRef>
+      <a:fontRef idx="minor"/>
+    </dgm:style>
+  </dgm:styleLbl>
+  <dgm:styleLbl name="dkBgShp">
+    <dgm:scene3d>
+      <a:camera prst="orthographicFront"/>
+      <a:lightRig rig="threePt" dir="t">
+        <a:rot lat="0" lon="0" rev="7500000"/>
+      </a:lightRig>
+    </dgm:scene3d>
+    <dgm:sp3d prstMaterial="plastic">
+      <a:bevelT w="127000" h="25400" prst="relaxedInset"/>
+      <a:bevelB w="88900" h="121750" prst="angle"/>
+    </dgm:sp3d>
+    <dgm:txPr/>
+    <dgm:style>
+      <a:lnRef idx="0">
+        <a:scrgbClr r="0" g="0" b="0"/>
+      </a:lnRef>
+      <a:fillRef idx="1">
+        <a:scrgbClr r="0" g="0" b="0"/>
+      </a:fillRef>
+      <a:effectRef idx="2">
+        <a:scrgbClr r="0" g="0" b="0"/>
+      </a:effectRef>
+      <a:fontRef idx="minor">
+        <a:schemeClr val="lt1"/>
+      </a:fontRef>
+    </dgm:style>
+  </dgm:styleLbl>
+  <dgm:styleLbl name="trBgShp">
+    <dgm:scene3d>
+      <a:camera prst="orthographicFront"/>
+      <a:lightRig rig="threePt" dir="t"/>
+    </dgm:scene3d>
+    <dgm:sp3d z="-152400" prstMaterial="matte"/>
+    <dgm:txPr/>
+    <dgm:style>
+      <a:lnRef idx="0">
+        <a:scrgbClr r="0" g="0" b="0"/>
+      </a:lnRef>
+      <a:fillRef idx="1">
+        <a:scrgbClr r="0" g="0" b="0"/>
+      </a:fillRef>
+      <a:effectRef idx="0">
+        <a:scrgbClr r="0" g="0" b="0"/>
+      </a:effectRef>
+      <a:fontRef idx="minor"/>
+    </dgm:style>
+  </dgm:styleLbl>
+  <dgm:styleLbl name="fgShp">
+    <dgm:scene3d>
+      <a:camera prst="orthographicFront"/>
+      <a:lightRig rig="threePt" dir="t">
+        <a:rot lat="0" lon="0" rev="7500000"/>
+      </a:lightRig>
+    </dgm:scene3d>
+    <dgm:sp3d z="152400" extrusionH="63500" prstMaterial="matte">
+      <a:bevelT w="50800" h="19050" prst="relaxedInset"/>
+      <a:contourClr>
+        <a:schemeClr val="bg1"/>
+      </a:contourClr>
+    </dgm:sp3d>
+    <dgm:txPr/>
+    <dgm:style>
+      <a:lnRef idx="0">
+        <a:scrgbClr r="0" g="0" b="0"/>
+      </a:lnRef>
+      <a:fillRef idx="1">
+        <a:scrgbClr r="0" g="0" b="0"/>
+      </a:fillRef>
+      <a:effectRef idx="2">
+        <a:scrgbClr r="0" g="0" b="0"/>
+      </a:effectRef>
+      <a:fontRef idx="minor">
+        <a:schemeClr val="lt1"/>
+      </a:fontRef>
     </dgm:style>
   </dgm:styleLbl>
   <dgm:styleLbl name="revTx">
@@ -3718,7 +7322,7 @@
           <a:p>
             <a:fld id="{236E9A6A-4BD2-4507-B204-3622F939856A}" type="datetimeFigureOut">
               <a:rPr lang="fr-FR" smtClean="0"/>
-              <a:t>samedi  16  juillet  2022</a:t>
+              <a:t>dimanche  17  juillet  2022</a:t>
             </a:fld>
             <a:endParaRPr lang="fr-FR"/>
           </a:p>
@@ -3916,7 +7520,7 @@
           <a:p>
             <a:fld id="{236E9A6A-4BD2-4507-B204-3622F939856A}" type="datetimeFigureOut">
               <a:rPr lang="fr-FR" smtClean="0"/>
-              <a:t>samedi  16  juillet  2022</a:t>
+              <a:t>dimanche  17  juillet  2022</a:t>
             </a:fld>
             <a:endParaRPr lang="fr-FR"/>
           </a:p>
@@ -4124,7 +7728,7 @@
           <a:p>
             <a:fld id="{236E9A6A-4BD2-4507-B204-3622F939856A}" type="datetimeFigureOut">
               <a:rPr lang="fr-FR" smtClean="0"/>
-              <a:t>samedi  16  juillet  2022</a:t>
+              <a:t>dimanche  17  juillet  2022</a:t>
             </a:fld>
             <a:endParaRPr lang="fr-FR"/>
           </a:p>
@@ -4322,7 +7926,7 @@
           <a:p>
             <a:fld id="{236E9A6A-4BD2-4507-B204-3622F939856A}" type="datetimeFigureOut">
               <a:rPr lang="fr-FR" smtClean="0"/>
-              <a:t>samedi  16  juillet  2022</a:t>
+              <a:t>dimanche  17  juillet  2022</a:t>
             </a:fld>
             <a:endParaRPr lang="fr-FR"/>
           </a:p>
@@ -4597,7 +8201,7 @@
           <a:p>
             <a:fld id="{236E9A6A-4BD2-4507-B204-3622F939856A}" type="datetimeFigureOut">
               <a:rPr lang="fr-FR" smtClean="0"/>
-              <a:t>samedi  16  juillet  2022</a:t>
+              <a:t>dimanche  17  juillet  2022</a:t>
             </a:fld>
             <a:endParaRPr lang="fr-FR"/>
           </a:p>
@@ -4862,7 +8466,7 @@
           <a:p>
             <a:fld id="{236E9A6A-4BD2-4507-B204-3622F939856A}" type="datetimeFigureOut">
               <a:rPr lang="fr-FR" smtClean="0"/>
-              <a:t>samedi  16  juillet  2022</a:t>
+              <a:t>dimanche  17  juillet  2022</a:t>
             </a:fld>
             <a:endParaRPr lang="fr-FR"/>
           </a:p>
@@ -5274,7 +8878,7 @@
           <a:p>
             <a:fld id="{236E9A6A-4BD2-4507-B204-3622F939856A}" type="datetimeFigureOut">
               <a:rPr lang="fr-FR" smtClean="0"/>
-              <a:t>samedi  16  juillet  2022</a:t>
+              <a:t>dimanche  17  juillet  2022</a:t>
             </a:fld>
             <a:endParaRPr lang="fr-FR"/>
           </a:p>
@@ -5415,7 +9019,7 @@
           <a:p>
             <a:fld id="{236E9A6A-4BD2-4507-B204-3622F939856A}" type="datetimeFigureOut">
               <a:rPr lang="fr-FR" smtClean="0"/>
-              <a:t>samedi  16  juillet  2022</a:t>
+              <a:t>dimanche  17  juillet  2022</a:t>
             </a:fld>
             <a:endParaRPr lang="fr-FR"/>
           </a:p>
@@ -5528,7 +9132,7 @@
           <a:p>
             <a:fld id="{236E9A6A-4BD2-4507-B204-3622F939856A}" type="datetimeFigureOut">
               <a:rPr lang="fr-FR" smtClean="0"/>
-              <a:t>samedi  16  juillet  2022</a:t>
+              <a:t>dimanche  17  juillet  2022</a:t>
             </a:fld>
             <a:endParaRPr lang="fr-FR"/>
           </a:p>
@@ -5839,7 +9443,7 @@
           <a:p>
             <a:fld id="{236E9A6A-4BD2-4507-B204-3622F939856A}" type="datetimeFigureOut">
               <a:rPr lang="fr-FR" smtClean="0"/>
-              <a:t>samedi  16  juillet  2022</a:t>
+              <a:t>dimanche  17  juillet  2022</a:t>
             </a:fld>
             <a:endParaRPr lang="fr-FR"/>
           </a:p>
@@ -6127,7 +9731,7 @@
           <a:p>
             <a:fld id="{236E9A6A-4BD2-4507-B204-3622F939856A}" type="datetimeFigureOut">
               <a:rPr lang="fr-FR" smtClean="0"/>
-              <a:t>samedi  16  juillet  2022</a:t>
+              <a:t>dimanche  17  juillet  2022</a:t>
             </a:fld>
             <a:endParaRPr lang="fr-FR"/>
           </a:p>
@@ -6368,7 +9972,7 @@
           <a:p>
             <a:fld id="{236E9A6A-4BD2-4507-B204-3622F939856A}" type="datetimeFigureOut">
               <a:rPr lang="fr-FR" smtClean="0"/>
-              <a:t>samedi  16  juillet  2022</a:t>
+              <a:t>dimanche  17  juillet  2022</a:t>
             </a:fld>
             <a:endParaRPr lang="fr-FR"/>
           </a:p>
@@ -6949,7 +10553,7 @@
             <a:pPr algn="ctr"/>
             <a:r>
               <a:rPr lang="fr-FR" sz="2800" b="1" dirty="0"/>
-              <a:t>Langages Timeline </a:t>
+              <a:t>Timeline de C, C++ et Java</a:t>
             </a:r>
           </a:p>
         </p:txBody>
@@ -7150,41 +10754,215 @@
           <a:p>
             <a:pPr algn="ctr"/>
             <a:r>
-              <a:rPr lang="fr-FR" sz="2800" b="1" dirty="0" err="1"/>
-              <a:t>Title</a:t>
+              <a:rPr lang="fr-FR" sz="2800" b="1" dirty="0"/>
+              <a:t>Programme Java</a:t>
             </a:r>
-            <a:r>
-              <a:rPr lang="fr-FR" sz="2800" b="1" dirty="0"/>
-              <a:t> 1</a:t>
-            </a:r>
+          </a:p>
+        </p:txBody>
+      </p:sp>
+      <p:graphicFrame>
+        <p:nvGraphicFramePr>
+          <p:cNvPr id="4" name="Diagramme 3">
+            <a:extLst>
+              <a:ext uri="{FF2B5EF4-FFF2-40B4-BE49-F238E27FC236}">
+                <a16:creationId xmlns:a16="http://schemas.microsoft.com/office/drawing/2014/main" id="{6C98C88F-FD23-4AE6-AA2F-7ABF8C385988}"/>
+              </a:ext>
+            </a:extLst>
+          </p:cNvPr>
+          <p:cNvGraphicFramePr/>
+          <p:nvPr>
+            <p:extLst>
+              <p:ext uri="{D42A27DB-BD31-4B8C-83A1-F6EECF244321}">
+                <p14:modId xmlns:p14="http://schemas.microsoft.com/office/powerpoint/2010/main" val="217747542"/>
+              </p:ext>
+            </p:extLst>
+          </p:nvPr>
+        </p:nvGraphicFramePr>
+        <p:xfrm>
+          <a:off x="2032000" y="719666"/>
+          <a:ext cx="8128000" cy="5418667"/>
+        </p:xfrm>
+        <a:graphic>
+          <a:graphicData uri="http://schemas.openxmlformats.org/drawingml/2006/diagram">
+            <dgm:relIds xmlns:dgm="http://schemas.openxmlformats.org/drawingml/2006/diagram" xmlns:r="http://schemas.openxmlformats.org/officeDocument/2006/relationships" r:dm="rId2" r:lo="rId3" r:qs="rId4" r:cs="rId5"/>
+          </a:graphicData>
+        </a:graphic>
+      </p:graphicFrame>
+      <p:sp>
+        <p:nvSpPr>
+          <p:cNvPr id="5" name="Flèche : droite à entaille 4">
+            <a:extLst>
+              <a:ext uri="{FF2B5EF4-FFF2-40B4-BE49-F238E27FC236}">
+                <a16:creationId xmlns:a16="http://schemas.microsoft.com/office/drawing/2014/main" id="{89605967-A9CB-54F2-D3F0-73A015D9DA37}"/>
+              </a:ext>
+            </a:extLst>
+          </p:cNvPr>
+          <p:cNvSpPr/>
+          <p:nvPr/>
+        </p:nvSpPr>
+        <p:spPr>
+          <a:xfrm>
+            <a:off x="7030065" y="2490262"/>
+            <a:ext cx="1091380" cy="646471"/>
+          </a:xfrm>
+          <a:prstGeom prst="notchedRightArrow">
+            <a:avLst/>
+          </a:prstGeom>
+        </p:spPr>
+        <p:style>
+          <a:lnRef idx="3">
+            <a:schemeClr val="lt1"/>
+          </a:lnRef>
+          <a:fillRef idx="1">
+            <a:schemeClr val="accent6"/>
+          </a:fillRef>
+          <a:effectRef idx="1">
+            <a:schemeClr val="accent6"/>
+          </a:effectRef>
+          <a:fontRef idx="minor">
+            <a:schemeClr val="lt1"/>
+          </a:fontRef>
+        </p:style>
+        <p:txBody>
+          <a:bodyPr rot="0" spcFirstLastPara="0" vertOverflow="overflow" horzOverflow="overflow" vert="horz" wrap="square" lIns="91440" tIns="45720" rIns="91440" bIns="45720" numCol="1" spcCol="0" rtlCol="0" fromWordArt="0" anchor="ctr" anchorCtr="0" forceAA="0" compatLnSpc="1">
+            <a:prstTxWarp prst="textNoShape">
+              <a:avLst/>
+            </a:prstTxWarp>
+            <a:noAutofit/>
+          </a:bodyPr>
+          <a:lstStyle/>
+          <a:p>
+            <a:pPr algn="ctr"/>
+            <a:endParaRPr lang="fr-FR"/>
           </a:p>
         </p:txBody>
       </p:sp>
       <p:sp>
         <p:nvSpPr>
-          <p:cNvPr id="3" name="Espace réservé du contenu 2">
+          <p:cNvPr id="6" name="Flèche : droite à entaille 5">
             <a:extLst>
               <a:ext uri="{FF2B5EF4-FFF2-40B4-BE49-F238E27FC236}">
-                <a16:creationId xmlns:a16="http://schemas.microsoft.com/office/drawing/2014/main" id="{096C347E-3FE9-BDC1-1B6F-F6DAF83108E7}"/>
+                <a16:creationId xmlns:a16="http://schemas.microsoft.com/office/drawing/2014/main" id="{589AD906-726A-AF00-EB39-03218270539D}"/>
               </a:ext>
             </a:extLst>
           </p:cNvPr>
-          <p:cNvSpPr>
-            <a:spLocks noGrp="1"/>
-          </p:cNvSpPr>
-          <p:nvPr>
-            <p:ph idx="1"/>
-          </p:nvPr>
+          <p:cNvSpPr/>
+          <p:nvPr/>
         </p:nvSpPr>
-        <p:spPr/>
+        <p:spPr>
+          <a:xfrm>
+            <a:off x="7084143" y="3667826"/>
+            <a:ext cx="1091380" cy="646471"/>
+          </a:xfrm>
+          <a:prstGeom prst="notchedRightArrow">
+            <a:avLst/>
+          </a:prstGeom>
+        </p:spPr>
+        <p:style>
+          <a:lnRef idx="3">
+            <a:schemeClr val="lt1"/>
+          </a:lnRef>
+          <a:fillRef idx="1">
+            <a:schemeClr val="accent6"/>
+          </a:fillRef>
+          <a:effectRef idx="1">
+            <a:schemeClr val="accent6"/>
+          </a:effectRef>
+          <a:fontRef idx="minor">
+            <a:schemeClr val="lt1"/>
+          </a:fontRef>
+        </p:style>
         <p:txBody>
-          <a:bodyPr/>
+          <a:bodyPr rtlCol="0" anchor="ctr"/>
           <a:lstStyle/>
           <a:p>
-            <a:endParaRPr lang="fr-FR" dirty="0"/>
+            <a:pPr algn="ctr"/>
+            <a:endParaRPr lang="fr-FR"/>
           </a:p>
         </p:txBody>
       </p:sp>
+      <p:cxnSp>
+        <p:nvCxnSpPr>
+          <p:cNvPr id="8" name="Connecteur droit avec flèche 7">
+            <a:extLst>
+              <a:ext uri="{FF2B5EF4-FFF2-40B4-BE49-F238E27FC236}">
+                <a16:creationId xmlns:a16="http://schemas.microsoft.com/office/drawing/2014/main" id="{CA88004C-6301-1AA8-3A5A-8AFF98016E95}"/>
+              </a:ext>
+            </a:extLst>
+          </p:cNvPr>
+          <p:cNvCxnSpPr>
+            <a:cxnSpLocks/>
+          </p:cNvCxnSpPr>
+          <p:nvPr/>
+        </p:nvCxnSpPr>
+        <p:spPr>
+          <a:xfrm>
+            <a:off x="4159045" y="3429000"/>
+            <a:ext cx="940621" cy="710381"/>
+          </a:xfrm>
+          <a:prstGeom prst="straightConnector1">
+            <a:avLst/>
+          </a:prstGeom>
+          <a:ln w="76200">
+            <a:tailEnd type="triangle"/>
+          </a:ln>
+        </p:spPr>
+        <p:style>
+          <a:lnRef idx="3">
+            <a:schemeClr val="dk1"/>
+          </a:lnRef>
+          <a:fillRef idx="0">
+            <a:schemeClr val="dk1"/>
+          </a:fillRef>
+          <a:effectRef idx="2">
+            <a:schemeClr val="dk1"/>
+          </a:effectRef>
+          <a:fontRef idx="minor">
+            <a:schemeClr val="tx1"/>
+          </a:fontRef>
+        </p:style>
+      </p:cxnSp>
+      <p:cxnSp>
+        <p:nvCxnSpPr>
+          <p:cNvPr id="9" name="Connecteur droit avec flèche 8">
+            <a:extLst>
+              <a:ext uri="{FF2B5EF4-FFF2-40B4-BE49-F238E27FC236}">
+                <a16:creationId xmlns:a16="http://schemas.microsoft.com/office/drawing/2014/main" id="{DC80DF02-7A77-93A2-7272-F0AE9706A28B}"/>
+              </a:ext>
+            </a:extLst>
+          </p:cNvPr>
+          <p:cNvCxnSpPr>
+            <a:cxnSpLocks/>
+          </p:cNvCxnSpPr>
+          <p:nvPr/>
+        </p:nvCxnSpPr>
+        <p:spPr>
+          <a:xfrm flipV="1">
+            <a:off x="4159045" y="2813497"/>
+            <a:ext cx="832465" cy="615502"/>
+          </a:xfrm>
+          <a:prstGeom prst="straightConnector1">
+            <a:avLst/>
+          </a:prstGeom>
+          <a:ln w="76200">
+            <a:tailEnd type="triangle"/>
+          </a:ln>
+        </p:spPr>
+        <p:style>
+          <a:lnRef idx="3">
+            <a:schemeClr val="dk1"/>
+          </a:lnRef>
+          <a:fillRef idx="0">
+            <a:schemeClr val="dk1"/>
+          </a:fillRef>
+          <a:effectRef idx="2">
+            <a:schemeClr val="dk1"/>
+          </a:effectRef>
+          <a:fontRef idx="minor">
+            <a:schemeClr val="tx1"/>
+          </a:fontRef>
+        </p:style>
+      </p:cxnSp>
     </p:spTree>
     <p:extLst>
       <p:ext uri="{BB962C8B-B14F-4D97-AF65-F5344CB8AC3E}">

--- a/javaInstall/Installer l’environnement de développement java.pptx
+++ b/javaInstall/Installer l’environnement de développement java.pptx
@@ -864,6 +864,753 @@
 </file>
 
 <file path=ppt/diagrams/colors2.xml><?xml version="1.0" encoding="utf-8"?>
+<dgm:colorsDef xmlns:dgm="http://schemas.openxmlformats.org/drawingml/2006/diagram" xmlns:a="http://schemas.openxmlformats.org/drawingml/2006/main" uniqueId="urn:microsoft.com/office/officeart/2005/8/colors/accent1_2">
+  <dgm:title val=""/>
+  <dgm:desc val=""/>
+  <dgm:catLst>
+    <dgm:cat type="accent1" pri="11200"/>
+  </dgm:catLst>
+  <dgm:styleLbl name="node0">
+    <dgm:fillClrLst meth="repeat">
+      <a:schemeClr val="accent1"/>
+    </dgm:fillClrLst>
+    <dgm:linClrLst meth="repeat">
+      <a:schemeClr val="lt1"/>
+    </dgm:linClrLst>
+    <dgm:effectClrLst/>
+    <dgm:txLinClrLst/>
+    <dgm:txFillClrLst/>
+    <dgm:txEffectClrLst/>
+  </dgm:styleLbl>
+  <dgm:styleLbl name="alignNode1">
+    <dgm:fillClrLst meth="repeat">
+      <a:schemeClr val="accent1"/>
+    </dgm:fillClrLst>
+    <dgm:linClrLst meth="repeat">
+      <a:schemeClr val="accent1"/>
+    </dgm:linClrLst>
+    <dgm:effectClrLst/>
+    <dgm:txLinClrLst/>
+    <dgm:txFillClrLst/>
+    <dgm:txEffectClrLst/>
+  </dgm:styleLbl>
+  <dgm:styleLbl name="node1">
+    <dgm:fillClrLst meth="repeat">
+      <a:schemeClr val="accent1"/>
+    </dgm:fillClrLst>
+    <dgm:linClrLst meth="repeat">
+      <a:schemeClr val="lt1"/>
+    </dgm:linClrLst>
+    <dgm:effectClrLst/>
+    <dgm:txLinClrLst/>
+    <dgm:txFillClrLst/>
+    <dgm:txEffectClrLst/>
+  </dgm:styleLbl>
+  <dgm:styleLbl name="lnNode1">
+    <dgm:fillClrLst meth="repeat">
+      <a:schemeClr val="accent1"/>
+    </dgm:fillClrLst>
+    <dgm:linClrLst meth="repeat">
+      <a:schemeClr val="lt1"/>
+    </dgm:linClrLst>
+    <dgm:effectClrLst/>
+    <dgm:txLinClrLst/>
+    <dgm:txFillClrLst/>
+    <dgm:txEffectClrLst/>
+  </dgm:styleLbl>
+  <dgm:styleLbl name="vennNode1">
+    <dgm:fillClrLst meth="repeat">
+      <a:schemeClr val="accent1">
+        <a:alpha val="50000"/>
+      </a:schemeClr>
+    </dgm:fillClrLst>
+    <dgm:linClrLst meth="repeat">
+      <a:schemeClr val="lt1"/>
+    </dgm:linClrLst>
+    <dgm:effectClrLst/>
+    <dgm:txLinClrLst/>
+    <dgm:txFillClrLst/>
+    <dgm:txEffectClrLst/>
+  </dgm:styleLbl>
+  <dgm:styleLbl name="node2">
+    <dgm:fillClrLst meth="repeat">
+      <a:schemeClr val="accent1"/>
+    </dgm:fillClrLst>
+    <dgm:linClrLst meth="repeat">
+      <a:schemeClr val="lt1"/>
+    </dgm:linClrLst>
+    <dgm:effectClrLst/>
+    <dgm:txLinClrLst/>
+    <dgm:txFillClrLst/>
+    <dgm:txEffectClrLst/>
+  </dgm:styleLbl>
+  <dgm:styleLbl name="node3">
+    <dgm:fillClrLst meth="repeat">
+      <a:schemeClr val="accent1"/>
+    </dgm:fillClrLst>
+    <dgm:linClrLst meth="repeat">
+      <a:schemeClr val="lt1"/>
+    </dgm:linClrLst>
+    <dgm:effectClrLst/>
+    <dgm:txLinClrLst/>
+    <dgm:txFillClrLst/>
+    <dgm:txEffectClrLst/>
+  </dgm:styleLbl>
+  <dgm:styleLbl name="node4">
+    <dgm:fillClrLst meth="repeat">
+      <a:schemeClr val="accent1"/>
+    </dgm:fillClrLst>
+    <dgm:linClrLst meth="repeat">
+      <a:schemeClr val="lt1"/>
+    </dgm:linClrLst>
+    <dgm:effectClrLst/>
+    <dgm:txLinClrLst/>
+    <dgm:txFillClrLst/>
+    <dgm:txEffectClrLst/>
+  </dgm:styleLbl>
+  <dgm:styleLbl name="fgImgPlace1">
+    <dgm:fillClrLst meth="repeat">
+      <a:schemeClr val="accent1">
+        <a:tint val="50000"/>
+      </a:schemeClr>
+    </dgm:fillClrLst>
+    <dgm:linClrLst meth="repeat">
+      <a:schemeClr val="lt1"/>
+    </dgm:linClrLst>
+    <dgm:effectClrLst/>
+    <dgm:txLinClrLst/>
+    <dgm:txFillClrLst meth="repeat">
+      <a:schemeClr val="lt1"/>
+    </dgm:txFillClrLst>
+    <dgm:txEffectClrLst/>
+  </dgm:styleLbl>
+  <dgm:styleLbl name="alignImgPlace1">
+    <dgm:fillClrLst meth="repeat">
+      <a:schemeClr val="accent1">
+        <a:tint val="50000"/>
+      </a:schemeClr>
+    </dgm:fillClrLst>
+    <dgm:linClrLst meth="repeat">
+      <a:schemeClr val="lt1"/>
+    </dgm:linClrLst>
+    <dgm:effectClrLst/>
+    <dgm:txLinClrLst/>
+    <dgm:txFillClrLst meth="repeat">
+      <a:schemeClr val="lt1"/>
+    </dgm:txFillClrLst>
+    <dgm:txEffectClrLst/>
+  </dgm:styleLbl>
+  <dgm:styleLbl name="bgImgPlace1">
+    <dgm:fillClrLst meth="repeat">
+      <a:schemeClr val="accent1">
+        <a:tint val="50000"/>
+      </a:schemeClr>
+    </dgm:fillClrLst>
+    <dgm:linClrLst meth="repeat">
+      <a:schemeClr val="lt1"/>
+    </dgm:linClrLst>
+    <dgm:effectClrLst/>
+    <dgm:txLinClrLst/>
+    <dgm:txFillClrLst meth="repeat">
+      <a:schemeClr val="lt1"/>
+    </dgm:txFillClrLst>
+    <dgm:txEffectClrLst/>
+  </dgm:styleLbl>
+  <dgm:styleLbl name="sibTrans2D1">
+    <dgm:fillClrLst meth="repeat">
+      <a:schemeClr val="accent1">
+        <a:tint val="60000"/>
+      </a:schemeClr>
+    </dgm:fillClrLst>
+    <dgm:linClrLst meth="repeat">
+      <a:schemeClr val="accent1">
+        <a:tint val="60000"/>
+      </a:schemeClr>
+    </dgm:linClrLst>
+    <dgm:effectClrLst/>
+    <dgm:txLinClrLst/>
+    <dgm:txFillClrLst/>
+    <dgm:txEffectClrLst/>
+  </dgm:styleLbl>
+  <dgm:styleLbl name="fgSibTrans2D1">
+    <dgm:fillClrLst meth="repeat">
+      <a:schemeClr val="accent1">
+        <a:tint val="60000"/>
+      </a:schemeClr>
+    </dgm:fillClrLst>
+    <dgm:linClrLst meth="repeat">
+      <a:schemeClr val="accent1">
+        <a:tint val="60000"/>
+      </a:schemeClr>
+    </dgm:linClrLst>
+    <dgm:effectClrLst/>
+    <dgm:txLinClrLst/>
+    <dgm:txFillClrLst/>
+    <dgm:txEffectClrLst/>
+  </dgm:styleLbl>
+  <dgm:styleLbl name="bgSibTrans2D1">
+    <dgm:fillClrLst meth="repeat">
+      <a:schemeClr val="accent1">
+        <a:tint val="60000"/>
+      </a:schemeClr>
+    </dgm:fillClrLst>
+    <dgm:linClrLst meth="repeat">
+      <a:schemeClr val="accent1">
+        <a:tint val="60000"/>
+      </a:schemeClr>
+    </dgm:linClrLst>
+    <dgm:effectClrLst/>
+    <dgm:txLinClrLst/>
+    <dgm:txFillClrLst/>
+    <dgm:txEffectClrLst/>
+  </dgm:styleLbl>
+  <dgm:styleLbl name="sibTrans1D1">
+    <dgm:fillClrLst meth="repeat">
+      <a:schemeClr val="accent1"/>
+    </dgm:fillClrLst>
+    <dgm:linClrLst meth="repeat">
+      <a:schemeClr val="accent1"/>
+    </dgm:linClrLst>
+    <dgm:effectClrLst/>
+    <dgm:txLinClrLst/>
+    <dgm:txFillClrLst meth="repeat">
+      <a:schemeClr val="tx1"/>
+    </dgm:txFillClrLst>
+    <dgm:txEffectClrLst/>
+  </dgm:styleLbl>
+  <dgm:styleLbl name="callout">
+    <dgm:fillClrLst meth="repeat">
+      <a:schemeClr val="accent1"/>
+    </dgm:fillClrLst>
+    <dgm:linClrLst meth="repeat">
+      <a:schemeClr val="accent1">
+        <a:tint val="50000"/>
+      </a:schemeClr>
+    </dgm:linClrLst>
+    <dgm:effectClrLst/>
+    <dgm:txLinClrLst/>
+    <dgm:txFillClrLst meth="repeat">
+      <a:schemeClr val="tx1"/>
+    </dgm:txFillClrLst>
+    <dgm:txEffectClrLst/>
+  </dgm:styleLbl>
+  <dgm:styleLbl name="asst0">
+    <dgm:fillClrLst meth="repeat">
+      <a:schemeClr val="accent1"/>
+    </dgm:fillClrLst>
+    <dgm:linClrLst meth="repeat">
+      <a:schemeClr val="lt1"/>
+    </dgm:linClrLst>
+    <dgm:effectClrLst/>
+    <dgm:txLinClrLst/>
+    <dgm:txFillClrLst/>
+    <dgm:txEffectClrLst/>
+  </dgm:styleLbl>
+  <dgm:styleLbl name="asst1">
+    <dgm:fillClrLst meth="repeat">
+      <a:schemeClr val="accent1"/>
+    </dgm:fillClrLst>
+    <dgm:linClrLst meth="repeat">
+      <a:schemeClr val="lt1"/>
+    </dgm:linClrLst>
+    <dgm:effectClrLst/>
+    <dgm:txLinClrLst/>
+    <dgm:txFillClrLst/>
+    <dgm:txEffectClrLst/>
+  </dgm:styleLbl>
+  <dgm:styleLbl name="asst2">
+    <dgm:fillClrLst meth="repeat">
+      <a:schemeClr val="accent1"/>
+    </dgm:fillClrLst>
+    <dgm:linClrLst meth="repeat">
+      <a:schemeClr val="lt1"/>
+    </dgm:linClrLst>
+    <dgm:effectClrLst/>
+    <dgm:txLinClrLst/>
+    <dgm:txFillClrLst/>
+    <dgm:txEffectClrLst/>
+  </dgm:styleLbl>
+  <dgm:styleLbl name="asst3">
+    <dgm:fillClrLst meth="repeat">
+      <a:schemeClr val="accent1"/>
+    </dgm:fillClrLst>
+    <dgm:linClrLst meth="repeat">
+      <a:schemeClr val="lt1"/>
+    </dgm:linClrLst>
+    <dgm:effectClrLst/>
+    <dgm:txLinClrLst/>
+    <dgm:txFillClrLst/>
+    <dgm:txEffectClrLst/>
+  </dgm:styleLbl>
+  <dgm:styleLbl name="asst4">
+    <dgm:fillClrLst meth="repeat">
+      <a:schemeClr val="accent1"/>
+    </dgm:fillClrLst>
+    <dgm:linClrLst meth="repeat">
+      <a:schemeClr val="lt1"/>
+    </dgm:linClrLst>
+    <dgm:effectClrLst/>
+    <dgm:txLinClrLst/>
+    <dgm:txFillClrLst/>
+    <dgm:txEffectClrLst/>
+  </dgm:styleLbl>
+  <dgm:styleLbl name="parChTrans2D1">
+    <dgm:fillClrLst meth="repeat">
+      <a:schemeClr val="accent1">
+        <a:tint val="60000"/>
+      </a:schemeClr>
+    </dgm:fillClrLst>
+    <dgm:linClrLst meth="repeat">
+      <a:schemeClr val="accent1">
+        <a:tint val="60000"/>
+      </a:schemeClr>
+    </dgm:linClrLst>
+    <dgm:effectClrLst/>
+    <dgm:txLinClrLst/>
+    <dgm:txFillClrLst meth="repeat">
+      <a:schemeClr val="lt1"/>
+    </dgm:txFillClrLst>
+    <dgm:txEffectClrLst/>
+  </dgm:styleLbl>
+  <dgm:styleLbl name="parChTrans2D2">
+    <dgm:fillClrLst meth="repeat">
+      <a:schemeClr val="accent1"/>
+    </dgm:fillClrLst>
+    <dgm:linClrLst meth="repeat">
+      <a:schemeClr val="accent1"/>
+    </dgm:linClrLst>
+    <dgm:effectClrLst/>
+    <dgm:txLinClrLst/>
+    <dgm:txFillClrLst meth="repeat">
+      <a:schemeClr val="lt1"/>
+    </dgm:txFillClrLst>
+    <dgm:txEffectClrLst/>
+  </dgm:styleLbl>
+  <dgm:styleLbl name="parChTrans2D3">
+    <dgm:fillClrLst meth="repeat">
+      <a:schemeClr val="accent1"/>
+    </dgm:fillClrLst>
+    <dgm:linClrLst meth="repeat">
+      <a:schemeClr val="accent1"/>
+    </dgm:linClrLst>
+    <dgm:effectClrLst/>
+    <dgm:txLinClrLst/>
+    <dgm:txFillClrLst meth="repeat">
+      <a:schemeClr val="lt1"/>
+    </dgm:txFillClrLst>
+    <dgm:txEffectClrLst/>
+  </dgm:styleLbl>
+  <dgm:styleLbl name="parChTrans2D4">
+    <dgm:fillClrLst meth="repeat">
+      <a:schemeClr val="accent1"/>
+    </dgm:fillClrLst>
+    <dgm:linClrLst meth="repeat">
+      <a:schemeClr val="accent1"/>
+    </dgm:linClrLst>
+    <dgm:effectClrLst/>
+    <dgm:txLinClrLst/>
+    <dgm:txFillClrLst meth="repeat">
+      <a:schemeClr val="lt1"/>
+    </dgm:txFillClrLst>
+    <dgm:txEffectClrLst/>
+  </dgm:styleLbl>
+  <dgm:styleLbl name="parChTrans1D1">
+    <dgm:fillClrLst meth="repeat">
+      <a:schemeClr val="accent1"/>
+    </dgm:fillClrLst>
+    <dgm:linClrLst meth="repeat">
+      <a:schemeClr val="accent1">
+        <a:shade val="60000"/>
+      </a:schemeClr>
+    </dgm:linClrLst>
+    <dgm:effectClrLst/>
+    <dgm:txLinClrLst/>
+    <dgm:txFillClrLst meth="repeat">
+      <a:schemeClr val="tx1"/>
+    </dgm:txFillClrLst>
+    <dgm:txEffectClrLst/>
+  </dgm:styleLbl>
+  <dgm:styleLbl name="parChTrans1D2">
+    <dgm:fillClrLst meth="repeat">
+      <a:schemeClr val="accent1"/>
+    </dgm:fillClrLst>
+    <dgm:linClrLst meth="repeat">
+      <a:schemeClr val="accent1">
+        <a:shade val="60000"/>
+      </a:schemeClr>
+    </dgm:linClrLst>
+    <dgm:effectClrLst/>
+    <dgm:txLinClrLst/>
+    <dgm:txFillClrLst meth="repeat">
+      <a:schemeClr val="tx1"/>
+    </dgm:txFillClrLst>
+    <dgm:txEffectClrLst/>
+  </dgm:styleLbl>
+  <dgm:styleLbl name="parChTrans1D3">
+    <dgm:fillClrLst meth="repeat">
+      <a:schemeClr val="accent1"/>
+    </dgm:fillClrLst>
+    <dgm:linClrLst meth="repeat">
+      <a:schemeClr val="accent1">
+        <a:shade val="80000"/>
+      </a:schemeClr>
+    </dgm:linClrLst>
+    <dgm:effectClrLst/>
+    <dgm:txLinClrLst/>
+    <dgm:txFillClrLst meth="repeat">
+      <a:schemeClr val="tx1"/>
+    </dgm:txFillClrLst>
+    <dgm:txEffectClrLst/>
+  </dgm:styleLbl>
+  <dgm:styleLbl name="parChTrans1D4">
+    <dgm:fillClrLst meth="repeat">
+      <a:schemeClr val="accent1"/>
+    </dgm:fillClrLst>
+    <dgm:linClrLst meth="repeat">
+      <a:schemeClr val="accent1">
+        <a:shade val="80000"/>
+      </a:schemeClr>
+    </dgm:linClrLst>
+    <dgm:effectClrLst/>
+    <dgm:txLinClrLst/>
+    <dgm:txFillClrLst meth="repeat">
+      <a:schemeClr val="tx1"/>
+    </dgm:txFillClrLst>
+    <dgm:txEffectClrLst/>
+  </dgm:styleLbl>
+  <dgm:styleLbl name="fgAcc1">
+    <dgm:fillClrLst meth="repeat">
+      <a:schemeClr val="lt1">
+        <a:alpha val="90000"/>
+      </a:schemeClr>
+    </dgm:fillClrLst>
+    <dgm:linClrLst meth="repeat">
+      <a:schemeClr val="accent1"/>
+    </dgm:linClrLst>
+    <dgm:effectClrLst/>
+    <dgm:txLinClrLst/>
+    <dgm:txFillClrLst meth="repeat">
+      <a:schemeClr val="dk1"/>
+    </dgm:txFillClrLst>
+    <dgm:txEffectClrLst/>
+  </dgm:styleLbl>
+  <dgm:styleLbl name="conFgAcc1">
+    <dgm:fillClrLst meth="repeat">
+      <a:schemeClr val="lt1">
+        <a:alpha val="90000"/>
+      </a:schemeClr>
+    </dgm:fillClrLst>
+    <dgm:linClrLst meth="repeat">
+      <a:schemeClr val="accent1"/>
+    </dgm:linClrLst>
+    <dgm:effectClrLst/>
+    <dgm:txLinClrLst/>
+    <dgm:txFillClrLst meth="repeat">
+      <a:schemeClr val="dk1"/>
+    </dgm:txFillClrLst>
+    <dgm:txEffectClrLst/>
+  </dgm:styleLbl>
+  <dgm:styleLbl name="alignAcc1">
+    <dgm:fillClrLst meth="repeat">
+      <a:schemeClr val="lt1">
+        <a:alpha val="90000"/>
+      </a:schemeClr>
+    </dgm:fillClrLst>
+    <dgm:linClrLst meth="repeat">
+      <a:schemeClr val="accent1"/>
+    </dgm:linClrLst>
+    <dgm:effectClrLst/>
+    <dgm:txLinClrLst/>
+    <dgm:txFillClrLst meth="repeat">
+      <a:schemeClr val="dk1"/>
+    </dgm:txFillClrLst>
+    <dgm:txEffectClrLst/>
+  </dgm:styleLbl>
+  <dgm:styleLbl name="trAlignAcc1">
+    <dgm:fillClrLst meth="repeat">
+      <a:schemeClr val="lt1">
+        <a:alpha val="40000"/>
+      </a:schemeClr>
+    </dgm:fillClrLst>
+    <dgm:linClrLst meth="repeat">
+      <a:schemeClr val="accent1"/>
+    </dgm:linClrLst>
+    <dgm:effectClrLst/>
+    <dgm:txLinClrLst/>
+    <dgm:txFillClrLst meth="repeat">
+      <a:schemeClr val="dk1"/>
+    </dgm:txFillClrLst>
+    <dgm:txEffectClrLst/>
+  </dgm:styleLbl>
+  <dgm:styleLbl name="bgAcc1">
+    <dgm:fillClrLst meth="repeat">
+      <a:schemeClr val="lt1">
+        <a:alpha val="90000"/>
+      </a:schemeClr>
+    </dgm:fillClrLst>
+    <dgm:linClrLst meth="repeat">
+      <a:schemeClr val="accent1"/>
+    </dgm:linClrLst>
+    <dgm:effectClrLst/>
+    <dgm:txLinClrLst/>
+    <dgm:txFillClrLst meth="repeat">
+      <a:schemeClr val="dk1"/>
+    </dgm:txFillClrLst>
+    <dgm:txEffectClrLst/>
+  </dgm:styleLbl>
+  <dgm:styleLbl name="solidFgAcc1">
+    <dgm:fillClrLst meth="repeat">
+      <a:schemeClr val="lt1"/>
+    </dgm:fillClrLst>
+    <dgm:linClrLst meth="repeat">
+      <a:schemeClr val="accent1"/>
+    </dgm:linClrLst>
+    <dgm:effectClrLst/>
+    <dgm:txLinClrLst/>
+    <dgm:txFillClrLst meth="repeat">
+      <a:schemeClr val="dk1"/>
+    </dgm:txFillClrLst>
+    <dgm:txEffectClrLst/>
+  </dgm:styleLbl>
+  <dgm:styleLbl name="solidAlignAcc1">
+    <dgm:fillClrLst meth="repeat">
+      <a:schemeClr val="lt1"/>
+    </dgm:fillClrLst>
+    <dgm:linClrLst meth="repeat">
+      <a:schemeClr val="accent1"/>
+    </dgm:linClrLst>
+    <dgm:effectClrLst/>
+    <dgm:txLinClrLst/>
+    <dgm:txFillClrLst meth="repeat">
+      <a:schemeClr val="dk1"/>
+    </dgm:txFillClrLst>
+    <dgm:txEffectClrLst/>
+  </dgm:styleLbl>
+  <dgm:styleLbl name="solidBgAcc1">
+    <dgm:fillClrLst meth="repeat">
+      <a:schemeClr val="lt1"/>
+    </dgm:fillClrLst>
+    <dgm:linClrLst meth="repeat">
+      <a:schemeClr val="accent1"/>
+    </dgm:linClrLst>
+    <dgm:effectClrLst/>
+    <dgm:txLinClrLst/>
+    <dgm:txFillClrLst meth="repeat">
+      <a:schemeClr val="dk1"/>
+    </dgm:txFillClrLst>
+    <dgm:txEffectClrLst/>
+  </dgm:styleLbl>
+  <dgm:styleLbl name="fgAccFollowNode1">
+    <dgm:fillClrLst meth="repeat">
+      <a:schemeClr val="accent1">
+        <a:alpha val="90000"/>
+        <a:tint val="40000"/>
+      </a:schemeClr>
+    </dgm:fillClrLst>
+    <dgm:linClrLst meth="repeat">
+      <a:schemeClr val="accent1">
+        <a:alpha val="90000"/>
+        <a:tint val="40000"/>
+      </a:schemeClr>
+    </dgm:linClrLst>
+    <dgm:effectClrLst/>
+    <dgm:txLinClrLst/>
+    <dgm:txFillClrLst meth="repeat">
+      <a:schemeClr val="dk1"/>
+    </dgm:txFillClrLst>
+    <dgm:txEffectClrLst/>
+  </dgm:styleLbl>
+  <dgm:styleLbl name="alignAccFollowNode1">
+    <dgm:fillClrLst meth="repeat">
+      <a:schemeClr val="accent1">
+        <a:alpha val="90000"/>
+        <a:tint val="40000"/>
+      </a:schemeClr>
+    </dgm:fillClrLst>
+    <dgm:linClrLst meth="repeat">
+      <a:schemeClr val="accent1">
+        <a:alpha val="90000"/>
+        <a:tint val="40000"/>
+      </a:schemeClr>
+    </dgm:linClrLst>
+    <dgm:effectClrLst/>
+    <dgm:txLinClrLst/>
+    <dgm:txFillClrLst meth="repeat">
+      <a:schemeClr val="dk1"/>
+    </dgm:txFillClrLst>
+    <dgm:txEffectClrLst/>
+  </dgm:styleLbl>
+  <dgm:styleLbl name="bgAccFollowNode1">
+    <dgm:fillClrLst meth="repeat">
+      <a:schemeClr val="accent1">
+        <a:alpha val="90000"/>
+        <a:tint val="40000"/>
+      </a:schemeClr>
+    </dgm:fillClrLst>
+    <dgm:linClrLst meth="repeat">
+      <a:schemeClr val="accent1">
+        <a:alpha val="90000"/>
+        <a:tint val="40000"/>
+      </a:schemeClr>
+    </dgm:linClrLst>
+    <dgm:effectClrLst/>
+    <dgm:txLinClrLst/>
+    <dgm:txFillClrLst meth="repeat">
+      <a:schemeClr val="dk1"/>
+    </dgm:txFillClrLst>
+    <dgm:txEffectClrLst/>
+  </dgm:styleLbl>
+  <dgm:styleLbl name="fgAcc0">
+    <dgm:fillClrLst meth="repeat">
+      <a:schemeClr val="lt1">
+        <a:alpha val="90000"/>
+      </a:schemeClr>
+    </dgm:fillClrLst>
+    <dgm:linClrLst meth="repeat">
+      <a:schemeClr val="accent1"/>
+    </dgm:linClrLst>
+    <dgm:effectClrLst/>
+    <dgm:txLinClrLst/>
+    <dgm:txFillClrLst meth="repeat">
+      <a:schemeClr val="dk1"/>
+    </dgm:txFillClrLst>
+    <dgm:txEffectClrLst/>
+  </dgm:styleLbl>
+  <dgm:styleLbl name="fgAcc2">
+    <dgm:fillClrLst meth="repeat">
+      <a:schemeClr val="lt1">
+        <a:alpha val="90000"/>
+      </a:schemeClr>
+    </dgm:fillClrLst>
+    <dgm:linClrLst meth="repeat">
+      <a:schemeClr val="accent1"/>
+    </dgm:linClrLst>
+    <dgm:effectClrLst/>
+    <dgm:txLinClrLst/>
+    <dgm:txFillClrLst meth="repeat">
+      <a:schemeClr val="dk1"/>
+    </dgm:txFillClrLst>
+    <dgm:txEffectClrLst/>
+  </dgm:styleLbl>
+  <dgm:styleLbl name="fgAcc3">
+    <dgm:fillClrLst meth="repeat">
+      <a:schemeClr val="lt1">
+        <a:alpha val="90000"/>
+      </a:schemeClr>
+    </dgm:fillClrLst>
+    <dgm:linClrLst meth="repeat">
+      <a:schemeClr val="accent1"/>
+    </dgm:linClrLst>
+    <dgm:effectClrLst/>
+    <dgm:txLinClrLst/>
+    <dgm:txFillClrLst meth="repeat">
+      <a:schemeClr val="dk1"/>
+    </dgm:txFillClrLst>
+    <dgm:txEffectClrLst/>
+  </dgm:styleLbl>
+  <dgm:styleLbl name="fgAcc4">
+    <dgm:fillClrLst meth="repeat">
+      <a:schemeClr val="lt1">
+        <a:alpha val="90000"/>
+      </a:schemeClr>
+    </dgm:fillClrLst>
+    <dgm:linClrLst meth="repeat">
+      <a:schemeClr val="accent1"/>
+    </dgm:linClrLst>
+    <dgm:effectClrLst/>
+    <dgm:txLinClrLst/>
+    <dgm:txFillClrLst meth="repeat">
+      <a:schemeClr val="dk1"/>
+    </dgm:txFillClrLst>
+    <dgm:txEffectClrLst/>
+  </dgm:styleLbl>
+  <dgm:styleLbl name="bgShp">
+    <dgm:fillClrLst meth="repeat">
+      <a:schemeClr val="accent1">
+        <a:tint val="40000"/>
+      </a:schemeClr>
+    </dgm:fillClrLst>
+    <dgm:linClrLst meth="repeat">
+      <a:schemeClr val="accent1"/>
+    </dgm:linClrLst>
+    <dgm:effectClrLst/>
+    <dgm:txLinClrLst/>
+    <dgm:txFillClrLst meth="repeat">
+      <a:schemeClr val="dk1"/>
+    </dgm:txFillClrLst>
+    <dgm:txEffectClrLst/>
+  </dgm:styleLbl>
+  <dgm:styleLbl name="dkBgShp">
+    <dgm:fillClrLst meth="repeat">
+      <a:schemeClr val="accent1">
+        <a:shade val="80000"/>
+      </a:schemeClr>
+    </dgm:fillClrLst>
+    <dgm:linClrLst meth="repeat">
+      <a:schemeClr val="accent1"/>
+    </dgm:linClrLst>
+    <dgm:effectClrLst/>
+    <dgm:txLinClrLst/>
+    <dgm:txFillClrLst meth="repeat">
+      <a:schemeClr val="lt1"/>
+    </dgm:txFillClrLst>
+    <dgm:txEffectClrLst/>
+  </dgm:styleLbl>
+  <dgm:styleLbl name="trBgShp">
+    <dgm:fillClrLst meth="repeat">
+      <a:schemeClr val="accent1">
+        <a:tint val="50000"/>
+        <a:alpha val="40000"/>
+      </a:schemeClr>
+    </dgm:fillClrLst>
+    <dgm:linClrLst meth="repeat">
+      <a:schemeClr val="accent1"/>
+    </dgm:linClrLst>
+    <dgm:effectClrLst/>
+    <dgm:txLinClrLst/>
+    <dgm:txFillClrLst meth="repeat">
+      <a:schemeClr val="lt1"/>
+    </dgm:txFillClrLst>
+    <dgm:txEffectClrLst/>
+  </dgm:styleLbl>
+  <dgm:styleLbl name="fgShp">
+    <dgm:fillClrLst meth="repeat">
+      <a:schemeClr val="accent1">
+        <a:tint val="60000"/>
+      </a:schemeClr>
+    </dgm:fillClrLst>
+    <dgm:linClrLst meth="repeat">
+      <a:schemeClr val="lt1"/>
+    </dgm:linClrLst>
+    <dgm:effectClrLst/>
+    <dgm:txLinClrLst/>
+    <dgm:txFillClrLst meth="repeat">
+      <a:schemeClr val="dk1"/>
+    </dgm:txFillClrLst>
+    <dgm:txEffectClrLst/>
+  </dgm:styleLbl>
+  <dgm:styleLbl name="revTx">
+    <dgm:fillClrLst meth="repeat">
+      <a:schemeClr val="lt1">
+        <a:alpha val="0"/>
+      </a:schemeClr>
+    </dgm:fillClrLst>
+    <dgm:linClrLst meth="repeat">
+      <a:schemeClr val="dk1">
+        <a:alpha val="0"/>
+      </a:schemeClr>
+    </dgm:linClrLst>
+    <dgm:effectClrLst/>
+    <dgm:txLinClrLst/>
+    <dgm:txFillClrLst meth="repeat">
+      <a:schemeClr val="tx1"/>
+    </dgm:txFillClrLst>
+    <dgm:txEffectClrLst/>
+  </dgm:styleLbl>
+</dgm:colorsDef>
+</file>
+
+<file path=ppt/diagrams/colors3.xml><?xml version="1.0" encoding="utf-8"?>
 <dgm:colorsDef xmlns:dgm="http://schemas.openxmlformats.org/drawingml/2006/diagram" xmlns:a="http://schemas.openxmlformats.org/drawingml/2006/main" uniqueId="urn:microsoft.com/office/officeart/2005/8/colors/accent1_2">
   <dgm:title val=""/>
   <dgm:desc val=""/>
@@ -2813,6 +3560,1107 @@
     <dgm:cxn modelId="{BBF112C6-35A3-4646-8701-B98B0219F8E5}" type="presParOf" srcId="{A0FD50FE-C585-414B-B4B6-56F97B9828E8}" destId="{03344257-C0AE-4CF6-BA9A-EA3BE1D657B0}" srcOrd="1" destOrd="0" presId="urn:microsoft.com/office/officeart/2005/8/layout/hierarchy2"/>
   </dgm:cxnLst>
   <dgm:bg/>
+  <dgm:whole/>
+  <dgm:extLst>
+    <a:ext uri="http://schemas.microsoft.com/office/drawing/2008/diagram">
+      <dsp:dataModelExt xmlns:dsp="http://schemas.microsoft.com/office/drawing/2008/diagram" relId="rId6" minVer="http://schemas.openxmlformats.org/drawingml/2006/diagram"/>
+    </a:ext>
+  </dgm:extLst>
+</dgm:dataModel>
+</file>
+
+<file path=ppt/diagrams/data3.xml><?xml version="1.0" encoding="utf-8"?>
+<dgm:dataModel xmlns:dgm="http://schemas.openxmlformats.org/drawingml/2006/diagram" xmlns:a="http://schemas.openxmlformats.org/drawingml/2006/main">
+  <dgm:ptLst>
+    <dgm:pt modelId="{54320B79-831C-48E5-8C91-4060B8366744}" type="doc">
+      <dgm:prSet loTypeId="urn:microsoft.com/office/officeart/2008/layout/RadialCluster" loCatId="relationship" qsTypeId="urn:microsoft.com/office/officeart/2005/8/quickstyle/simple1" qsCatId="simple" csTypeId="urn:microsoft.com/office/officeart/2005/8/colors/accent1_2" csCatId="accent1" phldr="1"/>
+      <dgm:spPr/>
+      <dgm:t>
+        <a:bodyPr/>
+        <a:lstStyle/>
+        <a:p>
+          <a:endParaRPr lang="fr-FR"/>
+        </a:p>
+      </dgm:t>
+    </dgm:pt>
+    <dgm:pt modelId="{84EB6AA1-EA8B-4170-B9A7-5BED5DF721D1}">
+      <dgm:prSet phldrT="[Texte]" custT="1">
+        <dgm:style>
+          <a:lnRef idx="1">
+            <a:schemeClr val="accent5"/>
+          </a:lnRef>
+          <a:fillRef idx="2">
+            <a:schemeClr val="accent5"/>
+          </a:fillRef>
+          <a:effectRef idx="1">
+            <a:schemeClr val="accent5"/>
+          </a:effectRef>
+          <a:fontRef idx="minor">
+            <a:schemeClr val="dk1"/>
+          </a:fontRef>
+        </dgm:style>
+      </dgm:prSet>
+      <dgm:spPr>
+        <a:effectLst>
+          <a:outerShdw blurRad="50800" dist="38100" dir="5400000" algn="t" rotWithShape="0">
+            <a:prstClr val="black">
+              <a:alpha val="40000"/>
+            </a:prstClr>
+          </a:outerShdw>
+        </a:effectLst>
+      </dgm:spPr>
+      <dgm:t>
+        <a:bodyPr/>
+        <a:lstStyle/>
+        <a:p>
+          <a:r>
+            <a:rPr lang="fr-FR" sz="2400" b="1" dirty="0"/>
+            <a:t>Compilateur</a:t>
+          </a:r>
+          <a:endParaRPr lang="fr-FR" sz="2000" b="1" dirty="0"/>
+        </a:p>
+      </dgm:t>
+    </dgm:pt>
+    <dgm:pt modelId="{8DC669D4-17FA-40E3-A370-D20FE28F769D}" type="parTrans" cxnId="{07BD9A70-5718-48AE-95F5-1A6A92A11E4A}">
+      <dgm:prSet/>
+      <dgm:spPr/>
+      <dgm:t>
+        <a:bodyPr/>
+        <a:lstStyle/>
+        <a:p>
+          <a:endParaRPr lang="fr-FR"/>
+        </a:p>
+      </dgm:t>
+    </dgm:pt>
+    <dgm:pt modelId="{07BFC276-E362-41D7-B9D8-49B76FEE9077}" type="sibTrans" cxnId="{07BD9A70-5718-48AE-95F5-1A6A92A11E4A}">
+      <dgm:prSet/>
+      <dgm:spPr/>
+      <dgm:t>
+        <a:bodyPr/>
+        <a:lstStyle/>
+        <a:p>
+          <a:endParaRPr lang="fr-FR"/>
+        </a:p>
+      </dgm:t>
+    </dgm:pt>
+    <dgm:pt modelId="{9453E67E-29B0-434C-B34B-0A00E6EC8F3F}">
+      <dgm:prSet phldrT="[Texte]" custT="1">
+        <dgm:style>
+          <a:lnRef idx="2">
+            <a:schemeClr val="dk1"/>
+          </a:lnRef>
+          <a:fillRef idx="1">
+            <a:schemeClr val="lt1"/>
+          </a:fillRef>
+          <a:effectRef idx="0">
+            <a:schemeClr val="dk1"/>
+          </a:effectRef>
+          <a:fontRef idx="minor">
+            <a:schemeClr val="dk1"/>
+          </a:fontRef>
+        </dgm:style>
+      </dgm:prSet>
+      <dgm:spPr>
+        <a:ln/>
+        <a:effectLst>
+          <a:outerShdw blurRad="50800" dist="38100" dir="8100000" algn="tr" rotWithShape="0">
+            <a:prstClr val="black">
+              <a:alpha val="40000"/>
+            </a:prstClr>
+          </a:outerShdw>
+        </a:effectLst>
+      </dgm:spPr>
+      <dgm:t>
+        <a:bodyPr spcFirstLastPara="0" vert="horz" wrap="square" lIns="63500" tIns="63500" rIns="63500" bIns="63500" numCol="1" spcCol="1270" anchor="ctr" anchorCtr="0"/>
+        <a:lstStyle/>
+        <a:p>
+          <a:pPr marL="0" lvl="0" algn="ctr" defTabSz="1111250">
+            <a:lnSpc>
+              <a:spcPct val="90000"/>
+            </a:lnSpc>
+            <a:spcBef>
+              <a:spcPct val="0"/>
+            </a:spcBef>
+            <a:spcAft>
+              <a:spcPct val="35000"/>
+            </a:spcAft>
+            <a:buNone/>
+          </a:pPr>
+          <a:r>
+            <a:rPr lang="fr-FR" sz="2000" kern="1200" dirty="0">
+              <a:solidFill>
+                <a:prstClr val="black"/>
+              </a:solidFill>
+              <a:latin typeface="Consolas" panose="020B0609020204030204" pitchFamily="49" charset="0"/>
+              <a:ea typeface="+mn-ea"/>
+              <a:cs typeface="+mn-cs"/>
+            </a:rPr>
+            <a:t>Main(){</a:t>
+          </a:r>
+        </a:p>
+        <a:p>
+          <a:pPr marL="0" lvl="0" algn="ctr" defTabSz="1111250">
+            <a:lnSpc>
+              <a:spcPct val="90000"/>
+            </a:lnSpc>
+            <a:spcBef>
+              <a:spcPct val="0"/>
+            </a:spcBef>
+            <a:spcAft>
+              <a:spcPct val="35000"/>
+            </a:spcAft>
+            <a:buNone/>
+          </a:pPr>
+          <a:r>
+            <a:rPr lang="fr-FR" sz="2000" kern="1200" dirty="0">
+              <a:solidFill>
+                <a:prstClr val="black"/>
+              </a:solidFill>
+              <a:latin typeface="Consolas" panose="020B0609020204030204" pitchFamily="49" charset="0"/>
+              <a:ea typeface="+mn-ea"/>
+              <a:cs typeface="+mn-cs"/>
+            </a:rPr>
+            <a:t>f1() </a:t>
+          </a:r>
+        </a:p>
+        <a:p>
+          <a:pPr marL="0" lvl="0" algn="ctr" defTabSz="1111250">
+            <a:lnSpc>
+              <a:spcPct val="90000"/>
+            </a:lnSpc>
+            <a:spcBef>
+              <a:spcPct val="0"/>
+            </a:spcBef>
+            <a:spcAft>
+              <a:spcPct val="35000"/>
+            </a:spcAft>
+            <a:buNone/>
+          </a:pPr>
+          <a:r>
+            <a:rPr lang="fr-FR" sz="2000" kern="1200" dirty="0">
+              <a:solidFill>
+                <a:prstClr val="black"/>
+              </a:solidFill>
+              <a:latin typeface="Consolas" panose="020B0609020204030204" pitchFamily="49" charset="0"/>
+              <a:ea typeface="+mn-ea"/>
+              <a:cs typeface="+mn-cs"/>
+            </a:rPr>
+            <a:t>f2()}</a:t>
+          </a:r>
+        </a:p>
+      </dgm:t>
+    </dgm:pt>
+    <dgm:pt modelId="{867DD886-1928-46D2-A538-9450E0317C5F}" type="parTrans" cxnId="{2C5F88B7-9B29-4BB8-A634-953C219F4C40}">
+      <dgm:prSet>
+        <dgm:style>
+          <a:lnRef idx="2">
+            <a:schemeClr val="dk1"/>
+          </a:lnRef>
+          <a:fillRef idx="1">
+            <a:schemeClr val="lt1"/>
+          </a:fillRef>
+          <a:effectRef idx="0">
+            <a:schemeClr val="dk1"/>
+          </a:effectRef>
+          <a:fontRef idx="minor">
+            <a:schemeClr val="dk1"/>
+          </a:fontRef>
+        </dgm:style>
+      </dgm:prSet>
+      <dgm:spPr/>
+      <dgm:t>
+        <a:bodyPr/>
+        <a:lstStyle/>
+        <a:p>
+          <a:endParaRPr lang="fr-FR"/>
+        </a:p>
+      </dgm:t>
+    </dgm:pt>
+    <dgm:pt modelId="{A7CA206E-4C05-4EDC-AB84-FDCEC5E0B84A}" type="sibTrans" cxnId="{2C5F88B7-9B29-4BB8-A634-953C219F4C40}">
+      <dgm:prSet/>
+      <dgm:spPr/>
+      <dgm:t>
+        <a:bodyPr/>
+        <a:lstStyle/>
+        <a:p>
+          <a:endParaRPr lang="fr-FR"/>
+        </a:p>
+      </dgm:t>
+    </dgm:pt>
+    <dgm:pt modelId="{AA80076F-A4AF-4DD0-9A19-972DF34D8BA0}">
+      <dgm:prSet phldrT="[Texte]">
+        <dgm:style>
+          <a:lnRef idx="2">
+            <a:schemeClr val="dk1"/>
+          </a:lnRef>
+          <a:fillRef idx="1">
+            <a:schemeClr val="lt1"/>
+          </a:fillRef>
+          <a:effectRef idx="0">
+            <a:schemeClr val="dk1"/>
+          </a:effectRef>
+          <a:fontRef idx="minor">
+            <a:schemeClr val="dk1"/>
+          </a:fontRef>
+        </dgm:style>
+      </dgm:prSet>
+      <dgm:spPr>
+        <a:effectLst>
+          <a:outerShdw blurRad="50800" dist="38100" dir="2700000" algn="tl" rotWithShape="0">
+            <a:prstClr val="black">
+              <a:alpha val="40000"/>
+            </a:prstClr>
+          </a:outerShdw>
+        </a:effectLst>
+      </dgm:spPr>
+      <dgm:t>
+        <a:bodyPr/>
+        <a:lstStyle/>
+        <a:p>
+          <a:r>
+            <a:rPr lang="fr-FR" b="1" dirty="0">
+              <a:solidFill>
+                <a:srgbClr val="FF0000"/>
+              </a:solidFill>
+            </a:rPr>
+            <a:t>file1.obj</a:t>
+          </a:r>
+          <a:endParaRPr lang="fr-FR" dirty="0"/>
+        </a:p>
+      </dgm:t>
+    </dgm:pt>
+    <dgm:pt modelId="{530DF2FF-ECD2-435F-998C-5693CA3AC0C0}" type="parTrans" cxnId="{DD4F4AFC-D3F7-4EFB-8843-D3B9747A3A7D}">
+      <dgm:prSet>
+        <dgm:style>
+          <a:lnRef idx="2">
+            <a:schemeClr val="dk1"/>
+          </a:lnRef>
+          <a:fillRef idx="1">
+            <a:schemeClr val="lt1"/>
+          </a:fillRef>
+          <a:effectRef idx="0">
+            <a:schemeClr val="dk1"/>
+          </a:effectRef>
+          <a:fontRef idx="minor">
+            <a:schemeClr val="dk1"/>
+          </a:fontRef>
+        </dgm:style>
+      </dgm:prSet>
+      <dgm:spPr/>
+      <dgm:t>
+        <a:bodyPr/>
+        <a:lstStyle/>
+        <a:p>
+          <a:endParaRPr lang="fr-FR"/>
+        </a:p>
+      </dgm:t>
+    </dgm:pt>
+    <dgm:pt modelId="{8721A501-0E24-4186-A69D-77318053EE5D}" type="sibTrans" cxnId="{DD4F4AFC-D3F7-4EFB-8843-D3B9747A3A7D}">
+      <dgm:prSet/>
+      <dgm:spPr/>
+      <dgm:t>
+        <a:bodyPr/>
+        <a:lstStyle/>
+        <a:p>
+          <a:endParaRPr lang="fr-FR"/>
+        </a:p>
+      </dgm:t>
+    </dgm:pt>
+    <dgm:pt modelId="{8C93BDF6-A874-42E1-AC00-4BBA390DFA0C}">
+      <dgm:prSet phldrT="[Texte]">
+        <dgm:style>
+          <a:lnRef idx="2">
+            <a:schemeClr val="dk1"/>
+          </a:lnRef>
+          <a:fillRef idx="1">
+            <a:schemeClr val="lt1"/>
+          </a:fillRef>
+          <a:effectRef idx="0">
+            <a:schemeClr val="dk1"/>
+          </a:effectRef>
+          <a:fontRef idx="minor">
+            <a:schemeClr val="dk1"/>
+          </a:fontRef>
+        </dgm:style>
+      </dgm:prSet>
+      <dgm:spPr>
+        <a:effectLst>
+          <a:outerShdw blurRad="50800" dist="38100" dir="8100000" algn="tr" rotWithShape="0">
+            <a:prstClr val="black">
+              <a:alpha val="40000"/>
+            </a:prstClr>
+          </a:outerShdw>
+        </a:effectLst>
+      </dgm:spPr>
+      <dgm:t>
+        <a:bodyPr/>
+        <a:lstStyle/>
+        <a:p>
+          <a:pPr>
+            <a:buNone/>
+          </a:pPr>
+          <a:r>
+            <a:rPr lang="fr-FR" dirty="0">
+              <a:solidFill>
+                <a:prstClr val="black"/>
+              </a:solidFill>
+              <a:latin typeface="Calibri" panose="020F0502020204030204"/>
+              <a:ea typeface="+mn-ea"/>
+              <a:cs typeface="+mn-cs"/>
+            </a:rPr>
+            <a:t>f2() {</a:t>
+          </a:r>
+        </a:p>
+        <a:p>
+          <a:pPr>
+            <a:buNone/>
+          </a:pPr>
+          <a:r>
+            <a:rPr lang="fr-FR" dirty="0">
+              <a:solidFill>
+                <a:prstClr val="black"/>
+              </a:solidFill>
+              <a:latin typeface="Calibri" panose="020F0502020204030204"/>
+              <a:ea typeface="+mn-ea"/>
+              <a:cs typeface="+mn-cs"/>
+            </a:rPr>
+            <a:t>}</a:t>
+          </a:r>
+          <a:endParaRPr lang="fr-FR" dirty="0"/>
+        </a:p>
+      </dgm:t>
+    </dgm:pt>
+    <dgm:pt modelId="{9E49F2F2-C9DA-4657-B8FF-D8C69BD8DC88}" type="parTrans" cxnId="{1C7B008F-E9FE-477C-AB5E-F9857D86EB96}">
+      <dgm:prSet>
+        <dgm:style>
+          <a:lnRef idx="2">
+            <a:schemeClr val="dk1"/>
+          </a:lnRef>
+          <a:fillRef idx="1">
+            <a:schemeClr val="lt1"/>
+          </a:fillRef>
+          <a:effectRef idx="0">
+            <a:schemeClr val="dk1"/>
+          </a:effectRef>
+          <a:fontRef idx="minor">
+            <a:schemeClr val="dk1"/>
+          </a:fontRef>
+        </dgm:style>
+      </dgm:prSet>
+      <dgm:spPr/>
+      <dgm:t>
+        <a:bodyPr/>
+        <a:lstStyle/>
+        <a:p>
+          <a:endParaRPr lang="fr-FR"/>
+        </a:p>
+      </dgm:t>
+    </dgm:pt>
+    <dgm:pt modelId="{92EA2933-CA22-4633-8E08-7C8C39D04F84}" type="sibTrans" cxnId="{1C7B008F-E9FE-477C-AB5E-F9857D86EB96}">
+      <dgm:prSet/>
+      <dgm:spPr/>
+      <dgm:t>
+        <a:bodyPr/>
+        <a:lstStyle/>
+        <a:p>
+          <a:endParaRPr lang="fr-FR"/>
+        </a:p>
+      </dgm:t>
+    </dgm:pt>
+    <dgm:pt modelId="{27480930-593E-497C-810A-78D4F0509795}">
+      <dgm:prSet>
+        <dgm:style>
+          <a:lnRef idx="2">
+            <a:schemeClr val="dk1"/>
+          </a:lnRef>
+          <a:fillRef idx="1">
+            <a:schemeClr val="lt1"/>
+          </a:fillRef>
+          <a:effectRef idx="0">
+            <a:schemeClr val="dk1"/>
+          </a:effectRef>
+          <a:fontRef idx="minor">
+            <a:schemeClr val="dk1"/>
+          </a:fontRef>
+        </dgm:style>
+      </dgm:prSet>
+      <dgm:spPr>
+        <a:effectLst>
+          <a:outerShdw blurRad="50800" dist="38100" dir="2700000" algn="tl" rotWithShape="0">
+            <a:prstClr val="black">
+              <a:alpha val="40000"/>
+            </a:prstClr>
+          </a:outerShdw>
+        </a:effectLst>
+      </dgm:spPr>
+      <dgm:t>
+        <a:bodyPr/>
+        <a:lstStyle/>
+        <a:p>
+          <a:r>
+            <a:rPr lang="fr-FR" b="1" dirty="0">
+              <a:solidFill>
+                <a:srgbClr val="FF0000"/>
+              </a:solidFill>
+            </a:rPr>
+            <a:t>file2.obj</a:t>
+          </a:r>
+          <a:endParaRPr lang="fr-FR" dirty="0"/>
+        </a:p>
+      </dgm:t>
+    </dgm:pt>
+    <dgm:pt modelId="{268C46AA-E968-4E32-BC89-0D303AA6840B}" type="parTrans" cxnId="{C940E11B-C868-4DF5-BC07-6FAA4DCC4503}">
+      <dgm:prSet>
+        <dgm:style>
+          <a:lnRef idx="2">
+            <a:schemeClr val="dk1"/>
+          </a:lnRef>
+          <a:fillRef idx="1">
+            <a:schemeClr val="lt1"/>
+          </a:fillRef>
+          <a:effectRef idx="0">
+            <a:schemeClr val="dk1"/>
+          </a:effectRef>
+          <a:fontRef idx="minor">
+            <a:schemeClr val="dk1"/>
+          </a:fontRef>
+        </dgm:style>
+      </dgm:prSet>
+      <dgm:spPr/>
+      <dgm:t>
+        <a:bodyPr/>
+        <a:lstStyle/>
+        <a:p>
+          <a:endParaRPr lang="fr-FR"/>
+        </a:p>
+      </dgm:t>
+    </dgm:pt>
+    <dgm:pt modelId="{A4FE367F-3351-46E2-A430-02AFE18ACE9A}" type="sibTrans" cxnId="{C940E11B-C868-4DF5-BC07-6FAA4DCC4503}">
+      <dgm:prSet/>
+      <dgm:spPr/>
+      <dgm:t>
+        <a:bodyPr/>
+        <a:lstStyle/>
+        <a:p>
+          <a:endParaRPr lang="fr-FR"/>
+        </a:p>
+      </dgm:t>
+    </dgm:pt>
+    <dgm:pt modelId="{B5980CD5-E4E5-4B1A-8605-96DDEFB68253}">
+      <dgm:prSet>
+        <dgm:style>
+          <a:lnRef idx="2">
+            <a:schemeClr val="dk1"/>
+          </a:lnRef>
+          <a:fillRef idx="1">
+            <a:schemeClr val="lt1"/>
+          </a:fillRef>
+          <a:effectRef idx="0">
+            <a:schemeClr val="dk1"/>
+          </a:effectRef>
+          <a:fontRef idx="minor">
+            <a:schemeClr val="dk1"/>
+          </a:fontRef>
+        </dgm:style>
+      </dgm:prSet>
+      <dgm:spPr>
+        <a:effectLst>
+          <a:outerShdw blurRad="50800" dist="38100" dir="2700000" algn="tl" rotWithShape="0">
+            <a:prstClr val="black">
+              <a:alpha val="40000"/>
+            </a:prstClr>
+          </a:outerShdw>
+        </a:effectLst>
+      </dgm:spPr>
+      <dgm:t>
+        <a:bodyPr/>
+        <a:lstStyle/>
+        <a:p>
+          <a:r>
+            <a:rPr lang="fr-FR" b="1" dirty="0">
+              <a:solidFill>
+                <a:srgbClr val="FF0000"/>
+              </a:solidFill>
+            </a:rPr>
+            <a:t>file3.obj</a:t>
+          </a:r>
+          <a:endParaRPr lang="fr-FR" dirty="0"/>
+        </a:p>
+      </dgm:t>
+    </dgm:pt>
+    <dgm:pt modelId="{37B31BFD-C4BE-4815-AC2F-C4372DC311B5}" type="parTrans" cxnId="{8A332A27-8A58-4BE8-B7B8-37D1C7B53B7D}">
+      <dgm:prSet>
+        <dgm:style>
+          <a:lnRef idx="2">
+            <a:schemeClr val="dk1"/>
+          </a:lnRef>
+          <a:fillRef idx="1">
+            <a:schemeClr val="lt1"/>
+          </a:fillRef>
+          <a:effectRef idx="0">
+            <a:schemeClr val="dk1"/>
+          </a:effectRef>
+          <a:fontRef idx="minor">
+            <a:schemeClr val="dk1"/>
+          </a:fontRef>
+        </dgm:style>
+      </dgm:prSet>
+      <dgm:spPr/>
+      <dgm:t>
+        <a:bodyPr/>
+        <a:lstStyle/>
+        <a:p>
+          <a:endParaRPr lang="fr-FR"/>
+        </a:p>
+      </dgm:t>
+    </dgm:pt>
+    <dgm:pt modelId="{B6FA0E6E-9172-4AC8-8051-AC4C80C881AC}" type="sibTrans" cxnId="{8A332A27-8A58-4BE8-B7B8-37D1C7B53B7D}">
+      <dgm:prSet/>
+      <dgm:spPr/>
+      <dgm:t>
+        <a:bodyPr/>
+        <a:lstStyle/>
+        <a:p>
+          <a:endParaRPr lang="fr-FR"/>
+        </a:p>
+      </dgm:t>
+    </dgm:pt>
+    <dgm:pt modelId="{5C4E28C3-BB97-4938-8F6C-619D0ABBA9B4}">
+      <dgm:prSet phldrT="[Texte]" phldr="1" custLinFactNeighborX="-41454" custLinFactNeighborY="-6047"/>
+      <dgm:spPr/>
+      <dgm:t>
+        <a:bodyPr/>
+        <a:lstStyle/>
+        <a:p>
+          <a:endParaRPr lang="fr-FR"/>
+        </a:p>
+      </dgm:t>
+    </dgm:pt>
+    <dgm:pt modelId="{79982F00-0933-478B-8E3C-E2B4A20F79F1}" type="parTrans" cxnId="{9E6A48AE-9EBE-467B-94F1-3526C045FF93}">
+      <dgm:prSet/>
+      <dgm:spPr/>
+      <dgm:t>
+        <a:bodyPr/>
+        <a:lstStyle/>
+        <a:p>
+          <a:endParaRPr lang="fr-FR"/>
+        </a:p>
+      </dgm:t>
+    </dgm:pt>
+    <dgm:pt modelId="{C3AF8FCD-DA9A-49FE-912D-06EC4188D3F1}" type="sibTrans" cxnId="{9E6A48AE-9EBE-467B-94F1-3526C045FF93}">
+      <dgm:prSet/>
+      <dgm:spPr/>
+      <dgm:t>
+        <a:bodyPr/>
+        <a:lstStyle/>
+        <a:p>
+          <a:endParaRPr lang="fr-FR"/>
+        </a:p>
+      </dgm:t>
+    </dgm:pt>
+    <dgm:pt modelId="{EA79963E-807F-4D25-8CF0-1C68B3A1B121}">
+      <dgm:prSet phldrT="[Texte]" phldr="1" custRadScaleRad="200955" custRadScaleInc="-209904"/>
+      <dgm:spPr/>
+      <dgm:t>
+        <a:bodyPr/>
+        <a:lstStyle/>
+        <a:p>
+          <a:endParaRPr lang="fr-FR"/>
+        </a:p>
+      </dgm:t>
+    </dgm:pt>
+    <dgm:pt modelId="{68440CD7-0FD3-4D93-8CE0-1E4731E72E82}" type="parTrans" cxnId="{7A372ED3-5A1F-4474-A605-1B513CBAB47B}">
+      <dgm:prSet/>
+      <dgm:spPr/>
+      <dgm:t>
+        <a:bodyPr/>
+        <a:lstStyle/>
+        <a:p>
+          <a:endParaRPr lang="fr-FR"/>
+        </a:p>
+      </dgm:t>
+    </dgm:pt>
+    <dgm:pt modelId="{9F8F5688-2C08-4C12-A67D-192B034A84AF}" type="sibTrans" cxnId="{7A372ED3-5A1F-4474-A605-1B513CBAB47B}">
+      <dgm:prSet/>
+      <dgm:spPr/>
+      <dgm:t>
+        <a:bodyPr/>
+        <a:lstStyle/>
+        <a:p>
+          <a:endParaRPr lang="fr-FR"/>
+        </a:p>
+      </dgm:t>
+    </dgm:pt>
+    <dgm:pt modelId="{F880CB6A-2A95-4318-B6B3-230D4221C99F}">
+      <dgm:prSet phldrT="[Texte]" phldr="1" custRadScaleRad="187147" custRadScaleInc="58010"/>
+      <dgm:spPr/>
+      <dgm:t>
+        <a:bodyPr/>
+        <a:lstStyle/>
+        <a:p>
+          <a:endParaRPr lang="fr-FR"/>
+        </a:p>
+      </dgm:t>
+    </dgm:pt>
+    <dgm:pt modelId="{2E688930-E4BF-4820-A686-AA14B3B30439}" type="parTrans" cxnId="{141D9243-3138-4933-A29A-08942D7644E9}">
+      <dgm:prSet/>
+      <dgm:spPr/>
+      <dgm:t>
+        <a:bodyPr/>
+        <a:lstStyle/>
+        <a:p>
+          <a:endParaRPr lang="fr-FR"/>
+        </a:p>
+      </dgm:t>
+    </dgm:pt>
+    <dgm:pt modelId="{8BF4E1EF-FAED-4FB1-8193-56B286550F68}" type="sibTrans" cxnId="{141D9243-3138-4933-A29A-08942D7644E9}">
+      <dgm:prSet/>
+      <dgm:spPr/>
+      <dgm:t>
+        <a:bodyPr/>
+        <a:lstStyle/>
+        <a:p>
+          <a:endParaRPr lang="fr-FR"/>
+        </a:p>
+      </dgm:t>
+    </dgm:pt>
+    <dgm:pt modelId="{3F467CD3-1D04-420F-B4F5-A44E6BE3E35E}">
+      <dgm:prSet custRadScaleRad="173081" custRadScaleInc="-68291"/>
+      <dgm:spPr/>
+      <dgm:t>
+        <a:bodyPr/>
+        <a:lstStyle/>
+        <a:p>
+          <a:endParaRPr lang="fr-FR"/>
+        </a:p>
+      </dgm:t>
+    </dgm:pt>
+    <dgm:pt modelId="{73A3E033-C351-468B-8FF3-68530F184F15}" type="parTrans" cxnId="{D4F3004D-8B81-4373-8FFA-1549DFAA5E71}">
+      <dgm:prSet/>
+      <dgm:spPr/>
+      <dgm:t>
+        <a:bodyPr/>
+        <a:lstStyle/>
+        <a:p>
+          <a:endParaRPr lang="fr-FR"/>
+        </a:p>
+      </dgm:t>
+    </dgm:pt>
+    <dgm:pt modelId="{76A07DC0-F37D-4FAD-9801-02564821DAAF}" type="sibTrans" cxnId="{D4F3004D-8B81-4373-8FFA-1549DFAA5E71}">
+      <dgm:prSet/>
+      <dgm:spPr/>
+      <dgm:t>
+        <a:bodyPr/>
+        <a:lstStyle/>
+        <a:p>
+          <a:endParaRPr lang="fr-FR"/>
+        </a:p>
+      </dgm:t>
+    </dgm:pt>
+    <dgm:pt modelId="{3CD24536-F74C-4125-ACFA-E44524864DF9}">
+      <dgm:prSet phldrT="[Texte]" phldr="1" custLinFactNeighborX="-41454" custLinFactNeighborY="-6047"/>
+      <dgm:spPr/>
+      <dgm:t>
+        <a:bodyPr/>
+        <a:lstStyle/>
+        <a:p>
+          <a:endParaRPr lang="fr-FR"/>
+        </a:p>
+      </dgm:t>
+    </dgm:pt>
+    <dgm:pt modelId="{F48D7869-6F93-41F5-9F94-20CB92FE391A}" type="parTrans" cxnId="{049CEE00-E0B0-405B-9390-D745A1354C38}">
+      <dgm:prSet/>
+      <dgm:spPr/>
+      <dgm:t>
+        <a:bodyPr/>
+        <a:lstStyle/>
+        <a:p>
+          <a:endParaRPr lang="fr-FR"/>
+        </a:p>
+      </dgm:t>
+    </dgm:pt>
+    <dgm:pt modelId="{6695B225-5F33-42AC-8310-C7493C7D4C9E}" type="sibTrans" cxnId="{049CEE00-E0B0-405B-9390-D745A1354C38}">
+      <dgm:prSet/>
+      <dgm:spPr/>
+      <dgm:t>
+        <a:bodyPr/>
+        <a:lstStyle/>
+        <a:p>
+          <a:endParaRPr lang="fr-FR"/>
+        </a:p>
+      </dgm:t>
+    </dgm:pt>
+    <dgm:pt modelId="{50A721EE-652B-4160-8384-E772A7E9882D}">
+      <dgm:prSet phldrT="[Texte]" phldr="1" custRadScaleRad="200955" custRadScaleInc="-209904"/>
+      <dgm:spPr/>
+      <dgm:t>
+        <a:bodyPr/>
+        <a:lstStyle/>
+        <a:p>
+          <a:endParaRPr lang="fr-FR"/>
+        </a:p>
+      </dgm:t>
+    </dgm:pt>
+    <dgm:pt modelId="{B387E6F5-F504-4AA4-9E51-88B9E032A244}" type="parTrans" cxnId="{8E990CC7-034C-4617-8321-49665FEA8139}">
+      <dgm:prSet/>
+      <dgm:spPr/>
+      <dgm:t>
+        <a:bodyPr/>
+        <a:lstStyle/>
+        <a:p>
+          <a:endParaRPr lang="fr-FR"/>
+        </a:p>
+      </dgm:t>
+    </dgm:pt>
+    <dgm:pt modelId="{72C3D3F1-4939-4B86-989D-0D1860CDFE59}" type="sibTrans" cxnId="{8E990CC7-034C-4617-8321-49665FEA8139}">
+      <dgm:prSet/>
+      <dgm:spPr/>
+      <dgm:t>
+        <a:bodyPr/>
+        <a:lstStyle/>
+        <a:p>
+          <a:endParaRPr lang="fr-FR"/>
+        </a:p>
+      </dgm:t>
+    </dgm:pt>
+    <dgm:pt modelId="{6F9D6E07-2431-4EE3-96A7-F79CD26D4339}">
+      <dgm:prSet phldrT="[Texte]" phldr="1" custRadScaleRad="187147" custRadScaleInc="58010"/>
+      <dgm:spPr/>
+      <dgm:t>
+        <a:bodyPr/>
+        <a:lstStyle/>
+        <a:p>
+          <a:endParaRPr lang="fr-FR"/>
+        </a:p>
+      </dgm:t>
+    </dgm:pt>
+    <dgm:pt modelId="{8F8A3F2E-FB53-4EEB-AB81-F6661C4B496B}" type="parTrans" cxnId="{0103B102-65B5-4FD6-8E1F-3BFDEE22063E}">
+      <dgm:prSet/>
+      <dgm:spPr/>
+      <dgm:t>
+        <a:bodyPr/>
+        <a:lstStyle/>
+        <a:p>
+          <a:endParaRPr lang="fr-FR"/>
+        </a:p>
+      </dgm:t>
+    </dgm:pt>
+    <dgm:pt modelId="{C6D21BE2-4773-4A14-914D-173376BE7A9C}" type="sibTrans" cxnId="{0103B102-65B5-4FD6-8E1F-3BFDEE22063E}">
+      <dgm:prSet/>
+      <dgm:spPr/>
+      <dgm:t>
+        <a:bodyPr/>
+        <a:lstStyle/>
+        <a:p>
+          <a:endParaRPr lang="fr-FR"/>
+        </a:p>
+      </dgm:t>
+    </dgm:pt>
+    <dgm:pt modelId="{3BDA39D5-800C-4BD1-9C66-443F2F602095}">
+      <dgm:prSet custRadScaleRad="173081" custRadScaleInc="-68291"/>
+      <dgm:spPr/>
+      <dgm:t>
+        <a:bodyPr/>
+        <a:lstStyle/>
+        <a:p>
+          <a:endParaRPr lang="fr-FR"/>
+        </a:p>
+      </dgm:t>
+    </dgm:pt>
+    <dgm:pt modelId="{CF66E1A8-DA15-4FB8-95FF-FA8C63710824}" type="parTrans" cxnId="{949419E9-0A5E-4E9B-BB87-4D9E5DB58333}">
+      <dgm:prSet/>
+      <dgm:spPr/>
+      <dgm:t>
+        <a:bodyPr/>
+        <a:lstStyle/>
+        <a:p>
+          <a:endParaRPr lang="fr-FR"/>
+        </a:p>
+      </dgm:t>
+    </dgm:pt>
+    <dgm:pt modelId="{E3C1CEF1-FF6D-457C-A92F-4D0FA48619E5}" type="sibTrans" cxnId="{949419E9-0A5E-4E9B-BB87-4D9E5DB58333}">
+      <dgm:prSet/>
+      <dgm:spPr/>
+      <dgm:t>
+        <a:bodyPr/>
+        <a:lstStyle/>
+        <a:p>
+          <a:endParaRPr lang="fr-FR"/>
+        </a:p>
+      </dgm:t>
+    </dgm:pt>
+    <dgm:pt modelId="{5C6105E1-145D-4BC5-8FB9-8487AC7E9442}">
+      <dgm:prSet custT="1">
+        <dgm:style>
+          <a:lnRef idx="2">
+            <a:schemeClr val="dk1"/>
+          </a:lnRef>
+          <a:fillRef idx="1">
+            <a:schemeClr val="lt1"/>
+          </a:fillRef>
+          <a:effectRef idx="0">
+            <a:schemeClr val="dk1"/>
+          </a:effectRef>
+          <a:fontRef idx="minor">
+            <a:schemeClr val="dk1"/>
+          </a:fontRef>
+        </dgm:style>
+      </dgm:prSet>
+      <dgm:spPr>
+        <a:ln/>
+        <a:effectLst>
+          <a:outerShdw blurRad="50800" dist="38100" dir="8100000" algn="tr" rotWithShape="0">
+            <a:prstClr val="black">
+              <a:alpha val="40000"/>
+            </a:prstClr>
+          </a:outerShdw>
+        </a:effectLst>
+      </dgm:spPr>
+      <dgm:t>
+        <a:bodyPr spcFirstLastPara="0" vert="horz" wrap="square" lIns="63500" tIns="63500" rIns="63500" bIns="63500" numCol="1" spcCol="1270" anchor="ctr" anchorCtr="0"/>
+        <a:lstStyle/>
+        <a:p>
+          <a:pPr marL="0" lvl="0" algn="ctr" defTabSz="1111250">
+            <a:lnSpc>
+              <a:spcPct val="90000"/>
+            </a:lnSpc>
+            <a:spcBef>
+              <a:spcPct val="0"/>
+            </a:spcBef>
+            <a:spcAft>
+              <a:spcPct val="35000"/>
+            </a:spcAft>
+            <a:buNone/>
+          </a:pPr>
+          <a:r>
+            <a:rPr lang="fr-FR" sz="2500" kern="1200" dirty="0">
+              <a:solidFill>
+                <a:prstClr val="black"/>
+              </a:solidFill>
+              <a:latin typeface="Calibri" panose="020F0502020204030204"/>
+              <a:ea typeface="+mn-ea"/>
+              <a:cs typeface="+mn-cs"/>
+            </a:rPr>
+            <a:t>f1() {</a:t>
+          </a:r>
+        </a:p>
+        <a:p>
+          <a:pPr marL="0" lvl="0" algn="ctr" defTabSz="1111250">
+            <a:lnSpc>
+              <a:spcPct val="90000"/>
+            </a:lnSpc>
+            <a:spcBef>
+              <a:spcPct val="0"/>
+            </a:spcBef>
+            <a:spcAft>
+              <a:spcPct val="35000"/>
+            </a:spcAft>
+            <a:buNone/>
+          </a:pPr>
+          <a:r>
+            <a:rPr lang="fr-FR" sz="2500" kern="1200" dirty="0">
+              <a:solidFill>
+                <a:prstClr val="black"/>
+              </a:solidFill>
+              <a:latin typeface="Calibri" panose="020F0502020204030204"/>
+              <a:ea typeface="+mn-ea"/>
+              <a:cs typeface="+mn-cs"/>
+            </a:rPr>
+            <a:t>}</a:t>
+          </a:r>
+        </a:p>
+      </dgm:t>
+    </dgm:pt>
+    <dgm:pt modelId="{8489B437-190E-4181-9571-ECA343F0EDAA}" type="parTrans" cxnId="{DA7259AB-6032-47A5-A799-B1B940770781}">
+      <dgm:prSet/>
+      <dgm:spPr/>
+      <dgm:t>
+        <a:bodyPr/>
+        <a:lstStyle/>
+        <a:p>
+          <a:endParaRPr lang="fr-FR"/>
+        </a:p>
+      </dgm:t>
+    </dgm:pt>
+    <dgm:pt modelId="{C157B816-3456-46E8-AAFA-CA88EEA20792}" type="sibTrans" cxnId="{DA7259AB-6032-47A5-A799-B1B940770781}">
+      <dgm:prSet/>
+      <dgm:spPr/>
+      <dgm:t>
+        <a:bodyPr/>
+        <a:lstStyle/>
+        <a:p>
+          <a:endParaRPr lang="fr-FR"/>
+        </a:p>
+      </dgm:t>
+    </dgm:pt>
+    <dgm:pt modelId="{A1E3D8D9-70E5-452E-8E20-1CC01DB4A1A1}" type="pres">
+      <dgm:prSet presAssocID="{54320B79-831C-48E5-8C91-4060B8366744}" presName="Name0" presStyleCnt="0">
+        <dgm:presLayoutVars>
+          <dgm:chMax val="1"/>
+          <dgm:chPref val="1"/>
+          <dgm:dir/>
+          <dgm:animOne val="branch"/>
+          <dgm:animLvl val="lvl"/>
+        </dgm:presLayoutVars>
+      </dgm:prSet>
+      <dgm:spPr/>
+    </dgm:pt>
+    <dgm:pt modelId="{C8CC3BC1-D8E4-4250-B31A-89429C92226F}" type="pres">
+      <dgm:prSet presAssocID="{84EB6AA1-EA8B-4170-B9A7-5BED5DF721D1}" presName="singleCycle" presStyleCnt="0"/>
+      <dgm:spPr/>
+    </dgm:pt>
+    <dgm:pt modelId="{0CB26086-B848-4693-866D-1D06F5698F38}" type="pres">
+      <dgm:prSet presAssocID="{84EB6AA1-EA8B-4170-B9A7-5BED5DF721D1}" presName="singleCenter" presStyleLbl="node1" presStyleIdx="0" presStyleCnt="7" custScaleX="121702" custScaleY="103752" custLinFactNeighborX="-9946" custLinFactNeighborY="-10030">
+        <dgm:presLayoutVars>
+          <dgm:chMax val="7"/>
+          <dgm:chPref val="7"/>
+        </dgm:presLayoutVars>
+      </dgm:prSet>
+      <dgm:spPr/>
+    </dgm:pt>
+    <dgm:pt modelId="{2032CC44-1F12-4ECC-9603-69E65A256DAC}" type="pres">
+      <dgm:prSet presAssocID="{867DD886-1928-46D2-A538-9450E0317C5F}" presName="Name56" presStyleLbl="parChTrans1D2" presStyleIdx="0" presStyleCnt="6"/>
+      <dgm:spPr/>
+    </dgm:pt>
+    <dgm:pt modelId="{A6305BCC-3DB0-4B6E-A193-FEF0D01C236E}" type="pres">
+      <dgm:prSet presAssocID="{9453E67E-29B0-434C-B34B-0A00E6EC8F3F}" presName="text0" presStyleLbl="node1" presStyleIdx="1" presStyleCnt="7" custScaleX="125189" custScaleY="134387" custRadScaleRad="135245" custRadScaleInc="-177357">
+        <dgm:presLayoutVars>
+          <dgm:bulletEnabled val="1"/>
+        </dgm:presLayoutVars>
+      </dgm:prSet>
+      <dgm:spPr>
+        <a:xfrm>
+          <a:off x="0" y="186819"/>
+          <a:ext cx="1080643" cy="1080643"/>
+        </a:xfrm>
+        <a:prstGeom prst="roundRect">
+          <a:avLst/>
+        </a:prstGeom>
+      </dgm:spPr>
+    </dgm:pt>
+    <dgm:pt modelId="{A6435758-DE83-4683-A455-C598ECA58FFB}" type="pres">
+      <dgm:prSet presAssocID="{530DF2FF-ECD2-435F-998C-5693CA3AC0C0}" presName="Name56" presStyleLbl="parChTrans1D2" presStyleIdx="1" presStyleCnt="6"/>
+      <dgm:spPr/>
+    </dgm:pt>
+    <dgm:pt modelId="{3C484442-49E7-4793-BA50-B82B5F2BDA1F}" type="pres">
+      <dgm:prSet presAssocID="{AA80076F-A4AF-4DD0-9A19-972DF34D8BA0}" presName="text0" presStyleLbl="node1" presStyleIdx="2" presStyleCnt="7" custRadScaleRad="114168" custRadScaleInc="-94503">
+        <dgm:presLayoutVars>
+          <dgm:bulletEnabled val="1"/>
+        </dgm:presLayoutVars>
+      </dgm:prSet>
+      <dgm:spPr/>
+    </dgm:pt>
+    <dgm:pt modelId="{FB69327E-C5FB-4E36-8BC5-ED73922F296A}" type="pres">
+      <dgm:prSet presAssocID="{268C46AA-E968-4E32-BC89-0D303AA6840B}" presName="Name56" presStyleLbl="parChTrans1D2" presStyleIdx="2" presStyleCnt="6"/>
+      <dgm:spPr/>
+    </dgm:pt>
+    <dgm:pt modelId="{79690C1E-EAFD-457E-86D4-9B512BF9EBF5}" type="pres">
+      <dgm:prSet presAssocID="{27480930-593E-497C-810A-78D4F0509795}" presName="text0" presStyleLbl="node1" presStyleIdx="3" presStyleCnt="7" custRadScaleRad="63236" custRadScaleInc="-131510">
+        <dgm:presLayoutVars>
+          <dgm:bulletEnabled val="1"/>
+        </dgm:presLayoutVars>
+      </dgm:prSet>
+      <dgm:spPr/>
+    </dgm:pt>
+    <dgm:pt modelId="{4005D5DC-07F4-4133-9878-1AB1B9DD751B}" type="pres">
+      <dgm:prSet presAssocID="{37B31BFD-C4BE-4815-AC2F-C4372DC311B5}" presName="Name56" presStyleLbl="parChTrans1D2" presStyleIdx="3" presStyleCnt="6"/>
+      <dgm:spPr/>
+    </dgm:pt>
+    <dgm:pt modelId="{93CA7417-7DA3-46E4-B564-FC4A8668D13D}" type="pres">
+      <dgm:prSet presAssocID="{B5980CD5-E4E5-4B1A-8605-96DDEFB68253}" presName="text0" presStyleLbl="node1" presStyleIdx="4" presStyleCnt="7" custRadScaleRad="98715" custRadScaleInc="-136148">
+        <dgm:presLayoutVars>
+          <dgm:bulletEnabled val="1"/>
+        </dgm:presLayoutVars>
+      </dgm:prSet>
+      <dgm:spPr/>
+    </dgm:pt>
+    <dgm:pt modelId="{C28BD888-58F4-4745-8916-35776035D397}" type="pres">
+      <dgm:prSet presAssocID="{9E49F2F2-C9DA-4657-B8FF-D8C69BD8DC88}" presName="Name56" presStyleLbl="parChTrans1D2" presStyleIdx="4" presStyleCnt="6"/>
+      <dgm:spPr/>
+    </dgm:pt>
+    <dgm:pt modelId="{1A78014E-CAF8-4741-8A77-288BEFA8604C}" type="pres">
+      <dgm:prSet presAssocID="{8C93BDF6-A874-42E1-AC00-4BBA390DFA0C}" presName="text0" presStyleLbl="node1" presStyleIdx="5" presStyleCnt="7" custRadScaleRad="127313" custRadScaleInc="-7220">
+        <dgm:presLayoutVars>
+          <dgm:bulletEnabled val="1"/>
+        </dgm:presLayoutVars>
+      </dgm:prSet>
+      <dgm:spPr/>
+    </dgm:pt>
+    <dgm:pt modelId="{5C56B6DA-7BC7-4983-A475-44E48E7C3F67}" type="pres">
+      <dgm:prSet presAssocID="{8489B437-190E-4181-9571-ECA343F0EDAA}" presName="Name56" presStyleLbl="parChTrans1D2" presStyleIdx="5" presStyleCnt="6"/>
+      <dgm:spPr/>
+    </dgm:pt>
+    <dgm:pt modelId="{E7F4FA2B-DF63-4A35-998B-95DC2AE9BB72}" type="pres">
+      <dgm:prSet presAssocID="{5C6105E1-145D-4BC5-8FB9-8487AC7E9442}" presName="text0" presStyleLbl="node1" presStyleIdx="6" presStyleCnt="7" custRadScaleRad="107774" custRadScaleInc="-101160">
+        <dgm:presLayoutVars>
+          <dgm:bulletEnabled val="1"/>
+        </dgm:presLayoutVars>
+      </dgm:prSet>
+      <dgm:spPr>
+        <a:xfrm>
+          <a:off x="6" y="1628691"/>
+          <a:ext cx="1080643" cy="1080643"/>
+        </a:xfrm>
+        <a:prstGeom prst="roundRect">
+          <a:avLst/>
+        </a:prstGeom>
+      </dgm:spPr>
+    </dgm:pt>
+  </dgm:ptLst>
+  <dgm:cxnLst>
+    <dgm:cxn modelId="{049CEE00-E0B0-405B-9390-D745A1354C38}" srcId="{54320B79-831C-48E5-8C91-4060B8366744}" destId="{3CD24536-F74C-4125-ACFA-E44524864DF9}" srcOrd="2" destOrd="0" parTransId="{F48D7869-6F93-41F5-9F94-20CB92FE391A}" sibTransId="{6695B225-5F33-42AC-8310-C7493C7D4C9E}"/>
+    <dgm:cxn modelId="{0103B102-65B5-4FD6-8E1F-3BFDEE22063E}" srcId="{3CD24536-F74C-4125-ACFA-E44524864DF9}" destId="{6F9D6E07-2431-4EE3-96A7-F79CD26D4339}" srcOrd="1" destOrd="0" parTransId="{8F8A3F2E-FB53-4EEB-AB81-F6661C4B496B}" sibTransId="{C6D21BE2-4773-4A14-914D-173376BE7A9C}"/>
+    <dgm:cxn modelId="{DA3D2C0B-FB45-4AA4-BAB1-C33E9BE86262}" type="presOf" srcId="{84EB6AA1-EA8B-4170-B9A7-5BED5DF721D1}" destId="{0CB26086-B848-4693-866D-1D06F5698F38}" srcOrd="0" destOrd="0" presId="urn:microsoft.com/office/officeart/2008/layout/RadialCluster"/>
+    <dgm:cxn modelId="{53C9C51A-33E2-46FB-A62D-2B711F952243}" type="presOf" srcId="{B5980CD5-E4E5-4B1A-8605-96DDEFB68253}" destId="{93CA7417-7DA3-46E4-B564-FC4A8668D13D}" srcOrd="0" destOrd="0" presId="urn:microsoft.com/office/officeart/2008/layout/RadialCluster"/>
+    <dgm:cxn modelId="{C940E11B-C868-4DF5-BC07-6FAA4DCC4503}" srcId="{84EB6AA1-EA8B-4170-B9A7-5BED5DF721D1}" destId="{27480930-593E-497C-810A-78D4F0509795}" srcOrd="2" destOrd="0" parTransId="{268C46AA-E968-4E32-BC89-0D303AA6840B}" sibTransId="{A4FE367F-3351-46E2-A430-02AFE18ACE9A}"/>
+    <dgm:cxn modelId="{8A332A27-8A58-4BE8-B7B8-37D1C7B53B7D}" srcId="{84EB6AA1-EA8B-4170-B9A7-5BED5DF721D1}" destId="{B5980CD5-E4E5-4B1A-8605-96DDEFB68253}" srcOrd="3" destOrd="0" parTransId="{37B31BFD-C4BE-4815-AC2F-C4372DC311B5}" sibTransId="{B6FA0E6E-9172-4AC8-8051-AC4C80C881AC}"/>
+    <dgm:cxn modelId="{0DD9A03B-382A-4B52-AB75-801F7E214FFF}" type="presOf" srcId="{AA80076F-A4AF-4DD0-9A19-972DF34D8BA0}" destId="{3C484442-49E7-4793-BA50-B82B5F2BDA1F}" srcOrd="0" destOrd="0" presId="urn:microsoft.com/office/officeart/2008/layout/RadialCluster"/>
+    <dgm:cxn modelId="{141D9243-3138-4933-A29A-08942D7644E9}" srcId="{5C4E28C3-BB97-4938-8F6C-619D0ABBA9B4}" destId="{F880CB6A-2A95-4318-B6B3-230D4221C99F}" srcOrd="1" destOrd="0" parTransId="{2E688930-E4BF-4820-A686-AA14B3B30439}" sibTransId="{8BF4E1EF-FAED-4FB1-8193-56B286550F68}"/>
+    <dgm:cxn modelId="{82822D47-4828-48A4-BB2F-DF5055AFFBEA}" type="presOf" srcId="{9E49F2F2-C9DA-4657-B8FF-D8C69BD8DC88}" destId="{C28BD888-58F4-4745-8916-35776035D397}" srcOrd="0" destOrd="0" presId="urn:microsoft.com/office/officeart/2008/layout/RadialCluster"/>
+    <dgm:cxn modelId="{2BA0EF49-0648-443D-85E7-3F36B0CB100D}" type="presOf" srcId="{867DD886-1928-46D2-A538-9450E0317C5F}" destId="{2032CC44-1F12-4ECC-9603-69E65A256DAC}" srcOrd="0" destOrd="0" presId="urn:microsoft.com/office/officeart/2008/layout/RadialCluster"/>
+    <dgm:cxn modelId="{D4F3004D-8B81-4373-8FFA-1549DFAA5E71}" srcId="{5C4E28C3-BB97-4938-8F6C-619D0ABBA9B4}" destId="{3F467CD3-1D04-420F-B4F5-A44E6BE3E35E}" srcOrd="2" destOrd="0" parTransId="{73A3E033-C351-468B-8FF3-68530F184F15}" sibTransId="{76A07DC0-F37D-4FAD-9801-02564821DAAF}"/>
+    <dgm:cxn modelId="{07BD9A70-5718-48AE-95F5-1A6A92A11E4A}" srcId="{54320B79-831C-48E5-8C91-4060B8366744}" destId="{84EB6AA1-EA8B-4170-B9A7-5BED5DF721D1}" srcOrd="0" destOrd="0" parTransId="{8DC669D4-17FA-40E3-A370-D20FE28F769D}" sibTransId="{07BFC276-E362-41D7-B9D8-49B76FEE9077}"/>
+    <dgm:cxn modelId="{52B44E54-A6CB-4C0F-9EB1-4F241A07B4ED}" type="presOf" srcId="{54320B79-831C-48E5-8C91-4060B8366744}" destId="{A1E3D8D9-70E5-452E-8E20-1CC01DB4A1A1}" srcOrd="0" destOrd="0" presId="urn:microsoft.com/office/officeart/2008/layout/RadialCluster"/>
+    <dgm:cxn modelId="{95EFC278-27EA-4D47-888A-AA6646E2CFC3}" type="presOf" srcId="{9453E67E-29B0-434C-B34B-0A00E6EC8F3F}" destId="{A6305BCC-3DB0-4B6E-A193-FEF0D01C236E}" srcOrd="0" destOrd="0" presId="urn:microsoft.com/office/officeart/2008/layout/RadialCluster"/>
+    <dgm:cxn modelId="{50184486-5DA7-4C89-8D83-98CA33FA9F57}" type="presOf" srcId="{37B31BFD-C4BE-4815-AC2F-C4372DC311B5}" destId="{4005D5DC-07F4-4133-9878-1AB1B9DD751B}" srcOrd="0" destOrd="0" presId="urn:microsoft.com/office/officeart/2008/layout/RadialCluster"/>
+    <dgm:cxn modelId="{15DA7888-A74C-4225-968C-56EFAA6C9C3E}" type="presOf" srcId="{5C6105E1-145D-4BC5-8FB9-8487AC7E9442}" destId="{E7F4FA2B-DF63-4A35-998B-95DC2AE9BB72}" srcOrd="0" destOrd="0" presId="urn:microsoft.com/office/officeart/2008/layout/RadialCluster"/>
+    <dgm:cxn modelId="{1C7B008F-E9FE-477C-AB5E-F9857D86EB96}" srcId="{84EB6AA1-EA8B-4170-B9A7-5BED5DF721D1}" destId="{8C93BDF6-A874-42E1-AC00-4BBA390DFA0C}" srcOrd="4" destOrd="0" parTransId="{9E49F2F2-C9DA-4657-B8FF-D8C69BD8DC88}" sibTransId="{92EA2933-CA22-4633-8E08-7C8C39D04F84}"/>
+    <dgm:cxn modelId="{DA7259AB-6032-47A5-A799-B1B940770781}" srcId="{84EB6AA1-EA8B-4170-B9A7-5BED5DF721D1}" destId="{5C6105E1-145D-4BC5-8FB9-8487AC7E9442}" srcOrd="5" destOrd="0" parTransId="{8489B437-190E-4181-9571-ECA343F0EDAA}" sibTransId="{C157B816-3456-46E8-AAFA-CA88EEA20792}"/>
+    <dgm:cxn modelId="{9E6A48AE-9EBE-467B-94F1-3526C045FF93}" srcId="{54320B79-831C-48E5-8C91-4060B8366744}" destId="{5C4E28C3-BB97-4938-8F6C-619D0ABBA9B4}" srcOrd="1" destOrd="0" parTransId="{79982F00-0933-478B-8E3C-E2B4A20F79F1}" sibTransId="{C3AF8FCD-DA9A-49FE-912D-06EC4188D3F1}"/>
+    <dgm:cxn modelId="{2C5F88B7-9B29-4BB8-A634-953C219F4C40}" srcId="{84EB6AA1-EA8B-4170-B9A7-5BED5DF721D1}" destId="{9453E67E-29B0-434C-B34B-0A00E6EC8F3F}" srcOrd="0" destOrd="0" parTransId="{867DD886-1928-46D2-A538-9450E0317C5F}" sibTransId="{A7CA206E-4C05-4EDC-AB84-FDCEC5E0B84A}"/>
+    <dgm:cxn modelId="{8E990CC7-034C-4617-8321-49665FEA8139}" srcId="{3CD24536-F74C-4125-ACFA-E44524864DF9}" destId="{50A721EE-652B-4160-8384-E772A7E9882D}" srcOrd="0" destOrd="0" parTransId="{B387E6F5-F504-4AA4-9E51-88B9E032A244}" sibTransId="{72C3D3F1-4939-4B86-989D-0D1860CDFE59}"/>
+    <dgm:cxn modelId="{7A372ED3-5A1F-4474-A605-1B513CBAB47B}" srcId="{5C4E28C3-BB97-4938-8F6C-619D0ABBA9B4}" destId="{EA79963E-807F-4D25-8CF0-1C68B3A1B121}" srcOrd="0" destOrd="0" parTransId="{68440CD7-0FD3-4D93-8CE0-1E4731E72E82}" sibTransId="{9F8F5688-2C08-4C12-A67D-192B034A84AF}"/>
+    <dgm:cxn modelId="{C5D522E4-A174-4966-87A9-A27C0B8A3F72}" type="presOf" srcId="{268C46AA-E968-4E32-BC89-0D303AA6840B}" destId="{FB69327E-C5FB-4E36-8BC5-ED73922F296A}" srcOrd="0" destOrd="0" presId="urn:microsoft.com/office/officeart/2008/layout/RadialCluster"/>
+    <dgm:cxn modelId="{4279D0E4-DF15-4D94-A994-612BABC1ADCF}" type="presOf" srcId="{8489B437-190E-4181-9571-ECA343F0EDAA}" destId="{5C56B6DA-7BC7-4983-A475-44E48E7C3F67}" srcOrd="0" destOrd="0" presId="urn:microsoft.com/office/officeart/2008/layout/RadialCluster"/>
+    <dgm:cxn modelId="{949419E9-0A5E-4E9B-BB87-4D9E5DB58333}" srcId="{3CD24536-F74C-4125-ACFA-E44524864DF9}" destId="{3BDA39D5-800C-4BD1-9C66-443F2F602095}" srcOrd="2" destOrd="0" parTransId="{CF66E1A8-DA15-4FB8-95FF-FA8C63710824}" sibTransId="{E3C1CEF1-FF6D-457C-A92F-4D0FA48619E5}"/>
+    <dgm:cxn modelId="{CAC208F6-3778-4D01-A8F6-81AF2A646052}" type="presOf" srcId="{8C93BDF6-A874-42E1-AC00-4BBA390DFA0C}" destId="{1A78014E-CAF8-4741-8A77-288BEFA8604C}" srcOrd="0" destOrd="0" presId="urn:microsoft.com/office/officeart/2008/layout/RadialCluster"/>
+    <dgm:cxn modelId="{DD4F4AFC-D3F7-4EFB-8843-D3B9747A3A7D}" srcId="{84EB6AA1-EA8B-4170-B9A7-5BED5DF721D1}" destId="{AA80076F-A4AF-4DD0-9A19-972DF34D8BA0}" srcOrd="1" destOrd="0" parTransId="{530DF2FF-ECD2-435F-998C-5693CA3AC0C0}" sibTransId="{8721A501-0E24-4186-A69D-77318053EE5D}"/>
+    <dgm:cxn modelId="{161E01FE-60FA-41A5-BA1B-EE9AB454A086}" type="presOf" srcId="{27480930-593E-497C-810A-78D4F0509795}" destId="{79690C1E-EAFD-457E-86D4-9B512BF9EBF5}" srcOrd="0" destOrd="0" presId="urn:microsoft.com/office/officeart/2008/layout/RadialCluster"/>
+    <dgm:cxn modelId="{E0938CFE-F006-4E69-9634-6BB69AF8BBDB}" type="presOf" srcId="{530DF2FF-ECD2-435F-998C-5693CA3AC0C0}" destId="{A6435758-DE83-4683-A455-C598ECA58FFB}" srcOrd="0" destOrd="0" presId="urn:microsoft.com/office/officeart/2008/layout/RadialCluster"/>
+    <dgm:cxn modelId="{C47DE835-6988-43FE-B191-EC38C3AE3857}" type="presParOf" srcId="{A1E3D8D9-70E5-452E-8E20-1CC01DB4A1A1}" destId="{C8CC3BC1-D8E4-4250-B31A-89429C92226F}" srcOrd="0" destOrd="0" presId="urn:microsoft.com/office/officeart/2008/layout/RadialCluster"/>
+    <dgm:cxn modelId="{1D4E02EA-8358-4F0C-9F75-659F09A096B3}" type="presParOf" srcId="{C8CC3BC1-D8E4-4250-B31A-89429C92226F}" destId="{0CB26086-B848-4693-866D-1D06F5698F38}" srcOrd="0" destOrd="0" presId="urn:microsoft.com/office/officeart/2008/layout/RadialCluster"/>
+    <dgm:cxn modelId="{AFB1CFCA-2D26-473F-B6D0-BEAA8555FB1E}" type="presParOf" srcId="{C8CC3BC1-D8E4-4250-B31A-89429C92226F}" destId="{2032CC44-1F12-4ECC-9603-69E65A256DAC}" srcOrd="1" destOrd="0" presId="urn:microsoft.com/office/officeart/2008/layout/RadialCluster"/>
+    <dgm:cxn modelId="{36E47891-9107-43C8-98C1-992B01824188}" type="presParOf" srcId="{C8CC3BC1-D8E4-4250-B31A-89429C92226F}" destId="{A6305BCC-3DB0-4B6E-A193-FEF0D01C236E}" srcOrd="2" destOrd="0" presId="urn:microsoft.com/office/officeart/2008/layout/RadialCluster"/>
+    <dgm:cxn modelId="{AB14AF84-DF7D-47AE-AC56-73E70E4255A6}" type="presParOf" srcId="{C8CC3BC1-D8E4-4250-B31A-89429C92226F}" destId="{A6435758-DE83-4683-A455-C598ECA58FFB}" srcOrd="3" destOrd="0" presId="urn:microsoft.com/office/officeart/2008/layout/RadialCluster"/>
+    <dgm:cxn modelId="{1A5367D6-E739-45C3-B6C5-3D7D041DD6A9}" type="presParOf" srcId="{C8CC3BC1-D8E4-4250-B31A-89429C92226F}" destId="{3C484442-49E7-4793-BA50-B82B5F2BDA1F}" srcOrd="4" destOrd="0" presId="urn:microsoft.com/office/officeart/2008/layout/RadialCluster"/>
+    <dgm:cxn modelId="{0CD32A2D-54AE-4E5D-93DB-8499E6C973A6}" type="presParOf" srcId="{C8CC3BC1-D8E4-4250-B31A-89429C92226F}" destId="{FB69327E-C5FB-4E36-8BC5-ED73922F296A}" srcOrd="5" destOrd="0" presId="urn:microsoft.com/office/officeart/2008/layout/RadialCluster"/>
+    <dgm:cxn modelId="{22AADB0D-3A5C-49AC-9D81-D4CFBA05D6EB}" type="presParOf" srcId="{C8CC3BC1-D8E4-4250-B31A-89429C92226F}" destId="{79690C1E-EAFD-457E-86D4-9B512BF9EBF5}" srcOrd="6" destOrd="0" presId="urn:microsoft.com/office/officeart/2008/layout/RadialCluster"/>
+    <dgm:cxn modelId="{1444B7F9-6214-405D-9822-CA87410F0445}" type="presParOf" srcId="{C8CC3BC1-D8E4-4250-B31A-89429C92226F}" destId="{4005D5DC-07F4-4133-9878-1AB1B9DD751B}" srcOrd="7" destOrd="0" presId="urn:microsoft.com/office/officeart/2008/layout/RadialCluster"/>
+    <dgm:cxn modelId="{15AB0FBF-817B-46F5-B273-5E575583BC2F}" type="presParOf" srcId="{C8CC3BC1-D8E4-4250-B31A-89429C92226F}" destId="{93CA7417-7DA3-46E4-B564-FC4A8668D13D}" srcOrd="8" destOrd="0" presId="urn:microsoft.com/office/officeart/2008/layout/RadialCluster"/>
+    <dgm:cxn modelId="{AC102F17-3952-44EF-8D73-A4728312E688}" type="presParOf" srcId="{C8CC3BC1-D8E4-4250-B31A-89429C92226F}" destId="{C28BD888-58F4-4745-8916-35776035D397}" srcOrd="9" destOrd="0" presId="urn:microsoft.com/office/officeart/2008/layout/RadialCluster"/>
+    <dgm:cxn modelId="{40C7ACB0-29E4-41BA-9415-2C051566B61C}" type="presParOf" srcId="{C8CC3BC1-D8E4-4250-B31A-89429C92226F}" destId="{1A78014E-CAF8-4741-8A77-288BEFA8604C}" srcOrd="10" destOrd="0" presId="urn:microsoft.com/office/officeart/2008/layout/RadialCluster"/>
+    <dgm:cxn modelId="{AA688B82-BC49-45D3-A07B-6C3DCE280EB4}" type="presParOf" srcId="{C8CC3BC1-D8E4-4250-B31A-89429C92226F}" destId="{5C56B6DA-7BC7-4983-A475-44E48E7C3F67}" srcOrd="11" destOrd="0" presId="urn:microsoft.com/office/officeart/2008/layout/RadialCluster"/>
+    <dgm:cxn modelId="{33C56FC5-4DC8-4407-97A7-15B2013ED69D}" type="presParOf" srcId="{C8CC3BC1-D8E4-4250-B31A-89429C92226F}" destId="{E7F4FA2B-DF63-4A35-998B-95DC2AE9BB72}" srcOrd="12" destOrd="0" presId="urn:microsoft.com/office/officeart/2008/layout/RadialCluster"/>
+  </dgm:cxnLst>
+  <dgm:bg>
+    <a:effectLst>
+      <a:outerShdw blurRad="50800" dist="38100" dir="8100000" algn="tr" rotWithShape="0">
+        <a:prstClr val="black">
+          <a:alpha val="40000"/>
+        </a:prstClr>
+      </a:outerShdw>
+    </a:effectLst>
+  </dgm:bg>
   <dgm:whole/>
   <dgm:extLst>
     <a:ext uri="http://schemas.microsoft.com/office/drawing/2008/diagram">
@@ -4319,6 +6167,1013 @@
 </dsp:drawing>
 </file>
 
+<file path=ppt/diagrams/drawing3.xml><?xml version="1.0" encoding="utf-8"?>
+<dsp:drawing xmlns:dgm="http://schemas.openxmlformats.org/drawingml/2006/diagram" xmlns:dsp="http://schemas.microsoft.com/office/drawing/2008/diagram" xmlns:a="http://schemas.openxmlformats.org/drawingml/2006/main">
+  <dsp:spTree>
+    <dsp:nvGrpSpPr>
+      <dsp:cNvPr id="0" name=""/>
+      <dsp:cNvGrpSpPr/>
+    </dsp:nvGrpSpPr>
+    <dsp:grpSpPr/>
+    <dsp:sp modelId="{0CB26086-B848-4693-866D-1D06F5698F38}">
+      <dsp:nvSpPr>
+        <dsp:cNvPr id="0" name=""/>
+        <dsp:cNvSpPr/>
+      </dsp:nvSpPr>
+      <dsp:spPr>
+        <a:xfrm>
+          <a:off x="1534909" y="1513593"/>
+          <a:ext cx="1962931" cy="1673416"/>
+        </a:xfrm>
+        <a:prstGeom prst="roundRect">
+          <a:avLst/>
+        </a:prstGeom>
+        <a:gradFill rotWithShape="1">
+          <a:gsLst>
+            <a:gs pos="0">
+              <a:schemeClr val="accent5">
+                <a:lumMod val="110000"/>
+                <a:satMod val="105000"/>
+                <a:tint val="67000"/>
+              </a:schemeClr>
+            </a:gs>
+            <a:gs pos="50000">
+              <a:schemeClr val="accent5">
+                <a:lumMod val="105000"/>
+                <a:satMod val="103000"/>
+                <a:tint val="73000"/>
+              </a:schemeClr>
+            </a:gs>
+            <a:gs pos="100000">
+              <a:schemeClr val="accent5">
+                <a:lumMod val="105000"/>
+                <a:satMod val="109000"/>
+                <a:tint val="81000"/>
+              </a:schemeClr>
+            </a:gs>
+          </a:gsLst>
+          <a:lin ang="5400000" scaled="0"/>
+        </a:gradFill>
+        <a:ln w="6350" cap="flat" cmpd="sng" algn="ctr">
+          <a:solidFill>
+            <a:schemeClr val="accent5"/>
+          </a:solidFill>
+          <a:prstDash val="solid"/>
+          <a:miter lim="800000"/>
+        </a:ln>
+        <a:effectLst>
+          <a:outerShdw blurRad="50800" dist="38100" dir="5400000" algn="t" rotWithShape="0">
+            <a:prstClr val="black">
+              <a:alpha val="40000"/>
+            </a:prstClr>
+          </a:outerShdw>
+        </a:effectLst>
+      </dsp:spPr>
+      <dsp:style>
+        <a:lnRef idx="1">
+          <a:schemeClr val="accent5"/>
+        </a:lnRef>
+        <a:fillRef idx="2">
+          <a:schemeClr val="accent5"/>
+        </a:fillRef>
+        <a:effectRef idx="1">
+          <a:schemeClr val="accent5"/>
+        </a:effectRef>
+        <a:fontRef idx="minor">
+          <a:schemeClr val="dk1"/>
+        </a:fontRef>
+      </dsp:style>
+      <dsp:txBody>
+        <a:bodyPr spcFirstLastPara="0" vert="horz" wrap="square" lIns="60960" tIns="60960" rIns="60960" bIns="60960" numCol="1" spcCol="1270" anchor="ctr" anchorCtr="0">
+          <a:noAutofit/>
+        </a:bodyPr>
+        <a:lstStyle/>
+        <a:p>
+          <a:pPr marL="0" lvl="0" indent="0" algn="ctr" defTabSz="1066800">
+            <a:lnSpc>
+              <a:spcPct val="90000"/>
+            </a:lnSpc>
+            <a:spcBef>
+              <a:spcPct val="0"/>
+            </a:spcBef>
+            <a:spcAft>
+              <a:spcPct val="35000"/>
+            </a:spcAft>
+            <a:buNone/>
+          </a:pPr>
+          <a:r>
+            <a:rPr lang="fr-FR" sz="2400" b="1" kern="1200" dirty="0"/>
+            <a:t>Compilateur</a:t>
+          </a:r>
+          <a:endParaRPr lang="fr-FR" sz="2000" b="1" kern="1200" dirty="0"/>
+        </a:p>
+      </dsp:txBody>
+      <dsp:txXfrm>
+        <a:off x="1616598" y="1595282"/>
+        <a:ext cx="1799553" cy="1510038"/>
+      </dsp:txXfrm>
+    </dsp:sp>
+    <dsp:sp modelId="{2032CC44-1F12-4ECC-9603-69E65A256DAC}">
+      <dsp:nvSpPr>
+        <dsp:cNvPr id="0" name=""/>
+        <dsp:cNvSpPr/>
+      </dsp:nvSpPr>
+      <dsp:spPr>
+        <a:xfrm rot="12925319">
+          <a:off x="1332169" y="1587498"/>
+          <a:ext cx="223415" cy="0"/>
+        </a:xfrm>
+        <a:custGeom>
+          <a:avLst/>
+          <a:gdLst/>
+          <a:ahLst/>
+          <a:cxnLst/>
+          <a:rect l="0" t="0" r="0" b="0"/>
+          <a:pathLst>
+            <a:path>
+              <a:moveTo>
+                <a:pt x="0" y="0"/>
+              </a:moveTo>
+              <a:lnTo>
+                <a:pt x="223415" y="0"/>
+              </a:lnTo>
+            </a:path>
+          </a:pathLst>
+        </a:custGeom>
+        <a:noFill/>
+        <a:ln w="12700" cap="flat" cmpd="sng" algn="ctr">
+          <a:solidFill>
+            <a:schemeClr val="dk1"/>
+          </a:solidFill>
+          <a:prstDash val="solid"/>
+          <a:miter lim="800000"/>
+        </a:ln>
+        <a:effectLst/>
+      </dsp:spPr>
+      <dsp:style>
+        <a:lnRef idx="2">
+          <a:schemeClr val="dk1"/>
+        </a:lnRef>
+        <a:fillRef idx="1">
+          <a:schemeClr val="lt1"/>
+        </a:fillRef>
+        <a:effectRef idx="0">
+          <a:schemeClr val="dk1"/>
+        </a:effectRef>
+        <a:fontRef idx="minor">
+          <a:schemeClr val="dk1"/>
+        </a:fontRef>
+      </dsp:style>
+    </dsp:sp>
+    <dsp:sp modelId="{A6305BCC-3DB0-4B6E-A193-FEF0D01C236E}">
+      <dsp:nvSpPr>
+        <dsp:cNvPr id="0" name=""/>
+        <dsp:cNvSpPr/>
+      </dsp:nvSpPr>
+      <dsp:spPr>
+        <a:xfrm>
+          <a:off x="0" y="315531"/>
+          <a:ext cx="1352846" cy="1452243"/>
+        </a:xfrm>
+        <a:prstGeom prst="roundRect">
+          <a:avLst/>
+        </a:prstGeom>
+        <a:solidFill>
+          <a:schemeClr val="lt1"/>
+        </a:solidFill>
+        <a:ln w="12700" cap="flat" cmpd="sng" algn="ctr">
+          <a:solidFill>
+            <a:schemeClr val="dk1"/>
+          </a:solidFill>
+          <a:prstDash val="solid"/>
+          <a:miter lim="800000"/>
+        </a:ln>
+        <a:effectLst>
+          <a:outerShdw blurRad="50800" dist="38100" dir="8100000" algn="tr" rotWithShape="0">
+            <a:prstClr val="black">
+              <a:alpha val="40000"/>
+            </a:prstClr>
+          </a:outerShdw>
+        </a:effectLst>
+      </dsp:spPr>
+      <dsp:style>
+        <a:lnRef idx="2">
+          <a:schemeClr val="dk1"/>
+        </a:lnRef>
+        <a:fillRef idx="1">
+          <a:schemeClr val="lt1"/>
+        </a:fillRef>
+        <a:effectRef idx="0">
+          <a:schemeClr val="dk1"/>
+        </a:effectRef>
+        <a:fontRef idx="minor">
+          <a:schemeClr val="dk1"/>
+        </a:fontRef>
+      </dsp:style>
+      <dsp:txBody>
+        <a:bodyPr spcFirstLastPara="0" vert="horz" wrap="square" lIns="63500" tIns="63500" rIns="63500" bIns="63500" numCol="1" spcCol="1270" anchor="ctr" anchorCtr="0">
+          <a:noAutofit/>
+        </a:bodyPr>
+        <a:lstStyle/>
+        <a:p>
+          <a:pPr marL="0" lvl="0" indent="0" algn="ctr" defTabSz="1111250">
+            <a:lnSpc>
+              <a:spcPct val="90000"/>
+            </a:lnSpc>
+            <a:spcBef>
+              <a:spcPct val="0"/>
+            </a:spcBef>
+            <a:spcAft>
+              <a:spcPct val="35000"/>
+            </a:spcAft>
+            <a:buNone/>
+          </a:pPr>
+          <a:r>
+            <a:rPr lang="fr-FR" sz="2000" kern="1200" dirty="0">
+              <a:solidFill>
+                <a:prstClr val="black"/>
+              </a:solidFill>
+              <a:latin typeface="Consolas" panose="020B0609020204030204" pitchFamily="49" charset="0"/>
+              <a:ea typeface="+mn-ea"/>
+              <a:cs typeface="+mn-cs"/>
+            </a:rPr>
+            <a:t>Main(){</a:t>
+          </a:r>
+        </a:p>
+        <a:p>
+          <a:pPr marL="0" lvl="0" indent="0" algn="ctr" defTabSz="1111250">
+            <a:lnSpc>
+              <a:spcPct val="90000"/>
+            </a:lnSpc>
+            <a:spcBef>
+              <a:spcPct val="0"/>
+            </a:spcBef>
+            <a:spcAft>
+              <a:spcPct val="35000"/>
+            </a:spcAft>
+            <a:buNone/>
+          </a:pPr>
+          <a:r>
+            <a:rPr lang="fr-FR" sz="2000" kern="1200" dirty="0">
+              <a:solidFill>
+                <a:prstClr val="black"/>
+              </a:solidFill>
+              <a:latin typeface="Consolas" panose="020B0609020204030204" pitchFamily="49" charset="0"/>
+              <a:ea typeface="+mn-ea"/>
+              <a:cs typeface="+mn-cs"/>
+            </a:rPr>
+            <a:t>f1() </a:t>
+          </a:r>
+        </a:p>
+        <a:p>
+          <a:pPr marL="0" lvl="0" indent="0" algn="ctr" defTabSz="1111250">
+            <a:lnSpc>
+              <a:spcPct val="90000"/>
+            </a:lnSpc>
+            <a:spcBef>
+              <a:spcPct val="0"/>
+            </a:spcBef>
+            <a:spcAft>
+              <a:spcPct val="35000"/>
+            </a:spcAft>
+            <a:buNone/>
+          </a:pPr>
+          <a:r>
+            <a:rPr lang="fr-FR" sz="2000" kern="1200" dirty="0">
+              <a:solidFill>
+                <a:prstClr val="black"/>
+              </a:solidFill>
+              <a:latin typeface="Consolas" panose="020B0609020204030204" pitchFamily="49" charset="0"/>
+              <a:ea typeface="+mn-ea"/>
+              <a:cs typeface="+mn-cs"/>
+            </a:rPr>
+            <a:t>f2()}</a:t>
+          </a:r>
+        </a:p>
+      </dsp:txBody>
+      <dsp:txXfrm>
+        <a:off x="66040" y="381571"/>
+        <a:ext cx="1220766" cy="1320163"/>
+      </dsp:txXfrm>
+    </dsp:sp>
+    <dsp:sp modelId="{A6435758-DE83-4683-A455-C598ECA58FFB}">
+      <dsp:nvSpPr>
+        <dsp:cNvPr id="0" name=""/>
+        <dsp:cNvSpPr/>
+      </dsp:nvSpPr>
+      <dsp:spPr>
+        <a:xfrm rot="18958465">
+          <a:off x="3321942" y="1364948"/>
+          <a:ext cx="427769" cy="0"/>
+        </a:xfrm>
+        <a:custGeom>
+          <a:avLst/>
+          <a:gdLst/>
+          <a:ahLst/>
+          <a:cxnLst/>
+          <a:rect l="0" t="0" r="0" b="0"/>
+          <a:pathLst>
+            <a:path>
+              <a:moveTo>
+                <a:pt x="0" y="0"/>
+              </a:moveTo>
+              <a:lnTo>
+                <a:pt x="427769" y="0"/>
+              </a:lnTo>
+            </a:path>
+          </a:pathLst>
+        </a:custGeom>
+        <a:noFill/>
+        <a:ln w="12700" cap="flat" cmpd="sng" algn="ctr">
+          <a:solidFill>
+            <a:schemeClr val="dk1"/>
+          </a:solidFill>
+          <a:prstDash val="solid"/>
+          <a:miter lim="800000"/>
+        </a:ln>
+        <a:effectLst/>
+      </dsp:spPr>
+      <dsp:style>
+        <a:lnRef idx="2">
+          <a:schemeClr val="dk1"/>
+        </a:lnRef>
+        <a:fillRef idx="1">
+          <a:schemeClr val="lt1"/>
+        </a:fillRef>
+        <a:effectRef idx="0">
+          <a:schemeClr val="dk1"/>
+        </a:effectRef>
+        <a:fontRef idx="minor">
+          <a:schemeClr val="dk1"/>
+        </a:fontRef>
+      </dsp:style>
+    </dsp:sp>
+    <dsp:sp modelId="{3C484442-49E7-4793-BA50-B82B5F2BDA1F}">
+      <dsp:nvSpPr>
+        <dsp:cNvPr id="0" name=""/>
+        <dsp:cNvSpPr/>
+      </dsp:nvSpPr>
+      <dsp:spPr>
+        <a:xfrm>
+          <a:off x="3689616" y="153732"/>
+          <a:ext cx="1080643" cy="1080643"/>
+        </a:xfrm>
+        <a:prstGeom prst="roundRect">
+          <a:avLst/>
+        </a:prstGeom>
+        <a:solidFill>
+          <a:schemeClr val="lt1"/>
+        </a:solidFill>
+        <a:ln w="12700" cap="flat" cmpd="sng" algn="ctr">
+          <a:solidFill>
+            <a:schemeClr val="dk1"/>
+          </a:solidFill>
+          <a:prstDash val="solid"/>
+          <a:miter lim="800000"/>
+        </a:ln>
+        <a:effectLst>
+          <a:outerShdw blurRad="50800" dist="38100" dir="2700000" algn="tl" rotWithShape="0">
+            <a:prstClr val="black">
+              <a:alpha val="40000"/>
+            </a:prstClr>
+          </a:outerShdw>
+        </a:effectLst>
+      </dsp:spPr>
+      <dsp:style>
+        <a:lnRef idx="2">
+          <a:schemeClr val="dk1"/>
+        </a:lnRef>
+        <a:fillRef idx="1">
+          <a:schemeClr val="lt1"/>
+        </a:fillRef>
+        <a:effectRef idx="0">
+          <a:schemeClr val="dk1"/>
+        </a:effectRef>
+        <a:fontRef idx="minor">
+          <a:schemeClr val="dk1"/>
+        </a:fontRef>
+      </dsp:style>
+      <dsp:txBody>
+        <a:bodyPr spcFirstLastPara="0" vert="horz" wrap="square" lIns="50800" tIns="50800" rIns="50800" bIns="50800" numCol="1" spcCol="1270" anchor="ctr" anchorCtr="0">
+          <a:noAutofit/>
+        </a:bodyPr>
+        <a:lstStyle/>
+        <a:p>
+          <a:pPr marL="0" lvl="0" indent="0" algn="ctr" defTabSz="889000">
+            <a:lnSpc>
+              <a:spcPct val="90000"/>
+            </a:lnSpc>
+            <a:spcBef>
+              <a:spcPct val="0"/>
+            </a:spcBef>
+            <a:spcAft>
+              <a:spcPct val="35000"/>
+            </a:spcAft>
+            <a:buNone/>
+          </a:pPr>
+          <a:r>
+            <a:rPr lang="fr-FR" sz="2000" b="1" kern="1200" dirty="0">
+              <a:solidFill>
+                <a:srgbClr val="FF0000"/>
+              </a:solidFill>
+            </a:rPr>
+            <a:t>file1.obj</a:t>
+          </a:r>
+          <a:endParaRPr lang="fr-FR" sz="2000" kern="1200" dirty="0"/>
+        </a:p>
+      </dsp:txBody>
+      <dsp:txXfrm>
+        <a:off x="3742369" y="206485"/>
+        <a:ext cx="975137" cy="975137"/>
+      </dsp:txXfrm>
+    </dsp:sp>
+    <dsp:sp modelId="{FB69327E-C5FB-4E36-8BC5-ED73922F296A}">
+      <dsp:nvSpPr>
+        <dsp:cNvPr id="0" name=""/>
+        <dsp:cNvSpPr/>
+      </dsp:nvSpPr>
+      <dsp:spPr>
+        <a:xfrm rot="402404">
+          <a:off x="3496997" y="2480110"/>
+          <a:ext cx="246536" cy="0"/>
+        </a:xfrm>
+        <a:custGeom>
+          <a:avLst/>
+          <a:gdLst/>
+          <a:ahLst/>
+          <a:cxnLst/>
+          <a:rect l="0" t="0" r="0" b="0"/>
+          <a:pathLst>
+            <a:path>
+              <a:moveTo>
+                <a:pt x="0" y="0"/>
+              </a:moveTo>
+              <a:lnTo>
+                <a:pt x="246536" y="0"/>
+              </a:lnTo>
+            </a:path>
+          </a:pathLst>
+        </a:custGeom>
+        <a:noFill/>
+        <a:ln w="12700" cap="flat" cmpd="sng" algn="ctr">
+          <a:solidFill>
+            <a:schemeClr val="dk1"/>
+          </a:solidFill>
+          <a:prstDash val="solid"/>
+          <a:miter lim="800000"/>
+        </a:ln>
+        <a:effectLst/>
+      </dsp:spPr>
+      <dsp:style>
+        <a:lnRef idx="2">
+          <a:schemeClr val="dk1"/>
+        </a:lnRef>
+        <a:fillRef idx="1">
+          <a:schemeClr val="lt1"/>
+        </a:fillRef>
+        <a:effectRef idx="0">
+          <a:schemeClr val="dk1"/>
+        </a:effectRef>
+        <a:fontRef idx="minor">
+          <a:schemeClr val="dk1"/>
+        </a:fontRef>
+      </dsp:style>
+    </dsp:sp>
+    <dsp:sp modelId="{79690C1E-EAFD-457E-86D4-9B512BF9EBF5}">
+      <dsp:nvSpPr>
+        <dsp:cNvPr id="0" name=""/>
+        <dsp:cNvSpPr/>
+      </dsp:nvSpPr>
+      <dsp:spPr>
+        <a:xfrm>
+          <a:off x="3742690" y="2017722"/>
+          <a:ext cx="1080643" cy="1080643"/>
+        </a:xfrm>
+        <a:prstGeom prst="roundRect">
+          <a:avLst/>
+        </a:prstGeom>
+        <a:solidFill>
+          <a:schemeClr val="lt1"/>
+        </a:solidFill>
+        <a:ln w="12700" cap="flat" cmpd="sng" algn="ctr">
+          <a:solidFill>
+            <a:schemeClr val="dk1"/>
+          </a:solidFill>
+          <a:prstDash val="solid"/>
+          <a:miter lim="800000"/>
+        </a:ln>
+        <a:effectLst>
+          <a:outerShdw blurRad="50800" dist="38100" dir="2700000" algn="tl" rotWithShape="0">
+            <a:prstClr val="black">
+              <a:alpha val="40000"/>
+            </a:prstClr>
+          </a:outerShdw>
+        </a:effectLst>
+      </dsp:spPr>
+      <dsp:style>
+        <a:lnRef idx="2">
+          <a:schemeClr val="dk1"/>
+        </a:lnRef>
+        <a:fillRef idx="1">
+          <a:schemeClr val="lt1"/>
+        </a:fillRef>
+        <a:effectRef idx="0">
+          <a:schemeClr val="dk1"/>
+        </a:effectRef>
+        <a:fontRef idx="minor">
+          <a:schemeClr val="dk1"/>
+        </a:fontRef>
+      </dsp:style>
+      <dsp:txBody>
+        <a:bodyPr spcFirstLastPara="0" vert="horz" wrap="square" lIns="50800" tIns="50800" rIns="50800" bIns="50800" numCol="1" spcCol="1270" anchor="ctr" anchorCtr="0">
+          <a:noAutofit/>
+        </a:bodyPr>
+        <a:lstStyle/>
+        <a:p>
+          <a:pPr marL="0" lvl="0" indent="0" algn="ctr" defTabSz="889000">
+            <a:lnSpc>
+              <a:spcPct val="90000"/>
+            </a:lnSpc>
+            <a:spcBef>
+              <a:spcPct val="0"/>
+            </a:spcBef>
+            <a:spcAft>
+              <a:spcPct val="35000"/>
+            </a:spcAft>
+            <a:buNone/>
+          </a:pPr>
+          <a:r>
+            <a:rPr lang="fr-FR" sz="2000" b="1" kern="1200" dirty="0">
+              <a:solidFill>
+                <a:srgbClr val="FF0000"/>
+              </a:solidFill>
+            </a:rPr>
+            <a:t>file2.obj</a:t>
+          </a:r>
+          <a:endParaRPr lang="fr-FR" sz="2000" kern="1200" dirty="0"/>
+        </a:p>
+      </dsp:txBody>
+      <dsp:txXfrm>
+        <a:off x="3795443" y="2070475"/>
+        <a:ext cx="975137" cy="975137"/>
+      </dsp:txXfrm>
+    </dsp:sp>
+    <dsp:sp modelId="{4005D5DC-07F4-4133-9878-1AB1B9DD751B}">
+      <dsp:nvSpPr>
+        <dsp:cNvPr id="0" name=""/>
+        <dsp:cNvSpPr/>
+      </dsp:nvSpPr>
+      <dsp:spPr>
+        <a:xfrm rot="2897091">
+          <a:off x="3114940" y="3515676"/>
+          <a:ext cx="880596" cy="0"/>
+        </a:xfrm>
+        <a:custGeom>
+          <a:avLst/>
+          <a:gdLst/>
+          <a:ahLst/>
+          <a:cxnLst/>
+          <a:rect l="0" t="0" r="0" b="0"/>
+          <a:pathLst>
+            <a:path>
+              <a:moveTo>
+                <a:pt x="0" y="0"/>
+              </a:moveTo>
+              <a:lnTo>
+                <a:pt x="880596" y="0"/>
+              </a:lnTo>
+            </a:path>
+          </a:pathLst>
+        </a:custGeom>
+        <a:noFill/>
+        <a:ln w="12700" cap="flat" cmpd="sng" algn="ctr">
+          <a:solidFill>
+            <a:schemeClr val="dk1"/>
+          </a:solidFill>
+          <a:prstDash val="solid"/>
+          <a:miter lim="800000"/>
+        </a:ln>
+        <a:effectLst/>
+      </dsp:spPr>
+      <dsp:style>
+        <a:lnRef idx="2">
+          <a:schemeClr val="dk1"/>
+        </a:lnRef>
+        <a:fillRef idx="1">
+          <a:schemeClr val="lt1"/>
+        </a:fillRef>
+        <a:effectRef idx="0">
+          <a:schemeClr val="dk1"/>
+        </a:effectRef>
+        <a:fontRef idx="minor">
+          <a:schemeClr val="dk1"/>
+        </a:fontRef>
+      </dsp:style>
+    </dsp:sp>
+    <dsp:sp modelId="{93CA7417-7DA3-46E4-B564-FC4A8668D13D}">
+      <dsp:nvSpPr>
+        <dsp:cNvPr id="0" name=""/>
+        <dsp:cNvSpPr/>
+      </dsp:nvSpPr>
+      <dsp:spPr>
+        <a:xfrm>
+          <a:off x="3789568" y="3844341"/>
+          <a:ext cx="1080643" cy="1080643"/>
+        </a:xfrm>
+        <a:prstGeom prst="roundRect">
+          <a:avLst/>
+        </a:prstGeom>
+        <a:solidFill>
+          <a:schemeClr val="lt1"/>
+        </a:solidFill>
+        <a:ln w="12700" cap="flat" cmpd="sng" algn="ctr">
+          <a:solidFill>
+            <a:schemeClr val="dk1"/>
+          </a:solidFill>
+          <a:prstDash val="solid"/>
+          <a:miter lim="800000"/>
+        </a:ln>
+        <a:effectLst>
+          <a:outerShdw blurRad="50800" dist="38100" dir="2700000" algn="tl" rotWithShape="0">
+            <a:prstClr val="black">
+              <a:alpha val="40000"/>
+            </a:prstClr>
+          </a:outerShdw>
+        </a:effectLst>
+      </dsp:spPr>
+      <dsp:style>
+        <a:lnRef idx="2">
+          <a:schemeClr val="dk1"/>
+        </a:lnRef>
+        <a:fillRef idx="1">
+          <a:schemeClr val="lt1"/>
+        </a:fillRef>
+        <a:effectRef idx="0">
+          <a:schemeClr val="dk1"/>
+        </a:effectRef>
+        <a:fontRef idx="minor">
+          <a:schemeClr val="dk1"/>
+        </a:fontRef>
+      </dsp:style>
+      <dsp:txBody>
+        <a:bodyPr spcFirstLastPara="0" vert="horz" wrap="square" lIns="50800" tIns="50800" rIns="50800" bIns="50800" numCol="1" spcCol="1270" anchor="ctr" anchorCtr="0">
+          <a:noAutofit/>
+        </a:bodyPr>
+        <a:lstStyle/>
+        <a:p>
+          <a:pPr marL="0" lvl="0" indent="0" algn="ctr" defTabSz="889000">
+            <a:lnSpc>
+              <a:spcPct val="90000"/>
+            </a:lnSpc>
+            <a:spcBef>
+              <a:spcPct val="0"/>
+            </a:spcBef>
+            <a:spcAft>
+              <a:spcPct val="35000"/>
+            </a:spcAft>
+            <a:buNone/>
+          </a:pPr>
+          <a:r>
+            <a:rPr lang="fr-FR" sz="2000" b="1" kern="1200" dirty="0">
+              <a:solidFill>
+                <a:srgbClr val="FF0000"/>
+              </a:solidFill>
+            </a:rPr>
+            <a:t>file3.obj</a:t>
+          </a:r>
+          <a:endParaRPr lang="fr-FR" sz="2000" kern="1200" dirty="0"/>
+        </a:p>
+      </dsp:txBody>
+      <dsp:txXfrm>
+        <a:off x="3842321" y="3897094"/>
+        <a:ext cx="975137" cy="975137"/>
+      </dsp:txXfrm>
+    </dsp:sp>
+    <dsp:sp modelId="{C28BD888-58F4-4745-8916-35776035D397}">
+      <dsp:nvSpPr>
+        <dsp:cNvPr id="0" name=""/>
+        <dsp:cNvSpPr/>
+      </dsp:nvSpPr>
+      <dsp:spPr>
+        <a:xfrm rot="8100812">
+          <a:off x="1064109" y="3441733"/>
+          <a:ext cx="720637" cy="0"/>
+        </a:xfrm>
+        <a:custGeom>
+          <a:avLst/>
+          <a:gdLst/>
+          <a:ahLst/>
+          <a:cxnLst/>
+          <a:rect l="0" t="0" r="0" b="0"/>
+          <a:pathLst>
+            <a:path>
+              <a:moveTo>
+                <a:pt x="0" y="0"/>
+              </a:moveTo>
+              <a:lnTo>
+                <a:pt x="720637" y="0"/>
+              </a:lnTo>
+            </a:path>
+          </a:pathLst>
+        </a:custGeom>
+        <a:noFill/>
+        <a:ln w="12700" cap="flat" cmpd="sng" algn="ctr">
+          <a:solidFill>
+            <a:schemeClr val="dk1"/>
+          </a:solidFill>
+          <a:prstDash val="solid"/>
+          <a:miter lim="800000"/>
+        </a:ln>
+        <a:effectLst/>
+      </dsp:spPr>
+      <dsp:style>
+        <a:lnRef idx="2">
+          <a:schemeClr val="dk1"/>
+        </a:lnRef>
+        <a:fillRef idx="1">
+          <a:schemeClr val="lt1"/>
+        </a:fillRef>
+        <a:effectRef idx="0">
+          <a:schemeClr val="dk1"/>
+        </a:effectRef>
+        <a:fontRef idx="minor">
+          <a:schemeClr val="dk1"/>
+        </a:fontRef>
+      </dsp:style>
+    </dsp:sp>
+    <dsp:sp modelId="{1A78014E-CAF8-4741-8A77-288BEFA8604C}">
+      <dsp:nvSpPr>
+        <dsp:cNvPr id="0" name=""/>
+        <dsp:cNvSpPr/>
+      </dsp:nvSpPr>
+      <dsp:spPr>
+        <a:xfrm>
+          <a:off x="88940" y="3696202"/>
+          <a:ext cx="1080643" cy="1080643"/>
+        </a:xfrm>
+        <a:prstGeom prst="roundRect">
+          <a:avLst/>
+        </a:prstGeom>
+        <a:solidFill>
+          <a:schemeClr val="lt1"/>
+        </a:solidFill>
+        <a:ln w="12700" cap="flat" cmpd="sng" algn="ctr">
+          <a:solidFill>
+            <a:schemeClr val="dk1"/>
+          </a:solidFill>
+          <a:prstDash val="solid"/>
+          <a:miter lim="800000"/>
+        </a:ln>
+        <a:effectLst>
+          <a:outerShdw blurRad="50800" dist="38100" dir="8100000" algn="tr" rotWithShape="0">
+            <a:prstClr val="black">
+              <a:alpha val="40000"/>
+            </a:prstClr>
+          </a:outerShdw>
+        </a:effectLst>
+      </dsp:spPr>
+      <dsp:style>
+        <a:lnRef idx="2">
+          <a:schemeClr val="dk1"/>
+        </a:lnRef>
+        <a:fillRef idx="1">
+          <a:schemeClr val="lt1"/>
+        </a:fillRef>
+        <a:effectRef idx="0">
+          <a:schemeClr val="dk1"/>
+        </a:effectRef>
+        <a:fontRef idx="minor">
+          <a:schemeClr val="dk1"/>
+        </a:fontRef>
+      </dsp:style>
+      <dsp:txBody>
+        <a:bodyPr spcFirstLastPara="0" vert="horz" wrap="square" lIns="63500" tIns="63500" rIns="63500" bIns="63500" numCol="1" spcCol="1270" anchor="ctr" anchorCtr="0">
+          <a:noAutofit/>
+        </a:bodyPr>
+        <a:lstStyle/>
+        <a:p>
+          <a:pPr marL="0" lvl="0" indent="0" algn="ctr" defTabSz="1111250">
+            <a:lnSpc>
+              <a:spcPct val="90000"/>
+            </a:lnSpc>
+            <a:spcBef>
+              <a:spcPct val="0"/>
+            </a:spcBef>
+            <a:spcAft>
+              <a:spcPct val="35000"/>
+            </a:spcAft>
+            <a:buNone/>
+          </a:pPr>
+          <a:r>
+            <a:rPr lang="fr-FR" sz="2500" kern="1200" dirty="0">
+              <a:solidFill>
+                <a:prstClr val="black"/>
+              </a:solidFill>
+              <a:latin typeface="Calibri" panose="020F0502020204030204"/>
+              <a:ea typeface="+mn-ea"/>
+              <a:cs typeface="+mn-cs"/>
+            </a:rPr>
+            <a:t>f2() {</a:t>
+          </a:r>
+        </a:p>
+        <a:p>
+          <a:pPr marL="0" lvl="0" indent="0" algn="ctr" defTabSz="1111250">
+            <a:lnSpc>
+              <a:spcPct val="90000"/>
+            </a:lnSpc>
+            <a:spcBef>
+              <a:spcPct val="0"/>
+            </a:spcBef>
+            <a:spcAft>
+              <a:spcPct val="35000"/>
+            </a:spcAft>
+            <a:buNone/>
+          </a:pPr>
+          <a:r>
+            <a:rPr lang="fr-FR" sz="2500" kern="1200" dirty="0">
+              <a:solidFill>
+                <a:prstClr val="black"/>
+              </a:solidFill>
+              <a:latin typeface="Calibri" panose="020F0502020204030204"/>
+              <a:ea typeface="+mn-ea"/>
+              <a:cs typeface="+mn-cs"/>
+            </a:rPr>
+            <a:t>}</a:t>
+          </a:r>
+          <a:endParaRPr lang="fr-FR" sz="2500" kern="1200" dirty="0"/>
+        </a:p>
+      </dsp:txBody>
+      <dsp:txXfrm>
+        <a:off x="141693" y="3748955"/>
+        <a:ext cx="975137" cy="975137"/>
+      </dsp:txXfrm>
+    </dsp:sp>
+    <dsp:sp modelId="{5C56B6DA-7BC7-4983-A475-44E48E7C3F67}">
+      <dsp:nvSpPr>
+        <dsp:cNvPr id="0" name=""/>
+        <dsp:cNvSpPr/>
+      </dsp:nvSpPr>
+      <dsp:spPr>
+        <a:xfrm rot="10004200">
+          <a:off x="1164569" y="2624704"/>
+          <a:ext cx="375345" cy="0"/>
+        </a:xfrm>
+        <a:custGeom>
+          <a:avLst/>
+          <a:gdLst/>
+          <a:ahLst/>
+          <a:cxnLst/>
+          <a:rect l="0" t="0" r="0" b="0"/>
+          <a:pathLst>
+            <a:path>
+              <a:moveTo>
+                <a:pt x="0" y="0"/>
+              </a:moveTo>
+              <a:lnTo>
+                <a:pt x="375345" y="0"/>
+              </a:lnTo>
+            </a:path>
+          </a:pathLst>
+        </a:custGeom>
+        <a:noFill/>
+        <a:ln w="12700" cap="flat" cmpd="sng" algn="ctr">
+          <a:solidFill>
+            <a:schemeClr val="accent1">
+              <a:shade val="60000"/>
+              <a:hueOff val="0"/>
+              <a:satOff val="0"/>
+              <a:lumOff val="0"/>
+              <a:alphaOff val="0"/>
+            </a:schemeClr>
+          </a:solidFill>
+          <a:prstDash val="solid"/>
+          <a:miter lim="800000"/>
+        </a:ln>
+        <a:effectLst/>
+      </dsp:spPr>
+      <dsp:style>
+        <a:lnRef idx="2">
+          <a:scrgbClr r="0" g="0" b="0"/>
+        </a:lnRef>
+        <a:fillRef idx="0">
+          <a:scrgbClr r="0" g="0" b="0"/>
+        </a:fillRef>
+        <a:effectRef idx="0">
+          <a:scrgbClr r="0" g="0" b="0"/>
+        </a:effectRef>
+        <a:fontRef idx="minor"/>
+      </dsp:style>
+    </dsp:sp>
+    <dsp:sp modelId="{E7F4FA2B-DF63-4A35-998B-95DC2AE9BB72}">
+      <dsp:nvSpPr>
+        <dsp:cNvPr id="0" name=""/>
+        <dsp:cNvSpPr/>
+      </dsp:nvSpPr>
+      <dsp:spPr>
+        <a:xfrm>
+          <a:off x="88932" y="2254802"/>
+          <a:ext cx="1080643" cy="1080643"/>
+        </a:xfrm>
+        <a:prstGeom prst="roundRect">
+          <a:avLst/>
+        </a:prstGeom>
+        <a:solidFill>
+          <a:schemeClr val="lt1"/>
+        </a:solidFill>
+        <a:ln w="12700" cap="flat" cmpd="sng" algn="ctr">
+          <a:solidFill>
+            <a:schemeClr val="dk1"/>
+          </a:solidFill>
+          <a:prstDash val="solid"/>
+          <a:miter lim="800000"/>
+        </a:ln>
+        <a:effectLst>
+          <a:outerShdw blurRad="50800" dist="38100" dir="8100000" algn="tr" rotWithShape="0">
+            <a:prstClr val="black">
+              <a:alpha val="40000"/>
+            </a:prstClr>
+          </a:outerShdw>
+        </a:effectLst>
+      </dsp:spPr>
+      <dsp:style>
+        <a:lnRef idx="2">
+          <a:schemeClr val="dk1"/>
+        </a:lnRef>
+        <a:fillRef idx="1">
+          <a:schemeClr val="lt1"/>
+        </a:fillRef>
+        <a:effectRef idx="0">
+          <a:schemeClr val="dk1"/>
+        </a:effectRef>
+        <a:fontRef idx="minor">
+          <a:schemeClr val="dk1"/>
+        </a:fontRef>
+      </dsp:style>
+      <dsp:txBody>
+        <a:bodyPr spcFirstLastPara="0" vert="horz" wrap="square" lIns="63500" tIns="63500" rIns="63500" bIns="63500" numCol="1" spcCol="1270" anchor="ctr" anchorCtr="0">
+          <a:noAutofit/>
+        </a:bodyPr>
+        <a:lstStyle/>
+        <a:p>
+          <a:pPr marL="0" lvl="0" indent="0" algn="ctr" defTabSz="1111250">
+            <a:lnSpc>
+              <a:spcPct val="90000"/>
+            </a:lnSpc>
+            <a:spcBef>
+              <a:spcPct val="0"/>
+            </a:spcBef>
+            <a:spcAft>
+              <a:spcPct val="35000"/>
+            </a:spcAft>
+            <a:buNone/>
+          </a:pPr>
+          <a:r>
+            <a:rPr lang="fr-FR" sz="2500" kern="1200" dirty="0">
+              <a:solidFill>
+                <a:prstClr val="black"/>
+              </a:solidFill>
+              <a:latin typeface="Calibri" panose="020F0502020204030204"/>
+              <a:ea typeface="+mn-ea"/>
+              <a:cs typeface="+mn-cs"/>
+            </a:rPr>
+            <a:t>f1() {</a:t>
+          </a:r>
+        </a:p>
+        <a:p>
+          <a:pPr marL="0" lvl="0" indent="0" algn="ctr" defTabSz="1111250">
+            <a:lnSpc>
+              <a:spcPct val="90000"/>
+            </a:lnSpc>
+            <a:spcBef>
+              <a:spcPct val="0"/>
+            </a:spcBef>
+            <a:spcAft>
+              <a:spcPct val="35000"/>
+            </a:spcAft>
+            <a:buNone/>
+          </a:pPr>
+          <a:r>
+            <a:rPr lang="fr-FR" sz="2500" kern="1200" dirty="0">
+              <a:solidFill>
+                <a:prstClr val="black"/>
+              </a:solidFill>
+              <a:latin typeface="Calibri" panose="020F0502020204030204"/>
+              <a:ea typeface="+mn-ea"/>
+              <a:cs typeface="+mn-cs"/>
+            </a:rPr>
+            <a:t>}</a:t>
+          </a:r>
+        </a:p>
+      </dsp:txBody>
+      <dsp:txXfrm>
+        <a:off x="141685" y="2307555"/>
+        <a:ext cx="975137" cy="975137"/>
+      </dsp:txXfrm>
+    </dsp:sp>
+  </dsp:spTree>
+</dsp:drawing>
+</file>
+
 <file path=ppt/diagrams/layout1.xml><?xml version="1.0" encoding="utf-8"?>
 <dgm:layoutDef xmlns:dgm="http://schemas.openxmlformats.org/drawingml/2006/diagram" xmlns:a="http://schemas.openxmlformats.org/drawingml/2006/main" uniqueId="urn:microsoft.com/office/officeart/2005/8/layout/hProcess10">
   <dgm:title val=""/>
@@ -4879,6 +7734,3084 @@
 </dgm:layoutDef>
 </file>
 
+<file path=ppt/diagrams/layout3.xml><?xml version="1.0" encoding="utf-8"?>
+<dgm:layoutDef xmlns:dgm="http://schemas.openxmlformats.org/drawingml/2006/diagram" xmlns:a="http://schemas.openxmlformats.org/drawingml/2006/main" uniqueId="urn:microsoft.com/office/officeart/2008/layout/RadialCluster">
+  <dgm:title val=""/>
+  <dgm:desc val=""/>
+  <dgm:catLst>
+    <dgm:cat type="relationship" pri="19500"/>
+    <dgm:cat type="cycle" pri="15000"/>
+  </dgm:catLst>
+  <dgm:sampData>
+    <dgm:dataModel>
+      <dgm:ptLst>
+        <dgm:pt modelId="0" type="doc"/>
+        <dgm:pt modelId="1">
+          <dgm:prSet phldr="1"/>
+        </dgm:pt>
+        <dgm:pt modelId="11">
+          <dgm:prSet phldr="1"/>
+        </dgm:pt>
+        <dgm:pt modelId="12">
+          <dgm:prSet phldr="1"/>
+        </dgm:pt>
+        <dgm:pt modelId="13">
+          <dgm:prSet phldr="1"/>
+        </dgm:pt>
+      </dgm:ptLst>
+      <dgm:cxnLst>
+        <dgm:cxn modelId="2" srcId="0" destId="1" srcOrd="0" destOrd="0"/>
+        <dgm:cxn modelId="3" srcId="1" destId="11" srcOrd="0" destOrd="0"/>
+        <dgm:cxn modelId="4" srcId="1" destId="12" srcOrd="1" destOrd="0"/>
+        <dgm:cxn modelId="5" srcId="1" destId="13" srcOrd="2" destOrd="0"/>
+      </dgm:cxnLst>
+      <dgm:bg/>
+      <dgm:whole/>
+    </dgm:dataModel>
+  </dgm:sampData>
+  <dgm:styleData useDef="1">
+    <dgm:dataModel>
+      <dgm:ptLst/>
+      <dgm:bg/>
+      <dgm:whole/>
+    </dgm:dataModel>
+  </dgm:styleData>
+  <dgm:clrData useDef="1">
+    <dgm:dataModel>
+      <dgm:ptLst/>
+      <dgm:bg/>
+      <dgm:whole/>
+    </dgm:dataModel>
+  </dgm:clrData>
+  <dgm:layoutNode name="Name0">
+    <dgm:varLst>
+      <dgm:chMax val="1"/>
+      <dgm:chPref val="1"/>
+      <dgm:dir/>
+      <dgm:animOne val="branch"/>
+      <dgm:animLvl val="lvl"/>
+    </dgm:varLst>
+    <dgm:alg type="composite">
+      <dgm:param type="ar" val="1.00"/>
+    </dgm:alg>
+    <dgm:shape xmlns:r="http://schemas.openxmlformats.org/officeDocument/2006/relationships" r:blip="">
+      <dgm:adjLst/>
+    </dgm:shape>
+    <dgm:choose name="Name1">
+      <dgm:if name="Name2" func="var" arg="dir" op="equ" val="norm">
+        <dgm:choose name="Name3">
+          <dgm:if name="Name4" axis="ch ch" ptType="node node" cnt="1 0" func="cnt" op="equ" val="1">
+            <dgm:constrLst>
+              <dgm:constr type="l" for="ch" forName="textCenter"/>
+              <dgm:constr type="ctrY" for="ch" forName="textCenter" refType="h" fact="0.5"/>
+              <dgm:constr type="w" for="ch" forName="textCenter" refType="w" fact="0.32"/>
+              <dgm:constr type="h" for="ch" forName="textCenter" refType="w" refFor="ch" refForName="textCenter"/>
+              <dgm:constr type="r" for="ch" forName="cycle_1" refType="w"/>
+              <dgm:constr type="ctrY" for="ch" forName="cycle_1" refType="h" fact="0.5"/>
+              <dgm:constr type="w" for="ch" forName="cycle_1" refType="w" fact="0.56"/>
+              <dgm:constr type="h" for="ch" forName="cycle_1" refType="h"/>
+              <dgm:constr type="primFontSz" for="ch" forName="textCenter" val="65"/>
+              <dgm:constr type="primFontSz" for="des" forName="childCenter1" val="65"/>
+              <dgm:constr type="primFontSz" for="des" forName="text1" op="equ" val="65"/>
+              <dgm:constr type="userS" for="des" ptType="node" refType="w" refFor="ch" refForName="textCenter" fact="0.67"/>
+            </dgm:constrLst>
+          </dgm:if>
+          <dgm:if name="Name5" axis="ch ch" ptType="node node" cnt="1 0" func="cnt" op="equ" val="2">
+            <dgm:constrLst>
+              <dgm:constr type="ctrX" for="ch" forName="textCenter" refType="w" fact="0.5"/>
+              <dgm:constr type="ctrY" for="ch" forName="textCenter" refType="h" fact="0.5"/>
+              <dgm:constr type="w" for="ch" forName="textCenter" refType="w" fact="0.25"/>
+              <dgm:constr type="h" for="ch" forName="textCenter" refType="w" refFor="ch" refForName="textCenter"/>
+              <dgm:constr type="ctrX" for="ch" forName="cycle_1" refType="w" fact="0.5"/>
+              <dgm:constr type="t" for="ch" forName="cycle_1"/>
+              <dgm:constr type="w" for="ch" forName="cycle_1" refType="w"/>
+              <dgm:constr type="h" for="ch" forName="cycle_1" refType="h" fact="0.34"/>
+              <dgm:constr type="ctrX" for="ch" forName="cycle_2" refType="w" fact="0.5"/>
+              <dgm:constr type="b" for="ch" forName="cycle_2" refType="h"/>
+              <dgm:constr type="w" for="ch" forName="cycle_2" refType="w"/>
+              <dgm:constr type="h" for="ch" forName="cycle_2" refType="h" fact="0.34"/>
+              <dgm:constr type="primFontSz" for="ch" forName="textCenter" val="65"/>
+              <dgm:constr type="primFontSz" for="des" forName="childCenter1" val="65"/>
+              <dgm:constr type="primFontSz" for="des" forName="text1" op="equ" val="65"/>
+              <dgm:constr type="primFontSz" for="des" forName="childCenter2" refType="primFontSz" refFor="des" refForName="childCenter1" op="equ"/>
+              <dgm:constr type="primFontSz" for="des" forName="text2" refType="primFontSz" refFor="des" refForName="text1" op="equ"/>
+              <dgm:constr type="userS" for="des" ptType="node" refType="w" refFor="ch" refForName="textCenter" fact="0.67"/>
+            </dgm:constrLst>
+          </dgm:if>
+          <dgm:if name="Name6" axis="ch ch" ptType="node node" cnt="1 0" func="cnt" op="equ" val="3">
+            <dgm:choose name="Name7">
+              <dgm:if name="Name8" axis="ch ch ch" ptType="node node node" st="1 2 0" cnt="1 1 0" func="cnt" op="equ" val="1">
+                <dgm:choose name="Name9">
+                  <dgm:if name="Name10" axis="ch ch ch" ptType="node node node" st="1 3 0" cnt="1 1 0" func="cnt" op="equ" val="1">
+                    <dgm:constrLst>
+                      <dgm:constr type="ctrX" for="ch" forName="textCenter" refType="w" fact="0.5"/>
+                      <dgm:constr type="t" for="ch" forName="textCenter" refType="h" fact="0.436"/>
+                      <dgm:constr type="w" for="ch" forName="textCenter" refType="w" fact="0.21"/>
+                      <dgm:constr type="h" for="ch" forName="textCenter" refType="w" refFor="ch" refForName="textCenter"/>
+                      <dgm:constr type="ctrX" for="ch" forName="cycle_1" refType="w" fact="0.5"/>
+                      <dgm:constr type="t" for="ch" forName="cycle_1"/>
+                      <dgm:constr type="w" for="ch" forName="cycle_1" refType="w" fact="0.61"/>
+                      <dgm:constr type="h" for="ch" forName="cycle_1" refType="h" fact="0.36"/>
+                      <dgm:constr type="diam" for="ch" forName="cycle_1" refType="w" fact="0.5"/>
+                      <dgm:constr type="r" for="ch" forName="cycle_2" refType="w"/>
+                      <dgm:constr type="b" for="ch" forName="cycle_2" refType="h" fact="0.85"/>
+                      <dgm:constr type="w" for="ch" forName="cycle_2" refType="w" fact="0.46"/>
+                      <dgm:constr type="h" for="ch" forName="cycle_2" refType="h" fact="0.54"/>
+                      <dgm:constr type="diam" for="ch" forName="cycle_2" refType="w" fact="0.5"/>
+                      <dgm:constr type="l" for="ch" forName="cycle_3"/>
+                      <dgm:constr type="b" for="ch" forName="cycle_3" refType="h" fact="0.85"/>
+                      <dgm:constr type="w" for="ch" forName="cycle_3" refType="w" fact="0.46"/>
+                      <dgm:constr type="h" for="ch" forName="cycle_3" refType="h" fact="0.54"/>
+                      <dgm:constr type="diam" for="ch" forName="cycle_3" refType="w" fact="0.5"/>
+                      <dgm:constr type="primFontSz" for="ch" forName="textCenter" val="65"/>
+                      <dgm:constr type="primFontSz" for="des" forName="childCenter1" val="65"/>
+                      <dgm:constr type="primFontSz" for="des" forName="text1" op="equ" val="65"/>
+                      <dgm:constr type="primFontSz" for="des" forName="childCenter2" refType="primFontSz" refFor="des" refForName="childCenter1" op="equ"/>
+                      <dgm:constr type="primFontSz" for="des" forName="text2" refType="primFontSz" refFor="des" refForName="text1" op="equ"/>
+                      <dgm:constr type="primFontSz" for="des" forName="childCenter3" refType="primFontSz" refFor="des" refForName="childCenter1" op="equ"/>
+                      <dgm:constr type="primFontSz" for="des" forName="text3" refType="primFontSz" refFor="des" refForName="text1" op="equ"/>
+                      <dgm:constr type="userS" for="des" ptType="node" refType="w" refFor="ch" refForName="textCenter" fact="0.67"/>
+                    </dgm:constrLst>
+                  </dgm:if>
+                  <dgm:else name="Name11">
+                    <dgm:constrLst>
+                      <dgm:constr type="ctrX" for="ch" forName="textCenter" refType="w" fact="0.5"/>
+                      <dgm:constr type="t" for="ch" forName="textCenter" refType="h" fact="0.436"/>
+                      <dgm:constr type="w" for="ch" forName="textCenter" refType="w" fact="0.21"/>
+                      <dgm:constr type="h" for="ch" forName="textCenter" refType="w" refFor="ch" refForName="textCenter"/>
+                      <dgm:constr type="ctrX" for="ch" forName="cycle_1" refType="w" fact="0.5"/>
+                      <dgm:constr type="t" for="ch" forName="cycle_1"/>
+                      <dgm:constr type="w" for="ch" forName="cycle_1" refType="w" fact="0.61"/>
+                      <dgm:constr type="h" for="ch" forName="cycle_1" refType="h" fact="0.36"/>
+                      <dgm:constr type="diam" for="ch" forName="cycle_1" refType="w" fact="0.5"/>
+                      <dgm:constr type="r" for="ch" forName="cycle_2" refType="w"/>
+                      <dgm:constr type="b" for="ch" forName="cycle_2" refType="h" fact="0.85"/>
+                      <dgm:constr type="w" for="ch" forName="cycle_2" refType="w" fact="0.46"/>
+                      <dgm:constr type="h" for="ch" forName="cycle_2" refType="h" fact="0.54"/>
+                      <dgm:constr type="diam" for="ch" forName="cycle_2" refType="w" fact="0.5"/>
+                      <dgm:constr type="l" for="ch" forName="cycle_3"/>
+                      <dgm:constr type="b" for="ch" forName="cycle_3" refType="h"/>
+                      <dgm:constr type="w" for="ch" forName="cycle_3" refType="w" fact="0.46"/>
+                      <dgm:constr type="h" for="ch" forName="cycle_3" refType="h" fact="0.54"/>
+                      <dgm:constr type="diam" for="ch" forName="cycle_3" refType="w" fact="0.5"/>
+                      <dgm:constr type="primFontSz" for="ch" forName="textCenter" val="65"/>
+                      <dgm:constr type="primFontSz" for="des" forName="childCenter1" val="65"/>
+                      <dgm:constr type="primFontSz" for="des" forName="text1" op="equ" val="65"/>
+                      <dgm:constr type="primFontSz" for="des" forName="childCenter2" refType="primFontSz" refFor="des" refForName="childCenter1" op="equ"/>
+                      <dgm:constr type="primFontSz" for="des" forName="text2" refType="primFontSz" refFor="des" refForName="text1" op="equ"/>
+                      <dgm:constr type="primFontSz" for="des" forName="childCenter3" refType="primFontSz" refFor="des" refForName="childCenter1" op="equ"/>
+                      <dgm:constr type="primFontSz" for="des" forName="text3" refType="primFontSz" refFor="des" refForName="text1" op="equ"/>
+                      <dgm:constr type="userS" for="des" ptType="node" refType="w" refFor="ch" refForName="textCenter" fact="0.67"/>
+                    </dgm:constrLst>
+                  </dgm:else>
+                </dgm:choose>
+              </dgm:if>
+              <dgm:else name="Name12">
+                <dgm:choose name="Name13">
+                  <dgm:if name="Name14" axis="ch ch ch" ptType="node node node" st="1 3 0" cnt="1 1 0" func="cnt" op="equ" val="1">
+                    <dgm:constrLst>
+                      <dgm:constr type="ctrX" for="ch" forName="textCenter" refType="w" fact="0.5"/>
+                      <dgm:constr type="t" for="ch" forName="textCenter" refType="h" fact="0.436"/>
+                      <dgm:constr type="w" for="ch" forName="textCenter" refType="w" fact="0.21"/>
+                      <dgm:constr type="h" for="ch" forName="textCenter" refType="w" refFor="ch" refForName="textCenter"/>
+                      <dgm:constr type="ctrX" for="ch" forName="cycle_1" refType="w" fact="0.5"/>
+                      <dgm:constr type="t" for="ch" forName="cycle_1"/>
+                      <dgm:constr type="w" for="ch" forName="cycle_1" refType="w" fact="0.61"/>
+                      <dgm:constr type="h" for="ch" forName="cycle_1" refType="h" fact="0.36"/>
+                      <dgm:constr type="diam" for="ch" forName="cycle_1" refType="w" fact="0.5"/>
+                      <dgm:constr type="r" for="ch" forName="cycle_2" refType="w"/>
+                      <dgm:constr type="b" for="ch" forName="cycle_2" refType="h"/>
+                      <dgm:constr type="w" for="ch" forName="cycle_2" refType="w" fact="0.46"/>
+                      <dgm:constr type="h" for="ch" forName="cycle_2" refType="h" fact="0.54"/>
+                      <dgm:constr type="diam" for="ch" forName="cycle_2" refType="w" fact="0.5"/>
+                      <dgm:constr type="l" for="ch" forName="cycle_3"/>
+                      <dgm:constr type="b" for="ch" forName="cycle_3" refType="h" fact="0.85"/>
+                      <dgm:constr type="w" for="ch" forName="cycle_3" refType="w" fact="0.46"/>
+                      <dgm:constr type="h" for="ch" forName="cycle_3" refType="h" fact="0.54"/>
+                      <dgm:constr type="diam" for="ch" forName="cycle_3" refType="w" fact="0.5"/>
+                      <dgm:constr type="primFontSz" for="ch" forName="textCenter" val="65"/>
+                      <dgm:constr type="primFontSz" for="des" forName="childCenter1" val="65"/>
+                      <dgm:constr type="primFontSz" for="des" forName="text1" op="equ" val="65"/>
+                      <dgm:constr type="primFontSz" for="des" forName="childCenter2" refType="primFontSz" refFor="des" refForName="childCenter1" op="equ"/>
+                      <dgm:constr type="primFontSz" for="des" forName="text2" refType="primFontSz" refFor="des" refForName="text1" op="equ"/>
+                      <dgm:constr type="primFontSz" for="des" forName="childCenter3" refType="primFontSz" refFor="des" refForName="childCenter1" op="equ"/>
+                      <dgm:constr type="primFontSz" for="des" forName="text3" refType="primFontSz" refFor="des" refForName="text1" op="equ"/>
+                      <dgm:constr type="userS" for="des" ptType="node" refType="w" refFor="ch" refForName="textCenter" fact="0.67"/>
+                    </dgm:constrLst>
+                  </dgm:if>
+                  <dgm:else name="Name15">
+                    <dgm:constrLst>
+                      <dgm:constr type="ctrX" for="ch" forName="textCenter" refType="w" fact="0.5"/>
+                      <dgm:constr type="t" for="ch" forName="textCenter" refType="h" fact="0.436"/>
+                      <dgm:constr type="w" for="ch" forName="textCenter" refType="w" fact="0.21"/>
+                      <dgm:constr type="h" for="ch" forName="textCenter" refType="w" refFor="ch" refForName="textCenter"/>
+                      <dgm:constr type="ctrX" for="ch" forName="cycle_1" refType="w" fact="0.5"/>
+                      <dgm:constr type="t" for="ch" forName="cycle_1"/>
+                      <dgm:constr type="w" for="ch" forName="cycle_1" refType="w" fact="0.61"/>
+                      <dgm:constr type="h" for="ch" forName="cycle_1" refType="h" fact="0.36"/>
+                      <dgm:constr type="diam" for="ch" forName="cycle_1" refType="w" fact="0.5"/>
+                      <dgm:constr type="r" for="ch" forName="cycle_2" refType="w"/>
+                      <dgm:constr type="b" for="ch" forName="cycle_2" refType="h"/>
+                      <dgm:constr type="w" for="ch" forName="cycle_2" refType="w" fact="0.46"/>
+                      <dgm:constr type="h" for="ch" forName="cycle_2" refType="h" fact="0.54"/>
+                      <dgm:constr type="diam" for="ch" forName="cycle_2" refType="w" fact="0.5"/>
+                      <dgm:constr type="l" for="ch" forName="cycle_3"/>
+                      <dgm:constr type="b" for="ch" forName="cycle_3" refType="h"/>
+                      <dgm:constr type="w" for="ch" forName="cycle_3" refType="w" fact="0.46"/>
+                      <dgm:constr type="h" for="ch" forName="cycle_3" refType="h" fact="0.54"/>
+                      <dgm:constr type="diam" for="ch" forName="cycle_3" refType="w" fact="0.5"/>
+                      <dgm:constr type="primFontSz" for="ch" forName="textCenter" val="65"/>
+                      <dgm:constr type="primFontSz" for="des" forName="childCenter1" val="65"/>
+                      <dgm:constr type="primFontSz" for="des" forName="text1" op="equ" val="65"/>
+                      <dgm:constr type="primFontSz" for="des" forName="childCenter2" refType="primFontSz" refFor="des" refForName="childCenter1" op="equ"/>
+                      <dgm:constr type="primFontSz" for="des" forName="text2" refType="primFontSz" refFor="des" refForName="text1" op="equ"/>
+                      <dgm:constr type="primFontSz" for="des" forName="childCenter3" refType="primFontSz" refFor="des" refForName="childCenter1" op="equ"/>
+                      <dgm:constr type="primFontSz" for="des" forName="text3" refType="primFontSz" refFor="des" refForName="text1" op="equ"/>
+                      <dgm:constr type="userS" for="des" ptType="node" refType="w" refFor="ch" refForName="textCenter" fact="0.67"/>
+                    </dgm:constrLst>
+                  </dgm:else>
+                </dgm:choose>
+              </dgm:else>
+            </dgm:choose>
+          </dgm:if>
+          <dgm:if name="Name16" axis="ch ch" ptType="node node" cnt="1 0" func="cnt" op="equ" val="4">
+            <dgm:constrLst>
+              <dgm:constr type="ctrX" for="ch" forName="textCenter" refType="w" fact="0.5"/>
+              <dgm:constr type="ctrY" for="ch" forName="textCenter" refType="h" fact="0.5"/>
+              <dgm:constr type="w" for="ch" forName="textCenter" refType="w" fact="0.2"/>
+              <dgm:constr type="h" for="ch" forName="textCenter" refType="w" refFor="ch" refForName="textCenter"/>
+              <dgm:constr type="ctrX" for="ch" forName="cycle_1" refType="w" fact="0.5"/>
+              <dgm:constr type="t" for="ch" forName="cycle_1"/>
+              <dgm:constr type="w" for="ch" forName="cycle_1" refType="w" fact="0.5"/>
+              <dgm:constr type="h" for="ch" forName="cycle_1" refType="h" fact="0.33"/>
+              <dgm:constr type="r" for="ch" forName="cycle_2" refType="w"/>
+              <dgm:constr type="ctrY" for="ch" forName="cycle_2" refType="h" fact="0.5"/>
+              <dgm:constr type="w" for="ch" forName="cycle_2" refType="w" fact="0.33"/>
+              <dgm:constr type="h" for="ch" forName="cycle_2" refType="h" fact="0.5"/>
+              <dgm:constr type="ctrX" for="ch" forName="cycle_3" refType="w" fact="0.5"/>
+              <dgm:constr type="b" for="ch" forName="cycle_3" refType="h"/>
+              <dgm:constr type="w" for="ch" forName="cycle_3" refType="w" fact="0.5"/>
+              <dgm:constr type="h" for="ch" forName="cycle_3" refType="h" fact="0.33"/>
+              <dgm:constr type="l" for="ch" forName="cycle_4"/>
+              <dgm:constr type="ctrY" for="ch" forName="cycle_4" refType="h" fact="0.5"/>
+              <dgm:constr type="w" for="ch" forName="cycle_4" refType="w" fact="0.33"/>
+              <dgm:constr type="h" for="ch" forName="cycle_4" refType="h" fact="0.5"/>
+              <dgm:constr type="primFontSz" for="ch" forName="textCenter" val="65"/>
+              <dgm:constr type="primFontSz" for="des" forName="childCenter1" val="65"/>
+              <dgm:constr type="primFontSz" for="des" forName="text1" op="equ" val="65"/>
+              <dgm:constr type="primFontSz" for="des" forName="childCenter2" refType="primFontSz" refFor="des" refForName="childCenter1" op="equ"/>
+              <dgm:constr type="primFontSz" for="des" forName="text2" refType="primFontSz" refFor="des" refForName="text1" op="equ"/>
+              <dgm:constr type="primFontSz" for="des" forName="childCenter3" refType="primFontSz" refFor="des" refForName="childCenter1" op="equ"/>
+              <dgm:constr type="primFontSz" for="des" forName="text3" refType="primFontSz" refFor="des" refForName="text1" op="equ"/>
+              <dgm:constr type="primFontSz" for="des" forName="childCenter4" refType="primFontSz" refFor="des" refForName="childCenter1" op="equ"/>
+              <dgm:constr type="primFontSz" for="des" forName="text4" refType="primFontSz" refFor="des" refForName="text1" op="equ"/>
+              <dgm:constr type="userS" for="des" ptType="node" refType="w" refFor="ch" refForName="textCenter" fact="0.67"/>
+            </dgm:constrLst>
+          </dgm:if>
+          <dgm:if name="Name17" axis="ch ch" ptType="node node" cnt="1 0" func="cnt" op="equ" val="5">
+            <dgm:constrLst>
+              <dgm:constr type="ctrX" for="ch" forName="textCenter" refType="w" fact="0.5"/>
+              <dgm:constr type="t" for="ch" forName="textCenter" refType="h" fact="0.42"/>
+              <dgm:constr type="w" for="ch" forName="textCenter" refType="w" fact="0.2"/>
+              <dgm:constr type="h" for="ch" forName="textCenter" refType="w" refFor="ch" refForName="textCenter"/>
+              <dgm:constr type="ctrX" for="ch" forName="cycle_1" refType="w" fact="0.5"/>
+              <dgm:constr type="t" for="ch" forName="cycle_1"/>
+              <dgm:constr type="w" for="ch" forName="cycle_1" refType="w" fact="0.33"/>
+              <dgm:constr type="h" for="ch" forName="cycle_1" refType="w" refFor="ch" refForName="cycle_1"/>
+              <dgm:constr type="r" for="ch" forName="cycle_2" refType="w"/>
+              <dgm:constr type="t" for="ch" forName="cycle_2" refType="h" fact="0.24"/>
+              <dgm:constr type="w" for="ch" forName="cycle_2" refType="w" fact="0.33"/>
+              <dgm:constr type="h" for="ch" forName="cycle_2" refType="w" refFor="ch" refForName="cycle_2"/>
+              <dgm:constr type="r" for="ch" forName="cycle_3" refType="w" fact="0.89"/>
+              <dgm:constr type="b" for="ch" forName="cycle_3" refType="h"/>
+              <dgm:constr type="w" for="ch" forName="cycle_3" refType="w" fact="0.33"/>
+              <dgm:constr type="h" for="ch" forName="cycle_3" refType="w" refFor="ch" refForName="cycle_3"/>
+              <dgm:constr type="l" for="ch" forName="cycle_4" refType="w" fact="0.11"/>
+              <dgm:constr type="b" for="ch" forName="cycle_4" refType="h"/>
+              <dgm:constr type="w" for="ch" forName="cycle_4" refType="w" fact="0.33"/>
+              <dgm:constr type="h" for="ch" forName="cycle_4" refType="w" refFor="ch" refForName="cycle_4"/>
+              <dgm:constr type="l" for="ch" forName="cycle_5"/>
+              <dgm:constr type="t" for="ch" forName="cycle_5" refType="h" fact="0.24"/>
+              <dgm:constr type="w" for="ch" forName="cycle_5" refType="w" fact="0.33"/>
+              <dgm:constr type="h" for="ch" forName="cycle_5" refType="w" refFor="ch" refForName="cycle_5"/>
+              <dgm:constr type="primFontSz" for="ch" forName="textCenter" val="65"/>
+              <dgm:constr type="primFontSz" for="des" forName="childCenter1" val="65"/>
+              <dgm:constr type="primFontSz" for="des" forName="text1" op="equ" val="65"/>
+              <dgm:constr type="primFontSz" for="des" forName="childCenter2" refType="primFontSz" refFor="des" refForName="childCenter1" op="equ"/>
+              <dgm:constr type="primFontSz" for="des" forName="text2" refType="primFontSz" refFor="des" refForName="text1" op="equ"/>
+              <dgm:constr type="primFontSz" for="des" forName="childCenter3" refType="primFontSz" refFor="des" refForName="childCenter1" op="equ"/>
+              <dgm:constr type="primFontSz" for="des" forName="text3" refType="primFontSz" refFor="des" refForName="text1" op="equ"/>
+              <dgm:constr type="primFontSz" for="des" forName="childCenter4" refType="primFontSz" refFor="des" refForName="childCenter1" op="equ"/>
+              <dgm:constr type="primFontSz" for="des" forName="text4" refType="primFontSz" refFor="des" refForName="text1" op="equ"/>
+              <dgm:constr type="primFontSz" for="des" forName="childCenter5" refType="primFontSz" refFor="des" refForName="childCenter1" op="equ"/>
+              <dgm:constr type="primFontSz" for="des" forName="text5" refType="primFontSz" refFor="des" refForName="text1" op="equ"/>
+              <dgm:constr type="userS" for="des" ptType="node" refType="w" refFor="ch" refForName="textCenter" fact="0.67"/>
+            </dgm:constrLst>
+          </dgm:if>
+          <dgm:if name="Name18" axis="ch ch" ptType="node node" cnt="1 0" func="cnt" op="equ" val="6">
+            <dgm:constrLst>
+              <dgm:constr type="ctrX" for="ch" forName="textCenter" refType="w" fact="0.5"/>
+              <dgm:constr type="ctrY" for="ch" forName="textCenter" refType="h" fact="0.5"/>
+              <dgm:constr type="w" for="ch" forName="textCenter" refType="w" fact="0.2"/>
+              <dgm:constr type="h" for="ch" forName="textCenter" refType="w" refFor="ch" refForName="textCenter"/>
+              <dgm:constr type="ctrX" for="ch" forName="cycle_1" refType="w" fact="0.5"/>
+              <dgm:constr type="t" for="ch" forName="cycle_1"/>
+              <dgm:constr type="w" for="ch" forName="cycle_1" refType="w" fact="0.33"/>
+              <dgm:constr type="h" for="ch" forName="cycle_1" refType="w" refFor="ch" refForName="cycle_1"/>
+              <dgm:constr type="r" for="ch" forName="cycle_2" refType="w"/>
+              <dgm:constr type="t" for="ch" forName="cycle_2" refType="h" fact="0.17"/>
+              <dgm:constr type="w" for="ch" forName="cycle_2" refType="w" fact="0.33"/>
+              <dgm:constr type="h" for="ch" forName="cycle_2" refType="w" refFor="ch" refForName="cycle_2"/>
+              <dgm:constr type="r" for="ch" forName="cycle_3" refType="w"/>
+              <dgm:constr type="b" for="ch" forName="cycle_3" refType="h" fact="0.83"/>
+              <dgm:constr type="w" for="ch" forName="cycle_3" refType="w" fact="0.33"/>
+              <dgm:constr type="h" for="ch" forName="cycle_3" refType="w" refFor="ch" refForName="cycle_3"/>
+              <dgm:constr type="ctrX" for="ch" forName="cycle_4" refType="w" fact="0.5"/>
+              <dgm:constr type="b" for="ch" forName="cycle_4" refType="h"/>
+              <dgm:constr type="w" for="ch" forName="cycle_4" refType="w" fact="0.33"/>
+              <dgm:constr type="h" for="ch" forName="cycle_4" refType="w" refFor="ch" refForName="cycle_4"/>
+              <dgm:constr type="l" for="ch" forName="cycle_5"/>
+              <dgm:constr type="b" for="ch" forName="cycle_5" refType="h" fact="0.83"/>
+              <dgm:constr type="w" for="ch" forName="cycle_5" refType="w" fact="0.33"/>
+              <dgm:constr type="h" for="ch" forName="cycle_5" refType="w" refFor="ch" refForName="cycle_5"/>
+              <dgm:constr type="l" for="ch" forName="cycle_6"/>
+              <dgm:constr type="t" for="ch" forName="cycle_6" refType="h" fact="0.17"/>
+              <dgm:constr type="w" for="ch" forName="cycle_6" refType="w" fact="0.33"/>
+              <dgm:constr type="h" for="ch" forName="cycle_6" refType="w" refFor="ch" refForName="cycle_6"/>
+              <dgm:constr type="primFontSz" for="ch" forName="textCenter" val="65"/>
+              <dgm:constr type="primFontSz" for="des" forName="childCenter1" val="65"/>
+              <dgm:constr type="primFontSz" for="des" forName="text1" op="equ" val="65"/>
+              <dgm:constr type="primFontSz" for="des" forName="childCenter2" refType="primFontSz" refFor="des" refForName="childCenter1" op="equ"/>
+              <dgm:constr type="primFontSz" for="des" forName="text2" refType="primFontSz" refFor="des" refForName="text1" op="equ"/>
+              <dgm:constr type="primFontSz" for="des" forName="childCenter3" refType="primFontSz" refFor="des" refForName="childCenter1" op="equ"/>
+              <dgm:constr type="primFontSz" for="des" forName="text3" refType="primFontSz" refFor="des" refForName="text1" op="equ"/>
+              <dgm:constr type="primFontSz" for="des" forName="childCenter4" refType="primFontSz" refFor="des" refForName="childCenter1" op="equ"/>
+              <dgm:constr type="primFontSz" for="des" forName="text4" refType="primFontSz" refFor="des" refForName="text1" op="equ"/>
+              <dgm:constr type="primFontSz" for="des" forName="childCenter5" refType="primFontSz" refFor="des" refForName="childCenter1" op="equ"/>
+              <dgm:constr type="primFontSz" for="des" forName="text5" refType="primFontSz" refFor="des" refForName="text1" op="equ"/>
+              <dgm:constr type="primFontSz" for="des" forName="childCenter6" refType="primFontSz" refFor="des" refForName="childCenter1" op="equ"/>
+              <dgm:constr type="primFontSz" for="des" forName="text6" refType="primFontSz" refFor="des" refForName="text1" op="equ"/>
+              <dgm:constr type="userS" for="des" ptType="node" refType="w" refFor="ch" refForName="textCenter" fact="0.67"/>
+            </dgm:constrLst>
+          </dgm:if>
+          <dgm:else name="Name19">
+            <dgm:constrLst>
+              <dgm:constr type="ctrX" for="ch" forName="textCenter" refType="w" fact="0.5"/>
+              <dgm:constr type="t" for="ch" forName="textCenter" refType="h" fact="0.444"/>
+              <dgm:constr type="w" for="ch" forName="textCenter" refType="w" fact="0.167"/>
+              <dgm:constr type="h" for="ch" forName="textCenter" refType="w" refFor="ch" refForName="textCenter"/>
+              <dgm:constr type="ctrX" for="ch" forName="cycle_1" refType="w" fact="0.5"/>
+              <dgm:constr type="t" for="ch" forName="cycle_1"/>
+              <dgm:constr type="w" for="ch" forName="cycle_1" refType="w" fact="0.263"/>
+              <dgm:constr type="h" for="ch" forName="cycle_1" refType="w" refFor="ch" refForName="cycle_1"/>
+              <dgm:constr type="r" for="ch" forName="cycle_2" refType="w" fact="0.938"/>
+              <dgm:constr type="t" for="ch" forName="cycle_2" refType="h" fact="0.141"/>
+              <dgm:constr type="w" for="ch" forName="cycle_2" refType="w" fact="0.263"/>
+              <dgm:constr type="h" for="ch" forName="cycle_2" refType="w" refFor="ch" refForName="cycle_2"/>
+              <dgm:constr type="r" for="ch" forName="cycle_3" refType="w"/>
+              <dgm:constr type="b" for="ch" forName="cycle_3" refType="h" fact="0.74"/>
+              <dgm:constr type="w" for="ch" forName="cycle_3" refType="w" fact="0.263"/>
+              <dgm:constr type="h" for="ch" forName="cycle_3" refType="w" refFor="ch" refForName="cycle_3"/>
+              <dgm:constr type="r" for="ch" forName="cycle_4" refType="w" fact="0.8"/>
+              <dgm:constr type="b" for="ch" forName="cycle_4" refType="h"/>
+              <dgm:constr type="w" for="ch" forName="cycle_4" refType="w" fact="0.263"/>
+              <dgm:constr type="h" for="ch" forName="cycle_4" refType="w" refFor="ch" refForName="cycle_4"/>
+              <dgm:constr type="l" for="ch" forName="cycle_5" refType="w" fact="0.2"/>
+              <dgm:constr type="b" for="ch" forName="cycle_5" refType="h"/>
+              <dgm:constr type="w" for="ch" forName="cycle_5" refType="w" fact="0.263"/>
+              <dgm:constr type="h" for="ch" forName="cycle_5" refType="w" refFor="ch" refForName="cycle_5"/>
+              <dgm:constr type="l" for="ch" forName="cycle_6"/>
+              <dgm:constr type="b" for="ch" forName="cycle_6" refType="h" fact="0.74"/>
+              <dgm:constr type="w" for="ch" forName="cycle_6" refType="w" fact="0.263"/>
+              <dgm:constr type="h" for="ch" forName="cycle_6" refType="w" refFor="ch" refForName="cycle_6"/>
+              <dgm:constr type="l" for="ch" forName="cycle_7" refType="w" fact="0.062"/>
+              <dgm:constr type="t" for="ch" forName="cycle_7" refType="h" fact="0.141"/>
+              <dgm:constr type="w" for="ch" forName="cycle_7" refType="w" fact="0.263"/>
+              <dgm:constr type="h" for="ch" forName="cycle_7" refType="w" refFor="ch" refForName="cycle_7"/>
+              <dgm:constr type="primFontSz" for="ch" forName="textCenter" val="65"/>
+              <dgm:constr type="primFontSz" for="des" forName="childCenter1" val="65"/>
+              <dgm:constr type="primFontSz" for="des" forName="text1" op="equ" val="65"/>
+              <dgm:constr type="primFontSz" for="des" forName="childCenter2" refType="primFontSz" refFor="des" refForName="childCenter1" op="equ"/>
+              <dgm:constr type="primFontSz" for="des" forName="text2" refType="primFontSz" refFor="des" refForName="text1" op="equ"/>
+              <dgm:constr type="primFontSz" for="des" forName="childCenter3" refType="primFontSz" refFor="des" refForName="childCenter1" op="equ"/>
+              <dgm:constr type="primFontSz" for="des" forName="text3" refType="primFontSz" refFor="des" refForName="text1" op="equ"/>
+              <dgm:constr type="primFontSz" for="des" forName="childCenter4" refType="primFontSz" refFor="des" refForName="childCenter1" op="equ"/>
+              <dgm:constr type="primFontSz" for="des" forName="text4" refType="primFontSz" refFor="des" refForName="text1" op="equ"/>
+              <dgm:constr type="primFontSz" for="des" forName="childCenter5" refType="primFontSz" refFor="des" refForName="childCenter1" op="equ"/>
+              <dgm:constr type="primFontSz" for="des" forName="text5" refType="primFontSz" refFor="des" refForName="text1" op="equ"/>
+              <dgm:constr type="primFontSz" for="des" forName="childCenter6" refType="primFontSz" refFor="des" refForName="childCenter1" op="equ"/>
+              <dgm:constr type="primFontSz" for="des" forName="text6" refType="primFontSz" refFor="des" refForName="text1" op="equ"/>
+              <dgm:constr type="primFontSz" for="des" forName="childCenter7" refType="primFontSz" refFor="des" refForName="childCenter1" op="equ"/>
+              <dgm:constr type="primFontSz" for="des" forName="text7" refType="primFontSz" refFor="des" refForName="text1" op="equ"/>
+              <dgm:constr type="userS" for="des" ptType="node" refType="w" refFor="ch" refForName="textCenter" fact="0.67"/>
+            </dgm:constrLst>
+          </dgm:else>
+        </dgm:choose>
+      </dgm:if>
+      <dgm:else name="Name20">
+        <dgm:choose name="Name21">
+          <dgm:if name="Name22" axis="ch ch" ptType="node node" func="cnt" op="equ" val="1">
+            <dgm:constrLst>
+              <dgm:constr type="r" for="ch" forName="textCenter" refType="w"/>
+              <dgm:constr type="ctrY" for="ch" forName="textCenter" refType="h" fact="0.5"/>
+              <dgm:constr type="w" for="ch" forName="textCenter" refType="w" fact="0.32"/>
+              <dgm:constr type="h" for="ch" forName="textCenter" refType="w" refFor="ch" refForName="textCenter"/>
+              <dgm:constr type="l" for="ch" forName="cycle_1"/>
+              <dgm:constr type="ctrY" for="ch" forName="cycle_1" refType="h" fact="0.5"/>
+              <dgm:constr type="w" for="ch" forName="cycle_1" refType="w" fact="0.56"/>
+              <dgm:constr type="h" for="ch" forName="cycle_1" refType="h"/>
+              <dgm:constr type="primFontSz" for="ch" forName="textCenter" val="65"/>
+              <dgm:constr type="primFontSz" for="des" forName="childCenter1" val="65"/>
+              <dgm:constr type="primFontSz" for="des" forName="text1" op="equ" val="65"/>
+              <dgm:constr type="userS" for="des" ptType="node" refType="w" refFor="ch" refForName="textCenter" fact="0.67"/>
+            </dgm:constrLst>
+          </dgm:if>
+          <dgm:if name="Name23" axis="ch ch" ptType="node node" func="cnt" op="equ" val="2">
+            <dgm:constrLst>
+              <dgm:constr type="ctrX" for="ch" forName="textCenter" refType="w" fact="0.5"/>
+              <dgm:constr type="ctrY" for="ch" forName="textCenter" refType="h" fact="0.5"/>
+              <dgm:constr type="w" for="ch" forName="textCenter" refType="w" fact="0.25"/>
+              <dgm:constr type="h" for="ch" forName="textCenter" refType="w" refFor="ch" refForName="textCenter"/>
+              <dgm:constr type="ctrX" for="ch" forName="cycle_1" refType="w" fact="0.5"/>
+              <dgm:constr type="t" for="ch" forName="cycle_1"/>
+              <dgm:constr type="w" for="ch" forName="cycle_1" refType="w"/>
+              <dgm:constr type="h" for="ch" forName="cycle_1" refType="h" fact="0.34"/>
+              <dgm:constr type="ctrX" for="ch" forName="cycle_2" refType="w" fact="0.5"/>
+              <dgm:constr type="b" for="ch" forName="cycle_2" refType="h"/>
+              <dgm:constr type="w" for="ch" forName="cycle_2" refType="w"/>
+              <dgm:constr type="h" for="ch" forName="cycle_2" refType="h" fact="0.34"/>
+              <dgm:constr type="primFontSz" for="ch" forName="textCenter" val="65"/>
+              <dgm:constr type="primFontSz" for="des" forName="childCenter1" val="65"/>
+              <dgm:constr type="primFontSz" for="des" forName="text1" op="equ" val="65"/>
+              <dgm:constr type="primFontSz" for="des" forName="childCenter2" refType="primFontSz" refFor="des" refForName="childCenter1" op="equ"/>
+              <dgm:constr type="primFontSz" for="des" forName="text2" refType="primFontSz" refFor="des" refForName="text1" op="equ"/>
+              <dgm:constr type="userS" for="des" ptType="node" refType="w" refFor="ch" refForName="textCenter" fact="0.67"/>
+            </dgm:constrLst>
+          </dgm:if>
+          <dgm:if name="Name24" axis="ch ch" ptType="node node" func="cnt" op="equ" val="3">
+            <dgm:choose name="Name25">
+              <dgm:if name="Name26" axis="ch ch ch" ptType="node node node" st="1 2 0" cnt="1 1 0" func="cnt" op="equ" val="1">
+                <dgm:choose name="Name27">
+                  <dgm:if name="Name28" axis="ch ch ch" ptType="node node node" st="1 3 0" cnt="1 1 0" func="cnt" op="equ" val="1">
+                    <dgm:constrLst>
+                      <dgm:constr type="ctrX" for="ch" forName="textCenter" refType="w" fact="0.5"/>
+                      <dgm:constr type="t" for="ch" forName="textCenter" refType="h" fact="0.436"/>
+                      <dgm:constr type="w" for="ch" forName="textCenter" refType="w" fact="0.21"/>
+                      <dgm:constr type="h" for="ch" forName="textCenter" refType="w" refFor="ch" refForName="textCenter"/>
+                      <dgm:constr type="ctrX" for="ch" forName="cycle_1" refType="w" fact="0.5"/>
+                      <dgm:constr type="t" for="ch" forName="cycle_1"/>
+                      <dgm:constr type="w" for="ch" forName="cycle_1" refType="w" fact="0.61"/>
+                      <dgm:constr type="h" for="ch" forName="cycle_1" refType="h" fact="0.36"/>
+                      <dgm:constr type="diam" for="ch" forName="cycle_1" refType="w" fact="0.5"/>
+                      <dgm:constr type="l" for="ch" forName="cycle_2"/>
+                      <dgm:constr type="b" for="ch" forName="cycle_2" refType="h" fact="0.85"/>
+                      <dgm:constr type="w" for="ch" forName="cycle_2" refType="w" fact="0.46"/>
+                      <dgm:constr type="h" for="ch" forName="cycle_2" refType="h" fact="0.54"/>
+                      <dgm:constr type="diam" for="ch" forName="cycle_2" refType="w" fact="0.5"/>
+                      <dgm:constr type="r" for="ch" forName="cycle_3" refType="w"/>
+                      <dgm:constr type="b" for="ch" forName="cycle_3" refType="h" fact="0.85"/>
+                      <dgm:constr type="w" for="ch" forName="cycle_3" refType="w" fact="0.46"/>
+                      <dgm:constr type="h" for="ch" forName="cycle_3" refType="h" fact="0.54"/>
+                      <dgm:constr type="diam" for="ch" forName="cycle_3" refType="w" fact="0.5"/>
+                      <dgm:constr type="primFontSz" for="ch" forName="textCenter" val="65"/>
+                      <dgm:constr type="primFontSz" for="des" forName="childCenter1" val="65"/>
+                      <dgm:constr type="primFontSz" for="des" forName="text1" op="equ" val="65"/>
+                      <dgm:constr type="primFontSz" for="des" forName="childCenter2" refType="primFontSz" refFor="des" refForName="childCenter1" op="equ"/>
+                      <dgm:constr type="primFontSz" for="des" forName="text2" refType="primFontSz" refFor="des" refForName="text1" op="equ"/>
+                      <dgm:constr type="primFontSz" for="des" forName="childCenter3" refType="primFontSz" refFor="des" refForName="childCenter1" op="equ"/>
+                      <dgm:constr type="primFontSz" for="des" forName="text3" refType="primFontSz" refFor="des" refForName="text1" op="equ"/>
+                      <dgm:constr type="userS" for="des" ptType="node" refType="w" refFor="ch" refForName="textCenter" fact="0.67"/>
+                    </dgm:constrLst>
+                  </dgm:if>
+                  <dgm:else name="Name29">
+                    <dgm:constrLst>
+                      <dgm:constr type="ctrX" for="ch" forName="textCenter" refType="w" fact="0.5"/>
+                      <dgm:constr type="t" for="ch" forName="textCenter" refType="h" fact="0.436"/>
+                      <dgm:constr type="w" for="ch" forName="textCenter" refType="w" fact="0.21"/>
+                      <dgm:constr type="h" for="ch" forName="textCenter" refType="w" refFor="ch" refForName="textCenter"/>
+                      <dgm:constr type="ctrX" for="ch" forName="cycle_1" refType="w" fact="0.5"/>
+                      <dgm:constr type="t" for="ch" forName="cycle_1"/>
+                      <dgm:constr type="w" for="ch" forName="cycle_1" refType="w" fact="0.61"/>
+                      <dgm:constr type="h" for="ch" forName="cycle_1" refType="h" fact="0.36"/>
+                      <dgm:constr type="diam" for="ch" forName="cycle_1" refType="w" fact="0.5"/>
+                      <dgm:constr type="l" for="ch" forName="cycle_2"/>
+                      <dgm:constr type="b" for="ch" forName="cycle_2" refType="h" fact="0.85"/>
+                      <dgm:constr type="w" for="ch" forName="cycle_2" refType="w" fact="0.46"/>
+                      <dgm:constr type="h" for="ch" forName="cycle_2" refType="h" fact="0.54"/>
+                      <dgm:constr type="diam" for="ch" forName="cycle_2" refType="w" fact="0.5"/>
+                      <dgm:constr type="r" for="ch" forName="cycle_3" refType="w"/>
+                      <dgm:constr type="b" for="ch" forName="cycle_3" refType="h"/>
+                      <dgm:constr type="w" for="ch" forName="cycle_3" refType="w" fact="0.46"/>
+                      <dgm:constr type="h" for="ch" forName="cycle_3" refType="h" fact="0.54"/>
+                      <dgm:constr type="diam" for="ch" forName="cycle_3" refType="w" fact="0.5"/>
+                      <dgm:constr type="primFontSz" for="ch" forName="textCenter" val="65"/>
+                      <dgm:constr type="primFontSz" for="des" forName="childCenter1" val="65"/>
+                      <dgm:constr type="primFontSz" for="des" forName="text1" op="equ" val="65"/>
+                      <dgm:constr type="primFontSz" for="des" forName="childCenter2" refType="primFontSz" refFor="des" refForName="childCenter1" op="equ"/>
+                      <dgm:constr type="primFontSz" for="des" forName="text2" refType="primFontSz" refFor="des" refForName="text1" op="equ"/>
+                      <dgm:constr type="primFontSz" for="des" forName="childCenter3" refType="primFontSz" refFor="des" refForName="childCenter1" op="equ"/>
+                      <dgm:constr type="primFontSz" for="des" forName="text3" refType="primFontSz" refFor="des" refForName="text1" op="equ"/>
+                      <dgm:constr type="userS" for="des" ptType="node" refType="w" refFor="ch" refForName="textCenter" fact="0.67"/>
+                    </dgm:constrLst>
+                  </dgm:else>
+                </dgm:choose>
+              </dgm:if>
+              <dgm:else name="Name30">
+                <dgm:choose name="Name31">
+                  <dgm:if name="Name32" axis="ch ch ch" ptType="node node node" st="1 3 0" cnt="1 1 0" func="cnt" op="equ" val="1">
+                    <dgm:constrLst>
+                      <dgm:constr type="ctrX" for="ch" forName="textCenter" refType="w" fact="0.5"/>
+                      <dgm:constr type="t" for="ch" forName="textCenter" refType="h" fact="0.436"/>
+                      <dgm:constr type="w" for="ch" forName="textCenter" refType="w" fact="0.21"/>
+                      <dgm:constr type="h" for="ch" forName="textCenter" refType="w" refFor="ch" refForName="textCenter"/>
+                      <dgm:constr type="ctrX" for="ch" forName="cycle_1" refType="w" fact="0.5"/>
+                      <dgm:constr type="t" for="ch" forName="cycle_1"/>
+                      <dgm:constr type="w" for="ch" forName="cycle_1" refType="w" fact="0.61"/>
+                      <dgm:constr type="h" for="ch" forName="cycle_1" refType="h" fact="0.36"/>
+                      <dgm:constr type="diam" for="ch" forName="cycle_1" refType="w" fact="0.5"/>
+                      <dgm:constr type="l" for="ch" forName="cycle_2"/>
+                      <dgm:constr type="b" for="ch" forName="cycle_2" refType="h"/>
+                      <dgm:constr type="w" for="ch" forName="cycle_2" refType="w" fact="0.46"/>
+                      <dgm:constr type="h" for="ch" forName="cycle_2" refType="h" fact="0.54"/>
+                      <dgm:constr type="diam" for="ch" forName="cycle_2" refType="w" fact="0.5"/>
+                      <dgm:constr type="r" for="ch" forName="cycle_3" refType="w"/>
+                      <dgm:constr type="b" for="ch" forName="cycle_3" refType="h" fact="0.85"/>
+                      <dgm:constr type="w" for="ch" forName="cycle_3" refType="w" fact="0.46"/>
+                      <dgm:constr type="h" for="ch" forName="cycle_3" refType="h" fact="0.54"/>
+                      <dgm:constr type="diam" for="ch" forName="cycle_3" refType="w" fact="0.5"/>
+                      <dgm:constr type="primFontSz" for="ch" forName="textCenter" val="65"/>
+                      <dgm:constr type="primFontSz" for="des" forName="childCenter1" val="65"/>
+                      <dgm:constr type="primFontSz" for="des" forName="text1" op="equ" val="65"/>
+                      <dgm:constr type="primFontSz" for="des" forName="childCenter2" refType="primFontSz" refFor="des" refForName="childCenter1" op="equ"/>
+                      <dgm:constr type="primFontSz" for="des" forName="text2" refType="primFontSz" refFor="des" refForName="text1" op="equ"/>
+                      <dgm:constr type="primFontSz" for="des" forName="childCenter3" refType="primFontSz" refFor="des" refForName="childCenter1" op="equ"/>
+                      <dgm:constr type="primFontSz" for="des" forName="text3" refType="primFontSz" refFor="des" refForName="text1" op="equ"/>
+                      <dgm:constr type="userS" for="des" ptType="node" refType="w" refFor="ch" refForName="textCenter" fact="0.67"/>
+                    </dgm:constrLst>
+                  </dgm:if>
+                  <dgm:else name="Name33">
+                    <dgm:constrLst>
+                      <dgm:constr type="ctrX" for="ch" forName="textCenter" refType="w" fact="0.5"/>
+                      <dgm:constr type="t" for="ch" forName="textCenter" refType="h" fact="0.436"/>
+                      <dgm:constr type="w" for="ch" forName="textCenter" refType="w" fact="0.21"/>
+                      <dgm:constr type="h" for="ch" forName="textCenter" refType="w" refFor="ch" refForName="textCenter"/>
+                      <dgm:constr type="ctrX" for="ch" forName="cycle_1" refType="w" fact="0.5"/>
+                      <dgm:constr type="t" for="ch" forName="cycle_1"/>
+                      <dgm:constr type="w" for="ch" forName="cycle_1" refType="w" fact="0.61"/>
+                      <dgm:constr type="h" for="ch" forName="cycle_1" refType="h" fact="0.36"/>
+                      <dgm:constr type="diam" for="ch" forName="cycle_1" refType="w" fact="0.5"/>
+                      <dgm:constr type="l" for="ch" forName="cycle_2"/>
+                      <dgm:constr type="b" for="ch" forName="cycle_2" refType="h"/>
+                      <dgm:constr type="w" for="ch" forName="cycle_2" refType="w" fact="0.46"/>
+                      <dgm:constr type="h" for="ch" forName="cycle_2" refType="h" fact="0.54"/>
+                      <dgm:constr type="diam" for="ch" forName="cycle_2" refType="w" fact="0.5"/>
+                      <dgm:constr type="r" for="ch" forName="cycle_3" refType="w"/>
+                      <dgm:constr type="b" for="ch" forName="cycle_3" refType="h"/>
+                      <dgm:constr type="w" for="ch" forName="cycle_3" refType="w" fact="0.46"/>
+                      <dgm:constr type="h" for="ch" forName="cycle_3" refType="h" fact="0.54"/>
+                      <dgm:constr type="diam" for="ch" forName="cycle_3" refType="w" fact="0.5"/>
+                      <dgm:constr type="primFontSz" for="ch" forName="textCenter" val="65"/>
+                      <dgm:constr type="primFontSz" for="des" forName="childCenter1" val="65"/>
+                      <dgm:constr type="primFontSz" for="des" forName="text1" op="equ" val="65"/>
+                      <dgm:constr type="primFontSz" for="des" forName="childCenter2" refType="primFontSz" refFor="des" refForName="childCenter1" op="equ"/>
+                      <dgm:constr type="primFontSz" for="des" forName="text2" refType="primFontSz" refFor="des" refForName="text1" op="equ"/>
+                      <dgm:constr type="primFontSz" for="des" forName="childCenter3" refType="primFontSz" refFor="des" refForName="childCenter1" op="equ"/>
+                      <dgm:constr type="primFontSz" for="des" forName="text3" refType="primFontSz" refFor="des" refForName="text1" op="equ"/>
+                      <dgm:constr type="userS" for="des" ptType="node" refType="w" refFor="ch" refForName="textCenter" fact="0.67"/>
+                    </dgm:constrLst>
+                  </dgm:else>
+                </dgm:choose>
+              </dgm:else>
+            </dgm:choose>
+          </dgm:if>
+          <dgm:if name="Name34" axis="ch ch" ptType="node node" func="cnt" op="equ" val="4">
+            <dgm:constrLst>
+              <dgm:constr type="ctrX" for="ch" forName="textCenter" refType="w" fact="0.5"/>
+              <dgm:constr type="ctrY" for="ch" forName="textCenter" refType="h" fact="0.5"/>
+              <dgm:constr type="w" for="ch" forName="textCenter" refType="w" fact="0.2"/>
+              <dgm:constr type="h" for="ch" forName="textCenter" refType="w" refFor="ch" refForName="textCenter"/>
+              <dgm:constr type="ctrX" for="ch" forName="cycle_1" refType="w" fact="0.5"/>
+              <dgm:constr type="t" for="ch" forName="cycle_1"/>
+              <dgm:constr type="w" for="ch" forName="cycle_1" refType="w" fact="0.5"/>
+              <dgm:constr type="h" for="ch" forName="cycle_1" refType="h" fact="0.33"/>
+              <dgm:constr type="l" for="ch" forName="cycle_2"/>
+              <dgm:constr type="ctrY" for="ch" forName="cycle_2" refType="h" fact="0.5"/>
+              <dgm:constr type="w" for="ch" forName="cycle_2" refType="w" fact="0.33"/>
+              <dgm:constr type="h" for="ch" forName="cycle_2" refType="h" fact="0.5"/>
+              <dgm:constr type="ctrX" for="ch" forName="cycle_3" refType="w" fact="0.5"/>
+              <dgm:constr type="b" for="ch" forName="cycle_3" refType="h"/>
+              <dgm:constr type="w" for="ch" forName="cycle_3" refType="w" fact="0.5"/>
+              <dgm:constr type="h" for="ch" forName="cycle_3" refType="h" fact="0.33"/>
+              <dgm:constr type="r" for="ch" forName="cycle_4" refType="w"/>
+              <dgm:constr type="ctrY" for="ch" forName="cycle_4" refType="h" fact="0.5"/>
+              <dgm:constr type="w" for="ch" forName="cycle_4" refType="w" fact="0.33"/>
+              <dgm:constr type="h" for="ch" forName="cycle_4" refType="h" fact="0.5"/>
+              <dgm:constr type="primFontSz" for="ch" forName="textCenter" val="65"/>
+              <dgm:constr type="primFontSz" for="des" forName="childCenter1" val="65"/>
+              <dgm:constr type="primFontSz" for="des" forName="text1" op="equ" val="65"/>
+              <dgm:constr type="primFontSz" for="des" forName="childCenter2" refType="primFontSz" refFor="des" refForName="childCenter1" op="equ"/>
+              <dgm:constr type="primFontSz" for="des" forName="text2" refType="primFontSz" refFor="des" refForName="text1" op="equ"/>
+              <dgm:constr type="primFontSz" for="des" forName="childCenter3" refType="primFontSz" refFor="des" refForName="childCenter1" op="equ"/>
+              <dgm:constr type="primFontSz" for="des" forName="text3" refType="primFontSz" refFor="des" refForName="text1" op="equ"/>
+              <dgm:constr type="primFontSz" for="des" forName="childCenter4" refType="primFontSz" refFor="des" refForName="childCenter1" op="equ"/>
+              <dgm:constr type="primFontSz" for="des" forName="text4" refType="primFontSz" refFor="des" refForName="text1" op="equ"/>
+              <dgm:constr type="userS" for="des" ptType="node" refType="w" refFor="ch" refForName="textCenter" fact="0.67"/>
+            </dgm:constrLst>
+          </dgm:if>
+          <dgm:if name="Name35" axis="ch ch" ptType="node node" func="cnt" op="equ" val="5">
+            <dgm:constrLst>
+              <dgm:constr type="ctrX" for="ch" forName="textCenter" refType="w" fact="0.5"/>
+              <dgm:constr type="t" for="ch" forName="textCenter" refType="h" fact="0.42"/>
+              <dgm:constr type="w" for="ch" forName="textCenter" refType="w" fact="0.2"/>
+              <dgm:constr type="h" for="ch" forName="textCenter" refType="w" refFor="ch" refForName="textCenter"/>
+              <dgm:constr type="ctrX" for="ch" forName="cycle_1" refType="w" fact="0.5"/>
+              <dgm:constr type="t" for="ch" forName="cycle_1"/>
+              <dgm:constr type="w" for="ch" forName="cycle_1" refType="w" fact="0.33"/>
+              <dgm:constr type="h" for="ch" forName="cycle_1" refType="w" refFor="ch" refForName="cycle_1"/>
+              <dgm:constr type="l" for="ch" forName="cycle_2"/>
+              <dgm:constr type="t" for="ch" forName="cycle_2" refType="h" fact="0.24"/>
+              <dgm:constr type="w" for="ch" forName="cycle_2" refType="w" fact="0.33"/>
+              <dgm:constr type="h" for="ch" forName="cycle_2" refType="w" refFor="ch" refForName="cycle_2"/>
+              <dgm:constr type="l" for="ch" forName="cycle_3" refType="w" fact="0.11"/>
+              <dgm:constr type="b" for="ch" forName="cycle_3" refType="h"/>
+              <dgm:constr type="w" for="ch" forName="cycle_3" refType="w" fact="0.33"/>
+              <dgm:constr type="h" for="ch" forName="cycle_3" refType="w" refFor="ch" refForName="cycle_3"/>
+              <dgm:constr type="r" for="ch" forName="cycle_4" refType="w" fact="0.89"/>
+              <dgm:constr type="b" for="ch" forName="cycle_4" refType="h"/>
+              <dgm:constr type="w" for="ch" forName="cycle_4" refType="w" fact="0.33"/>
+              <dgm:constr type="h" for="ch" forName="cycle_4" refType="w" refFor="ch" refForName="cycle_4"/>
+              <dgm:constr type="r" for="ch" forName="cycle_5" refType="w"/>
+              <dgm:constr type="t" for="ch" forName="cycle_5" refType="h" fact="0.24"/>
+              <dgm:constr type="w" for="ch" forName="cycle_5" refType="w" fact="0.33"/>
+              <dgm:constr type="h" for="ch" forName="cycle_5" refType="w" refFor="ch" refForName="cycle_5"/>
+              <dgm:constr type="primFontSz" for="ch" forName="textCenter" val="65"/>
+              <dgm:constr type="primFontSz" for="des" forName="childCenter1" val="65"/>
+              <dgm:constr type="primFontSz" for="des" forName="text1" op="equ" val="65"/>
+              <dgm:constr type="primFontSz" for="des" forName="childCenter2" refType="primFontSz" refFor="des" refForName="childCenter1" op="equ"/>
+              <dgm:constr type="primFontSz" for="des" forName="text2" refType="primFontSz" refFor="des" refForName="text1" op="equ"/>
+              <dgm:constr type="primFontSz" for="des" forName="childCenter3" refType="primFontSz" refFor="des" refForName="childCenter1" op="equ"/>
+              <dgm:constr type="primFontSz" for="des" forName="text3" refType="primFontSz" refFor="des" refForName="text1" op="equ"/>
+              <dgm:constr type="primFontSz" for="des" forName="childCenter4" refType="primFontSz" refFor="des" refForName="childCenter1" op="equ"/>
+              <dgm:constr type="primFontSz" for="des" forName="text4" refType="primFontSz" refFor="des" refForName="text1" op="equ"/>
+              <dgm:constr type="primFontSz" for="des" forName="childCenter5" refType="primFontSz" refFor="des" refForName="childCenter1" op="equ"/>
+              <dgm:constr type="primFontSz" for="des" forName="text5" refType="primFontSz" refFor="des" refForName="text1" op="equ"/>
+              <dgm:constr type="userS" for="des" ptType="node" refType="w" refFor="ch" refForName="textCenter" fact="0.67"/>
+            </dgm:constrLst>
+          </dgm:if>
+          <dgm:if name="Name36" axis="ch ch" ptType="node node" func="cnt" op="equ" val="6">
+            <dgm:constrLst>
+              <dgm:constr type="ctrX" for="ch" forName="textCenter" refType="w" fact="0.5"/>
+              <dgm:constr type="ctrY" for="ch" forName="textCenter" refType="h" fact="0.5"/>
+              <dgm:constr type="w" for="ch" forName="textCenter" refType="w" fact="0.2"/>
+              <dgm:constr type="h" for="ch" forName="textCenter" refType="w" refFor="ch" refForName="textCenter"/>
+              <dgm:constr type="ctrX" for="ch" forName="cycle_1" refType="w" fact="0.5"/>
+              <dgm:constr type="t" for="ch" forName="cycle_1"/>
+              <dgm:constr type="w" for="ch" forName="cycle_1" refType="w" fact="0.33"/>
+              <dgm:constr type="h" for="ch" forName="cycle_1" refType="w" refFor="ch" refForName="cycle_1"/>
+              <dgm:constr type="l" for="ch" forName="cycle_2"/>
+              <dgm:constr type="t" for="ch" forName="cycle_2" refType="h" fact="0.17"/>
+              <dgm:constr type="w" for="ch" forName="cycle_2" refType="w" fact="0.33"/>
+              <dgm:constr type="h" for="ch" forName="cycle_2" refType="w" refFor="ch" refForName="cycle_2"/>
+              <dgm:constr type="l" for="ch" forName="cycle_3"/>
+              <dgm:constr type="b" for="ch" forName="cycle_3" refType="h" fact="0.83"/>
+              <dgm:constr type="w" for="ch" forName="cycle_3" refType="w" fact="0.33"/>
+              <dgm:constr type="h" for="ch" forName="cycle_3" refType="w" refFor="ch" refForName="cycle_3"/>
+              <dgm:constr type="ctrX" for="ch" forName="cycle_4" refType="w" fact="0.5"/>
+              <dgm:constr type="b" for="ch" forName="cycle_4" refType="h"/>
+              <dgm:constr type="w" for="ch" forName="cycle_4" refType="w" fact="0.33"/>
+              <dgm:constr type="h" for="ch" forName="cycle_4" refType="w" refFor="ch" refForName="cycle_4"/>
+              <dgm:constr type="r" for="ch" forName="cycle_5" refType="w"/>
+              <dgm:constr type="b" for="ch" forName="cycle_5" refType="h" fact="0.83"/>
+              <dgm:constr type="w" for="ch" forName="cycle_5" refType="w" fact="0.33"/>
+              <dgm:constr type="h" for="ch" forName="cycle_5" refType="w" refFor="ch" refForName="cycle_5"/>
+              <dgm:constr type="r" for="ch" forName="cycle_6" refType="w"/>
+              <dgm:constr type="t" for="ch" forName="cycle_6" refType="h" fact="0.17"/>
+              <dgm:constr type="w" for="ch" forName="cycle_6" refType="w" fact="0.33"/>
+              <dgm:constr type="h" for="ch" forName="cycle_6" refType="w" refFor="ch" refForName="cycle_6"/>
+              <dgm:constr type="primFontSz" for="ch" forName="textCenter" val="65"/>
+              <dgm:constr type="primFontSz" for="des" forName="childCenter1" val="65"/>
+              <dgm:constr type="primFontSz" for="des" forName="text1" op="equ" val="65"/>
+              <dgm:constr type="primFontSz" for="des" forName="childCenter2" refType="primFontSz" refFor="des" refForName="childCenter1" op="equ"/>
+              <dgm:constr type="primFontSz" for="des" forName="text2" refType="primFontSz" refFor="des" refForName="text1" op="equ"/>
+              <dgm:constr type="primFontSz" for="des" forName="childCenter3" refType="primFontSz" refFor="des" refForName="childCenter1" op="equ"/>
+              <dgm:constr type="primFontSz" for="des" forName="text3" refType="primFontSz" refFor="des" refForName="text1" op="equ"/>
+              <dgm:constr type="primFontSz" for="des" forName="childCenter4" refType="primFontSz" refFor="des" refForName="childCenter1" op="equ"/>
+              <dgm:constr type="primFontSz" for="des" forName="text4" refType="primFontSz" refFor="des" refForName="text1" op="equ"/>
+              <dgm:constr type="primFontSz" for="des" forName="childCenter5" refType="primFontSz" refFor="des" refForName="childCenter1" op="equ"/>
+              <dgm:constr type="primFontSz" for="des" forName="text5" refType="primFontSz" refFor="des" refForName="text1" op="equ"/>
+              <dgm:constr type="primFontSz" for="des" forName="childCenter6" refType="primFontSz" refFor="des" refForName="childCenter1" op="equ"/>
+              <dgm:constr type="primFontSz" for="des" forName="text6" refType="primFontSz" refFor="des" refForName="text1" op="equ"/>
+              <dgm:constr type="userS" for="des" ptType="node" refType="w" refFor="ch" refForName="textCenter" fact="0.67"/>
+            </dgm:constrLst>
+          </dgm:if>
+          <dgm:else name="Name37">
+            <dgm:constrLst>
+              <dgm:constr type="ctrX" for="ch" forName="textCenter" refType="w" fact="0.5"/>
+              <dgm:constr type="t" for="ch" forName="textCenter" refType="h" fact="0.444"/>
+              <dgm:constr type="w" for="ch" forName="textCenter" refType="w" fact="0.167"/>
+              <dgm:constr type="h" for="ch" forName="textCenter" refType="w" refFor="ch" refForName="textCenter"/>
+              <dgm:constr type="ctrX" for="ch" forName="cycle_1" refType="w" fact="0.5"/>
+              <dgm:constr type="t" for="ch" forName="cycle_1"/>
+              <dgm:constr type="w" for="ch" forName="cycle_1" refType="w" fact="0.263"/>
+              <dgm:constr type="h" for="ch" forName="cycle_1" refType="w" refFor="ch" refForName="cycle_1"/>
+              <dgm:constr type="l" for="ch" forName="cycle_2" refType="w" fact="0.062"/>
+              <dgm:constr type="t" for="ch" forName="cycle_2" refType="h" fact="0.141"/>
+              <dgm:constr type="w" for="ch" forName="cycle_2" refType="w" fact="0.263"/>
+              <dgm:constr type="h" for="ch" forName="cycle_2" refType="w" refFor="ch" refForName="cycle_2"/>
+              <dgm:constr type="l" for="ch" forName="cycle_3"/>
+              <dgm:constr type="b" for="ch" forName="cycle_3" refType="h" fact="0.74"/>
+              <dgm:constr type="w" for="ch" forName="cycle_3" refType="w" fact="0.263"/>
+              <dgm:constr type="h" for="ch" forName="cycle_3" refType="w" refFor="ch" refForName="cycle_3"/>
+              <dgm:constr type="l" for="ch" forName="cycle_4" refType="w" fact="0.2"/>
+              <dgm:constr type="b" for="ch" forName="cycle_4" refType="h"/>
+              <dgm:constr type="w" for="ch" forName="cycle_4" refType="w" fact="0.263"/>
+              <dgm:constr type="h" for="ch" forName="cycle_4" refType="w" refFor="ch" refForName="cycle_4"/>
+              <dgm:constr type="r" for="ch" forName="cycle_5" refType="w" fact="0.8"/>
+              <dgm:constr type="b" for="ch" forName="cycle_5" refType="h"/>
+              <dgm:constr type="w" for="ch" forName="cycle_5" refType="w" fact="0.263"/>
+              <dgm:constr type="h" for="ch" forName="cycle_5" refType="w" refFor="ch" refForName="cycle_5"/>
+              <dgm:constr type="r" for="ch" forName="cycle_6" refType="w"/>
+              <dgm:constr type="b" for="ch" forName="cycle_6" refType="h" fact="0.74"/>
+              <dgm:constr type="w" for="ch" forName="cycle_6" refType="w" fact="0.263"/>
+              <dgm:constr type="h" for="ch" forName="cycle_6" refType="w" refFor="ch" refForName="cycle_6"/>
+              <dgm:constr type="r" for="ch" forName="cycle_7" refType="w" fact="0.938"/>
+              <dgm:constr type="t" for="ch" forName="cycle_7" refType="h" fact="0.141"/>
+              <dgm:constr type="w" for="ch" forName="cycle_7" refType="w" fact="0.263"/>
+              <dgm:constr type="h" for="ch" forName="cycle_7" refType="w" refFor="ch" refForName="cycle_7"/>
+              <dgm:constr type="primFontSz" for="ch" forName="textCenter" val="65"/>
+              <dgm:constr type="primFontSz" for="des" forName="childCenter1" val="65"/>
+              <dgm:constr type="primFontSz" for="des" forName="text1" op="equ" val="65"/>
+              <dgm:constr type="primFontSz" for="des" forName="childCenter2" refType="primFontSz" refFor="des" refForName="childCenter1" op="equ"/>
+              <dgm:constr type="primFontSz" for="des" forName="text2" refType="primFontSz" refFor="des" refForName="text1" op="equ"/>
+              <dgm:constr type="primFontSz" for="des" forName="childCenter3" refType="primFontSz" refFor="des" refForName="childCenter1" op="equ"/>
+              <dgm:constr type="primFontSz" for="des" forName="text3" refType="primFontSz" refFor="des" refForName="text1" op="equ"/>
+              <dgm:constr type="primFontSz" for="des" forName="childCenter4" refType="primFontSz" refFor="des" refForName="childCenter1" op="equ"/>
+              <dgm:constr type="primFontSz" for="des" forName="text4" refType="primFontSz" refFor="des" refForName="text1" op="equ"/>
+              <dgm:constr type="primFontSz" for="des" forName="childCenter5" refType="primFontSz" refFor="des" refForName="childCenter1" op="equ"/>
+              <dgm:constr type="primFontSz" for="des" forName="text5" refType="primFontSz" refFor="des" refForName="text1" op="equ"/>
+              <dgm:constr type="primFontSz" for="des" forName="childCenter6" refType="primFontSz" refFor="des" refForName="childCenter1" op="equ"/>
+              <dgm:constr type="primFontSz" for="des" forName="text6" refType="primFontSz" refFor="des" refForName="text1" op="equ"/>
+              <dgm:constr type="primFontSz" for="des" forName="childCenter7" refType="primFontSz" refFor="des" refForName="childCenter1" op="equ"/>
+              <dgm:constr type="primFontSz" for="des" forName="text7" refType="primFontSz" refFor="des" refForName="text1" op="equ"/>
+              <dgm:constr type="userS" for="des" ptType="node" refType="w" refFor="ch" refForName="textCenter" fact="0.67"/>
+            </dgm:constrLst>
+          </dgm:else>
+        </dgm:choose>
+      </dgm:else>
+    </dgm:choose>
+    <dgm:forEach name="Name38" axis="ch" ptType="node" cnt="1">
+      <dgm:choose name="Name39">
+        <dgm:if name="Name40" axis="des" func="maxDepth" op="lte" val="1">
+          <dgm:layoutNode name="singleCycle">
+            <dgm:choose name="Name41">
+              <dgm:if name="Name42" axis="ch" ptType="node" func="cnt" op="equ" val="1">
+                <dgm:choose name="Name43">
+                  <dgm:if name="Name44" func="var" arg="dir" op="equ" val="norm">
+                    <dgm:alg type="cycle">
+                      <dgm:param type="stAng" val="90"/>
+                      <dgm:param type="ctrShpMap" val="fNode"/>
+                    </dgm:alg>
+                  </dgm:if>
+                  <dgm:else name="Name45">
+                    <dgm:alg type="cycle">
+                      <dgm:param type="stAng" val="-90"/>
+                      <dgm:param type="spanAng" val="-360"/>
+                      <dgm:param type="ctrShpMap" val="fNode"/>
+                    </dgm:alg>
+                  </dgm:else>
+                </dgm:choose>
+              </dgm:if>
+              <dgm:else name="Name46">
+                <dgm:choose name="Name47">
+                  <dgm:if name="Name48" func="var" arg="dir" op="equ" val="norm">
+                    <dgm:alg type="cycle">
+                      <dgm:param type="ctrShpMap" val="fNode"/>
+                    </dgm:alg>
+                  </dgm:if>
+                  <dgm:else name="Name49">
+                    <dgm:alg type="cycle">
+                      <dgm:param type="spanAng" val="-360"/>
+                      <dgm:param type="ctrShpMap" val="fNode"/>
+                    </dgm:alg>
+                  </dgm:else>
+                </dgm:choose>
+              </dgm:else>
+            </dgm:choose>
+            <dgm:shape xmlns:r="http://schemas.openxmlformats.org/officeDocument/2006/relationships" r:blip="">
+              <dgm:adjLst/>
+            </dgm:shape>
+            <dgm:presOf/>
+            <dgm:choose name="Name50">
+              <dgm:if name="Name51" axis="ch" ptType="node" func="cnt" op="equ" val="0">
+                <dgm:constrLst>
+                  <dgm:constr type="w" for="ch" forName="singleCenter" refType="w"/>
+                  <dgm:constr type="h" for="ch" forName="singleCenter" refType="w" refFor="ch" refForName="singleCenter"/>
+                </dgm:constrLst>
+              </dgm:if>
+              <dgm:if name="Name52" axis="ch" ptType="node" func="cnt" op="equ" val="1">
+                <dgm:constrLst>
+                  <dgm:constr type="w" for="ch" forName="singleCenter" refType="w" fact="0.5"/>
+                  <dgm:constr type="h" for="ch" forName="singleCenter" refType="w" refFor="ch" refForName="singleCenter"/>
+                  <dgm:constr type="userS" for="ch" ptType="node" refType="w" refFor="ch" refForName="singleCenter" fact="0.67"/>
+                </dgm:constrLst>
+              </dgm:if>
+              <dgm:else name="Name53">
+                <dgm:constrLst>
+                  <dgm:constr type="w" for="ch" forName="singleCenter" refType="w" fact="0.3"/>
+                  <dgm:constr type="h" for="ch" forName="singleCenter" refType="w" refFor="ch" refForName="singleCenter"/>
+                  <dgm:constr type="userS" for="ch" ptType="node" refType="w" refFor="ch" refForName="singleCenter" fact="0.67"/>
+                </dgm:constrLst>
+              </dgm:else>
+            </dgm:choose>
+            <dgm:layoutNode name="singleCenter" styleLbl="node1">
+              <dgm:varLst>
+                <dgm:chMax val="7"/>
+                <dgm:chPref val="7"/>
+              </dgm:varLst>
+              <dgm:alg type="tx"/>
+              <dgm:shape xmlns:r="http://schemas.openxmlformats.org/officeDocument/2006/relationships" type="roundRect" r:blip="">
+                <dgm:adjLst/>
+              </dgm:shape>
+              <dgm:presOf axis="self" ptType="node"/>
+              <dgm:constrLst>
+                <dgm:constr type="tMarg" refType="primFontSz" fact="0.2"/>
+                <dgm:constr type="bMarg" refType="primFontSz" fact="0.2"/>
+                <dgm:constr type="lMarg" refType="primFontSz" fact="0.2"/>
+                <dgm:constr type="rMarg" refType="primFontSz" fact="0.2"/>
+              </dgm:constrLst>
+              <dgm:ruleLst>
+                <dgm:rule type="primFontSz" val="5" fact="NaN" max="NaN"/>
+              </dgm:ruleLst>
+            </dgm:layoutNode>
+            <dgm:forEach name="Name54" axis="ch" cnt="21">
+              <dgm:forEach name="Name55" axis="self" ptType="parTrans">
+                <dgm:layoutNode name="Name56">
+                  <dgm:alg type="conn">
+                    <dgm:param type="dim" val="1D"/>
+                    <dgm:param type="begPts" val="auto"/>
+                    <dgm:param type="endPts" val="auto"/>
+                    <dgm:param type="begSty" val="noArr"/>
+                    <dgm:param type="endSty" val="noArr"/>
+                  </dgm:alg>
+                  <dgm:shape xmlns:r="http://schemas.openxmlformats.org/officeDocument/2006/relationships" type="conn" r:blip="">
+                    <dgm:adjLst/>
+                  </dgm:shape>
+                  <dgm:presOf axis="self"/>
+                  <dgm:constrLst>
+                    <dgm:constr type="begPad"/>
+                    <dgm:constr type="endPad"/>
+                  </dgm:constrLst>
+                </dgm:layoutNode>
+              </dgm:forEach>
+              <dgm:forEach name="Name57" axis="self" ptType="node">
+                <dgm:layoutNode name="text0" styleLbl="node1">
+                  <dgm:varLst>
+                    <dgm:bulletEnabled val="1"/>
+                  </dgm:varLst>
+                  <dgm:alg type="tx"/>
+                  <dgm:shape xmlns:r="http://schemas.openxmlformats.org/officeDocument/2006/relationships" type="roundRect" r:blip="">
+                    <dgm:adjLst/>
+                  </dgm:shape>
+                  <dgm:presOf axis="desOrSelf" ptType="node"/>
+                  <dgm:constrLst>
+                    <dgm:constr type="userS"/>
+                    <dgm:constr type="w" refType="userS"/>
+                    <dgm:constr type="h" refType="w"/>
+                    <dgm:constr type="tMarg" refType="primFontSz" fact="0.2"/>
+                    <dgm:constr type="bMarg" refType="primFontSz" fact="0.2"/>
+                    <dgm:constr type="lMarg" refType="primFontSz" fact="0.2"/>
+                    <dgm:constr type="rMarg" refType="primFontSz" fact="0.2"/>
+                  </dgm:constrLst>
+                  <dgm:ruleLst>
+                    <dgm:rule type="primFontSz" val="5" fact="NaN" max="NaN"/>
+                  </dgm:ruleLst>
+                </dgm:layoutNode>
+              </dgm:forEach>
+            </dgm:forEach>
+          </dgm:layoutNode>
+        </dgm:if>
+        <dgm:else name="Name58">
+          <dgm:layoutNode name="textCenter" styleLbl="node1">
+            <dgm:alg type="tx"/>
+            <dgm:shape xmlns:r="http://schemas.openxmlformats.org/officeDocument/2006/relationships" type="roundRect" r:blip="">
+              <dgm:adjLst/>
+            </dgm:shape>
+            <dgm:presOf axis="self" ptType="node"/>
+            <dgm:constrLst>
+              <dgm:constr type="tMarg" refType="primFontSz" fact="0.2"/>
+              <dgm:constr type="bMarg" refType="primFontSz" fact="0.2"/>
+              <dgm:constr type="lMarg" refType="primFontSz" fact="0.2"/>
+              <dgm:constr type="rMarg" refType="primFontSz" fact="0.2"/>
+            </dgm:constrLst>
+            <dgm:ruleLst>
+              <dgm:rule type="primFontSz" val="5" fact="NaN" max="NaN"/>
+            </dgm:ruleLst>
+          </dgm:layoutNode>
+          <dgm:choose name="Name59">
+            <dgm:if name="Name60" axis="ch" ptType="node" func="cnt" op="gte" val="1">
+              <dgm:layoutNode name="cycle_1">
+                <dgm:choose name="Name61">
+                  <dgm:if name="Name62" func="var" arg="dir" op="equ" val="norm">
+                    <dgm:choose name="Name63">
+                      <dgm:if name="Name64" axis="ch" ptType="node" func="cnt" op="equ" val="1">
+                        <dgm:choose name="Name65">
+                          <dgm:if name="Name66" axis="ch ch" ptType="node node" st="1 1" cnt="1 0" func="cnt" op="equ" val="1">
+                            <dgm:alg type="cycle">
+                              <dgm:param type="ctrShpMap" val="fNode"/>
+                              <dgm:param type="stAng" val="90"/>
+                            </dgm:alg>
+                          </dgm:if>
+                          <dgm:if name="Name67" axis="ch ch" ptType="node node" st="1 1" cnt="1 0" func="cnt" op="equ" val="2">
+                            <dgm:alg type="cycle">
+                              <dgm:param type="ctrShpMap" val="fNode"/>
+                              <dgm:param type="stAng" val="45"/>
+                              <dgm:param type="spanAng" val="90"/>
+                            </dgm:alg>
+                          </dgm:if>
+                          <dgm:else name="Name68">
+                            <dgm:alg type="cycle">
+                              <dgm:param type="ctrShpMap" val="fNode"/>
+                              <dgm:param type="stAng" val="0"/>
+                              <dgm:param type="spanAng" val="180"/>
+                            </dgm:alg>
+                          </dgm:else>
+                        </dgm:choose>
+                      </dgm:if>
+                      <dgm:if name="Name69" axis="ch" ptType="node" func="cnt" op="equ" val="2">
+                        <dgm:choose name="Name70">
+                          <dgm:if name="Name71" axis="ch ch" ptType="node node" st="1 1" cnt="1 0" func="cnt" op="equ" val="1">
+                            <dgm:alg type="cycle">
+                              <dgm:param type="ctrShpMap" val="fNode"/>
+                              <dgm:param type="stAng" val="0"/>
+                            </dgm:alg>
+                          </dgm:if>
+                          <dgm:if name="Name72" axis="ch ch" ptType="node node" st="1 1" cnt="1 0" func="cnt" op="equ" val="2">
+                            <dgm:alg type="cycle">
+                              <dgm:param type="ctrShpMap" val="fNode"/>
+                              <dgm:param type="stAng" val="315"/>
+                              <dgm:param type="spanAng" val="90"/>
+                            </dgm:alg>
+                          </dgm:if>
+                          <dgm:else name="Name73">
+                            <dgm:alg type="cycle">
+                              <dgm:param type="ctrShpMap" val="fNode"/>
+                              <dgm:param type="stAng" val="270"/>
+                              <dgm:param type="spanAng" val="180"/>
+                            </dgm:alg>
+                          </dgm:else>
+                        </dgm:choose>
+                      </dgm:if>
+                      <dgm:if name="Name74" axis="ch" ptType="node" func="cnt" op="equ" val="3">
+                        <dgm:choose name="Name75">
+                          <dgm:if name="Name76" axis="ch ch" ptType="node node" st="1 1" cnt="1 0" func="cnt" op="equ" val="1">
+                            <dgm:alg type="cycle">
+                              <dgm:param type="ctrShpMap" val="fNode"/>
+                              <dgm:param type="stAng" val="0"/>
+                            </dgm:alg>
+                          </dgm:if>
+                          <dgm:if name="Name77" axis="ch ch" ptType="node node" st="1 1" cnt="1 0" func="cnt" op="equ" val="2">
+                            <dgm:alg type="cycle">
+                              <dgm:param type="ctrShpMap" val="fNode"/>
+                              <dgm:param type="stAng" val="315"/>
+                              <dgm:param type="spanAng" val="90"/>
+                            </dgm:alg>
+                          </dgm:if>
+                          <dgm:else name="Name78">
+                            <dgm:alg type="cycle">
+                              <dgm:param type="ctrShpMap" val="fNode"/>
+                              <dgm:param type="stAng" val="270"/>
+                              <dgm:param type="spanAng" val="180"/>
+                            </dgm:alg>
+                          </dgm:else>
+                        </dgm:choose>
+                      </dgm:if>
+                      <dgm:if name="Name79" axis="ch" ptType="node" func="cnt" op="equ" val="4">
+                        <dgm:choose name="Name80">
+                          <dgm:if name="Name81" axis="ch ch" ptType="node node" st="1 1" cnt="1 0" func="cnt" op="equ" val="1">
+                            <dgm:alg type="cycle">
+                              <dgm:param type="ctrShpMap" val="fNode"/>
+                              <dgm:param type="stAng" val="0"/>
+                            </dgm:alg>
+                          </dgm:if>
+                          <dgm:if name="Name82" axis="ch ch" ptType="node node" st="1 1" cnt="1 0" func="cnt" op="equ" val="2">
+                            <dgm:alg type="cycle">
+                              <dgm:param type="ctrShpMap" val="fNode"/>
+                              <dgm:param type="stAng" val="315"/>
+                              <dgm:param type="spanAng" val="90"/>
+                            </dgm:alg>
+                          </dgm:if>
+                          <dgm:else name="Name83">
+                            <dgm:alg type="cycle">
+                              <dgm:param type="ctrShpMap" val="fNode"/>
+                              <dgm:param type="stAng" val="292.5"/>
+                              <dgm:param type="spanAng" val="135"/>
+                            </dgm:alg>
+                          </dgm:else>
+                        </dgm:choose>
+                      </dgm:if>
+                      <dgm:if name="Name84" axis="ch" ptType="node" func="cnt" op="equ" val="5">
+                        <dgm:choose name="Name85">
+                          <dgm:if name="Name86" axis="ch ch" ptType="node node" st="1 1" cnt="1 0" func="cnt" op="equ" val="1">
+                            <dgm:alg type="cycle">
+                              <dgm:param type="ctrShpMap" val="fNode"/>
+                              <dgm:param type="stAng" val="0"/>
+                            </dgm:alg>
+                          </dgm:if>
+                          <dgm:if name="Name87" axis="ch ch" ptType="node node" st="1 1" cnt="1 0" func="cnt" op="equ" val="2">
+                            <dgm:alg type="cycle">
+                              <dgm:param type="ctrShpMap" val="fNode"/>
+                              <dgm:param type="stAng" val="315"/>
+                              <dgm:param type="spanAng" val="90"/>
+                            </dgm:alg>
+                          </dgm:if>
+                          <dgm:else name="Name88">
+                            <dgm:alg type="cycle">
+                              <dgm:param type="ctrShpMap" val="fNode"/>
+                              <dgm:param type="stAng" val="0"/>
+                              <dgm:param type="spanAng" val="360"/>
+                            </dgm:alg>
+                          </dgm:else>
+                        </dgm:choose>
+                      </dgm:if>
+                      <dgm:if name="Name89" axis="ch" ptType="node" func="cnt" op="equ" val="6">
+                        <dgm:choose name="Name90">
+                          <dgm:if name="Name91" axis="ch ch" ptType="node node" st="1 1" cnt="1 0" func="cnt" op="equ" val="1">
+                            <dgm:alg type="cycle">
+                              <dgm:param type="ctrShpMap" val="fNode"/>
+                              <dgm:param type="stAng" val="0"/>
+                            </dgm:alg>
+                          </dgm:if>
+                          <dgm:if name="Name92" axis="ch ch" ptType="node node" st="1 1" cnt="1 0" func="cnt" op="equ" val="2">
+                            <dgm:alg type="cycle">
+                              <dgm:param type="ctrShpMap" val="fNode"/>
+                              <dgm:param type="stAng" val="315"/>
+                              <dgm:param type="spanAng" val="90"/>
+                            </dgm:alg>
+                          </dgm:if>
+                          <dgm:else name="Name93">
+                            <dgm:alg type="cycle">
+                              <dgm:param type="ctrShpMap" val="fNode"/>
+                              <dgm:param type="stAng" val="0"/>
+                              <dgm:param type="spanAng" val="360"/>
+                            </dgm:alg>
+                          </dgm:else>
+                        </dgm:choose>
+                      </dgm:if>
+                      <dgm:if name="Name94" axis="ch" ptType="node" func="cnt" op="gte" val="7">
+                        <dgm:choose name="Name95">
+                          <dgm:if name="Name96" axis="ch ch" ptType="node node" st="1 1" cnt="1 0" func="cnt" op="equ" val="1">
+                            <dgm:alg type="cycle">
+                              <dgm:param type="ctrShpMap" val="fNode"/>
+                              <dgm:param type="stAng" val="0"/>
+                            </dgm:alg>
+                          </dgm:if>
+                          <dgm:if name="Name97" axis="ch ch" ptType="node node" st="1 1" cnt="1 0" func="cnt" op="equ" val="2">
+                            <dgm:alg type="cycle">
+                              <dgm:param type="ctrShpMap" val="fNode"/>
+                              <dgm:param type="stAng" val="315"/>
+                              <dgm:param type="spanAng" val="90"/>
+                            </dgm:alg>
+                          </dgm:if>
+                          <dgm:else name="Name98">
+                            <dgm:alg type="cycle">
+                              <dgm:param type="ctrShpMap" val="fNode"/>
+                              <dgm:param type="stAng" val="0"/>
+                              <dgm:param type="spanAng" val="360"/>
+                            </dgm:alg>
+                          </dgm:else>
+                        </dgm:choose>
+                      </dgm:if>
+                      <dgm:else name="Name99"/>
+                    </dgm:choose>
+                  </dgm:if>
+                  <dgm:else name="Name100">
+                    <dgm:choose name="Name101">
+                      <dgm:if name="Name102" axis="ch" ptType="node" func="cnt" op="equ" val="1">
+                        <dgm:choose name="Name103">
+                          <dgm:if name="Name104" axis="ch ch" ptType="node node" st="1 1" cnt="1 0" func="cnt" op="equ" val="1">
+                            <dgm:alg type="cycle">
+                              <dgm:param type="ctrShpMap" val="fNode"/>
+                              <dgm:param type="stAng" val="270"/>
+                            </dgm:alg>
+                          </dgm:if>
+                          <dgm:if name="Name105" axis="ch ch" ptType="node node" st="1 1" cnt="1 0" func="cnt" op="equ" val="2">
+                            <dgm:alg type="cycle">
+                              <dgm:param type="ctrShpMap" val="fNode"/>
+                              <dgm:param type="stAng" val="315"/>
+                              <dgm:param type="spanAng" val="-90"/>
+                            </dgm:alg>
+                          </dgm:if>
+                          <dgm:else name="Name106">
+                            <dgm:alg type="cycle">
+                              <dgm:param type="ctrShpMap" val="fNode"/>
+                              <dgm:param type="stAng" val="0"/>
+                              <dgm:param type="spanAng" val="-180"/>
+                            </dgm:alg>
+                          </dgm:else>
+                        </dgm:choose>
+                      </dgm:if>
+                      <dgm:if name="Name107" axis="ch" ptType="node" func="cnt" op="equ" val="2">
+                        <dgm:choose name="Name108">
+                          <dgm:if name="Name109" axis="ch ch" ptType="node node" st="1 1" cnt="1 0" func="cnt" op="equ" val="1">
+                            <dgm:alg type="cycle">
+                              <dgm:param type="ctrShpMap" val="fNode"/>
+                              <dgm:param type="stAng" val="0"/>
+                            </dgm:alg>
+                          </dgm:if>
+                          <dgm:if name="Name110" axis="ch ch" ptType="node node" st="1 1" cnt="1 0" func="cnt" op="equ" val="2">
+                            <dgm:alg type="cycle">
+                              <dgm:param type="ctrShpMap" val="fNode"/>
+                              <dgm:param type="stAng" val="45"/>
+                              <dgm:param type="spanAng" val="-90"/>
+                            </dgm:alg>
+                          </dgm:if>
+                          <dgm:else name="Name111">
+                            <dgm:alg type="cycle">
+                              <dgm:param type="ctrShpMap" val="fNode"/>
+                              <dgm:param type="stAng" val="90"/>
+                              <dgm:param type="spanAng" val="-180"/>
+                            </dgm:alg>
+                          </dgm:else>
+                        </dgm:choose>
+                      </dgm:if>
+                      <dgm:if name="Name112" axis="ch" ptType="node" func="cnt" op="equ" val="3">
+                        <dgm:choose name="Name113">
+                          <dgm:if name="Name114" axis="ch ch" ptType="node node" st="1 1" cnt="1 0" func="cnt" op="equ" val="1">
+                            <dgm:alg type="cycle">
+                              <dgm:param type="ctrShpMap" val="fNode"/>
+                              <dgm:param type="stAng" val="0"/>
+                            </dgm:alg>
+                          </dgm:if>
+                          <dgm:if name="Name115" axis="ch ch" ptType="node node" st="1 1" cnt="1 0" func="cnt" op="equ" val="2">
+                            <dgm:alg type="cycle">
+                              <dgm:param type="ctrShpMap" val="fNode"/>
+                              <dgm:param type="stAng" val="45"/>
+                              <dgm:param type="spanAng" val="-90"/>
+                            </dgm:alg>
+                          </dgm:if>
+                          <dgm:else name="Name116">
+                            <dgm:alg type="cycle">
+                              <dgm:param type="ctrShpMap" val="fNode"/>
+                              <dgm:param type="stAng" val="90"/>
+                              <dgm:param type="spanAng" val="-180"/>
+                            </dgm:alg>
+                          </dgm:else>
+                        </dgm:choose>
+                      </dgm:if>
+                      <dgm:if name="Name117" axis="ch" ptType="node" func="cnt" op="equ" val="4">
+                        <dgm:choose name="Name118">
+                          <dgm:if name="Name119" axis="ch ch" ptType="node node" st="1 1" cnt="1 0" func="cnt" op="equ" val="1">
+                            <dgm:alg type="cycle">
+                              <dgm:param type="ctrShpMap" val="fNode"/>
+                              <dgm:param type="stAng" val="0"/>
+                            </dgm:alg>
+                          </dgm:if>
+                          <dgm:if name="Name120" axis="ch ch" ptType="node node" st="1 1" cnt="1 0" func="cnt" op="equ" val="2">
+                            <dgm:alg type="cycle">
+                              <dgm:param type="ctrShpMap" val="fNode"/>
+                              <dgm:param type="stAng" val="45"/>
+                              <dgm:param type="spanAng" val="-90"/>
+                            </dgm:alg>
+                          </dgm:if>
+                          <dgm:else name="Name121">
+                            <dgm:alg type="cycle">
+                              <dgm:param type="ctrShpMap" val="fNode"/>
+                              <dgm:param type="stAng" val="67.5"/>
+                              <dgm:param type="spanAng" val="-135"/>
+                            </dgm:alg>
+                          </dgm:else>
+                        </dgm:choose>
+                      </dgm:if>
+                      <dgm:if name="Name122" axis="ch" ptType="node" func="cnt" op="equ" val="5">
+                        <dgm:choose name="Name123">
+                          <dgm:if name="Name124" axis="ch ch" ptType="node node" st="1 1" cnt="1 0" func="cnt" op="equ" val="1">
+                            <dgm:alg type="cycle">
+                              <dgm:param type="ctrShpMap" val="fNode"/>
+                              <dgm:param type="stAng" val="0"/>
+                            </dgm:alg>
+                          </dgm:if>
+                          <dgm:if name="Name125" axis="ch ch" ptType="node node" st="1 1" cnt="1 0" func="cnt" op="equ" val="2">
+                            <dgm:alg type="cycle">
+                              <dgm:param type="ctrShpMap" val="fNode"/>
+                              <dgm:param type="stAng" val="45"/>
+                              <dgm:param type="spanAng" val="-90"/>
+                            </dgm:alg>
+                          </dgm:if>
+                          <dgm:else name="Name126">
+                            <dgm:alg type="cycle">
+                              <dgm:param type="ctrShpMap" val="fNode"/>
+                              <dgm:param type="stAng" val="0"/>
+                              <dgm:param type="spanAng" val="-360"/>
+                            </dgm:alg>
+                          </dgm:else>
+                        </dgm:choose>
+                      </dgm:if>
+                      <dgm:if name="Name127" axis="ch" ptType="node" func="cnt" op="equ" val="6">
+                        <dgm:choose name="Name128">
+                          <dgm:if name="Name129" axis="ch ch" ptType="node node" st="1 1" cnt="1 0" func="cnt" op="equ" val="1">
+                            <dgm:alg type="cycle">
+                              <dgm:param type="ctrShpMap" val="fNode"/>
+                              <dgm:param type="stAng" val="0"/>
+                            </dgm:alg>
+                          </dgm:if>
+                          <dgm:if name="Name130" axis="ch ch" ptType="node node" st="1 1" cnt="1 0" func="cnt" op="equ" val="2">
+                            <dgm:alg type="cycle">
+                              <dgm:param type="ctrShpMap" val="fNode"/>
+                              <dgm:param type="stAng" val="45"/>
+                              <dgm:param type="spanAng" val="-90"/>
+                            </dgm:alg>
+                          </dgm:if>
+                          <dgm:else name="Name131">
+                            <dgm:alg type="cycle">
+                              <dgm:param type="ctrShpMap" val="fNode"/>
+                              <dgm:param type="stAng" val="0"/>
+                              <dgm:param type="spanAng" val="-360"/>
+                            </dgm:alg>
+                          </dgm:else>
+                        </dgm:choose>
+                      </dgm:if>
+                      <dgm:if name="Name132" axis="ch" ptType="node" func="cnt" op="gte" val="7">
+                        <dgm:choose name="Name133">
+                          <dgm:if name="Name134" axis="ch ch" ptType="node node" st="1 1" cnt="1 0" func="cnt" op="equ" val="1">
+                            <dgm:alg type="cycle">
+                              <dgm:param type="ctrShpMap" val="fNode"/>
+                              <dgm:param type="stAng" val="0"/>
+                            </dgm:alg>
+                          </dgm:if>
+                          <dgm:if name="Name135" axis="ch ch" ptType="node node" st="1 1" cnt="1 0" func="cnt" op="equ" val="2">
+                            <dgm:alg type="cycle">
+                              <dgm:param type="ctrShpMap" val="fNode"/>
+                              <dgm:param type="stAng" val="45"/>
+                              <dgm:param type="spanAng" val="-90"/>
+                            </dgm:alg>
+                          </dgm:if>
+                          <dgm:else name="Name136">
+                            <dgm:alg type="cycle">
+                              <dgm:param type="ctrShpMap" val="fNode"/>
+                              <dgm:param type="stAng" val="0"/>
+                              <dgm:param type="spanAng" val="-360"/>
+                            </dgm:alg>
+                          </dgm:else>
+                        </dgm:choose>
+                      </dgm:if>
+                      <dgm:else name="Name137"/>
+                    </dgm:choose>
+                  </dgm:else>
+                </dgm:choose>
+                <dgm:shape xmlns:r="http://schemas.openxmlformats.org/officeDocument/2006/relationships" r:blip="">
+                  <dgm:adjLst/>
+                </dgm:shape>
+                <dgm:presOf/>
+                <dgm:constrLst>
+                  <dgm:constr type="sp" refType="w" fact="0.1"/>
+                  <dgm:constr type="sibSp" refType="w" fact="0.1"/>
+                </dgm:constrLst>
+                <dgm:forEach name="Name138" axis="ch" ptType="node" cnt="1">
+                  <dgm:layoutNode name="childCenter1" styleLbl="node1">
+                    <dgm:alg type="tx"/>
+                    <dgm:shape xmlns:r="http://schemas.openxmlformats.org/officeDocument/2006/relationships" type="roundRect" r:blip="">
+                      <dgm:adjLst/>
+                    </dgm:shape>
+                    <dgm:presOf axis="self" ptType="node"/>
+                    <dgm:constrLst>
+                      <dgm:constr type="userS"/>
+                      <dgm:constr type="w" refType="userS"/>
+                      <dgm:constr type="h" refType="w"/>
+                      <dgm:constr type="tMarg" refType="primFontSz" fact="0.2"/>
+                      <dgm:constr type="bMarg" refType="primFontSz" fact="0.2"/>
+                      <dgm:constr type="lMarg" refType="primFontSz" fact="0.2"/>
+                      <dgm:constr type="rMarg" refType="primFontSz" fact="0.2"/>
+                    </dgm:constrLst>
+                    <dgm:ruleLst>
+                      <dgm:rule type="primFontSz" val="5" fact="NaN" max="NaN"/>
+                    </dgm:ruleLst>
+                  </dgm:layoutNode>
+                  <dgm:forEach name="Name139" axis="ch">
+                    <dgm:forEach name="Name140" axis="self" ptType="parTrans">
+                      <dgm:layoutNode name="Name141">
+                        <dgm:alg type="conn">
+                          <dgm:param type="dim" val="1D"/>
+                          <dgm:param type="begPts" val="auto"/>
+                          <dgm:param type="endPts" val="auto"/>
+                          <dgm:param type="begSty" val="noArr"/>
+                          <dgm:param type="endSty" val="noArr"/>
+                        </dgm:alg>
+                        <dgm:shape xmlns:r="http://schemas.openxmlformats.org/officeDocument/2006/relationships" type="conn" r:blip="">
+                          <dgm:adjLst/>
+                        </dgm:shape>
+                        <dgm:presOf axis="self"/>
+                        <dgm:constrLst>
+                          <dgm:constr type="begPad"/>
+                          <dgm:constr type="endPad"/>
+                        </dgm:constrLst>
+                      </dgm:layoutNode>
+                    </dgm:forEach>
+                    <dgm:forEach name="Name142" axis="self" ptType="node">
+                      <dgm:layoutNode name="text1" styleLbl="node1">
+                        <dgm:varLst>
+                          <dgm:bulletEnabled val="1"/>
+                        </dgm:varLst>
+                        <dgm:alg type="tx"/>
+                        <dgm:shape xmlns:r="http://schemas.openxmlformats.org/officeDocument/2006/relationships" type="roundRect" r:blip="">
+                          <dgm:adjLst/>
+                        </dgm:shape>
+                        <dgm:presOf axis="desOrSelf" ptType="node"/>
+                        <dgm:constrLst>
+                          <dgm:constr type="userS"/>
+                          <dgm:constr type="w" refType="userS"/>
+                          <dgm:constr type="h" refType="w"/>
+                          <dgm:constr type="tMarg" refType="primFontSz" fact="0.2"/>
+                          <dgm:constr type="bMarg" refType="primFontSz" fact="0.2"/>
+                          <dgm:constr type="lMarg" refType="primFontSz" fact="0.2"/>
+                          <dgm:constr type="rMarg" refType="primFontSz" fact="0.2"/>
+                        </dgm:constrLst>
+                        <dgm:ruleLst>
+                          <dgm:rule type="primFontSz" val="5" fact="NaN" max="NaN"/>
+                        </dgm:ruleLst>
+                      </dgm:layoutNode>
+                    </dgm:forEach>
+                  </dgm:forEach>
+                </dgm:forEach>
+              </dgm:layoutNode>
+              <dgm:forEach name="Name143" axis="ch" ptType="parTrans" cnt="1">
+                <dgm:layoutNode name="Name144">
+                  <dgm:alg type="conn">
+                    <dgm:param type="dim" val="1D"/>
+                    <dgm:param type="begPts" val="auto"/>
+                    <dgm:param type="endPts" val="auto"/>
+                    <dgm:param type="endSty" val="noArr"/>
+                    <dgm:param type="srcNode" val="textCenter"/>
+                    <dgm:param type="dstNode" val="childCenter1"/>
+                  </dgm:alg>
+                  <dgm:shape xmlns:r="http://schemas.openxmlformats.org/officeDocument/2006/relationships" type="conn" r:blip="" zOrderOff="-999">
+                    <dgm:adjLst/>
+                  </dgm:shape>
+                  <dgm:presOf axis="self"/>
+                  <dgm:constrLst>
+                    <dgm:constr type="h"/>
+                    <dgm:constr type="begPad"/>
+                    <dgm:constr type="endPad"/>
+                  </dgm:constrLst>
+                </dgm:layoutNode>
+              </dgm:forEach>
+            </dgm:if>
+            <dgm:else name="Name145"/>
+          </dgm:choose>
+          <dgm:choose name="Name146">
+            <dgm:if name="Name147" axis="ch" ptType="node" func="cnt" op="gte" val="2">
+              <dgm:layoutNode name="cycle_2">
+                <dgm:choose name="Name148">
+                  <dgm:if name="Name149" func="var" arg="dir" op="equ" val="norm">
+                    <dgm:choose name="Name150">
+                      <dgm:if name="Name151" axis="ch" ptType="node" func="cnt" op="equ" val="2">
+                        <dgm:choose name="Name152">
+                          <dgm:if name="Name153" axis="ch ch" ptType="node node" st="2 1" cnt="1 0" func="cnt" op="equ" val="1">
+                            <dgm:alg type="cycle">
+                              <dgm:param type="ctrShpMap" val="fNode"/>
+                              <dgm:param type="stAng" val="180"/>
+                            </dgm:alg>
+                          </dgm:if>
+                          <dgm:if name="Name154" axis="ch ch" ptType="node node" st="2 1" cnt="1 0" func="cnt" op="equ" val="2">
+                            <dgm:alg type="cycle">
+                              <dgm:param type="ctrShpMap" val="fNode"/>
+                              <dgm:param type="stAng" val="135"/>
+                              <dgm:param type="spanAng" val="90"/>
+                            </dgm:alg>
+                          </dgm:if>
+                          <dgm:else name="Name155">
+                            <dgm:alg type="cycle">
+                              <dgm:param type="ctrShpMap" val="fNode"/>
+                              <dgm:param type="stAng" val="90"/>
+                              <dgm:param type="spanAng" val="180"/>
+                            </dgm:alg>
+                          </dgm:else>
+                        </dgm:choose>
+                      </dgm:if>
+                      <dgm:if name="Name156" axis="ch" ptType="node" func="cnt" op="equ" val="3">
+                        <dgm:choose name="Name157">
+                          <dgm:if name="Name158" axis="ch ch" ptType="node node" st="2 1" cnt="1 0" func="cnt" op="equ" val="1">
+                            <dgm:alg type="cycle">
+                              <dgm:param type="ctrShpMap" val="fNode"/>
+                              <dgm:param type="stAng" val="120"/>
+                              <dgm:param type="horzAlign" val="r"/>
+                              <dgm:param type="vertAlign" val="b"/>
+                            </dgm:alg>
+                          </dgm:if>
+                          <dgm:if name="Name159" axis="ch ch" ptType="node node" st="2 1" cnt="1 0" func="cnt" op="equ" val="2">
+                            <dgm:alg type="cycle">
+                              <dgm:param type="ctrShpMap" val="fNode"/>
+                              <dgm:param type="stAng" val="75"/>
+                              <dgm:param type="spanAng" val="90"/>
+                              <dgm:param type="horzAlign" val="r"/>
+                              <dgm:param type="vertAlign" val="b"/>
+                            </dgm:alg>
+                          </dgm:if>
+                          <dgm:else name="Name160">
+                            <dgm:alg type="cycle">
+                              <dgm:param type="ctrShpMap" val="fNode"/>
+                              <dgm:param type="stAng" val="30"/>
+                              <dgm:param type="spanAng" val="180"/>
+                            </dgm:alg>
+                          </dgm:else>
+                        </dgm:choose>
+                      </dgm:if>
+                      <dgm:if name="Name161" axis="ch" ptType="node" func="cnt" op="equ" val="4">
+                        <dgm:choose name="Name162">
+                          <dgm:if name="Name163" axis="ch ch" ptType="node node" st="2 1" cnt="1 0" func="cnt" op="equ" val="1">
+                            <dgm:alg type="cycle">
+                              <dgm:param type="ctrShpMap" val="fNode"/>
+                              <dgm:param type="stAng" val="90"/>
+                            </dgm:alg>
+                          </dgm:if>
+                          <dgm:if name="Name164" axis="ch ch" ptType="node node" st="2 1" cnt="1 0" func="cnt" op="equ" val="2">
+                            <dgm:alg type="cycle">
+                              <dgm:param type="ctrShpMap" val="fNode"/>
+                              <dgm:param type="stAng" val="45"/>
+                              <dgm:param type="spanAng" val="90"/>
+                            </dgm:alg>
+                          </dgm:if>
+                          <dgm:else name="Name165">
+                            <dgm:alg type="cycle">
+                              <dgm:param type="ctrShpMap" val="fNode"/>
+                              <dgm:param type="stAng" val="22.5"/>
+                              <dgm:param type="spanAng" val="135"/>
+                            </dgm:alg>
+                          </dgm:else>
+                        </dgm:choose>
+                      </dgm:if>
+                      <dgm:if name="Name166" axis="ch" ptType="node" func="cnt" op="equ" val="5">
+                        <dgm:choose name="Name167">
+                          <dgm:if name="Name168" axis="ch ch" ptType="node node" st="2 1" cnt="1 0" func="cnt" op="equ" val="1">
+                            <dgm:alg type="cycle">
+                              <dgm:param type="ctrShpMap" val="fNode"/>
+                              <dgm:param type="stAng" val="72"/>
+                            </dgm:alg>
+                          </dgm:if>
+                          <dgm:if name="Name169" axis="ch ch" ptType="node node" st="2 1" cnt="1 0" func="cnt" op="equ" val="2">
+                            <dgm:alg type="cycle">
+                              <dgm:param type="ctrShpMap" val="fNode"/>
+                              <dgm:param type="stAng" val="27"/>
+                              <dgm:param type="spanAng" val="90"/>
+                            </dgm:alg>
+                          </dgm:if>
+                          <dgm:else name="Name170">
+                            <dgm:alg type="cycle">
+                              <dgm:param type="ctrShpMap" val="fNode"/>
+                              <dgm:param type="stAng" val="0"/>
+                              <dgm:param type="spanAng" val="360"/>
+                            </dgm:alg>
+                          </dgm:else>
+                        </dgm:choose>
+                      </dgm:if>
+                      <dgm:if name="Name171" axis="ch" ptType="node" func="cnt" op="equ" val="6">
+                        <dgm:choose name="Name172">
+                          <dgm:if name="Name173" axis="ch ch" ptType="node node" st="2 1" cnt="1 0" func="cnt" op="equ" val="1">
+                            <dgm:alg type="cycle">
+                              <dgm:param type="ctrShpMap" val="fNode"/>
+                              <dgm:param type="stAng" val="60"/>
+                            </dgm:alg>
+                          </dgm:if>
+                          <dgm:if name="Name174" axis="ch ch" ptType="node node" st="2 1" cnt="1 0" func="cnt" op="equ" val="2">
+                            <dgm:alg type="cycle">
+                              <dgm:param type="ctrShpMap" val="fNode"/>
+                              <dgm:param type="stAng" val="15"/>
+                              <dgm:param type="spanAng" val="90"/>
+                            </dgm:alg>
+                          </dgm:if>
+                          <dgm:else name="Name175">
+                            <dgm:alg type="cycle">
+                              <dgm:param type="ctrShpMap" val="fNode"/>
+                              <dgm:param type="stAng" val="0"/>
+                              <dgm:param type="spanAng" val="360"/>
+                            </dgm:alg>
+                          </dgm:else>
+                        </dgm:choose>
+                      </dgm:if>
+                      <dgm:if name="Name176" axis="ch" ptType="node" func="cnt" op="gte" val="7">
+                        <dgm:choose name="Name177">
+                          <dgm:if name="Name178" axis="ch ch" ptType="node node" st="2 1" cnt="1 0" func="cnt" op="equ" val="1">
+                            <dgm:alg type="cycle">
+                              <dgm:param type="ctrShpMap" val="fNode"/>
+                              <dgm:param type="stAng" val="51"/>
+                            </dgm:alg>
+                          </dgm:if>
+                          <dgm:if name="Name179" axis="ch ch" ptType="node node" st="2 1" cnt="1 0" func="cnt" op="equ" val="2">
+                            <dgm:alg type="cycle">
+                              <dgm:param type="ctrShpMap" val="fNode"/>
+                              <dgm:param type="stAng" val="6"/>
+                              <dgm:param type="spanAng" val="90"/>
+                            </dgm:alg>
+                          </dgm:if>
+                          <dgm:else name="Name180">
+                            <dgm:alg type="cycle">
+                              <dgm:param type="ctrShpMap" val="fNode"/>
+                              <dgm:param type="stAng" val="0"/>
+                              <dgm:param type="spanAng" val="360"/>
+                            </dgm:alg>
+                          </dgm:else>
+                        </dgm:choose>
+                      </dgm:if>
+                      <dgm:else name="Name181"/>
+                    </dgm:choose>
+                  </dgm:if>
+                  <dgm:else name="Name182">
+                    <dgm:choose name="Name183">
+                      <dgm:if name="Name184" axis="ch" ptType="node" func="cnt" op="equ" val="2">
+                        <dgm:choose name="Name185">
+                          <dgm:if name="Name186" axis="ch ch" ptType="node node" st="2 1" cnt="1 0" func="cnt" op="equ" val="1">
+                            <dgm:alg type="cycle">
+                              <dgm:param type="ctrShpMap" val="fNode"/>
+                              <dgm:param type="stAng" val="180"/>
+                            </dgm:alg>
+                          </dgm:if>
+                          <dgm:if name="Name187" axis="ch ch" ptType="node node" st="2 1" cnt="1 0" func="cnt" op="equ" val="2">
+                            <dgm:alg type="cycle">
+                              <dgm:param type="ctrShpMap" val="fNode"/>
+                              <dgm:param type="stAng" val="225"/>
+                              <dgm:param type="spanAng" val="-90"/>
+                            </dgm:alg>
+                          </dgm:if>
+                          <dgm:else name="Name188">
+                            <dgm:alg type="cycle">
+                              <dgm:param type="ctrShpMap" val="fNode"/>
+                              <dgm:param type="stAng" val="270"/>
+                              <dgm:param type="spanAng" val="-180"/>
+                            </dgm:alg>
+                          </dgm:else>
+                        </dgm:choose>
+                      </dgm:if>
+                      <dgm:if name="Name189" axis="ch" ptType="node" func="cnt" op="equ" val="3">
+                        <dgm:choose name="Name190">
+                          <dgm:if name="Name191" axis="ch ch" ptType="node node" st="2 1" cnt="1 0" func="cnt" op="equ" val="1">
+                            <dgm:alg type="cycle">
+                              <dgm:param type="ctrShpMap" val="fNode"/>
+                              <dgm:param type="stAng" val="240"/>
+                              <dgm:param type="horzAlign" val="l"/>
+                              <dgm:param type="vertAlign" val="b"/>
+                            </dgm:alg>
+                          </dgm:if>
+                          <dgm:if name="Name192" axis="ch ch" ptType="node node" st="2 1" cnt="1 0" func="cnt" op="equ" val="2">
+                            <dgm:alg type="cycle">
+                              <dgm:param type="ctrShpMap" val="fNode"/>
+                              <dgm:param type="stAng" val="285"/>
+                              <dgm:param type="spanAng" val="-90"/>
+                              <dgm:param type="horzAlign" val="l"/>
+                              <dgm:param type="vertAlign" val="b"/>
+                            </dgm:alg>
+                          </dgm:if>
+                          <dgm:else name="Name193">
+                            <dgm:alg type="cycle">
+                              <dgm:param type="ctrShpMap" val="fNode"/>
+                              <dgm:param type="stAng" val="330"/>
+                              <dgm:param type="spanAng" val="-180"/>
+                            </dgm:alg>
+                          </dgm:else>
+                        </dgm:choose>
+                      </dgm:if>
+                      <dgm:if name="Name194" axis="ch" ptType="node" func="cnt" op="equ" val="4">
+                        <dgm:choose name="Name195">
+                          <dgm:if name="Name196" axis="ch ch" ptType="node node" st="2 1" cnt="1 0" func="cnt" op="equ" val="1">
+                            <dgm:alg type="cycle">
+                              <dgm:param type="ctrShpMap" val="fNode"/>
+                              <dgm:param type="stAng" val="270"/>
+                            </dgm:alg>
+                          </dgm:if>
+                          <dgm:if name="Name197" axis="ch ch" ptType="node node" st="2 1" cnt="1 0" func="cnt" op="equ" val="2">
+                            <dgm:alg type="cycle">
+                              <dgm:param type="ctrShpMap" val="fNode"/>
+                              <dgm:param type="stAng" val="315"/>
+                              <dgm:param type="spanAng" val="-90"/>
+                            </dgm:alg>
+                          </dgm:if>
+                          <dgm:else name="Name198">
+                            <dgm:alg type="cycle">
+                              <dgm:param type="ctrShpMap" val="fNode"/>
+                              <dgm:param type="stAng" val="337.5"/>
+                              <dgm:param type="spanAng" val="-135"/>
+                            </dgm:alg>
+                          </dgm:else>
+                        </dgm:choose>
+                      </dgm:if>
+                      <dgm:if name="Name199" axis="ch" ptType="node" func="cnt" op="equ" val="5">
+                        <dgm:choose name="Name200">
+                          <dgm:if name="Name201" axis="ch ch" ptType="node node" st="2 1" cnt="1 0" func="cnt" op="equ" val="1">
+                            <dgm:alg type="cycle">
+                              <dgm:param type="ctrShpMap" val="fNode"/>
+                              <dgm:param type="stAng" val="288"/>
+                            </dgm:alg>
+                          </dgm:if>
+                          <dgm:if name="Name202" axis="ch ch" ptType="node node" st="2 1" cnt="1 0" func="cnt" op="equ" val="2">
+                            <dgm:alg type="cycle">
+                              <dgm:param type="ctrShpMap" val="fNode"/>
+                              <dgm:param type="stAng" val="333"/>
+                              <dgm:param type="spanAng" val="-90"/>
+                            </dgm:alg>
+                          </dgm:if>
+                          <dgm:else name="Name203">
+                            <dgm:alg type="cycle">
+                              <dgm:param type="ctrShpMap" val="fNode"/>
+                              <dgm:param type="stAng" val="0"/>
+                              <dgm:param type="spanAng" val="-360"/>
+                            </dgm:alg>
+                          </dgm:else>
+                        </dgm:choose>
+                      </dgm:if>
+                      <dgm:if name="Name204" axis="ch" ptType="node" func="cnt" op="equ" val="6">
+                        <dgm:choose name="Name205">
+                          <dgm:if name="Name206" axis="ch ch" ptType="node node" st="2 1" cnt="1 0" func="cnt" op="equ" val="1">
+                            <dgm:alg type="cycle">
+                              <dgm:param type="ctrShpMap" val="fNode"/>
+                              <dgm:param type="stAng" val="300"/>
+                            </dgm:alg>
+                          </dgm:if>
+                          <dgm:if name="Name207" axis="ch ch" ptType="node node" st="2 1" cnt="1 0" func="cnt" op="equ" val="2">
+                            <dgm:alg type="cycle">
+                              <dgm:param type="ctrShpMap" val="fNode"/>
+                              <dgm:param type="stAng" val="345"/>
+                              <dgm:param type="spanAng" val="-90"/>
+                            </dgm:alg>
+                          </dgm:if>
+                          <dgm:else name="Name208">
+                            <dgm:alg type="cycle">
+                              <dgm:param type="ctrShpMap" val="fNode"/>
+                              <dgm:param type="stAng" val="0"/>
+                              <dgm:param type="spanAng" val="-360"/>
+                            </dgm:alg>
+                          </dgm:else>
+                        </dgm:choose>
+                      </dgm:if>
+                      <dgm:if name="Name209" axis="ch" ptType="node" func="cnt" op="gte" val="7">
+                        <dgm:choose name="Name210">
+                          <dgm:if name="Name211" axis="ch ch" ptType="node node" st="2 1" cnt="1 0" func="cnt" op="equ" val="1">
+                            <dgm:alg type="cycle">
+                              <dgm:param type="ctrShpMap" val="fNode"/>
+                              <dgm:param type="stAng" val="308"/>
+                            </dgm:alg>
+                          </dgm:if>
+                          <dgm:if name="Name212" axis="ch ch" ptType="node node" st="2 1" cnt="1 0" func="cnt" op="equ" val="2">
+                            <dgm:alg type="cycle">
+                              <dgm:param type="ctrShpMap" val="fNode"/>
+                              <dgm:param type="stAng" val="353"/>
+                              <dgm:param type="spanAng" val="-90"/>
+                            </dgm:alg>
+                          </dgm:if>
+                          <dgm:else name="Name213">
+                            <dgm:alg type="cycle">
+                              <dgm:param type="ctrShpMap" val="fNode"/>
+                              <dgm:param type="stAng" val="0"/>
+                              <dgm:param type="spanAng" val="-360"/>
+                            </dgm:alg>
+                          </dgm:else>
+                        </dgm:choose>
+                      </dgm:if>
+                      <dgm:else name="Name214"/>
+                    </dgm:choose>
+                  </dgm:else>
+                </dgm:choose>
+                <dgm:shape xmlns:r="http://schemas.openxmlformats.org/officeDocument/2006/relationships" r:blip="">
+                  <dgm:adjLst/>
+                </dgm:shape>
+                <dgm:presOf/>
+                <dgm:constrLst>
+                  <dgm:constr type="sp" refType="w" fact="0.1"/>
+                  <dgm:constr type="sibSp" refType="w" fact="0.1"/>
+                </dgm:constrLst>
+                <dgm:forEach name="Name215" axis="ch" ptType="node" st="2" cnt="1">
+                  <dgm:layoutNode name="childCenter2" styleLbl="node1">
+                    <dgm:alg type="tx"/>
+                    <dgm:shape xmlns:r="http://schemas.openxmlformats.org/officeDocument/2006/relationships" type="roundRect" r:blip="">
+                      <dgm:adjLst/>
+                    </dgm:shape>
+                    <dgm:presOf axis="self" ptType="node"/>
+                    <dgm:constrLst>
+                      <dgm:constr type="userS"/>
+                      <dgm:constr type="w" refType="userS"/>
+                      <dgm:constr type="h" refType="w"/>
+                      <dgm:constr type="tMarg" refType="primFontSz" fact="0.2"/>
+                      <dgm:constr type="bMarg" refType="primFontSz" fact="0.2"/>
+                      <dgm:constr type="lMarg" refType="primFontSz" fact="0.2"/>
+                      <dgm:constr type="rMarg" refType="primFontSz" fact="0.2"/>
+                    </dgm:constrLst>
+                    <dgm:ruleLst>
+                      <dgm:rule type="primFontSz" val="5" fact="NaN" max="NaN"/>
+                    </dgm:ruleLst>
+                  </dgm:layoutNode>
+                  <dgm:forEach name="Name216" axis="ch">
+                    <dgm:forEach name="Name217" axis="self" ptType="parTrans">
+                      <dgm:layoutNode name="Name218">
+                        <dgm:alg type="conn">
+                          <dgm:param type="dim" val="1D"/>
+                          <dgm:param type="begPts" val="auto"/>
+                          <dgm:param type="endPts" val="auto"/>
+                          <dgm:param type="begSty" val="noArr"/>
+                          <dgm:param type="endSty" val="noArr"/>
+                        </dgm:alg>
+                        <dgm:shape xmlns:r="http://schemas.openxmlformats.org/officeDocument/2006/relationships" type="conn" r:blip="">
+                          <dgm:adjLst/>
+                        </dgm:shape>
+                        <dgm:presOf axis="self"/>
+                        <dgm:constrLst>
+                          <dgm:constr type="begPad"/>
+                          <dgm:constr type="endPad"/>
+                        </dgm:constrLst>
+                      </dgm:layoutNode>
+                    </dgm:forEach>
+                    <dgm:forEach name="Name219" axis="self" ptType="node">
+                      <dgm:layoutNode name="text2" styleLbl="node1">
+                        <dgm:varLst>
+                          <dgm:bulletEnabled val="1"/>
+                        </dgm:varLst>
+                        <dgm:alg type="tx"/>
+                        <dgm:shape xmlns:r="http://schemas.openxmlformats.org/officeDocument/2006/relationships" type="roundRect" r:blip="">
+                          <dgm:adjLst/>
+                        </dgm:shape>
+                        <dgm:presOf axis="desOrSelf" ptType="node"/>
+                        <dgm:constrLst>
+                          <dgm:constr type="userS"/>
+                          <dgm:constr type="w" refType="userS"/>
+                          <dgm:constr type="h" refType="w"/>
+                          <dgm:constr type="tMarg" refType="primFontSz" fact="0.2"/>
+                          <dgm:constr type="bMarg" refType="primFontSz" fact="0.2"/>
+                          <dgm:constr type="lMarg" refType="primFontSz" fact="0.2"/>
+                          <dgm:constr type="rMarg" refType="primFontSz" fact="0.2"/>
+                        </dgm:constrLst>
+                        <dgm:ruleLst>
+                          <dgm:rule type="primFontSz" val="5" fact="NaN" max="NaN"/>
+                        </dgm:ruleLst>
+                      </dgm:layoutNode>
+                    </dgm:forEach>
+                  </dgm:forEach>
+                </dgm:forEach>
+              </dgm:layoutNode>
+              <dgm:forEach name="Name220" axis="ch" ptType="parTrans" st="2" cnt="1">
+                <dgm:layoutNode name="Name221">
+                  <dgm:alg type="conn">
+                    <dgm:param type="dim" val="1D"/>
+                    <dgm:param type="begPts" val="auto"/>
+                    <dgm:param type="endPts" val="auto"/>
+                    <dgm:param type="endSty" val="noArr"/>
+                    <dgm:param type="srcNode" val="textCenter"/>
+                    <dgm:param type="dstNode" val="childCenter2"/>
+                  </dgm:alg>
+                  <dgm:shape xmlns:r="http://schemas.openxmlformats.org/officeDocument/2006/relationships" type="conn" r:blip="" zOrderOff="-999">
+                    <dgm:adjLst/>
+                  </dgm:shape>
+                  <dgm:presOf axis="self"/>
+                  <dgm:constrLst>
+                    <dgm:constr type="h"/>
+                    <dgm:constr type="begPad"/>
+                    <dgm:constr type="endPad"/>
+                  </dgm:constrLst>
+                </dgm:layoutNode>
+              </dgm:forEach>
+            </dgm:if>
+            <dgm:else name="Name222"/>
+          </dgm:choose>
+          <dgm:choose name="Name223">
+            <dgm:if name="Name224" axis="ch" ptType="node" func="cnt" op="gte" val="3">
+              <dgm:layoutNode name="cycle_3">
+                <dgm:choose name="Name225">
+                  <dgm:if name="Name226" func="var" arg="dir" op="equ" val="norm">
+                    <dgm:choose name="Name227">
+                      <dgm:if name="Name228" axis="ch" ptType="node" func="cnt" op="equ" val="3">
+                        <dgm:choose name="Name229">
+                          <dgm:if name="Name230" axis="ch ch" ptType="node node" st="3 1" cnt="1 0" func="cnt" op="equ" val="1">
+                            <dgm:alg type="cycle">
+                              <dgm:param type="ctrShpMap" val="fNode"/>
+                              <dgm:param type="stAng" val="240"/>
+                              <dgm:param type="horzAlign" val="l"/>
+                              <dgm:param type="vertAlign" val="b"/>
+                            </dgm:alg>
+                          </dgm:if>
+                          <dgm:if name="Name231" axis="ch ch" ptType="node node" st="3 1" cnt="1 0" func="cnt" op="equ" val="2">
+                            <dgm:alg type="cycle">
+                              <dgm:param type="ctrShpMap" val="fNode"/>
+                              <dgm:param type="stAng" val="195"/>
+                              <dgm:param type="spanAng" val="90"/>
+                              <dgm:param type="horzAlign" val="l"/>
+                              <dgm:param type="vertAlign" val="b"/>
+                            </dgm:alg>
+                          </dgm:if>
+                          <dgm:else name="Name232">
+                            <dgm:alg type="cycle">
+                              <dgm:param type="ctrShpMap" val="fNode"/>
+                              <dgm:param type="stAng" val="150"/>
+                              <dgm:param type="spanAng" val="180"/>
+                            </dgm:alg>
+                          </dgm:else>
+                        </dgm:choose>
+                      </dgm:if>
+                      <dgm:if name="Name233" axis="ch" ptType="node" func="cnt" op="equ" val="4">
+                        <dgm:choose name="Name234">
+                          <dgm:if name="Name235" axis="ch ch" ptType="node node" st="3 1" cnt="1 0" func="cnt" op="equ" val="1">
+                            <dgm:alg type="cycle">
+                              <dgm:param type="ctrShpMap" val="fNode"/>
+                              <dgm:param type="stAng" val="180"/>
+                            </dgm:alg>
+                          </dgm:if>
+                          <dgm:if name="Name236" axis="ch ch" ptType="node node" st="3 1" cnt="1 0" func="cnt" op="equ" val="2">
+                            <dgm:alg type="cycle">
+                              <dgm:param type="ctrShpMap" val="fNode"/>
+                              <dgm:param type="stAng" val="135"/>
+                              <dgm:param type="spanAng" val="90"/>
+                            </dgm:alg>
+                          </dgm:if>
+                          <dgm:else name="Name237">
+                            <dgm:alg type="cycle">
+                              <dgm:param type="ctrShpMap" val="fNode"/>
+                              <dgm:param type="stAng" val="112.5"/>
+                              <dgm:param type="spanAng" val="135"/>
+                            </dgm:alg>
+                          </dgm:else>
+                        </dgm:choose>
+                      </dgm:if>
+                      <dgm:if name="Name238" axis="ch" ptType="node" func="cnt" op="equ" val="5">
+                        <dgm:choose name="Name239">
+                          <dgm:if name="Name240" axis="ch ch" ptType="node node" st="3 1" cnt="1 0" func="cnt" op="equ" val="1">
+                            <dgm:alg type="cycle">
+                              <dgm:param type="ctrShpMap" val="fNode"/>
+                              <dgm:param type="stAng" val="144"/>
+                            </dgm:alg>
+                          </dgm:if>
+                          <dgm:if name="Name241" axis="ch ch" ptType="node node" st="3 1" cnt="1 0" func="cnt" op="equ" val="2">
+                            <dgm:alg type="cycle">
+                              <dgm:param type="ctrShpMap" val="fNode"/>
+                              <dgm:param type="stAng" val="99"/>
+                              <dgm:param type="spanAng" val="90"/>
+                            </dgm:alg>
+                          </dgm:if>
+                          <dgm:else name="Name242">
+                            <dgm:alg type="cycle">
+                              <dgm:param type="ctrShpMap" val="fNode"/>
+                              <dgm:param type="stAng" val="0"/>
+                              <dgm:param type="spanAng" val="360"/>
+                            </dgm:alg>
+                          </dgm:else>
+                        </dgm:choose>
+                      </dgm:if>
+                      <dgm:if name="Name243" axis="ch" ptType="node" func="cnt" op="equ" val="6">
+                        <dgm:choose name="Name244">
+                          <dgm:if name="Name245" axis="ch ch" ptType="node node" st="3 1" cnt="1 0" func="cnt" op="equ" val="1">
+                            <dgm:alg type="cycle">
+                              <dgm:param type="ctrShpMap" val="fNode"/>
+                              <dgm:param type="stAng" val="120"/>
+                            </dgm:alg>
+                          </dgm:if>
+                          <dgm:if name="Name246" axis="ch ch" ptType="node node" st="3 1" cnt="1 0" func="cnt" op="equ" val="2">
+                            <dgm:alg type="cycle">
+                              <dgm:param type="ctrShpMap" val="fNode"/>
+                              <dgm:param type="stAng" val="75"/>
+                              <dgm:param type="spanAng" val="90"/>
+                            </dgm:alg>
+                          </dgm:if>
+                          <dgm:else name="Name247">
+                            <dgm:alg type="cycle">
+                              <dgm:param type="ctrShpMap" val="fNode"/>
+                              <dgm:param type="stAng" val="0"/>
+                              <dgm:param type="spanAng" val="360"/>
+                            </dgm:alg>
+                          </dgm:else>
+                        </dgm:choose>
+                      </dgm:if>
+                      <dgm:if name="Name248" axis="ch" ptType="node" func="cnt" op="gte" val="7">
+                        <dgm:choose name="Name249">
+                          <dgm:if name="Name250" axis="ch ch" ptType="node node" st="3 1" cnt="1 0" func="cnt" op="equ" val="1">
+                            <dgm:alg type="cycle">
+                              <dgm:param type="ctrShpMap" val="fNode"/>
+                              <dgm:param type="stAng" val="102"/>
+                            </dgm:alg>
+                          </dgm:if>
+                          <dgm:if name="Name251" axis="ch ch" ptType="node node" st="3 1" cnt="1 0" func="cnt" op="equ" val="2">
+                            <dgm:alg type="cycle">
+                              <dgm:param type="ctrShpMap" val="fNode"/>
+                              <dgm:param type="stAng" val="57"/>
+                              <dgm:param type="spanAng" val="90"/>
+                            </dgm:alg>
+                          </dgm:if>
+                          <dgm:else name="Name252">
+                            <dgm:alg type="cycle">
+                              <dgm:param type="ctrShpMap" val="fNode"/>
+                              <dgm:param type="stAng" val="0"/>
+                              <dgm:param type="spanAng" val="360"/>
+                            </dgm:alg>
+                          </dgm:else>
+                        </dgm:choose>
+                      </dgm:if>
+                      <dgm:else name="Name253"/>
+                    </dgm:choose>
+                  </dgm:if>
+                  <dgm:else name="Name254">
+                    <dgm:choose name="Name255">
+                      <dgm:if name="Name256" axis="ch" ptType="node" func="cnt" op="equ" val="3">
+                        <dgm:choose name="Name257">
+                          <dgm:if name="Name258" axis="ch ch" ptType="node node" st="3 1" cnt="1 0" func="cnt" op="equ" val="1">
+                            <dgm:alg type="cycle">
+                              <dgm:param type="ctrShpMap" val="fNode"/>
+                              <dgm:param type="stAng" val="120"/>
+                              <dgm:param type="horzAlign" val="r"/>
+                              <dgm:param type="vertAlign" val="b"/>
+                            </dgm:alg>
+                          </dgm:if>
+                          <dgm:if name="Name259" axis="ch ch" ptType="node node" st="3 1" cnt="1 0" func="cnt" op="equ" val="2">
+                            <dgm:alg type="cycle">
+                              <dgm:param type="ctrShpMap" val="fNode"/>
+                              <dgm:param type="stAng" val="165"/>
+                              <dgm:param type="spanAng" val="-90"/>
+                              <dgm:param type="horzAlign" val="r"/>
+                              <dgm:param type="vertAlign" val="b"/>
+                            </dgm:alg>
+                          </dgm:if>
+                          <dgm:else name="Name260">
+                            <dgm:alg type="cycle">
+                              <dgm:param type="ctrShpMap" val="fNode"/>
+                              <dgm:param type="stAng" val="210"/>
+                              <dgm:param type="spanAng" val="-180"/>
+                            </dgm:alg>
+                          </dgm:else>
+                        </dgm:choose>
+                      </dgm:if>
+                      <dgm:if name="Name261" axis="ch" ptType="node" func="cnt" op="equ" val="4">
+                        <dgm:choose name="Name262">
+                          <dgm:if name="Name263" axis="ch ch" ptType="node node" st="3 1" cnt="1 0" func="cnt" op="equ" val="1">
+                            <dgm:alg type="cycle">
+                              <dgm:param type="ctrShpMap" val="fNode"/>
+                              <dgm:param type="stAng" val="180"/>
+                            </dgm:alg>
+                          </dgm:if>
+                          <dgm:if name="Name264" axis="ch ch" ptType="node node" st="3 1" cnt="1 0" func="cnt" op="equ" val="2">
+                            <dgm:alg type="cycle">
+                              <dgm:param type="ctrShpMap" val="fNode"/>
+                              <dgm:param type="stAng" val="225"/>
+                              <dgm:param type="spanAng" val="-90"/>
+                            </dgm:alg>
+                          </dgm:if>
+                          <dgm:else name="Name265">
+                            <dgm:alg type="cycle">
+                              <dgm:param type="ctrShpMap" val="fNode"/>
+                              <dgm:param type="stAng" val="247.5"/>
+                              <dgm:param type="spanAng" val="-135"/>
+                            </dgm:alg>
+                          </dgm:else>
+                        </dgm:choose>
+                      </dgm:if>
+                      <dgm:if name="Name266" axis="ch" ptType="node" func="cnt" op="equ" val="5">
+                        <dgm:choose name="Name267">
+                          <dgm:if name="Name268" axis="ch ch" ptType="node node" st="3 1" cnt="1 0" func="cnt" op="equ" val="1">
+                            <dgm:alg type="cycle">
+                              <dgm:param type="ctrShpMap" val="fNode"/>
+                              <dgm:param type="stAng" val="216"/>
+                            </dgm:alg>
+                          </dgm:if>
+                          <dgm:if name="Name269" axis="ch ch" ptType="node node" st="3 1" cnt="1 0" func="cnt" op="equ" val="2">
+                            <dgm:alg type="cycle">
+                              <dgm:param type="ctrShpMap" val="fNode"/>
+                              <dgm:param type="stAng" val="261"/>
+                              <dgm:param type="spanAng" val="-90"/>
+                            </dgm:alg>
+                          </dgm:if>
+                          <dgm:else name="Name270">
+                            <dgm:alg type="cycle">
+                              <dgm:param type="ctrShpMap" val="fNode"/>
+                              <dgm:param type="stAng" val="0"/>
+                              <dgm:param type="spanAng" val="-360"/>
+                            </dgm:alg>
+                          </dgm:else>
+                        </dgm:choose>
+                      </dgm:if>
+                      <dgm:if name="Name271" axis="ch" ptType="node" func="cnt" op="equ" val="6">
+                        <dgm:choose name="Name272">
+                          <dgm:if name="Name273" axis="ch ch" ptType="node node" st="3 1" cnt="1 0" func="cnt" op="equ" val="1">
+                            <dgm:alg type="cycle">
+                              <dgm:param type="ctrShpMap" val="fNode"/>
+                              <dgm:param type="stAng" val="240"/>
+                            </dgm:alg>
+                          </dgm:if>
+                          <dgm:if name="Name274" axis="ch ch" ptType="node node" st="3 1" cnt="1 0" func="cnt" op="equ" val="2">
+                            <dgm:alg type="cycle">
+                              <dgm:param type="ctrShpMap" val="fNode"/>
+                              <dgm:param type="stAng" val="285"/>
+                              <dgm:param type="spanAng" val="-90"/>
+                            </dgm:alg>
+                          </dgm:if>
+                          <dgm:else name="Name275">
+                            <dgm:alg type="cycle">
+                              <dgm:param type="ctrShpMap" val="fNode"/>
+                              <dgm:param type="stAng" val="0"/>
+                              <dgm:param type="spanAng" val="-360"/>
+                            </dgm:alg>
+                          </dgm:else>
+                        </dgm:choose>
+                      </dgm:if>
+                      <dgm:if name="Name276" axis="ch" ptType="node" func="cnt" op="gte" val="7">
+                        <dgm:choose name="Name277">
+                          <dgm:if name="Name278" axis="ch ch" ptType="node node" st="3 1" cnt="1 0" func="cnt" op="equ" val="1">
+                            <dgm:alg type="cycle">
+                              <dgm:param type="ctrShpMap" val="fNode"/>
+                              <dgm:param type="stAng" val="257"/>
+                            </dgm:alg>
+                          </dgm:if>
+                          <dgm:if name="Name279" axis="ch ch" ptType="node node" st="3 1" cnt="1 0" func="cnt" op="equ" val="2">
+                            <dgm:alg type="cycle">
+                              <dgm:param type="ctrShpMap" val="fNode"/>
+                              <dgm:param type="stAng" val="302"/>
+                              <dgm:param type="spanAng" val="-90"/>
+                            </dgm:alg>
+                          </dgm:if>
+                          <dgm:else name="Name280">
+                            <dgm:alg type="cycle">
+                              <dgm:param type="ctrShpMap" val="fNode"/>
+                              <dgm:param type="stAng" val="0"/>
+                              <dgm:param type="spanAng" val="-360"/>
+                            </dgm:alg>
+                          </dgm:else>
+                        </dgm:choose>
+                      </dgm:if>
+                      <dgm:else name="Name281"/>
+                    </dgm:choose>
+                  </dgm:else>
+                </dgm:choose>
+                <dgm:shape xmlns:r="http://schemas.openxmlformats.org/officeDocument/2006/relationships" r:blip="">
+                  <dgm:adjLst/>
+                </dgm:shape>
+                <dgm:presOf/>
+                <dgm:constrLst>
+                  <dgm:constr type="sp" refType="w" fact="0.1"/>
+                  <dgm:constr type="sibSp" refType="w" fact="0.1"/>
+                </dgm:constrLst>
+                <dgm:forEach name="Name282" axis="ch" ptType="node" st="3" cnt="1">
+                  <dgm:layoutNode name="childCenter3" styleLbl="node1">
+                    <dgm:alg type="tx"/>
+                    <dgm:shape xmlns:r="http://schemas.openxmlformats.org/officeDocument/2006/relationships" type="roundRect" r:blip="">
+                      <dgm:adjLst/>
+                    </dgm:shape>
+                    <dgm:presOf axis="self" ptType="node"/>
+                    <dgm:constrLst>
+                      <dgm:constr type="userS"/>
+                      <dgm:constr type="w" refType="userS"/>
+                      <dgm:constr type="h" refType="w"/>
+                      <dgm:constr type="tMarg" refType="primFontSz" fact="0.2"/>
+                      <dgm:constr type="bMarg" refType="primFontSz" fact="0.2"/>
+                      <dgm:constr type="lMarg" refType="primFontSz" fact="0.2"/>
+                      <dgm:constr type="rMarg" refType="primFontSz" fact="0.2"/>
+                    </dgm:constrLst>
+                    <dgm:ruleLst>
+                      <dgm:rule type="primFontSz" val="5" fact="NaN" max="NaN"/>
+                    </dgm:ruleLst>
+                  </dgm:layoutNode>
+                  <dgm:forEach name="Name283" axis="ch">
+                    <dgm:forEach name="Name284" axis="self" ptType="parTrans">
+                      <dgm:layoutNode name="Name285">
+                        <dgm:alg type="conn">
+                          <dgm:param type="dim" val="1D"/>
+                          <dgm:param type="begPts" val="auto"/>
+                          <dgm:param type="endPts" val="auto"/>
+                          <dgm:param type="begSty" val="noArr"/>
+                          <dgm:param type="endSty" val="noArr"/>
+                        </dgm:alg>
+                        <dgm:shape xmlns:r="http://schemas.openxmlformats.org/officeDocument/2006/relationships" type="conn" r:blip="">
+                          <dgm:adjLst/>
+                        </dgm:shape>
+                        <dgm:presOf axis="self"/>
+                        <dgm:constrLst>
+                          <dgm:constr type="begPad"/>
+                          <dgm:constr type="endPad"/>
+                        </dgm:constrLst>
+                      </dgm:layoutNode>
+                    </dgm:forEach>
+                    <dgm:forEach name="Name286" axis="self" ptType="node">
+                      <dgm:layoutNode name="text3" styleLbl="node1">
+                        <dgm:varLst>
+                          <dgm:bulletEnabled val="1"/>
+                        </dgm:varLst>
+                        <dgm:alg type="tx"/>
+                        <dgm:shape xmlns:r="http://schemas.openxmlformats.org/officeDocument/2006/relationships" type="roundRect" r:blip="">
+                          <dgm:adjLst/>
+                        </dgm:shape>
+                        <dgm:presOf axis="desOrSelf" ptType="node"/>
+                        <dgm:constrLst>
+                          <dgm:constr type="userS"/>
+                          <dgm:constr type="w" refType="userS"/>
+                          <dgm:constr type="h" refType="w"/>
+                          <dgm:constr type="tMarg" refType="primFontSz" fact="0.2"/>
+                          <dgm:constr type="bMarg" refType="primFontSz" fact="0.2"/>
+                          <dgm:constr type="lMarg" refType="primFontSz" fact="0.2"/>
+                          <dgm:constr type="rMarg" refType="primFontSz" fact="0.2"/>
+                        </dgm:constrLst>
+                        <dgm:ruleLst>
+                          <dgm:rule type="primFontSz" val="5" fact="NaN" max="NaN"/>
+                        </dgm:ruleLst>
+                      </dgm:layoutNode>
+                    </dgm:forEach>
+                  </dgm:forEach>
+                </dgm:forEach>
+              </dgm:layoutNode>
+              <dgm:forEach name="Name287" axis="ch" ptType="parTrans" st="3" cnt="1">
+                <dgm:layoutNode name="Name288">
+                  <dgm:alg type="conn">
+                    <dgm:param type="dim" val="1D"/>
+                    <dgm:param type="begPts" val="auto"/>
+                    <dgm:param type="endPts" val="auto"/>
+                    <dgm:param type="endSty" val="noArr"/>
+                    <dgm:param type="srcNode" val="textCenter"/>
+                    <dgm:param type="dstNode" val="childCenter3"/>
+                  </dgm:alg>
+                  <dgm:shape xmlns:r="http://schemas.openxmlformats.org/officeDocument/2006/relationships" type="conn" r:blip="" zOrderOff="-999">
+                    <dgm:adjLst/>
+                  </dgm:shape>
+                  <dgm:presOf axis="self"/>
+                  <dgm:constrLst>
+                    <dgm:constr type="h"/>
+                    <dgm:constr type="begPad"/>
+                    <dgm:constr type="endPad"/>
+                  </dgm:constrLst>
+                </dgm:layoutNode>
+              </dgm:forEach>
+            </dgm:if>
+            <dgm:else name="Name289"/>
+          </dgm:choose>
+          <dgm:choose name="Name290">
+            <dgm:if name="Name291" axis="ch" ptType="node" func="cnt" op="gte" val="4">
+              <dgm:layoutNode name="cycle_4">
+                <dgm:choose name="Name292">
+                  <dgm:if name="Name293" func="var" arg="dir" op="equ" val="norm">
+                    <dgm:choose name="Name294">
+                      <dgm:if name="Name295" axis="ch" ptType="node" func="cnt" op="equ" val="4">
+                        <dgm:choose name="Name296">
+                          <dgm:if name="Name297" axis="ch ch" ptType="node node" st="4 1" cnt="1 0" func="cnt" op="equ" val="1">
+                            <dgm:alg type="cycle">
+                              <dgm:param type="ctrShpMap" val="fNode"/>
+                              <dgm:param type="stAng" val="270"/>
+                            </dgm:alg>
+                          </dgm:if>
+                          <dgm:if name="Name298" axis="ch ch" ptType="node node" st="4 1" cnt="1 0" func="cnt" op="equ" val="2">
+                            <dgm:alg type="cycle">
+                              <dgm:param type="ctrShpMap" val="fNode"/>
+                              <dgm:param type="stAng" val="225"/>
+                              <dgm:param type="spanAng" val="90"/>
+                            </dgm:alg>
+                          </dgm:if>
+                          <dgm:else name="Name299">
+                            <dgm:alg type="cycle">
+                              <dgm:param type="ctrShpMap" val="fNode"/>
+                              <dgm:param type="stAng" val="202.5"/>
+                              <dgm:param type="spanAng" val="135"/>
+                            </dgm:alg>
+                          </dgm:else>
+                        </dgm:choose>
+                      </dgm:if>
+                      <dgm:if name="Name300" axis="ch" ptType="node" func="cnt" op="equ" val="5">
+                        <dgm:choose name="Name301">
+                          <dgm:if name="Name302" axis="ch ch" ptType="node node" st="4 1" cnt="1 0" func="cnt" op="equ" val="1">
+                            <dgm:alg type="cycle">
+                              <dgm:param type="ctrShpMap" val="fNode"/>
+                              <dgm:param type="stAng" val="216"/>
+                            </dgm:alg>
+                          </dgm:if>
+                          <dgm:if name="Name303" axis="ch ch" ptType="node node" st="4 1" cnt="1 0" func="cnt" op="equ" val="2">
+                            <dgm:alg type="cycle">
+                              <dgm:param type="ctrShpMap" val="fNode"/>
+                              <dgm:param type="stAng" val="171"/>
+                              <dgm:param type="spanAng" val="90"/>
+                            </dgm:alg>
+                          </dgm:if>
+                          <dgm:else name="Name304">
+                            <dgm:alg type="cycle">
+                              <dgm:param type="ctrShpMap" val="fNode"/>
+                              <dgm:param type="stAng" val="0"/>
+                              <dgm:param type="spanAng" val="360"/>
+                            </dgm:alg>
+                          </dgm:else>
+                        </dgm:choose>
+                      </dgm:if>
+                      <dgm:if name="Name305" axis="ch" ptType="node" func="cnt" op="equ" val="6">
+                        <dgm:choose name="Name306">
+                          <dgm:if name="Name307" axis="ch ch" ptType="node node" st="4 1" cnt="1 0" func="cnt" op="equ" val="1">
+                            <dgm:alg type="cycle">
+                              <dgm:param type="ctrShpMap" val="fNode"/>
+                              <dgm:param type="stAng" val="180"/>
+                            </dgm:alg>
+                          </dgm:if>
+                          <dgm:if name="Name308" axis="ch ch" ptType="node node" st="4 1" cnt="1 0" func="cnt" op="equ" val="2">
+                            <dgm:alg type="cycle">
+                              <dgm:param type="ctrShpMap" val="fNode"/>
+                              <dgm:param type="stAng" val="135"/>
+                              <dgm:param type="spanAng" val="90"/>
+                            </dgm:alg>
+                          </dgm:if>
+                          <dgm:else name="Name309">
+                            <dgm:alg type="cycle">
+                              <dgm:param type="ctrShpMap" val="fNode"/>
+                              <dgm:param type="stAng" val="0"/>
+                              <dgm:param type="spanAng" val="360"/>
+                            </dgm:alg>
+                          </dgm:else>
+                        </dgm:choose>
+                      </dgm:if>
+                      <dgm:if name="Name310" axis="ch" ptType="node" func="cnt" op="gte" val="7">
+                        <dgm:choose name="Name311">
+                          <dgm:if name="Name312" axis="ch ch" ptType="node node" st="4 1" cnt="1 0" func="cnt" op="equ" val="1">
+                            <dgm:alg type="cycle">
+                              <dgm:param type="ctrShpMap" val="fNode"/>
+                              <dgm:param type="stAng" val="154"/>
+                            </dgm:alg>
+                          </dgm:if>
+                          <dgm:if name="Name313" axis="ch ch" ptType="node node" st="4 1" cnt="1 0" func="cnt" op="equ" val="2">
+                            <dgm:alg type="cycle">
+                              <dgm:param type="ctrShpMap" val="fNode"/>
+                              <dgm:param type="stAng" val="109"/>
+                              <dgm:param type="spanAng" val="90"/>
+                            </dgm:alg>
+                          </dgm:if>
+                          <dgm:else name="Name314">
+                            <dgm:alg type="cycle">
+                              <dgm:param type="ctrShpMap" val="fNode"/>
+                              <dgm:param type="stAng" val="0"/>
+                              <dgm:param type="spanAng" val="360"/>
+                            </dgm:alg>
+                          </dgm:else>
+                        </dgm:choose>
+                      </dgm:if>
+                      <dgm:else name="Name315"/>
+                    </dgm:choose>
+                  </dgm:if>
+                  <dgm:else name="Name316">
+                    <dgm:choose name="Name317">
+                      <dgm:if name="Name318" axis="ch" ptType="node" func="cnt" op="equ" val="4">
+                        <dgm:choose name="Name319">
+                          <dgm:if name="Name320" axis="ch ch" ptType="node node" st="4 1" cnt="1 0" func="cnt" op="equ" val="1">
+                            <dgm:alg type="cycle">
+                              <dgm:param type="ctrShpMap" val="fNode"/>
+                              <dgm:param type="stAng" val="90"/>
+                            </dgm:alg>
+                          </dgm:if>
+                          <dgm:if name="Name321" axis="ch ch" ptType="node node" st="4 1" cnt="1 0" func="cnt" op="equ" val="2">
+                            <dgm:alg type="cycle">
+                              <dgm:param type="ctrShpMap" val="fNode"/>
+                              <dgm:param type="stAng" val="135"/>
+                              <dgm:param type="spanAng" val="-90"/>
+                            </dgm:alg>
+                          </dgm:if>
+                          <dgm:else name="Name322">
+                            <dgm:alg type="cycle">
+                              <dgm:param type="ctrShpMap" val="fNode"/>
+                              <dgm:param type="stAng" val="157.5"/>
+                              <dgm:param type="spanAng" val="-135"/>
+                            </dgm:alg>
+                          </dgm:else>
+                        </dgm:choose>
+                      </dgm:if>
+                      <dgm:if name="Name323" axis="ch" ptType="node" func="cnt" op="equ" val="5">
+                        <dgm:choose name="Name324">
+                          <dgm:if name="Name325" axis="ch ch" ptType="node node" st="4 1" cnt="1 0" func="cnt" op="equ" val="1">
+                            <dgm:alg type="cycle">
+                              <dgm:param type="ctrShpMap" val="fNode"/>
+                              <dgm:param type="stAng" val="144"/>
+                            </dgm:alg>
+                          </dgm:if>
+                          <dgm:if name="Name326" axis="ch ch" ptType="node node" st="4 1" cnt="1 0" func="cnt" op="equ" val="2">
+                            <dgm:alg type="cycle">
+                              <dgm:param type="ctrShpMap" val="fNode"/>
+                              <dgm:param type="stAng" val="189"/>
+                              <dgm:param type="spanAng" val="-90"/>
+                            </dgm:alg>
+                          </dgm:if>
+                          <dgm:else name="Name327">
+                            <dgm:alg type="cycle">
+                              <dgm:param type="ctrShpMap" val="fNode"/>
+                              <dgm:param type="stAng" val="0"/>
+                              <dgm:param type="spanAng" val="-360"/>
+                            </dgm:alg>
+                          </dgm:else>
+                        </dgm:choose>
+                      </dgm:if>
+                      <dgm:if name="Name328" axis="ch" ptType="node" func="cnt" op="equ" val="6">
+                        <dgm:choose name="Name329">
+                          <dgm:if name="Name330" axis="ch ch" ptType="node node" st="4 1" cnt="1 0" func="cnt" op="equ" val="1">
+                            <dgm:alg type="cycle">
+                              <dgm:param type="ctrShpMap" val="fNode"/>
+                              <dgm:param type="stAng" val="180"/>
+                            </dgm:alg>
+                          </dgm:if>
+                          <dgm:if name="Name331" axis="ch ch" ptType="node node" st="4 1" cnt="1 0" func="cnt" op="equ" val="2">
+                            <dgm:alg type="cycle">
+                              <dgm:param type="ctrShpMap" val="fNode"/>
+                              <dgm:param type="stAng" val="225"/>
+                              <dgm:param type="spanAng" val="-90"/>
+                            </dgm:alg>
+                          </dgm:if>
+                          <dgm:else name="Name332">
+                            <dgm:alg type="cycle">
+                              <dgm:param type="ctrShpMap" val="fNode"/>
+                              <dgm:param type="stAng" val="0"/>
+                              <dgm:param type="spanAng" val="-360"/>
+                            </dgm:alg>
+                          </dgm:else>
+                        </dgm:choose>
+                      </dgm:if>
+                      <dgm:if name="Name333" axis="ch" ptType="node" func="cnt" op="gte" val="7">
+                        <dgm:choose name="Name334">
+                          <dgm:if name="Name335" axis="ch ch" ptType="node node" st="4 1" cnt="1 0" func="cnt" op="equ" val="1">
+                            <dgm:alg type="cycle">
+                              <dgm:param type="ctrShpMap" val="fNode"/>
+                              <dgm:param type="stAng" val="205"/>
+                            </dgm:alg>
+                          </dgm:if>
+                          <dgm:if name="Name336" axis="ch ch" ptType="node node" st="4 1" cnt="1 0" func="cnt" op="equ" val="2">
+                            <dgm:alg type="cycle">
+                              <dgm:param type="ctrShpMap" val="fNode"/>
+                              <dgm:param type="stAng" val="250"/>
+                              <dgm:param type="spanAng" val="-90"/>
+                            </dgm:alg>
+                          </dgm:if>
+                          <dgm:else name="Name337">
+                            <dgm:alg type="cycle">
+                              <dgm:param type="ctrShpMap" val="fNode"/>
+                              <dgm:param type="stAng" val="0"/>
+                              <dgm:param type="spanAng" val="-360"/>
+                            </dgm:alg>
+                          </dgm:else>
+                        </dgm:choose>
+                      </dgm:if>
+                      <dgm:else name="Name338"/>
+                    </dgm:choose>
+                  </dgm:else>
+                </dgm:choose>
+                <dgm:shape xmlns:r="http://schemas.openxmlformats.org/officeDocument/2006/relationships" r:blip="">
+                  <dgm:adjLst/>
+                </dgm:shape>
+                <dgm:presOf/>
+                <dgm:constrLst>
+                  <dgm:constr type="sp" refType="w" fact="0.1"/>
+                  <dgm:constr type="sibSp" refType="w" fact="0.1"/>
+                </dgm:constrLst>
+                <dgm:forEach name="Name339" axis="ch" ptType="node" st="4" cnt="1">
+                  <dgm:layoutNode name="childCenter4" styleLbl="node1">
+                    <dgm:alg type="tx"/>
+                    <dgm:shape xmlns:r="http://schemas.openxmlformats.org/officeDocument/2006/relationships" type="roundRect" r:blip="">
+                      <dgm:adjLst/>
+                    </dgm:shape>
+                    <dgm:presOf axis="self" ptType="node"/>
+                    <dgm:constrLst>
+                      <dgm:constr type="userS"/>
+                      <dgm:constr type="w" refType="userS"/>
+                      <dgm:constr type="h" refType="w"/>
+                      <dgm:constr type="tMarg" refType="primFontSz" fact="0.2"/>
+                      <dgm:constr type="bMarg" refType="primFontSz" fact="0.2"/>
+                      <dgm:constr type="lMarg" refType="primFontSz" fact="0.2"/>
+                      <dgm:constr type="rMarg" refType="primFontSz" fact="0.2"/>
+                    </dgm:constrLst>
+                    <dgm:ruleLst>
+                      <dgm:rule type="primFontSz" val="5" fact="NaN" max="NaN"/>
+                    </dgm:ruleLst>
+                  </dgm:layoutNode>
+                  <dgm:forEach name="Name340" axis="ch">
+                    <dgm:forEach name="Name341" axis="self" ptType="parTrans">
+                      <dgm:layoutNode name="Name342">
+                        <dgm:alg type="conn">
+                          <dgm:param type="dim" val="1D"/>
+                          <dgm:param type="begPts" val="auto"/>
+                          <dgm:param type="endPts" val="auto"/>
+                          <dgm:param type="begSty" val="noArr"/>
+                          <dgm:param type="endSty" val="noArr"/>
+                        </dgm:alg>
+                        <dgm:shape xmlns:r="http://schemas.openxmlformats.org/officeDocument/2006/relationships" type="conn" r:blip="">
+                          <dgm:adjLst/>
+                        </dgm:shape>
+                        <dgm:presOf axis="self"/>
+                        <dgm:constrLst>
+                          <dgm:constr type="begPad"/>
+                          <dgm:constr type="endPad"/>
+                        </dgm:constrLst>
+                      </dgm:layoutNode>
+                    </dgm:forEach>
+                    <dgm:forEach name="Name343" axis="self" ptType="node">
+                      <dgm:layoutNode name="text4" styleLbl="node1">
+                        <dgm:varLst>
+                          <dgm:bulletEnabled val="1"/>
+                        </dgm:varLst>
+                        <dgm:alg type="tx"/>
+                        <dgm:shape xmlns:r="http://schemas.openxmlformats.org/officeDocument/2006/relationships" type="roundRect" r:blip="">
+                          <dgm:adjLst/>
+                        </dgm:shape>
+                        <dgm:presOf axis="desOrSelf" ptType="node"/>
+                        <dgm:constrLst>
+                          <dgm:constr type="userS"/>
+                          <dgm:constr type="w" refType="userS"/>
+                          <dgm:constr type="h" refType="w"/>
+                          <dgm:constr type="tMarg" refType="primFontSz" fact="0.2"/>
+                          <dgm:constr type="bMarg" refType="primFontSz" fact="0.2"/>
+                          <dgm:constr type="lMarg" refType="primFontSz" fact="0.2"/>
+                          <dgm:constr type="rMarg" refType="primFontSz" fact="0.2"/>
+                        </dgm:constrLst>
+                        <dgm:ruleLst>
+                          <dgm:rule type="primFontSz" val="5" fact="NaN" max="NaN"/>
+                        </dgm:ruleLst>
+                      </dgm:layoutNode>
+                    </dgm:forEach>
+                  </dgm:forEach>
+                </dgm:forEach>
+              </dgm:layoutNode>
+              <dgm:forEach name="Name344" axis="ch" ptType="parTrans" st="4" cnt="1">
+                <dgm:layoutNode name="Name345">
+                  <dgm:alg type="conn">
+                    <dgm:param type="dim" val="1D"/>
+                    <dgm:param type="begPts" val="auto"/>
+                    <dgm:param type="endPts" val="auto"/>
+                    <dgm:param type="endSty" val="noArr"/>
+                    <dgm:param type="srcNode" val="textCenter"/>
+                    <dgm:param type="dstNode" val="childCenter4"/>
+                  </dgm:alg>
+                  <dgm:shape xmlns:r="http://schemas.openxmlformats.org/officeDocument/2006/relationships" type="conn" r:blip="" zOrderOff="-999">
+                    <dgm:adjLst/>
+                  </dgm:shape>
+                  <dgm:presOf axis="self"/>
+                  <dgm:constrLst>
+                    <dgm:constr type="h"/>
+                    <dgm:constr type="begPad"/>
+                    <dgm:constr type="endPad"/>
+                  </dgm:constrLst>
+                </dgm:layoutNode>
+              </dgm:forEach>
+            </dgm:if>
+            <dgm:else name="Name346"/>
+          </dgm:choose>
+          <dgm:choose name="Name347">
+            <dgm:if name="Name348" axis="ch" ptType="node" func="cnt" op="gte" val="5">
+              <dgm:layoutNode name="cycle_5">
+                <dgm:choose name="Name349">
+                  <dgm:if name="Name350" func="var" arg="dir" op="equ" val="norm">
+                    <dgm:choose name="Name351">
+                      <dgm:if name="Name352" axis="ch" ptType="node" func="cnt" op="equ" val="5">
+                        <dgm:choose name="Name353">
+                          <dgm:if name="Name354" axis="ch ch" ptType="node node" st="5 1" cnt="1 0" func="cnt" op="equ" val="1">
+                            <dgm:alg type="cycle">
+                              <dgm:param type="ctrShpMap" val="fNode"/>
+                              <dgm:param type="stAng" val="288"/>
+                            </dgm:alg>
+                          </dgm:if>
+                          <dgm:if name="Name355" axis="ch ch" ptType="node node" st="5 1" cnt="1 0" func="cnt" op="equ" val="2">
+                            <dgm:alg type="cycle">
+                              <dgm:param type="ctrShpMap" val="fNode"/>
+                              <dgm:param type="stAng" val="243"/>
+                              <dgm:param type="spanAng" val="90"/>
+                            </dgm:alg>
+                          </dgm:if>
+                          <dgm:else name="Name356">
+                            <dgm:alg type="cycle">
+                              <dgm:param type="ctrShpMap" val="fNode"/>
+                              <dgm:param type="stAng" val="0"/>
+                              <dgm:param type="spanAng" val="360"/>
+                            </dgm:alg>
+                          </dgm:else>
+                        </dgm:choose>
+                      </dgm:if>
+                      <dgm:if name="Name357" axis="ch" ptType="node" func="cnt" op="equ" val="6">
+                        <dgm:choose name="Name358">
+                          <dgm:if name="Name359" axis="ch ch" ptType="node node" st="5 1" cnt="1 0" func="cnt" op="equ" val="1">
+                            <dgm:alg type="cycle">
+                              <dgm:param type="ctrShpMap" val="fNode"/>
+                              <dgm:param type="stAng" val="240"/>
+                            </dgm:alg>
+                          </dgm:if>
+                          <dgm:if name="Name360" axis="ch ch" ptType="node node" st="5 1" cnt="1 0" func="cnt" op="equ" val="2">
+                            <dgm:alg type="cycle">
+                              <dgm:param type="ctrShpMap" val="fNode"/>
+                              <dgm:param type="stAng" val="195"/>
+                              <dgm:param type="spanAng" val="90"/>
+                            </dgm:alg>
+                          </dgm:if>
+                          <dgm:else name="Name361">
+                            <dgm:alg type="cycle">
+                              <dgm:param type="ctrShpMap" val="fNode"/>
+                              <dgm:param type="stAng" val="0"/>
+                              <dgm:param type="spanAng" val="360"/>
+                            </dgm:alg>
+                          </dgm:else>
+                        </dgm:choose>
+                      </dgm:if>
+                      <dgm:if name="Name362" axis="ch" ptType="node" func="cnt" op="gte" val="7">
+                        <dgm:choose name="Name363">
+                          <dgm:if name="Name364" axis="ch ch" ptType="node node" st="5 1" cnt="1 0" func="cnt" op="equ" val="1">
+                            <dgm:alg type="cycle">
+                              <dgm:param type="ctrShpMap" val="fNode"/>
+                              <dgm:param type="stAng" val="205"/>
+                            </dgm:alg>
+                          </dgm:if>
+                          <dgm:if name="Name365" axis="ch ch" ptType="node node" st="5 1" cnt="1 0" func="cnt" op="equ" val="2">
+                            <dgm:alg type="cycle">
+                              <dgm:param type="ctrShpMap" val="fNode"/>
+                              <dgm:param type="stAng" val="160"/>
+                              <dgm:param type="spanAng" val="90"/>
+                            </dgm:alg>
+                          </dgm:if>
+                          <dgm:else name="Name366">
+                            <dgm:alg type="cycle">
+                              <dgm:param type="ctrShpMap" val="fNode"/>
+                              <dgm:param type="stAng" val="0"/>
+                              <dgm:param type="spanAng" val="360"/>
+                            </dgm:alg>
+                          </dgm:else>
+                        </dgm:choose>
+                      </dgm:if>
+                      <dgm:else name="Name367"/>
+                    </dgm:choose>
+                  </dgm:if>
+                  <dgm:else name="Name368">
+                    <dgm:choose name="Name369">
+                      <dgm:if name="Name370" axis="ch" ptType="node" func="cnt" op="equ" val="5">
+                        <dgm:choose name="Name371">
+                          <dgm:if name="Name372" axis="ch ch" ptType="node node" st="5 1" cnt="1 0" func="cnt" op="equ" val="1">
+                            <dgm:alg type="cycle">
+                              <dgm:param type="ctrShpMap" val="fNode"/>
+                              <dgm:param type="stAng" val="72"/>
+                            </dgm:alg>
+                          </dgm:if>
+                          <dgm:if name="Name373" axis="ch ch" ptType="node node" st="5 1" cnt="1 0" func="cnt" op="equ" val="2">
+                            <dgm:alg type="cycle">
+                              <dgm:param type="ctrShpMap" val="fNode"/>
+                              <dgm:param type="stAng" val="117"/>
+                              <dgm:param type="spanAng" val="-90"/>
+                            </dgm:alg>
+                          </dgm:if>
+                          <dgm:else name="Name374">
+                            <dgm:alg type="cycle">
+                              <dgm:param type="ctrShpMap" val="fNode"/>
+                              <dgm:param type="stAng" val="0"/>
+                              <dgm:param type="spanAng" val="-360"/>
+                            </dgm:alg>
+                          </dgm:else>
+                        </dgm:choose>
+                      </dgm:if>
+                      <dgm:if name="Name375" axis="ch" ptType="node" func="cnt" op="equ" val="6">
+                        <dgm:choose name="Name376">
+                          <dgm:if name="Name377" axis="ch ch" ptType="node node" st="5 1" cnt="1 0" func="cnt" op="equ" val="1">
+                            <dgm:alg type="cycle">
+                              <dgm:param type="ctrShpMap" val="fNode"/>
+                              <dgm:param type="stAng" val="120"/>
+                            </dgm:alg>
+                          </dgm:if>
+                          <dgm:if name="Name378" axis="ch ch" ptType="node node" st="5 1" cnt="1 0" func="cnt" op="equ" val="2">
+                            <dgm:alg type="cycle">
+                              <dgm:param type="ctrShpMap" val="fNode"/>
+                              <dgm:param type="stAng" val="165"/>
+                              <dgm:param type="spanAng" val="-90"/>
+                            </dgm:alg>
+                          </dgm:if>
+                          <dgm:else name="Name379">
+                            <dgm:alg type="cycle">
+                              <dgm:param type="ctrShpMap" val="fNode"/>
+                              <dgm:param type="stAng" val="0"/>
+                              <dgm:param type="spanAng" val="-360"/>
+                            </dgm:alg>
+                          </dgm:else>
+                        </dgm:choose>
+                      </dgm:if>
+                      <dgm:if name="Name380" axis="ch" ptType="node" func="cnt" op="gte" val="7">
+                        <dgm:choose name="Name381">
+                          <dgm:if name="Name382" axis="ch ch" ptType="node node" st="5 1" cnt="1 0" func="cnt" op="equ" val="1">
+                            <dgm:alg type="cycle">
+                              <dgm:param type="ctrShpMap" val="fNode"/>
+                              <dgm:param type="stAng" val="154"/>
+                            </dgm:alg>
+                          </dgm:if>
+                          <dgm:if name="Name383" axis="ch ch" ptType="node node" st="5 1" cnt="1 0" func="cnt" op="equ" val="2">
+                            <dgm:alg type="cycle">
+                              <dgm:param type="ctrShpMap" val="fNode"/>
+                              <dgm:param type="stAng" val="199"/>
+                              <dgm:param type="spanAng" val="-90"/>
+                            </dgm:alg>
+                          </dgm:if>
+                          <dgm:else name="Name384">
+                            <dgm:alg type="cycle">
+                              <dgm:param type="ctrShpMap" val="fNode"/>
+                              <dgm:param type="stAng" val="0"/>
+                              <dgm:param type="spanAng" val="-360"/>
+                            </dgm:alg>
+                          </dgm:else>
+                        </dgm:choose>
+                      </dgm:if>
+                      <dgm:else name="Name385"/>
+                    </dgm:choose>
+                  </dgm:else>
+                </dgm:choose>
+                <dgm:shape xmlns:r="http://schemas.openxmlformats.org/officeDocument/2006/relationships" r:blip="">
+                  <dgm:adjLst/>
+                </dgm:shape>
+                <dgm:presOf/>
+                <dgm:constrLst>
+                  <dgm:constr type="sp" refType="w" fact="0.1"/>
+                  <dgm:constr type="sibSp" refType="w" fact="0.1"/>
+                </dgm:constrLst>
+                <dgm:forEach name="Name386" axis="ch" ptType="node" st="5" cnt="1">
+                  <dgm:layoutNode name="childCenter5" styleLbl="node1">
+                    <dgm:alg type="tx"/>
+                    <dgm:shape xmlns:r="http://schemas.openxmlformats.org/officeDocument/2006/relationships" type="roundRect" r:blip="">
+                      <dgm:adjLst/>
+                    </dgm:shape>
+                    <dgm:presOf axis="self" ptType="node"/>
+                    <dgm:constrLst>
+                      <dgm:constr type="userS"/>
+                      <dgm:constr type="w" refType="userS"/>
+                      <dgm:constr type="h" refType="w"/>
+                      <dgm:constr type="tMarg" refType="primFontSz" fact="0.2"/>
+                      <dgm:constr type="bMarg" refType="primFontSz" fact="0.2"/>
+                      <dgm:constr type="lMarg" refType="primFontSz" fact="0.2"/>
+                      <dgm:constr type="rMarg" refType="primFontSz" fact="0.2"/>
+                    </dgm:constrLst>
+                    <dgm:ruleLst>
+                      <dgm:rule type="primFontSz" val="5" fact="NaN" max="NaN"/>
+                    </dgm:ruleLst>
+                  </dgm:layoutNode>
+                  <dgm:forEach name="Name387" axis="ch">
+                    <dgm:forEach name="Name388" axis="self" ptType="parTrans">
+                      <dgm:layoutNode name="Name389">
+                        <dgm:alg type="conn">
+                          <dgm:param type="dim" val="1D"/>
+                          <dgm:param type="begPts" val="auto"/>
+                          <dgm:param type="endPts" val="auto"/>
+                          <dgm:param type="begSty" val="noArr"/>
+                          <dgm:param type="endSty" val="noArr"/>
+                        </dgm:alg>
+                        <dgm:shape xmlns:r="http://schemas.openxmlformats.org/officeDocument/2006/relationships" type="conn" r:blip="">
+                          <dgm:adjLst/>
+                        </dgm:shape>
+                        <dgm:presOf axis="self"/>
+                        <dgm:constrLst>
+                          <dgm:constr type="begPad"/>
+                          <dgm:constr type="endPad"/>
+                        </dgm:constrLst>
+                      </dgm:layoutNode>
+                    </dgm:forEach>
+                    <dgm:forEach name="Name390" axis="self" ptType="node">
+                      <dgm:layoutNode name="text5" styleLbl="node1">
+                        <dgm:varLst>
+                          <dgm:bulletEnabled val="1"/>
+                        </dgm:varLst>
+                        <dgm:alg type="tx"/>
+                        <dgm:shape xmlns:r="http://schemas.openxmlformats.org/officeDocument/2006/relationships" type="roundRect" r:blip="">
+                          <dgm:adjLst/>
+                        </dgm:shape>
+                        <dgm:presOf axis="desOrSelf" ptType="node"/>
+                        <dgm:constrLst>
+                          <dgm:constr type="userS"/>
+                          <dgm:constr type="w" refType="userS"/>
+                          <dgm:constr type="h" refType="w"/>
+                          <dgm:constr type="tMarg" refType="primFontSz" fact="0.2"/>
+                          <dgm:constr type="bMarg" refType="primFontSz" fact="0.2"/>
+                          <dgm:constr type="lMarg" refType="primFontSz" fact="0.2"/>
+                          <dgm:constr type="rMarg" refType="primFontSz" fact="0.2"/>
+                        </dgm:constrLst>
+                        <dgm:ruleLst>
+                          <dgm:rule type="primFontSz" val="5" fact="NaN" max="NaN"/>
+                        </dgm:ruleLst>
+                      </dgm:layoutNode>
+                    </dgm:forEach>
+                  </dgm:forEach>
+                </dgm:forEach>
+              </dgm:layoutNode>
+              <dgm:forEach name="Name391" axis="ch" ptType="parTrans" st="5" cnt="1">
+                <dgm:layoutNode name="Name392">
+                  <dgm:alg type="conn">
+                    <dgm:param type="dim" val="1D"/>
+                    <dgm:param type="begPts" val="auto"/>
+                    <dgm:param type="endPts" val="auto"/>
+                    <dgm:param type="endSty" val="noArr"/>
+                    <dgm:param type="srcNode" val="textCenter"/>
+                    <dgm:param type="dstNode" val="childCenter5"/>
+                  </dgm:alg>
+                  <dgm:shape xmlns:r="http://schemas.openxmlformats.org/officeDocument/2006/relationships" type="conn" r:blip="" zOrderOff="-999">
+                    <dgm:adjLst/>
+                  </dgm:shape>
+                  <dgm:presOf axis="self"/>
+                  <dgm:constrLst>
+                    <dgm:constr type="h"/>
+                    <dgm:constr type="begPad"/>
+                    <dgm:constr type="endPad"/>
+                  </dgm:constrLst>
+                </dgm:layoutNode>
+              </dgm:forEach>
+            </dgm:if>
+            <dgm:else name="Name393"/>
+          </dgm:choose>
+          <dgm:choose name="Name394">
+            <dgm:if name="Name395" axis="ch" ptType="node" func="cnt" op="gte" val="6">
+              <dgm:layoutNode name="cycle_6">
+                <dgm:choose name="Name396">
+                  <dgm:if name="Name397" func="var" arg="dir" op="equ" val="norm">
+                    <dgm:choose name="Name398">
+                      <dgm:if name="Name399" axis="ch" ptType="node" func="cnt" op="equ" val="6">
+                        <dgm:choose name="Name400">
+                          <dgm:if name="Name401" axis="ch ch" ptType="node node" st="6 1" cnt="1 0" func="cnt" op="equ" val="1">
+                            <dgm:alg type="cycle">
+                              <dgm:param type="ctrShpMap" val="fNode"/>
+                              <dgm:param type="stAng" val="300"/>
+                            </dgm:alg>
+                          </dgm:if>
+                          <dgm:if name="Name402" axis="ch ch" ptType="node node" st="6 1" cnt="1 0" func="cnt" op="equ" val="2">
+                            <dgm:alg type="cycle">
+                              <dgm:param type="ctrShpMap" val="fNode"/>
+                              <dgm:param type="stAng" val="255"/>
+                              <dgm:param type="spanAng" val="90"/>
+                            </dgm:alg>
+                          </dgm:if>
+                          <dgm:else name="Name403">
+                            <dgm:alg type="cycle">
+                              <dgm:param type="ctrShpMap" val="fNode"/>
+                              <dgm:param type="stAng" val="0"/>
+                              <dgm:param type="spanAng" val="360"/>
+                            </dgm:alg>
+                          </dgm:else>
+                        </dgm:choose>
+                      </dgm:if>
+                      <dgm:if name="Name404" axis="ch" ptType="node" func="cnt" op="gte" val="7">
+                        <dgm:choose name="Name405">
+                          <dgm:if name="Name406" axis="ch ch" ptType="node node" st="6 1" cnt="1 0" func="cnt" op="equ" val="1">
+                            <dgm:alg type="cycle">
+                              <dgm:param type="ctrShpMap" val="fNode"/>
+                              <dgm:param type="stAng" val="257"/>
+                            </dgm:alg>
+                          </dgm:if>
+                          <dgm:if name="Name407" axis="ch ch" ptType="node node" st="6 1" cnt="1 0" func="cnt" op="equ" val="2">
+                            <dgm:alg type="cycle">
+                              <dgm:param type="ctrShpMap" val="fNode"/>
+                              <dgm:param type="stAng" val="212"/>
+                              <dgm:param type="spanAng" val="90"/>
+                            </dgm:alg>
+                          </dgm:if>
+                          <dgm:else name="Name408">
+                            <dgm:alg type="cycle">
+                              <dgm:param type="ctrShpMap" val="fNode"/>
+                              <dgm:param type="stAng" val="0"/>
+                              <dgm:param type="spanAng" val="360"/>
+                            </dgm:alg>
+                          </dgm:else>
+                        </dgm:choose>
+                      </dgm:if>
+                      <dgm:else name="Name409"/>
+                    </dgm:choose>
+                  </dgm:if>
+                  <dgm:else name="Name410">
+                    <dgm:choose name="Name411">
+                      <dgm:if name="Name412" axis="ch" ptType="node" func="cnt" op="equ" val="6">
+                        <dgm:choose name="Name413">
+                          <dgm:if name="Name414" axis="ch ch" ptType="node node" st="6 1" cnt="1 0" func="cnt" op="equ" val="1">
+                            <dgm:alg type="cycle">
+                              <dgm:param type="ctrShpMap" val="fNode"/>
+                              <dgm:param type="stAng" val="60"/>
+                            </dgm:alg>
+                          </dgm:if>
+                          <dgm:if name="Name415" axis="ch ch" ptType="node node" st="6 1" cnt="1 0" func="cnt" op="equ" val="2">
+                            <dgm:alg type="cycle">
+                              <dgm:param type="ctrShpMap" val="fNode"/>
+                              <dgm:param type="stAng" val="105"/>
+                              <dgm:param type="spanAng" val="-90"/>
+                            </dgm:alg>
+                          </dgm:if>
+                          <dgm:else name="Name416">
+                            <dgm:alg type="cycle">
+                              <dgm:param type="ctrShpMap" val="fNode"/>
+                              <dgm:param type="stAng" val="0"/>
+                              <dgm:param type="spanAng" val="-360"/>
+                            </dgm:alg>
+                          </dgm:else>
+                        </dgm:choose>
+                      </dgm:if>
+                      <dgm:if name="Name417" axis="ch" ptType="node" func="cnt" op="gte" val="7">
+                        <dgm:choose name="Name418">
+                          <dgm:if name="Name419" axis="ch ch" ptType="node node" st="6 1" cnt="1 0" func="cnt" op="equ" val="1">
+                            <dgm:alg type="cycle">
+                              <dgm:param type="ctrShpMap" val="fNode"/>
+                              <dgm:param type="stAng" val="102"/>
+                            </dgm:alg>
+                          </dgm:if>
+                          <dgm:if name="Name420" axis="ch ch" ptType="node node" st="6 1" cnt="1 0" func="cnt" op="equ" val="2">
+                            <dgm:alg type="cycle">
+                              <dgm:param type="ctrShpMap" val="fNode"/>
+                              <dgm:param type="stAng" val="147"/>
+                              <dgm:param type="spanAng" val="-90"/>
+                            </dgm:alg>
+                          </dgm:if>
+                          <dgm:else name="Name421">
+                            <dgm:alg type="cycle">
+                              <dgm:param type="ctrShpMap" val="fNode"/>
+                              <dgm:param type="stAng" val="0"/>
+                              <dgm:param type="spanAng" val="-360"/>
+                            </dgm:alg>
+                          </dgm:else>
+                        </dgm:choose>
+                      </dgm:if>
+                      <dgm:else name="Name422"/>
+                    </dgm:choose>
+                  </dgm:else>
+                </dgm:choose>
+                <dgm:shape xmlns:r="http://schemas.openxmlformats.org/officeDocument/2006/relationships" r:blip="">
+                  <dgm:adjLst/>
+                </dgm:shape>
+                <dgm:presOf/>
+                <dgm:constrLst>
+                  <dgm:constr type="sp" refType="w" fact="0.1"/>
+                  <dgm:constr type="sibSp" refType="w" fact="0.1"/>
+                </dgm:constrLst>
+                <dgm:forEach name="Name423" axis="ch" ptType="node" st="6" cnt="1">
+                  <dgm:layoutNode name="childCenter6" styleLbl="node1">
+                    <dgm:alg type="tx"/>
+                    <dgm:shape xmlns:r="http://schemas.openxmlformats.org/officeDocument/2006/relationships" type="roundRect" r:blip="">
+                      <dgm:adjLst/>
+                    </dgm:shape>
+                    <dgm:presOf axis="self" ptType="node"/>
+                    <dgm:constrLst>
+                      <dgm:constr type="userS"/>
+                      <dgm:constr type="w" refType="userS"/>
+                      <dgm:constr type="h" refType="w"/>
+                      <dgm:constr type="tMarg" refType="primFontSz" fact="0.2"/>
+                      <dgm:constr type="bMarg" refType="primFontSz" fact="0.2"/>
+                      <dgm:constr type="lMarg" refType="primFontSz" fact="0.2"/>
+                      <dgm:constr type="rMarg" refType="primFontSz" fact="0.2"/>
+                    </dgm:constrLst>
+                    <dgm:ruleLst>
+                      <dgm:rule type="primFontSz" val="5" fact="NaN" max="NaN"/>
+                    </dgm:ruleLst>
+                  </dgm:layoutNode>
+                  <dgm:forEach name="Name424" axis="ch">
+                    <dgm:forEach name="Name425" axis="self" ptType="parTrans">
+                      <dgm:layoutNode name="Name426">
+                        <dgm:alg type="conn">
+                          <dgm:param type="dim" val="1D"/>
+                          <dgm:param type="begPts" val="auto"/>
+                          <dgm:param type="endPts" val="auto"/>
+                          <dgm:param type="begSty" val="noArr"/>
+                          <dgm:param type="endSty" val="noArr"/>
+                        </dgm:alg>
+                        <dgm:shape xmlns:r="http://schemas.openxmlformats.org/officeDocument/2006/relationships" type="conn" r:blip="">
+                          <dgm:adjLst/>
+                        </dgm:shape>
+                        <dgm:presOf axis="self"/>
+                        <dgm:constrLst>
+                          <dgm:constr type="begPad"/>
+                          <dgm:constr type="endPad"/>
+                        </dgm:constrLst>
+                      </dgm:layoutNode>
+                    </dgm:forEach>
+                    <dgm:forEach name="Name427" axis="self" ptType="node">
+                      <dgm:layoutNode name="text6" styleLbl="node1">
+                        <dgm:varLst>
+                          <dgm:bulletEnabled val="1"/>
+                        </dgm:varLst>
+                        <dgm:alg type="tx"/>
+                        <dgm:shape xmlns:r="http://schemas.openxmlformats.org/officeDocument/2006/relationships" type="roundRect" r:blip="">
+                          <dgm:adjLst/>
+                        </dgm:shape>
+                        <dgm:presOf axis="desOrSelf" ptType="node"/>
+                        <dgm:constrLst>
+                          <dgm:constr type="userS"/>
+                          <dgm:constr type="w" refType="userS"/>
+                          <dgm:constr type="h" refType="w"/>
+                          <dgm:constr type="tMarg" refType="primFontSz" fact="0.2"/>
+                          <dgm:constr type="bMarg" refType="primFontSz" fact="0.2"/>
+                          <dgm:constr type="lMarg" refType="primFontSz" fact="0.2"/>
+                          <dgm:constr type="rMarg" refType="primFontSz" fact="0.2"/>
+                        </dgm:constrLst>
+                        <dgm:ruleLst>
+                          <dgm:rule type="primFontSz" val="5" fact="NaN" max="NaN"/>
+                        </dgm:ruleLst>
+                      </dgm:layoutNode>
+                    </dgm:forEach>
+                  </dgm:forEach>
+                </dgm:forEach>
+              </dgm:layoutNode>
+              <dgm:forEach name="Name428" axis="ch" ptType="parTrans" st="6" cnt="1">
+                <dgm:layoutNode name="Name429">
+                  <dgm:alg type="conn">
+                    <dgm:param type="dim" val="1D"/>
+                    <dgm:param type="begPts" val="auto"/>
+                    <dgm:param type="endPts" val="auto"/>
+                    <dgm:param type="endSty" val="noArr"/>
+                    <dgm:param type="srcNode" val="textCenter"/>
+                    <dgm:param type="dstNode" val="childCenter6"/>
+                  </dgm:alg>
+                  <dgm:shape xmlns:r="http://schemas.openxmlformats.org/officeDocument/2006/relationships" type="conn" r:blip="" zOrderOff="-999">
+                    <dgm:adjLst/>
+                  </dgm:shape>
+                  <dgm:presOf axis="self"/>
+                  <dgm:constrLst>
+                    <dgm:constr type="h"/>
+                    <dgm:constr type="begPad"/>
+                    <dgm:constr type="endPad"/>
+                  </dgm:constrLst>
+                </dgm:layoutNode>
+              </dgm:forEach>
+            </dgm:if>
+            <dgm:else name="Name430"/>
+          </dgm:choose>
+          <dgm:choose name="Name431">
+            <dgm:if name="Name432" axis="ch" ptType="node" func="cnt" op="gte" val="7">
+              <dgm:layoutNode name="cycle_7">
+                <dgm:choose name="Name433">
+                  <dgm:if name="Name434" func="var" arg="dir" op="equ" val="norm">
+                    <dgm:choose name="Name435">
+                      <dgm:if name="Name436" axis="ch" ptType="node" func="cnt" op="gte" val="7">
+                        <dgm:choose name="Name437">
+                          <dgm:if name="Name438" axis="ch ch" ptType="node node" st="7 1" cnt="1 0" func="cnt" op="equ" val="1">
+                            <dgm:alg type="cycle">
+                              <dgm:param type="ctrShpMap" val="fNode"/>
+                              <dgm:param type="stAng" val="308"/>
+                            </dgm:alg>
+                          </dgm:if>
+                          <dgm:if name="Name439" axis="ch ch" ptType="node node" st="7 1" cnt="1 0" func="cnt" op="equ" val="2">
+                            <dgm:alg type="cycle">
+                              <dgm:param type="ctrShpMap" val="fNode"/>
+                              <dgm:param type="stAng" val="263"/>
+                              <dgm:param type="spanAng" val="90"/>
+                            </dgm:alg>
+                          </dgm:if>
+                          <dgm:else name="Name440">
+                            <dgm:alg type="cycle">
+                              <dgm:param type="ctrShpMap" val="fNode"/>
+                              <dgm:param type="stAng" val="0"/>
+                              <dgm:param type="spanAng" val="360"/>
+                            </dgm:alg>
+                          </dgm:else>
+                        </dgm:choose>
+                      </dgm:if>
+                      <dgm:else name="Name441"/>
+                    </dgm:choose>
+                  </dgm:if>
+                  <dgm:else name="Name442">
+                    <dgm:choose name="Name443">
+                      <dgm:if name="Name444" axis="ch" ptType="node" func="cnt" op="gte" val="7">
+                        <dgm:choose name="Name445">
+                          <dgm:if name="Name446" axis="ch ch" ptType="node node" st="7 1" cnt="1 0" func="cnt" op="equ" val="1">
+                            <dgm:alg type="cycle">
+                              <dgm:param type="ctrShpMap" val="fNode"/>
+                              <dgm:param type="stAng" val="51"/>
+                            </dgm:alg>
+                          </dgm:if>
+                          <dgm:if name="Name447" axis="ch ch" ptType="node node" st="7 1" cnt="1 0" func="cnt" op="equ" val="2">
+                            <dgm:alg type="cycle">
+                              <dgm:param type="ctrShpMap" val="fNode"/>
+                              <dgm:param type="stAng" val="96"/>
+                              <dgm:param type="spanAng" val="-90"/>
+                            </dgm:alg>
+                          </dgm:if>
+                          <dgm:else name="Name448">
+                            <dgm:alg type="cycle">
+                              <dgm:param type="ctrShpMap" val="fNode"/>
+                              <dgm:param type="stAng" val="0"/>
+                              <dgm:param type="spanAng" val="-360"/>
+                            </dgm:alg>
+                          </dgm:else>
+                        </dgm:choose>
+                      </dgm:if>
+                      <dgm:else name="Name449"/>
+                    </dgm:choose>
+                  </dgm:else>
+                </dgm:choose>
+                <dgm:shape xmlns:r="http://schemas.openxmlformats.org/officeDocument/2006/relationships" r:blip="">
+                  <dgm:adjLst/>
+                </dgm:shape>
+                <dgm:presOf/>
+                <dgm:constrLst>
+                  <dgm:constr type="sp" refType="w" fact="0.1"/>
+                  <dgm:constr type="sibSp" refType="w" fact="0.1"/>
+                </dgm:constrLst>
+                <dgm:forEach name="Name450" axis="ch" ptType="node" st="7" cnt="1">
+                  <dgm:layoutNode name="childCenter7" styleLbl="node1">
+                    <dgm:alg type="tx"/>
+                    <dgm:shape xmlns:r="http://schemas.openxmlformats.org/officeDocument/2006/relationships" type="roundRect" r:blip="">
+                      <dgm:adjLst/>
+                    </dgm:shape>
+                    <dgm:presOf axis="self" ptType="node"/>
+                    <dgm:constrLst>
+                      <dgm:constr type="userS"/>
+                      <dgm:constr type="w" refType="userS"/>
+                      <dgm:constr type="h" refType="w"/>
+                      <dgm:constr type="tMarg" refType="primFontSz" fact="0.2"/>
+                      <dgm:constr type="bMarg" refType="primFontSz" fact="0.2"/>
+                      <dgm:constr type="lMarg" refType="primFontSz" fact="0.2"/>
+                      <dgm:constr type="rMarg" refType="primFontSz" fact="0.2"/>
+                    </dgm:constrLst>
+                    <dgm:ruleLst>
+                      <dgm:rule type="primFontSz" val="5" fact="NaN" max="NaN"/>
+                    </dgm:ruleLst>
+                  </dgm:layoutNode>
+                  <dgm:forEach name="Name451" axis="ch">
+                    <dgm:forEach name="Name452" axis="self" ptType="parTrans">
+                      <dgm:layoutNode name="Name453">
+                        <dgm:alg type="conn">
+                          <dgm:param type="dim" val="1D"/>
+                          <dgm:param type="begPts" val="auto"/>
+                          <dgm:param type="endPts" val="auto"/>
+                          <dgm:param type="begSty" val="noArr"/>
+                          <dgm:param type="endSty" val="noArr"/>
+                        </dgm:alg>
+                        <dgm:shape xmlns:r="http://schemas.openxmlformats.org/officeDocument/2006/relationships" type="conn" r:blip="">
+                          <dgm:adjLst/>
+                        </dgm:shape>
+                        <dgm:presOf axis="self"/>
+                        <dgm:constrLst>
+                          <dgm:constr type="begPad"/>
+                          <dgm:constr type="endPad"/>
+                        </dgm:constrLst>
+                      </dgm:layoutNode>
+                    </dgm:forEach>
+                    <dgm:forEach name="Name454" axis="self" ptType="node">
+                      <dgm:layoutNode name="text7" styleLbl="node1">
+                        <dgm:varLst>
+                          <dgm:bulletEnabled val="1"/>
+                        </dgm:varLst>
+                        <dgm:alg type="tx"/>
+                        <dgm:shape xmlns:r="http://schemas.openxmlformats.org/officeDocument/2006/relationships" type="roundRect" r:blip="">
+                          <dgm:adjLst/>
+                        </dgm:shape>
+                        <dgm:presOf axis="desOrSelf" ptType="node"/>
+                        <dgm:constrLst>
+                          <dgm:constr type="userS"/>
+                          <dgm:constr type="w" refType="userS"/>
+                          <dgm:constr type="h" refType="w"/>
+                          <dgm:constr type="tMarg" refType="primFontSz" fact="0.2"/>
+                          <dgm:constr type="bMarg" refType="primFontSz" fact="0.2"/>
+                          <dgm:constr type="lMarg" refType="primFontSz" fact="0.2"/>
+                          <dgm:constr type="rMarg" refType="primFontSz" fact="0.2"/>
+                        </dgm:constrLst>
+                        <dgm:ruleLst>
+                          <dgm:rule type="primFontSz" val="5" fact="NaN" max="NaN"/>
+                        </dgm:ruleLst>
+                      </dgm:layoutNode>
+                    </dgm:forEach>
+                  </dgm:forEach>
+                </dgm:forEach>
+              </dgm:layoutNode>
+              <dgm:forEach name="Name455" axis="ch" ptType="parTrans" st="7" cnt="1">
+                <dgm:layoutNode name="Name456">
+                  <dgm:alg type="conn">
+                    <dgm:param type="dim" val="1D"/>
+                    <dgm:param type="begPts" val="auto"/>
+                    <dgm:param type="endPts" val="auto"/>
+                    <dgm:param type="endSty" val="noArr"/>
+                    <dgm:param type="srcNode" val="textCenter"/>
+                    <dgm:param type="dstNode" val="childCenter7"/>
+                  </dgm:alg>
+                  <dgm:shape xmlns:r="http://schemas.openxmlformats.org/officeDocument/2006/relationships" type="conn" r:blip="" zOrderOff="-999">
+                    <dgm:adjLst/>
+                  </dgm:shape>
+                  <dgm:presOf axis="self"/>
+                  <dgm:constrLst>
+                    <dgm:constr type="h"/>
+                    <dgm:constr type="begPad"/>
+                    <dgm:constr type="endPad"/>
+                  </dgm:constrLst>
+                </dgm:layoutNode>
+              </dgm:forEach>
+            </dgm:if>
+            <dgm:else name="Name457"/>
+          </dgm:choose>
+        </dgm:else>
+      </dgm:choose>
+    </dgm:forEach>
+  </dgm:layoutNode>
+</dgm:layoutDef>
+</file>
+
 <file path=ppt/diagrams/quickStyle1.xml><?xml version="1.0" encoding="utf-8"?>
 <dgm:styleDef xmlns:dgm="http://schemas.openxmlformats.org/drawingml/2006/diagram" xmlns:a="http://schemas.openxmlformats.org/drawingml/2006/main" uniqueId="urn:microsoft.com/office/officeart/2005/8/quickstyle/simple1">
   <dgm:title val=""/>
@@ -7150,6 +13083,1040 @@
       <a:fontRef idx="minor">
         <a:schemeClr val="lt1"/>
       </a:fontRef>
+    </dgm:style>
+  </dgm:styleLbl>
+  <dgm:styleLbl name="revTx">
+    <dgm:scene3d>
+      <a:camera prst="orthographicFront"/>
+      <a:lightRig rig="threePt" dir="t"/>
+    </dgm:scene3d>
+    <dgm:sp3d/>
+    <dgm:txPr/>
+    <dgm:style>
+      <a:lnRef idx="0">
+        <a:scrgbClr r="0" g="0" b="0"/>
+      </a:lnRef>
+      <a:fillRef idx="0">
+        <a:scrgbClr r="0" g="0" b="0"/>
+      </a:fillRef>
+      <a:effectRef idx="0">
+        <a:scrgbClr r="0" g="0" b="0"/>
+      </a:effectRef>
+      <a:fontRef idx="minor"/>
+    </dgm:style>
+  </dgm:styleLbl>
+</dgm:styleDef>
+</file>
+
+<file path=ppt/diagrams/quickStyle3.xml><?xml version="1.0" encoding="utf-8"?>
+<dgm:styleDef xmlns:dgm="http://schemas.openxmlformats.org/drawingml/2006/diagram" xmlns:a="http://schemas.openxmlformats.org/drawingml/2006/main" uniqueId="urn:microsoft.com/office/officeart/2005/8/quickstyle/simple1">
+  <dgm:title val=""/>
+  <dgm:desc val=""/>
+  <dgm:catLst>
+    <dgm:cat type="simple" pri="10100"/>
+  </dgm:catLst>
+  <dgm:scene3d>
+    <a:camera prst="orthographicFront"/>
+    <a:lightRig rig="threePt" dir="t"/>
+  </dgm:scene3d>
+  <dgm:styleLbl name="node0">
+    <dgm:scene3d>
+      <a:camera prst="orthographicFront"/>
+      <a:lightRig rig="threePt" dir="t"/>
+    </dgm:scene3d>
+    <dgm:sp3d/>
+    <dgm:txPr/>
+    <dgm:style>
+      <a:lnRef idx="2">
+        <a:scrgbClr r="0" g="0" b="0"/>
+      </a:lnRef>
+      <a:fillRef idx="1">
+        <a:scrgbClr r="0" g="0" b="0"/>
+      </a:fillRef>
+      <a:effectRef idx="0">
+        <a:scrgbClr r="0" g="0" b="0"/>
+      </a:effectRef>
+      <a:fontRef idx="minor">
+        <a:schemeClr val="lt1"/>
+      </a:fontRef>
+    </dgm:style>
+  </dgm:styleLbl>
+  <dgm:styleLbl name="lnNode1">
+    <dgm:scene3d>
+      <a:camera prst="orthographicFront"/>
+      <a:lightRig rig="threePt" dir="t"/>
+    </dgm:scene3d>
+    <dgm:sp3d/>
+    <dgm:txPr/>
+    <dgm:style>
+      <a:lnRef idx="2">
+        <a:scrgbClr r="0" g="0" b="0"/>
+      </a:lnRef>
+      <a:fillRef idx="1">
+        <a:scrgbClr r="0" g="0" b="0"/>
+      </a:fillRef>
+      <a:effectRef idx="0">
+        <a:scrgbClr r="0" g="0" b="0"/>
+      </a:effectRef>
+      <a:fontRef idx="minor">
+        <a:schemeClr val="lt1"/>
+      </a:fontRef>
+    </dgm:style>
+  </dgm:styleLbl>
+  <dgm:styleLbl name="vennNode1">
+    <dgm:scene3d>
+      <a:camera prst="orthographicFront"/>
+      <a:lightRig rig="threePt" dir="t"/>
+    </dgm:scene3d>
+    <dgm:sp3d/>
+    <dgm:txPr/>
+    <dgm:style>
+      <a:lnRef idx="2">
+        <a:scrgbClr r="0" g="0" b="0"/>
+      </a:lnRef>
+      <a:fillRef idx="1">
+        <a:scrgbClr r="0" g="0" b="0"/>
+      </a:fillRef>
+      <a:effectRef idx="0">
+        <a:scrgbClr r="0" g="0" b="0"/>
+      </a:effectRef>
+      <a:fontRef idx="minor">
+        <a:schemeClr val="tx1"/>
+      </a:fontRef>
+    </dgm:style>
+  </dgm:styleLbl>
+  <dgm:styleLbl name="alignNode1">
+    <dgm:scene3d>
+      <a:camera prst="orthographicFront"/>
+      <a:lightRig rig="threePt" dir="t"/>
+    </dgm:scene3d>
+    <dgm:sp3d/>
+    <dgm:txPr/>
+    <dgm:style>
+      <a:lnRef idx="2">
+        <a:scrgbClr r="0" g="0" b="0"/>
+      </a:lnRef>
+      <a:fillRef idx="1">
+        <a:scrgbClr r="0" g="0" b="0"/>
+      </a:fillRef>
+      <a:effectRef idx="0">
+        <a:scrgbClr r="0" g="0" b="0"/>
+      </a:effectRef>
+      <a:fontRef idx="minor">
+        <a:schemeClr val="lt1"/>
+      </a:fontRef>
+    </dgm:style>
+  </dgm:styleLbl>
+  <dgm:styleLbl name="node1">
+    <dgm:scene3d>
+      <a:camera prst="orthographicFront"/>
+      <a:lightRig rig="threePt" dir="t"/>
+    </dgm:scene3d>
+    <dgm:sp3d/>
+    <dgm:txPr/>
+    <dgm:style>
+      <a:lnRef idx="2">
+        <a:scrgbClr r="0" g="0" b="0"/>
+      </a:lnRef>
+      <a:fillRef idx="1">
+        <a:scrgbClr r="0" g="0" b="0"/>
+      </a:fillRef>
+      <a:effectRef idx="0">
+        <a:scrgbClr r="0" g="0" b="0"/>
+      </a:effectRef>
+      <a:fontRef idx="minor">
+        <a:schemeClr val="lt1"/>
+      </a:fontRef>
+    </dgm:style>
+  </dgm:styleLbl>
+  <dgm:styleLbl name="node2">
+    <dgm:scene3d>
+      <a:camera prst="orthographicFront"/>
+      <a:lightRig rig="threePt" dir="t"/>
+    </dgm:scene3d>
+    <dgm:sp3d/>
+    <dgm:txPr/>
+    <dgm:style>
+      <a:lnRef idx="2">
+        <a:scrgbClr r="0" g="0" b="0"/>
+      </a:lnRef>
+      <a:fillRef idx="1">
+        <a:scrgbClr r="0" g="0" b="0"/>
+      </a:fillRef>
+      <a:effectRef idx="0">
+        <a:scrgbClr r="0" g="0" b="0"/>
+      </a:effectRef>
+      <a:fontRef idx="minor">
+        <a:schemeClr val="lt1"/>
+      </a:fontRef>
+    </dgm:style>
+  </dgm:styleLbl>
+  <dgm:styleLbl name="node3">
+    <dgm:scene3d>
+      <a:camera prst="orthographicFront"/>
+      <a:lightRig rig="threePt" dir="t"/>
+    </dgm:scene3d>
+    <dgm:sp3d/>
+    <dgm:txPr/>
+    <dgm:style>
+      <a:lnRef idx="2">
+        <a:scrgbClr r="0" g="0" b="0"/>
+      </a:lnRef>
+      <a:fillRef idx="1">
+        <a:scrgbClr r="0" g="0" b="0"/>
+      </a:fillRef>
+      <a:effectRef idx="0">
+        <a:scrgbClr r="0" g="0" b="0"/>
+      </a:effectRef>
+      <a:fontRef idx="minor">
+        <a:schemeClr val="lt1"/>
+      </a:fontRef>
+    </dgm:style>
+  </dgm:styleLbl>
+  <dgm:styleLbl name="node4">
+    <dgm:scene3d>
+      <a:camera prst="orthographicFront"/>
+      <a:lightRig rig="threePt" dir="t"/>
+    </dgm:scene3d>
+    <dgm:sp3d/>
+    <dgm:txPr/>
+    <dgm:style>
+      <a:lnRef idx="2">
+        <a:scrgbClr r="0" g="0" b="0"/>
+      </a:lnRef>
+      <a:fillRef idx="1">
+        <a:scrgbClr r="0" g="0" b="0"/>
+      </a:fillRef>
+      <a:effectRef idx="0">
+        <a:scrgbClr r="0" g="0" b="0"/>
+      </a:effectRef>
+      <a:fontRef idx="minor">
+        <a:schemeClr val="lt1"/>
+      </a:fontRef>
+    </dgm:style>
+  </dgm:styleLbl>
+  <dgm:styleLbl name="fgImgPlace1">
+    <dgm:scene3d>
+      <a:camera prst="orthographicFront"/>
+      <a:lightRig rig="threePt" dir="t"/>
+    </dgm:scene3d>
+    <dgm:sp3d/>
+    <dgm:txPr/>
+    <dgm:style>
+      <a:lnRef idx="2">
+        <a:scrgbClr r="0" g="0" b="0"/>
+      </a:lnRef>
+      <a:fillRef idx="1">
+        <a:scrgbClr r="0" g="0" b="0"/>
+      </a:fillRef>
+      <a:effectRef idx="0">
+        <a:scrgbClr r="0" g="0" b="0"/>
+      </a:effectRef>
+      <a:fontRef idx="minor"/>
+    </dgm:style>
+  </dgm:styleLbl>
+  <dgm:styleLbl name="alignImgPlace1">
+    <dgm:scene3d>
+      <a:camera prst="orthographicFront"/>
+      <a:lightRig rig="threePt" dir="t"/>
+    </dgm:scene3d>
+    <dgm:sp3d/>
+    <dgm:txPr/>
+    <dgm:style>
+      <a:lnRef idx="2">
+        <a:scrgbClr r="0" g="0" b="0"/>
+      </a:lnRef>
+      <a:fillRef idx="1">
+        <a:scrgbClr r="0" g="0" b="0"/>
+      </a:fillRef>
+      <a:effectRef idx="0">
+        <a:scrgbClr r="0" g="0" b="0"/>
+      </a:effectRef>
+      <a:fontRef idx="minor"/>
+    </dgm:style>
+  </dgm:styleLbl>
+  <dgm:styleLbl name="bgImgPlace1">
+    <dgm:scene3d>
+      <a:camera prst="orthographicFront"/>
+      <a:lightRig rig="threePt" dir="t"/>
+    </dgm:scene3d>
+    <dgm:sp3d/>
+    <dgm:txPr/>
+    <dgm:style>
+      <a:lnRef idx="2">
+        <a:scrgbClr r="0" g="0" b="0"/>
+      </a:lnRef>
+      <a:fillRef idx="1">
+        <a:scrgbClr r="0" g="0" b="0"/>
+      </a:fillRef>
+      <a:effectRef idx="0">
+        <a:scrgbClr r="0" g="0" b="0"/>
+      </a:effectRef>
+      <a:fontRef idx="minor"/>
+    </dgm:style>
+  </dgm:styleLbl>
+  <dgm:styleLbl name="sibTrans2D1">
+    <dgm:scene3d>
+      <a:camera prst="orthographicFront"/>
+      <a:lightRig rig="threePt" dir="t"/>
+    </dgm:scene3d>
+    <dgm:sp3d/>
+    <dgm:txPr/>
+    <dgm:style>
+      <a:lnRef idx="0">
+        <a:scrgbClr r="0" g="0" b="0"/>
+      </a:lnRef>
+      <a:fillRef idx="1">
+        <a:scrgbClr r="0" g="0" b="0"/>
+      </a:fillRef>
+      <a:effectRef idx="0">
+        <a:scrgbClr r="0" g="0" b="0"/>
+      </a:effectRef>
+      <a:fontRef idx="minor">
+        <a:schemeClr val="lt1"/>
+      </a:fontRef>
+    </dgm:style>
+  </dgm:styleLbl>
+  <dgm:styleLbl name="fgSibTrans2D1">
+    <dgm:scene3d>
+      <a:camera prst="orthographicFront"/>
+      <a:lightRig rig="threePt" dir="t"/>
+    </dgm:scene3d>
+    <dgm:sp3d/>
+    <dgm:txPr/>
+    <dgm:style>
+      <a:lnRef idx="0">
+        <a:scrgbClr r="0" g="0" b="0"/>
+      </a:lnRef>
+      <a:fillRef idx="1">
+        <a:scrgbClr r="0" g="0" b="0"/>
+      </a:fillRef>
+      <a:effectRef idx="0">
+        <a:scrgbClr r="0" g="0" b="0"/>
+      </a:effectRef>
+      <a:fontRef idx="minor">
+        <a:schemeClr val="lt1"/>
+      </a:fontRef>
+    </dgm:style>
+  </dgm:styleLbl>
+  <dgm:styleLbl name="bgSibTrans2D1">
+    <dgm:scene3d>
+      <a:camera prst="orthographicFront"/>
+      <a:lightRig rig="threePt" dir="t"/>
+    </dgm:scene3d>
+    <dgm:sp3d/>
+    <dgm:txPr/>
+    <dgm:style>
+      <a:lnRef idx="0">
+        <a:scrgbClr r="0" g="0" b="0"/>
+      </a:lnRef>
+      <a:fillRef idx="1">
+        <a:scrgbClr r="0" g="0" b="0"/>
+      </a:fillRef>
+      <a:effectRef idx="0">
+        <a:scrgbClr r="0" g="0" b="0"/>
+      </a:effectRef>
+      <a:fontRef idx="minor">
+        <a:schemeClr val="lt1"/>
+      </a:fontRef>
+    </dgm:style>
+  </dgm:styleLbl>
+  <dgm:styleLbl name="sibTrans1D1">
+    <dgm:scene3d>
+      <a:camera prst="orthographicFront"/>
+      <a:lightRig rig="threePt" dir="t"/>
+    </dgm:scene3d>
+    <dgm:sp3d/>
+    <dgm:txPr/>
+    <dgm:style>
+      <a:lnRef idx="1">
+        <a:scrgbClr r="0" g="0" b="0"/>
+      </a:lnRef>
+      <a:fillRef idx="0">
+        <a:scrgbClr r="0" g="0" b="0"/>
+      </a:fillRef>
+      <a:effectRef idx="0">
+        <a:scrgbClr r="0" g="0" b="0"/>
+      </a:effectRef>
+      <a:fontRef idx="minor"/>
+    </dgm:style>
+  </dgm:styleLbl>
+  <dgm:styleLbl name="callout">
+    <dgm:scene3d>
+      <a:camera prst="orthographicFront"/>
+      <a:lightRig rig="threePt" dir="t"/>
+    </dgm:scene3d>
+    <dgm:sp3d/>
+    <dgm:txPr/>
+    <dgm:style>
+      <a:lnRef idx="2">
+        <a:scrgbClr r="0" g="0" b="0"/>
+      </a:lnRef>
+      <a:fillRef idx="1">
+        <a:scrgbClr r="0" g="0" b="0"/>
+      </a:fillRef>
+      <a:effectRef idx="0">
+        <a:scrgbClr r="0" g="0" b="0"/>
+      </a:effectRef>
+      <a:fontRef idx="minor"/>
+    </dgm:style>
+  </dgm:styleLbl>
+  <dgm:styleLbl name="asst0">
+    <dgm:scene3d>
+      <a:camera prst="orthographicFront"/>
+      <a:lightRig rig="threePt" dir="t"/>
+    </dgm:scene3d>
+    <dgm:sp3d/>
+    <dgm:txPr/>
+    <dgm:style>
+      <a:lnRef idx="2">
+        <a:scrgbClr r="0" g="0" b="0"/>
+      </a:lnRef>
+      <a:fillRef idx="1">
+        <a:scrgbClr r="0" g="0" b="0"/>
+      </a:fillRef>
+      <a:effectRef idx="0">
+        <a:scrgbClr r="0" g="0" b="0"/>
+      </a:effectRef>
+      <a:fontRef idx="minor">
+        <a:schemeClr val="lt1"/>
+      </a:fontRef>
+    </dgm:style>
+  </dgm:styleLbl>
+  <dgm:styleLbl name="asst1">
+    <dgm:scene3d>
+      <a:camera prst="orthographicFront"/>
+      <a:lightRig rig="threePt" dir="t"/>
+    </dgm:scene3d>
+    <dgm:sp3d/>
+    <dgm:txPr/>
+    <dgm:style>
+      <a:lnRef idx="2">
+        <a:scrgbClr r="0" g="0" b="0"/>
+      </a:lnRef>
+      <a:fillRef idx="1">
+        <a:scrgbClr r="0" g="0" b="0"/>
+      </a:fillRef>
+      <a:effectRef idx="0">
+        <a:scrgbClr r="0" g="0" b="0"/>
+      </a:effectRef>
+      <a:fontRef idx="minor">
+        <a:schemeClr val="lt1"/>
+      </a:fontRef>
+    </dgm:style>
+  </dgm:styleLbl>
+  <dgm:styleLbl name="asst2">
+    <dgm:scene3d>
+      <a:camera prst="orthographicFront"/>
+      <a:lightRig rig="threePt" dir="t"/>
+    </dgm:scene3d>
+    <dgm:sp3d/>
+    <dgm:txPr/>
+    <dgm:style>
+      <a:lnRef idx="2">
+        <a:scrgbClr r="0" g="0" b="0"/>
+      </a:lnRef>
+      <a:fillRef idx="1">
+        <a:scrgbClr r="0" g="0" b="0"/>
+      </a:fillRef>
+      <a:effectRef idx="0">
+        <a:scrgbClr r="0" g="0" b="0"/>
+      </a:effectRef>
+      <a:fontRef idx="minor">
+        <a:schemeClr val="lt1"/>
+      </a:fontRef>
+    </dgm:style>
+  </dgm:styleLbl>
+  <dgm:styleLbl name="asst3">
+    <dgm:scene3d>
+      <a:camera prst="orthographicFront"/>
+      <a:lightRig rig="threePt" dir="t"/>
+    </dgm:scene3d>
+    <dgm:sp3d/>
+    <dgm:txPr/>
+    <dgm:style>
+      <a:lnRef idx="2">
+        <a:scrgbClr r="0" g="0" b="0"/>
+      </a:lnRef>
+      <a:fillRef idx="1">
+        <a:scrgbClr r="0" g="0" b="0"/>
+      </a:fillRef>
+      <a:effectRef idx="0">
+        <a:scrgbClr r="0" g="0" b="0"/>
+      </a:effectRef>
+      <a:fontRef idx="minor">
+        <a:schemeClr val="lt1"/>
+      </a:fontRef>
+    </dgm:style>
+  </dgm:styleLbl>
+  <dgm:styleLbl name="asst4">
+    <dgm:scene3d>
+      <a:camera prst="orthographicFront"/>
+      <a:lightRig rig="threePt" dir="t"/>
+    </dgm:scene3d>
+    <dgm:sp3d/>
+    <dgm:txPr/>
+    <dgm:style>
+      <a:lnRef idx="2">
+        <a:scrgbClr r="0" g="0" b="0"/>
+      </a:lnRef>
+      <a:fillRef idx="1">
+        <a:scrgbClr r="0" g="0" b="0"/>
+      </a:fillRef>
+      <a:effectRef idx="0">
+        <a:scrgbClr r="0" g="0" b="0"/>
+      </a:effectRef>
+      <a:fontRef idx="minor">
+        <a:schemeClr val="lt1"/>
+      </a:fontRef>
+    </dgm:style>
+  </dgm:styleLbl>
+  <dgm:styleLbl name="parChTrans2D1">
+    <dgm:scene3d>
+      <a:camera prst="orthographicFront"/>
+      <a:lightRig rig="threePt" dir="t"/>
+    </dgm:scene3d>
+    <dgm:sp3d/>
+    <dgm:txPr/>
+    <dgm:style>
+      <a:lnRef idx="2">
+        <a:scrgbClr r="0" g="0" b="0"/>
+      </a:lnRef>
+      <a:fillRef idx="1">
+        <a:scrgbClr r="0" g="0" b="0"/>
+      </a:fillRef>
+      <a:effectRef idx="0">
+        <a:scrgbClr r="0" g="0" b="0"/>
+      </a:effectRef>
+      <a:fontRef idx="minor">
+        <a:schemeClr val="lt1"/>
+      </a:fontRef>
+    </dgm:style>
+  </dgm:styleLbl>
+  <dgm:styleLbl name="parChTrans2D2">
+    <dgm:scene3d>
+      <a:camera prst="orthographicFront"/>
+      <a:lightRig rig="threePt" dir="t"/>
+    </dgm:scene3d>
+    <dgm:sp3d/>
+    <dgm:txPr/>
+    <dgm:style>
+      <a:lnRef idx="2">
+        <a:scrgbClr r="0" g="0" b="0"/>
+      </a:lnRef>
+      <a:fillRef idx="1">
+        <a:scrgbClr r="0" g="0" b="0"/>
+      </a:fillRef>
+      <a:effectRef idx="0">
+        <a:scrgbClr r="0" g="0" b="0"/>
+      </a:effectRef>
+      <a:fontRef idx="minor">
+        <a:schemeClr val="lt1"/>
+      </a:fontRef>
+    </dgm:style>
+  </dgm:styleLbl>
+  <dgm:styleLbl name="parChTrans2D3">
+    <dgm:scene3d>
+      <a:camera prst="orthographicFront"/>
+      <a:lightRig rig="threePt" dir="t"/>
+    </dgm:scene3d>
+    <dgm:sp3d/>
+    <dgm:txPr/>
+    <dgm:style>
+      <a:lnRef idx="2">
+        <a:scrgbClr r="0" g="0" b="0"/>
+      </a:lnRef>
+      <a:fillRef idx="1">
+        <a:scrgbClr r="0" g="0" b="0"/>
+      </a:fillRef>
+      <a:effectRef idx="0">
+        <a:scrgbClr r="0" g="0" b="0"/>
+      </a:effectRef>
+      <a:fontRef idx="minor">
+        <a:schemeClr val="lt1"/>
+      </a:fontRef>
+    </dgm:style>
+  </dgm:styleLbl>
+  <dgm:styleLbl name="parChTrans2D4">
+    <dgm:scene3d>
+      <a:camera prst="orthographicFront"/>
+      <a:lightRig rig="threePt" dir="t"/>
+    </dgm:scene3d>
+    <dgm:sp3d/>
+    <dgm:txPr/>
+    <dgm:style>
+      <a:lnRef idx="2">
+        <a:scrgbClr r="0" g="0" b="0"/>
+      </a:lnRef>
+      <a:fillRef idx="1">
+        <a:scrgbClr r="0" g="0" b="0"/>
+      </a:fillRef>
+      <a:effectRef idx="0">
+        <a:scrgbClr r="0" g="0" b="0"/>
+      </a:effectRef>
+      <a:fontRef idx="minor">
+        <a:schemeClr val="lt1"/>
+      </a:fontRef>
+    </dgm:style>
+  </dgm:styleLbl>
+  <dgm:styleLbl name="parChTrans1D1">
+    <dgm:scene3d>
+      <a:camera prst="orthographicFront"/>
+      <a:lightRig rig="threePt" dir="t"/>
+    </dgm:scene3d>
+    <dgm:sp3d/>
+    <dgm:txPr/>
+    <dgm:style>
+      <a:lnRef idx="2">
+        <a:scrgbClr r="0" g="0" b="0"/>
+      </a:lnRef>
+      <a:fillRef idx="0">
+        <a:scrgbClr r="0" g="0" b="0"/>
+      </a:fillRef>
+      <a:effectRef idx="0">
+        <a:scrgbClr r="0" g="0" b="0"/>
+      </a:effectRef>
+      <a:fontRef idx="minor"/>
+    </dgm:style>
+  </dgm:styleLbl>
+  <dgm:styleLbl name="parChTrans1D2">
+    <dgm:scene3d>
+      <a:camera prst="orthographicFront"/>
+      <a:lightRig rig="threePt" dir="t"/>
+    </dgm:scene3d>
+    <dgm:sp3d/>
+    <dgm:txPr/>
+    <dgm:style>
+      <a:lnRef idx="2">
+        <a:scrgbClr r="0" g="0" b="0"/>
+      </a:lnRef>
+      <a:fillRef idx="0">
+        <a:scrgbClr r="0" g="0" b="0"/>
+      </a:fillRef>
+      <a:effectRef idx="0">
+        <a:scrgbClr r="0" g="0" b="0"/>
+      </a:effectRef>
+      <a:fontRef idx="minor"/>
+    </dgm:style>
+  </dgm:styleLbl>
+  <dgm:styleLbl name="parChTrans1D3">
+    <dgm:scene3d>
+      <a:camera prst="orthographicFront"/>
+      <a:lightRig rig="threePt" dir="t"/>
+    </dgm:scene3d>
+    <dgm:sp3d/>
+    <dgm:txPr/>
+    <dgm:style>
+      <a:lnRef idx="2">
+        <a:scrgbClr r="0" g="0" b="0"/>
+      </a:lnRef>
+      <a:fillRef idx="0">
+        <a:scrgbClr r="0" g="0" b="0"/>
+      </a:fillRef>
+      <a:effectRef idx="0">
+        <a:scrgbClr r="0" g="0" b="0"/>
+      </a:effectRef>
+      <a:fontRef idx="minor"/>
+    </dgm:style>
+  </dgm:styleLbl>
+  <dgm:styleLbl name="parChTrans1D4">
+    <dgm:scene3d>
+      <a:camera prst="orthographicFront"/>
+      <a:lightRig rig="threePt" dir="t"/>
+    </dgm:scene3d>
+    <dgm:sp3d/>
+    <dgm:txPr/>
+    <dgm:style>
+      <a:lnRef idx="2">
+        <a:scrgbClr r="0" g="0" b="0"/>
+      </a:lnRef>
+      <a:fillRef idx="0">
+        <a:scrgbClr r="0" g="0" b="0"/>
+      </a:fillRef>
+      <a:effectRef idx="0">
+        <a:scrgbClr r="0" g="0" b="0"/>
+      </a:effectRef>
+      <a:fontRef idx="minor"/>
+    </dgm:style>
+  </dgm:styleLbl>
+  <dgm:styleLbl name="fgAcc1">
+    <dgm:scene3d>
+      <a:camera prst="orthographicFront"/>
+      <a:lightRig rig="threePt" dir="t"/>
+    </dgm:scene3d>
+    <dgm:sp3d/>
+    <dgm:txPr/>
+    <dgm:style>
+      <a:lnRef idx="2">
+        <a:scrgbClr r="0" g="0" b="0"/>
+      </a:lnRef>
+      <a:fillRef idx="1">
+        <a:scrgbClr r="0" g="0" b="0"/>
+      </a:fillRef>
+      <a:effectRef idx="0">
+        <a:scrgbClr r="0" g="0" b="0"/>
+      </a:effectRef>
+      <a:fontRef idx="minor"/>
+    </dgm:style>
+  </dgm:styleLbl>
+  <dgm:styleLbl name="conFgAcc1">
+    <dgm:scene3d>
+      <a:camera prst="orthographicFront"/>
+      <a:lightRig rig="threePt" dir="t"/>
+    </dgm:scene3d>
+    <dgm:sp3d/>
+    <dgm:txPr/>
+    <dgm:style>
+      <a:lnRef idx="2">
+        <a:scrgbClr r="0" g="0" b="0"/>
+      </a:lnRef>
+      <a:fillRef idx="1">
+        <a:scrgbClr r="0" g="0" b="0"/>
+      </a:fillRef>
+      <a:effectRef idx="0">
+        <a:scrgbClr r="0" g="0" b="0"/>
+      </a:effectRef>
+      <a:fontRef idx="minor"/>
+    </dgm:style>
+  </dgm:styleLbl>
+  <dgm:styleLbl name="alignAcc1">
+    <dgm:scene3d>
+      <a:camera prst="orthographicFront"/>
+      <a:lightRig rig="threePt" dir="t"/>
+    </dgm:scene3d>
+    <dgm:sp3d/>
+    <dgm:txPr/>
+    <dgm:style>
+      <a:lnRef idx="2">
+        <a:scrgbClr r="0" g="0" b="0"/>
+      </a:lnRef>
+      <a:fillRef idx="1">
+        <a:scrgbClr r="0" g="0" b="0"/>
+      </a:fillRef>
+      <a:effectRef idx="0">
+        <a:scrgbClr r="0" g="0" b="0"/>
+      </a:effectRef>
+      <a:fontRef idx="minor"/>
+    </dgm:style>
+  </dgm:styleLbl>
+  <dgm:styleLbl name="trAlignAcc1">
+    <dgm:scene3d>
+      <a:camera prst="orthographicFront"/>
+      <a:lightRig rig="threePt" dir="t"/>
+    </dgm:scene3d>
+    <dgm:sp3d/>
+    <dgm:txPr/>
+    <dgm:style>
+      <a:lnRef idx="1">
+        <a:scrgbClr r="0" g="0" b="0"/>
+      </a:lnRef>
+      <a:fillRef idx="1">
+        <a:scrgbClr r="0" g="0" b="0"/>
+      </a:fillRef>
+      <a:effectRef idx="0">
+        <a:scrgbClr r="0" g="0" b="0"/>
+      </a:effectRef>
+      <a:fontRef idx="minor"/>
+    </dgm:style>
+  </dgm:styleLbl>
+  <dgm:styleLbl name="bgAcc1">
+    <dgm:scene3d>
+      <a:camera prst="orthographicFront"/>
+      <a:lightRig rig="threePt" dir="t"/>
+    </dgm:scene3d>
+    <dgm:sp3d/>
+    <dgm:txPr/>
+    <dgm:style>
+      <a:lnRef idx="2">
+        <a:scrgbClr r="0" g="0" b="0"/>
+      </a:lnRef>
+      <a:fillRef idx="1">
+        <a:scrgbClr r="0" g="0" b="0"/>
+      </a:fillRef>
+      <a:effectRef idx="0">
+        <a:scrgbClr r="0" g="0" b="0"/>
+      </a:effectRef>
+      <a:fontRef idx="minor"/>
+    </dgm:style>
+  </dgm:styleLbl>
+  <dgm:styleLbl name="solidFgAcc1">
+    <dgm:scene3d>
+      <a:camera prst="orthographicFront"/>
+      <a:lightRig rig="threePt" dir="t"/>
+    </dgm:scene3d>
+    <dgm:sp3d/>
+    <dgm:txPr/>
+    <dgm:style>
+      <a:lnRef idx="2">
+        <a:scrgbClr r="0" g="0" b="0"/>
+      </a:lnRef>
+      <a:fillRef idx="1">
+        <a:scrgbClr r="0" g="0" b="0"/>
+      </a:fillRef>
+      <a:effectRef idx="0">
+        <a:scrgbClr r="0" g="0" b="0"/>
+      </a:effectRef>
+      <a:fontRef idx="minor"/>
+    </dgm:style>
+  </dgm:styleLbl>
+  <dgm:styleLbl name="solidAlignAcc1">
+    <dgm:scene3d>
+      <a:camera prst="orthographicFront"/>
+      <a:lightRig rig="threePt" dir="t"/>
+    </dgm:scene3d>
+    <dgm:sp3d/>
+    <dgm:txPr/>
+    <dgm:style>
+      <a:lnRef idx="2">
+        <a:scrgbClr r="0" g="0" b="0"/>
+      </a:lnRef>
+      <a:fillRef idx="1">
+        <a:scrgbClr r="0" g="0" b="0"/>
+      </a:fillRef>
+      <a:effectRef idx="0">
+        <a:scrgbClr r="0" g="0" b="0"/>
+      </a:effectRef>
+      <a:fontRef idx="minor"/>
+    </dgm:style>
+  </dgm:styleLbl>
+  <dgm:styleLbl name="solidBgAcc1">
+    <dgm:scene3d>
+      <a:camera prst="orthographicFront"/>
+      <a:lightRig rig="threePt" dir="t"/>
+    </dgm:scene3d>
+    <dgm:sp3d/>
+    <dgm:txPr/>
+    <dgm:style>
+      <a:lnRef idx="2">
+        <a:scrgbClr r="0" g="0" b="0"/>
+      </a:lnRef>
+      <a:fillRef idx="1">
+        <a:scrgbClr r="0" g="0" b="0"/>
+      </a:fillRef>
+      <a:effectRef idx="0">
+        <a:scrgbClr r="0" g="0" b="0"/>
+      </a:effectRef>
+      <a:fontRef idx="minor"/>
+    </dgm:style>
+  </dgm:styleLbl>
+  <dgm:styleLbl name="fgAccFollowNode1">
+    <dgm:scene3d>
+      <a:camera prst="orthographicFront"/>
+      <a:lightRig rig="threePt" dir="t"/>
+    </dgm:scene3d>
+    <dgm:sp3d/>
+    <dgm:txPr/>
+    <dgm:style>
+      <a:lnRef idx="2">
+        <a:scrgbClr r="0" g="0" b="0"/>
+      </a:lnRef>
+      <a:fillRef idx="1">
+        <a:scrgbClr r="0" g="0" b="0"/>
+      </a:fillRef>
+      <a:effectRef idx="0">
+        <a:scrgbClr r="0" g="0" b="0"/>
+      </a:effectRef>
+      <a:fontRef idx="minor"/>
+    </dgm:style>
+  </dgm:styleLbl>
+  <dgm:styleLbl name="alignAccFollowNode1">
+    <dgm:scene3d>
+      <a:camera prst="orthographicFront"/>
+      <a:lightRig rig="threePt" dir="t"/>
+    </dgm:scene3d>
+    <dgm:sp3d/>
+    <dgm:txPr/>
+    <dgm:style>
+      <a:lnRef idx="2">
+        <a:scrgbClr r="0" g="0" b="0"/>
+      </a:lnRef>
+      <a:fillRef idx="1">
+        <a:scrgbClr r="0" g="0" b="0"/>
+      </a:fillRef>
+      <a:effectRef idx="0">
+        <a:scrgbClr r="0" g="0" b="0"/>
+      </a:effectRef>
+      <a:fontRef idx="minor"/>
+    </dgm:style>
+  </dgm:styleLbl>
+  <dgm:styleLbl name="bgAccFollowNode1">
+    <dgm:scene3d>
+      <a:camera prst="orthographicFront"/>
+      <a:lightRig rig="threePt" dir="t"/>
+    </dgm:scene3d>
+    <dgm:sp3d/>
+    <dgm:txPr/>
+    <dgm:style>
+      <a:lnRef idx="2">
+        <a:scrgbClr r="0" g="0" b="0"/>
+      </a:lnRef>
+      <a:fillRef idx="1">
+        <a:scrgbClr r="0" g="0" b="0"/>
+      </a:fillRef>
+      <a:effectRef idx="0">
+        <a:scrgbClr r="0" g="0" b="0"/>
+      </a:effectRef>
+      <a:fontRef idx="minor"/>
+    </dgm:style>
+  </dgm:styleLbl>
+  <dgm:styleLbl name="fgAcc0">
+    <dgm:scene3d>
+      <a:camera prst="orthographicFront"/>
+      <a:lightRig rig="threePt" dir="t"/>
+    </dgm:scene3d>
+    <dgm:sp3d/>
+    <dgm:txPr/>
+    <dgm:style>
+      <a:lnRef idx="2">
+        <a:scrgbClr r="0" g="0" b="0"/>
+      </a:lnRef>
+      <a:fillRef idx="1">
+        <a:scrgbClr r="0" g="0" b="0"/>
+      </a:fillRef>
+      <a:effectRef idx="0">
+        <a:scrgbClr r="0" g="0" b="0"/>
+      </a:effectRef>
+      <a:fontRef idx="minor"/>
+    </dgm:style>
+  </dgm:styleLbl>
+  <dgm:styleLbl name="fgAcc2">
+    <dgm:scene3d>
+      <a:camera prst="orthographicFront"/>
+      <a:lightRig rig="threePt" dir="t"/>
+    </dgm:scene3d>
+    <dgm:sp3d/>
+    <dgm:txPr/>
+    <dgm:style>
+      <a:lnRef idx="2">
+        <a:scrgbClr r="0" g="0" b="0"/>
+      </a:lnRef>
+      <a:fillRef idx="1">
+        <a:scrgbClr r="0" g="0" b="0"/>
+      </a:fillRef>
+      <a:effectRef idx="0">
+        <a:scrgbClr r="0" g="0" b="0"/>
+      </a:effectRef>
+      <a:fontRef idx="minor"/>
+    </dgm:style>
+  </dgm:styleLbl>
+  <dgm:styleLbl name="fgAcc3">
+    <dgm:scene3d>
+      <a:camera prst="orthographicFront"/>
+      <a:lightRig rig="threePt" dir="t"/>
+    </dgm:scene3d>
+    <dgm:sp3d/>
+    <dgm:txPr/>
+    <dgm:style>
+      <a:lnRef idx="2">
+        <a:scrgbClr r="0" g="0" b="0"/>
+      </a:lnRef>
+      <a:fillRef idx="1">
+        <a:scrgbClr r="0" g="0" b="0"/>
+      </a:fillRef>
+      <a:effectRef idx="0">
+        <a:scrgbClr r="0" g="0" b="0"/>
+      </a:effectRef>
+      <a:fontRef idx="minor"/>
+    </dgm:style>
+  </dgm:styleLbl>
+  <dgm:styleLbl name="fgAcc4">
+    <dgm:scene3d>
+      <a:camera prst="orthographicFront"/>
+      <a:lightRig rig="threePt" dir="t"/>
+    </dgm:scene3d>
+    <dgm:sp3d/>
+    <dgm:txPr/>
+    <dgm:style>
+      <a:lnRef idx="2">
+        <a:scrgbClr r="0" g="0" b="0"/>
+      </a:lnRef>
+      <a:fillRef idx="1">
+        <a:scrgbClr r="0" g="0" b="0"/>
+      </a:fillRef>
+      <a:effectRef idx="0">
+        <a:scrgbClr r="0" g="0" b="0"/>
+      </a:effectRef>
+      <a:fontRef idx="minor"/>
+    </dgm:style>
+  </dgm:styleLbl>
+  <dgm:styleLbl name="bgShp">
+    <dgm:scene3d>
+      <a:camera prst="orthographicFront"/>
+      <a:lightRig rig="threePt" dir="t"/>
+    </dgm:scene3d>
+    <dgm:sp3d/>
+    <dgm:txPr/>
+    <dgm:style>
+      <a:lnRef idx="0">
+        <a:scrgbClr r="0" g="0" b="0"/>
+      </a:lnRef>
+      <a:fillRef idx="1">
+        <a:scrgbClr r="0" g="0" b="0"/>
+      </a:fillRef>
+      <a:effectRef idx="0">
+        <a:scrgbClr r="0" g="0" b="0"/>
+      </a:effectRef>
+      <a:fontRef idx="minor"/>
+    </dgm:style>
+  </dgm:styleLbl>
+  <dgm:styleLbl name="dkBgShp">
+    <dgm:scene3d>
+      <a:camera prst="orthographicFront"/>
+      <a:lightRig rig="threePt" dir="t"/>
+    </dgm:scene3d>
+    <dgm:sp3d/>
+    <dgm:txPr/>
+    <dgm:style>
+      <a:lnRef idx="0">
+        <a:scrgbClr r="0" g="0" b="0"/>
+      </a:lnRef>
+      <a:fillRef idx="1">
+        <a:scrgbClr r="0" g="0" b="0"/>
+      </a:fillRef>
+      <a:effectRef idx="0">
+        <a:scrgbClr r="0" g="0" b="0"/>
+      </a:effectRef>
+      <a:fontRef idx="minor"/>
+    </dgm:style>
+  </dgm:styleLbl>
+  <dgm:styleLbl name="trBgShp">
+    <dgm:scene3d>
+      <a:camera prst="orthographicFront"/>
+      <a:lightRig rig="threePt" dir="t"/>
+    </dgm:scene3d>
+    <dgm:sp3d/>
+    <dgm:txPr/>
+    <dgm:style>
+      <a:lnRef idx="0">
+        <a:scrgbClr r="0" g="0" b="0"/>
+      </a:lnRef>
+      <a:fillRef idx="1">
+        <a:scrgbClr r="0" g="0" b="0"/>
+      </a:fillRef>
+      <a:effectRef idx="0">
+        <a:scrgbClr r="0" g="0" b="0"/>
+      </a:effectRef>
+      <a:fontRef idx="minor"/>
+    </dgm:style>
+  </dgm:styleLbl>
+  <dgm:styleLbl name="fgShp">
+    <dgm:scene3d>
+      <a:camera prst="orthographicFront"/>
+      <a:lightRig rig="threePt" dir="t"/>
+    </dgm:scene3d>
+    <dgm:sp3d/>
+    <dgm:txPr/>
+    <dgm:style>
+      <a:lnRef idx="2">
+        <a:scrgbClr r="0" g="0" b="0"/>
+      </a:lnRef>
+      <a:fillRef idx="1">
+        <a:scrgbClr r="0" g="0" b="0"/>
+      </a:fillRef>
+      <a:effectRef idx="0">
+        <a:scrgbClr r="0" g="0" b="0"/>
+      </a:effectRef>
+      <a:fontRef idx="minor"/>
     </dgm:style>
   </dgm:styleLbl>
   <dgm:styleLbl name="revTx">
@@ -7322,7 +14289,7 @@
           <a:p>
             <a:fld id="{236E9A6A-4BD2-4507-B204-3622F939856A}" type="datetimeFigureOut">
               <a:rPr lang="fr-FR" smtClean="0"/>
-              <a:t>dimanche  17  juillet  2022</a:t>
+              <a:t>lundi  18  juillet  2022</a:t>
             </a:fld>
             <a:endParaRPr lang="fr-FR"/>
           </a:p>
@@ -7520,7 +14487,7 @@
           <a:p>
             <a:fld id="{236E9A6A-4BD2-4507-B204-3622F939856A}" type="datetimeFigureOut">
               <a:rPr lang="fr-FR" smtClean="0"/>
-              <a:t>dimanche  17  juillet  2022</a:t>
+              <a:t>lundi  18  juillet  2022</a:t>
             </a:fld>
             <a:endParaRPr lang="fr-FR"/>
           </a:p>
@@ -7728,7 +14695,7 @@
           <a:p>
             <a:fld id="{236E9A6A-4BD2-4507-B204-3622F939856A}" type="datetimeFigureOut">
               <a:rPr lang="fr-FR" smtClean="0"/>
-              <a:t>dimanche  17  juillet  2022</a:t>
+              <a:t>lundi  18  juillet  2022</a:t>
             </a:fld>
             <a:endParaRPr lang="fr-FR"/>
           </a:p>
@@ -7926,7 +14893,7 @@
           <a:p>
             <a:fld id="{236E9A6A-4BD2-4507-B204-3622F939856A}" type="datetimeFigureOut">
               <a:rPr lang="fr-FR" smtClean="0"/>
-              <a:t>dimanche  17  juillet  2022</a:t>
+              <a:t>lundi  18  juillet  2022</a:t>
             </a:fld>
             <a:endParaRPr lang="fr-FR"/>
           </a:p>
@@ -8201,7 +15168,7 @@
           <a:p>
             <a:fld id="{236E9A6A-4BD2-4507-B204-3622F939856A}" type="datetimeFigureOut">
               <a:rPr lang="fr-FR" smtClean="0"/>
-              <a:t>dimanche  17  juillet  2022</a:t>
+              <a:t>lundi  18  juillet  2022</a:t>
             </a:fld>
             <a:endParaRPr lang="fr-FR"/>
           </a:p>
@@ -8466,7 +15433,7 @@
           <a:p>
             <a:fld id="{236E9A6A-4BD2-4507-B204-3622F939856A}" type="datetimeFigureOut">
               <a:rPr lang="fr-FR" smtClean="0"/>
-              <a:t>dimanche  17  juillet  2022</a:t>
+              <a:t>lundi  18  juillet  2022</a:t>
             </a:fld>
             <a:endParaRPr lang="fr-FR"/>
           </a:p>
@@ -8878,7 +15845,7 @@
           <a:p>
             <a:fld id="{236E9A6A-4BD2-4507-B204-3622F939856A}" type="datetimeFigureOut">
               <a:rPr lang="fr-FR" smtClean="0"/>
-              <a:t>dimanche  17  juillet  2022</a:t>
+              <a:t>lundi  18  juillet  2022</a:t>
             </a:fld>
             <a:endParaRPr lang="fr-FR"/>
           </a:p>
@@ -9019,7 +15986,7 @@
           <a:p>
             <a:fld id="{236E9A6A-4BD2-4507-B204-3622F939856A}" type="datetimeFigureOut">
               <a:rPr lang="fr-FR" smtClean="0"/>
-              <a:t>dimanche  17  juillet  2022</a:t>
+              <a:t>lundi  18  juillet  2022</a:t>
             </a:fld>
             <a:endParaRPr lang="fr-FR"/>
           </a:p>
@@ -9132,7 +16099,7 @@
           <a:p>
             <a:fld id="{236E9A6A-4BD2-4507-B204-3622F939856A}" type="datetimeFigureOut">
               <a:rPr lang="fr-FR" smtClean="0"/>
-              <a:t>dimanche  17  juillet  2022</a:t>
+              <a:t>lundi  18  juillet  2022</a:t>
             </a:fld>
             <a:endParaRPr lang="fr-FR"/>
           </a:p>
@@ -9443,7 +16410,7 @@
           <a:p>
             <a:fld id="{236E9A6A-4BD2-4507-B204-3622F939856A}" type="datetimeFigureOut">
               <a:rPr lang="fr-FR" smtClean="0"/>
-              <a:t>dimanche  17  juillet  2022</a:t>
+              <a:t>lundi  18  juillet  2022</a:t>
             </a:fld>
             <a:endParaRPr lang="fr-FR"/>
           </a:p>
@@ -9731,7 +16698,7 @@
           <a:p>
             <a:fld id="{236E9A6A-4BD2-4507-B204-3622F939856A}" type="datetimeFigureOut">
               <a:rPr lang="fr-FR" smtClean="0"/>
-              <a:t>dimanche  17  juillet  2022</a:t>
+              <a:t>lundi  18  juillet  2022</a:t>
             </a:fld>
             <a:endParaRPr lang="fr-FR"/>
           </a:p>
@@ -9972,7 +16939,7 @@
           <a:p>
             <a:fld id="{236E9A6A-4BD2-4507-B204-3622F939856A}" type="datetimeFigureOut">
               <a:rPr lang="fr-FR" smtClean="0"/>
-              <a:t>dimanche  17  juillet  2022</a:t>
+              <a:t>lundi  18  juillet  2022</a:t>
             </a:fld>
             <a:endParaRPr lang="fr-FR"/>
           </a:p>
@@ -10760,209 +17727,230 @@
           </a:p>
         </p:txBody>
       </p:sp>
-      <p:graphicFrame>
-        <p:nvGraphicFramePr>
-          <p:cNvPr id="4" name="Diagramme 3">
+      <p:grpSp>
+        <p:nvGrpSpPr>
+          <p:cNvPr id="3" name="Groupe 2">
             <a:extLst>
               <a:ext uri="{FF2B5EF4-FFF2-40B4-BE49-F238E27FC236}">
-                <a16:creationId xmlns:a16="http://schemas.microsoft.com/office/drawing/2014/main" id="{6C98C88F-FD23-4AE6-AA2F-7ABF8C385988}"/>
+                <a16:creationId xmlns:a16="http://schemas.microsoft.com/office/drawing/2014/main" id="{554D3D41-7A02-32DB-792C-88C0FCB2AE60}"/>
               </a:ext>
             </a:extLst>
           </p:cNvPr>
-          <p:cNvGraphicFramePr/>
-          <p:nvPr>
-            <p:extLst>
-              <p:ext uri="{D42A27DB-BD31-4B8C-83A1-F6EECF244321}">
-                <p14:modId xmlns:p14="http://schemas.microsoft.com/office/powerpoint/2010/main" val="217747542"/>
-              </p:ext>
-            </p:extLst>
-          </p:nvPr>
-        </p:nvGraphicFramePr>
-        <p:xfrm>
-          <a:off x="2032000" y="719666"/>
-          <a:ext cx="8128000" cy="5418667"/>
-        </p:xfrm>
-        <a:graphic>
-          <a:graphicData uri="http://schemas.openxmlformats.org/drawingml/2006/diagram">
-            <dgm:relIds xmlns:dgm="http://schemas.openxmlformats.org/drawingml/2006/diagram" xmlns:r="http://schemas.openxmlformats.org/officeDocument/2006/relationships" r:dm="rId2" r:lo="rId3" r:qs="rId4" r:cs="rId5"/>
-          </a:graphicData>
-        </a:graphic>
-      </p:graphicFrame>
-      <p:sp>
-        <p:nvSpPr>
-          <p:cNvPr id="5" name="Flèche : droite à entaille 4">
-            <a:extLst>
-              <a:ext uri="{FF2B5EF4-FFF2-40B4-BE49-F238E27FC236}">
-                <a16:creationId xmlns:a16="http://schemas.microsoft.com/office/drawing/2014/main" id="{89605967-A9CB-54F2-D3F0-73A015D9DA37}"/>
-              </a:ext>
-            </a:extLst>
-          </p:cNvPr>
-          <p:cNvSpPr/>
+          <p:cNvGrpSpPr/>
           <p:nvPr/>
-        </p:nvSpPr>
-        <p:spPr>
+        </p:nvGrpSpPr>
+        <p:grpSpPr>
           <a:xfrm>
-            <a:off x="7030065" y="2490262"/>
-            <a:ext cx="1091380" cy="646471"/>
+            <a:off x="2032000" y="719666"/>
+            <a:ext cx="8128000" cy="5418667"/>
+            <a:chOff x="2032000" y="719666"/>
+            <a:chExt cx="8128000" cy="5418667"/>
           </a:xfrm>
-          <a:prstGeom prst="notchedRightArrow">
-            <a:avLst/>
-          </a:prstGeom>
-        </p:spPr>
-        <p:style>
-          <a:lnRef idx="3">
-            <a:schemeClr val="lt1"/>
-          </a:lnRef>
-          <a:fillRef idx="1">
-            <a:schemeClr val="accent6"/>
-          </a:fillRef>
-          <a:effectRef idx="1">
-            <a:schemeClr val="accent6"/>
-          </a:effectRef>
-          <a:fontRef idx="minor">
-            <a:schemeClr val="lt1"/>
-          </a:fontRef>
-        </p:style>
-        <p:txBody>
-          <a:bodyPr rot="0" spcFirstLastPara="0" vertOverflow="overflow" horzOverflow="overflow" vert="horz" wrap="square" lIns="91440" tIns="45720" rIns="91440" bIns="45720" numCol="1" spcCol="0" rtlCol="0" fromWordArt="0" anchor="ctr" anchorCtr="0" forceAA="0" compatLnSpc="1">
-            <a:prstTxWarp prst="textNoShape">
+        </p:grpSpPr>
+        <p:graphicFrame>
+          <p:nvGraphicFramePr>
+            <p:cNvPr id="4" name="Diagramme 3">
+              <a:extLst>
+                <a:ext uri="{FF2B5EF4-FFF2-40B4-BE49-F238E27FC236}">
+                  <a16:creationId xmlns:a16="http://schemas.microsoft.com/office/drawing/2014/main" id="{6C98C88F-FD23-4AE6-AA2F-7ABF8C385988}"/>
+                </a:ext>
+              </a:extLst>
+            </p:cNvPr>
+            <p:cNvGraphicFramePr/>
+            <p:nvPr>
+              <p:extLst>
+                <p:ext uri="{D42A27DB-BD31-4B8C-83A1-F6EECF244321}">
+                  <p14:modId xmlns:p14="http://schemas.microsoft.com/office/powerpoint/2010/main" val="696650087"/>
+                </p:ext>
+              </p:extLst>
+            </p:nvPr>
+          </p:nvGraphicFramePr>
+          <p:xfrm>
+            <a:off x="2032000" y="719666"/>
+            <a:ext cx="8128000" cy="5418667"/>
+          </p:xfrm>
+          <a:graphic>
+            <a:graphicData uri="http://schemas.openxmlformats.org/drawingml/2006/diagram">
+              <dgm:relIds xmlns:dgm="http://schemas.openxmlformats.org/drawingml/2006/diagram" xmlns:r="http://schemas.openxmlformats.org/officeDocument/2006/relationships" r:dm="rId2" r:lo="rId3" r:qs="rId4" r:cs="rId5"/>
+            </a:graphicData>
+          </a:graphic>
+        </p:graphicFrame>
+        <p:sp>
+          <p:nvSpPr>
+            <p:cNvPr id="5" name="Flèche : droite à entaille 4">
+              <a:extLst>
+                <a:ext uri="{FF2B5EF4-FFF2-40B4-BE49-F238E27FC236}">
+                  <a16:creationId xmlns:a16="http://schemas.microsoft.com/office/drawing/2014/main" id="{89605967-A9CB-54F2-D3F0-73A015D9DA37}"/>
+                </a:ext>
+              </a:extLst>
+            </p:cNvPr>
+            <p:cNvSpPr/>
+            <p:nvPr/>
+          </p:nvSpPr>
+          <p:spPr>
+            <a:xfrm>
+              <a:off x="7030065" y="2490262"/>
+              <a:ext cx="1091380" cy="646471"/>
+            </a:xfrm>
+            <a:prstGeom prst="notchedRightArrow">
               <a:avLst/>
-            </a:prstTxWarp>
-            <a:noAutofit/>
-          </a:bodyPr>
-          <a:lstStyle/>
-          <a:p>
-            <a:pPr algn="ctr"/>
-            <a:endParaRPr lang="fr-FR"/>
-          </a:p>
-        </p:txBody>
-      </p:sp>
-      <p:sp>
-        <p:nvSpPr>
-          <p:cNvPr id="6" name="Flèche : droite à entaille 5">
-            <a:extLst>
-              <a:ext uri="{FF2B5EF4-FFF2-40B4-BE49-F238E27FC236}">
-                <a16:creationId xmlns:a16="http://schemas.microsoft.com/office/drawing/2014/main" id="{589AD906-726A-AF00-EB39-03218270539D}"/>
-              </a:ext>
-            </a:extLst>
-          </p:cNvPr>
-          <p:cNvSpPr/>
-          <p:nvPr/>
-        </p:nvSpPr>
-        <p:spPr>
-          <a:xfrm>
-            <a:off x="7084143" y="3667826"/>
-            <a:ext cx="1091380" cy="646471"/>
-          </a:xfrm>
-          <a:prstGeom prst="notchedRightArrow">
-            <a:avLst/>
-          </a:prstGeom>
-        </p:spPr>
-        <p:style>
-          <a:lnRef idx="3">
-            <a:schemeClr val="lt1"/>
-          </a:lnRef>
-          <a:fillRef idx="1">
-            <a:schemeClr val="accent6"/>
-          </a:fillRef>
-          <a:effectRef idx="1">
-            <a:schemeClr val="accent6"/>
-          </a:effectRef>
-          <a:fontRef idx="minor">
-            <a:schemeClr val="lt1"/>
-          </a:fontRef>
-        </p:style>
-        <p:txBody>
-          <a:bodyPr rtlCol="0" anchor="ctr"/>
-          <a:lstStyle/>
-          <a:p>
-            <a:pPr algn="ctr"/>
-            <a:endParaRPr lang="fr-FR"/>
-          </a:p>
-        </p:txBody>
-      </p:sp>
-      <p:cxnSp>
-        <p:nvCxnSpPr>
-          <p:cNvPr id="8" name="Connecteur droit avec flèche 7">
-            <a:extLst>
-              <a:ext uri="{FF2B5EF4-FFF2-40B4-BE49-F238E27FC236}">
-                <a16:creationId xmlns:a16="http://schemas.microsoft.com/office/drawing/2014/main" id="{CA88004C-6301-1AA8-3A5A-8AFF98016E95}"/>
-              </a:ext>
-            </a:extLst>
-          </p:cNvPr>
-          <p:cNvCxnSpPr>
-            <a:cxnSpLocks/>
-          </p:cNvCxnSpPr>
-          <p:nvPr/>
-        </p:nvCxnSpPr>
-        <p:spPr>
-          <a:xfrm>
-            <a:off x="4159045" y="3429000"/>
-            <a:ext cx="940621" cy="710381"/>
-          </a:xfrm>
-          <a:prstGeom prst="straightConnector1">
-            <a:avLst/>
-          </a:prstGeom>
-          <a:ln w="76200">
-            <a:tailEnd type="triangle"/>
-          </a:ln>
-        </p:spPr>
-        <p:style>
-          <a:lnRef idx="3">
-            <a:schemeClr val="dk1"/>
-          </a:lnRef>
-          <a:fillRef idx="0">
-            <a:schemeClr val="dk1"/>
-          </a:fillRef>
-          <a:effectRef idx="2">
-            <a:schemeClr val="dk1"/>
-          </a:effectRef>
-          <a:fontRef idx="minor">
-            <a:schemeClr val="tx1"/>
-          </a:fontRef>
-        </p:style>
-      </p:cxnSp>
-      <p:cxnSp>
-        <p:nvCxnSpPr>
-          <p:cNvPr id="9" name="Connecteur droit avec flèche 8">
-            <a:extLst>
-              <a:ext uri="{FF2B5EF4-FFF2-40B4-BE49-F238E27FC236}">
-                <a16:creationId xmlns:a16="http://schemas.microsoft.com/office/drawing/2014/main" id="{DC80DF02-7A77-93A2-7272-F0AE9706A28B}"/>
-              </a:ext>
-            </a:extLst>
-          </p:cNvPr>
-          <p:cNvCxnSpPr>
-            <a:cxnSpLocks/>
-          </p:cNvCxnSpPr>
-          <p:nvPr/>
-        </p:nvCxnSpPr>
-        <p:spPr>
-          <a:xfrm flipV="1">
-            <a:off x="4159045" y="2813497"/>
-            <a:ext cx="832465" cy="615502"/>
-          </a:xfrm>
-          <a:prstGeom prst="straightConnector1">
-            <a:avLst/>
-          </a:prstGeom>
-          <a:ln w="76200">
-            <a:tailEnd type="triangle"/>
-          </a:ln>
-        </p:spPr>
-        <p:style>
-          <a:lnRef idx="3">
-            <a:schemeClr val="dk1"/>
-          </a:lnRef>
-          <a:fillRef idx="0">
-            <a:schemeClr val="dk1"/>
-          </a:fillRef>
-          <a:effectRef idx="2">
-            <a:schemeClr val="dk1"/>
-          </a:effectRef>
-          <a:fontRef idx="minor">
-            <a:schemeClr val="tx1"/>
-          </a:fontRef>
-        </p:style>
-      </p:cxnSp>
+            </a:prstGeom>
+          </p:spPr>
+          <p:style>
+            <a:lnRef idx="3">
+              <a:schemeClr val="lt1"/>
+            </a:lnRef>
+            <a:fillRef idx="1">
+              <a:schemeClr val="accent6"/>
+            </a:fillRef>
+            <a:effectRef idx="1">
+              <a:schemeClr val="accent6"/>
+            </a:effectRef>
+            <a:fontRef idx="minor">
+              <a:schemeClr val="lt1"/>
+            </a:fontRef>
+          </p:style>
+          <p:txBody>
+            <a:bodyPr rot="0" spcFirstLastPara="0" vertOverflow="overflow" horzOverflow="overflow" vert="horz" wrap="square" lIns="91440" tIns="45720" rIns="91440" bIns="45720" numCol="1" spcCol="0" rtlCol="0" fromWordArt="0" anchor="ctr" anchorCtr="0" forceAA="0" compatLnSpc="1">
+              <a:prstTxWarp prst="textNoShape">
+                <a:avLst/>
+              </a:prstTxWarp>
+              <a:noAutofit/>
+            </a:bodyPr>
+            <a:lstStyle/>
+            <a:p>
+              <a:pPr algn="ctr"/>
+              <a:endParaRPr lang="fr-FR"/>
+            </a:p>
+          </p:txBody>
+        </p:sp>
+        <p:sp>
+          <p:nvSpPr>
+            <p:cNvPr id="6" name="Flèche : droite à entaille 5">
+              <a:extLst>
+                <a:ext uri="{FF2B5EF4-FFF2-40B4-BE49-F238E27FC236}">
+                  <a16:creationId xmlns:a16="http://schemas.microsoft.com/office/drawing/2014/main" id="{589AD906-726A-AF00-EB39-03218270539D}"/>
+                </a:ext>
+              </a:extLst>
+            </p:cNvPr>
+            <p:cNvSpPr/>
+            <p:nvPr/>
+          </p:nvSpPr>
+          <p:spPr>
+            <a:xfrm>
+              <a:off x="7084143" y="3667826"/>
+              <a:ext cx="1091380" cy="646471"/>
+            </a:xfrm>
+            <a:prstGeom prst="notchedRightArrow">
+              <a:avLst/>
+            </a:prstGeom>
+          </p:spPr>
+          <p:style>
+            <a:lnRef idx="3">
+              <a:schemeClr val="lt1"/>
+            </a:lnRef>
+            <a:fillRef idx="1">
+              <a:schemeClr val="accent6"/>
+            </a:fillRef>
+            <a:effectRef idx="1">
+              <a:schemeClr val="accent6"/>
+            </a:effectRef>
+            <a:fontRef idx="minor">
+              <a:schemeClr val="lt1"/>
+            </a:fontRef>
+          </p:style>
+          <p:txBody>
+            <a:bodyPr rtlCol="0" anchor="ctr"/>
+            <a:lstStyle/>
+            <a:p>
+              <a:pPr algn="ctr"/>
+              <a:endParaRPr lang="fr-FR"/>
+            </a:p>
+          </p:txBody>
+        </p:sp>
+        <p:cxnSp>
+          <p:nvCxnSpPr>
+            <p:cNvPr id="8" name="Connecteur droit avec flèche 7">
+              <a:extLst>
+                <a:ext uri="{FF2B5EF4-FFF2-40B4-BE49-F238E27FC236}">
+                  <a16:creationId xmlns:a16="http://schemas.microsoft.com/office/drawing/2014/main" id="{CA88004C-6301-1AA8-3A5A-8AFF98016E95}"/>
+                </a:ext>
+              </a:extLst>
+            </p:cNvPr>
+            <p:cNvCxnSpPr>
+              <a:cxnSpLocks/>
+            </p:cNvCxnSpPr>
+            <p:nvPr/>
+          </p:nvCxnSpPr>
+          <p:spPr>
+            <a:xfrm>
+              <a:off x="4159045" y="3429000"/>
+              <a:ext cx="940621" cy="710381"/>
+            </a:xfrm>
+            <a:prstGeom prst="straightConnector1">
+              <a:avLst/>
+            </a:prstGeom>
+            <a:ln w="76200">
+              <a:tailEnd type="triangle"/>
+            </a:ln>
+          </p:spPr>
+          <p:style>
+            <a:lnRef idx="3">
+              <a:schemeClr val="dk1"/>
+            </a:lnRef>
+            <a:fillRef idx="0">
+              <a:schemeClr val="dk1"/>
+            </a:fillRef>
+            <a:effectRef idx="2">
+              <a:schemeClr val="dk1"/>
+            </a:effectRef>
+            <a:fontRef idx="minor">
+              <a:schemeClr val="tx1"/>
+            </a:fontRef>
+          </p:style>
+        </p:cxnSp>
+        <p:cxnSp>
+          <p:nvCxnSpPr>
+            <p:cNvPr id="9" name="Connecteur droit avec flèche 8">
+              <a:extLst>
+                <a:ext uri="{FF2B5EF4-FFF2-40B4-BE49-F238E27FC236}">
+                  <a16:creationId xmlns:a16="http://schemas.microsoft.com/office/drawing/2014/main" id="{DC80DF02-7A77-93A2-7272-F0AE9706A28B}"/>
+                </a:ext>
+              </a:extLst>
+            </p:cNvPr>
+            <p:cNvCxnSpPr>
+              <a:cxnSpLocks/>
+            </p:cNvCxnSpPr>
+            <p:nvPr/>
+          </p:nvCxnSpPr>
+          <p:spPr>
+            <a:xfrm flipV="1">
+              <a:off x="4159045" y="2813497"/>
+              <a:ext cx="832465" cy="615502"/>
+            </a:xfrm>
+            <a:prstGeom prst="straightConnector1">
+              <a:avLst/>
+            </a:prstGeom>
+            <a:ln w="76200">
+              <a:tailEnd type="triangle"/>
+            </a:ln>
+          </p:spPr>
+          <p:style>
+            <a:lnRef idx="3">
+              <a:schemeClr val="dk1"/>
+            </a:lnRef>
+            <a:fillRef idx="0">
+              <a:schemeClr val="dk1"/>
+            </a:fillRef>
+            <a:effectRef idx="2">
+              <a:schemeClr val="dk1"/>
+            </a:effectRef>
+            <a:fontRef idx="minor">
+              <a:schemeClr val="tx1"/>
+            </a:fontRef>
+          </p:style>
+        </p:cxnSp>
+      </p:grpSp>
     </p:spTree>
     <p:extLst>
       <p:ext uri="{BB962C8B-B14F-4D97-AF65-F5344CB8AC3E}">
@@ -11023,41 +18011,1144 @@
           <a:p>
             <a:pPr algn="ctr"/>
             <a:r>
-              <a:rPr lang="fr-FR" sz="2800" b="1" dirty="0" err="1"/>
-              <a:t>Title</a:t>
-            </a:r>
-            <a:r>
               <a:rPr lang="fr-FR" sz="2800" b="1" dirty="0"/>
-              <a:t> 1</a:t>
+              <a:t>La compilation avec l’exemple du C</a:t>
             </a:r>
           </a:p>
         </p:txBody>
       </p:sp>
       <p:sp>
         <p:nvSpPr>
-          <p:cNvPr id="3" name="Espace réservé du contenu 2">
+          <p:cNvPr id="6" name="ZoneTexte 5">
             <a:extLst>
               <a:ext uri="{FF2B5EF4-FFF2-40B4-BE49-F238E27FC236}">
-                <a16:creationId xmlns:a16="http://schemas.microsoft.com/office/drawing/2014/main" id="{096C347E-3FE9-BDC1-1B6F-F6DAF83108E7}"/>
+                <a16:creationId xmlns:a16="http://schemas.microsoft.com/office/drawing/2014/main" id="{8BA92068-345E-465A-699E-1C0802738531}"/>
               </a:ext>
             </a:extLst>
           </p:cNvPr>
-          <p:cNvSpPr>
-            <a:spLocks noGrp="1"/>
-          </p:cNvSpPr>
-          <p:nvPr>
-            <p:ph idx="1"/>
-          </p:nvPr>
+          <p:cNvSpPr txBox="1"/>
+          <p:nvPr/>
         </p:nvSpPr>
-        <p:spPr/>
+        <p:spPr>
+          <a:xfrm>
+            <a:off x="424464" y="1307034"/>
+            <a:ext cx="827471" cy="400110"/>
+          </a:xfrm>
+          <a:prstGeom prst="rect">
+            <a:avLst/>
+          </a:prstGeom>
+          <a:noFill/>
+        </p:spPr>
         <p:txBody>
-          <a:bodyPr/>
+          <a:bodyPr wrap="none" rtlCol="0">
+            <a:spAutoFit/>
+          </a:bodyPr>
           <a:lstStyle/>
           <a:p>
-            <a:endParaRPr lang="fr-FR" dirty="0"/>
+            <a:r>
+              <a:rPr lang="fr-FR" sz="2000" b="1" dirty="0">
+                <a:solidFill>
+                  <a:srgbClr val="FF0000"/>
+                </a:solidFill>
+              </a:rPr>
+              <a:t>file1.c</a:t>
+            </a:r>
+            <a:endParaRPr lang="fr-FR" b="1" dirty="0">
+              <a:solidFill>
+                <a:srgbClr val="FF0000"/>
+              </a:solidFill>
+            </a:endParaRPr>
           </a:p>
         </p:txBody>
       </p:sp>
+      <p:sp>
+        <p:nvSpPr>
+          <p:cNvPr id="7" name="ZoneTexte 6">
+            <a:extLst>
+              <a:ext uri="{FF2B5EF4-FFF2-40B4-BE49-F238E27FC236}">
+                <a16:creationId xmlns:a16="http://schemas.microsoft.com/office/drawing/2014/main" id="{34D9ABBC-8C75-BAF5-BE5C-0E23B845DDDF}"/>
+              </a:ext>
+            </a:extLst>
+          </p:cNvPr>
+          <p:cNvSpPr txBox="1"/>
+          <p:nvPr/>
+        </p:nvSpPr>
+        <p:spPr>
+          <a:xfrm>
+            <a:off x="376081" y="3264395"/>
+            <a:ext cx="827471" cy="400110"/>
+          </a:xfrm>
+          <a:prstGeom prst="rect">
+            <a:avLst/>
+          </a:prstGeom>
+          <a:noFill/>
+        </p:spPr>
+        <p:txBody>
+          <a:bodyPr wrap="none" rtlCol="0">
+            <a:spAutoFit/>
+          </a:bodyPr>
+          <a:lstStyle/>
+          <a:p>
+            <a:r>
+              <a:rPr lang="fr-FR" sz="2000" b="1" dirty="0">
+                <a:solidFill>
+                  <a:srgbClr val="FF0000"/>
+                </a:solidFill>
+              </a:rPr>
+              <a:t>file2.c</a:t>
+            </a:r>
+            <a:endParaRPr lang="fr-FR" b="1" dirty="0">
+              <a:solidFill>
+                <a:srgbClr val="FF0000"/>
+              </a:solidFill>
+            </a:endParaRPr>
+          </a:p>
+        </p:txBody>
+      </p:sp>
+      <p:sp>
+        <p:nvSpPr>
+          <p:cNvPr id="8" name="ZoneTexte 7">
+            <a:extLst>
+              <a:ext uri="{FF2B5EF4-FFF2-40B4-BE49-F238E27FC236}">
+                <a16:creationId xmlns:a16="http://schemas.microsoft.com/office/drawing/2014/main" id="{62EB526B-5614-353B-24CD-938A515EB343}"/>
+              </a:ext>
+            </a:extLst>
+          </p:cNvPr>
+          <p:cNvSpPr txBox="1"/>
+          <p:nvPr/>
+        </p:nvSpPr>
+        <p:spPr>
+          <a:xfrm>
+            <a:off x="387592" y="4728361"/>
+            <a:ext cx="827471" cy="400110"/>
+          </a:xfrm>
+          <a:prstGeom prst="rect">
+            <a:avLst/>
+          </a:prstGeom>
+          <a:noFill/>
+        </p:spPr>
+        <p:txBody>
+          <a:bodyPr wrap="none" rtlCol="0">
+            <a:spAutoFit/>
+          </a:bodyPr>
+          <a:lstStyle/>
+          <a:p>
+            <a:r>
+              <a:rPr lang="fr-FR" sz="2000" b="1" dirty="0">
+                <a:solidFill>
+                  <a:srgbClr val="FF0000"/>
+                </a:solidFill>
+              </a:rPr>
+              <a:t>file3.c</a:t>
+            </a:r>
+            <a:endParaRPr lang="fr-FR" b="1" dirty="0">
+              <a:solidFill>
+                <a:srgbClr val="FF0000"/>
+              </a:solidFill>
+            </a:endParaRPr>
+          </a:p>
+        </p:txBody>
+      </p:sp>
+      <p:cxnSp>
+        <p:nvCxnSpPr>
+          <p:cNvPr id="21" name="Connecteur droit avec flèche 20">
+            <a:extLst>
+              <a:ext uri="{FF2B5EF4-FFF2-40B4-BE49-F238E27FC236}">
+                <a16:creationId xmlns:a16="http://schemas.microsoft.com/office/drawing/2014/main" id="{AD700D99-6C15-3D38-F7CC-D78E4FE2EEA9}"/>
+              </a:ext>
+            </a:extLst>
+          </p:cNvPr>
+          <p:cNvCxnSpPr>
+            <a:cxnSpLocks/>
+          </p:cNvCxnSpPr>
+          <p:nvPr/>
+        </p:nvCxnSpPr>
+        <p:spPr>
+          <a:xfrm>
+            <a:off x="1638628" y="2936755"/>
+            <a:ext cx="317091" cy="170239"/>
+          </a:xfrm>
+          <a:prstGeom prst="straightConnector1">
+            <a:avLst/>
+          </a:prstGeom>
+          <a:ln w="57150">
+            <a:tailEnd type="triangle"/>
+          </a:ln>
+        </p:spPr>
+        <p:style>
+          <a:lnRef idx="3">
+            <a:schemeClr val="dk1"/>
+          </a:lnRef>
+          <a:fillRef idx="0">
+            <a:schemeClr val="dk1"/>
+          </a:fillRef>
+          <a:effectRef idx="2">
+            <a:schemeClr val="dk1"/>
+          </a:effectRef>
+          <a:fontRef idx="minor">
+            <a:schemeClr val="tx1"/>
+          </a:fontRef>
+        </p:style>
+      </p:cxnSp>
+      <p:cxnSp>
+        <p:nvCxnSpPr>
+          <p:cNvPr id="25" name="Connecteur droit avec flèche 24">
+            <a:extLst>
+              <a:ext uri="{FF2B5EF4-FFF2-40B4-BE49-F238E27FC236}">
+                <a16:creationId xmlns:a16="http://schemas.microsoft.com/office/drawing/2014/main" id="{11E5FBB3-7AD6-3289-DC24-6CD213BF71B6}"/>
+              </a:ext>
+            </a:extLst>
+          </p:cNvPr>
+          <p:cNvCxnSpPr>
+            <a:cxnSpLocks/>
+          </p:cNvCxnSpPr>
+          <p:nvPr/>
+        </p:nvCxnSpPr>
+        <p:spPr>
+          <a:xfrm flipV="1">
+            <a:off x="1435510" y="3980895"/>
+            <a:ext cx="406236" cy="118547"/>
+          </a:xfrm>
+          <a:prstGeom prst="straightConnector1">
+            <a:avLst/>
+          </a:prstGeom>
+          <a:ln w="57150">
+            <a:tailEnd type="triangle"/>
+          </a:ln>
+        </p:spPr>
+        <p:style>
+          <a:lnRef idx="3">
+            <a:schemeClr val="dk1"/>
+          </a:lnRef>
+          <a:fillRef idx="0">
+            <a:schemeClr val="dk1"/>
+          </a:fillRef>
+          <a:effectRef idx="2">
+            <a:schemeClr val="dk1"/>
+          </a:effectRef>
+          <a:fontRef idx="minor">
+            <a:schemeClr val="tx1"/>
+          </a:fontRef>
+        </p:style>
+      </p:cxnSp>
+      <p:cxnSp>
+        <p:nvCxnSpPr>
+          <p:cNvPr id="26" name="Connecteur droit avec flèche 25">
+            <a:extLst>
+              <a:ext uri="{FF2B5EF4-FFF2-40B4-BE49-F238E27FC236}">
+                <a16:creationId xmlns:a16="http://schemas.microsoft.com/office/drawing/2014/main" id="{E3EC27E4-4F9D-A3A0-70B2-C85675DFE49D}"/>
+              </a:ext>
+            </a:extLst>
+          </p:cNvPr>
+          <p:cNvCxnSpPr>
+            <a:cxnSpLocks/>
+          </p:cNvCxnSpPr>
+          <p:nvPr/>
+        </p:nvCxnSpPr>
+        <p:spPr>
+          <a:xfrm flipV="1">
+            <a:off x="1435510" y="4581832"/>
+            <a:ext cx="520209" cy="546639"/>
+          </a:xfrm>
+          <a:prstGeom prst="straightConnector1">
+            <a:avLst/>
+          </a:prstGeom>
+          <a:ln w="57150">
+            <a:tailEnd type="triangle"/>
+          </a:ln>
+        </p:spPr>
+        <p:style>
+          <a:lnRef idx="3">
+            <a:schemeClr val="dk1"/>
+          </a:lnRef>
+          <a:fillRef idx="0">
+            <a:schemeClr val="dk1"/>
+          </a:fillRef>
+          <a:effectRef idx="2">
+            <a:schemeClr val="dk1"/>
+          </a:effectRef>
+          <a:fontRef idx="minor">
+            <a:schemeClr val="tx1"/>
+          </a:fontRef>
+        </p:style>
+      </p:cxnSp>
+      <p:cxnSp>
+        <p:nvCxnSpPr>
+          <p:cNvPr id="27" name="Connecteur droit avec flèche 26">
+            <a:extLst>
+              <a:ext uri="{FF2B5EF4-FFF2-40B4-BE49-F238E27FC236}">
+                <a16:creationId xmlns:a16="http://schemas.microsoft.com/office/drawing/2014/main" id="{13F90021-819D-465F-AC90-9AA4AAE41BAF}"/>
+              </a:ext>
+            </a:extLst>
+          </p:cNvPr>
+          <p:cNvCxnSpPr>
+            <a:cxnSpLocks/>
+          </p:cNvCxnSpPr>
+          <p:nvPr/>
+        </p:nvCxnSpPr>
+        <p:spPr>
+          <a:xfrm>
+            <a:off x="3598606" y="4608748"/>
+            <a:ext cx="575965" cy="622013"/>
+          </a:xfrm>
+          <a:prstGeom prst="straightConnector1">
+            <a:avLst/>
+          </a:prstGeom>
+          <a:ln w="57150">
+            <a:tailEnd type="triangle"/>
+          </a:ln>
+        </p:spPr>
+        <p:style>
+          <a:lnRef idx="3">
+            <a:schemeClr val="dk1"/>
+          </a:lnRef>
+          <a:fillRef idx="0">
+            <a:schemeClr val="dk1"/>
+          </a:fillRef>
+          <a:effectRef idx="2">
+            <a:schemeClr val="dk1"/>
+          </a:effectRef>
+          <a:fontRef idx="minor">
+            <a:schemeClr val="tx1"/>
+          </a:fontRef>
+        </p:style>
+      </p:cxnSp>
+      <p:cxnSp>
+        <p:nvCxnSpPr>
+          <p:cNvPr id="28" name="Connecteur droit avec flèche 27">
+            <a:extLst>
+              <a:ext uri="{FF2B5EF4-FFF2-40B4-BE49-F238E27FC236}">
+                <a16:creationId xmlns:a16="http://schemas.microsoft.com/office/drawing/2014/main" id="{02CB39ED-0D23-0CC7-B428-D6A389241B65}"/>
+              </a:ext>
+            </a:extLst>
+          </p:cNvPr>
+          <p:cNvCxnSpPr>
+            <a:cxnSpLocks/>
+          </p:cNvCxnSpPr>
+          <p:nvPr/>
+        </p:nvCxnSpPr>
+        <p:spPr>
+          <a:xfrm>
+            <a:off x="3766530" y="3903124"/>
+            <a:ext cx="336755" cy="0"/>
+          </a:xfrm>
+          <a:prstGeom prst="straightConnector1">
+            <a:avLst/>
+          </a:prstGeom>
+          <a:ln w="57150">
+            <a:tailEnd type="triangle"/>
+          </a:ln>
+        </p:spPr>
+        <p:style>
+          <a:lnRef idx="3">
+            <a:schemeClr val="dk1"/>
+          </a:lnRef>
+          <a:fillRef idx="0">
+            <a:schemeClr val="dk1"/>
+          </a:fillRef>
+          <a:effectRef idx="2">
+            <a:schemeClr val="dk1"/>
+          </a:effectRef>
+          <a:fontRef idx="minor">
+            <a:schemeClr val="tx1"/>
+          </a:fontRef>
+        </p:style>
+      </p:cxnSp>
+      <p:cxnSp>
+        <p:nvCxnSpPr>
+          <p:cNvPr id="29" name="Connecteur droit avec flèche 28">
+            <a:extLst>
+              <a:ext uri="{FF2B5EF4-FFF2-40B4-BE49-F238E27FC236}">
+                <a16:creationId xmlns:a16="http://schemas.microsoft.com/office/drawing/2014/main" id="{A74CAF02-84F6-065B-1C34-20DC7A6062E1}"/>
+              </a:ext>
+            </a:extLst>
+          </p:cNvPr>
+          <p:cNvCxnSpPr>
+            <a:cxnSpLocks/>
+          </p:cNvCxnSpPr>
+          <p:nvPr/>
+        </p:nvCxnSpPr>
+        <p:spPr>
+          <a:xfrm flipV="1">
+            <a:off x="3685385" y="2576052"/>
+            <a:ext cx="368740" cy="334296"/>
+          </a:xfrm>
+          <a:prstGeom prst="straightConnector1">
+            <a:avLst/>
+          </a:prstGeom>
+          <a:ln w="57150">
+            <a:tailEnd type="triangle"/>
+          </a:ln>
+        </p:spPr>
+        <p:style>
+          <a:lnRef idx="3">
+            <a:schemeClr val="dk1"/>
+          </a:lnRef>
+          <a:fillRef idx="0">
+            <a:schemeClr val="dk1"/>
+          </a:fillRef>
+          <a:effectRef idx="2">
+            <a:schemeClr val="dk1"/>
+          </a:effectRef>
+          <a:fontRef idx="minor">
+            <a:schemeClr val="tx1"/>
+          </a:fontRef>
+        </p:style>
+      </p:cxnSp>
+      <p:grpSp>
+        <p:nvGrpSpPr>
+          <p:cNvPr id="51" name="Groupe 50">
+            <a:extLst>
+              <a:ext uri="{FF2B5EF4-FFF2-40B4-BE49-F238E27FC236}">
+                <a16:creationId xmlns:a16="http://schemas.microsoft.com/office/drawing/2014/main" id="{2C3F0F48-EE35-22D8-B880-C3FE0B0147FB}"/>
+              </a:ext>
+            </a:extLst>
+          </p:cNvPr>
+          <p:cNvGrpSpPr/>
+          <p:nvPr/>
+        </p:nvGrpSpPr>
+        <p:grpSpPr>
+          <a:xfrm>
+            <a:off x="304798" y="773105"/>
+            <a:ext cx="11497219" cy="6014504"/>
+            <a:chOff x="304798" y="773105"/>
+            <a:chExt cx="11497219" cy="6014504"/>
+          </a:xfrm>
+        </p:grpSpPr>
+        <p:sp>
+          <p:nvSpPr>
+            <p:cNvPr id="13" name="ZoneTexte 12">
+              <a:extLst>
+                <a:ext uri="{FF2B5EF4-FFF2-40B4-BE49-F238E27FC236}">
+                  <a16:creationId xmlns:a16="http://schemas.microsoft.com/office/drawing/2014/main" id="{407A218B-47DA-6FBD-445A-1D856F709C34}"/>
+                </a:ext>
+              </a:extLst>
+            </p:cNvPr>
+            <p:cNvSpPr txBox="1"/>
+            <p:nvPr/>
+          </p:nvSpPr>
+          <p:spPr>
+            <a:xfrm>
+              <a:off x="9740680" y="953091"/>
+              <a:ext cx="1233030" cy="707886"/>
+            </a:xfrm>
+            <a:prstGeom prst="rect">
+              <a:avLst/>
+            </a:prstGeom>
+            <a:noFill/>
+            <a:effectLst>
+              <a:outerShdw blurRad="76200" dist="12700" dir="2700000" sy="-23000" kx="-800400" algn="bl" rotWithShape="0">
+                <a:prstClr val="black">
+                  <a:alpha val="20000"/>
+                </a:prstClr>
+              </a:outerShdw>
+            </a:effectLst>
+          </p:spPr>
+          <p:txBody>
+            <a:bodyPr wrap="none" rtlCol="0">
+              <a:spAutoFit/>
+            </a:bodyPr>
+            <a:lstStyle/>
+            <a:p>
+              <a:r>
+                <a:rPr lang="fr-FR" sz="4000" b="1" dirty="0">
+                  <a:ln w="6600">
+                    <a:solidFill>
+                      <a:schemeClr val="accent2"/>
+                    </a:solidFill>
+                    <a:prstDash val="solid"/>
+                  </a:ln>
+                  <a:solidFill>
+                    <a:srgbClr val="FFFFFF"/>
+                  </a:solidFill>
+                  <a:effectLst>
+                    <a:outerShdw dist="38100" dir="2700000" algn="tl" rotWithShape="0">
+                      <a:schemeClr val="accent2"/>
+                    </a:outerShdw>
+                  </a:effectLst>
+                </a:rPr>
+                <a:t>RAM</a:t>
+              </a:r>
+            </a:p>
+          </p:txBody>
+        </p:sp>
+        <p:grpSp>
+          <p:nvGrpSpPr>
+            <p:cNvPr id="50" name="Groupe 49">
+              <a:extLst>
+                <a:ext uri="{FF2B5EF4-FFF2-40B4-BE49-F238E27FC236}">
+                  <a16:creationId xmlns:a16="http://schemas.microsoft.com/office/drawing/2014/main" id="{DC44B725-EDDA-9FF0-C5D9-68FCDCCB680B}"/>
+                </a:ext>
+              </a:extLst>
+            </p:cNvPr>
+            <p:cNvGrpSpPr/>
+            <p:nvPr/>
+          </p:nvGrpSpPr>
+          <p:grpSpPr>
+            <a:xfrm>
+              <a:off x="304798" y="773105"/>
+              <a:ext cx="11497219" cy="6014504"/>
+              <a:chOff x="304798" y="773105"/>
+              <a:chExt cx="11497219" cy="6014504"/>
+            </a:xfrm>
+          </p:grpSpPr>
+          <p:sp>
+            <p:nvSpPr>
+              <p:cNvPr id="16" name="Légende : flèche vers le bas 15">
+                <a:extLst>
+                  <a:ext uri="{FF2B5EF4-FFF2-40B4-BE49-F238E27FC236}">
+                    <a16:creationId xmlns:a16="http://schemas.microsoft.com/office/drawing/2014/main" id="{DEEC883E-B67D-5D66-7143-A9C45297404C}"/>
+                  </a:ext>
+                </a:extLst>
+              </p:cNvPr>
+              <p:cNvSpPr/>
+              <p:nvPr/>
+            </p:nvSpPr>
+            <p:spPr>
+              <a:xfrm>
+                <a:off x="364570" y="773105"/>
+                <a:ext cx="1591149" cy="553998"/>
+              </a:xfrm>
+              <a:prstGeom prst="downArrowCallout">
+                <a:avLst/>
+              </a:prstGeom>
+              <a:ln w="19050"/>
+            </p:spPr>
+            <p:style>
+              <a:lnRef idx="2">
+                <a:schemeClr val="accent1"/>
+              </a:lnRef>
+              <a:fillRef idx="1">
+                <a:schemeClr val="lt1"/>
+              </a:fillRef>
+              <a:effectRef idx="0">
+                <a:schemeClr val="accent1"/>
+              </a:effectRef>
+              <a:fontRef idx="minor">
+                <a:schemeClr val="dk1"/>
+              </a:fontRef>
+            </p:style>
+            <p:txBody>
+              <a:bodyPr rtlCol="0" anchor="ctr"/>
+              <a:lstStyle/>
+              <a:p>
+                <a:pPr algn="ctr"/>
+                <a:r>
+                  <a:rPr lang="fr-FR" b="1" dirty="0">
+                    <a:latin typeface="Consolas" panose="020B0609020204030204" pitchFamily="49" charset="0"/>
+                  </a:rPr>
+                  <a:t>Code source</a:t>
+                </a:r>
+              </a:p>
+            </p:txBody>
+          </p:sp>
+          <p:sp>
+            <p:nvSpPr>
+              <p:cNvPr id="17" name="Légende : flèche vers le bas 16">
+                <a:extLst>
+                  <a:ext uri="{FF2B5EF4-FFF2-40B4-BE49-F238E27FC236}">
+                    <a16:creationId xmlns:a16="http://schemas.microsoft.com/office/drawing/2014/main" id="{7DC9BA77-2972-71B6-40AF-3FC8BBDAB2C6}"/>
+                  </a:ext>
+                </a:extLst>
+              </p:cNvPr>
+              <p:cNvSpPr/>
+              <p:nvPr/>
+            </p:nvSpPr>
+            <p:spPr>
+              <a:xfrm>
+                <a:off x="3717370" y="834015"/>
+                <a:ext cx="1787166" cy="553998"/>
+              </a:xfrm>
+              <a:prstGeom prst="downArrowCallout">
+                <a:avLst/>
+              </a:prstGeom>
+              <a:ln w="19050"/>
+            </p:spPr>
+            <p:style>
+              <a:lnRef idx="2">
+                <a:schemeClr val="accent1"/>
+              </a:lnRef>
+              <a:fillRef idx="1">
+                <a:schemeClr val="lt1"/>
+              </a:fillRef>
+              <a:effectRef idx="0">
+                <a:schemeClr val="accent1"/>
+              </a:effectRef>
+              <a:fontRef idx="minor">
+                <a:schemeClr val="dk1"/>
+              </a:fontRef>
+            </p:style>
+            <p:txBody>
+              <a:bodyPr rtlCol="0" anchor="ctr"/>
+              <a:lstStyle/>
+              <a:p>
+                <a:pPr algn="ctr"/>
+                <a:r>
+                  <a:rPr lang="fr-FR" b="1" dirty="0">
+                    <a:latin typeface="Consolas" panose="020B0609020204030204" pitchFamily="49" charset="0"/>
+                  </a:rPr>
+                  <a:t>Code machine</a:t>
+                </a:r>
+              </a:p>
+            </p:txBody>
+          </p:sp>
+          <p:grpSp>
+            <p:nvGrpSpPr>
+              <p:cNvPr id="49" name="Groupe 48">
+                <a:extLst>
+                  <a:ext uri="{FF2B5EF4-FFF2-40B4-BE49-F238E27FC236}">
+                    <a16:creationId xmlns:a16="http://schemas.microsoft.com/office/drawing/2014/main" id="{D3293AA5-EE1A-4AB2-52DF-87F334F18F2C}"/>
+                  </a:ext>
+                </a:extLst>
+              </p:cNvPr>
+              <p:cNvGrpSpPr/>
+              <p:nvPr/>
+            </p:nvGrpSpPr>
+            <p:grpSpPr>
+              <a:xfrm>
+                <a:off x="304798" y="1411275"/>
+                <a:ext cx="11497219" cy="5376334"/>
+                <a:chOff x="304798" y="1411275"/>
+                <a:chExt cx="11497219" cy="5376334"/>
+              </a:xfrm>
+            </p:grpSpPr>
+            <p:graphicFrame>
+              <p:nvGraphicFramePr>
+                <p:cNvPr id="4" name="Diagramme 3">
+                  <a:extLst>
+                    <a:ext uri="{FF2B5EF4-FFF2-40B4-BE49-F238E27FC236}">
+                      <a16:creationId xmlns:a16="http://schemas.microsoft.com/office/drawing/2014/main" id="{87C25E48-2F99-C847-334C-81B67E874B11}"/>
+                    </a:ext>
+                  </a:extLst>
+                </p:cNvPr>
+                <p:cNvGraphicFramePr/>
+                <p:nvPr>
+                  <p:extLst>
+                    <p:ext uri="{D42A27DB-BD31-4B8C-83A1-F6EECF244321}">
+                      <p14:modId xmlns:p14="http://schemas.microsoft.com/office/powerpoint/2010/main" val="2770868323"/>
+                    </p:ext>
+                  </p:extLst>
+                </p:nvPr>
+              </p:nvGraphicFramePr>
+              <p:xfrm>
+                <a:off x="304798" y="1411275"/>
+                <a:ext cx="5887065" cy="5376334"/>
+              </p:xfrm>
+              <a:graphic>
+                <a:graphicData uri="http://schemas.openxmlformats.org/drawingml/2006/diagram">
+                  <dgm:relIds xmlns:dgm="http://schemas.openxmlformats.org/drawingml/2006/diagram" xmlns:r="http://schemas.openxmlformats.org/officeDocument/2006/relationships" r:dm="rId2" r:lo="rId3" r:qs="rId4" r:cs="rId5"/>
+                </a:graphicData>
+              </a:graphic>
+            </p:graphicFrame>
+            <p:grpSp>
+              <p:nvGrpSpPr>
+                <p:cNvPr id="48" name="Groupe 47">
+                  <a:extLst>
+                    <a:ext uri="{FF2B5EF4-FFF2-40B4-BE49-F238E27FC236}">
+                      <a16:creationId xmlns:a16="http://schemas.microsoft.com/office/drawing/2014/main" id="{0233FAAF-FF16-B103-7C8F-E3BCDE3EE2F6}"/>
+                    </a:ext>
+                  </a:extLst>
+                </p:cNvPr>
+                <p:cNvGrpSpPr/>
+                <p:nvPr/>
+              </p:nvGrpSpPr>
+              <p:grpSpPr>
+                <a:xfrm>
+                  <a:off x="4963605" y="1581469"/>
+                  <a:ext cx="6838412" cy="4323440"/>
+                  <a:chOff x="4963605" y="1581469"/>
+                  <a:chExt cx="6838412" cy="4323440"/>
+                </a:xfrm>
+              </p:grpSpPr>
+              <p:sp>
+                <p:nvSpPr>
+                  <p:cNvPr id="10" name="Rectangle 9">
+                    <a:extLst>
+                      <a:ext uri="{FF2B5EF4-FFF2-40B4-BE49-F238E27FC236}">
+                        <a16:creationId xmlns:a16="http://schemas.microsoft.com/office/drawing/2014/main" id="{E8C41F0C-BF78-913B-AF93-D0FD3784F886}"/>
+                      </a:ext>
+                    </a:extLst>
+                  </p:cNvPr>
+                  <p:cNvSpPr/>
+                  <p:nvPr/>
+                </p:nvSpPr>
+                <p:spPr>
+                  <a:xfrm>
+                    <a:off x="5590593" y="3383334"/>
+                    <a:ext cx="1091098" cy="990599"/>
+                  </a:xfrm>
+                  <a:prstGeom prst="rect">
+                    <a:avLst/>
+                  </a:prstGeom>
+                  <a:ln/>
+                  <a:effectLst>
+                    <a:outerShdw blurRad="50800" dist="38100" dir="2700000" algn="tl" rotWithShape="0">
+                      <a:prstClr val="black">
+                        <a:alpha val="40000"/>
+                      </a:prstClr>
+                    </a:outerShdw>
+                  </a:effectLst>
+                </p:spPr>
+                <p:style>
+                  <a:lnRef idx="1">
+                    <a:schemeClr val="accent6"/>
+                  </a:lnRef>
+                  <a:fillRef idx="2">
+                    <a:schemeClr val="accent6"/>
+                  </a:fillRef>
+                  <a:effectRef idx="1">
+                    <a:schemeClr val="accent6"/>
+                  </a:effectRef>
+                  <a:fontRef idx="minor">
+                    <a:schemeClr val="dk1"/>
+                  </a:fontRef>
+                </p:style>
+                <p:txBody>
+                  <a:bodyPr rtlCol="0" anchor="ctr"/>
+                  <a:lstStyle/>
+                  <a:p>
+                    <a:pPr algn="ctr"/>
+                    <a:r>
+                      <a:rPr lang="fr-FR" sz="2800" b="1" dirty="0"/>
+                      <a:t>Linker</a:t>
+                    </a:r>
+                    <a:endParaRPr lang="fr-FR" b="1" dirty="0"/>
+                  </a:p>
+                </p:txBody>
+              </p:sp>
+              <p:sp>
+                <p:nvSpPr>
+                  <p:cNvPr id="11" name="Organigramme : Document 10">
+                    <a:extLst>
+                      <a:ext uri="{FF2B5EF4-FFF2-40B4-BE49-F238E27FC236}">
+                        <a16:creationId xmlns:a16="http://schemas.microsoft.com/office/drawing/2014/main" id="{3FB74472-5C52-F424-F06C-FA5F6C819840}"/>
+                      </a:ext>
+                    </a:extLst>
+                  </p:cNvPr>
+                  <p:cNvSpPr/>
+                  <p:nvPr/>
+                </p:nvSpPr>
+                <p:spPr>
+                  <a:xfrm>
+                    <a:off x="7340694" y="3429000"/>
+                    <a:ext cx="1251155" cy="869873"/>
+                  </a:xfrm>
+                  <a:prstGeom prst="flowChartDocument">
+                    <a:avLst/>
+                  </a:prstGeom>
+                </p:spPr>
+                <p:style>
+                  <a:lnRef idx="1">
+                    <a:schemeClr val="accent4"/>
+                  </a:lnRef>
+                  <a:fillRef idx="2">
+                    <a:schemeClr val="accent4"/>
+                  </a:fillRef>
+                  <a:effectRef idx="1">
+                    <a:schemeClr val="accent4"/>
+                  </a:effectRef>
+                  <a:fontRef idx="minor">
+                    <a:schemeClr val="dk1"/>
+                  </a:fontRef>
+                </p:style>
+                <p:txBody>
+                  <a:bodyPr rtlCol="0" anchor="ctr"/>
+                  <a:lstStyle/>
+                  <a:p>
+                    <a:pPr algn="ctr"/>
+                    <a:r>
+                      <a:rPr lang="fr-FR" sz="2400" b="1" dirty="0">
+                        <a:solidFill>
+                          <a:srgbClr val="FF0000"/>
+                        </a:solidFill>
+                        <a:effectLst/>
+                      </a:rPr>
+                      <a:t>file.exe</a:t>
+                    </a:r>
+                    <a:endParaRPr lang="fr-FR" sz="2400" dirty="0">
+                      <a:solidFill>
+                        <a:srgbClr val="FF0000"/>
+                      </a:solidFill>
+                      <a:effectLst/>
+                    </a:endParaRPr>
+                  </a:p>
+                  <a:p>
+                    <a:pPr algn="ctr"/>
+                    <a:endParaRPr lang="fr-FR" dirty="0"/>
+                  </a:p>
+                </p:txBody>
+              </p:sp>
+              <p:sp>
+                <p:nvSpPr>
+                  <p:cNvPr id="12" name="Rectangle 11">
+                    <a:extLst>
+                      <a:ext uri="{FF2B5EF4-FFF2-40B4-BE49-F238E27FC236}">
+                        <a16:creationId xmlns:a16="http://schemas.microsoft.com/office/drawing/2014/main" id="{EE96B821-3477-4CEA-B584-7B93111E2427}"/>
+                      </a:ext>
+                    </a:extLst>
+                  </p:cNvPr>
+                  <p:cNvSpPr/>
+                  <p:nvPr/>
+                </p:nvSpPr>
+                <p:spPr>
+                  <a:xfrm>
+                    <a:off x="9346410" y="1581469"/>
+                    <a:ext cx="2455607" cy="4323440"/>
+                  </a:xfrm>
+                  <a:prstGeom prst="rect">
+                    <a:avLst/>
+                  </a:prstGeom>
+                  <a:gradFill flip="none" rotWithShape="1">
+                    <a:gsLst>
+                      <a:gs pos="0">
+                        <a:schemeClr val="lt1">
+                          <a:shade val="30000"/>
+                          <a:satMod val="115000"/>
+                        </a:schemeClr>
+                      </a:gs>
+                      <a:gs pos="50000">
+                        <a:schemeClr val="lt1">
+                          <a:shade val="67500"/>
+                          <a:satMod val="115000"/>
+                        </a:schemeClr>
+                      </a:gs>
+                      <a:gs pos="100000">
+                        <a:schemeClr val="lt1">
+                          <a:shade val="100000"/>
+                          <a:satMod val="115000"/>
+                        </a:schemeClr>
+                      </a:gs>
+                    </a:gsLst>
+                    <a:path path="circle">
+                      <a:fillToRect l="50000" t="50000" r="50000" b="50000"/>
+                    </a:path>
+                    <a:tileRect/>
+                  </a:gradFill>
+                  <a:ln w="38100"/>
+                </p:spPr>
+                <p:style>
+                  <a:lnRef idx="2">
+                    <a:schemeClr val="accent6"/>
+                  </a:lnRef>
+                  <a:fillRef idx="1">
+                    <a:schemeClr val="lt1"/>
+                  </a:fillRef>
+                  <a:effectRef idx="0">
+                    <a:schemeClr val="accent6"/>
+                  </a:effectRef>
+                  <a:fontRef idx="minor">
+                    <a:schemeClr val="dk1"/>
+                  </a:fontRef>
+                </p:style>
+                <p:txBody>
+                  <a:bodyPr rtlCol="0" anchor="ctr"/>
+                  <a:lstStyle/>
+                  <a:p>
+                    <a:pPr algn="ctr"/>
+                    <a:endParaRPr lang="fr-FR" dirty="0"/>
+                  </a:p>
+                </p:txBody>
+              </p:sp>
+              <p:sp>
+                <p:nvSpPr>
+                  <p:cNvPr id="14" name="Organigramme : Document 13">
+                    <a:extLst>
+                      <a:ext uri="{FF2B5EF4-FFF2-40B4-BE49-F238E27FC236}">
+                        <a16:creationId xmlns:a16="http://schemas.microsoft.com/office/drawing/2014/main" id="{D15D8F1E-B645-5B2E-B3C9-68232BF29309}"/>
+                      </a:ext>
+                    </a:extLst>
+                  </p:cNvPr>
+                  <p:cNvSpPr/>
+                  <p:nvPr/>
+                </p:nvSpPr>
+                <p:spPr>
+                  <a:xfrm>
+                    <a:off x="9868499" y="3361124"/>
+                    <a:ext cx="1251155" cy="869873"/>
+                  </a:xfrm>
+                  <a:prstGeom prst="flowChartDocument">
+                    <a:avLst/>
+                  </a:prstGeom>
+                </p:spPr>
+                <p:style>
+                  <a:lnRef idx="1">
+                    <a:schemeClr val="accent4"/>
+                  </a:lnRef>
+                  <a:fillRef idx="2">
+                    <a:schemeClr val="accent4"/>
+                  </a:fillRef>
+                  <a:effectRef idx="1">
+                    <a:schemeClr val="accent4"/>
+                  </a:effectRef>
+                  <a:fontRef idx="minor">
+                    <a:schemeClr val="dk1"/>
+                  </a:fontRef>
+                </p:style>
+                <p:txBody>
+                  <a:bodyPr rtlCol="0" anchor="ctr"/>
+                  <a:lstStyle/>
+                  <a:p>
+                    <a:pPr algn="ctr"/>
+                    <a:r>
+                      <a:rPr lang="fr-FR" sz="2400" b="1" dirty="0">
+                        <a:solidFill>
+                          <a:srgbClr val="FF0000"/>
+                        </a:solidFill>
+                        <a:effectLst/>
+                      </a:rPr>
+                      <a:t>file.exe</a:t>
+                    </a:r>
+                    <a:endParaRPr lang="fr-FR" sz="2400" dirty="0">
+                      <a:solidFill>
+                        <a:srgbClr val="FF0000"/>
+                      </a:solidFill>
+                      <a:effectLst/>
+                    </a:endParaRPr>
+                  </a:p>
+                  <a:p>
+                    <a:pPr algn="ctr"/>
+                    <a:endParaRPr lang="fr-FR" dirty="0"/>
+                  </a:p>
+                </p:txBody>
+              </p:sp>
+              <p:sp>
+                <p:nvSpPr>
+                  <p:cNvPr id="18" name="Légende : flèche vers le bas 17">
+                    <a:extLst>
+                      <a:ext uri="{FF2B5EF4-FFF2-40B4-BE49-F238E27FC236}">
+                        <a16:creationId xmlns:a16="http://schemas.microsoft.com/office/drawing/2014/main" id="{77ED7CAA-FFD5-58CB-EE44-E0B000D3FE0B}"/>
+                      </a:ext>
+                    </a:extLst>
+                  </p:cNvPr>
+                  <p:cNvSpPr/>
+                  <p:nvPr/>
+                </p:nvSpPr>
+                <p:spPr>
+                  <a:xfrm>
+                    <a:off x="4963605" y="2740300"/>
+                    <a:ext cx="2227223" cy="553998"/>
+                  </a:xfrm>
+                  <a:prstGeom prst="downArrowCallout">
+                    <a:avLst/>
+                  </a:prstGeom>
+                  <a:ln w="19050"/>
+                </p:spPr>
+                <p:style>
+                  <a:lnRef idx="2">
+                    <a:schemeClr val="accent1"/>
+                  </a:lnRef>
+                  <a:fillRef idx="1">
+                    <a:schemeClr val="lt1"/>
+                  </a:fillRef>
+                  <a:effectRef idx="0">
+                    <a:schemeClr val="accent1"/>
+                  </a:effectRef>
+                  <a:fontRef idx="minor">
+                    <a:schemeClr val="dk1"/>
+                  </a:fontRef>
+                </p:style>
+                <p:txBody>
+                  <a:bodyPr rtlCol="0" anchor="ctr"/>
+                  <a:lstStyle/>
+                  <a:p>
+                    <a:pPr algn="ctr"/>
+                    <a:r>
+                      <a:rPr lang="fr-FR" b="1" dirty="0">
+                        <a:latin typeface="Consolas" panose="020B0609020204030204" pitchFamily="49" charset="0"/>
+                      </a:rPr>
+                      <a:t>Éditeur de liens</a:t>
+                    </a:r>
+                  </a:p>
+                </p:txBody>
+              </p:sp>
+              <p:sp>
+                <p:nvSpPr>
+                  <p:cNvPr id="19" name="Légende : flèche vers le bas 18">
+                    <a:extLst>
+                      <a:ext uri="{FF2B5EF4-FFF2-40B4-BE49-F238E27FC236}">
+                        <a16:creationId xmlns:a16="http://schemas.microsoft.com/office/drawing/2014/main" id="{8F919B74-D1CC-8AE9-7B45-CE0A8F1444AD}"/>
+                      </a:ext>
+                    </a:extLst>
+                  </p:cNvPr>
+                  <p:cNvSpPr/>
+                  <p:nvPr/>
+                </p:nvSpPr>
+                <p:spPr>
+                  <a:xfrm>
+                    <a:off x="7306635" y="2740300"/>
+                    <a:ext cx="1475751" cy="553998"/>
+                  </a:xfrm>
+                  <a:prstGeom prst="downArrowCallout">
+                    <a:avLst/>
+                  </a:prstGeom>
+                  <a:ln w="19050"/>
+                </p:spPr>
+                <p:style>
+                  <a:lnRef idx="2">
+                    <a:schemeClr val="accent1"/>
+                  </a:lnRef>
+                  <a:fillRef idx="1">
+                    <a:schemeClr val="lt1"/>
+                  </a:fillRef>
+                  <a:effectRef idx="0">
+                    <a:schemeClr val="accent1"/>
+                  </a:effectRef>
+                  <a:fontRef idx="minor">
+                    <a:schemeClr val="dk1"/>
+                  </a:fontRef>
+                </p:style>
+                <p:txBody>
+                  <a:bodyPr rtlCol="0" anchor="ctr"/>
+                  <a:lstStyle/>
+                  <a:p>
+                    <a:pPr algn="ctr"/>
+                    <a:r>
+                      <a:rPr lang="fr-FR" b="1" dirty="0">
+                        <a:latin typeface="Consolas" panose="020B0609020204030204" pitchFamily="49" charset="0"/>
+                      </a:rPr>
+                      <a:t>Exécutable </a:t>
+                    </a:r>
+                  </a:p>
+                </p:txBody>
+              </p:sp>
+              <p:cxnSp>
+                <p:nvCxnSpPr>
+                  <p:cNvPr id="30" name="Connecteur droit avec flèche 29">
+                    <a:extLst>
+                      <a:ext uri="{FF2B5EF4-FFF2-40B4-BE49-F238E27FC236}">
+                        <a16:creationId xmlns:a16="http://schemas.microsoft.com/office/drawing/2014/main" id="{58065DB5-1076-1991-954D-2302B141235E}"/>
+                      </a:ext>
+                    </a:extLst>
+                  </p:cNvPr>
+                  <p:cNvCxnSpPr>
+                    <a:cxnSpLocks/>
+                    <a:stCxn id="10" idx="3"/>
+                    <a:endCxn id="11" idx="1"/>
+                  </p:cNvCxnSpPr>
+                  <p:nvPr/>
+                </p:nvCxnSpPr>
+                <p:spPr>
+                  <a:xfrm flipV="1">
+                    <a:off x="6681691" y="3863937"/>
+                    <a:ext cx="659003" cy="14697"/>
+                  </a:xfrm>
+                  <a:prstGeom prst="straightConnector1">
+                    <a:avLst/>
+                  </a:prstGeom>
+                  <a:ln w="57150">
+                    <a:tailEnd type="triangle"/>
+                  </a:ln>
+                </p:spPr>
+                <p:style>
+                  <a:lnRef idx="3">
+                    <a:schemeClr val="dk1"/>
+                  </a:lnRef>
+                  <a:fillRef idx="0">
+                    <a:schemeClr val="dk1"/>
+                  </a:fillRef>
+                  <a:effectRef idx="2">
+                    <a:schemeClr val="dk1"/>
+                  </a:effectRef>
+                  <a:fontRef idx="minor">
+                    <a:schemeClr val="tx1"/>
+                  </a:fontRef>
+                </p:style>
+              </p:cxnSp>
+              <p:cxnSp>
+                <p:nvCxnSpPr>
+                  <p:cNvPr id="41" name="Connecteur droit avec flèche 40">
+                    <a:extLst>
+                      <a:ext uri="{FF2B5EF4-FFF2-40B4-BE49-F238E27FC236}">
+                        <a16:creationId xmlns:a16="http://schemas.microsoft.com/office/drawing/2014/main" id="{3CE30D6C-BB6D-496C-C64A-1BC6ABFAFA8E}"/>
+                      </a:ext>
+                    </a:extLst>
+                  </p:cNvPr>
+                  <p:cNvCxnSpPr>
+                    <a:cxnSpLocks/>
+                    <a:endCxn id="10" idx="1"/>
+                  </p:cNvCxnSpPr>
+                  <p:nvPr/>
+                </p:nvCxnSpPr>
+                <p:spPr>
+                  <a:xfrm>
+                    <a:off x="5161935" y="3878634"/>
+                    <a:ext cx="428658" cy="0"/>
+                  </a:xfrm>
+                  <a:prstGeom prst="straightConnector1">
+                    <a:avLst/>
+                  </a:prstGeom>
+                  <a:ln w="57150">
+                    <a:tailEnd type="triangle"/>
+                  </a:ln>
+                </p:spPr>
+                <p:style>
+                  <a:lnRef idx="3">
+                    <a:schemeClr val="dk1"/>
+                  </a:lnRef>
+                  <a:fillRef idx="0">
+                    <a:schemeClr val="dk1"/>
+                  </a:fillRef>
+                  <a:effectRef idx="2">
+                    <a:schemeClr val="dk1"/>
+                  </a:effectRef>
+                  <a:fontRef idx="minor">
+                    <a:schemeClr val="tx1"/>
+                  </a:fontRef>
+                </p:style>
+              </p:cxnSp>
+              <p:sp>
+                <p:nvSpPr>
+                  <p:cNvPr id="46" name="Flèche : droite à entaille 45">
+                    <a:extLst>
+                      <a:ext uri="{FF2B5EF4-FFF2-40B4-BE49-F238E27FC236}">
+                        <a16:creationId xmlns:a16="http://schemas.microsoft.com/office/drawing/2014/main" id="{8E695962-43F1-F80F-1E62-1786527F76F9}"/>
+                      </a:ext>
+                    </a:extLst>
+                  </p:cNvPr>
+                  <p:cNvSpPr/>
+                  <p:nvPr/>
+                </p:nvSpPr>
+                <p:spPr>
+                  <a:xfrm>
+                    <a:off x="8645472" y="3517345"/>
+                    <a:ext cx="958963" cy="619911"/>
+                  </a:xfrm>
+                  <a:prstGeom prst="notchedRightArrow">
+                    <a:avLst/>
+                  </a:prstGeom>
+                  <a:ln>
+                    <a:solidFill>
+                      <a:srgbClr val="FF0000"/>
+                    </a:solidFill>
+                  </a:ln>
+                </p:spPr>
+                <p:style>
+                  <a:lnRef idx="1">
+                    <a:schemeClr val="accent4"/>
+                  </a:lnRef>
+                  <a:fillRef idx="2">
+                    <a:schemeClr val="accent4"/>
+                  </a:fillRef>
+                  <a:effectRef idx="1">
+                    <a:schemeClr val="accent4"/>
+                  </a:effectRef>
+                  <a:fontRef idx="minor">
+                    <a:schemeClr val="dk1"/>
+                  </a:fontRef>
+                </p:style>
+                <p:txBody>
+                  <a:bodyPr rtlCol="0" anchor="ctr"/>
+                  <a:lstStyle/>
+                  <a:p>
+                    <a:pPr algn="ctr"/>
+                    <a:endParaRPr lang="fr-FR"/>
+                  </a:p>
+                </p:txBody>
+              </p:sp>
+            </p:grpSp>
+          </p:grpSp>
+        </p:grpSp>
+      </p:grpSp>
     </p:spTree>
     <p:extLst>
       <p:ext uri="{BB962C8B-B14F-4D97-AF65-F5344CB8AC3E}">
@@ -11118,12 +19209,8 @@
           <a:p>
             <a:pPr algn="ctr"/>
             <a:r>
-              <a:rPr lang="fr-FR" sz="2800" b="1" dirty="0" err="1"/>
-              <a:t>Title</a:t>
-            </a:r>
-            <a:r>
               <a:rPr lang="fr-FR" sz="2800" b="1" dirty="0"/>
-              <a:t> 1</a:t>
+              <a:t>Title 1</a:t>
             </a:r>
           </a:p>
         </p:txBody>

--- a/javaInstall/Installer l’environnement de développement java.pptx
+++ b/javaInstall/Installer l’environnement de développement java.pptx
@@ -4555,7 +4555,7 @@
       <dgm:spPr/>
     </dgm:pt>
     <dgm:pt modelId="{79690C1E-EAFD-457E-86D4-9B512BF9EBF5}" type="pres">
-      <dgm:prSet presAssocID="{27480930-593E-497C-810A-78D4F0509795}" presName="text0" presStyleLbl="node1" presStyleIdx="3" presStyleCnt="7" custRadScaleRad="63236" custRadScaleInc="-131510">
+      <dgm:prSet presAssocID="{27480930-593E-497C-810A-78D4F0509795}" presName="text0" presStyleLbl="node1" presStyleIdx="3" presStyleCnt="7" custRadScaleRad="65312" custRadScaleInc="-130501">
         <dgm:presLayoutVars>
           <dgm:bulletEnabled val="1"/>
         </dgm:presLayoutVars>
@@ -4579,7 +4579,7 @@
       <dgm:spPr/>
     </dgm:pt>
     <dgm:pt modelId="{1A78014E-CAF8-4741-8A77-288BEFA8604C}" type="pres">
-      <dgm:prSet presAssocID="{8C93BDF6-A874-42E1-AC00-4BBA390DFA0C}" presName="text0" presStyleLbl="node1" presStyleIdx="5" presStyleCnt="7" custRadScaleRad="127313" custRadScaleInc="-7220">
+      <dgm:prSet presAssocID="{8C93BDF6-A874-42E1-AC00-4BBA390DFA0C}" presName="text0" presStyleLbl="node1" presStyleIdx="5" presStyleCnt="7" custRadScaleRad="129809" custRadScaleInc="-12923">
         <dgm:presLayoutVars>
           <dgm:bulletEnabled val="1"/>
         </dgm:presLayoutVars>
@@ -6593,9 +6593,9 @@
         <dsp:cNvSpPr/>
       </dsp:nvSpPr>
       <dsp:spPr>
-        <a:xfrm rot="402404">
-          <a:off x="3496997" y="2480110"/>
-          <a:ext cx="246536" cy="0"/>
+        <a:xfrm rot="392441">
+          <a:off x="3496890" y="2479458"/>
+          <a:ext cx="291921" cy="0"/>
         </a:xfrm>
         <a:custGeom>
           <a:avLst/>
@@ -6609,7 +6609,7 @@
                 <a:pt x="0" y="0"/>
               </a:moveTo>
               <a:lnTo>
-                <a:pt x="246536" y="0"/>
+                <a:pt x="291921" y="0"/>
               </a:lnTo>
             </a:path>
           </a:pathLst>
@@ -6646,7 +6646,7 @@
       </dsp:nvSpPr>
       <dsp:spPr>
         <a:xfrm>
-          <a:off x="3742690" y="2017722"/>
+          <a:off x="3787862" y="2017713"/>
           <a:ext cx="1080643" cy="1080643"/>
         </a:xfrm>
         <a:prstGeom prst="roundRect">
@@ -6714,7 +6714,7 @@
         </a:p>
       </dsp:txBody>
       <dsp:txXfrm>
-        <a:off x="3795443" y="2070475"/>
+        <a:off x="3840615" y="2070466"/>
         <a:ext cx="975137" cy="975137"/>
       </dsp:txXfrm>
     </dsp:sp>
@@ -6855,9 +6855,9 @@
         <dsp:cNvSpPr/>
       </dsp:nvSpPr>
       <dsp:spPr>
-        <a:xfrm rot="8100812">
-          <a:off x="1064109" y="3441733"/>
-          <a:ext cx="720637" cy="0"/>
+        <a:xfrm rot="8013518">
+          <a:off x="1012726" y="3490767"/>
+          <a:ext cx="838334" cy="0"/>
         </a:xfrm>
         <a:custGeom>
           <a:avLst/>
@@ -6871,7 +6871,7 @@
                 <a:pt x="0" y="0"/>
               </a:moveTo>
               <a:lnTo>
-                <a:pt x="720637" y="0"/>
+                <a:pt x="838334" y="0"/>
               </a:lnTo>
             </a:path>
           </a:pathLst>
@@ -6908,7 +6908,7 @@
       </dsp:nvSpPr>
       <dsp:spPr>
         <a:xfrm>
-          <a:off x="88940" y="3696202"/>
+          <a:off x="88927" y="3794525"/>
           <a:ext cx="1080643" cy="1080643"/>
         </a:xfrm>
         <a:prstGeom prst="roundRect">
@@ -7004,7 +7004,7 @@
         </a:p>
       </dsp:txBody>
       <dsp:txXfrm>
-        <a:off x="141693" y="3748955"/>
+        <a:off x="141680" y="3847278"/>
         <a:ext cx="975137" cy="975137"/>
       </dsp:txXfrm>
     </dsp:sp>
@@ -17999,7 +17999,7 @@
         </p:nvSpPr>
         <p:spPr>
           <a:xfrm>
-            <a:off x="838200" y="365126"/>
+            <a:off x="907838" y="158733"/>
             <a:ext cx="10515600" cy="387910"/>
           </a:xfrm>
         </p:spPr>
@@ -18031,7 +18031,7 @@
         </p:nvSpPr>
         <p:spPr>
           <a:xfrm>
-            <a:off x="424464" y="1307034"/>
+            <a:off x="424464" y="1374768"/>
             <a:ext cx="827471" cy="400110"/>
           </a:xfrm>
           <a:prstGeom prst="rect">
@@ -18075,7 +18075,7 @@
         </p:nvSpPr>
         <p:spPr>
           <a:xfrm>
-            <a:off x="376081" y="3264395"/>
+            <a:off x="376081" y="3343418"/>
             <a:ext cx="827471" cy="400110"/>
           </a:xfrm>
           <a:prstGeom prst="rect">
@@ -18119,7 +18119,7 @@
         </p:nvSpPr>
         <p:spPr>
           <a:xfrm>
-            <a:off x="387592" y="4728361"/>
+            <a:off x="387592" y="4863829"/>
             <a:ext cx="827471" cy="400110"/>
           </a:xfrm>
           <a:prstGeom prst="rect">
@@ -18151,88 +18151,6 @@
       </p:sp>
       <p:cxnSp>
         <p:nvCxnSpPr>
-          <p:cNvPr id="21" name="Connecteur droit avec flèche 20">
-            <a:extLst>
-              <a:ext uri="{FF2B5EF4-FFF2-40B4-BE49-F238E27FC236}">
-                <a16:creationId xmlns:a16="http://schemas.microsoft.com/office/drawing/2014/main" id="{AD700D99-6C15-3D38-F7CC-D78E4FE2EEA9}"/>
-              </a:ext>
-            </a:extLst>
-          </p:cNvPr>
-          <p:cNvCxnSpPr>
-            <a:cxnSpLocks/>
-          </p:cNvCxnSpPr>
-          <p:nvPr/>
-        </p:nvCxnSpPr>
-        <p:spPr>
-          <a:xfrm>
-            <a:off x="1638628" y="2936755"/>
-            <a:ext cx="317091" cy="170239"/>
-          </a:xfrm>
-          <a:prstGeom prst="straightConnector1">
-            <a:avLst/>
-          </a:prstGeom>
-          <a:ln w="57150">
-            <a:tailEnd type="triangle"/>
-          </a:ln>
-        </p:spPr>
-        <p:style>
-          <a:lnRef idx="3">
-            <a:schemeClr val="dk1"/>
-          </a:lnRef>
-          <a:fillRef idx="0">
-            <a:schemeClr val="dk1"/>
-          </a:fillRef>
-          <a:effectRef idx="2">
-            <a:schemeClr val="dk1"/>
-          </a:effectRef>
-          <a:fontRef idx="minor">
-            <a:schemeClr val="tx1"/>
-          </a:fontRef>
-        </p:style>
-      </p:cxnSp>
-      <p:cxnSp>
-        <p:nvCxnSpPr>
-          <p:cNvPr id="25" name="Connecteur droit avec flèche 24">
-            <a:extLst>
-              <a:ext uri="{FF2B5EF4-FFF2-40B4-BE49-F238E27FC236}">
-                <a16:creationId xmlns:a16="http://schemas.microsoft.com/office/drawing/2014/main" id="{11E5FBB3-7AD6-3289-DC24-6CD213BF71B6}"/>
-              </a:ext>
-            </a:extLst>
-          </p:cNvPr>
-          <p:cNvCxnSpPr>
-            <a:cxnSpLocks/>
-          </p:cNvCxnSpPr>
-          <p:nvPr/>
-        </p:nvCxnSpPr>
-        <p:spPr>
-          <a:xfrm flipV="1">
-            <a:off x="1435510" y="3980895"/>
-            <a:ext cx="406236" cy="118547"/>
-          </a:xfrm>
-          <a:prstGeom prst="straightConnector1">
-            <a:avLst/>
-          </a:prstGeom>
-          <a:ln w="57150">
-            <a:tailEnd type="triangle"/>
-          </a:ln>
-        </p:spPr>
-        <p:style>
-          <a:lnRef idx="3">
-            <a:schemeClr val="dk1"/>
-          </a:lnRef>
-          <a:fillRef idx="0">
-            <a:schemeClr val="dk1"/>
-          </a:fillRef>
-          <a:effectRef idx="2">
-            <a:schemeClr val="dk1"/>
-          </a:effectRef>
-          <a:fontRef idx="minor">
-            <a:schemeClr val="tx1"/>
-          </a:fontRef>
-        </p:style>
-      </p:cxnSp>
-      <p:cxnSp>
-        <p:nvCxnSpPr>
           <p:cNvPr id="26" name="Connecteur droit avec flèche 25">
             <a:extLst>
               <a:ext uri="{FF2B5EF4-FFF2-40B4-BE49-F238E27FC236}">
@@ -18247,8 +18165,8 @@
         </p:nvCxnSpPr>
         <p:spPr>
           <a:xfrm flipV="1">
-            <a:off x="1435510" y="4581832"/>
-            <a:ext cx="520209" cy="546639"/>
+            <a:off x="1343378" y="4581832"/>
+            <a:ext cx="612341" cy="648929"/>
           </a:xfrm>
           <a:prstGeom prst="straightConnector1">
             <a:avLst/>
@@ -18288,49 +18206,8 @@
         </p:nvCxnSpPr>
         <p:spPr>
           <a:xfrm>
-            <a:off x="3598606" y="4608748"/>
-            <a:ext cx="575965" cy="622013"/>
-          </a:xfrm>
-          <a:prstGeom prst="straightConnector1">
-            <a:avLst/>
-          </a:prstGeom>
-          <a:ln w="57150">
-            <a:tailEnd type="triangle"/>
-          </a:ln>
-        </p:spPr>
-        <p:style>
-          <a:lnRef idx="3">
-            <a:schemeClr val="dk1"/>
-          </a:lnRef>
-          <a:fillRef idx="0">
-            <a:schemeClr val="dk1"/>
-          </a:fillRef>
-          <a:effectRef idx="2">
-            <a:schemeClr val="dk1"/>
-          </a:effectRef>
-          <a:fontRef idx="minor">
-            <a:schemeClr val="tx1"/>
-          </a:fontRef>
-        </p:style>
-      </p:cxnSp>
-      <p:cxnSp>
-        <p:nvCxnSpPr>
-          <p:cNvPr id="28" name="Connecteur droit avec flèche 27">
-            <a:extLst>
-              <a:ext uri="{FF2B5EF4-FFF2-40B4-BE49-F238E27FC236}">
-                <a16:creationId xmlns:a16="http://schemas.microsoft.com/office/drawing/2014/main" id="{02CB39ED-0D23-0CC7-B428-D6A389241B65}"/>
-              </a:ext>
-            </a:extLst>
-          </p:cNvPr>
-          <p:cNvCxnSpPr>
-            <a:cxnSpLocks/>
-          </p:cNvCxnSpPr>
-          <p:nvPr/>
-        </p:nvCxnSpPr>
-        <p:spPr>
-          <a:xfrm>
-            <a:off x="3766530" y="3903124"/>
-            <a:ext cx="336755" cy="0"/>
+            <a:off x="3499556" y="4581832"/>
+            <a:ext cx="688622" cy="758552"/>
           </a:xfrm>
           <a:prstGeom prst="straightConnector1">
             <a:avLst/>
@@ -18397,10 +18274,10 @@
       </p:cxnSp>
       <p:grpSp>
         <p:nvGrpSpPr>
-          <p:cNvPr id="51" name="Groupe 50">
+          <p:cNvPr id="43" name="Groupe 42">
             <a:extLst>
               <a:ext uri="{FF2B5EF4-FFF2-40B4-BE49-F238E27FC236}">
-                <a16:creationId xmlns:a16="http://schemas.microsoft.com/office/drawing/2014/main" id="{2C3F0F48-EE35-22D8-B880-C3FE0B0147FB}"/>
+                <a16:creationId xmlns:a16="http://schemas.microsoft.com/office/drawing/2014/main" id="{AC67BDAB-E401-BAA5-0739-A32E3CAB6871}"/>
               </a:ext>
             </a:extLst>
           </p:cNvPr>
@@ -18409,10 +18286,10 @@
         </p:nvGrpSpPr>
         <p:grpSpPr>
           <a:xfrm>
-            <a:off x="304798" y="773105"/>
-            <a:ext cx="11497219" cy="6014504"/>
-            <a:chOff x="304798" y="773105"/>
-            <a:chExt cx="11497219" cy="6014504"/>
+            <a:off x="255634" y="726329"/>
+            <a:ext cx="11575879" cy="6061280"/>
+            <a:chOff x="255634" y="726329"/>
+            <a:chExt cx="11575879" cy="6061280"/>
           </a:xfrm>
         </p:grpSpPr>
         <p:sp>
@@ -18429,8 +18306,8 @@
           </p:nvSpPr>
           <p:spPr>
             <a:xfrm>
-              <a:off x="9740680" y="953091"/>
-              <a:ext cx="1233030" cy="707886"/>
+              <a:off x="9375906" y="726329"/>
+              <a:ext cx="1600118" cy="923330"/>
             </a:xfrm>
             <a:prstGeom prst="rect">
               <a:avLst/>
@@ -18451,19 +18328,31 @@
             <a:lstStyle/>
             <a:p>
               <a:r>
-                <a:rPr lang="fr-FR" sz="4000" b="1" dirty="0">
-                  <a:ln w="6600">
+                <a:rPr lang="fr-FR" sz="5400" b="1" dirty="0">
+                  <a:ln w="12700">
                     <a:solidFill>
-                      <a:schemeClr val="accent2"/>
+                      <a:schemeClr val="tx2">
+                        <a:lumMod val="75000"/>
+                      </a:schemeClr>
                     </a:solidFill>
                     <a:prstDash val="solid"/>
                   </a:ln>
-                  <a:solidFill>
-                    <a:srgbClr val="FFFFFF"/>
-                  </a:solidFill>
+                  <a:pattFill prst="dkUpDiag">
+                    <a:fgClr>
+                      <a:schemeClr val="tx2"/>
+                    </a:fgClr>
+                    <a:bgClr>
+                      <a:schemeClr val="tx2">
+                        <a:lumMod val="20000"/>
+                        <a:lumOff val="80000"/>
+                      </a:schemeClr>
+                    </a:bgClr>
+                  </a:pattFill>
                   <a:effectLst>
-                    <a:outerShdw dist="38100" dir="2700000" algn="tl" rotWithShape="0">
-                      <a:schemeClr val="accent2"/>
+                    <a:outerShdw dist="38100" dir="2640000" algn="bl" rotWithShape="0">
+                      <a:schemeClr val="tx2">
+                        <a:lumMod val="75000"/>
+                      </a:schemeClr>
                     </a:outerShdw>
                   </a:effectLst>
                 </a:rPr>
@@ -18474,10 +18363,10 @@
         </p:sp>
         <p:grpSp>
           <p:nvGrpSpPr>
-            <p:cNvPr id="50" name="Groupe 49">
+            <p:cNvPr id="42" name="Groupe 41">
               <a:extLst>
                 <a:ext uri="{FF2B5EF4-FFF2-40B4-BE49-F238E27FC236}">
-                  <a16:creationId xmlns:a16="http://schemas.microsoft.com/office/drawing/2014/main" id="{DC44B725-EDDA-9FF0-C5D9-68FCDCCB680B}"/>
+                  <a16:creationId xmlns:a16="http://schemas.microsoft.com/office/drawing/2014/main" id="{592B3A27-2BFD-F82F-E472-607E53FCDA1C}"/>
                 </a:ext>
               </a:extLst>
             </p:cNvPr>
@@ -18486,10 +18375,10 @@
           </p:nvGrpSpPr>
           <p:grpSpPr>
             <a:xfrm>
-              <a:off x="304798" y="773105"/>
-              <a:ext cx="11497219" cy="6014504"/>
-              <a:chOff x="304798" y="773105"/>
-              <a:chExt cx="11497219" cy="6014504"/>
+              <a:off x="255634" y="840839"/>
+              <a:ext cx="11575879" cy="5946770"/>
+              <a:chOff x="255634" y="840839"/>
+              <a:chExt cx="11575879" cy="5946770"/>
             </a:xfrm>
           </p:grpSpPr>
           <p:sp>
@@ -18506,7 +18395,7 @@
             </p:nvSpPr>
             <p:spPr>
               <a:xfrm>
-                <a:off x="364570" y="773105"/>
+                <a:off x="394066" y="840839"/>
                 <a:ext cx="1591149" cy="553998"/>
               </a:xfrm>
               <a:prstGeom prst="downArrowCallout">
@@ -18556,7 +18445,7 @@
             </p:nvSpPr>
             <p:spPr>
               <a:xfrm>
-                <a:off x="3717370" y="834015"/>
+                <a:off x="3746866" y="879171"/>
                 <a:ext cx="1787166" cy="553998"/>
               </a:xfrm>
               <a:prstGeom prst="downArrowCallout">
@@ -18606,10 +18495,10 @@
             </p:nvGrpSpPr>
             <p:grpSpPr>
               <a:xfrm>
-                <a:off x="304798" y="1411275"/>
-                <a:ext cx="11497219" cy="5376334"/>
-                <a:chOff x="304798" y="1411275"/>
-                <a:chExt cx="11497219" cy="5376334"/>
+                <a:off x="255634" y="1411275"/>
+                <a:ext cx="11575879" cy="5376334"/>
+                <a:chOff x="226138" y="1411275"/>
+                <a:chExt cx="11575879" cy="5376334"/>
               </a:xfrm>
             </p:grpSpPr>
             <p:graphicFrame>
@@ -18625,13 +18514,13 @@
                 <p:nvPr>
                   <p:extLst>
                     <p:ext uri="{D42A27DB-BD31-4B8C-83A1-F6EECF244321}">
-                      <p14:modId xmlns:p14="http://schemas.microsoft.com/office/powerpoint/2010/main" val="2770868323"/>
+                      <p14:modId xmlns:p14="http://schemas.microsoft.com/office/powerpoint/2010/main" val="688492742"/>
                     </p:ext>
                   </p:extLst>
                 </p:nvPr>
               </p:nvGraphicFramePr>
               <p:xfrm>
-                <a:off x="304798" y="1411275"/>
+                <a:off x="226138" y="1411275"/>
                 <a:ext cx="5887065" cy="5376334"/>
               </p:xfrm>
               <a:graphic>
@@ -18654,10 +18543,10 @@
               </p:nvGrpSpPr>
               <p:grpSpPr>
                 <a:xfrm>
-                  <a:off x="4963605" y="1581469"/>
-                  <a:ext cx="6838412" cy="4323440"/>
-                  <a:chOff x="4963605" y="1581469"/>
-                  <a:chExt cx="6838412" cy="4323440"/>
+                  <a:off x="5099794" y="1581468"/>
+                  <a:ext cx="6702223" cy="4717731"/>
+                  <a:chOff x="5099794" y="1581468"/>
+                  <a:chExt cx="6702223" cy="4717731"/>
                 </a:xfrm>
               </p:grpSpPr>
               <p:sp>
@@ -18730,7 +18619,7 @@
                 </p:nvSpPr>
                 <p:spPr>
                   <a:xfrm>
-                    <a:off x="7340694" y="3429000"/>
+                    <a:off x="7576673" y="3429000"/>
                     <a:ext cx="1251155" cy="869873"/>
                   </a:xfrm>
                   <a:prstGeom prst="flowChartDocument">
@@ -18792,8 +18681,8 @@
                 </p:nvSpPr>
                 <p:spPr>
                   <a:xfrm>
-                    <a:off x="9346410" y="1581469"/>
-                    <a:ext cx="2455607" cy="4323440"/>
+                    <a:off x="9346410" y="1581468"/>
+                    <a:ext cx="2455607" cy="4717731"/>
                   </a:xfrm>
                   <a:prstGeom prst="rect">
                     <a:avLst/>
@@ -18925,7 +18814,7 @@
                 </p:nvSpPr>
                 <p:spPr>
                   <a:xfrm>
-                    <a:off x="4963605" y="2740300"/>
+                    <a:off x="5160245" y="2740300"/>
                     <a:ext cx="2227223" cy="553998"/>
                   </a:xfrm>
                   <a:prstGeom prst="downArrowCallout">
@@ -18975,7 +18864,7 @@
                 </p:nvSpPr>
                 <p:spPr>
                   <a:xfrm>
-                    <a:off x="7306635" y="2740300"/>
+                    <a:off x="7454115" y="2740300"/>
                     <a:ext cx="1475751" cy="553998"/>
                   </a:xfrm>
                   <a:prstGeom prst="downArrowCallout">
@@ -19030,7 +18919,7 @@
                 <p:spPr>
                   <a:xfrm flipV="1">
                     <a:off x="6681691" y="3863937"/>
-                    <a:ext cx="659003" cy="14697"/>
+                    <a:ext cx="894982" cy="14697"/>
                   </a:xfrm>
                   <a:prstGeom prst="straightConnector1">
                     <a:avLst/>
@@ -19065,14 +18954,13 @@
                   </p:cNvPr>
                   <p:cNvCxnSpPr>
                     <a:cxnSpLocks/>
-                    <a:endCxn id="10" idx="1"/>
                   </p:cNvCxnSpPr>
                   <p:nvPr/>
                 </p:nvCxnSpPr>
                 <p:spPr>
                   <a:xfrm>
-                    <a:off x="5161935" y="3878634"/>
-                    <a:ext cx="428658" cy="0"/>
+                    <a:off x="5099794" y="3903124"/>
+                    <a:ext cx="540000" cy="0"/>
                   </a:xfrm>
                   <a:prstGeom prst="straightConnector1">
                     <a:avLst/>
@@ -19110,8 +18998,8 @@
                 </p:nvSpPr>
                 <p:spPr>
                   <a:xfrm>
-                    <a:off x="8645472" y="3517345"/>
-                    <a:ext cx="958963" cy="619911"/>
+                    <a:off x="8870028" y="3458071"/>
+                    <a:ext cx="864000" cy="582097"/>
                   </a:xfrm>
                   <a:prstGeom prst="notchedRightArrow">
                     <a:avLst/>
@@ -19149,6 +19037,283 @@
           </p:grpSp>
         </p:grpSp>
       </p:grpSp>
+      <p:grpSp>
+        <p:nvGrpSpPr>
+          <p:cNvPr id="45" name="Groupe 44">
+            <a:extLst>
+              <a:ext uri="{FF2B5EF4-FFF2-40B4-BE49-F238E27FC236}">
+                <a16:creationId xmlns:a16="http://schemas.microsoft.com/office/drawing/2014/main" id="{45C93E37-7148-236A-03C4-FC824FC6E4CF}"/>
+              </a:ext>
+            </a:extLst>
+          </p:cNvPr>
+          <p:cNvGrpSpPr/>
+          <p:nvPr/>
+        </p:nvGrpSpPr>
+        <p:grpSpPr>
+          <a:xfrm>
+            <a:off x="4724037" y="672864"/>
+            <a:ext cx="6921180" cy="4667520"/>
+            <a:chOff x="4724037" y="672864"/>
+            <a:chExt cx="6921180" cy="4667520"/>
+          </a:xfrm>
+        </p:grpSpPr>
+        <p:grpSp>
+          <p:nvGrpSpPr>
+            <p:cNvPr id="44" name="Groupe 43">
+              <a:extLst>
+                <a:ext uri="{FF2B5EF4-FFF2-40B4-BE49-F238E27FC236}">
+                  <a16:creationId xmlns:a16="http://schemas.microsoft.com/office/drawing/2014/main" id="{FC2773FB-A1AC-BBA0-2083-C5DB85C74E4B}"/>
+                </a:ext>
+              </a:extLst>
+            </p:cNvPr>
+            <p:cNvGrpSpPr/>
+            <p:nvPr/>
+          </p:nvGrpSpPr>
+          <p:grpSpPr>
+            <a:xfrm>
+              <a:off x="4724037" y="2688434"/>
+              <a:ext cx="937842" cy="2651950"/>
+              <a:chOff x="4724037" y="2688434"/>
+              <a:chExt cx="937842" cy="2651950"/>
+            </a:xfrm>
+          </p:grpSpPr>
+          <p:cxnSp>
+            <p:nvCxnSpPr>
+              <p:cNvPr id="31" name="Connecteur droit avec flèche 30">
+                <a:extLst>
+                  <a:ext uri="{FF2B5EF4-FFF2-40B4-BE49-F238E27FC236}">
+                    <a16:creationId xmlns:a16="http://schemas.microsoft.com/office/drawing/2014/main" id="{B303039C-2F2D-159E-C1B3-495D68F9B08C}"/>
+                  </a:ext>
+                </a:extLst>
+              </p:cNvPr>
+              <p:cNvCxnSpPr>
+                <a:cxnSpLocks/>
+              </p:cNvCxnSpPr>
+              <p:nvPr/>
+            </p:nvCxnSpPr>
+            <p:spPr>
+              <a:xfrm>
+                <a:off x="4724037" y="2688434"/>
+                <a:ext cx="922605" cy="976071"/>
+              </a:xfrm>
+              <a:prstGeom prst="straightConnector1">
+                <a:avLst/>
+              </a:prstGeom>
+              <a:ln w="57150">
+                <a:tailEnd type="triangle"/>
+              </a:ln>
+            </p:spPr>
+            <p:style>
+              <a:lnRef idx="3">
+                <a:schemeClr val="dk1"/>
+              </a:lnRef>
+              <a:fillRef idx="0">
+                <a:schemeClr val="dk1"/>
+              </a:fillRef>
+              <a:effectRef idx="2">
+                <a:schemeClr val="dk1"/>
+              </a:effectRef>
+              <a:fontRef idx="minor">
+                <a:schemeClr val="tx1"/>
+              </a:fontRef>
+            </p:style>
+          </p:cxnSp>
+          <p:cxnSp>
+            <p:nvCxnSpPr>
+              <p:cNvPr id="32" name="Connecteur droit avec flèche 31">
+                <a:extLst>
+                  <a:ext uri="{FF2B5EF4-FFF2-40B4-BE49-F238E27FC236}">
+                    <a16:creationId xmlns:a16="http://schemas.microsoft.com/office/drawing/2014/main" id="{ACE1A141-0B2E-3FF9-4B6F-ABA9F82B5803}"/>
+                  </a:ext>
+                </a:extLst>
+              </p:cNvPr>
+              <p:cNvCxnSpPr>
+                <a:cxnSpLocks/>
+              </p:cNvCxnSpPr>
+              <p:nvPr/>
+            </p:nvCxnSpPr>
+            <p:spPr>
+              <a:xfrm flipV="1">
+                <a:off x="5129290" y="4397195"/>
+                <a:ext cx="532589" cy="943189"/>
+              </a:xfrm>
+              <a:prstGeom prst="straightConnector1">
+                <a:avLst/>
+              </a:prstGeom>
+              <a:ln w="57150">
+                <a:tailEnd type="triangle"/>
+              </a:ln>
+            </p:spPr>
+            <p:style>
+              <a:lnRef idx="3">
+                <a:schemeClr val="dk1"/>
+              </a:lnRef>
+              <a:fillRef idx="0">
+                <a:schemeClr val="dk1"/>
+              </a:fillRef>
+              <a:effectRef idx="2">
+                <a:schemeClr val="dk1"/>
+              </a:effectRef>
+              <a:fontRef idx="minor">
+                <a:schemeClr val="tx1"/>
+              </a:fontRef>
+            </p:style>
+          </p:cxnSp>
+        </p:grpSp>
+        <p:pic>
+          <p:nvPicPr>
+            <p:cNvPr id="23" name="Image 22">
+              <a:extLst>
+                <a:ext uri="{FF2B5EF4-FFF2-40B4-BE49-F238E27FC236}">
+                  <a16:creationId xmlns:a16="http://schemas.microsoft.com/office/drawing/2014/main" id="{54006958-6606-89E7-0FB8-BD5BE769B940}"/>
+                </a:ext>
+              </a:extLst>
+            </p:cNvPr>
+            <p:cNvPicPr>
+              <a:picLocks noChangeAspect="1"/>
+            </p:cNvPicPr>
+            <p:nvPr/>
+          </p:nvPicPr>
+          <p:blipFill>
+            <a:blip r:embed="rId7"/>
+            <a:stretch>
+              <a:fillRect/>
+            </a:stretch>
+          </p:blipFill>
+          <p:spPr>
+            <a:xfrm>
+              <a:off x="10854642" y="672864"/>
+              <a:ext cx="790575" cy="876300"/>
+            </a:xfrm>
+            <a:prstGeom prst="rect">
+              <a:avLst/>
+            </a:prstGeom>
+          </p:spPr>
+        </p:pic>
+      </p:grpSp>
+      <p:cxnSp>
+        <p:nvCxnSpPr>
+          <p:cNvPr id="28" name="Connecteur droit avec flèche 27">
+            <a:extLst>
+              <a:ext uri="{FF2B5EF4-FFF2-40B4-BE49-F238E27FC236}">
+                <a16:creationId xmlns:a16="http://schemas.microsoft.com/office/drawing/2014/main" id="{02CB39ED-0D23-0CC7-B428-D6A389241B65}"/>
+              </a:ext>
+            </a:extLst>
+          </p:cNvPr>
+          <p:cNvCxnSpPr>
+            <a:cxnSpLocks/>
+          </p:cNvCxnSpPr>
+          <p:nvPr/>
+        </p:nvCxnSpPr>
+        <p:spPr>
+          <a:xfrm>
+            <a:off x="3766530" y="3903124"/>
+            <a:ext cx="336755" cy="0"/>
+          </a:xfrm>
+          <a:prstGeom prst="straightConnector1">
+            <a:avLst/>
+          </a:prstGeom>
+          <a:ln w="57150">
+            <a:tailEnd type="triangle"/>
+          </a:ln>
+        </p:spPr>
+        <p:style>
+          <a:lnRef idx="3">
+            <a:schemeClr val="dk1"/>
+          </a:lnRef>
+          <a:fillRef idx="0">
+            <a:schemeClr val="dk1"/>
+          </a:fillRef>
+          <a:effectRef idx="2">
+            <a:schemeClr val="dk1"/>
+          </a:effectRef>
+          <a:fontRef idx="minor">
+            <a:schemeClr val="tx1"/>
+          </a:fontRef>
+        </p:style>
+      </p:cxnSp>
+      <p:cxnSp>
+        <p:nvCxnSpPr>
+          <p:cNvPr id="21" name="Connecteur droit avec flèche 20">
+            <a:extLst>
+              <a:ext uri="{FF2B5EF4-FFF2-40B4-BE49-F238E27FC236}">
+                <a16:creationId xmlns:a16="http://schemas.microsoft.com/office/drawing/2014/main" id="{AD700D99-6C15-3D38-F7CC-D78E4FE2EEA9}"/>
+              </a:ext>
+            </a:extLst>
+          </p:cNvPr>
+          <p:cNvCxnSpPr>
+            <a:cxnSpLocks/>
+          </p:cNvCxnSpPr>
+          <p:nvPr/>
+        </p:nvCxnSpPr>
+        <p:spPr>
+          <a:xfrm>
+            <a:off x="1557867" y="2910348"/>
+            <a:ext cx="397852" cy="196646"/>
+          </a:xfrm>
+          <a:prstGeom prst="straightConnector1">
+            <a:avLst/>
+          </a:prstGeom>
+          <a:ln w="57150">
+            <a:tailEnd type="triangle"/>
+          </a:ln>
+        </p:spPr>
+        <p:style>
+          <a:lnRef idx="3">
+            <a:schemeClr val="dk1"/>
+          </a:lnRef>
+          <a:fillRef idx="0">
+            <a:schemeClr val="dk1"/>
+          </a:fillRef>
+          <a:effectRef idx="2">
+            <a:schemeClr val="dk1"/>
+          </a:effectRef>
+          <a:fontRef idx="minor">
+            <a:schemeClr val="tx1"/>
+          </a:fontRef>
+        </p:style>
+      </p:cxnSp>
+      <p:cxnSp>
+        <p:nvCxnSpPr>
+          <p:cNvPr id="25" name="Connecteur droit avec flèche 24">
+            <a:extLst>
+              <a:ext uri="{FF2B5EF4-FFF2-40B4-BE49-F238E27FC236}">
+                <a16:creationId xmlns:a16="http://schemas.microsoft.com/office/drawing/2014/main" id="{11E5FBB3-7AD6-3289-DC24-6CD213BF71B6}"/>
+              </a:ext>
+            </a:extLst>
+          </p:cNvPr>
+          <p:cNvCxnSpPr>
+            <a:cxnSpLocks/>
+          </p:cNvCxnSpPr>
+          <p:nvPr/>
+        </p:nvCxnSpPr>
+        <p:spPr>
+          <a:xfrm flipV="1">
+            <a:off x="1435510" y="3980895"/>
+            <a:ext cx="406236" cy="118547"/>
+          </a:xfrm>
+          <a:prstGeom prst="straightConnector1">
+            <a:avLst/>
+          </a:prstGeom>
+          <a:ln w="57150">
+            <a:tailEnd type="triangle"/>
+          </a:ln>
+        </p:spPr>
+        <p:style>
+          <a:lnRef idx="3">
+            <a:schemeClr val="dk1"/>
+          </a:lnRef>
+          <a:fillRef idx="0">
+            <a:schemeClr val="dk1"/>
+          </a:fillRef>
+          <a:effectRef idx="2">
+            <a:schemeClr val="dk1"/>
+          </a:effectRef>
+          <a:fontRef idx="minor">
+            <a:schemeClr val="tx1"/>
+          </a:fontRef>
+        </p:style>
+      </p:cxnSp>
     </p:spTree>
     <p:extLst>
       <p:ext uri="{BB962C8B-B14F-4D97-AF65-F5344CB8AC3E}">

--- a/javaInstall/Installer l’environnement de développement java.pptx
+++ b/javaInstall/Installer l’environnement de développement java.pptx
@@ -4664,7 +4664,7 @@
   <dgm:whole/>
   <dgm:extLst>
     <a:ext uri="http://schemas.microsoft.com/office/drawing/2008/diagram">
-      <dsp:dataModelExt xmlns:dsp="http://schemas.microsoft.com/office/drawing/2008/diagram" relId="rId6" minVer="http://schemas.openxmlformats.org/drawingml/2006/diagram"/>
+      <dsp:dataModelExt xmlns:dsp="http://schemas.microsoft.com/office/drawing/2008/diagram" relId="rId7" minVer="http://schemas.openxmlformats.org/drawingml/2006/diagram"/>
     </a:ext>
   </dgm:extLst>
 </dgm:dataModel>
@@ -18274,771 +18274,6 @@
       </p:cxnSp>
       <p:grpSp>
         <p:nvGrpSpPr>
-          <p:cNvPr id="43" name="Groupe 42">
-            <a:extLst>
-              <a:ext uri="{FF2B5EF4-FFF2-40B4-BE49-F238E27FC236}">
-                <a16:creationId xmlns:a16="http://schemas.microsoft.com/office/drawing/2014/main" id="{AC67BDAB-E401-BAA5-0739-A32E3CAB6871}"/>
-              </a:ext>
-            </a:extLst>
-          </p:cNvPr>
-          <p:cNvGrpSpPr/>
-          <p:nvPr/>
-        </p:nvGrpSpPr>
-        <p:grpSpPr>
-          <a:xfrm>
-            <a:off x="255634" y="726329"/>
-            <a:ext cx="11575879" cy="6061280"/>
-            <a:chOff x="255634" y="726329"/>
-            <a:chExt cx="11575879" cy="6061280"/>
-          </a:xfrm>
-        </p:grpSpPr>
-        <p:sp>
-          <p:nvSpPr>
-            <p:cNvPr id="13" name="ZoneTexte 12">
-              <a:extLst>
-                <a:ext uri="{FF2B5EF4-FFF2-40B4-BE49-F238E27FC236}">
-                  <a16:creationId xmlns:a16="http://schemas.microsoft.com/office/drawing/2014/main" id="{407A218B-47DA-6FBD-445A-1D856F709C34}"/>
-                </a:ext>
-              </a:extLst>
-            </p:cNvPr>
-            <p:cNvSpPr txBox="1"/>
-            <p:nvPr/>
-          </p:nvSpPr>
-          <p:spPr>
-            <a:xfrm>
-              <a:off x="9375906" y="726329"/>
-              <a:ext cx="1600118" cy="923330"/>
-            </a:xfrm>
-            <a:prstGeom prst="rect">
-              <a:avLst/>
-            </a:prstGeom>
-            <a:noFill/>
-            <a:effectLst>
-              <a:outerShdw blurRad="76200" dist="12700" dir="2700000" sy="-23000" kx="-800400" algn="bl" rotWithShape="0">
-                <a:prstClr val="black">
-                  <a:alpha val="20000"/>
-                </a:prstClr>
-              </a:outerShdw>
-            </a:effectLst>
-          </p:spPr>
-          <p:txBody>
-            <a:bodyPr wrap="none" rtlCol="0">
-              <a:spAutoFit/>
-            </a:bodyPr>
-            <a:lstStyle/>
-            <a:p>
-              <a:r>
-                <a:rPr lang="fr-FR" sz="5400" b="1" dirty="0">
-                  <a:ln w="12700">
-                    <a:solidFill>
-                      <a:schemeClr val="tx2">
-                        <a:lumMod val="75000"/>
-                      </a:schemeClr>
-                    </a:solidFill>
-                    <a:prstDash val="solid"/>
-                  </a:ln>
-                  <a:pattFill prst="dkUpDiag">
-                    <a:fgClr>
-                      <a:schemeClr val="tx2"/>
-                    </a:fgClr>
-                    <a:bgClr>
-                      <a:schemeClr val="tx2">
-                        <a:lumMod val="20000"/>
-                        <a:lumOff val="80000"/>
-                      </a:schemeClr>
-                    </a:bgClr>
-                  </a:pattFill>
-                  <a:effectLst>
-                    <a:outerShdw dist="38100" dir="2640000" algn="bl" rotWithShape="0">
-                      <a:schemeClr val="tx2">
-                        <a:lumMod val="75000"/>
-                      </a:schemeClr>
-                    </a:outerShdw>
-                  </a:effectLst>
-                </a:rPr>
-                <a:t>RAM</a:t>
-              </a:r>
-            </a:p>
-          </p:txBody>
-        </p:sp>
-        <p:grpSp>
-          <p:nvGrpSpPr>
-            <p:cNvPr id="42" name="Groupe 41">
-              <a:extLst>
-                <a:ext uri="{FF2B5EF4-FFF2-40B4-BE49-F238E27FC236}">
-                  <a16:creationId xmlns:a16="http://schemas.microsoft.com/office/drawing/2014/main" id="{592B3A27-2BFD-F82F-E472-607E53FCDA1C}"/>
-                </a:ext>
-              </a:extLst>
-            </p:cNvPr>
-            <p:cNvGrpSpPr/>
-            <p:nvPr/>
-          </p:nvGrpSpPr>
-          <p:grpSpPr>
-            <a:xfrm>
-              <a:off x="255634" y="840839"/>
-              <a:ext cx="11575879" cy="5946770"/>
-              <a:chOff x="255634" y="840839"/>
-              <a:chExt cx="11575879" cy="5946770"/>
-            </a:xfrm>
-          </p:grpSpPr>
-          <p:sp>
-            <p:nvSpPr>
-              <p:cNvPr id="16" name="Légende : flèche vers le bas 15">
-                <a:extLst>
-                  <a:ext uri="{FF2B5EF4-FFF2-40B4-BE49-F238E27FC236}">
-                    <a16:creationId xmlns:a16="http://schemas.microsoft.com/office/drawing/2014/main" id="{DEEC883E-B67D-5D66-7143-A9C45297404C}"/>
-                  </a:ext>
-                </a:extLst>
-              </p:cNvPr>
-              <p:cNvSpPr/>
-              <p:nvPr/>
-            </p:nvSpPr>
-            <p:spPr>
-              <a:xfrm>
-                <a:off x="394066" y="840839"/>
-                <a:ext cx="1591149" cy="553998"/>
-              </a:xfrm>
-              <a:prstGeom prst="downArrowCallout">
-                <a:avLst/>
-              </a:prstGeom>
-              <a:ln w="19050"/>
-            </p:spPr>
-            <p:style>
-              <a:lnRef idx="2">
-                <a:schemeClr val="accent1"/>
-              </a:lnRef>
-              <a:fillRef idx="1">
-                <a:schemeClr val="lt1"/>
-              </a:fillRef>
-              <a:effectRef idx="0">
-                <a:schemeClr val="accent1"/>
-              </a:effectRef>
-              <a:fontRef idx="minor">
-                <a:schemeClr val="dk1"/>
-              </a:fontRef>
-            </p:style>
-            <p:txBody>
-              <a:bodyPr rtlCol="0" anchor="ctr"/>
-              <a:lstStyle/>
-              <a:p>
-                <a:pPr algn="ctr"/>
-                <a:r>
-                  <a:rPr lang="fr-FR" b="1" dirty="0">
-                    <a:latin typeface="Consolas" panose="020B0609020204030204" pitchFamily="49" charset="0"/>
-                  </a:rPr>
-                  <a:t>Code source</a:t>
-                </a:r>
-              </a:p>
-            </p:txBody>
-          </p:sp>
-          <p:sp>
-            <p:nvSpPr>
-              <p:cNvPr id="17" name="Légende : flèche vers le bas 16">
-                <a:extLst>
-                  <a:ext uri="{FF2B5EF4-FFF2-40B4-BE49-F238E27FC236}">
-                    <a16:creationId xmlns:a16="http://schemas.microsoft.com/office/drawing/2014/main" id="{7DC9BA77-2972-71B6-40AF-3FC8BBDAB2C6}"/>
-                  </a:ext>
-                </a:extLst>
-              </p:cNvPr>
-              <p:cNvSpPr/>
-              <p:nvPr/>
-            </p:nvSpPr>
-            <p:spPr>
-              <a:xfrm>
-                <a:off x="3746866" y="879171"/>
-                <a:ext cx="1787166" cy="553998"/>
-              </a:xfrm>
-              <a:prstGeom prst="downArrowCallout">
-                <a:avLst/>
-              </a:prstGeom>
-              <a:ln w="19050"/>
-            </p:spPr>
-            <p:style>
-              <a:lnRef idx="2">
-                <a:schemeClr val="accent1"/>
-              </a:lnRef>
-              <a:fillRef idx="1">
-                <a:schemeClr val="lt1"/>
-              </a:fillRef>
-              <a:effectRef idx="0">
-                <a:schemeClr val="accent1"/>
-              </a:effectRef>
-              <a:fontRef idx="minor">
-                <a:schemeClr val="dk1"/>
-              </a:fontRef>
-            </p:style>
-            <p:txBody>
-              <a:bodyPr rtlCol="0" anchor="ctr"/>
-              <a:lstStyle/>
-              <a:p>
-                <a:pPr algn="ctr"/>
-                <a:r>
-                  <a:rPr lang="fr-FR" b="1" dirty="0">
-                    <a:latin typeface="Consolas" panose="020B0609020204030204" pitchFamily="49" charset="0"/>
-                  </a:rPr>
-                  <a:t>Code machine</a:t>
-                </a:r>
-              </a:p>
-            </p:txBody>
-          </p:sp>
-          <p:grpSp>
-            <p:nvGrpSpPr>
-              <p:cNvPr id="49" name="Groupe 48">
-                <a:extLst>
-                  <a:ext uri="{FF2B5EF4-FFF2-40B4-BE49-F238E27FC236}">
-                    <a16:creationId xmlns:a16="http://schemas.microsoft.com/office/drawing/2014/main" id="{D3293AA5-EE1A-4AB2-52DF-87F334F18F2C}"/>
-                  </a:ext>
-                </a:extLst>
-              </p:cNvPr>
-              <p:cNvGrpSpPr/>
-              <p:nvPr/>
-            </p:nvGrpSpPr>
-            <p:grpSpPr>
-              <a:xfrm>
-                <a:off x="255634" y="1411275"/>
-                <a:ext cx="11575879" cy="5376334"/>
-                <a:chOff x="226138" y="1411275"/>
-                <a:chExt cx="11575879" cy="5376334"/>
-              </a:xfrm>
-            </p:grpSpPr>
-            <p:graphicFrame>
-              <p:nvGraphicFramePr>
-                <p:cNvPr id="4" name="Diagramme 3">
-                  <a:extLst>
-                    <a:ext uri="{FF2B5EF4-FFF2-40B4-BE49-F238E27FC236}">
-                      <a16:creationId xmlns:a16="http://schemas.microsoft.com/office/drawing/2014/main" id="{87C25E48-2F99-C847-334C-81B67E874B11}"/>
-                    </a:ext>
-                  </a:extLst>
-                </p:cNvPr>
-                <p:cNvGraphicFramePr/>
-                <p:nvPr>
-                  <p:extLst>
-                    <p:ext uri="{D42A27DB-BD31-4B8C-83A1-F6EECF244321}">
-                      <p14:modId xmlns:p14="http://schemas.microsoft.com/office/powerpoint/2010/main" val="688492742"/>
-                    </p:ext>
-                  </p:extLst>
-                </p:nvPr>
-              </p:nvGraphicFramePr>
-              <p:xfrm>
-                <a:off x="226138" y="1411275"/>
-                <a:ext cx="5887065" cy="5376334"/>
-              </p:xfrm>
-              <a:graphic>
-                <a:graphicData uri="http://schemas.openxmlformats.org/drawingml/2006/diagram">
-                  <dgm:relIds xmlns:dgm="http://schemas.openxmlformats.org/drawingml/2006/diagram" xmlns:r="http://schemas.openxmlformats.org/officeDocument/2006/relationships" r:dm="rId2" r:lo="rId3" r:qs="rId4" r:cs="rId5"/>
-                </a:graphicData>
-              </a:graphic>
-            </p:graphicFrame>
-            <p:grpSp>
-              <p:nvGrpSpPr>
-                <p:cNvPr id="48" name="Groupe 47">
-                  <a:extLst>
-                    <a:ext uri="{FF2B5EF4-FFF2-40B4-BE49-F238E27FC236}">
-                      <a16:creationId xmlns:a16="http://schemas.microsoft.com/office/drawing/2014/main" id="{0233FAAF-FF16-B103-7C8F-E3BCDE3EE2F6}"/>
-                    </a:ext>
-                  </a:extLst>
-                </p:cNvPr>
-                <p:cNvGrpSpPr/>
-                <p:nvPr/>
-              </p:nvGrpSpPr>
-              <p:grpSpPr>
-                <a:xfrm>
-                  <a:off x="5099794" y="1581468"/>
-                  <a:ext cx="6702223" cy="4717731"/>
-                  <a:chOff x="5099794" y="1581468"/>
-                  <a:chExt cx="6702223" cy="4717731"/>
-                </a:xfrm>
-              </p:grpSpPr>
-              <p:sp>
-                <p:nvSpPr>
-                  <p:cNvPr id="10" name="Rectangle 9">
-                    <a:extLst>
-                      <a:ext uri="{FF2B5EF4-FFF2-40B4-BE49-F238E27FC236}">
-                        <a16:creationId xmlns:a16="http://schemas.microsoft.com/office/drawing/2014/main" id="{E8C41F0C-BF78-913B-AF93-D0FD3784F886}"/>
-                      </a:ext>
-                    </a:extLst>
-                  </p:cNvPr>
-                  <p:cNvSpPr/>
-                  <p:nvPr/>
-                </p:nvSpPr>
-                <p:spPr>
-                  <a:xfrm>
-                    <a:off x="5590593" y="3383334"/>
-                    <a:ext cx="1091098" cy="990599"/>
-                  </a:xfrm>
-                  <a:prstGeom prst="rect">
-                    <a:avLst/>
-                  </a:prstGeom>
-                  <a:ln/>
-                  <a:effectLst>
-                    <a:outerShdw blurRad="50800" dist="38100" dir="2700000" algn="tl" rotWithShape="0">
-                      <a:prstClr val="black">
-                        <a:alpha val="40000"/>
-                      </a:prstClr>
-                    </a:outerShdw>
-                  </a:effectLst>
-                </p:spPr>
-                <p:style>
-                  <a:lnRef idx="1">
-                    <a:schemeClr val="accent6"/>
-                  </a:lnRef>
-                  <a:fillRef idx="2">
-                    <a:schemeClr val="accent6"/>
-                  </a:fillRef>
-                  <a:effectRef idx="1">
-                    <a:schemeClr val="accent6"/>
-                  </a:effectRef>
-                  <a:fontRef idx="minor">
-                    <a:schemeClr val="dk1"/>
-                  </a:fontRef>
-                </p:style>
-                <p:txBody>
-                  <a:bodyPr rtlCol="0" anchor="ctr"/>
-                  <a:lstStyle/>
-                  <a:p>
-                    <a:pPr algn="ctr"/>
-                    <a:r>
-                      <a:rPr lang="fr-FR" sz="2800" b="1" dirty="0"/>
-                      <a:t>Linker</a:t>
-                    </a:r>
-                    <a:endParaRPr lang="fr-FR" b="1" dirty="0"/>
-                  </a:p>
-                </p:txBody>
-              </p:sp>
-              <p:sp>
-                <p:nvSpPr>
-                  <p:cNvPr id="11" name="Organigramme : Document 10">
-                    <a:extLst>
-                      <a:ext uri="{FF2B5EF4-FFF2-40B4-BE49-F238E27FC236}">
-                        <a16:creationId xmlns:a16="http://schemas.microsoft.com/office/drawing/2014/main" id="{3FB74472-5C52-F424-F06C-FA5F6C819840}"/>
-                      </a:ext>
-                    </a:extLst>
-                  </p:cNvPr>
-                  <p:cNvSpPr/>
-                  <p:nvPr/>
-                </p:nvSpPr>
-                <p:spPr>
-                  <a:xfrm>
-                    <a:off x="7576673" y="3429000"/>
-                    <a:ext cx="1251155" cy="869873"/>
-                  </a:xfrm>
-                  <a:prstGeom prst="flowChartDocument">
-                    <a:avLst/>
-                  </a:prstGeom>
-                </p:spPr>
-                <p:style>
-                  <a:lnRef idx="1">
-                    <a:schemeClr val="accent4"/>
-                  </a:lnRef>
-                  <a:fillRef idx="2">
-                    <a:schemeClr val="accent4"/>
-                  </a:fillRef>
-                  <a:effectRef idx="1">
-                    <a:schemeClr val="accent4"/>
-                  </a:effectRef>
-                  <a:fontRef idx="minor">
-                    <a:schemeClr val="dk1"/>
-                  </a:fontRef>
-                </p:style>
-                <p:txBody>
-                  <a:bodyPr rtlCol="0" anchor="ctr"/>
-                  <a:lstStyle/>
-                  <a:p>
-                    <a:pPr algn="ctr"/>
-                    <a:r>
-                      <a:rPr lang="fr-FR" sz="2400" b="1" dirty="0">
-                        <a:solidFill>
-                          <a:srgbClr val="FF0000"/>
-                        </a:solidFill>
-                        <a:effectLst/>
-                      </a:rPr>
-                      <a:t>file.exe</a:t>
-                    </a:r>
-                    <a:endParaRPr lang="fr-FR" sz="2400" dirty="0">
-                      <a:solidFill>
-                        <a:srgbClr val="FF0000"/>
-                      </a:solidFill>
-                      <a:effectLst/>
-                    </a:endParaRPr>
-                  </a:p>
-                  <a:p>
-                    <a:pPr algn="ctr"/>
-                    <a:endParaRPr lang="fr-FR" dirty="0"/>
-                  </a:p>
-                </p:txBody>
-              </p:sp>
-              <p:sp>
-                <p:nvSpPr>
-                  <p:cNvPr id="12" name="Rectangle 11">
-                    <a:extLst>
-                      <a:ext uri="{FF2B5EF4-FFF2-40B4-BE49-F238E27FC236}">
-                        <a16:creationId xmlns:a16="http://schemas.microsoft.com/office/drawing/2014/main" id="{EE96B821-3477-4CEA-B584-7B93111E2427}"/>
-                      </a:ext>
-                    </a:extLst>
-                  </p:cNvPr>
-                  <p:cNvSpPr/>
-                  <p:nvPr/>
-                </p:nvSpPr>
-                <p:spPr>
-                  <a:xfrm>
-                    <a:off x="9346410" y="1581468"/>
-                    <a:ext cx="2455607" cy="4717731"/>
-                  </a:xfrm>
-                  <a:prstGeom prst="rect">
-                    <a:avLst/>
-                  </a:prstGeom>
-                  <a:gradFill flip="none" rotWithShape="1">
-                    <a:gsLst>
-                      <a:gs pos="0">
-                        <a:schemeClr val="lt1">
-                          <a:shade val="30000"/>
-                          <a:satMod val="115000"/>
-                        </a:schemeClr>
-                      </a:gs>
-                      <a:gs pos="50000">
-                        <a:schemeClr val="lt1">
-                          <a:shade val="67500"/>
-                          <a:satMod val="115000"/>
-                        </a:schemeClr>
-                      </a:gs>
-                      <a:gs pos="100000">
-                        <a:schemeClr val="lt1">
-                          <a:shade val="100000"/>
-                          <a:satMod val="115000"/>
-                        </a:schemeClr>
-                      </a:gs>
-                    </a:gsLst>
-                    <a:path path="circle">
-                      <a:fillToRect l="50000" t="50000" r="50000" b="50000"/>
-                    </a:path>
-                    <a:tileRect/>
-                  </a:gradFill>
-                  <a:ln w="38100"/>
-                </p:spPr>
-                <p:style>
-                  <a:lnRef idx="2">
-                    <a:schemeClr val="accent6"/>
-                  </a:lnRef>
-                  <a:fillRef idx="1">
-                    <a:schemeClr val="lt1"/>
-                  </a:fillRef>
-                  <a:effectRef idx="0">
-                    <a:schemeClr val="accent6"/>
-                  </a:effectRef>
-                  <a:fontRef idx="minor">
-                    <a:schemeClr val="dk1"/>
-                  </a:fontRef>
-                </p:style>
-                <p:txBody>
-                  <a:bodyPr rtlCol="0" anchor="ctr"/>
-                  <a:lstStyle/>
-                  <a:p>
-                    <a:pPr algn="ctr"/>
-                    <a:endParaRPr lang="fr-FR" dirty="0"/>
-                  </a:p>
-                </p:txBody>
-              </p:sp>
-              <p:sp>
-                <p:nvSpPr>
-                  <p:cNvPr id="14" name="Organigramme : Document 13">
-                    <a:extLst>
-                      <a:ext uri="{FF2B5EF4-FFF2-40B4-BE49-F238E27FC236}">
-                        <a16:creationId xmlns:a16="http://schemas.microsoft.com/office/drawing/2014/main" id="{D15D8F1E-B645-5B2E-B3C9-68232BF29309}"/>
-                      </a:ext>
-                    </a:extLst>
-                  </p:cNvPr>
-                  <p:cNvSpPr/>
-                  <p:nvPr/>
-                </p:nvSpPr>
-                <p:spPr>
-                  <a:xfrm>
-                    <a:off x="9868499" y="3361124"/>
-                    <a:ext cx="1251155" cy="869873"/>
-                  </a:xfrm>
-                  <a:prstGeom prst="flowChartDocument">
-                    <a:avLst/>
-                  </a:prstGeom>
-                </p:spPr>
-                <p:style>
-                  <a:lnRef idx="1">
-                    <a:schemeClr val="accent4"/>
-                  </a:lnRef>
-                  <a:fillRef idx="2">
-                    <a:schemeClr val="accent4"/>
-                  </a:fillRef>
-                  <a:effectRef idx="1">
-                    <a:schemeClr val="accent4"/>
-                  </a:effectRef>
-                  <a:fontRef idx="minor">
-                    <a:schemeClr val="dk1"/>
-                  </a:fontRef>
-                </p:style>
-                <p:txBody>
-                  <a:bodyPr rtlCol="0" anchor="ctr"/>
-                  <a:lstStyle/>
-                  <a:p>
-                    <a:pPr algn="ctr"/>
-                    <a:r>
-                      <a:rPr lang="fr-FR" sz="2400" b="1" dirty="0">
-                        <a:solidFill>
-                          <a:srgbClr val="FF0000"/>
-                        </a:solidFill>
-                        <a:effectLst/>
-                      </a:rPr>
-                      <a:t>file.exe</a:t>
-                    </a:r>
-                    <a:endParaRPr lang="fr-FR" sz="2400" dirty="0">
-                      <a:solidFill>
-                        <a:srgbClr val="FF0000"/>
-                      </a:solidFill>
-                      <a:effectLst/>
-                    </a:endParaRPr>
-                  </a:p>
-                  <a:p>
-                    <a:pPr algn="ctr"/>
-                    <a:endParaRPr lang="fr-FR" dirty="0"/>
-                  </a:p>
-                </p:txBody>
-              </p:sp>
-              <p:sp>
-                <p:nvSpPr>
-                  <p:cNvPr id="18" name="Légende : flèche vers le bas 17">
-                    <a:extLst>
-                      <a:ext uri="{FF2B5EF4-FFF2-40B4-BE49-F238E27FC236}">
-                        <a16:creationId xmlns:a16="http://schemas.microsoft.com/office/drawing/2014/main" id="{77ED7CAA-FFD5-58CB-EE44-E0B000D3FE0B}"/>
-                      </a:ext>
-                    </a:extLst>
-                  </p:cNvPr>
-                  <p:cNvSpPr/>
-                  <p:nvPr/>
-                </p:nvSpPr>
-                <p:spPr>
-                  <a:xfrm>
-                    <a:off x="5160245" y="2740300"/>
-                    <a:ext cx="2227223" cy="553998"/>
-                  </a:xfrm>
-                  <a:prstGeom prst="downArrowCallout">
-                    <a:avLst/>
-                  </a:prstGeom>
-                  <a:ln w="19050"/>
-                </p:spPr>
-                <p:style>
-                  <a:lnRef idx="2">
-                    <a:schemeClr val="accent1"/>
-                  </a:lnRef>
-                  <a:fillRef idx="1">
-                    <a:schemeClr val="lt1"/>
-                  </a:fillRef>
-                  <a:effectRef idx="0">
-                    <a:schemeClr val="accent1"/>
-                  </a:effectRef>
-                  <a:fontRef idx="minor">
-                    <a:schemeClr val="dk1"/>
-                  </a:fontRef>
-                </p:style>
-                <p:txBody>
-                  <a:bodyPr rtlCol="0" anchor="ctr"/>
-                  <a:lstStyle/>
-                  <a:p>
-                    <a:pPr algn="ctr"/>
-                    <a:r>
-                      <a:rPr lang="fr-FR" b="1" dirty="0">
-                        <a:latin typeface="Consolas" panose="020B0609020204030204" pitchFamily="49" charset="0"/>
-                      </a:rPr>
-                      <a:t>Éditeur de liens</a:t>
-                    </a:r>
-                  </a:p>
-                </p:txBody>
-              </p:sp>
-              <p:sp>
-                <p:nvSpPr>
-                  <p:cNvPr id="19" name="Légende : flèche vers le bas 18">
-                    <a:extLst>
-                      <a:ext uri="{FF2B5EF4-FFF2-40B4-BE49-F238E27FC236}">
-                        <a16:creationId xmlns:a16="http://schemas.microsoft.com/office/drawing/2014/main" id="{8F919B74-D1CC-8AE9-7B45-CE0A8F1444AD}"/>
-                      </a:ext>
-                    </a:extLst>
-                  </p:cNvPr>
-                  <p:cNvSpPr/>
-                  <p:nvPr/>
-                </p:nvSpPr>
-                <p:spPr>
-                  <a:xfrm>
-                    <a:off x="7454115" y="2740300"/>
-                    <a:ext cx="1475751" cy="553998"/>
-                  </a:xfrm>
-                  <a:prstGeom prst="downArrowCallout">
-                    <a:avLst/>
-                  </a:prstGeom>
-                  <a:ln w="19050"/>
-                </p:spPr>
-                <p:style>
-                  <a:lnRef idx="2">
-                    <a:schemeClr val="accent1"/>
-                  </a:lnRef>
-                  <a:fillRef idx="1">
-                    <a:schemeClr val="lt1"/>
-                  </a:fillRef>
-                  <a:effectRef idx="0">
-                    <a:schemeClr val="accent1"/>
-                  </a:effectRef>
-                  <a:fontRef idx="minor">
-                    <a:schemeClr val="dk1"/>
-                  </a:fontRef>
-                </p:style>
-                <p:txBody>
-                  <a:bodyPr rtlCol="0" anchor="ctr"/>
-                  <a:lstStyle/>
-                  <a:p>
-                    <a:pPr algn="ctr"/>
-                    <a:r>
-                      <a:rPr lang="fr-FR" b="1" dirty="0">
-                        <a:latin typeface="Consolas" panose="020B0609020204030204" pitchFamily="49" charset="0"/>
-                      </a:rPr>
-                      <a:t>Exécutable </a:t>
-                    </a:r>
-                  </a:p>
-                </p:txBody>
-              </p:sp>
-              <p:cxnSp>
-                <p:nvCxnSpPr>
-                  <p:cNvPr id="30" name="Connecteur droit avec flèche 29">
-                    <a:extLst>
-                      <a:ext uri="{FF2B5EF4-FFF2-40B4-BE49-F238E27FC236}">
-                        <a16:creationId xmlns:a16="http://schemas.microsoft.com/office/drawing/2014/main" id="{58065DB5-1076-1991-954D-2302B141235E}"/>
-                      </a:ext>
-                    </a:extLst>
-                  </p:cNvPr>
-                  <p:cNvCxnSpPr>
-                    <a:cxnSpLocks/>
-                    <a:stCxn id="10" idx="3"/>
-                    <a:endCxn id="11" idx="1"/>
-                  </p:cNvCxnSpPr>
-                  <p:nvPr/>
-                </p:nvCxnSpPr>
-                <p:spPr>
-                  <a:xfrm flipV="1">
-                    <a:off x="6681691" y="3863937"/>
-                    <a:ext cx="894982" cy="14697"/>
-                  </a:xfrm>
-                  <a:prstGeom prst="straightConnector1">
-                    <a:avLst/>
-                  </a:prstGeom>
-                  <a:ln w="57150">
-                    <a:tailEnd type="triangle"/>
-                  </a:ln>
-                </p:spPr>
-                <p:style>
-                  <a:lnRef idx="3">
-                    <a:schemeClr val="dk1"/>
-                  </a:lnRef>
-                  <a:fillRef idx="0">
-                    <a:schemeClr val="dk1"/>
-                  </a:fillRef>
-                  <a:effectRef idx="2">
-                    <a:schemeClr val="dk1"/>
-                  </a:effectRef>
-                  <a:fontRef idx="minor">
-                    <a:schemeClr val="tx1"/>
-                  </a:fontRef>
-                </p:style>
-              </p:cxnSp>
-              <p:cxnSp>
-                <p:nvCxnSpPr>
-                  <p:cNvPr id="41" name="Connecteur droit avec flèche 40">
-                    <a:extLst>
-                      <a:ext uri="{FF2B5EF4-FFF2-40B4-BE49-F238E27FC236}">
-                        <a16:creationId xmlns:a16="http://schemas.microsoft.com/office/drawing/2014/main" id="{3CE30D6C-BB6D-496C-C64A-1BC6ABFAFA8E}"/>
-                      </a:ext>
-                    </a:extLst>
-                  </p:cNvPr>
-                  <p:cNvCxnSpPr>
-                    <a:cxnSpLocks/>
-                  </p:cNvCxnSpPr>
-                  <p:nvPr/>
-                </p:nvCxnSpPr>
-                <p:spPr>
-                  <a:xfrm>
-                    <a:off x="5099794" y="3903124"/>
-                    <a:ext cx="540000" cy="0"/>
-                  </a:xfrm>
-                  <a:prstGeom prst="straightConnector1">
-                    <a:avLst/>
-                  </a:prstGeom>
-                  <a:ln w="57150">
-                    <a:tailEnd type="triangle"/>
-                  </a:ln>
-                </p:spPr>
-                <p:style>
-                  <a:lnRef idx="3">
-                    <a:schemeClr val="dk1"/>
-                  </a:lnRef>
-                  <a:fillRef idx="0">
-                    <a:schemeClr val="dk1"/>
-                  </a:fillRef>
-                  <a:effectRef idx="2">
-                    <a:schemeClr val="dk1"/>
-                  </a:effectRef>
-                  <a:fontRef idx="minor">
-                    <a:schemeClr val="tx1"/>
-                  </a:fontRef>
-                </p:style>
-              </p:cxnSp>
-              <p:sp>
-                <p:nvSpPr>
-                  <p:cNvPr id="46" name="Flèche : droite à entaille 45">
-                    <a:extLst>
-                      <a:ext uri="{FF2B5EF4-FFF2-40B4-BE49-F238E27FC236}">
-                        <a16:creationId xmlns:a16="http://schemas.microsoft.com/office/drawing/2014/main" id="{8E695962-43F1-F80F-1E62-1786527F76F9}"/>
-                      </a:ext>
-                    </a:extLst>
-                  </p:cNvPr>
-                  <p:cNvSpPr/>
-                  <p:nvPr/>
-                </p:nvSpPr>
-                <p:spPr>
-                  <a:xfrm>
-                    <a:off x="8870028" y="3458071"/>
-                    <a:ext cx="864000" cy="582097"/>
-                  </a:xfrm>
-                  <a:prstGeom prst="notchedRightArrow">
-                    <a:avLst/>
-                  </a:prstGeom>
-                  <a:ln>
-                    <a:solidFill>
-                      <a:srgbClr val="FF0000"/>
-                    </a:solidFill>
-                  </a:ln>
-                </p:spPr>
-                <p:style>
-                  <a:lnRef idx="1">
-                    <a:schemeClr val="accent4"/>
-                  </a:lnRef>
-                  <a:fillRef idx="2">
-                    <a:schemeClr val="accent4"/>
-                  </a:fillRef>
-                  <a:effectRef idx="1">
-                    <a:schemeClr val="accent4"/>
-                  </a:effectRef>
-                  <a:fontRef idx="minor">
-                    <a:schemeClr val="dk1"/>
-                  </a:fontRef>
-                </p:style>
-                <p:txBody>
-                  <a:bodyPr rtlCol="0" anchor="ctr"/>
-                  <a:lstStyle/>
-                  <a:p>
-                    <a:pPr algn="ctr"/>
-                    <a:endParaRPr lang="fr-FR"/>
-                  </a:p>
-                </p:txBody>
-              </p:sp>
-            </p:grpSp>
-          </p:grpSp>
-        </p:grpSp>
-      </p:grpSp>
-      <p:grpSp>
-        <p:nvGrpSpPr>
           <p:cNvPr id="45" name="Groupe 44">
             <a:extLst>
               <a:ext uri="{FF2B5EF4-FFF2-40B4-BE49-F238E27FC236}">
@@ -19175,7 +18410,7 @@
             <p:nvPr/>
           </p:nvPicPr>
           <p:blipFill>
-            <a:blip r:embed="rId7"/>
+            <a:blip r:embed="rId2"/>
             <a:stretch>
               <a:fillRect/>
             </a:stretch>
@@ -19314,6 +18549,849 @@
           </a:fontRef>
         </p:style>
       </p:cxnSp>
+      <p:grpSp>
+        <p:nvGrpSpPr>
+          <p:cNvPr id="3" name="Groupe 2">
+            <a:extLst>
+              <a:ext uri="{FF2B5EF4-FFF2-40B4-BE49-F238E27FC236}">
+                <a16:creationId xmlns:a16="http://schemas.microsoft.com/office/drawing/2014/main" id="{751A0944-6D9A-98B3-1D00-08D90CD4DDE3}"/>
+              </a:ext>
+            </a:extLst>
+          </p:cNvPr>
+          <p:cNvGrpSpPr/>
+          <p:nvPr/>
+        </p:nvGrpSpPr>
+        <p:grpSpPr>
+          <a:xfrm>
+            <a:off x="255634" y="726329"/>
+            <a:ext cx="11575879" cy="6061280"/>
+            <a:chOff x="255634" y="726329"/>
+            <a:chExt cx="11575879" cy="6061280"/>
+          </a:xfrm>
+        </p:grpSpPr>
+        <p:grpSp>
+          <p:nvGrpSpPr>
+            <p:cNvPr id="43" name="Groupe 42">
+              <a:extLst>
+                <a:ext uri="{FF2B5EF4-FFF2-40B4-BE49-F238E27FC236}">
+                  <a16:creationId xmlns:a16="http://schemas.microsoft.com/office/drawing/2014/main" id="{AC67BDAB-E401-BAA5-0739-A32E3CAB6871}"/>
+                </a:ext>
+              </a:extLst>
+            </p:cNvPr>
+            <p:cNvGrpSpPr/>
+            <p:nvPr/>
+          </p:nvGrpSpPr>
+          <p:grpSpPr>
+            <a:xfrm>
+              <a:off x="255634" y="726329"/>
+              <a:ext cx="11575879" cy="6061280"/>
+              <a:chOff x="255634" y="726329"/>
+              <a:chExt cx="11575879" cy="6061280"/>
+            </a:xfrm>
+          </p:grpSpPr>
+          <p:sp>
+            <p:nvSpPr>
+              <p:cNvPr id="13" name="ZoneTexte 12">
+                <a:extLst>
+                  <a:ext uri="{FF2B5EF4-FFF2-40B4-BE49-F238E27FC236}">
+                    <a16:creationId xmlns:a16="http://schemas.microsoft.com/office/drawing/2014/main" id="{407A218B-47DA-6FBD-445A-1D856F709C34}"/>
+                  </a:ext>
+                </a:extLst>
+              </p:cNvPr>
+              <p:cNvSpPr txBox="1"/>
+              <p:nvPr/>
+            </p:nvSpPr>
+            <p:spPr>
+              <a:xfrm>
+                <a:off x="9375906" y="726329"/>
+                <a:ext cx="1600118" cy="923330"/>
+              </a:xfrm>
+              <a:prstGeom prst="rect">
+                <a:avLst/>
+              </a:prstGeom>
+              <a:noFill/>
+              <a:effectLst>
+                <a:outerShdw blurRad="76200" dist="12700" dir="2700000" sy="-23000" kx="-800400" algn="bl" rotWithShape="0">
+                  <a:prstClr val="black">
+                    <a:alpha val="20000"/>
+                  </a:prstClr>
+                </a:outerShdw>
+              </a:effectLst>
+            </p:spPr>
+            <p:txBody>
+              <a:bodyPr wrap="none" rtlCol="0">
+                <a:spAutoFit/>
+              </a:bodyPr>
+              <a:lstStyle/>
+              <a:p>
+                <a:r>
+                  <a:rPr lang="fr-FR" sz="5400" b="1" dirty="0">
+                    <a:ln w="12700">
+                      <a:solidFill>
+                        <a:schemeClr val="tx2">
+                          <a:lumMod val="75000"/>
+                        </a:schemeClr>
+                      </a:solidFill>
+                      <a:prstDash val="solid"/>
+                    </a:ln>
+                    <a:pattFill prst="dkUpDiag">
+                      <a:fgClr>
+                        <a:schemeClr val="tx2"/>
+                      </a:fgClr>
+                      <a:bgClr>
+                        <a:schemeClr val="tx2">
+                          <a:lumMod val="20000"/>
+                          <a:lumOff val="80000"/>
+                        </a:schemeClr>
+                      </a:bgClr>
+                    </a:pattFill>
+                    <a:effectLst>
+                      <a:outerShdw dist="38100" dir="2640000" algn="bl" rotWithShape="0">
+                        <a:schemeClr val="tx2">
+                          <a:lumMod val="75000"/>
+                        </a:schemeClr>
+                      </a:outerShdw>
+                    </a:effectLst>
+                  </a:rPr>
+                  <a:t>RAM</a:t>
+                </a:r>
+              </a:p>
+            </p:txBody>
+          </p:sp>
+          <p:grpSp>
+            <p:nvGrpSpPr>
+              <p:cNvPr id="42" name="Groupe 41">
+                <a:extLst>
+                  <a:ext uri="{FF2B5EF4-FFF2-40B4-BE49-F238E27FC236}">
+                    <a16:creationId xmlns:a16="http://schemas.microsoft.com/office/drawing/2014/main" id="{592B3A27-2BFD-F82F-E472-607E53FCDA1C}"/>
+                  </a:ext>
+                </a:extLst>
+              </p:cNvPr>
+              <p:cNvGrpSpPr/>
+              <p:nvPr/>
+            </p:nvGrpSpPr>
+            <p:grpSpPr>
+              <a:xfrm>
+                <a:off x="255634" y="840839"/>
+                <a:ext cx="11575879" cy="5946770"/>
+                <a:chOff x="255634" y="840839"/>
+                <a:chExt cx="11575879" cy="5946770"/>
+              </a:xfrm>
+            </p:grpSpPr>
+            <p:sp>
+              <p:nvSpPr>
+                <p:cNvPr id="16" name="Légende : flèche vers le bas 15">
+                  <a:extLst>
+                    <a:ext uri="{FF2B5EF4-FFF2-40B4-BE49-F238E27FC236}">
+                      <a16:creationId xmlns:a16="http://schemas.microsoft.com/office/drawing/2014/main" id="{DEEC883E-B67D-5D66-7143-A9C45297404C}"/>
+                    </a:ext>
+                  </a:extLst>
+                </p:cNvPr>
+                <p:cNvSpPr/>
+                <p:nvPr/>
+              </p:nvSpPr>
+              <p:spPr>
+                <a:xfrm>
+                  <a:off x="394066" y="840839"/>
+                  <a:ext cx="1591149" cy="553998"/>
+                </a:xfrm>
+                <a:prstGeom prst="downArrowCallout">
+                  <a:avLst/>
+                </a:prstGeom>
+                <a:ln w="19050"/>
+              </p:spPr>
+              <p:style>
+                <a:lnRef idx="2">
+                  <a:schemeClr val="accent1"/>
+                </a:lnRef>
+                <a:fillRef idx="1">
+                  <a:schemeClr val="lt1"/>
+                </a:fillRef>
+                <a:effectRef idx="0">
+                  <a:schemeClr val="accent1"/>
+                </a:effectRef>
+                <a:fontRef idx="minor">
+                  <a:schemeClr val="dk1"/>
+                </a:fontRef>
+              </p:style>
+              <p:txBody>
+                <a:bodyPr rtlCol="0" anchor="ctr"/>
+                <a:lstStyle/>
+                <a:p>
+                  <a:pPr algn="ctr"/>
+                  <a:r>
+                    <a:rPr lang="fr-FR" b="1" dirty="0">
+                      <a:latin typeface="Consolas" panose="020B0609020204030204" pitchFamily="49" charset="0"/>
+                    </a:rPr>
+                    <a:t>Code source</a:t>
+                  </a:r>
+                </a:p>
+              </p:txBody>
+            </p:sp>
+            <p:sp>
+              <p:nvSpPr>
+                <p:cNvPr id="17" name="Légende : flèche vers le bas 16">
+                  <a:extLst>
+                    <a:ext uri="{FF2B5EF4-FFF2-40B4-BE49-F238E27FC236}">
+                      <a16:creationId xmlns:a16="http://schemas.microsoft.com/office/drawing/2014/main" id="{7DC9BA77-2972-71B6-40AF-3FC8BBDAB2C6}"/>
+                    </a:ext>
+                  </a:extLst>
+                </p:cNvPr>
+                <p:cNvSpPr/>
+                <p:nvPr/>
+              </p:nvSpPr>
+              <p:spPr>
+                <a:xfrm>
+                  <a:off x="3746866" y="879171"/>
+                  <a:ext cx="1787166" cy="553998"/>
+                </a:xfrm>
+                <a:prstGeom prst="downArrowCallout">
+                  <a:avLst/>
+                </a:prstGeom>
+                <a:ln w="19050"/>
+              </p:spPr>
+              <p:style>
+                <a:lnRef idx="2">
+                  <a:schemeClr val="accent1"/>
+                </a:lnRef>
+                <a:fillRef idx="1">
+                  <a:schemeClr val="lt1"/>
+                </a:fillRef>
+                <a:effectRef idx="0">
+                  <a:schemeClr val="accent1"/>
+                </a:effectRef>
+                <a:fontRef idx="minor">
+                  <a:schemeClr val="dk1"/>
+                </a:fontRef>
+              </p:style>
+              <p:txBody>
+                <a:bodyPr rtlCol="0" anchor="ctr"/>
+                <a:lstStyle/>
+                <a:p>
+                  <a:pPr algn="ctr"/>
+                  <a:r>
+                    <a:rPr lang="fr-FR" b="1" dirty="0">
+                      <a:latin typeface="Consolas" panose="020B0609020204030204" pitchFamily="49" charset="0"/>
+                    </a:rPr>
+                    <a:t>Code machine</a:t>
+                  </a:r>
+                </a:p>
+              </p:txBody>
+            </p:sp>
+            <p:grpSp>
+              <p:nvGrpSpPr>
+                <p:cNvPr id="49" name="Groupe 48">
+                  <a:extLst>
+                    <a:ext uri="{FF2B5EF4-FFF2-40B4-BE49-F238E27FC236}">
+                      <a16:creationId xmlns:a16="http://schemas.microsoft.com/office/drawing/2014/main" id="{D3293AA5-EE1A-4AB2-52DF-87F334F18F2C}"/>
+                    </a:ext>
+                  </a:extLst>
+                </p:cNvPr>
+                <p:cNvGrpSpPr/>
+                <p:nvPr/>
+              </p:nvGrpSpPr>
+              <p:grpSpPr>
+                <a:xfrm>
+                  <a:off x="255634" y="1411275"/>
+                  <a:ext cx="11575879" cy="5376334"/>
+                  <a:chOff x="226138" y="1411275"/>
+                  <a:chExt cx="11575879" cy="5376334"/>
+                </a:xfrm>
+              </p:grpSpPr>
+              <p:graphicFrame>
+                <p:nvGraphicFramePr>
+                  <p:cNvPr id="4" name="Diagramme 3">
+                    <a:extLst>
+                      <a:ext uri="{FF2B5EF4-FFF2-40B4-BE49-F238E27FC236}">
+                        <a16:creationId xmlns:a16="http://schemas.microsoft.com/office/drawing/2014/main" id="{87C25E48-2F99-C847-334C-81B67E874B11}"/>
+                      </a:ext>
+                    </a:extLst>
+                  </p:cNvPr>
+                  <p:cNvGraphicFramePr/>
+                  <p:nvPr>
+                    <p:extLst>
+                      <p:ext uri="{D42A27DB-BD31-4B8C-83A1-F6EECF244321}">
+                        <p14:modId xmlns:p14="http://schemas.microsoft.com/office/powerpoint/2010/main" val="688492742"/>
+                      </p:ext>
+                    </p:extLst>
+                  </p:nvPr>
+                </p:nvGraphicFramePr>
+                <p:xfrm>
+                  <a:off x="226138" y="1411275"/>
+                  <a:ext cx="5887065" cy="5376334"/>
+                </p:xfrm>
+                <a:graphic>
+                  <a:graphicData uri="http://schemas.openxmlformats.org/drawingml/2006/diagram">
+                    <dgm:relIds xmlns:dgm="http://schemas.openxmlformats.org/drawingml/2006/diagram" xmlns:r="http://schemas.openxmlformats.org/officeDocument/2006/relationships" r:dm="rId3" r:lo="rId4" r:qs="rId5" r:cs="rId6"/>
+                  </a:graphicData>
+                </a:graphic>
+              </p:graphicFrame>
+              <p:grpSp>
+                <p:nvGrpSpPr>
+                  <p:cNvPr id="48" name="Groupe 47">
+                    <a:extLst>
+                      <a:ext uri="{FF2B5EF4-FFF2-40B4-BE49-F238E27FC236}">
+                        <a16:creationId xmlns:a16="http://schemas.microsoft.com/office/drawing/2014/main" id="{0233FAAF-FF16-B103-7C8F-E3BCDE3EE2F6}"/>
+                      </a:ext>
+                    </a:extLst>
+                  </p:cNvPr>
+                  <p:cNvGrpSpPr/>
+                  <p:nvPr/>
+                </p:nvGrpSpPr>
+                <p:grpSpPr>
+                  <a:xfrm>
+                    <a:off x="5099794" y="1581468"/>
+                    <a:ext cx="6702223" cy="4717731"/>
+                    <a:chOff x="5099794" y="1581468"/>
+                    <a:chExt cx="6702223" cy="4717731"/>
+                  </a:xfrm>
+                </p:grpSpPr>
+                <p:sp>
+                  <p:nvSpPr>
+                    <p:cNvPr id="10" name="Rectangle 9">
+                      <a:extLst>
+                        <a:ext uri="{FF2B5EF4-FFF2-40B4-BE49-F238E27FC236}">
+                          <a16:creationId xmlns:a16="http://schemas.microsoft.com/office/drawing/2014/main" id="{E8C41F0C-BF78-913B-AF93-D0FD3784F886}"/>
+                        </a:ext>
+                      </a:extLst>
+                    </p:cNvPr>
+                    <p:cNvSpPr/>
+                    <p:nvPr/>
+                  </p:nvSpPr>
+                  <p:spPr>
+                    <a:xfrm>
+                      <a:off x="5590593" y="3383334"/>
+                      <a:ext cx="1091098" cy="990599"/>
+                    </a:xfrm>
+                    <a:prstGeom prst="rect">
+                      <a:avLst/>
+                    </a:prstGeom>
+                    <a:ln/>
+                    <a:effectLst>
+                      <a:outerShdw blurRad="50800" dist="38100" dir="2700000" algn="tl" rotWithShape="0">
+                        <a:prstClr val="black">
+                          <a:alpha val="40000"/>
+                        </a:prstClr>
+                      </a:outerShdw>
+                    </a:effectLst>
+                  </p:spPr>
+                  <p:style>
+                    <a:lnRef idx="1">
+                      <a:schemeClr val="accent6"/>
+                    </a:lnRef>
+                    <a:fillRef idx="2">
+                      <a:schemeClr val="accent6"/>
+                    </a:fillRef>
+                    <a:effectRef idx="1">
+                      <a:schemeClr val="accent6"/>
+                    </a:effectRef>
+                    <a:fontRef idx="minor">
+                      <a:schemeClr val="dk1"/>
+                    </a:fontRef>
+                  </p:style>
+                  <p:txBody>
+                    <a:bodyPr rtlCol="0" anchor="ctr"/>
+                    <a:lstStyle/>
+                    <a:p>
+                      <a:pPr algn="ctr"/>
+                      <a:r>
+                        <a:rPr lang="fr-FR" sz="2800" b="1" dirty="0"/>
+                        <a:t>Linker</a:t>
+                      </a:r>
+                      <a:endParaRPr lang="fr-FR" b="1" dirty="0"/>
+                    </a:p>
+                  </p:txBody>
+                </p:sp>
+                <p:sp>
+                  <p:nvSpPr>
+                    <p:cNvPr id="11" name="Organigramme : Document 10">
+                      <a:extLst>
+                        <a:ext uri="{FF2B5EF4-FFF2-40B4-BE49-F238E27FC236}">
+                          <a16:creationId xmlns:a16="http://schemas.microsoft.com/office/drawing/2014/main" id="{3FB74472-5C52-F424-F06C-FA5F6C819840}"/>
+                        </a:ext>
+                      </a:extLst>
+                    </p:cNvPr>
+                    <p:cNvSpPr/>
+                    <p:nvPr/>
+                  </p:nvSpPr>
+                  <p:spPr>
+                    <a:xfrm>
+                      <a:off x="7576673" y="3429000"/>
+                      <a:ext cx="1251155" cy="869873"/>
+                    </a:xfrm>
+                    <a:prstGeom prst="flowChartDocument">
+                      <a:avLst/>
+                    </a:prstGeom>
+                  </p:spPr>
+                  <p:style>
+                    <a:lnRef idx="1">
+                      <a:schemeClr val="accent4"/>
+                    </a:lnRef>
+                    <a:fillRef idx="2">
+                      <a:schemeClr val="accent4"/>
+                    </a:fillRef>
+                    <a:effectRef idx="1">
+                      <a:schemeClr val="accent4"/>
+                    </a:effectRef>
+                    <a:fontRef idx="minor">
+                      <a:schemeClr val="dk1"/>
+                    </a:fontRef>
+                  </p:style>
+                  <p:txBody>
+                    <a:bodyPr rtlCol="0" anchor="ctr"/>
+                    <a:lstStyle/>
+                    <a:p>
+                      <a:pPr algn="ctr"/>
+                      <a:r>
+                        <a:rPr lang="fr-FR" sz="2400" b="1" dirty="0">
+                          <a:solidFill>
+                            <a:srgbClr val="FF0000"/>
+                          </a:solidFill>
+                          <a:effectLst/>
+                        </a:rPr>
+                        <a:t>file.exe</a:t>
+                      </a:r>
+                      <a:endParaRPr lang="fr-FR" sz="2400" dirty="0">
+                        <a:solidFill>
+                          <a:srgbClr val="FF0000"/>
+                        </a:solidFill>
+                        <a:effectLst/>
+                      </a:endParaRPr>
+                    </a:p>
+                    <a:p>
+                      <a:pPr algn="ctr"/>
+                      <a:endParaRPr lang="fr-FR" dirty="0"/>
+                    </a:p>
+                  </p:txBody>
+                </p:sp>
+                <p:sp>
+                  <p:nvSpPr>
+                    <p:cNvPr id="12" name="Rectangle 11">
+                      <a:extLst>
+                        <a:ext uri="{FF2B5EF4-FFF2-40B4-BE49-F238E27FC236}">
+                          <a16:creationId xmlns:a16="http://schemas.microsoft.com/office/drawing/2014/main" id="{EE96B821-3477-4CEA-B584-7B93111E2427}"/>
+                        </a:ext>
+                      </a:extLst>
+                    </p:cNvPr>
+                    <p:cNvSpPr/>
+                    <p:nvPr/>
+                  </p:nvSpPr>
+                  <p:spPr>
+                    <a:xfrm>
+                      <a:off x="9346410" y="1581468"/>
+                      <a:ext cx="2455607" cy="4717731"/>
+                    </a:xfrm>
+                    <a:prstGeom prst="rect">
+                      <a:avLst/>
+                    </a:prstGeom>
+                    <a:gradFill flip="none" rotWithShape="1">
+                      <a:gsLst>
+                        <a:gs pos="0">
+                          <a:schemeClr val="lt1">
+                            <a:shade val="30000"/>
+                            <a:satMod val="115000"/>
+                          </a:schemeClr>
+                        </a:gs>
+                        <a:gs pos="50000">
+                          <a:schemeClr val="lt1">
+                            <a:shade val="67500"/>
+                            <a:satMod val="115000"/>
+                          </a:schemeClr>
+                        </a:gs>
+                        <a:gs pos="100000">
+                          <a:schemeClr val="lt1">
+                            <a:shade val="100000"/>
+                            <a:satMod val="115000"/>
+                          </a:schemeClr>
+                        </a:gs>
+                      </a:gsLst>
+                      <a:path path="circle">
+                        <a:fillToRect l="50000" t="50000" r="50000" b="50000"/>
+                      </a:path>
+                      <a:tileRect/>
+                    </a:gradFill>
+                    <a:ln w="38100"/>
+                  </p:spPr>
+                  <p:style>
+                    <a:lnRef idx="2">
+                      <a:schemeClr val="accent6"/>
+                    </a:lnRef>
+                    <a:fillRef idx="1">
+                      <a:schemeClr val="lt1"/>
+                    </a:fillRef>
+                    <a:effectRef idx="0">
+                      <a:schemeClr val="accent6"/>
+                    </a:effectRef>
+                    <a:fontRef idx="minor">
+                      <a:schemeClr val="dk1"/>
+                    </a:fontRef>
+                  </p:style>
+                  <p:txBody>
+                    <a:bodyPr rtlCol="0" anchor="ctr"/>
+                    <a:lstStyle/>
+                    <a:p>
+                      <a:pPr algn="ctr"/>
+                      <a:endParaRPr lang="fr-FR" dirty="0"/>
+                    </a:p>
+                  </p:txBody>
+                </p:sp>
+                <p:sp>
+                  <p:nvSpPr>
+                    <p:cNvPr id="14" name="Organigramme : Document 13">
+                      <a:extLst>
+                        <a:ext uri="{FF2B5EF4-FFF2-40B4-BE49-F238E27FC236}">
+                          <a16:creationId xmlns:a16="http://schemas.microsoft.com/office/drawing/2014/main" id="{D15D8F1E-B645-5B2E-B3C9-68232BF29309}"/>
+                        </a:ext>
+                      </a:extLst>
+                    </p:cNvPr>
+                    <p:cNvSpPr/>
+                    <p:nvPr/>
+                  </p:nvSpPr>
+                  <p:spPr>
+                    <a:xfrm>
+                      <a:off x="9868499" y="3361124"/>
+                      <a:ext cx="1251155" cy="869873"/>
+                    </a:xfrm>
+                    <a:prstGeom prst="flowChartDocument">
+                      <a:avLst/>
+                    </a:prstGeom>
+                  </p:spPr>
+                  <p:style>
+                    <a:lnRef idx="1">
+                      <a:schemeClr val="accent4"/>
+                    </a:lnRef>
+                    <a:fillRef idx="2">
+                      <a:schemeClr val="accent4"/>
+                    </a:fillRef>
+                    <a:effectRef idx="1">
+                      <a:schemeClr val="accent4"/>
+                    </a:effectRef>
+                    <a:fontRef idx="minor">
+                      <a:schemeClr val="dk1"/>
+                    </a:fontRef>
+                  </p:style>
+                  <p:txBody>
+                    <a:bodyPr rtlCol="0" anchor="ctr"/>
+                    <a:lstStyle/>
+                    <a:p>
+                      <a:pPr algn="ctr"/>
+                      <a:r>
+                        <a:rPr lang="fr-FR" sz="2400" b="1" dirty="0">
+                          <a:solidFill>
+                            <a:srgbClr val="FF0000"/>
+                          </a:solidFill>
+                          <a:effectLst/>
+                        </a:rPr>
+                        <a:t>file.exe</a:t>
+                      </a:r>
+                      <a:endParaRPr lang="fr-FR" sz="2400" dirty="0">
+                        <a:solidFill>
+                          <a:srgbClr val="FF0000"/>
+                        </a:solidFill>
+                        <a:effectLst/>
+                      </a:endParaRPr>
+                    </a:p>
+                    <a:p>
+                      <a:pPr algn="ctr"/>
+                      <a:endParaRPr lang="fr-FR" dirty="0"/>
+                    </a:p>
+                  </p:txBody>
+                </p:sp>
+                <p:sp>
+                  <p:nvSpPr>
+                    <p:cNvPr id="18" name="Légende : flèche vers le bas 17">
+                      <a:extLst>
+                        <a:ext uri="{FF2B5EF4-FFF2-40B4-BE49-F238E27FC236}">
+                          <a16:creationId xmlns:a16="http://schemas.microsoft.com/office/drawing/2014/main" id="{77ED7CAA-FFD5-58CB-EE44-E0B000D3FE0B}"/>
+                        </a:ext>
+                      </a:extLst>
+                    </p:cNvPr>
+                    <p:cNvSpPr/>
+                    <p:nvPr/>
+                  </p:nvSpPr>
+                  <p:spPr>
+                    <a:xfrm>
+                      <a:off x="5160245" y="2740300"/>
+                      <a:ext cx="2227223" cy="553998"/>
+                    </a:xfrm>
+                    <a:prstGeom prst="downArrowCallout">
+                      <a:avLst/>
+                    </a:prstGeom>
+                    <a:ln w="19050"/>
+                  </p:spPr>
+                  <p:style>
+                    <a:lnRef idx="2">
+                      <a:schemeClr val="accent1"/>
+                    </a:lnRef>
+                    <a:fillRef idx="1">
+                      <a:schemeClr val="lt1"/>
+                    </a:fillRef>
+                    <a:effectRef idx="0">
+                      <a:schemeClr val="accent1"/>
+                    </a:effectRef>
+                    <a:fontRef idx="minor">
+                      <a:schemeClr val="dk1"/>
+                    </a:fontRef>
+                  </p:style>
+                  <p:txBody>
+                    <a:bodyPr rtlCol="0" anchor="ctr"/>
+                    <a:lstStyle/>
+                    <a:p>
+                      <a:pPr algn="ctr"/>
+                      <a:r>
+                        <a:rPr lang="fr-FR" b="1" dirty="0">
+                          <a:latin typeface="Consolas" panose="020B0609020204030204" pitchFamily="49" charset="0"/>
+                        </a:rPr>
+                        <a:t>Éditeur de liens</a:t>
+                      </a:r>
+                    </a:p>
+                  </p:txBody>
+                </p:sp>
+                <p:sp>
+                  <p:nvSpPr>
+                    <p:cNvPr id="19" name="Légende : flèche vers le bas 18">
+                      <a:extLst>
+                        <a:ext uri="{FF2B5EF4-FFF2-40B4-BE49-F238E27FC236}">
+                          <a16:creationId xmlns:a16="http://schemas.microsoft.com/office/drawing/2014/main" id="{8F919B74-D1CC-8AE9-7B45-CE0A8F1444AD}"/>
+                        </a:ext>
+                      </a:extLst>
+                    </p:cNvPr>
+                    <p:cNvSpPr/>
+                    <p:nvPr/>
+                  </p:nvSpPr>
+                  <p:spPr>
+                    <a:xfrm>
+                      <a:off x="7454115" y="2740300"/>
+                      <a:ext cx="1475751" cy="553998"/>
+                    </a:xfrm>
+                    <a:prstGeom prst="downArrowCallout">
+                      <a:avLst/>
+                    </a:prstGeom>
+                    <a:ln w="19050"/>
+                  </p:spPr>
+                  <p:style>
+                    <a:lnRef idx="2">
+                      <a:schemeClr val="accent1"/>
+                    </a:lnRef>
+                    <a:fillRef idx="1">
+                      <a:schemeClr val="lt1"/>
+                    </a:fillRef>
+                    <a:effectRef idx="0">
+                      <a:schemeClr val="accent1"/>
+                    </a:effectRef>
+                    <a:fontRef idx="minor">
+                      <a:schemeClr val="dk1"/>
+                    </a:fontRef>
+                  </p:style>
+                  <p:txBody>
+                    <a:bodyPr rtlCol="0" anchor="ctr"/>
+                    <a:lstStyle/>
+                    <a:p>
+                      <a:pPr algn="ctr"/>
+                      <a:r>
+                        <a:rPr lang="fr-FR" b="1" dirty="0">
+                          <a:latin typeface="Consolas" panose="020B0609020204030204" pitchFamily="49" charset="0"/>
+                        </a:rPr>
+                        <a:t>Exécutable </a:t>
+                      </a:r>
+                    </a:p>
+                  </p:txBody>
+                </p:sp>
+                <p:cxnSp>
+                  <p:nvCxnSpPr>
+                    <p:cNvPr id="30" name="Connecteur droit avec flèche 29">
+                      <a:extLst>
+                        <a:ext uri="{FF2B5EF4-FFF2-40B4-BE49-F238E27FC236}">
+                          <a16:creationId xmlns:a16="http://schemas.microsoft.com/office/drawing/2014/main" id="{58065DB5-1076-1991-954D-2302B141235E}"/>
+                        </a:ext>
+                      </a:extLst>
+                    </p:cNvPr>
+                    <p:cNvCxnSpPr>
+                      <a:cxnSpLocks/>
+                      <a:stCxn id="10" idx="3"/>
+                      <a:endCxn id="11" idx="1"/>
+                    </p:cNvCxnSpPr>
+                    <p:nvPr/>
+                  </p:nvCxnSpPr>
+                  <p:spPr>
+                    <a:xfrm flipV="1">
+                      <a:off x="6681691" y="3863937"/>
+                      <a:ext cx="894982" cy="14697"/>
+                    </a:xfrm>
+                    <a:prstGeom prst="straightConnector1">
+                      <a:avLst/>
+                    </a:prstGeom>
+                    <a:ln w="57150">
+                      <a:tailEnd type="triangle"/>
+                    </a:ln>
+                  </p:spPr>
+                  <p:style>
+                    <a:lnRef idx="3">
+                      <a:schemeClr val="dk1"/>
+                    </a:lnRef>
+                    <a:fillRef idx="0">
+                      <a:schemeClr val="dk1"/>
+                    </a:fillRef>
+                    <a:effectRef idx="2">
+                      <a:schemeClr val="dk1"/>
+                    </a:effectRef>
+                    <a:fontRef idx="minor">
+                      <a:schemeClr val="tx1"/>
+                    </a:fontRef>
+                  </p:style>
+                </p:cxnSp>
+                <p:cxnSp>
+                  <p:nvCxnSpPr>
+                    <p:cNvPr id="41" name="Connecteur droit avec flèche 40">
+                      <a:extLst>
+                        <a:ext uri="{FF2B5EF4-FFF2-40B4-BE49-F238E27FC236}">
+                          <a16:creationId xmlns:a16="http://schemas.microsoft.com/office/drawing/2014/main" id="{3CE30D6C-BB6D-496C-C64A-1BC6ABFAFA8E}"/>
+                        </a:ext>
+                      </a:extLst>
+                    </p:cNvPr>
+                    <p:cNvCxnSpPr>
+                      <a:cxnSpLocks/>
+                    </p:cNvCxnSpPr>
+                    <p:nvPr/>
+                  </p:nvCxnSpPr>
+                  <p:spPr>
+                    <a:xfrm>
+                      <a:off x="5099794" y="3903124"/>
+                      <a:ext cx="540000" cy="0"/>
+                    </a:xfrm>
+                    <a:prstGeom prst="straightConnector1">
+                      <a:avLst/>
+                    </a:prstGeom>
+                    <a:ln w="57150">
+                      <a:tailEnd type="triangle"/>
+                    </a:ln>
+                  </p:spPr>
+                  <p:style>
+                    <a:lnRef idx="3">
+                      <a:schemeClr val="dk1"/>
+                    </a:lnRef>
+                    <a:fillRef idx="0">
+                      <a:schemeClr val="dk1"/>
+                    </a:fillRef>
+                    <a:effectRef idx="2">
+                      <a:schemeClr val="dk1"/>
+                    </a:effectRef>
+                    <a:fontRef idx="minor">
+                      <a:schemeClr val="tx1"/>
+                    </a:fontRef>
+                  </p:style>
+                </p:cxnSp>
+                <p:sp>
+                  <p:nvSpPr>
+                    <p:cNvPr id="46" name="Flèche : droite à entaille 45">
+                      <a:extLst>
+                        <a:ext uri="{FF2B5EF4-FFF2-40B4-BE49-F238E27FC236}">
+                          <a16:creationId xmlns:a16="http://schemas.microsoft.com/office/drawing/2014/main" id="{8E695962-43F1-F80F-1E62-1786527F76F9}"/>
+                        </a:ext>
+                      </a:extLst>
+                    </p:cNvPr>
+                    <p:cNvSpPr/>
+                    <p:nvPr/>
+                  </p:nvSpPr>
+                  <p:spPr>
+                    <a:xfrm>
+                      <a:off x="8870028" y="3458071"/>
+                      <a:ext cx="864000" cy="582097"/>
+                    </a:xfrm>
+                    <a:prstGeom prst="notchedRightArrow">
+                      <a:avLst/>
+                    </a:prstGeom>
+                    <a:ln>
+                      <a:solidFill>
+                        <a:srgbClr val="FF0000"/>
+                      </a:solidFill>
+                    </a:ln>
+                  </p:spPr>
+                  <p:style>
+                    <a:lnRef idx="1">
+                      <a:schemeClr val="accent4"/>
+                    </a:lnRef>
+                    <a:fillRef idx="2">
+                      <a:schemeClr val="accent4"/>
+                    </a:fillRef>
+                    <a:effectRef idx="1">
+                      <a:schemeClr val="accent4"/>
+                    </a:effectRef>
+                    <a:fontRef idx="minor">
+                      <a:schemeClr val="dk1"/>
+                    </a:fontRef>
+                  </p:style>
+                  <p:txBody>
+                    <a:bodyPr rtlCol="0" anchor="ctr"/>
+                    <a:lstStyle/>
+                    <a:p>
+                      <a:pPr algn="ctr"/>
+                      <a:endParaRPr lang="fr-FR"/>
+                    </a:p>
+                  </p:txBody>
+                </p:sp>
+              </p:grpSp>
+            </p:grpSp>
+          </p:grpSp>
+        </p:grpSp>
+        <p:sp>
+          <p:nvSpPr>
+            <p:cNvPr id="34" name="Légende : flèche vers la gauche 33">
+              <a:extLst>
+                <a:ext uri="{FF2B5EF4-FFF2-40B4-BE49-F238E27FC236}">
+                  <a16:creationId xmlns:a16="http://schemas.microsoft.com/office/drawing/2014/main" id="{BDFEDC9F-6915-A955-C3EC-3A1EFC53AC0D}"/>
+                </a:ext>
+              </a:extLst>
+            </p:cNvPr>
+            <p:cNvSpPr/>
+            <p:nvPr/>
+          </p:nvSpPr>
+          <p:spPr>
+            <a:xfrm>
+              <a:off x="1526960" y="1633132"/>
+              <a:ext cx="2219906" cy="821854"/>
+            </a:xfrm>
+            <a:prstGeom prst="leftArrowCallout">
+              <a:avLst>
+                <a:gd name="adj1" fmla="val 17982"/>
+                <a:gd name="adj2" fmla="val 24114"/>
+                <a:gd name="adj3" fmla="val 28935"/>
+                <a:gd name="adj4" fmla="val 75868"/>
+              </a:avLst>
+            </a:prstGeom>
+            <a:ln w="6350">
+              <a:prstDash val="dash"/>
+            </a:ln>
+          </p:spPr>
+          <p:style>
+            <a:lnRef idx="2">
+              <a:schemeClr val="dk1"/>
+            </a:lnRef>
+            <a:fillRef idx="1">
+              <a:schemeClr val="lt1"/>
+            </a:fillRef>
+            <a:effectRef idx="0">
+              <a:schemeClr val="dk1"/>
+            </a:effectRef>
+            <a:fontRef idx="minor">
+              <a:schemeClr val="dk1"/>
+            </a:fontRef>
+          </p:style>
+          <p:txBody>
+            <a:bodyPr rtlCol="0" anchor="ctr"/>
+            <a:lstStyle/>
+            <a:p>
+              <a:pPr algn="ctr"/>
+              <a:r>
+                <a:rPr lang="fr-FR" sz="1600" dirty="0">
+                  <a:latin typeface="+mj-lt"/>
+                </a:rPr>
+                <a:t>La fonction Main() appelle 2 fonctions</a:t>
+              </a:r>
+            </a:p>
+          </p:txBody>
+        </p:sp>
+      </p:grpSp>
     </p:spTree>
     <p:extLst>
       <p:ext uri="{BB962C8B-B14F-4D97-AF65-F5344CB8AC3E}">

--- a/javaInstall/Installer l’environnement de développement java.pptx
+++ b/javaInstall/Installer l’environnement de développement java.pptx
@@ -5,7 +5,7 @@
     <p:sldMasterId id="2147483648" r:id="rId1"/>
   </p:sldMasterIdLst>
   <p:notesMasterIdLst>
-    <p:notesMasterId r:id="rId8"/>
+    <p:notesMasterId r:id="rId9"/>
   </p:notesMasterIdLst>
   <p:sldIdLst>
     <p:sldId id="256" r:id="rId2"/>
@@ -14,6 +14,7 @@
     <p:sldId id="259" r:id="rId5"/>
     <p:sldId id="262" r:id="rId6"/>
     <p:sldId id="260" r:id="rId7"/>
+    <p:sldId id="263" r:id="rId8"/>
   </p:sldIdLst>
   <p:sldSz cx="12192000" cy="6858000"/>
   <p:notesSz cx="6858000" cy="9144000"/>
@@ -21195,7 +21196,7 @@
           <a:p>
             <a:fld id="{B90E612B-ABFC-483B-8FD6-3A66F3F14A33}" type="datetimeFigureOut">
               <a:rPr lang="fr-FR" smtClean="0"/>
-              <a:t>lundi  18  juillet  2022</a:t>
+              <a:t>jeudi  21  juillet  2022</a:t>
             </a:fld>
             <a:endParaRPr lang="fr-FR"/>
           </a:p>
@@ -21777,7 +21778,7 @@
           <a:p>
             <a:fld id="{236E9A6A-4BD2-4507-B204-3622F939856A}" type="datetimeFigureOut">
               <a:rPr lang="fr-FR" smtClean="0"/>
-              <a:t>lundi  18  juillet  2022</a:t>
+              <a:t>jeudi  21  juillet  2022</a:t>
             </a:fld>
             <a:endParaRPr lang="fr-FR"/>
           </a:p>
@@ -21975,7 +21976,7 @@
           <a:p>
             <a:fld id="{236E9A6A-4BD2-4507-B204-3622F939856A}" type="datetimeFigureOut">
               <a:rPr lang="fr-FR" smtClean="0"/>
-              <a:t>lundi  18  juillet  2022</a:t>
+              <a:t>jeudi  21  juillet  2022</a:t>
             </a:fld>
             <a:endParaRPr lang="fr-FR"/>
           </a:p>
@@ -22183,7 +22184,7 @@
           <a:p>
             <a:fld id="{236E9A6A-4BD2-4507-B204-3622F939856A}" type="datetimeFigureOut">
               <a:rPr lang="fr-FR" smtClean="0"/>
-              <a:t>lundi  18  juillet  2022</a:t>
+              <a:t>jeudi  21  juillet  2022</a:t>
             </a:fld>
             <a:endParaRPr lang="fr-FR"/>
           </a:p>
@@ -22381,7 +22382,7 @@
           <a:p>
             <a:fld id="{236E9A6A-4BD2-4507-B204-3622F939856A}" type="datetimeFigureOut">
               <a:rPr lang="fr-FR" smtClean="0"/>
-              <a:t>lundi  18  juillet  2022</a:t>
+              <a:t>jeudi  21  juillet  2022</a:t>
             </a:fld>
             <a:endParaRPr lang="fr-FR"/>
           </a:p>
@@ -22656,7 +22657,7 @@
           <a:p>
             <a:fld id="{236E9A6A-4BD2-4507-B204-3622F939856A}" type="datetimeFigureOut">
               <a:rPr lang="fr-FR" smtClean="0"/>
-              <a:t>lundi  18  juillet  2022</a:t>
+              <a:t>jeudi  21  juillet  2022</a:t>
             </a:fld>
             <a:endParaRPr lang="fr-FR"/>
           </a:p>
@@ -22921,7 +22922,7 @@
           <a:p>
             <a:fld id="{236E9A6A-4BD2-4507-B204-3622F939856A}" type="datetimeFigureOut">
               <a:rPr lang="fr-FR" smtClean="0"/>
-              <a:t>lundi  18  juillet  2022</a:t>
+              <a:t>jeudi  21  juillet  2022</a:t>
             </a:fld>
             <a:endParaRPr lang="fr-FR"/>
           </a:p>
@@ -23333,7 +23334,7 @@
           <a:p>
             <a:fld id="{236E9A6A-4BD2-4507-B204-3622F939856A}" type="datetimeFigureOut">
               <a:rPr lang="fr-FR" smtClean="0"/>
-              <a:t>lundi  18  juillet  2022</a:t>
+              <a:t>jeudi  21  juillet  2022</a:t>
             </a:fld>
             <a:endParaRPr lang="fr-FR"/>
           </a:p>
@@ -23474,7 +23475,7 @@
           <a:p>
             <a:fld id="{236E9A6A-4BD2-4507-B204-3622F939856A}" type="datetimeFigureOut">
               <a:rPr lang="fr-FR" smtClean="0"/>
-              <a:t>lundi  18  juillet  2022</a:t>
+              <a:t>jeudi  21  juillet  2022</a:t>
             </a:fld>
             <a:endParaRPr lang="fr-FR"/>
           </a:p>
@@ -23587,7 +23588,7 @@
           <a:p>
             <a:fld id="{236E9A6A-4BD2-4507-B204-3622F939856A}" type="datetimeFigureOut">
               <a:rPr lang="fr-FR" smtClean="0"/>
-              <a:t>lundi  18  juillet  2022</a:t>
+              <a:t>jeudi  21  juillet  2022</a:t>
             </a:fld>
             <a:endParaRPr lang="fr-FR"/>
           </a:p>
@@ -23898,7 +23899,7 @@
           <a:p>
             <a:fld id="{236E9A6A-4BD2-4507-B204-3622F939856A}" type="datetimeFigureOut">
               <a:rPr lang="fr-FR" smtClean="0"/>
-              <a:t>lundi  18  juillet  2022</a:t>
+              <a:t>jeudi  21  juillet  2022</a:t>
             </a:fld>
             <a:endParaRPr lang="fr-FR"/>
           </a:p>
@@ -24186,7 +24187,7 @@
           <a:p>
             <a:fld id="{236E9A6A-4BD2-4507-B204-3622F939856A}" type="datetimeFigureOut">
               <a:rPr lang="fr-FR" smtClean="0"/>
-              <a:t>lundi  18  juillet  2022</a:t>
+              <a:t>jeudi  21  juillet  2022</a:t>
             </a:fld>
             <a:endParaRPr lang="fr-FR"/>
           </a:p>
@@ -24427,7 +24428,7 @@
           <a:p>
             <a:fld id="{236E9A6A-4BD2-4507-B204-3622F939856A}" type="datetimeFigureOut">
               <a:rPr lang="fr-FR" smtClean="0"/>
-              <a:t>lundi  18  juillet  2022</a:t>
+              <a:t>jeudi  21  juillet  2022</a:t>
             </a:fld>
             <a:endParaRPr lang="fr-FR"/>
           </a:p>
@@ -29134,6 +29135,538 @@
             <a:pPr algn="ctr"/>
             <a:r>
               <a:rPr lang="fr-FR" sz="2800" b="1" dirty="0"/>
+              <a:t>JVM dépendance</a:t>
+            </a:r>
+          </a:p>
+        </p:txBody>
+      </p:sp>
+      <p:grpSp>
+        <p:nvGrpSpPr>
+          <p:cNvPr id="14" name="Groupe 13">
+            <a:extLst>
+              <a:ext uri="{FF2B5EF4-FFF2-40B4-BE49-F238E27FC236}">
+                <a16:creationId xmlns:a16="http://schemas.microsoft.com/office/drawing/2014/main" id="{A0DF63A7-3D63-A297-046A-2DE666D77B01}"/>
+              </a:ext>
+            </a:extLst>
+          </p:cNvPr>
+          <p:cNvGrpSpPr/>
+          <p:nvPr/>
+        </p:nvGrpSpPr>
+        <p:grpSpPr>
+          <a:xfrm>
+            <a:off x="3483076" y="1017891"/>
+            <a:ext cx="5225847" cy="2037487"/>
+            <a:chOff x="2979174" y="1303026"/>
+            <a:chExt cx="5225847" cy="2037487"/>
+          </a:xfrm>
+        </p:grpSpPr>
+        <p:sp>
+          <p:nvSpPr>
+            <p:cNvPr id="5" name="Ellipse 4">
+              <a:extLst>
+                <a:ext uri="{FF2B5EF4-FFF2-40B4-BE49-F238E27FC236}">
+                  <a16:creationId xmlns:a16="http://schemas.microsoft.com/office/drawing/2014/main" id="{19EFB271-0BE8-D8A8-04B6-97BDC6F783AC}"/>
+                </a:ext>
+              </a:extLst>
+            </p:cNvPr>
+            <p:cNvSpPr/>
+            <p:nvPr/>
+          </p:nvSpPr>
+          <p:spPr>
+            <a:xfrm>
+              <a:off x="3313470" y="1316293"/>
+              <a:ext cx="1347019" cy="924232"/>
+            </a:xfrm>
+            <a:prstGeom prst="ellipse">
+              <a:avLst/>
+            </a:prstGeom>
+          </p:spPr>
+          <p:style>
+            <a:lnRef idx="1">
+              <a:schemeClr val="accent6"/>
+            </a:lnRef>
+            <a:fillRef idx="2">
+              <a:schemeClr val="accent6"/>
+            </a:fillRef>
+            <a:effectRef idx="1">
+              <a:schemeClr val="accent6"/>
+            </a:effectRef>
+            <a:fontRef idx="minor">
+              <a:schemeClr val="dk1"/>
+            </a:fontRef>
+          </p:style>
+          <p:txBody>
+            <a:bodyPr rtlCol="0" anchor="ctr"/>
+            <a:lstStyle/>
+            <a:p>
+              <a:pPr algn="ctr"/>
+              <a:r>
+                <a:rPr lang="fr-FR" sz="2000" b="1" dirty="0"/>
+                <a:t>JVM</a:t>
+              </a:r>
+              <a:endParaRPr lang="fr-FR" b="1" dirty="0"/>
+            </a:p>
+          </p:txBody>
+        </p:sp>
+        <p:sp>
+          <p:nvSpPr>
+            <p:cNvPr id="6" name="Ellipse 5">
+              <a:extLst>
+                <a:ext uri="{FF2B5EF4-FFF2-40B4-BE49-F238E27FC236}">
+                  <a16:creationId xmlns:a16="http://schemas.microsoft.com/office/drawing/2014/main" id="{9F35299C-3E1C-8ADB-333E-D07093960B4C}"/>
+                </a:ext>
+              </a:extLst>
+            </p:cNvPr>
+            <p:cNvSpPr/>
+            <p:nvPr/>
+          </p:nvSpPr>
+          <p:spPr>
+            <a:xfrm>
+              <a:off x="4955459" y="1305848"/>
+              <a:ext cx="1347019" cy="924232"/>
+            </a:xfrm>
+            <a:prstGeom prst="ellipse">
+              <a:avLst/>
+            </a:prstGeom>
+          </p:spPr>
+          <p:style>
+            <a:lnRef idx="1">
+              <a:schemeClr val="accent6"/>
+            </a:lnRef>
+            <a:fillRef idx="2">
+              <a:schemeClr val="accent6"/>
+            </a:fillRef>
+            <a:effectRef idx="1">
+              <a:schemeClr val="accent6"/>
+            </a:effectRef>
+            <a:fontRef idx="minor">
+              <a:schemeClr val="dk1"/>
+            </a:fontRef>
+          </p:style>
+          <p:txBody>
+            <a:bodyPr rtlCol="0" anchor="ctr"/>
+            <a:lstStyle/>
+            <a:p>
+              <a:pPr algn="ctr"/>
+              <a:r>
+                <a:rPr lang="fr-FR" sz="2000" b="1" dirty="0"/>
+                <a:t>JRE</a:t>
+              </a:r>
+            </a:p>
+          </p:txBody>
+        </p:sp>
+        <p:sp>
+          <p:nvSpPr>
+            <p:cNvPr id="7" name="Ellipse 6">
+              <a:extLst>
+                <a:ext uri="{FF2B5EF4-FFF2-40B4-BE49-F238E27FC236}">
+                  <a16:creationId xmlns:a16="http://schemas.microsoft.com/office/drawing/2014/main" id="{4A3C560E-DBC6-A492-C9AA-8125FCC0233D}"/>
+                </a:ext>
+              </a:extLst>
+            </p:cNvPr>
+            <p:cNvSpPr/>
+            <p:nvPr/>
+          </p:nvSpPr>
+          <p:spPr>
+            <a:xfrm>
+              <a:off x="6538452" y="1303026"/>
+              <a:ext cx="1347019" cy="924232"/>
+            </a:xfrm>
+            <a:prstGeom prst="ellipse">
+              <a:avLst/>
+            </a:prstGeom>
+          </p:spPr>
+          <p:style>
+            <a:lnRef idx="1">
+              <a:schemeClr val="accent6"/>
+            </a:lnRef>
+            <a:fillRef idx="2">
+              <a:schemeClr val="accent6"/>
+            </a:fillRef>
+            <a:effectRef idx="1">
+              <a:schemeClr val="accent6"/>
+            </a:effectRef>
+            <a:fontRef idx="minor">
+              <a:schemeClr val="dk1"/>
+            </a:fontRef>
+          </p:style>
+          <p:txBody>
+            <a:bodyPr rtlCol="0" anchor="ctr"/>
+            <a:lstStyle/>
+            <a:p>
+              <a:pPr algn="ctr"/>
+              <a:r>
+                <a:rPr lang="fr-FR" sz="2000" b="1" dirty="0"/>
+                <a:t>JDK</a:t>
+              </a:r>
+            </a:p>
+          </p:txBody>
+        </p:sp>
+        <p:cxnSp>
+          <p:nvCxnSpPr>
+            <p:cNvPr id="9" name="Connecteur droit 8">
+              <a:extLst>
+                <a:ext uri="{FF2B5EF4-FFF2-40B4-BE49-F238E27FC236}">
+                  <a16:creationId xmlns:a16="http://schemas.microsoft.com/office/drawing/2014/main" id="{F0B54F1A-51D7-2D3A-F1CD-915FC9639C9B}"/>
+                </a:ext>
+              </a:extLst>
+            </p:cNvPr>
+            <p:cNvCxnSpPr>
+              <a:cxnSpLocks/>
+              <a:stCxn id="5" idx="4"/>
+            </p:cNvCxnSpPr>
+            <p:nvPr/>
+          </p:nvCxnSpPr>
+          <p:spPr>
+            <a:xfrm>
+              <a:off x="3986980" y="2240525"/>
+              <a:ext cx="0" cy="663841"/>
+            </a:xfrm>
+            <a:prstGeom prst="line">
+              <a:avLst/>
+            </a:prstGeom>
+            <a:ln w="76200"/>
+          </p:spPr>
+          <p:style>
+            <a:lnRef idx="3">
+              <a:schemeClr val="accent2"/>
+            </a:lnRef>
+            <a:fillRef idx="0">
+              <a:schemeClr val="accent2"/>
+            </a:fillRef>
+            <a:effectRef idx="2">
+              <a:schemeClr val="accent2"/>
+            </a:effectRef>
+            <a:fontRef idx="minor">
+              <a:schemeClr val="tx1"/>
+            </a:fontRef>
+          </p:style>
+        </p:cxnSp>
+        <p:cxnSp>
+          <p:nvCxnSpPr>
+            <p:cNvPr id="10" name="Connecteur droit 9">
+              <a:extLst>
+                <a:ext uri="{FF2B5EF4-FFF2-40B4-BE49-F238E27FC236}">
+                  <a16:creationId xmlns:a16="http://schemas.microsoft.com/office/drawing/2014/main" id="{350A2B13-CD13-7DD5-6E39-DADF31F3D775}"/>
+                </a:ext>
+              </a:extLst>
+            </p:cNvPr>
+            <p:cNvCxnSpPr>
+              <a:cxnSpLocks/>
+            </p:cNvCxnSpPr>
+            <p:nvPr/>
+          </p:nvCxnSpPr>
+          <p:spPr>
+            <a:xfrm>
+              <a:off x="5628968" y="2246582"/>
+              <a:ext cx="0" cy="634071"/>
+            </a:xfrm>
+            <a:prstGeom prst="line">
+              <a:avLst/>
+            </a:prstGeom>
+            <a:ln w="76200"/>
+          </p:spPr>
+          <p:style>
+            <a:lnRef idx="3">
+              <a:schemeClr val="accent2"/>
+            </a:lnRef>
+            <a:fillRef idx="0">
+              <a:schemeClr val="accent2"/>
+            </a:fillRef>
+            <a:effectRef idx="2">
+              <a:schemeClr val="accent2"/>
+            </a:effectRef>
+            <a:fontRef idx="minor">
+              <a:schemeClr val="tx1"/>
+            </a:fontRef>
+          </p:style>
+        </p:cxnSp>
+        <p:cxnSp>
+          <p:nvCxnSpPr>
+            <p:cNvPr id="11" name="Connecteur droit 10">
+              <a:extLst>
+                <a:ext uri="{FF2B5EF4-FFF2-40B4-BE49-F238E27FC236}">
+                  <a16:creationId xmlns:a16="http://schemas.microsoft.com/office/drawing/2014/main" id="{29266BEF-FEAA-6366-3941-7D3A66DB1066}"/>
+                </a:ext>
+              </a:extLst>
+            </p:cNvPr>
+            <p:cNvCxnSpPr/>
+            <p:nvPr/>
+          </p:nvCxnSpPr>
+          <p:spPr>
+            <a:xfrm flipH="1">
+              <a:off x="7211964" y="2151837"/>
+              <a:ext cx="1" cy="728816"/>
+            </a:xfrm>
+            <a:prstGeom prst="line">
+              <a:avLst/>
+            </a:prstGeom>
+            <a:ln w="76200"/>
+          </p:spPr>
+          <p:style>
+            <a:lnRef idx="3">
+              <a:schemeClr val="accent2"/>
+            </a:lnRef>
+            <a:fillRef idx="0">
+              <a:schemeClr val="accent2"/>
+            </a:fillRef>
+            <a:effectRef idx="2">
+              <a:schemeClr val="accent2"/>
+            </a:effectRef>
+            <a:fontRef idx="minor">
+              <a:schemeClr val="tx1"/>
+            </a:fontRef>
+          </p:style>
+        </p:cxnSp>
+        <p:sp>
+          <p:nvSpPr>
+            <p:cNvPr id="4" name="Rectangle 3">
+              <a:extLst>
+                <a:ext uri="{FF2B5EF4-FFF2-40B4-BE49-F238E27FC236}">
+                  <a16:creationId xmlns:a16="http://schemas.microsoft.com/office/drawing/2014/main" id="{A3B177EC-83B9-FA94-ED24-81CDEC4DD38C}"/>
+                </a:ext>
+              </a:extLst>
+            </p:cNvPr>
+            <p:cNvSpPr/>
+            <p:nvPr/>
+          </p:nvSpPr>
+          <p:spPr>
+            <a:xfrm>
+              <a:off x="2979174" y="2825097"/>
+              <a:ext cx="5225847" cy="515416"/>
+            </a:xfrm>
+            <a:prstGeom prst="rect">
+              <a:avLst/>
+            </a:prstGeom>
+            <a:gradFill flip="none" rotWithShape="1">
+              <a:gsLst>
+                <a:gs pos="0">
+                  <a:schemeClr val="lt1">
+                    <a:shade val="30000"/>
+                    <a:satMod val="115000"/>
+                  </a:schemeClr>
+                </a:gs>
+                <a:gs pos="50000">
+                  <a:schemeClr val="lt1">
+                    <a:shade val="67500"/>
+                    <a:satMod val="115000"/>
+                  </a:schemeClr>
+                </a:gs>
+                <a:gs pos="100000">
+                  <a:schemeClr val="lt1">
+                    <a:shade val="100000"/>
+                    <a:satMod val="115000"/>
+                  </a:schemeClr>
+                </a:gs>
+              </a:gsLst>
+              <a:lin ang="16200000" scaled="1"/>
+              <a:tileRect/>
+            </a:gradFill>
+          </p:spPr>
+          <p:style>
+            <a:lnRef idx="2">
+              <a:schemeClr val="accent2"/>
+            </a:lnRef>
+            <a:fillRef idx="1">
+              <a:schemeClr val="lt1"/>
+            </a:fillRef>
+            <a:effectRef idx="0">
+              <a:schemeClr val="accent2"/>
+            </a:effectRef>
+            <a:fontRef idx="minor">
+              <a:schemeClr val="dk1"/>
+            </a:fontRef>
+          </p:style>
+          <p:txBody>
+            <a:bodyPr rtlCol="0" anchor="ctr"/>
+            <a:lstStyle/>
+            <a:p>
+              <a:pPr algn="ctr"/>
+              <a:r>
+                <a:rPr lang="fr-FR" sz="2400" b="1" dirty="0">
+                  <a:solidFill>
+                    <a:srgbClr val="FF0000"/>
+                  </a:solidFill>
+                  <a:effectLst/>
+                  <a:latin typeface="Calibri" panose="020F0502020204030204" pitchFamily="34" charset="0"/>
+                  <a:ea typeface="Calibri" panose="020F0502020204030204" pitchFamily="34" charset="0"/>
+                  <a:cs typeface="Arial" panose="020B0604020202020204" pitchFamily="34" charset="0"/>
+                </a:rPr>
+                <a:t>Dépendants  de la plateforme</a:t>
+              </a:r>
+              <a:endParaRPr lang="fr-FR" sz="2400" b="1" dirty="0">
+                <a:solidFill>
+                  <a:srgbClr val="FF0000"/>
+                </a:solidFill>
+              </a:endParaRPr>
+            </a:p>
+          </p:txBody>
+        </p:sp>
+      </p:grpSp>
+      <p:pic>
+        <p:nvPicPr>
+          <p:cNvPr id="12" name="Image 11">
+            <a:extLst>
+              <a:ext uri="{FF2B5EF4-FFF2-40B4-BE49-F238E27FC236}">
+                <a16:creationId xmlns:a16="http://schemas.microsoft.com/office/drawing/2014/main" id="{28425094-6A46-6685-98B6-372BA39397C5}"/>
+              </a:ext>
+            </a:extLst>
+          </p:cNvPr>
+          <p:cNvPicPr>
+            <a:picLocks noChangeAspect="1"/>
+          </p:cNvPicPr>
+          <p:nvPr/>
+        </p:nvPicPr>
+        <p:blipFill>
+          <a:blip r:embed="rId2">
+            <a:extLst>
+              <a:ext uri="{28A0092B-C50C-407E-A947-70E740481C1C}">
+                <a14:useLocalDpi xmlns:a14="http://schemas.microsoft.com/office/drawing/2010/main" val="0"/>
+              </a:ext>
+            </a:extLst>
+          </a:blip>
+          <a:stretch>
+            <a:fillRect/>
+          </a:stretch>
+        </p:blipFill>
+        <p:spPr>
+          <a:xfrm>
+            <a:off x="5164391" y="3650395"/>
+            <a:ext cx="1501683" cy="1732847"/>
+          </a:xfrm>
+          <a:prstGeom prst="rect">
+            <a:avLst/>
+          </a:prstGeom>
+        </p:spPr>
+      </p:pic>
+      <p:sp>
+        <p:nvSpPr>
+          <p:cNvPr id="13" name="Rectangle 12">
+            <a:extLst>
+              <a:ext uri="{FF2B5EF4-FFF2-40B4-BE49-F238E27FC236}">
+                <a16:creationId xmlns:a16="http://schemas.microsoft.com/office/drawing/2014/main" id="{A6209EFF-B63A-C810-0626-732F552D4625}"/>
+              </a:ext>
+            </a:extLst>
+          </p:cNvPr>
+          <p:cNvSpPr/>
+          <p:nvPr/>
+        </p:nvSpPr>
+        <p:spPr>
+          <a:xfrm>
+            <a:off x="3746089" y="5383242"/>
+            <a:ext cx="4195920" cy="515416"/>
+          </a:xfrm>
+          <a:prstGeom prst="rect">
+            <a:avLst/>
+          </a:prstGeom>
+          <a:solidFill>
+            <a:srgbClr val="CCFF99"/>
+          </a:solidFill>
+        </p:spPr>
+        <p:style>
+          <a:lnRef idx="2">
+            <a:schemeClr val="accent2"/>
+          </a:lnRef>
+          <a:fillRef idx="1">
+            <a:schemeClr val="lt1"/>
+          </a:fillRef>
+          <a:effectRef idx="0">
+            <a:schemeClr val="accent2"/>
+          </a:effectRef>
+          <a:fontRef idx="minor">
+            <a:schemeClr val="dk1"/>
+          </a:fontRef>
+        </p:style>
+        <p:txBody>
+          <a:bodyPr rtlCol="0" anchor="ctr"/>
+          <a:lstStyle/>
+          <a:p>
+            <a:pPr algn="ctr"/>
+            <a:r>
+              <a:rPr lang="fr-FR" sz="2400" b="1" dirty="0">
+                <a:solidFill>
+                  <a:schemeClr val="accent6">
+                    <a:lumMod val="75000"/>
+                  </a:schemeClr>
+                </a:solidFill>
+                <a:effectLst/>
+                <a:latin typeface="Calibri" panose="020F0502020204030204" pitchFamily="34" charset="0"/>
+                <a:ea typeface="Calibri" panose="020F0502020204030204" pitchFamily="34" charset="0"/>
+                <a:cs typeface="Arial" panose="020B0604020202020204" pitchFamily="34" charset="0"/>
+              </a:rPr>
+              <a:t>indépendant  de la plateforme</a:t>
+            </a:r>
+            <a:endParaRPr lang="fr-FR" sz="2400" b="1" dirty="0">
+              <a:solidFill>
+                <a:schemeClr val="accent6">
+                  <a:lumMod val="75000"/>
+                </a:schemeClr>
+              </a:solidFill>
+            </a:endParaRPr>
+          </a:p>
+        </p:txBody>
+      </p:sp>
+    </p:spTree>
+    <p:extLst>
+      <p:ext uri="{BB962C8B-B14F-4D97-AF65-F5344CB8AC3E}">
+        <p14:creationId xmlns:p14="http://schemas.microsoft.com/office/powerpoint/2010/main" val="1891610293"/>
+      </p:ext>
+    </p:extLst>
+  </p:cSld>
+  <p:clrMapOvr>
+    <a:masterClrMapping/>
+  </p:clrMapOvr>
+</p:sld>
+</file>
+
+<file path=ppt/slides/slide7.xml><?xml version="1.0" encoding="utf-8"?>
+<p:sld xmlns:a="http://schemas.openxmlformats.org/drawingml/2006/main" xmlns:r="http://schemas.openxmlformats.org/officeDocument/2006/relationships" xmlns:p="http://schemas.openxmlformats.org/presentationml/2006/main">
+  <p:cSld>
+    <p:spTree>
+      <p:nvGrpSpPr>
+        <p:cNvPr id="1" name=""/>
+        <p:cNvGrpSpPr/>
+        <p:nvPr/>
+      </p:nvGrpSpPr>
+      <p:grpSpPr>
+        <a:xfrm>
+          <a:off x="0" y="0"/>
+          <a:ext cx="0" cy="0"/>
+          <a:chOff x="0" y="0"/>
+          <a:chExt cx="0" cy="0"/>
+        </a:xfrm>
+      </p:grpSpPr>
+      <p:sp>
+        <p:nvSpPr>
+          <p:cNvPr id="2" name="Titre 1">
+            <a:extLst>
+              <a:ext uri="{FF2B5EF4-FFF2-40B4-BE49-F238E27FC236}">
+                <a16:creationId xmlns:a16="http://schemas.microsoft.com/office/drawing/2014/main" id="{58BF5858-B382-4ADA-7190-96494181BC03}"/>
+              </a:ext>
+            </a:extLst>
+          </p:cNvPr>
+          <p:cNvSpPr>
+            <a:spLocks noGrp="1"/>
+          </p:cNvSpPr>
+          <p:nvPr>
+            <p:ph type="title"/>
+          </p:nvPr>
+        </p:nvSpPr>
+        <p:spPr>
+          <a:xfrm>
+            <a:off x="838200" y="365126"/>
+            <a:ext cx="10515600" cy="387910"/>
+          </a:xfrm>
+        </p:spPr>
+        <p:txBody>
+          <a:bodyPr>
+            <a:normAutofit fontScale="90000"/>
+          </a:bodyPr>
+          <a:lstStyle/>
+          <a:p>
+            <a:pPr algn="ctr"/>
+            <a:r>
+              <a:rPr lang="fr-FR" sz="2800" b="1" dirty="0"/>
               <a:t>Title 1</a:t>
             </a:r>
           </a:p>
@@ -29167,7 +29700,7 @@
     </p:spTree>
     <p:extLst>
       <p:ext uri="{BB962C8B-B14F-4D97-AF65-F5344CB8AC3E}">
-        <p14:creationId xmlns:p14="http://schemas.microsoft.com/office/powerpoint/2010/main" val="1891610293"/>
+        <p14:creationId xmlns:p14="http://schemas.microsoft.com/office/powerpoint/2010/main" val="2469701942"/>
       </p:ext>
     </p:extLst>
   </p:cSld>

--- a/javaInstall/Installer l’environnement de développement java.pptx
+++ b/javaInstall/Installer l’environnement de développement java.pptx
@@ -5,7 +5,7 @@
     <p:sldMasterId id="2147483648" r:id="rId1"/>
   </p:sldMasterIdLst>
   <p:notesMasterIdLst>
-    <p:notesMasterId r:id="rId9"/>
+    <p:notesMasterId r:id="rId10"/>
   </p:notesMasterIdLst>
   <p:sldIdLst>
     <p:sldId id="256" r:id="rId2"/>
@@ -14,7 +14,8 @@
     <p:sldId id="259" r:id="rId5"/>
     <p:sldId id="262" r:id="rId6"/>
     <p:sldId id="260" r:id="rId7"/>
-    <p:sldId id="263" r:id="rId8"/>
+    <p:sldId id="265" r:id="rId8"/>
+    <p:sldId id="264" r:id="rId9"/>
   </p:sldIdLst>
   <p:sldSz cx="12192000" cy="6858000"/>
   <p:notesSz cx="6858000" cy="9144000"/>
@@ -21196,7 +21197,7 @@
           <a:p>
             <a:fld id="{B90E612B-ABFC-483B-8FD6-3A66F3F14A33}" type="datetimeFigureOut">
               <a:rPr lang="fr-FR" smtClean="0"/>
-              <a:t>jeudi  21  juillet  2022</a:t>
+              <a:t>vendredi  22  juillet  2022</a:t>
             </a:fld>
             <a:endParaRPr lang="fr-FR"/>
           </a:p>
@@ -21778,7 +21779,7 @@
           <a:p>
             <a:fld id="{236E9A6A-4BD2-4507-B204-3622F939856A}" type="datetimeFigureOut">
               <a:rPr lang="fr-FR" smtClean="0"/>
-              <a:t>jeudi  21  juillet  2022</a:t>
+              <a:t>vendredi  22  juillet  2022</a:t>
             </a:fld>
             <a:endParaRPr lang="fr-FR"/>
           </a:p>
@@ -21976,7 +21977,7 @@
           <a:p>
             <a:fld id="{236E9A6A-4BD2-4507-B204-3622F939856A}" type="datetimeFigureOut">
               <a:rPr lang="fr-FR" smtClean="0"/>
-              <a:t>jeudi  21  juillet  2022</a:t>
+              <a:t>vendredi  22  juillet  2022</a:t>
             </a:fld>
             <a:endParaRPr lang="fr-FR"/>
           </a:p>
@@ -22184,7 +22185,7 @@
           <a:p>
             <a:fld id="{236E9A6A-4BD2-4507-B204-3622F939856A}" type="datetimeFigureOut">
               <a:rPr lang="fr-FR" smtClean="0"/>
-              <a:t>jeudi  21  juillet  2022</a:t>
+              <a:t>vendredi  22  juillet  2022</a:t>
             </a:fld>
             <a:endParaRPr lang="fr-FR"/>
           </a:p>
@@ -22382,7 +22383,7 @@
           <a:p>
             <a:fld id="{236E9A6A-4BD2-4507-B204-3622F939856A}" type="datetimeFigureOut">
               <a:rPr lang="fr-FR" smtClean="0"/>
-              <a:t>jeudi  21  juillet  2022</a:t>
+              <a:t>vendredi  22  juillet  2022</a:t>
             </a:fld>
             <a:endParaRPr lang="fr-FR"/>
           </a:p>
@@ -22657,7 +22658,7 @@
           <a:p>
             <a:fld id="{236E9A6A-4BD2-4507-B204-3622F939856A}" type="datetimeFigureOut">
               <a:rPr lang="fr-FR" smtClean="0"/>
-              <a:t>jeudi  21  juillet  2022</a:t>
+              <a:t>vendredi  22  juillet  2022</a:t>
             </a:fld>
             <a:endParaRPr lang="fr-FR"/>
           </a:p>
@@ -22922,7 +22923,7 @@
           <a:p>
             <a:fld id="{236E9A6A-4BD2-4507-B204-3622F939856A}" type="datetimeFigureOut">
               <a:rPr lang="fr-FR" smtClean="0"/>
-              <a:t>jeudi  21  juillet  2022</a:t>
+              <a:t>vendredi  22  juillet  2022</a:t>
             </a:fld>
             <a:endParaRPr lang="fr-FR"/>
           </a:p>
@@ -23334,7 +23335,7 @@
           <a:p>
             <a:fld id="{236E9A6A-4BD2-4507-B204-3622F939856A}" type="datetimeFigureOut">
               <a:rPr lang="fr-FR" smtClean="0"/>
-              <a:t>jeudi  21  juillet  2022</a:t>
+              <a:t>vendredi  22  juillet  2022</a:t>
             </a:fld>
             <a:endParaRPr lang="fr-FR"/>
           </a:p>
@@ -23475,7 +23476,7 @@
           <a:p>
             <a:fld id="{236E9A6A-4BD2-4507-B204-3622F939856A}" type="datetimeFigureOut">
               <a:rPr lang="fr-FR" smtClean="0"/>
-              <a:t>jeudi  21  juillet  2022</a:t>
+              <a:t>vendredi  22  juillet  2022</a:t>
             </a:fld>
             <a:endParaRPr lang="fr-FR"/>
           </a:p>
@@ -23588,7 +23589,7 @@
           <a:p>
             <a:fld id="{236E9A6A-4BD2-4507-B204-3622F939856A}" type="datetimeFigureOut">
               <a:rPr lang="fr-FR" smtClean="0"/>
-              <a:t>jeudi  21  juillet  2022</a:t>
+              <a:t>vendredi  22  juillet  2022</a:t>
             </a:fld>
             <a:endParaRPr lang="fr-FR"/>
           </a:p>
@@ -23899,7 +23900,7 @@
           <a:p>
             <a:fld id="{236E9A6A-4BD2-4507-B204-3622F939856A}" type="datetimeFigureOut">
               <a:rPr lang="fr-FR" smtClean="0"/>
-              <a:t>jeudi  21  juillet  2022</a:t>
+              <a:t>vendredi  22  juillet  2022</a:t>
             </a:fld>
             <a:endParaRPr lang="fr-FR"/>
           </a:p>
@@ -24187,7 +24188,7 @@
           <a:p>
             <a:fld id="{236E9A6A-4BD2-4507-B204-3622F939856A}" type="datetimeFigureOut">
               <a:rPr lang="fr-FR" smtClean="0"/>
-              <a:t>jeudi  21  juillet  2022</a:t>
+              <a:t>vendredi  22  juillet  2022</a:t>
             </a:fld>
             <a:endParaRPr lang="fr-FR"/>
           </a:p>
@@ -24428,7 +24429,7 @@
           <a:p>
             <a:fld id="{236E9A6A-4BD2-4507-B204-3622F939856A}" type="datetimeFigureOut">
               <a:rPr lang="fr-FR" smtClean="0"/>
-              <a:t>jeudi  21  juillet  2022</a:t>
+              <a:t>vendredi  22  juillet  2022</a:t>
             </a:fld>
             <a:endParaRPr lang="fr-FR"/>
           </a:p>
@@ -28091,122 +28092,6 @@
       </p:sp>
       <p:sp>
         <p:nvSpPr>
-          <p:cNvPr id="36" name="Organigramme : Document 35">
-            <a:extLst>
-              <a:ext uri="{FF2B5EF4-FFF2-40B4-BE49-F238E27FC236}">
-                <a16:creationId xmlns:a16="http://schemas.microsoft.com/office/drawing/2014/main" id="{E3F7A3CF-BDB3-1A61-C93A-B189A91B1976}"/>
-              </a:ext>
-            </a:extLst>
-          </p:cNvPr>
-          <p:cNvSpPr>
-            <a:spLocks/>
-          </p:cNvSpPr>
-          <p:nvPr/>
-        </p:nvSpPr>
-        <p:spPr>
-          <a:xfrm>
-            <a:off x="6810698" y="2776194"/>
-            <a:ext cx="1423005" cy="869873"/>
-          </a:xfrm>
-          <a:prstGeom prst="flowChartDocument">
-            <a:avLst/>
-          </a:prstGeom>
-        </p:spPr>
-        <p:style>
-          <a:lnRef idx="1">
-            <a:schemeClr val="accent4"/>
-          </a:lnRef>
-          <a:fillRef idx="2">
-            <a:schemeClr val="accent4"/>
-          </a:fillRef>
-          <a:effectRef idx="1">
-            <a:schemeClr val="accent4"/>
-          </a:effectRef>
-          <a:fontRef idx="minor">
-            <a:schemeClr val="dk1"/>
-          </a:fontRef>
-        </p:style>
-        <p:txBody>
-          <a:bodyPr rtlCol="0" anchor="ctr"/>
-          <a:lstStyle/>
-          <a:p>
-            <a:pPr lvl="0"/>
-            <a:r>
-              <a:rPr lang="fr-FR" sz="2400" b="1" dirty="0">
-                <a:solidFill>
-                  <a:srgbClr val="FF0000"/>
-                </a:solidFill>
-              </a:rPr>
-              <a:t>file1.class</a:t>
-            </a:r>
-            <a:endParaRPr lang="fr-FR" sz="2400" dirty="0"/>
-          </a:p>
-          <a:p>
-            <a:pPr algn="ctr"/>
-            <a:endParaRPr lang="fr-FR" dirty="0"/>
-          </a:p>
-        </p:txBody>
-      </p:sp>
-      <p:sp>
-        <p:nvSpPr>
-          <p:cNvPr id="37" name="Organigramme : Document 36">
-            <a:extLst>
-              <a:ext uri="{FF2B5EF4-FFF2-40B4-BE49-F238E27FC236}">
-                <a16:creationId xmlns:a16="http://schemas.microsoft.com/office/drawing/2014/main" id="{C1EE7A36-4F31-3E95-15F9-2557E647008A}"/>
-              </a:ext>
-            </a:extLst>
-          </p:cNvPr>
-          <p:cNvSpPr>
-            <a:spLocks/>
-          </p:cNvSpPr>
-          <p:nvPr/>
-        </p:nvSpPr>
-        <p:spPr>
-          <a:xfrm>
-            <a:off x="6764429" y="3701410"/>
-            <a:ext cx="1423005" cy="869873"/>
-          </a:xfrm>
-          <a:prstGeom prst="flowChartDocument">
-            <a:avLst/>
-          </a:prstGeom>
-        </p:spPr>
-        <p:style>
-          <a:lnRef idx="1">
-            <a:schemeClr val="accent4"/>
-          </a:lnRef>
-          <a:fillRef idx="2">
-            <a:schemeClr val="accent4"/>
-          </a:fillRef>
-          <a:effectRef idx="1">
-            <a:schemeClr val="accent4"/>
-          </a:effectRef>
-          <a:fontRef idx="minor">
-            <a:schemeClr val="dk1"/>
-          </a:fontRef>
-        </p:style>
-        <p:txBody>
-          <a:bodyPr rtlCol="0" anchor="ctr"/>
-          <a:lstStyle/>
-          <a:p>
-            <a:pPr lvl="0"/>
-            <a:r>
-              <a:rPr lang="fr-FR" sz="2400" b="1" dirty="0">
-                <a:solidFill>
-                  <a:srgbClr val="FF0000"/>
-                </a:solidFill>
-              </a:rPr>
-              <a:t>file1.class</a:t>
-            </a:r>
-            <a:endParaRPr lang="fr-FR" sz="2400" dirty="0"/>
-          </a:p>
-          <a:p>
-            <a:pPr algn="ctr"/>
-            <a:endParaRPr lang="fr-FR" dirty="0"/>
-          </a:p>
-        </p:txBody>
-      </p:sp>
-      <p:sp>
-        <p:nvSpPr>
           <p:cNvPr id="38" name="Rectangle 37">
             <a:extLst>
               <a:ext uri="{FF2B5EF4-FFF2-40B4-BE49-F238E27FC236}">
@@ -29074,6 +28959,201 @@
           </a:p>
         </p:txBody>
       </p:sp>
+      <p:grpSp>
+        <p:nvGrpSpPr>
+          <p:cNvPr id="9" name="Groupe 8">
+            <a:extLst>
+              <a:ext uri="{FF2B5EF4-FFF2-40B4-BE49-F238E27FC236}">
+                <a16:creationId xmlns:a16="http://schemas.microsoft.com/office/drawing/2014/main" id="{C773707D-A3C9-DC8E-ED60-6D2B3FA1038B}"/>
+              </a:ext>
+            </a:extLst>
+          </p:cNvPr>
+          <p:cNvGrpSpPr/>
+          <p:nvPr/>
+        </p:nvGrpSpPr>
+        <p:grpSpPr>
+          <a:xfrm>
+            <a:off x="6738749" y="1934430"/>
+            <a:ext cx="1439897" cy="2777745"/>
+            <a:chOff x="6738749" y="1934430"/>
+            <a:chExt cx="1439897" cy="2777745"/>
+          </a:xfrm>
+        </p:grpSpPr>
+        <p:sp>
+          <p:nvSpPr>
+            <p:cNvPr id="36" name="Organigramme : Document 35">
+              <a:extLst>
+                <a:ext uri="{FF2B5EF4-FFF2-40B4-BE49-F238E27FC236}">
+                  <a16:creationId xmlns:a16="http://schemas.microsoft.com/office/drawing/2014/main" id="{E3F7A3CF-BDB3-1A61-C93A-B189A91B1976}"/>
+                </a:ext>
+              </a:extLst>
+            </p:cNvPr>
+            <p:cNvSpPr>
+              <a:spLocks/>
+            </p:cNvSpPr>
+            <p:nvPr/>
+          </p:nvSpPr>
+          <p:spPr>
+            <a:xfrm>
+              <a:off x="6755641" y="1934430"/>
+              <a:ext cx="1423005" cy="869873"/>
+            </a:xfrm>
+            <a:prstGeom prst="flowChartDocument">
+              <a:avLst/>
+            </a:prstGeom>
+          </p:spPr>
+          <p:style>
+            <a:lnRef idx="1">
+              <a:schemeClr val="accent4"/>
+            </a:lnRef>
+            <a:fillRef idx="2">
+              <a:schemeClr val="accent4"/>
+            </a:fillRef>
+            <a:effectRef idx="1">
+              <a:schemeClr val="accent4"/>
+            </a:effectRef>
+            <a:fontRef idx="minor">
+              <a:schemeClr val="dk1"/>
+            </a:fontRef>
+          </p:style>
+          <p:txBody>
+            <a:bodyPr rtlCol="0" anchor="ctr"/>
+            <a:lstStyle/>
+            <a:p>
+              <a:pPr lvl="0"/>
+              <a:r>
+                <a:rPr lang="fr-FR" sz="2400" b="1" dirty="0">
+                  <a:solidFill>
+                    <a:srgbClr val="FF0000"/>
+                  </a:solidFill>
+                </a:rPr>
+                <a:t>file1.class</a:t>
+              </a:r>
+              <a:endParaRPr lang="fr-FR" sz="2400" dirty="0"/>
+            </a:p>
+            <a:p>
+              <a:pPr algn="ctr"/>
+              <a:endParaRPr lang="fr-FR" dirty="0"/>
+            </a:p>
+          </p:txBody>
+        </p:sp>
+        <p:sp>
+          <p:nvSpPr>
+            <p:cNvPr id="37" name="Organigramme : Document 36">
+              <a:extLst>
+                <a:ext uri="{FF2B5EF4-FFF2-40B4-BE49-F238E27FC236}">
+                  <a16:creationId xmlns:a16="http://schemas.microsoft.com/office/drawing/2014/main" id="{C1EE7A36-4F31-3E95-15F9-2557E647008A}"/>
+                </a:ext>
+              </a:extLst>
+            </p:cNvPr>
+            <p:cNvSpPr>
+              <a:spLocks/>
+            </p:cNvSpPr>
+            <p:nvPr/>
+          </p:nvSpPr>
+          <p:spPr>
+            <a:xfrm>
+              <a:off x="6755641" y="2864982"/>
+              <a:ext cx="1423005" cy="869873"/>
+            </a:xfrm>
+            <a:prstGeom prst="flowChartDocument">
+              <a:avLst/>
+            </a:prstGeom>
+          </p:spPr>
+          <p:style>
+            <a:lnRef idx="1">
+              <a:schemeClr val="accent4"/>
+            </a:lnRef>
+            <a:fillRef idx="2">
+              <a:schemeClr val="accent4"/>
+            </a:fillRef>
+            <a:effectRef idx="1">
+              <a:schemeClr val="accent4"/>
+            </a:effectRef>
+            <a:fontRef idx="minor">
+              <a:schemeClr val="dk1"/>
+            </a:fontRef>
+          </p:style>
+          <p:txBody>
+            <a:bodyPr rtlCol="0" anchor="ctr"/>
+            <a:lstStyle/>
+            <a:p>
+              <a:pPr lvl="0"/>
+              <a:r>
+                <a:rPr lang="fr-FR" sz="2400" b="1" dirty="0">
+                  <a:solidFill>
+                    <a:srgbClr val="FF0000"/>
+                  </a:solidFill>
+                </a:rPr>
+                <a:t>file2.class</a:t>
+              </a:r>
+              <a:endParaRPr lang="fr-FR" sz="2400" dirty="0"/>
+            </a:p>
+            <a:p>
+              <a:pPr algn="ctr"/>
+              <a:endParaRPr lang="fr-FR" dirty="0"/>
+            </a:p>
+          </p:txBody>
+        </p:sp>
+        <p:sp>
+          <p:nvSpPr>
+            <p:cNvPr id="43" name="Organigramme : Document 42">
+              <a:extLst>
+                <a:ext uri="{FF2B5EF4-FFF2-40B4-BE49-F238E27FC236}">
+                  <a16:creationId xmlns:a16="http://schemas.microsoft.com/office/drawing/2014/main" id="{F4934A2E-F583-6A5E-6076-FEC91143FD81}"/>
+                </a:ext>
+              </a:extLst>
+            </p:cNvPr>
+            <p:cNvSpPr>
+              <a:spLocks/>
+            </p:cNvSpPr>
+            <p:nvPr/>
+          </p:nvSpPr>
+          <p:spPr>
+            <a:xfrm>
+              <a:off x="6738749" y="3842302"/>
+              <a:ext cx="1423005" cy="869873"/>
+            </a:xfrm>
+            <a:prstGeom prst="flowChartDocument">
+              <a:avLst/>
+            </a:prstGeom>
+          </p:spPr>
+          <p:style>
+            <a:lnRef idx="1">
+              <a:schemeClr val="accent4"/>
+            </a:lnRef>
+            <a:fillRef idx="2">
+              <a:schemeClr val="accent4"/>
+            </a:fillRef>
+            <a:effectRef idx="1">
+              <a:schemeClr val="accent4"/>
+            </a:effectRef>
+            <a:fontRef idx="minor">
+              <a:schemeClr val="dk1"/>
+            </a:fontRef>
+          </p:style>
+          <p:txBody>
+            <a:bodyPr rtlCol="0" anchor="ctr"/>
+            <a:lstStyle/>
+            <a:p>
+              <a:pPr lvl="0"/>
+              <a:r>
+                <a:rPr lang="fr-FR" sz="2400" b="1" dirty="0">
+                  <a:solidFill>
+                    <a:srgbClr val="FF0000"/>
+                  </a:solidFill>
+                </a:rPr>
+                <a:t>file3.class</a:t>
+              </a:r>
+              <a:endParaRPr lang="fr-FR" sz="2400" dirty="0"/>
+            </a:p>
+            <a:p>
+              <a:pPr algn="ctr"/>
+              <a:endParaRPr lang="fr-FR" dirty="0"/>
+            </a:p>
+          </p:txBody>
+        </p:sp>
+      </p:grpSp>
     </p:spTree>
     <p:extLst>
       <p:ext uri="{BB962C8B-B14F-4D97-AF65-F5344CB8AC3E}">
@@ -29654,6 +29734,898 @@
         </p:nvSpPr>
         <p:spPr>
           <a:xfrm>
+            <a:off x="300942" y="365126"/>
+            <a:ext cx="2343935" cy="387910"/>
+          </a:xfrm>
+        </p:spPr>
+        <p:txBody>
+          <a:bodyPr>
+            <a:normAutofit fontScale="90000"/>
+          </a:bodyPr>
+          <a:lstStyle/>
+          <a:p>
+            <a:r>
+              <a:rPr lang="fr-FR" sz="2800" b="1" dirty="0"/>
+              <a:t>WORA</a:t>
+            </a:r>
+          </a:p>
+        </p:txBody>
+      </p:sp>
+      <p:grpSp>
+        <p:nvGrpSpPr>
+          <p:cNvPr id="6" name="Groupe 5">
+            <a:extLst>
+              <a:ext uri="{FF2B5EF4-FFF2-40B4-BE49-F238E27FC236}">
+                <a16:creationId xmlns:a16="http://schemas.microsoft.com/office/drawing/2014/main" id="{C003C979-3C24-00E0-D1A5-2D85A2BB19E1}"/>
+              </a:ext>
+            </a:extLst>
+          </p:cNvPr>
+          <p:cNvGrpSpPr/>
+          <p:nvPr/>
+        </p:nvGrpSpPr>
+        <p:grpSpPr>
+          <a:xfrm>
+            <a:off x="2431825" y="180975"/>
+            <a:ext cx="7296150" cy="6496050"/>
+            <a:chOff x="2431825" y="180975"/>
+            <a:chExt cx="7296150" cy="6496050"/>
+          </a:xfrm>
+        </p:grpSpPr>
+        <p:pic>
+          <p:nvPicPr>
+            <p:cNvPr id="4" name="Image 3">
+              <a:extLst>
+                <a:ext uri="{FF2B5EF4-FFF2-40B4-BE49-F238E27FC236}">
+                  <a16:creationId xmlns:a16="http://schemas.microsoft.com/office/drawing/2014/main" id="{199179B6-D065-4001-8BCE-4AAB1A907644}"/>
+                </a:ext>
+              </a:extLst>
+            </p:cNvPr>
+            <p:cNvPicPr>
+              <a:picLocks noChangeAspect="1"/>
+            </p:cNvPicPr>
+            <p:nvPr/>
+          </p:nvPicPr>
+          <p:blipFill>
+            <a:blip r:embed="rId2"/>
+            <a:stretch>
+              <a:fillRect/>
+            </a:stretch>
+          </p:blipFill>
+          <p:spPr>
+            <a:xfrm>
+              <a:off x="2431825" y="180975"/>
+              <a:ext cx="7296150" cy="6496050"/>
+            </a:xfrm>
+            <a:prstGeom prst="rect">
+              <a:avLst/>
+            </a:prstGeom>
+            <a:noFill/>
+          </p:spPr>
+        </p:pic>
+        <p:sp>
+          <p:nvSpPr>
+            <p:cNvPr id="16" name="ZoneTexte 15">
+              <a:extLst>
+                <a:ext uri="{FF2B5EF4-FFF2-40B4-BE49-F238E27FC236}">
+                  <a16:creationId xmlns:a16="http://schemas.microsoft.com/office/drawing/2014/main" id="{C81113B4-E68C-FCBB-710B-397347C76AC6}"/>
+                </a:ext>
+              </a:extLst>
+            </p:cNvPr>
+            <p:cNvSpPr txBox="1"/>
+            <p:nvPr/>
+          </p:nvSpPr>
+          <p:spPr>
+            <a:xfrm>
+              <a:off x="2769087" y="251304"/>
+              <a:ext cx="1587229" cy="338554"/>
+            </a:xfrm>
+            <a:prstGeom prst="rect">
+              <a:avLst/>
+            </a:prstGeom>
+            <a:noFill/>
+          </p:spPr>
+          <p:txBody>
+            <a:bodyPr wrap="none" rtlCol="0">
+              <a:spAutoFit/>
+            </a:bodyPr>
+            <a:lstStyle/>
+            <a:p>
+              <a:r>
+                <a:rPr lang="fr-FR" sz="1600" b="1" dirty="0"/>
+                <a:t>Programme Java</a:t>
+              </a:r>
+            </a:p>
+          </p:txBody>
+        </p:sp>
+        <p:sp>
+          <p:nvSpPr>
+            <p:cNvPr id="17" name="ZoneTexte 16">
+              <a:extLst>
+                <a:ext uri="{FF2B5EF4-FFF2-40B4-BE49-F238E27FC236}">
+                  <a16:creationId xmlns:a16="http://schemas.microsoft.com/office/drawing/2014/main" id="{8297B3CA-2D16-F0A0-1B51-FE803D434D51}"/>
+                </a:ext>
+              </a:extLst>
+            </p:cNvPr>
+            <p:cNvSpPr txBox="1"/>
+            <p:nvPr/>
+          </p:nvSpPr>
+          <p:spPr>
+            <a:xfrm>
+              <a:off x="5061231" y="410434"/>
+              <a:ext cx="1221488" cy="338554"/>
+            </a:xfrm>
+            <a:prstGeom prst="rect">
+              <a:avLst/>
+            </a:prstGeom>
+            <a:noFill/>
+          </p:spPr>
+          <p:txBody>
+            <a:bodyPr wrap="none" rtlCol="0">
+              <a:spAutoFit/>
+            </a:bodyPr>
+            <a:lstStyle/>
+            <a:p>
+              <a:r>
+                <a:rPr lang="fr-FR" sz="1600" b="1" dirty="0"/>
+                <a:t>Compilation</a:t>
+              </a:r>
+            </a:p>
+          </p:txBody>
+        </p:sp>
+        <p:sp>
+          <p:nvSpPr>
+            <p:cNvPr id="18" name="Organigramme : Procédé prédéfini 17">
+              <a:extLst>
+                <a:ext uri="{FF2B5EF4-FFF2-40B4-BE49-F238E27FC236}">
+                  <a16:creationId xmlns:a16="http://schemas.microsoft.com/office/drawing/2014/main" id="{35EFC2C3-0C72-7992-A560-8A283CD64339}"/>
+                </a:ext>
+              </a:extLst>
+            </p:cNvPr>
+            <p:cNvSpPr/>
+            <p:nvPr/>
+          </p:nvSpPr>
+          <p:spPr>
+            <a:xfrm>
+              <a:off x="5200492" y="687188"/>
+              <a:ext cx="914400" cy="612648"/>
+            </a:xfrm>
+            <a:prstGeom prst="flowChartPredefinedProcess">
+              <a:avLst/>
+            </a:prstGeom>
+            <a:solidFill>
+              <a:srgbClr val="FFCC66"/>
+            </a:solidFill>
+          </p:spPr>
+          <p:style>
+            <a:lnRef idx="1">
+              <a:schemeClr val="accent2"/>
+            </a:lnRef>
+            <a:fillRef idx="2">
+              <a:schemeClr val="accent2"/>
+            </a:fillRef>
+            <a:effectRef idx="1">
+              <a:schemeClr val="accent2"/>
+            </a:effectRef>
+            <a:fontRef idx="minor">
+              <a:schemeClr val="dk1"/>
+            </a:fontRef>
+          </p:style>
+          <p:txBody>
+            <a:bodyPr rtlCol="0" anchor="ctr"/>
+            <a:lstStyle/>
+            <a:p>
+              <a:pPr algn="ctr"/>
+              <a:r>
+                <a:rPr lang="fr-FR" b="1" dirty="0"/>
+                <a:t>javac</a:t>
+              </a:r>
+            </a:p>
+          </p:txBody>
+        </p:sp>
+        <p:sp>
+          <p:nvSpPr>
+            <p:cNvPr id="19" name="ZoneTexte 18">
+              <a:extLst>
+                <a:ext uri="{FF2B5EF4-FFF2-40B4-BE49-F238E27FC236}">
+                  <a16:creationId xmlns:a16="http://schemas.microsoft.com/office/drawing/2014/main" id="{0BFE80FD-1BD6-F562-34DB-E260EB852909}"/>
+                </a:ext>
+              </a:extLst>
+            </p:cNvPr>
+            <p:cNvSpPr txBox="1"/>
+            <p:nvPr/>
+          </p:nvSpPr>
+          <p:spPr>
+            <a:xfrm>
+              <a:off x="2974944" y="5037092"/>
+              <a:ext cx="1237839" cy="307777"/>
+            </a:xfrm>
+            <a:prstGeom prst="rect">
+              <a:avLst/>
+            </a:prstGeom>
+            <a:noFill/>
+          </p:spPr>
+          <p:txBody>
+            <a:bodyPr wrap="none" rtlCol="0">
+              <a:spAutoFit/>
+            </a:bodyPr>
+            <a:lstStyle/>
+            <a:p>
+              <a:r>
+                <a:rPr lang="fr-FR" sz="1400" b="1" dirty="0"/>
+                <a:t>Code machine</a:t>
+              </a:r>
+            </a:p>
+          </p:txBody>
+        </p:sp>
+        <p:sp>
+          <p:nvSpPr>
+            <p:cNvPr id="20" name="ZoneTexte 19">
+              <a:extLst>
+                <a:ext uri="{FF2B5EF4-FFF2-40B4-BE49-F238E27FC236}">
+                  <a16:creationId xmlns:a16="http://schemas.microsoft.com/office/drawing/2014/main" id="{122B0680-6ABB-0F96-269C-77953F6A2F7F}"/>
+                </a:ext>
+              </a:extLst>
+            </p:cNvPr>
+            <p:cNvSpPr txBox="1"/>
+            <p:nvPr/>
+          </p:nvSpPr>
+          <p:spPr>
+            <a:xfrm>
+              <a:off x="7882125" y="5118049"/>
+              <a:ext cx="1237839" cy="307777"/>
+            </a:xfrm>
+            <a:prstGeom prst="rect">
+              <a:avLst/>
+            </a:prstGeom>
+            <a:noFill/>
+          </p:spPr>
+          <p:txBody>
+            <a:bodyPr wrap="none" rtlCol="0">
+              <a:spAutoFit/>
+            </a:bodyPr>
+            <a:lstStyle/>
+            <a:p>
+              <a:r>
+                <a:rPr lang="fr-FR" sz="1400" b="1" dirty="0"/>
+                <a:t>Code machine</a:t>
+              </a:r>
+            </a:p>
+          </p:txBody>
+        </p:sp>
+        <p:sp>
+          <p:nvSpPr>
+            <p:cNvPr id="21" name="ZoneTexte 20">
+              <a:extLst>
+                <a:ext uri="{FF2B5EF4-FFF2-40B4-BE49-F238E27FC236}">
+                  <a16:creationId xmlns:a16="http://schemas.microsoft.com/office/drawing/2014/main" id="{F18CED7A-C01D-0329-C611-AE55ABC85945}"/>
+                </a:ext>
+              </a:extLst>
+            </p:cNvPr>
+            <p:cNvSpPr txBox="1"/>
+            <p:nvPr/>
+          </p:nvSpPr>
+          <p:spPr>
+            <a:xfrm>
+              <a:off x="4740095" y="5118047"/>
+              <a:ext cx="1237839" cy="307777"/>
+            </a:xfrm>
+            <a:prstGeom prst="rect">
+              <a:avLst/>
+            </a:prstGeom>
+            <a:noFill/>
+          </p:spPr>
+          <p:txBody>
+            <a:bodyPr wrap="none" rtlCol="0">
+              <a:spAutoFit/>
+            </a:bodyPr>
+            <a:lstStyle/>
+            <a:p>
+              <a:r>
+                <a:rPr lang="fr-FR" sz="1400" b="1" dirty="0"/>
+                <a:t>Code machine</a:t>
+              </a:r>
+            </a:p>
+          </p:txBody>
+        </p:sp>
+        <p:sp>
+          <p:nvSpPr>
+            <p:cNvPr id="22" name="ZoneTexte 21">
+              <a:extLst>
+                <a:ext uri="{FF2B5EF4-FFF2-40B4-BE49-F238E27FC236}">
+                  <a16:creationId xmlns:a16="http://schemas.microsoft.com/office/drawing/2014/main" id="{5D16CCC3-788B-1C00-8DD2-9183AF8D62DE}"/>
+                </a:ext>
+              </a:extLst>
+            </p:cNvPr>
+            <p:cNvSpPr txBox="1"/>
+            <p:nvPr/>
+          </p:nvSpPr>
+          <p:spPr>
+            <a:xfrm>
+              <a:off x="6424456" y="5118048"/>
+              <a:ext cx="1237839" cy="307777"/>
+            </a:xfrm>
+            <a:prstGeom prst="rect">
+              <a:avLst/>
+            </a:prstGeom>
+            <a:noFill/>
+          </p:spPr>
+          <p:txBody>
+            <a:bodyPr wrap="none" rtlCol="0">
+              <a:spAutoFit/>
+            </a:bodyPr>
+            <a:lstStyle/>
+            <a:p>
+              <a:r>
+                <a:rPr lang="fr-FR" sz="1400" b="1" dirty="0"/>
+                <a:t>Code machine</a:t>
+              </a:r>
+            </a:p>
+          </p:txBody>
+        </p:sp>
+        <p:sp>
+          <p:nvSpPr>
+            <p:cNvPr id="23" name="ZoneTexte 22">
+              <a:extLst>
+                <a:ext uri="{FF2B5EF4-FFF2-40B4-BE49-F238E27FC236}">
+                  <a16:creationId xmlns:a16="http://schemas.microsoft.com/office/drawing/2014/main" id="{23D69B57-0486-0487-C715-C6BBAE7A4BA8}"/>
+                </a:ext>
+              </a:extLst>
+            </p:cNvPr>
+            <p:cNvSpPr txBox="1"/>
+            <p:nvPr/>
+          </p:nvSpPr>
+          <p:spPr>
+            <a:xfrm>
+              <a:off x="7662295" y="420949"/>
+              <a:ext cx="1844842" cy="1292662"/>
+            </a:xfrm>
+            <a:prstGeom prst="rect">
+              <a:avLst/>
+            </a:prstGeom>
+          </p:spPr>
+          <p:style>
+            <a:lnRef idx="1">
+              <a:schemeClr val="accent6"/>
+            </a:lnRef>
+            <a:fillRef idx="2">
+              <a:schemeClr val="accent6"/>
+            </a:fillRef>
+            <a:effectRef idx="1">
+              <a:schemeClr val="accent6"/>
+            </a:effectRef>
+            <a:fontRef idx="minor">
+              <a:schemeClr val="dk1"/>
+            </a:fontRef>
+          </p:style>
+          <p:txBody>
+            <a:bodyPr wrap="square" rtlCol="0">
+              <a:spAutoFit/>
+            </a:bodyPr>
+            <a:lstStyle/>
+            <a:p>
+              <a:pPr algn="ctr"/>
+              <a:r>
+                <a:rPr lang="fr-FR" sz="2000" dirty="0">
+                  <a:effectLst/>
+                  <a:latin typeface="Calibri" panose="020F0502020204030204" pitchFamily="34" charset="0"/>
+                  <a:ea typeface="Calibri" panose="020F0502020204030204" pitchFamily="34" charset="0"/>
+                  <a:cs typeface="Arial" panose="020B0604020202020204" pitchFamily="34" charset="0"/>
+                </a:rPr>
+                <a:t>Écrire une fois et exécuter partout </a:t>
+              </a:r>
+            </a:p>
+            <a:p>
+              <a:endParaRPr lang="fr-FR" dirty="0"/>
+            </a:p>
+          </p:txBody>
+        </p:sp>
+        <p:sp>
+          <p:nvSpPr>
+            <p:cNvPr id="14" name="ZoneTexte 13">
+              <a:extLst>
+                <a:ext uri="{FF2B5EF4-FFF2-40B4-BE49-F238E27FC236}">
+                  <a16:creationId xmlns:a16="http://schemas.microsoft.com/office/drawing/2014/main" id="{FB19D0FD-0A35-8DB3-AFBE-7C13C3461CEA}"/>
+                </a:ext>
+              </a:extLst>
+            </p:cNvPr>
+            <p:cNvSpPr txBox="1"/>
+            <p:nvPr/>
+          </p:nvSpPr>
+          <p:spPr>
+            <a:xfrm>
+              <a:off x="5751019" y="1417605"/>
+              <a:ext cx="972959" cy="338554"/>
+            </a:xfrm>
+            <a:prstGeom prst="rect">
+              <a:avLst/>
+            </a:prstGeom>
+            <a:noFill/>
+          </p:spPr>
+          <p:txBody>
+            <a:bodyPr wrap="none" rtlCol="0">
+              <a:spAutoFit/>
+            </a:bodyPr>
+            <a:lstStyle/>
+            <a:p>
+              <a:r>
+                <a:rPr lang="fr-FR" sz="1600" b="1" dirty="0"/>
+                <a:t>bytecode</a:t>
+              </a:r>
+            </a:p>
+          </p:txBody>
+        </p:sp>
+        <p:sp>
+          <p:nvSpPr>
+            <p:cNvPr id="5" name="Ellipse 4">
+              <a:extLst>
+                <a:ext uri="{FF2B5EF4-FFF2-40B4-BE49-F238E27FC236}">
+                  <a16:creationId xmlns:a16="http://schemas.microsoft.com/office/drawing/2014/main" id="{9FECD33B-E58D-57AE-8FAF-65C3C32F29BC}"/>
+                </a:ext>
+              </a:extLst>
+            </p:cNvPr>
+            <p:cNvSpPr/>
+            <p:nvPr/>
+          </p:nvSpPr>
+          <p:spPr>
+            <a:xfrm>
+              <a:off x="3101112" y="3448664"/>
+              <a:ext cx="1111671" cy="599768"/>
+            </a:xfrm>
+            <a:prstGeom prst="ellipse">
+              <a:avLst/>
+            </a:prstGeom>
+            <a:solidFill>
+              <a:schemeClr val="accent4">
+                <a:lumMod val="20000"/>
+                <a:lumOff val="80000"/>
+              </a:schemeClr>
+            </a:solidFill>
+          </p:spPr>
+          <p:style>
+            <a:lnRef idx="2">
+              <a:schemeClr val="accent2"/>
+            </a:lnRef>
+            <a:fillRef idx="1">
+              <a:schemeClr val="lt1"/>
+            </a:fillRef>
+            <a:effectRef idx="0">
+              <a:schemeClr val="accent2"/>
+            </a:effectRef>
+            <a:fontRef idx="minor">
+              <a:schemeClr val="dk1"/>
+            </a:fontRef>
+          </p:style>
+          <p:txBody>
+            <a:bodyPr rtlCol="0" anchor="ctr"/>
+            <a:lstStyle/>
+            <a:p>
+              <a:pPr algn="ctr"/>
+              <a:r>
+                <a:rPr lang="fr-FR" sz="2000" b="1" dirty="0">
+                  <a:solidFill>
+                    <a:schemeClr val="accent2">
+                      <a:lumMod val="75000"/>
+                    </a:schemeClr>
+                  </a:solidFill>
+                </a:rPr>
+                <a:t>JVM</a:t>
+              </a:r>
+              <a:endParaRPr lang="fr-FR" b="1" dirty="0">
+                <a:solidFill>
+                  <a:schemeClr val="accent2">
+                    <a:lumMod val="75000"/>
+                  </a:schemeClr>
+                </a:solidFill>
+              </a:endParaRPr>
+            </a:p>
+          </p:txBody>
+        </p:sp>
+        <p:sp>
+          <p:nvSpPr>
+            <p:cNvPr id="24" name="Ellipse 23">
+              <a:extLst>
+                <a:ext uri="{FF2B5EF4-FFF2-40B4-BE49-F238E27FC236}">
+                  <a16:creationId xmlns:a16="http://schemas.microsoft.com/office/drawing/2014/main" id="{810743AB-7D5C-02C9-D9D0-8EC8EDF42C30}"/>
+                </a:ext>
+              </a:extLst>
+            </p:cNvPr>
+            <p:cNvSpPr/>
+            <p:nvPr/>
+          </p:nvSpPr>
+          <p:spPr>
+            <a:xfrm>
+              <a:off x="4803178" y="3429000"/>
+              <a:ext cx="1111671" cy="599768"/>
+            </a:xfrm>
+            <a:prstGeom prst="ellipse">
+              <a:avLst/>
+            </a:prstGeom>
+            <a:solidFill>
+              <a:schemeClr val="accent4">
+                <a:lumMod val="20000"/>
+                <a:lumOff val="80000"/>
+              </a:schemeClr>
+            </a:solidFill>
+          </p:spPr>
+          <p:style>
+            <a:lnRef idx="2">
+              <a:schemeClr val="accent2"/>
+            </a:lnRef>
+            <a:fillRef idx="1">
+              <a:schemeClr val="lt1"/>
+            </a:fillRef>
+            <a:effectRef idx="0">
+              <a:schemeClr val="accent2"/>
+            </a:effectRef>
+            <a:fontRef idx="minor">
+              <a:schemeClr val="dk1"/>
+            </a:fontRef>
+          </p:style>
+          <p:txBody>
+            <a:bodyPr rtlCol="0" anchor="ctr"/>
+            <a:lstStyle/>
+            <a:p>
+              <a:pPr algn="ctr"/>
+              <a:r>
+                <a:rPr lang="fr-FR" sz="2000" b="1" dirty="0">
+                  <a:solidFill>
+                    <a:schemeClr val="accent2">
+                      <a:lumMod val="75000"/>
+                    </a:schemeClr>
+                  </a:solidFill>
+                </a:rPr>
+                <a:t>JVM</a:t>
+              </a:r>
+              <a:endParaRPr lang="fr-FR" b="1" dirty="0">
+                <a:solidFill>
+                  <a:schemeClr val="accent2">
+                    <a:lumMod val="75000"/>
+                  </a:schemeClr>
+                </a:solidFill>
+              </a:endParaRPr>
+            </a:p>
+          </p:txBody>
+        </p:sp>
+        <p:sp>
+          <p:nvSpPr>
+            <p:cNvPr id="25" name="Ellipse 24">
+              <a:extLst>
+                <a:ext uri="{FF2B5EF4-FFF2-40B4-BE49-F238E27FC236}">
+                  <a16:creationId xmlns:a16="http://schemas.microsoft.com/office/drawing/2014/main" id="{82723B67-7089-95A6-F10E-563A7EF4CBCD}"/>
+                </a:ext>
+              </a:extLst>
+            </p:cNvPr>
+            <p:cNvSpPr/>
+            <p:nvPr/>
+          </p:nvSpPr>
+          <p:spPr>
+            <a:xfrm>
+              <a:off x="6424456" y="3429000"/>
+              <a:ext cx="1111671" cy="599768"/>
+            </a:xfrm>
+            <a:prstGeom prst="ellipse">
+              <a:avLst/>
+            </a:prstGeom>
+            <a:solidFill>
+              <a:schemeClr val="accent4">
+                <a:lumMod val="20000"/>
+                <a:lumOff val="80000"/>
+              </a:schemeClr>
+            </a:solidFill>
+          </p:spPr>
+          <p:style>
+            <a:lnRef idx="2">
+              <a:schemeClr val="accent2"/>
+            </a:lnRef>
+            <a:fillRef idx="1">
+              <a:schemeClr val="lt1"/>
+            </a:fillRef>
+            <a:effectRef idx="0">
+              <a:schemeClr val="accent2"/>
+            </a:effectRef>
+            <a:fontRef idx="minor">
+              <a:schemeClr val="dk1"/>
+            </a:fontRef>
+          </p:style>
+          <p:txBody>
+            <a:bodyPr rtlCol="0" anchor="ctr"/>
+            <a:lstStyle/>
+            <a:p>
+              <a:pPr algn="ctr"/>
+              <a:r>
+                <a:rPr lang="fr-FR" sz="2000" b="1" dirty="0">
+                  <a:solidFill>
+                    <a:schemeClr val="accent2">
+                      <a:lumMod val="75000"/>
+                    </a:schemeClr>
+                  </a:solidFill>
+                </a:rPr>
+                <a:t>JVM</a:t>
+              </a:r>
+              <a:endParaRPr lang="fr-FR" b="1" dirty="0">
+                <a:solidFill>
+                  <a:schemeClr val="accent2">
+                    <a:lumMod val="75000"/>
+                  </a:schemeClr>
+                </a:solidFill>
+              </a:endParaRPr>
+            </a:p>
+          </p:txBody>
+        </p:sp>
+        <p:sp>
+          <p:nvSpPr>
+            <p:cNvPr id="26" name="Ellipse 25">
+              <a:extLst>
+                <a:ext uri="{FF2B5EF4-FFF2-40B4-BE49-F238E27FC236}">
+                  <a16:creationId xmlns:a16="http://schemas.microsoft.com/office/drawing/2014/main" id="{2E4D0F11-E919-01A3-556D-C949B8FA31A0}"/>
+                </a:ext>
+              </a:extLst>
+            </p:cNvPr>
+            <p:cNvSpPr/>
+            <p:nvPr/>
+          </p:nvSpPr>
+          <p:spPr>
+            <a:xfrm>
+              <a:off x="7945208" y="3432469"/>
+              <a:ext cx="1111671" cy="599768"/>
+            </a:xfrm>
+            <a:prstGeom prst="ellipse">
+              <a:avLst/>
+            </a:prstGeom>
+            <a:solidFill>
+              <a:schemeClr val="accent4">
+                <a:lumMod val="20000"/>
+                <a:lumOff val="80000"/>
+              </a:schemeClr>
+            </a:solidFill>
+          </p:spPr>
+          <p:style>
+            <a:lnRef idx="2">
+              <a:schemeClr val="accent2"/>
+            </a:lnRef>
+            <a:fillRef idx="1">
+              <a:schemeClr val="lt1"/>
+            </a:fillRef>
+            <a:effectRef idx="0">
+              <a:schemeClr val="accent2"/>
+            </a:effectRef>
+            <a:fontRef idx="minor">
+              <a:schemeClr val="dk1"/>
+            </a:fontRef>
+          </p:style>
+          <p:txBody>
+            <a:bodyPr rtlCol="0" anchor="ctr"/>
+            <a:lstStyle/>
+            <a:p>
+              <a:pPr algn="ctr"/>
+              <a:r>
+                <a:rPr lang="fr-FR" sz="2000" b="1" dirty="0">
+                  <a:solidFill>
+                    <a:schemeClr val="accent2">
+                      <a:lumMod val="75000"/>
+                    </a:schemeClr>
+                  </a:solidFill>
+                </a:rPr>
+                <a:t>JVM</a:t>
+              </a:r>
+              <a:endParaRPr lang="fr-FR" b="1" dirty="0">
+                <a:solidFill>
+                  <a:schemeClr val="accent2">
+                    <a:lumMod val="75000"/>
+                  </a:schemeClr>
+                </a:solidFill>
+              </a:endParaRPr>
+            </a:p>
+          </p:txBody>
+        </p:sp>
+        <p:sp>
+          <p:nvSpPr>
+            <p:cNvPr id="27" name="ZoneTexte 26">
+              <a:extLst>
+                <a:ext uri="{FF2B5EF4-FFF2-40B4-BE49-F238E27FC236}">
+                  <a16:creationId xmlns:a16="http://schemas.microsoft.com/office/drawing/2014/main" id="{56641D7F-52AE-2028-C782-5AD833926957}"/>
+                </a:ext>
+              </a:extLst>
+            </p:cNvPr>
+            <p:cNvSpPr txBox="1"/>
+            <p:nvPr/>
+          </p:nvSpPr>
+          <p:spPr>
+            <a:xfrm>
+              <a:off x="3214319" y="3070782"/>
+              <a:ext cx="797013" cy="400110"/>
+            </a:xfrm>
+            <a:prstGeom prst="rect">
+              <a:avLst/>
+            </a:prstGeom>
+            <a:noFill/>
+          </p:spPr>
+          <p:txBody>
+            <a:bodyPr wrap="none" rtlCol="0">
+              <a:spAutoFit/>
+            </a:bodyPr>
+            <a:lstStyle/>
+            <a:p>
+              <a:r>
+                <a:rPr lang="fr-FR" sz="2000" b="1" dirty="0"/>
+                <a:t>Linux</a:t>
+              </a:r>
+              <a:r>
+                <a:rPr lang="fr-FR" sz="1600" b="1" dirty="0"/>
+                <a:t> </a:t>
+              </a:r>
+            </a:p>
+          </p:txBody>
+        </p:sp>
+        <p:sp>
+          <p:nvSpPr>
+            <p:cNvPr id="28" name="ZoneTexte 27">
+              <a:extLst>
+                <a:ext uri="{FF2B5EF4-FFF2-40B4-BE49-F238E27FC236}">
+                  <a16:creationId xmlns:a16="http://schemas.microsoft.com/office/drawing/2014/main" id="{E47409D8-BCEF-90E8-49AF-DB9FA990FAED}"/>
+                </a:ext>
+              </a:extLst>
+            </p:cNvPr>
+            <p:cNvSpPr txBox="1"/>
+            <p:nvPr/>
+          </p:nvSpPr>
+          <p:spPr>
+            <a:xfrm>
+              <a:off x="4870525" y="3068324"/>
+              <a:ext cx="1230914" cy="400110"/>
+            </a:xfrm>
+            <a:prstGeom prst="rect">
+              <a:avLst/>
+            </a:prstGeom>
+            <a:noFill/>
+          </p:spPr>
+          <p:txBody>
+            <a:bodyPr wrap="none" rtlCol="0">
+              <a:spAutoFit/>
+            </a:bodyPr>
+            <a:lstStyle/>
+            <a:p>
+              <a:r>
+                <a:rPr lang="fr-FR" sz="2000" b="1" dirty="0"/>
+                <a:t>Windows</a:t>
+              </a:r>
+              <a:r>
+                <a:rPr lang="fr-FR" sz="1600" b="1" dirty="0"/>
+                <a:t> </a:t>
+              </a:r>
+            </a:p>
+          </p:txBody>
+        </p:sp>
+        <p:sp>
+          <p:nvSpPr>
+            <p:cNvPr id="29" name="ZoneTexte 28">
+              <a:extLst>
+                <a:ext uri="{FF2B5EF4-FFF2-40B4-BE49-F238E27FC236}">
+                  <a16:creationId xmlns:a16="http://schemas.microsoft.com/office/drawing/2014/main" id="{35843BC4-6360-468C-4487-34537A84CAF8}"/>
+                </a:ext>
+              </a:extLst>
+            </p:cNvPr>
+            <p:cNvSpPr txBox="1"/>
+            <p:nvPr/>
+          </p:nvSpPr>
+          <p:spPr>
+            <a:xfrm>
+              <a:off x="6506986" y="3063408"/>
+              <a:ext cx="939681" cy="400110"/>
+            </a:xfrm>
+            <a:prstGeom prst="rect">
+              <a:avLst/>
+            </a:prstGeom>
+            <a:noFill/>
+          </p:spPr>
+          <p:txBody>
+            <a:bodyPr wrap="none" rtlCol="0">
+              <a:spAutoFit/>
+            </a:bodyPr>
+            <a:lstStyle>
+              <a:defPPr>
+                <a:defRPr lang="fr-FR"/>
+              </a:defPPr>
+              <a:lvl1pPr>
+                <a:defRPr sz="2000" b="1"/>
+              </a:lvl1pPr>
+            </a:lstStyle>
+            <a:p>
+              <a:r>
+                <a:rPr lang="fr-FR" dirty="0"/>
+                <a:t>Mac OS </a:t>
+              </a:r>
+            </a:p>
+          </p:txBody>
+        </p:sp>
+        <p:sp>
+          <p:nvSpPr>
+            <p:cNvPr id="30" name="ZoneTexte 29">
+              <a:extLst>
+                <a:ext uri="{FF2B5EF4-FFF2-40B4-BE49-F238E27FC236}">
+                  <a16:creationId xmlns:a16="http://schemas.microsoft.com/office/drawing/2014/main" id="{FB87EE1A-75BF-463D-1D07-5C086F0BC1D7}"/>
+                </a:ext>
+              </a:extLst>
+            </p:cNvPr>
+            <p:cNvSpPr txBox="1"/>
+            <p:nvPr/>
+          </p:nvSpPr>
+          <p:spPr>
+            <a:xfrm>
+              <a:off x="7847701" y="2881426"/>
+              <a:ext cx="837089" cy="584775"/>
+            </a:xfrm>
+            <a:prstGeom prst="rect">
+              <a:avLst/>
+            </a:prstGeom>
+            <a:noFill/>
+          </p:spPr>
+          <p:txBody>
+            <a:bodyPr wrap="none" rtlCol="0">
+              <a:spAutoFit/>
+            </a:bodyPr>
+            <a:lstStyle/>
+            <a:p>
+              <a:r>
+                <a:rPr lang="fr-FR" sz="3200" b="1" dirty="0"/>
+                <a:t>. . . </a:t>
+              </a:r>
+              <a:r>
+                <a:rPr lang="fr-FR" sz="1600" b="1" dirty="0"/>
+                <a:t> </a:t>
+              </a:r>
+            </a:p>
+          </p:txBody>
+        </p:sp>
+      </p:grpSp>
+    </p:spTree>
+    <p:extLst>
+      <p:ext uri="{BB962C8B-B14F-4D97-AF65-F5344CB8AC3E}">
+        <p14:creationId xmlns:p14="http://schemas.microsoft.com/office/powerpoint/2010/main" val="537575927"/>
+      </p:ext>
+    </p:extLst>
+  </p:cSld>
+  <p:clrMapOvr>
+    <a:masterClrMapping/>
+  </p:clrMapOvr>
+</p:sld>
+</file>
+
+<file path=ppt/slides/slide8.xml><?xml version="1.0" encoding="utf-8"?>
+<p:sld xmlns:a="http://schemas.openxmlformats.org/drawingml/2006/main" xmlns:r="http://schemas.openxmlformats.org/officeDocument/2006/relationships" xmlns:p="http://schemas.openxmlformats.org/presentationml/2006/main">
+  <p:cSld>
+    <p:spTree>
+      <p:nvGrpSpPr>
+        <p:cNvPr id="1" name=""/>
+        <p:cNvGrpSpPr/>
+        <p:nvPr/>
+      </p:nvGrpSpPr>
+      <p:grpSpPr>
+        <a:xfrm>
+          <a:off x="0" y="0"/>
+          <a:ext cx="0" cy="0"/>
+          <a:chOff x="0" y="0"/>
+          <a:chExt cx="0" cy="0"/>
+        </a:xfrm>
+      </p:grpSpPr>
+      <p:sp>
+        <p:nvSpPr>
+          <p:cNvPr id="2" name="Titre 1">
+            <a:extLst>
+              <a:ext uri="{FF2B5EF4-FFF2-40B4-BE49-F238E27FC236}">
+                <a16:creationId xmlns:a16="http://schemas.microsoft.com/office/drawing/2014/main" id="{58BF5858-B382-4ADA-7190-96494181BC03}"/>
+              </a:ext>
+            </a:extLst>
+          </p:cNvPr>
+          <p:cNvSpPr>
+            <a:spLocks noGrp="1"/>
+          </p:cNvSpPr>
+          <p:nvPr>
+            <p:ph type="title"/>
+          </p:nvPr>
+        </p:nvSpPr>
+        <p:spPr>
+          <a:xfrm>
             <a:off x="838200" y="365126"/>
             <a:ext cx="10515600" cy="387910"/>
           </a:xfrm>
@@ -29700,7 +30672,7 @@
     </p:spTree>
     <p:extLst>
       <p:ext uri="{BB962C8B-B14F-4D97-AF65-F5344CB8AC3E}">
-        <p14:creationId xmlns:p14="http://schemas.microsoft.com/office/powerpoint/2010/main" val="2469701942"/>
+        <p14:creationId xmlns:p14="http://schemas.microsoft.com/office/powerpoint/2010/main" val="1409772201"/>
       </p:ext>
     </p:extLst>
   </p:cSld>

--- a/javaInstall/Installer l’environnement de développement java.pptx
+++ b/javaInstall/Installer l’environnement de développement java.pptx
@@ -5,7 +5,7 @@
     <p:sldMasterId id="2147483648" r:id="rId1"/>
   </p:sldMasterIdLst>
   <p:notesMasterIdLst>
-    <p:notesMasterId r:id="rId10"/>
+    <p:notesMasterId r:id="rId11"/>
   </p:notesMasterIdLst>
   <p:sldIdLst>
     <p:sldId id="256" r:id="rId2"/>
@@ -16,6 +16,7 @@
     <p:sldId id="260" r:id="rId7"/>
     <p:sldId id="265" r:id="rId8"/>
     <p:sldId id="264" r:id="rId9"/>
+    <p:sldId id="266" r:id="rId10"/>
   </p:sldIdLst>
   <p:sldSz cx="12192000" cy="6858000"/>
   <p:notesSz cx="6858000" cy="9144000"/>
@@ -21197,7 +21198,7 @@
           <a:p>
             <a:fld id="{B90E612B-ABFC-483B-8FD6-3A66F3F14A33}" type="datetimeFigureOut">
               <a:rPr lang="fr-FR" smtClean="0"/>
-              <a:t>vendredi  22  juillet  2022</a:t>
+              <a:t>mercredi  27  juillet  2022</a:t>
             </a:fld>
             <a:endParaRPr lang="fr-FR"/>
           </a:p>
@@ -21779,7 +21780,7 @@
           <a:p>
             <a:fld id="{236E9A6A-4BD2-4507-B204-3622F939856A}" type="datetimeFigureOut">
               <a:rPr lang="fr-FR" smtClean="0"/>
-              <a:t>vendredi  22  juillet  2022</a:t>
+              <a:t>mercredi  27  juillet  2022</a:t>
             </a:fld>
             <a:endParaRPr lang="fr-FR"/>
           </a:p>
@@ -21977,7 +21978,7 @@
           <a:p>
             <a:fld id="{236E9A6A-4BD2-4507-B204-3622F939856A}" type="datetimeFigureOut">
               <a:rPr lang="fr-FR" smtClean="0"/>
-              <a:t>vendredi  22  juillet  2022</a:t>
+              <a:t>mercredi  27  juillet  2022</a:t>
             </a:fld>
             <a:endParaRPr lang="fr-FR"/>
           </a:p>
@@ -22185,7 +22186,7 @@
           <a:p>
             <a:fld id="{236E9A6A-4BD2-4507-B204-3622F939856A}" type="datetimeFigureOut">
               <a:rPr lang="fr-FR" smtClean="0"/>
-              <a:t>vendredi  22  juillet  2022</a:t>
+              <a:t>mercredi  27  juillet  2022</a:t>
             </a:fld>
             <a:endParaRPr lang="fr-FR"/>
           </a:p>
@@ -22383,7 +22384,7 @@
           <a:p>
             <a:fld id="{236E9A6A-4BD2-4507-B204-3622F939856A}" type="datetimeFigureOut">
               <a:rPr lang="fr-FR" smtClean="0"/>
-              <a:t>vendredi  22  juillet  2022</a:t>
+              <a:t>mercredi  27  juillet  2022</a:t>
             </a:fld>
             <a:endParaRPr lang="fr-FR"/>
           </a:p>
@@ -22658,7 +22659,7 @@
           <a:p>
             <a:fld id="{236E9A6A-4BD2-4507-B204-3622F939856A}" type="datetimeFigureOut">
               <a:rPr lang="fr-FR" smtClean="0"/>
-              <a:t>vendredi  22  juillet  2022</a:t>
+              <a:t>mercredi  27  juillet  2022</a:t>
             </a:fld>
             <a:endParaRPr lang="fr-FR"/>
           </a:p>
@@ -22923,7 +22924,7 @@
           <a:p>
             <a:fld id="{236E9A6A-4BD2-4507-B204-3622F939856A}" type="datetimeFigureOut">
               <a:rPr lang="fr-FR" smtClean="0"/>
-              <a:t>vendredi  22  juillet  2022</a:t>
+              <a:t>mercredi  27  juillet  2022</a:t>
             </a:fld>
             <a:endParaRPr lang="fr-FR"/>
           </a:p>
@@ -23335,7 +23336,7 @@
           <a:p>
             <a:fld id="{236E9A6A-4BD2-4507-B204-3622F939856A}" type="datetimeFigureOut">
               <a:rPr lang="fr-FR" smtClean="0"/>
-              <a:t>vendredi  22  juillet  2022</a:t>
+              <a:t>mercredi  27  juillet  2022</a:t>
             </a:fld>
             <a:endParaRPr lang="fr-FR"/>
           </a:p>
@@ -23476,7 +23477,7 @@
           <a:p>
             <a:fld id="{236E9A6A-4BD2-4507-B204-3622F939856A}" type="datetimeFigureOut">
               <a:rPr lang="fr-FR" smtClean="0"/>
-              <a:t>vendredi  22  juillet  2022</a:t>
+              <a:t>mercredi  27  juillet  2022</a:t>
             </a:fld>
             <a:endParaRPr lang="fr-FR"/>
           </a:p>
@@ -23589,7 +23590,7 @@
           <a:p>
             <a:fld id="{236E9A6A-4BD2-4507-B204-3622F939856A}" type="datetimeFigureOut">
               <a:rPr lang="fr-FR" smtClean="0"/>
-              <a:t>vendredi  22  juillet  2022</a:t>
+              <a:t>mercredi  27  juillet  2022</a:t>
             </a:fld>
             <a:endParaRPr lang="fr-FR"/>
           </a:p>
@@ -23900,7 +23901,7 @@
           <a:p>
             <a:fld id="{236E9A6A-4BD2-4507-B204-3622F939856A}" type="datetimeFigureOut">
               <a:rPr lang="fr-FR" smtClean="0"/>
-              <a:t>vendredi  22  juillet  2022</a:t>
+              <a:t>mercredi  27  juillet  2022</a:t>
             </a:fld>
             <a:endParaRPr lang="fr-FR"/>
           </a:p>
@@ -24188,7 +24189,7 @@
           <a:p>
             <a:fld id="{236E9A6A-4BD2-4507-B204-3622F939856A}" type="datetimeFigureOut">
               <a:rPr lang="fr-FR" smtClean="0"/>
-              <a:t>vendredi  22  juillet  2022</a:t>
+              <a:t>mercredi  27  juillet  2022</a:t>
             </a:fld>
             <a:endParaRPr lang="fr-FR"/>
           </a:p>
@@ -24429,7 +24430,7 @@
           <a:p>
             <a:fld id="{236E9A6A-4BD2-4507-B204-3622F939856A}" type="datetimeFigureOut">
               <a:rPr lang="fr-FR" smtClean="0"/>
-              <a:t>vendredi  22  juillet  2022</a:t>
+              <a:t>mercredi  27  juillet  2022</a:t>
             </a:fld>
             <a:endParaRPr lang="fr-FR"/>
           </a:p>
@@ -30639,6 +30640,328 @@
             <a:pPr algn="ctr"/>
             <a:r>
               <a:rPr lang="fr-FR" sz="2800" b="1" dirty="0"/>
+              <a:t>JVM JRE KDK</a:t>
+            </a:r>
+          </a:p>
+        </p:txBody>
+      </p:sp>
+      <p:sp>
+        <p:nvSpPr>
+          <p:cNvPr id="4" name="Rectangle 3">
+            <a:extLst>
+              <a:ext uri="{FF2B5EF4-FFF2-40B4-BE49-F238E27FC236}">
+                <a16:creationId xmlns:a16="http://schemas.microsoft.com/office/drawing/2014/main" id="{180B6540-EE31-E28D-D043-729067A9685B}"/>
+              </a:ext>
+            </a:extLst>
+          </p:cNvPr>
+          <p:cNvSpPr/>
+          <p:nvPr/>
+        </p:nvSpPr>
+        <p:spPr>
+          <a:xfrm>
+            <a:off x="433137" y="834189"/>
+            <a:ext cx="11301663" cy="5542548"/>
+          </a:xfrm>
+          <a:prstGeom prst="rect">
+            <a:avLst/>
+          </a:prstGeom>
+          <a:ln w="76200"/>
+        </p:spPr>
+        <p:style>
+          <a:lnRef idx="2">
+            <a:schemeClr val="dk1"/>
+          </a:lnRef>
+          <a:fillRef idx="1">
+            <a:schemeClr val="lt1"/>
+          </a:fillRef>
+          <a:effectRef idx="0">
+            <a:schemeClr val="dk1"/>
+          </a:effectRef>
+          <a:fontRef idx="minor">
+            <a:schemeClr val="dk1"/>
+          </a:fontRef>
+        </p:style>
+        <p:txBody>
+          <a:bodyPr rtlCol="0" anchor="ctr"/>
+          <a:lstStyle/>
+          <a:p>
+            <a:pPr algn="ctr"/>
+            <a:endParaRPr lang="fr-FR" dirty="0"/>
+          </a:p>
+        </p:txBody>
+      </p:sp>
+      <p:sp>
+        <p:nvSpPr>
+          <p:cNvPr id="5" name="ZoneTexte 4">
+            <a:extLst>
+              <a:ext uri="{FF2B5EF4-FFF2-40B4-BE49-F238E27FC236}">
+                <a16:creationId xmlns:a16="http://schemas.microsoft.com/office/drawing/2014/main" id="{8972C2AD-BDD6-F625-816B-80E18D2B21D9}"/>
+              </a:ext>
+            </a:extLst>
+          </p:cNvPr>
+          <p:cNvSpPr txBox="1"/>
+          <p:nvPr/>
+        </p:nvSpPr>
+        <p:spPr>
+          <a:xfrm>
+            <a:off x="1732548" y="413252"/>
+            <a:ext cx="649537" cy="461665"/>
+          </a:xfrm>
+          <a:prstGeom prst="rect">
+            <a:avLst/>
+          </a:prstGeom>
+          <a:noFill/>
+        </p:spPr>
+        <p:txBody>
+          <a:bodyPr wrap="none" rtlCol="0">
+            <a:spAutoFit/>
+          </a:bodyPr>
+          <a:lstStyle/>
+          <a:p>
+            <a:r>
+              <a:rPr lang="fr-FR" sz="2400" b="1" dirty="0">
+                <a:ln w="22225">
+                  <a:solidFill>
+                    <a:schemeClr val="accent2"/>
+                  </a:solidFill>
+                  <a:prstDash val="solid"/>
+                </a:ln>
+                <a:solidFill>
+                  <a:schemeClr val="accent2">
+                    <a:lumMod val="40000"/>
+                    <a:lumOff val="60000"/>
+                  </a:schemeClr>
+                </a:solidFill>
+              </a:rPr>
+              <a:t>JDK</a:t>
+            </a:r>
+            <a:endParaRPr lang="fr-FR" b="1" dirty="0"/>
+          </a:p>
+        </p:txBody>
+      </p:sp>
+      <p:sp>
+        <p:nvSpPr>
+          <p:cNvPr id="6" name="ZoneTexte 5">
+            <a:extLst>
+              <a:ext uri="{FF2B5EF4-FFF2-40B4-BE49-F238E27FC236}">
+                <a16:creationId xmlns:a16="http://schemas.microsoft.com/office/drawing/2014/main" id="{21742775-1B42-F720-AE98-7F0944C029C9}"/>
+              </a:ext>
+            </a:extLst>
+          </p:cNvPr>
+          <p:cNvSpPr txBox="1"/>
+          <p:nvPr/>
+        </p:nvSpPr>
+        <p:spPr>
+          <a:xfrm>
+            <a:off x="1908676" y="890016"/>
+            <a:ext cx="611065" cy="461665"/>
+          </a:xfrm>
+          <a:prstGeom prst="rect">
+            <a:avLst/>
+          </a:prstGeom>
+          <a:noFill/>
+        </p:spPr>
+        <p:txBody>
+          <a:bodyPr wrap="none" rtlCol="0">
+            <a:spAutoFit/>
+          </a:bodyPr>
+          <a:lstStyle/>
+          <a:p>
+            <a:r>
+              <a:rPr lang="fr-FR" sz="2400" b="1" dirty="0">
+                <a:ln w="12700">
+                  <a:solidFill>
+                    <a:schemeClr val="tx2">
+                      <a:lumMod val="75000"/>
+                    </a:schemeClr>
+                  </a:solidFill>
+                  <a:prstDash val="solid"/>
+                </a:ln>
+                <a:pattFill prst="dkUpDiag">
+                  <a:fgClr>
+                    <a:schemeClr val="tx2"/>
+                  </a:fgClr>
+                  <a:bgClr>
+                    <a:schemeClr val="tx2">
+                      <a:lumMod val="20000"/>
+                      <a:lumOff val="80000"/>
+                    </a:schemeClr>
+                  </a:bgClr>
+                </a:pattFill>
+                <a:effectLst>
+                  <a:outerShdw dist="38100" dir="2640000" algn="bl" rotWithShape="0">
+                    <a:schemeClr val="tx2">
+                      <a:lumMod val="75000"/>
+                    </a:schemeClr>
+                  </a:outerShdw>
+                </a:effectLst>
+              </a:rPr>
+              <a:t>JRE</a:t>
+            </a:r>
+            <a:endParaRPr lang="fr-FR" b="1" dirty="0">
+              <a:ln w="12700">
+                <a:solidFill>
+                  <a:schemeClr val="tx2">
+                    <a:lumMod val="75000"/>
+                  </a:schemeClr>
+                </a:solidFill>
+                <a:prstDash val="solid"/>
+              </a:ln>
+              <a:pattFill prst="dkUpDiag">
+                <a:fgClr>
+                  <a:schemeClr val="tx2"/>
+                </a:fgClr>
+                <a:bgClr>
+                  <a:schemeClr val="tx2">
+                    <a:lumMod val="20000"/>
+                    <a:lumOff val="80000"/>
+                  </a:schemeClr>
+                </a:bgClr>
+              </a:pattFill>
+              <a:effectLst>
+                <a:outerShdw dist="38100" dir="2640000" algn="bl" rotWithShape="0">
+                  <a:schemeClr val="tx2">
+                    <a:lumMod val="75000"/>
+                  </a:schemeClr>
+                </a:outerShdw>
+              </a:effectLst>
+            </a:endParaRPr>
+          </a:p>
+        </p:txBody>
+      </p:sp>
+      <p:sp>
+        <p:nvSpPr>
+          <p:cNvPr id="7" name="ZoneTexte 6">
+            <a:extLst>
+              <a:ext uri="{FF2B5EF4-FFF2-40B4-BE49-F238E27FC236}">
+                <a16:creationId xmlns:a16="http://schemas.microsoft.com/office/drawing/2014/main" id="{A9CECA2A-A4E5-BB3B-6449-747D20848109}"/>
+              </a:ext>
+            </a:extLst>
+          </p:cNvPr>
+          <p:cNvSpPr txBox="1"/>
+          <p:nvPr/>
+        </p:nvSpPr>
+        <p:spPr>
+          <a:xfrm>
+            <a:off x="3360485" y="1018353"/>
+            <a:ext cx="739305" cy="461665"/>
+          </a:xfrm>
+          <a:prstGeom prst="rect">
+            <a:avLst/>
+          </a:prstGeom>
+          <a:noFill/>
+        </p:spPr>
+        <p:txBody>
+          <a:bodyPr wrap="none" rtlCol="0">
+            <a:spAutoFit/>
+          </a:bodyPr>
+          <a:lstStyle/>
+          <a:p>
+            <a:r>
+              <a:rPr lang="fr-FR" sz="2400" b="1" dirty="0">
+                <a:ln w="13462">
+                  <a:solidFill>
+                    <a:schemeClr val="bg1"/>
+                  </a:solidFill>
+                  <a:prstDash val="solid"/>
+                </a:ln>
+                <a:solidFill>
+                  <a:schemeClr val="tx1">
+                    <a:lumMod val="85000"/>
+                    <a:lumOff val="15000"/>
+                  </a:schemeClr>
+                </a:solidFill>
+                <a:effectLst>
+                  <a:outerShdw dist="38100" dir="2700000" algn="bl" rotWithShape="0">
+                    <a:schemeClr val="accent5"/>
+                  </a:outerShdw>
+                </a:effectLst>
+              </a:rPr>
+              <a:t>JVM</a:t>
+            </a:r>
+            <a:endParaRPr lang="fr-FR" b="1" dirty="0">
+              <a:ln w="13462">
+                <a:solidFill>
+                  <a:schemeClr val="bg1"/>
+                </a:solidFill>
+                <a:prstDash val="solid"/>
+              </a:ln>
+              <a:solidFill>
+                <a:schemeClr val="tx1">
+                  <a:lumMod val="85000"/>
+                  <a:lumOff val="15000"/>
+                </a:schemeClr>
+              </a:solidFill>
+              <a:effectLst>
+                <a:outerShdw dist="38100" dir="2700000" algn="bl" rotWithShape="0">
+                  <a:schemeClr val="accent5"/>
+                </a:outerShdw>
+              </a:effectLst>
+            </a:endParaRPr>
+          </a:p>
+        </p:txBody>
+      </p:sp>
+    </p:spTree>
+    <p:extLst>
+      <p:ext uri="{BB962C8B-B14F-4D97-AF65-F5344CB8AC3E}">
+        <p14:creationId xmlns:p14="http://schemas.microsoft.com/office/powerpoint/2010/main" val="1409772201"/>
+      </p:ext>
+    </p:extLst>
+  </p:cSld>
+  <p:clrMapOvr>
+    <a:masterClrMapping/>
+  </p:clrMapOvr>
+</p:sld>
+</file>
+
+<file path=ppt/slides/slide9.xml><?xml version="1.0" encoding="utf-8"?>
+<p:sld xmlns:a="http://schemas.openxmlformats.org/drawingml/2006/main" xmlns:r="http://schemas.openxmlformats.org/officeDocument/2006/relationships" xmlns:p="http://schemas.openxmlformats.org/presentationml/2006/main">
+  <p:cSld>
+    <p:spTree>
+      <p:nvGrpSpPr>
+        <p:cNvPr id="1" name=""/>
+        <p:cNvGrpSpPr/>
+        <p:nvPr/>
+      </p:nvGrpSpPr>
+      <p:grpSpPr>
+        <a:xfrm>
+          <a:off x="0" y="0"/>
+          <a:ext cx="0" cy="0"/>
+          <a:chOff x="0" y="0"/>
+          <a:chExt cx="0" cy="0"/>
+        </a:xfrm>
+      </p:grpSpPr>
+      <p:sp>
+        <p:nvSpPr>
+          <p:cNvPr id="2" name="Titre 1">
+            <a:extLst>
+              <a:ext uri="{FF2B5EF4-FFF2-40B4-BE49-F238E27FC236}">
+                <a16:creationId xmlns:a16="http://schemas.microsoft.com/office/drawing/2014/main" id="{58BF5858-B382-4ADA-7190-96494181BC03}"/>
+              </a:ext>
+            </a:extLst>
+          </p:cNvPr>
+          <p:cNvSpPr>
+            <a:spLocks noGrp="1"/>
+          </p:cNvSpPr>
+          <p:nvPr>
+            <p:ph type="title"/>
+          </p:nvPr>
+        </p:nvSpPr>
+        <p:spPr>
+          <a:xfrm>
+            <a:off x="838200" y="365126"/>
+            <a:ext cx="10515600" cy="387910"/>
+          </a:xfrm>
+        </p:spPr>
+        <p:txBody>
+          <a:bodyPr>
+            <a:normAutofit fontScale="90000"/>
+          </a:bodyPr>
+          <a:lstStyle/>
+          <a:p>
+            <a:pPr algn="ctr"/>
+            <a:r>
+              <a:rPr lang="fr-FR" sz="2800" b="1" dirty="0"/>
               <a:t>Title 1</a:t>
             </a:r>
           </a:p>
@@ -30672,7 +30995,7 @@
     </p:spTree>
     <p:extLst>
       <p:ext uri="{BB962C8B-B14F-4D97-AF65-F5344CB8AC3E}">
-        <p14:creationId xmlns:p14="http://schemas.microsoft.com/office/powerpoint/2010/main" val="1409772201"/>
+        <p14:creationId xmlns:p14="http://schemas.microsoft.com/office/powerpoint/2010/main" val="1135151085"/>
       </p:ext>
     </p:extLst>
   </p:cSld>

--- a/javaInstall/Installer l’environnement de développement java.pptx
+++ b/javaInstall/Installer l’environnement de développement java.pptx
@@ -30665,7 +30665,13 @@
           <a:prstGeom prst="rect">
             <a:avLst/>
           </a:prstGeom>
-          <a:ln w="76200"/>
+          <a:ln w="76200">
+            <a:solidFill>
+              <a:schemeClr val="accent2">
+                <a:lumMod val="50000"/>
+              </a:schemeClr>
+            </a:solidFill>
+          </a:ln>
         </p:spPr>
         <p:style>
           <a:lnRef idx="2">
@@ -30704,7 +30710,7 @@
         </p:nvSpPr>
         <p:spPr>
           <a:xfrm>
-            <a:off x="1732548" y="413252"/>
+            <a:off x="513431" y="887436"/>
             <a:ext cx="649537" cy="461665"/>
           </a:xfrm>
           <a:prstGeom prst="rect">
@@ -30727,15 +30733,71 @@
                   <a:prstDash val="solid"/>
                 </a:ln>
                 <a:solidFill>
-                  <a:schemeClr val="accent2">
-                    <a:lumMod val="40000"/>
-                    <a:lumOff val="60000"/>
+                  <a:schemeClr val="accent4">
+                    <a:lumMod val="50000"/>
                   </a:schemeClr>
                 </a:solidFill>
               </a:rPr>
               <a:t>JDK</a:t>
             </a:r>
-            <a:endParaRPr lang="fr-FR" b="1" dirty="0"/>
+            <a:endParaRPr lang="fr-FR" b="1" dirty="0">
+              <a:solidFill>
+                <a:schemeClr val="accent4">
+                  <a:lumMod val="50000"/>
+                </a:schemeClr>
+              </a:solidFill>
+            </a:endParaRPr>
+          </a:p>
+        </p:txBody>
+      </p:sp>
+      <p:sp>
+        <p:nvSpPr>
+          <p:cNvPr id="8" name="Rectangle 7">
+            <a:extLst>
+              <a:ext uri="{FF2B5EF4-FFF2-40B4-BE49-F238E27FC236}">
+                <a16:creationId xmlns:a16="http://schemas.microsoft.com/office/drawing/2014/main" id="{1B8C68AC-9552-0990-C3C2-28DB08DC971D}"/>
+              </a:ext>
+            </a:extLst>
+          </p:cNvPr>
+          <p:cNvSpPr/>
+          <p:nvPr/>
+        </p:nvSpPr>
+        <p:spPr>
+          <a:xfrm>
+            <a:off x="2165595" y="1463426"/>
+            <a:ext cx="7563144" cy="3838581"/>
+          </a:xfrm>
+          <a:prstGeom prst="rect">
+            <a:avLst/>
+          </a:prstGeom>
+          <a:ln w="76200">
+            <a:solidFill>
+              <a:schemeClr val="accent1">
+                <a:lumMod val="75000"/>
+              </a:schemeClr>
+            </a:solidFill>
+          </a:ln>
+        </p:spPr>
+        <p:style>
+          <a:lnRef idx="2">
+            <a:schemeClr val="dk1"/>
+          </a:lnRef>
+          <a:fillRef idx="1">
+            <a:schemeClr val="lt1"/>
+          </a:fillRef>
+          <a:effectRef idx="0">
+            <a:schemeClr val="dk1"/>
+          </a:effectRef>
+          <a:fontRef idx="minor">
+            <a:schemeClr val="dk1"/>
+          </a:fontRef>
+        </p:style>
+        <p:txBody>
+          <a:bodyPr rtlCol="0" anchor="ctr"/>
+          <a:lstStyle/>
+          <a:p>
+            <a:pPr algn="ctr"/>
+            <a:endParaRPr lang="fr-FR" dirty="0"/>
           </a:p>
         </p:txBody>
       </p:sp>
@@ -30753,7 +30815,7 @@
         </p:nvSpPr>
         <p:spPr>
           <a:xfrm>
-            <a:off x="1908676" y="890016"/>
+            <a:off x="2349835" y="1547048"/>
             <a:ext cx="611065" cy="461665"/>
           </a:xfrm>
           <a:prstGeom prst="rect">
@@ -30777,17 +30839,11 @@
                   </a:solidFill>
                   <a:prstDash val="solid"/>
                 </a:ln>
-                <a:pattFill prst="dkUpDiag">
-                  <a:fgClr>
-                    <a:schemeClr val="tx2"/>
-                  </a:fgClr>
-                  <a:bgClr>
-                    <a:schemeClr val="tx2">
-                      <a:lumMod val="20000"/>
-                      <a:lumOff val="80000"/>
-                    </a:schemeClr>
-                  </a:bgClr>
-                </a:pattFill>
+                <a:solidFill>
+                  <a:schemeClr val="accent1">
+                    <a:lumMod val="75000"/>
+                  </a:schemeClr>
+                </a:solidFill>
                 <a:effectLst>
                   <a:outerShdw dist="38100" dir="2640000" algn="bl" rotWithShape="0">
                     <a:schemeClr val="tx2">
@@ -30807,17 +30863,11 @@
                 </a:solidFill>
                 <a:prstDash val="solid"/>
               </a:ln>
-              <a:pattFill prst="dkUpDiag">
-                <a:fgClr>
-                  <a:schemeClr val="tx2"/>
-                </a:fgClr>
-                <a:bgClr>
-                  <a:schemeClr val="tx2">
-                    <a:lumMod val="20000"/>
-                    <a:lumOff val="80000"/>
-                  </a:schemeClr>
-                </a:bgClr>
-              </a:pattFill>
+              <a:solidFill>
+                <a:schemeClr val="accent1">
+                  <a:lumMod val="75000"/>
+                </a:schemeClr>
+              </a:solidFill>
               <a:effectLst>
                 <a:outerShdw dist="38100" dir="2640000" algn="bl" rotWithShape="0">
                   <a:schemeClr val="tx2">
@@ -30826,6 +30876,55 @@
                 </a:outerShdw>
               </a:effectLst>
             </a:endParaRPr>
+          </a:p>
+        </p:txBody>
+      </p:sp>
+      <p:sp>
+        <p:nvSpPr>
+          <p:cNvPr id="9" name="Rectangle 8">
+            <a:extLst>
+              <a:ext uri="{FF2B5EF4-FFF2-40B4-BE49-F238E27FC236}">
+                <a16:creationId xmlns:a16="http://schemas.microsoft.com/office/drawing/2014/main" id="{F62AA80C-5F08-F076-96A0-9D181CC5B41F}"/>
+              </a:ext>
+            </a:extLst>
+          </p:cNvPr>
+          <p:cNvSpPr/>
+          <p:nvPr/>
+        </p:nvSpPr>
+        <p:spPr>
+          <a:xfrm>
+            <a:off x="2463261" y="2247798"/>
+            <a:ext cx="2830300" cy="2846779"/>
+          </a:xfrm>
+          <a:prstGeom prst="rect">
+            <a:avLst/>
+          </a:prstGeom>
+          <a:ln w="76200">
+            <a:solidFill>
+              <a:srgbClr val="00B050"/>
+            </a:solidFill>
+          </a:ln>
+        </p:spPr>
+        <p:style>
+          <a:lnRef idx="2">
+            <a:schemeClr val="dk1"/>
+          </a:lnRef>
+          <a:fillRef idx="1">
+            <a:schemeClr val="lt1"/>
+          </a:fillRef>
+          <a:effectRef idx="0">
+            <a:schemeClr val="dk1"/>
+          </a:effectRef>
+          <a:fontRef idx="minor">
+            <a:schemeClr val="dk1"/>
+          </a:fontRef>
+        </p:style>
+        <p:txBody>
+          <a:bodyPr rtlCol="0" anchor="ctr"/>
+          <a:lstStyle/>
+          <a:p>
+            <a:pPr algn="ctr"/>
+            <a:endParaRPr lang="fr-FR" dirty="0"/>
           </a:p>
         </p:txBody>
       </p:sp>
@@ -30843,7 +30942,7 @@
         </p:nvSpPr>
         <p:spPr>
           <a:xfrm>
-            <a:off x="3360485" y="1018353"/>
+            <a:off x="2591247" y="2355006"/>
             <a:ext cx="739305" cy="461665"/>
           </a:xfrm>
           <a:prstGeom prst="rect">
@@ -30866,10 +30965,7 @@
                   <a:prstDash val="solid"/>
                 </a:ln>
                 <a:solidFill>
-                  <a:schemeClr val="tx1">
-                    <a:lumMod val="85000"/>
-                    <a:lumOff val="15000"/>
-                  </a:schemeClr>
+                  <a:srgbClr val="00B050"/>
                 </a:solidFill>
                 <a:effectLst>
                   <a:outerShdw dist="38100" dir="2700000" algn="bl" rotWithShape="0">
@@ -30887,10 +30983,7 @@
                 <a:prstDash val="solid"/>
               </a:ln>
               <a:solidFill>
-                <a:schemeClr val="tx1">
-                  <a:lumMod val="85000"/>
-                  <a:lumOff val="15000"/>
-                </a:schemeClr>
+                <a:srgbClr val="00B050"/>
               </a:solidFill>
               <a:effectLst>
                 <a:outerShdw dist="38100" dir="2700000" algn="bl" rotWithShape="0">
@@ -30898,6 +30991,125 @@
                 </a:outerShdw>
               </a:effectLst>
             </a:endParaRPr>
+          </a:p>
+        </p:txBody>
+      </p:sp>
+      <p:sp>
+        <p:nvSpPr>
+          <p:cNvPr id="3" name="Ellipse 2">
+            <a:extLst>
+              <a:ext uri="{FF2B5EF4-FFF2-40B4-BE49-F238E27FC236}">
+                <a16:creationId xmlns:a16="http://schemas.microsoft.com/office/drawing/2014/main" id="{B2D989AC-70B5-EE97-E220-7F7BF4468008}"/>
+              </a:ext>
+            </a:extLst>
+          </p:cNvPr>
+          <p:cNvSpPr/>
+          <p:nvPr/>
+        </p:nvSpPr>
+        <p:spPr>
+          <a:xfrm>
+            <a:off x="5542614" y="2355006"/>
+            <a:ext cx="1957138" cy="1421986"/>
+          </a:xfrm>
+          <a:prstGeom prst="ellipse">
+            <a:avLst/>
+          </a:prstGeom>
+        </p:spPr>
+        <p:style>
+          <a:lnRef idx="2">
+            <a:schemeClr val="accent6"/>
+          </a:lnRef>
+          <a:fillRef idx="1">
+            <a:schemeClr val="lt1"/>
+          </a:fillRef>
+          <a:effectRef idx="0">
+            <a:schemeClr val="accent6"/>
+          </a:effectRef>
+          <a:fontRef idx="minor">
+            <a:schemeClr val="dk1"/>
+          </a:fontRef>
+        </p:style>
+        <p:txBody>
+          <a:bodyPr rtlCol="0" anchor="ctr"/>
+          <a:lstStyle/>
+          <a:p>
+            <a:pPr algn="ctr"/>
+            <a:r>
+              <a:rPr lang="fr-FR" sz="2000" b="1" dirty="0"/>
+              <a:t>Java Class Library</a:t>
+            </a:r>
+          </a:p>
+        </p:txBody>
+      </p:sp>
+      <p:sp>
+        <p:nvSpPr>
+          <p:cNvPr id="10" name="Rectangle 9">
+            <a:extLst>
+              <a:ext uri="{FF2B5EF4-FFF2-40B4-BE49-F238E27FC236}">
+                <a16:creationId xmlns:a16="http://schemas.microsoft.com/office/drawing/2014/main" id="{9957C9F8-7BBA-A0D4-AB93-2C4F2AB4AC91}"/>
+              </a:ext>
+            </a:extLst>
+          </p:cNvPr>
+          <p:cNvSpPr/>
+          <p:nvPr/>
+        </p:nvSpPr>
+        <p:spPr>
+          <a:xfrm>
+            <a:off x="7719696" y="2247798"/>
+            <a:ext cx="1881057" cy="1939190"/>
+          </a:xfrm>
+          <a:prstGeom prst="rect">
+            <a:avLst/>
+          </a:prstGeom>
+          <a:ln w="12700">
+            <a:solidFill>
+              <a:srgbClr val="00B050"/>
+            </a:solidFill>
+          </a:ln>
+        </p:spPr>
+        <p:style>
+          <a:lnRef idx="2">
+            <a:schemeClr val="dk1"/>
+          </a:lnRef>
+          <a:fillRef idx="1">
+            <a:schemeClr val="lt1"/>
+          </a:fillRef>
+          <a:effectRef idx="0">
+            <a:schemeClr val="dk1"/>
+          </a:effectRef>
+          <a:fontRef idx="minor">
+            <a:schemeClr val="dk1"/>
+          </a:fontRef>
+        </p:style>
+        <p:txBody>
+          <a:bodyPr rtlCol="0" anchor="ctr"/>
+          <a:lstStyle/>
+          <a:p>
+            <a:pPr algn="ctr"/>
+            <a:r>
+              <a:rPr lang="fr-FR" sz="2000" b="1" dirty="0"/>
+              <a:t>Outils de développement </a:t>
+            </a:r>
+            <a:r>
+              <a:rPr lang="fr-FR" dirty="0"/>
+              <a:t>(java, </a:t>
+            </a:r>
+            <a:r>
+              <a:rPr lang="fr-FR" dirty="0" err="1"/>
+              <a:t>javac</a:t>
+            </a:r>
+            <a:r>
+              <a:rPr lang="fr-FR" dirty="0"/>
+              <a:t>, </a:t>
+            </a:r>
+            <a:r>
+              <a:rPr lang="fr-FR" dirty="0" err="1"/>
+              <a:t>jdb</a:t>
+            </a:r>
+            <a:r>
+              <a:rPr lang="fr-FR" dirty="0"/>
+              <a:t>, …)</a:t>
+            </a:r>
           </a:p>
         </p:txBody>
       </p:sp>

--- a/javaInstall/Installer l’environnement de développement java.pptx
+++ b/javaInstall/Installer l’environnement de développement java.pptx
@@ -5,18 +5,19 @@
     <p:sldMasterId id="2147483648" r:id="rId1"/>
   </p:sldMasterIdLst>
   <p:notesMasterIdLst>
-    <p:notesMasterId r:id="rId11"/>
+    <p:notesMasterId r:id="rId12"/>
   </p:notesMasterIdLst>
   <p:sldIdLst>
     <p:sldId id="256" r:id="rId2"/>
     <p:sldId id="257" r:id="rId3"/>
     <p:sldId id="258" r:id="rId4"/>
     <p:sldId id="259" r:id="rId5"/>
-    <p:sldId id="262" r:id="rId6"/>
-    <p:sldId id="260" r:id="rId7"/>
-    <p:sldId id="265" r:id="rId8"/>
-    <p:sldId id="264" r:id="rId9"/>
-    <p:sldId id="266" r:id="rId10"/>
+    <p:sldId id="266" r:id="rId6"/>
+    <p:sldId id="262" r:id="rId7"/>
+    <p:sldId id="260" r:id="rId8"/>
+    <p:sldId id="265" r:id="rId9"/>
+    <p:sldId id="264" r:id="rId10"/>
+    <p:sldId id="267" r:id="rId11"/>
   </p:sldIdLst>
   <p:sldSz cx="12192000" cy="6858000"/>
   <p:notesSz cx="6858000" cy="9144000"/>
@@ -21614,7 +21615,7 @@
           <a:p>
             <a:fld id="{FFAB9FEE-6C2E-4536-9FC3-4AB411E3EFE1}" type="slidenum">
               <a:rPr lang="fr-FR" smtClean="0"/>
-              <a:t>5</a:t>
+              <a:t>6</a:t>
             </a:fld>
             <a:endParaRPr lang="fr-FR"/>
           </a:p>
@@ -24913,6 +24914,97 @@
 </p:sld>
 </file>
 
+<file path=ppt/slides/slide10.xml><?xml version="1.0" encoding="utf-8"?>
+<p:sld xmlns:a="http://schemas.openxmlformats.org/drawingml/2006/main" xmlns:r="http://schemas.openxmlformats.org/officeDocument/2006/relationships" xmlns:p="http://schemas.openxmlformats.org/presentationml/2006/main">
+  <p:cSld>
+    <p:spTree>
+      <p:nvGrpSpPr>
+        <p:cNvPr id="1" name=""/>
+        <p:cNvGrpSpPr/>
+        <p:nvPr/>
+      </p:nvGrpSpPr>
+      <p:grpSpPr>
+        <a:xfrm>
+          <a:off x="0" y="0"/>
+          <a:ext cx="0" cy="0"/>
+          <a:chOff x="0" y="0"/>
+          <a:chExt cx="0" cy="0"/>
+        </a:xfrm>
+      </p:grpSpPr>
+      <p:sp>
+        <p:nvSpPr>
+          <p:cNvPr id="2" name="Titre 1">
+            <a:extLst>
+              <a:ext uri="{FF2B5EF4-FFF2-40B4-BE49-F238E27FC236}">
+                <a16:creationId xmlns:a16="http://schemas.microsoft.com/office/drawing/2014/main" id="{58BF5858-B382-4ADA-7190-96494181BC03}"/>
+              </a:ext>
+            </a:extLst>
+          </p:cNvPr>
+          <p:cNvSpPr>
+            <a:spLocks noGrp="1"/>
+          </p:cNvSpPr>
+          <p:nvPr>
+            <p:ph type="title"/>
+          </p:nvPr>
+        </p:nvSpPr>
+        <p:spPr>
+          <a:xfrm>
+            <a:off x="838200" y="365126"/>
+            <a:ext cx="10515600" cy="387910"/>
+          </a:xfrm>
+        </p:spPr>
+        <p:txBody>
+          <a:bodyPr>
+            <a:normAutofit fontScale="90000"/>
+          </a:bodyPr>
+          <a:lstStyle/>
+          <a:p>
+            <a:pPr algn="ctr"/>
+            <a:r>
+              <a:rPr lang="fr-FR" sz="2800" b="1" dirty="0"/>
+              <a:t>Title 1</a:t>
+            </a:r>
+          </a:p>
+        </p:txBody>
+      </p:sp>
+      <p:sp>
+        <p:nvSpPr>
+          <p:cNvPr id="3" name="Espace réservé du contenu 2">
+            <a:extLst>
+              <a:ext uri="{FF2B5EF4-FFF2-40B4-BE49-F238E27FC236}">
+                <a16:creationId xmlns:a16="http://schemas.microsoft.com/office/drawing/2014/main" id="{096C347E-3FE9-BDC1-1B6F-F6DAF83108E7}"/>
+              </a:ext>
+            </a:extLst>
+          </p:cNvPr>
+          <p:cNvSpPr>
+            <a:spLocks noGrp="1"/>
+          </p:cNvSpPr>
+          <p:nvPr>
+            <p:ph idx="1"/>
+          </p:nvPr>
+        </p:nvSpPr>
+        <p:spPr/>
+        <p:txBody>
+          <a:bodyPr/>
+          <a:lstStyle/>
+          <a:p>
+            <a:endParaRPr lang="fr-FR" dirty="0"/>
+          </a:p>
+        </p:txBody>
+      </p:sp>
+    </p:spTree>
+    <p:extLst>
+      <p:ext uri="{BB962C8B-B14F-4D97-AF65-F5344CB8AC3E}">
+        <p14:creationId xmlns:p14="http://schemas.microsoft.com/office/powerpoint/2010/main" val="2460165413"/>
+      </p:ext>
+    </p:extLst>
+  </p:cSld>
+  <p:clrMapOvr>
+    <a:masterClrMapping/>
+  </p:clrMapOvr>
+</p:sld>
+</file>
+
 <file path=ppt/slides/slide2.xml><?xml version="1.0" encoding="utf-8"?>
 <p:sld xmlns:a="http://schemas.openxmlformats.org/drawingml/2006/main" xmlns:r="http://schemas.openxmlformats.org/officeDocument/2006/relationships" xmlns:p="http://schemas.openxmlformats.org/presentationml/2006/main">
   <p:cSld>
@@ -26915,6 +27007,604 @@
       </p:grpSpPr>
       <p:sp>
         <p:nvSpPr>
+          <p:cNvPr id="2" name="Titre 1">
+            <a:extLst>
+              <a:ext uri="{FF2B5EF4-FFF2-40B4-BE49-F238E27FC236}">
+                <a16:creationId xmlns:a16="http://schemas.microsoft.com/office/drawing/2014/main" id="{58BF5858-B382-4ADA-7190-96494181BC03}"/>
+              </a:ext>
+            </a:extLst>
+          </p:cNvPr>
+          <p:cNvSpPr>
+            <a:spLocks noGrp="1"/>
+          </p:cNvSpPr>
+          <p:nvPr>
+            <p:ph type="title"/>
+          </p:nvPr>
+        </p:nvSpPr>
+        <p:spPr>
+          <a:xfrm>
+            <a:off x="838200" y="365126"/>
+            <a:ext cx="10515600" cy="387910"/>
+          </a:xfrm>
+        </p:spPr>
+        <p:txBody>
+          <a:bodyPr>
+            <a:normAutofit fontScale="90000"/>
+          </a:bodyPr>
+          <a:lstStyle/>
+          <a:p>
+            <a:pPr algn="ctr"/>
+            <a:r>
+              <a:rPr lang="fr-FR" sz="2800" b="1" dirty="0"/>
+              <a:t>JVM</a:t>
+            </a:r>
+          </a:p>
+        </p:txBody>
+      </p:sp>
+      <p:grpSp>
+        <p:nvGrpSpPr>
+          <p:cNvPr id="11" name="Groupe 10">
+            <a:extLst>
+              <a:ext uri="{FF2B5EF4-FFF2-40B4-BE49-F238E27FC236}">
+                <a16:creationId xmlns:a16="http://schemas.microsoft.com/office/drawing/2014/main" id="{F33AC27B-D5BF-70CE-782B-70DD5E31D6DD}"/>
+              </a:ext>
+            </a:extLst>
+          </p:cNvPr>
+          <p:cNvGrpSpPr/>
+          <p:nvPr/>
+        </p:nvGrpSpPr>
+        <p:grpSpPr>
+          <a:xfrm>
+            <a:off x="4392071" y="1027223"/>
+            <a:ext cx="3407857" cy="3415573"/>
+            <a:chOff x="8394658" y="1757138"/>
+            <a:chExt cx="3407857" cy="3415573"/>
+          </a:xfrm>
+        </p:grpSpPr>
+        <p:sp>
+          <p:nvSpPr>
+            <p:cNvPr id="4" name="Rectangle 3">
+              <a:extLst>
+                <a:ext uri="{FF2B5EF4-FFF2-40B4-BE49-F238E27FC236}">
+                  <a16:creationId xmlns:a16="http://schemas.microsoft.com/office/drawing/2014/main" id="{E79149BA-ABEA-9FAD-DA9B-9C11B56DBC2D}"/>
+                </a:ext>
+              </a:extLst>
+            </p:cNvPr>
+            <p:cNvSpPr>
+              <a:spLocks/>
+            </p:cNvSpPr>
+            <p:nvPr/>
+          </p:nvSpPr>
+          <p:spPr>
+            <a:xfrm>
+              <a:off x="8394658" y="1757138"/>
+              <a:ext cx="3407857" cy="3415573"/>
+            </a:xfrm>
+            <a:prstGeom prst="rect">
+              <a:avLst/>
+            </a:prstGeom>
+            <a:ln w="38100">
+              <a:solidFill>
+                <a:srgbClr val="00B050"/>
+              </a:solidFill>
+            </a:ln>
+          </p:spPr>
+          <p:style>
+            <a:lnRef idx="2">
+              <a:schemeClr val="dk1"/>
+            </a:lnRef>
+            <a:fillRef idx="1">
+              <a:schemeClr val="lt1"/>
+            </a:fillRef>
+            <a:effectRef idx="0">
+              <a:schemeClr val="dk1"/>
+            </a:effectRef>
+            <a:fontRef idx="minor">
+              <a:schemeClr val="dk1"/>
+            </a:fontRef>
+          </p:style>
+          <p:txBody>
+            <a:bodyPr rtlCol="0" anchor="ctr"/>
+            <a:lstStyle/>
+            <a:p>
+              <a:pPr algn="ctr"/>
+              <a:endParaRPr lang="fr-FR" dirty="0"/>
+            </a:p>
+          </p:txBody>
+        </p:sp>
+        <p:sp>
+          <p:nvSpPr>
+            <p:cNvPr id="5" name="Ellipse 4">
+              <a:extLst>
+                <a:ext uri="{FF2B5EF4-FFF2-40B4-BE49-F238E27FC236}">
+                  <a16:creationId xmlns:a16="http://schemas.microsoft.com/office/drawing/2014/main" id="{D7CE44D0-6EBB-705A-0DC7-C2C6FA21E3BD}"/>
+                </a:ext>
+              </a:extLst>
+            </p:cNvPr>
+            <p:cNvSpPr/>
+            <p:nvPr/>
+          </p:nvSpPr>
+          <p:spPr>
+            <a:xfrm>
+              <a:off x="8429639" y="2125156"/>
+              <a:ext cx="3337897" cy="1339769"/>
+            </a:xfrm>
+            <a:prstGeom prst="ellipse">
+              <a:avLst/>
+            </a:prstGeom>
+            <a:ln w="38100"/>
+          </p:spPr>
+          <p:style>
+            <a:lnRef idx="2">
+              <a:schemeClr val="dk1"/>
+            </a:lnRef>
+            <a:fillRef idx="1">
+              <a:schemeClr val="lt1"/>
+            </a:fillRef>
+            <a:effectRef idx="0">
+              <a:schemeClr val="dk1"/>
+            </a:effectRef>
+            <a:fontRef idx="minor">
+              <a:schemeClr val="dk1"/>
+            </a:fontRef>
+          </p:style>
+          <p:txBody>
+            <a:bodyPr rtlCol="0" anchor="ctr"/>
+            <a:lstStyle/>
+            <a:p>
+              <a:pPr algn="ctr"/>
+              <a:endParaRPr lang="fr-FR"/>
+            </a:p>
+          </p:txBody>
+        </p:sp>
+        <p:sp>
+          <p:nvSpPr>
+            <p:cNvPr id="6" name="Rectangle 5">
+              <a:extLst>
+                <a:ext uri="{FF2B5EF4-FFF2-40B4-BE49-F238E27FC236}">
+                  <a16:creationId xmlns:a16="http://schemas.microsoft.com/office/drawing/2014/main" id="{994C85E6-6592-315C-9290-0925A5C05998}"/>
+                </a:ext>
+              </a:extLst>
+            </p:cNvPr>
+            <p:cNvSpPr>
+              <a:spLocks/>
+            </p:cNvSpPr>
+            <p:nvPr/>
+          </p:nvSpPr>
+          <p:spPr>
+            <a:xfrm>
+              <a:off x="8876564" y="2426375"/>
+              <a:ext cx="1138058" cy="743856"/>
+            </a:xfrm>
+            <a:prstGeom prst="rect">
+              <a:avLst/>
+            </a:prstGeom>
+            <a:ln w="28575"/>
+          </p:spPr>
+          <p:style>
+            <a:lnRef idx="2">
+              <a:schemeClr val="dk1"/>
+            </a:lnRef>
+            <a:fillRef idx="1">
+              <a:schemeClr val="lt1"/>
+            </a:fillRef>
+            <a:effectRef idx="0">
+              <a:schemeClr val="dk1"/>
+            </a:effectRef>
+            <a:fontRef idx="minor">
+              <a:schemeClr val="dk1"/>
+            </a:fontRef>
+          </p:style>
+          <p:txBody>
+            <a:bodyPr rtlCol="0" anchor="ctr"/>
+            <a:lstStyle/>
+            <a:p>
+              <a:pPr algn="ctr"/>
+              <a:endParaRPr lang="fr-FR" sz="2000" dirty="0">
+                <a:solidFill>
+                  <a:schemeClr val="tx1"/>
+                </a:solidFill>
+              </a:endParaRPr>
+            </a:p>
+            <a:p>
+              <a:pPr algn="ctr"/>
+              <a:r>
+                <a:rPr lang="fr-FR" sz="2000" dirty="0">
+                  <a:solidFill>
+                    <a:schemeClr val="tx1"/>
+                  </a:solidFill>
+                </a:rPr>
+                <a:t>Class loader</a:t>
+              </a:r>
+              <a:endParaRPr lang="fr-FR" sz="2000" dirty="0">
+                <a:solidFill>
+                  <a:schemeClr val="tx1"/>
+                </a:solidFill>
+                <a:effectLst/>
+              </a:endParaRPr>
+            </a:p>
+            <a:p>
+              <a:pPr algn="ctr"/>
+              <a:endParaRPr lang="fr-FR" dirty="0"/>
+            </a:p>
+          </p:txBody>
+        </p:sp>
+        <p:sp>
+          <p:nvSpPr>
+            <p:cNvPr id="7" name="Rectangle 6">
+              <a:extLst>
+                <a:ext uri="{FF2B5EF4-FFF2-40B4-BE49-F238E27FC236}">
+                  <a16:creationId xmlns:a16="http://schemas.microsoft.com/office/drawing/2014/main" id="{426F4C1A-7010-4E50-E514-1BFDA5C1A373}"/>
+                </a:ext>
+              </a:extLst>
+            </p:cNvPr>
+            <p:cNvSpPr>
+              <a:spLocks/>
+            </p:cNvSpPr>
+            <p:nvPr/>
+          </p:nvSpPr>
+          <p:spPr>
+            <a:xfrm>
+              <a:off x="10099030" y="2436726"/>
+              <a:ext cx="1242377" cy="743856"/>
+            </a:xfrm>
+            <a:prstGeom prst="rect">
+              <a:avLst/>
+            </a:prstGeom>
+            <a:ln w="28575"/>
+          </p:spPr>
+          <p:style>
+            <a:lnRef idx="2">
+              <a:schemeClr val="dk1"/>
+            </a:lnRef>
+            <a:fillRef idx="1">
+              <a:schemeClr val="lt1"/>
+            </a:fillRef>
+            <a:effectRef idx="0">
+              <a:schemeClr val="dk1"/>
+            </a:effectRef>
+            <a:fontRef idx="minor">
+              <a:schemeClr val="dk1"/>
+            </a:fontRef>
+          </p:style>
+          <p:txBody>
+            <a:bodyPr rtlCol="0" anchor="ctr"/>
+            <a:lstStyle/>
+            <a:p>
+              <a:pPr algn="ctr"/>
+              <a:endParaRPr lang="fr-FR" sz="2000" dirty="0">
+                <a:solidFill>
+                  <a:schemeClr val="tx1"/>
+                </a:solidFill>
+              </a:endParaRPr>
+            </a:p>
+            <a:p>
+              <a:pPr algn="ctr"/>
+              <a:r>
+                <a:rPr lang="fr-FR" sz="2000" dirty="0">
+                  <a:solidFill>
+                    <a:schemeClr val="tx1"/>
+                  </a:solidFill>
+                </a:rPr>
+                <a:t>bytecode verifier</a:t>
+              </a:r>
+              <a:endParaRPr lang="fr-FR" sz="2000" dirty="0">
+                <a:solidFill>
+                  <a:schemeClr val="tx1"/>
+                </a:solidFill>
+                <a:effectLst/>
+              </a:endParaRPr>
+            </a:p>
+            <a:p>
+              <a:pPr algn="ctr"/>
+              <a:endParaRPr lang="fr-FR" dirty="0"/>
+            </a:p>
+          </p:txBody>
+        </p:sp>
+        <p:sp>
+          <p:nvSpPr>
+            <p:cNvPr id="8" name="Rectangle 7">
+              <a:extLst>
+                <a:ext uri="{FF2B5EF4-FFF2-40B4-BE49-F238E27FC236}">
+                  <a16:creationId xmlns:a16="http://schemas.microsoft.com/office/drawing/2014/main" id="{C95CB844-1C10-1AE5-98E4-1557B98C4F78}"/>
+                </a:ext>
+              </a:extLst>
+            </p:cNvPr>
+            <p:cNvSpPr>
+              <a:spLocks/>
+            </p:cNvSpPr>
+            <p:nvPr/>
+          </p:nvSpPr>
+          <p:spPr>
+            <a:xfrm>
+              <a:off x="10104428" y="3644646"/>
+              <a:ext cx="1490591" cy="743856"/>
+            </a:xfrm>
+            <a:prstGeom prst="rect">
+              <a:avLst/>
+            </a:prstGeom>
+            <a:solidFill>
+              <a:schemeClr val="accent2">
+                <a:alpha val="50000"/>
+              </a:schemeClr>
+            </a:solidFill>
+            <a:ln>
+              <a:noFill/>
+            </a:ln>
+          </p:spPr>
+          <p:style>
+            <a:lnRef idx="0">
+              <a:scrgbClr r="0" g="0" b="0"/>
+            </a:lnRef>
+            <a:fillRef idx="0">
+              <a:scrgbClr r="0" g="0" b="0"/>
+            </a:fillRef>
+            <a:effectRef idx="0">
+              <a:scrgbClr r="0" g="0" b="0"/>
+            </a:effectRef>
+            <a:fontRef idx="minor">
+              <a:schemeClr val="lt1"/>
+            </a:fontRef>
+          </p:style>
+          <p:txBody>
+            <a:bodyPr rtlCol="0" anchor="ctr"/>
+            <a:lstStyle/>
+            <a:p>
+              <a:pPr algn="ctr"/>
+              <a:endParaRPr lang="fr-FR" sz="2000" dirty="0">
+                <a:solidFill>
+                  <a:schemeClr val="tx1"/>
+                </a:solidFill>
+              </a:endParaRPr>
+            </a:p>
+            <a:p>
+              <a:pPr algn="ctr"/>
+              <a:r>
+                <a:rPr lang="fr-FR" sz="2000" dirty="0">
+                  <a:solidFill>
+                    <a:schemeClr val="tx1"/>
+                  </a:solidFill>
+                </a:rPr>
+                <a:t>Compilateur JIT</a:t>
+              </a:r>
+              <a:endParaRPr lang="fr-FR" sz="2000" dirty="0">
+                <a:solidFill>
+                  <a:schemeClr val="tx1"/>
+                </a:solidFill>
+                <a:effectLst/>
+              </a:endParaRPr>
+            </a:p>
+            <a:p>
+              <a:pPr algn="ctr"/>
+              <a:endParaRPr lang="fr-FR" dirty="0"/>
+            </a:p>
+          </p:txBody>
+        </p:sp>
+        <p:sp>
+          <p:nvSpPr>
+            <p:cNvPr id="9" name="Rectangle 8">
+              <a:extLst>
+                <a:ext uri="{FF2B5EF4-FFF2-40B4-BE49-F238E27FC236}">
+                  <a16:creationId xmlns:a16="http://schemas.microsoft.com/office/drawing/2014/main" id="{4F0EDF3D-A78F-93D2-4161-0B84D4FFC89C}"/>
+                </a:ext>
+              </a:extLst>
+            </p:cNvPr>
+            <p:cNvSpPr>
+              <a:spLocks/>
+            </p:cNvSpPr>
+            <p:nvPr/>
+          </p:nvSpPr>
+          <p:spPr>
+            <a:xfrm>
+              <a:off x="8528669" y="4523235"/>
+              <a:ext cx="2251708" cy="432743"/>
+            </a:xfrm>
+            <a:prstGeom prst="rect">
+              <a:avLst/>
+            </a:prstGeom>
+            <a:ln w="57150">
+              <a:solidFill>
+                <a:srgbClr val="FF0000"/>
+              </a:solidFill>
+            </a:ln>
+          </p:spPr>
+          <p:style>
+            <a:lnRef idx="2">
+              <a:schemeClr val="accent1"/>
+            </a:lnRef>
+            <a:fillRef idx="1">
+              <a:schemeClr val="lt1"/>
+            </a:fillRef>
+            <a:effectRef idx="0">
+              <a:schemeClr val="accent1"/>
+            </a:effectRef>
+            <a:fontRef idx="minor">
+              <a:schemeClr val="dk1"/>
+            </a:fontRef>
+          </p:style>
+          <p:txBody>
+            <a:bodyPr rtlCol="0" anchor="ctr"/>
+            <a:lstStyle/>
+            <a:p>
+              <a:pPr algn="ctr"/>
+              <a:r>
+                <a:rPr lang="fr-FR" sz="2000" dirty="0">
+                  <a:solidFill>
+                    <a:schemeClr val="tx1"/>
+                  </a:solidFill>
+                </a:rPr>
+                <a:t>Runtime système</a:t>
+              </a:r>
+            </a:p>
+          </p:txBody>
+        </p:sp>
+        <p:sp>
+          <p:nvSpPr>
+            <p:cNvPr id="10" name="Rectangle 9">
+              <a:extLst>
+                <a:ext uri="{FF2B5EF4-FFF2-40B4-BE49-F238E27FC236}">
+                  <a16:creationId xmlns:a16="http://schemas.microsoft.com/office/drawing/2014/main" id="{BF17062C-F098-E8B6-DE89-0113E4FB0D64}"/>
+                </a:ext>
+              </a:extLst>
+            </p:cNvPr>
+            <p:cNvSpPr>
+              <a:spLocks/>
+            </p:cNvSpPr>
+            <p:nvPr/>
+          </p:nvSpPr>
+          <p:spPr>
+            <a:xfrm>
+              <a:off x="8523640" y="3644646"/>
+              <a:ext cx="1490591" cy="743856"/>
+            </a:xfrm>
+            <a:prstGeom prst="rect">
+              <a:avLst/>
+            </a:prstGeom>
+            <a:solidFill>
+              <a:schemeClr val="accent6">
+                <a:alpha val="50000"/>
+              </a:schemeClr>
+            </a:solidFill>
+            <a:ln>
+              <a:noFill/>
+            </a:ln>
+          </p:spPr>
+          <p:style>
+            <a:lnRef idx="0">
+              <a:scrgbClr r="0" g="0" b="0"/>
+            </a:lnRef>
+            <a:fillRef idx="0">
+              <a:scrgbClr r="0" g="0" b="0"/>
+            </a:fillRef>
+            <a:effectRef idx="0">
+              <a:scrgbClr r="0" g="0" b="0"/>
+            </a:effectRef>
+            <a:fontRef idx="minor">
+              <a:schemeClr val="lt1"/>
+            </a:fontRef>
+          </p:style>
+          <p:txBody>
+            <a:bodyPr rtlCol="0" anchor="ctr"/>
+            <a:lstStyle/>
+            <a:p>
+              <a:pPr algn="ctr"/>
+              <a:endParaRPr lang="fr-FR" sz="2000" dirty="0">
+                <a:solidFill>
+                  <a:schemeClr val="tx1"/>
+                </a:solidFill>
+              </a:endParaRPr>
+            </a:p>
+            <a:p>
+              <a:pPr algn="ctr"/>
+              <a:r>
+                <a:rPr lang="fr-FR" sz="2000" dirty="0">
+                  <a:solidFill>
+                    <a:schemeClr val="tx1"/>
+                  </a:solidFill>
+                </a:rPr>
+                <a:t>Interpréteur Java</a:t>
+              </a:r>
+              <a:endParaRPr lang="fr-FR" sz="2000" dirty="0">
+                <a:solidFill>
+                  <a:schemeClr val="tx1"/>
+                </a:solidFill>
+                <a:effectLst/>
+              </a:endParaRPr>
+            </a:p>
+            <a:p>
+              <a:pPr algn="ctr"/>
+              <a:endParaRPr lang="fr-FR" dirty="0"/>
+            </a:p>
+          </p:txBody>
+        </p:sp>
+        <p:sp>
+          <p:nvSpPr>
+            <p:cNvPr id="12" name="Rectangle 11">
+              <a:extLst>
+                <a:ext uri="{FF2B5EF4-FFF2-40B4-BE49-F238E27FC236}">
+                  <a16:creationId xmlns:a16="http://schemas.microsoft.com/office/drawing/2014/main" id="{FD14B11F-EDB8-F119-2650-472753B14936}"/>
+                </a:ext>
+              </a:extLst>
+            </p:cNvPr>
+            <p:cNvSpPr>
+              <a:spLocks/>
+            </p:cNvSpPr>
+            <p:nvPr/>
+          </p:nvSpPr>
+          <p:spPr>
+            <a:xfrm>
+              <a:off x="10815050" y="4523234"/>
+              <a:ext cx="952792" cy="432743"/>
+            </a:xfrm>
+            <a:prstGeom prst="rect">
+              <a:avLst/>
+            </a:prstGeom>
+            <a:ln w="28575"/>
+          </p:spPr>
+          <p:style>
+            <a:lnRef idx="2">
+              <a:schemeClr val="dk1"/>
+            </a:lnRef>
+            <a:fillRef idx="1">
+              <a:schemeClr val="lt1"/>
+            </a:fillRef>
+            <a:effectRef idx="0">
+              <a:schemeClr val="dk1"/>
+            </a:effectRef>
+            <a:fontRef idx="minor">
+              <a:schemeClr val="dk1"/>
+            </a:fontRef>
+          </p:style>
+          <p:txBody>
+            <a:bodyPr rtlCol="0" anchor="ctr"/>
+            <a:lstStyle/>
+            <a:p>
+              <a:pPr algn="ctr"/>
+              <a:r>
+                <a:rPr lang="fr-FR" sz="1600" dirty="0">
+                  <a:solidFill>
+                    <a:schemeClr val="tx1"/>
+                  </a:solidFill>
+                </a:rPr>
+                <a:t>Garbage Collector</a:t>
+              </a:r>
+              <a:endParaRPr lang="fr-FR" sz="1600" dirty="0"/>
+            </a:p>
+          </p:txBody>
+        </p:sp>
+      </p:grpSp>
+    </p:spTree>
+    <p:extLst>
+      <p:ext uri="{BB962C8B-B14F-4D97-AF65-F5344CB8AC3E}">
+        <p14:creationId xmlns:p14="http://schemas.microsoft.com/office/powerpoint/2010/main" val="1135151085"/>
+      </p:ext>
+    </p:extLst>
+  </p:cSld>
+  <p:clrMapOvr>
+    <a:masterClrMapping/>
+  </p:clrMapOvr>
+</p:sld>
+</file>
+
+<file path=ppt/slides/slide6.xml><?xml version="1.0" encoding="utf-8"?>
+<p:sld xmlns:a="http://schemas.openxmlformats.org/drawingml/2006/main" xmlns:r="http://schemas.openxmlformats.org/officeDocument/2006/relationships" xmlns:p="http://schemas.openxmlformats.org/presentationml/2006/main">
+  <p:cSld>
+    <p:spTree>
+      <p:nvGrpSpPr>
+        <p:cNvPr id="1" name=""/>
+        <p:cNvGrpSpPr/>
+        <p:nvPr/>
+      </p:nvGrpSpPr>
+      <p:grpSpPr>
+        <a:xfrm>
+          <a:off x="0" y="0"/>
+          <a:ext cx="0" cy="0"/>
+          <a:chOff x="0" y="0"/>
+          <a:chExt cx="0" cy="0"/>
+        </a:xfrm>
+      </p:grpSpPr>
+      <p:sp>
+        <p:nvSpPr>
           <p:cNvPr id="55" name="Rectangle 54">
             <a:extLst>
               <a:ext uri="{FF2B5EF4-FFF2-40B4-BE49-F238E27FC236}">
@@ -28475,64 +29165,6 @@
       </p:sp>
       <p:sp>
         <p:nvSpPr>
-          <p:cNvPr id="51" name="Rectangle 50">
-            <a:extLst>
-              <a:ext uri="{FF2B5EF4-FFF2-40B4-BE49-F238E27FC236}">
-                <a16:creationId xmlns:a16="http://schemas.microsoft.com/office/drawing/2014/main" id="{2B5BDF4A-44C5-5AB8-125E-A9F6E2BF9EEA}"/>
-              </a:ext>
-            </a:extLst>
-          </p:cNvPr>
-          <p:cNvSpPr>
-            <a:spLocks/>
-          </p:cNvSpPr>
-          <p:nvPr/>
-        </p:nvSpPr>
-        <p:spPr>
-          <a:xfrm>
-            <a:off x="8528668" y="4523235"/>
-            <a:ext cx="3069877" cy="432743"/>
-          </a:xfrm>
-          <a:prstGeom prst="rect">
-            <a:avLst/>
-          </a:prstGeom>
-          <a:ln w="57150">
-            <a:solidFill>
-              <a:srgbClr val="FF0000"/>
-            </a:solidFill>
-          </a:ln>
-        </p:spPr>
-        <p:style>
-          <a:lnRef idx="2">
-            <a:schemeClr val="accent1"/>
-          </a:lnRef>
-          <a:fillRef idx="1">
-            <a:schemeClr val="lt1"/>
-          </a:fillRef>
-          <a:effectRef idx="0">
-            <a:schemeClr val="accent1"/>
-          </a:effectRef>
-          <a:fontRef idx="minor">
-            <a:schemeClr val="dk1"/>
-          </a:fontRef>
-        </p:style>
-        <p:txBody>
-          <a:bodyPr rtlCol="0" anchor="ctr"/>
-          <a:lstStyle/>
-          <a:p>
-            <a:pPr algn="ctr"/>
-            <a:r>
-              <a:rPr lang="fr-FR" sz="2000" b="1" dirty="0">
-                <a:solidFill>
-                  <a:schemeClr val="tx1"/>
-                </a:solidFill>
-              </a:rPr>
-              <a:t>Runtime système</a:t>
-            </a:r>
-          </a:p>
-        </p:txBody>
-      </p:sp>
-      <p:sp>
-        <p:nvSpPr>
           <p:cNvPr id="52" name="Rectangle 51">
             <a:extLst>
               <a:ext uri="{FF2B5EF4-FFF2-40B4-BE49-F238E27FC236}">
@@ -29155,6 +29787,140 @@
           </p:txBody>
         </p:sp>
       </p:grpSp>
+      <p:grpSp>
+        <p:nvGrpSpPr>
+          <p:cNvPr id="10" name="Groupe 9">
+            <a:extLst>
+              <a:ext uri="{FF2B5EF4-FFF2-40B4-BE49-F238E27FC236}">
+                <a16:creationId xmlns:a16="http://schemas.microsoft.com/office/drawing/2014/main" id="{82A7A3D8-BEE6-7E0B-EBA0-5EEBB259DCDF}"/>
+              </a:ext>
+            </a:extLst>
+          </p:cNvPr>
+          <p:cNvGrpSpPr/>
+          <p:nvPr/>
+        </p:nvGrpSpPr>
+        <p:grpSpPr>
+          <a:xfrm>
+            <a:off x="8528669" y="4520830"/>
+            <a:ext cx="3147800" cy="435148"/>
+            <a:chOff x="8528669" y="4520830"/>
+            <a:chExt cx="3147800" cy="435148"/>
+          </a:xfrm>
+        </p:grpSpPr>
+        <p:sp>
+          <p:nvSpPr>
+            <p:cNvPr id="51" name="Rectangle 50">
+              <a:extLst>
+                <a:ext uri="{FF2B5EF4-FFF2-40B4-BE49-F238E27FC236}">
+                  <a16:creationId xmlns:a16="http://schemas.microsoft.com/office/drawing/2014/main" id="{2B5BDF4A-44C5-5AB8-125E-A9F6E2BF9EEA}"/>
+                </a:ext>
+              </a:extLst>
+            </p:cNvPr>
+            <p:cNvSpPr>
+              <a:spLocks/>
+            </p:cNvSpPr>
+            <p:nvPr/>
+          </p:nvSpPr>
+          <p:spPr>
+            <a:xfrm>
+              <a:off x="8528669" y="4523235"/>
+              <a:ext cx="2099226" cy="432743"/>
+            </a:xfrm>
+            <a:prstGeom prst="rect">
+              <a:avLst/>
+            </a:prstGeom>
+            <a:ln w="57150">
+              <a:solidFill>
+                <a:srgbClr val="FF0000"/>
+              </a:solidFill>
+            </a:ln>
+          </p:spPr>
+          <p:style>
+            <a:lnRef idx="2">
+              <a:schemeClr val="accent1"/>
+            </a:lnRef>
+            <a:fillRef idx="1">
+              <a:schemeClr val="lt1"/>
+            </a:fillRef>
+            <a:effectRef idx="0">
+              <a:schemeClr val="accent1"/>
+            </a:effectRef>
+            <a:fontRef idx="minor">
+              <a:schemeClr val="dk1"/>
+            </a:fontRef>
+          </p:style>
+          <p:txBody>
+            <a:bodyPr rtlCol="0" anchor="ctr"/>
+            <a:lstStyle/>
+            <a:p>
+              <a:pPr algn="ctr"/>
+              <a:r>
+                <a:rPr lang="fr-FR" sz="2000" b="1" dirty="0">
+                  <a:solidFill>
+                    <a:schemeClr val="tx1"/>
+                  </a:solidFill>
+                </a:rPr>
+                <a:t>Runtime système</a:t>
+              </a:r>
+            </a:p>
+          </p:txBody>
+        </p:sp>
+        <p:sp>
+          <p:nvSpPr>
+            <p:cNvPr id="45" name="Rectangle 44">
+              <a:extLst>
+                <a:ext uri="{FF2B5EF4-FFF2-40B4-BE49-F238E27FC236}">
+                  <a16:creationId xmlns:a16="http://schemas.microsoft.com/office/drawing/2014/main" id="{2CA05B26-DD0A-F9A4-5CE6-AF18067A2C06}"/>
+                </a:ext>
+              </a:extLst>
+            </p:cNvPr>
+            <p:cNvSpPr>
+              <a:spLocks/>
+            </p:cNvSpPr>
+            <p:nvPr/>
+          </p:nvSpPr>
+          <p:spPr>
+            <a:xfrm>
+              <a:off x="10723677" y="4520830"/>
+              <a:ext cx="952792" cy="432743"/>
+            </a:xfrm>
+            <a:prstGeom prst="rect">
+              <a:avLst/>
+            </a:prstGeom>
+            <a:ln w="28575"/>
+          </p:spPr>
+          <p:style>
+            <a:lnRef idx="2">
+              <a:schemeClr val="dk1"/>
+            </a:lnRef>
+            <a:fillRef idx="1">
+              <a:schemeClr val="lt1"/>
+            </a:fillRef>
+            <a:effectRef idx="0">
+              <a:schemeClr val="dk1"/>
+            </a:effectRef>
+            <a:fontRef idx="minor">
+              <a:schemeClr val="dk1"/>
+            </a:fontRef>
+          </p:style>
+          <p:txBody>
+            <a:bodyPr rtlCol="0" anchor="ctr"/>
+            <a:lstStyle/>
+            <a:p>
+              <a:pPr algn="ctr"/>
+              <a:r>
+                <a:rPr lang="fr-FR" sz="1600" dirty="0">
+                  <a:solidFill>
+                    <a:schemeClr val="tx1"/>
+                  </a:solidFill>
+                </a:rPr>
+                <a:t>Garbage Collector</a:t>
+              </a:r>
+              <a:endParaRPr lang="fr-FR" sz="1600" dirty="0"/>
+            </a:p>
+          </p:txBody>
+        </p:sp>
+      </p:grpSp>
     </p:spTree>
     <p:extLst>
       <p:ext uri="{BB962C8B-B14F-4D97-AF65-F5344CB8AC3E}">
@@ -29168,7 +29934,7 @@
 </p:sld>
 </file>
 
-<file path=ppt/slides/slide6.xml><?xml version="1.0" encoding="utf-8"?>
+<file path=ppt/slides/slide7.xml><?xml version="1.0" encoding="utf-8"?>
 <p:sld xmlns:a="http://schemas.openxmlformats.org/drawingml/2006/main" xmlns:r="http://schemas.openxmlformats.org/officeDocument/2006/relationships" xmlns:p="http://schemas.openxmlformats.org/presentationml/2006/main">
   <p:cSld>
     <p:spTree>
@@ -29700,7 +30466,7 @@
 </p:sld>
 </file>
 
-<file path=ppt/slides/slide7.xml><?xml version="1.0" encoding="utf-8"?>
+<file path=ppt/slides/slide8.xml><?xml version="1.0" encoding="utf-8"?>
 <p:sld xmlns:a="http://schemas.openxmlformats.org/drawingml/2006/main" xmlns:r="http://schemas.openxmlformats.org/officeDocument/2006/relationships" xmlns:p="http://schemas.openxmlformats.org/presentationml/2006/main">
   <p:cSld>
     <p:spTree>
@@ -30592,7 +31358,7 @@
 </p:sld>
 </file>
 
-<file path=ppt/slides/slide8.xml><?xml version="1.0" encoding="utf-8"?>
+<file path=ppt/slides/slide9.xml><?xml version="1.0" encoding="utf-8"?>
 <p:sld xmlns:a="http://schemas.openxmlformats.org/drawingml/2006/main" xmlns:r="http://schemas.openxmlformats.org/officeDocument/2006/relationships" xmlns:p="http://schemas.openxmlformats.org/presentationml/2006/main">
   <p:cSld>
     <p:spTree>
@@ -30645,192 +31411,182 @@
           </a:p>
         </p:txBody>
       </p:sp>
-      <p:sp>
-        <p:nvSpPr>
-          <p:cNvPr id="4" name="Rectangle 3">
+      <p:grpSp>
+        <p:nvGrpSpPr>
+          <p:cNvPr id="11" name="Groupe 10">
             <a:extLst>
               <a:ext uri="{FF2B5EF4-FFF2-40B4-BE49-F238E27FC236}">
-                <a16:creationId xmlns:a16="http://schemas.microsoft.com/office/drawing/2014/main" id="{180B6540-EE31-E28D-D043-729067A9685B}"/>
+                <a16:creationId xmlns:a16="http://schemas.microsoft.com/office/drawing/2014/main" id="{CE6419B1-F7F3-1B8E-353B-684880AE2EA3}"/>
               </a:ext>
             </a:extLst>
           </p:cNvPr>
-          <p:cNvSpPr/>
+          <p:cNvGrpSpPr/>
           <p:nvPr/>
-        </p:nvSpPr>
-        <p:spPr>
+        </p:nvGrpSpPr>
+        <p:grpSpPr>
           <a:xfrm>
-            <a:off x="433137" y="834189"/>
-            <a:ext cx="11301663" cy="5542548"/>
+            <a:off x="1628274" y="776518"/>
+            <a:ext cx="8871284" cy="5110935"/>
+            <a:chOff x="1624110" y="776518"/>
+            <a:chExt cx="8651960" cy="5110935"/>
           </a:xfrm>
-          <a:prstGeom prst="rect">
-            <a:avLst/>
-          </a:prstGeom>
-          <a:ln w="76200">
-            <a:solidFill>
-              <a:schemeClr val="accent2">
-                <a:lumMod val="50000"/>
-              </a:schemeClr>
-            </a:solidFill>
-          </a:ln>
-        </p:spPr>
-        <p:style>
-          <a:lnRef idx="2">
-            <a:schemeClr val="dk1"/>
-          </a:lnRef>
-          <a:fillRef idx="1">
-            <a:schemeClr val="lt1"/>
-          </a:fillRef>
-          <a:effectRef idx="0">
-            <a:schemeClr val="dk1"/>
-          </a:effectRef>
-          <a:fontRef idx="minor">
-            <a:schemeClr val="dk1"/>
-          </a:fontRef>
-        </p:style>
-        <p:txBody>
-          <a:bodyPr rtlCol="0" anchor="ctr"/>
-          <a:lstStyle/>
-          <a:p>
-            <a:pPr algn="ctr"/>
-            <a:endParaRPr lang="fr-FR" dirty="0"/>
-          </a:p>
-        </p:txBody>
-      </p:sp>
-      <p:sp>
-        <p:nvSpPr>
-          <p:cNvPr id="5" name="ZoneTexte 4">
-            <a:extLst>
-              <a:ext uri="{FF2B5EF4-FFF2-40B4-BE49-F238E27FC236}">
-                <a16:creationId xmlns:a16="http://schemas.microsoft.com/office/drawing/2014/main" id="{8972C2AD-BDD6-F625-816B-80E18D2B21D9}"/>
-              </a:ext>
-            </a:extLst>
-          </p:cNvPr>
-          <p:cNvSpPr txBox="1"/>
-          <p:nvPr/>
-        </p:nvSpPr>
-        <p:spPr>
-          <a:xfrm>
-            <a:off x="513431" y="887436"/>
-            <a:ext cx="649537" cy="461665"/>
-          </a:xfrm>
-          <a:prstGeom prst="rect">
-            <a:avLst/>
-          </a:prstGeom>
-          <a:noFill/>
-        </p:spPr>
-        <p:txBody>
-          <a:bodyPr wrap="none" rtlCol="0">
-            <a:spAutoFit/>
-          </a:bodyPr>
-          <a:lstStyle/>
-          <a:p>
-            <a:r>
-              <a:rPr lang="fr-FR" sz="2400" b="1" dirty="0">
-                <a:ln w="22225">
-                  <a:solidFill>
-                    <a:schemeClr val="accent2"/>
-                  </a:solidFill>
-                  <a:prstDash val="solid"/>
-                </a:ln>
-                <a:solidFill>
-                  <a:schemeClr val="accent4">
-                    <a:lumMod val="50000"/>
-                  </a:schemeClr>
-                </a:solidFill>
-              </a:rPr>
-              <a:t>JDK</a:t>
-            </a:r>
-            <a:endParaRPr lang="fr-FR" b="1" dirty="0">
+        </p:grpSpPr>
+        <p:sp>
+          <p:nvSpPr>
+            <p:cNvPr id="4" name="Rectangle 3">
+              <a:extLst>
+                <a:ext uri="{FF2B5EF4-FFF2-40B4-BE49-F238E27FC236}">
+                  <a16:creationId xmlns:a16="http://schemas.microsoft.com/office/drawing/2014/main" id="{180B6540-EE31-E28D-D043-729067A9685B}"/>
+                </a:ext>
+              </a:extLst>
+            </p:cNvPr>
+            <p:cNvSpPr/>
+            <p:nvPr/>
+          </p:nvSpPr>
+          <p:spPr>
+            <a:xfrm>
+              <a:off x="1624110" y="834189"/>
+              <a:ext cx="8651960" cy="5053264"/>
+            </a:xfrm>
+            <a:prstGeom prst="rect">
+              <a:avLst/>
+            </a:prstGeom>
+            <a:ln w="76200">
               <a:solidFill>
-                <a:schemeClr val="accent4">
+                <a:schemeClr val="accent2">
                   <a:lumMod val="50000"/>
                 </a:schemeClr>
               </a:solidFill>
-            </a:endParaRPr>
-          </a:p>
-        </p:txBody>
-      </p:sp>
-      <p:sp>
-        <p:nvSpPr>
-          <p:cNvPr id="8" name="Rectangle 7">
-            <a:extLst>
-              <a:ext uri="{FF2B5EF4-FFF2-40B4-BE49-F238E27FC236}">
-                <a16:creationId xmlns:a16="http://schemas.microsoft.com/office/drawing/2014/main" id="{1B8C68AC-9552-0990-C3C2-28DB08DC971D}"/>
-              </a:ext>
-            </a:extLst>
-          </p:cNvPr>
-          <p:cNvSpPr/>
-          <p:nvPr/>
-        </p:nvSpPr>
-        <p:spPr>
-          <a:xfrm>
-            <a:off x="2165595" y="1463426"/>
-            <a:ext cx="7563144" cy="3838581"/>
-          </a:xfrm>
-          <a:prstGeom prst="rect">
-            <a:avLst/>
-          </a:prstGeom>
-          <a:ln w="76200">
-            <a:solidFill>
-              <a:schemeClr val="accent1">
-                <a:lumMod val="75000"/>
-              </a:schemeClr>
-            </a:solidFill>
-          </a:ln>
-        </p:spPr>
-        <p:style>
-          <a:lnRef idx="2">
-            <a:schemeClr val="dk1"/>
-          </a:lnRef>
-          <a:fillRef idx="1">
-            <a:schemeClr val="lt1"/>
-          </a:fillRef>
-          <a:effectRef idx="0">
-            <a:schemeClr val="dk1"/>
-          </a:effectRef>
-          <a:fontRef idx="minor">
-            <a:schemeClr val="dk1"/>
-          </a:fontRef>
-        </p:style>
-        <p:txBody>
-          <a:bodyPr rtlCol="0" anchor="ctr"/>
-          <a:lstStyle/>
-          <a:p>
-            <a:pPr algn="ctr"/>
-            <a:endParaRPr lang="fr-FR" dirty="0"/>
-          </a:p>
-        </p:txBody>
-      </p:sp>
-      <p:sp>
-        <p:nvSpPr>
-          <p:cNvPr id="6" name="ZoneTexte 5">
-            <a:extLst>
-              <a:ext uri="{FF2B5EF4-FFF2-40B4-BE49-F238E27FC236}">
-                <a16:creationId xmlns:a16="http://schemas.microsoft.com/office/drawing/2014/main" id="{21742775-1B42-F720-AE98-7F0944C029C9}"/>
-              </a:ext>
-            </a:extLst>
-          </p:cNvPr>
-          <p:cNvSpPr txBox="1"/>
-          <p:nvPr/>
-        </p:nvSpPr>
-        <p:spPr>
-          <a:xfrm>
-            <a:off x="2349835" y="1547048"/>
-            <a:ext cx="611065" cy="461665"/>
-          </a:xfrm>
-          <a:prstGeom prst="rect">
-            <a:avLst/>
-          </a:prstGeom>
-          <a:noFill/>
-        </p:spPr>
-        <p:txBody>
-          <a:bodyPr wrap="none" rtlCol="0">
-            <a:spAutoFit/>
-          </a:bodyPr>
-          <a:lstStyle/>
-          <a:p>
-            <a:r>
-              <a:rPr lang="fr-FR" sz="2400" b="1" dirty="0">
+            </a:ln>
+          </p:spPr>
+          <p:style>
+            <a:lnRef idx="2">
+              <a:schemeClr val="dk1"/>
+            </a:lnRef>
+            <a:fillRef idx="1">
+              <a:schemeClr val="lt1"/>
+            </a:fillRef>
+            <a:effectRef idx="0">
+              <a:schemeClr val="dk1"/>
+            </a:effectRef>
+            <a:fontRef idx="minor">
+              <a:schemeClr val="dk1"/>
+            </a:fontRef>
+          </p:style>
+          <p:txBody>
+            <a:bodyPr rtlCol="0" anchor="ctr"/>
+            <a:lstStyle/>
+            <a:p>
+              <a:pPr algn="ctr"/>
+              <a:endParaRPr lang="fr-FR" dirty="0"/>
+            </a:p>
+          </p:txBody>
+        </p:sp>
+        <p:sp>
+          <p:nvSpPr>
+            <p:cNvPr id="8" name="Rectangle 7">
+              <a:extLst>
+                <a:ext uri="{FF2B5EF4-FFF2-40B4-BE49-F238E27FC236}">
+                  <a16:creationId xmlns:a16="http://schemas.microsoft.com/office/drawing/2014/main" id="{1B8C68AC-9552-0990-C3C2-28DB08DC971D}"/>
+                </a:ext>
+              </a:extLst>
+            </p:cNvPr>
+            <p:cNvSpPr/>
+            <p:nvPr/>
+          </p:nvSpPr>
+          <p:spPr>
+            <a:xfrm>
+              <a:off x="2165595" y="1463426"/>
+              <a:ext cx="7563144" cy="3838581"/>
+            </a:xfrm>
+            <a:prstGeom prst="rect">
+              <a:avLst/>
+            </a:prstGeom>
+            <a:ln w="76200">
+              <a:solidFill>
+                <a:schemeClr val="accent1">
+                  <a:lumMod val="75000"/>
+                </a:schemeClr>
+              </a:solidFill>
+            </a:ln>
+          </p:spPr>
+          <p:style>
+            <a:lnRef idx="2">
+              <a:schemeClr val="dk1"/>
+            </a:lnRef>
+            <a:fillRef idx="1">
+              <a:schemeClr val="lt1"/>
+            </a:fillRef>
+            <a:effectRef idx="0">
+              <a:schemeClr val="dk1"/>
+            </a:effectRef>
+            <a:fontRef idx="minor">
+              <a:schemeClr val="dk1"/>
+            </a:fontRef>
+          </p:style>
+          <p:txBody>
+            <a:bodyPr rtlCol="0" anchor="ctr"/>
+            <a:lstStyle/>
+            <a:p>
+              <a:pPr algn="ctr"/>
+              <a:endParaRPr lang="fr-FR" dirty="0"/>
+            </a:p>
+          </p:txBody>
+        </p:sp>
+        <p:sp>
+          <p:nvSpPr>
+            <p:cNvPr id="6" name="ZoneTexte 5">
+              <a:extLst>
+                <a:ext uri="{FF2B5EF4-FFF2-40B4-BE49-F238E27FC236}">
+                  <a16:creationId xmlns:a16="http://schemas.microsoft.com/office/drawing/2014/main" id="{21742775-1B42-F720-AE98-7F0944C029C9}"/>
+                </a:ext>
+              </a:extLst>
+            </p:cNvPr>
+            <p:cNvSpPr txBox="1"/>
+            <p:nvPr/>
+          </p:nvSpPr>
+          <p:spPr>
+            <a:xfrm>
+              <a:off x="5660870" y="1481051"/>
+              <a:ext cx="821059" cy="646331"/>
+            </a:xfrm>
+            <a:prstGeom prst="rect">
+              <a:avLst/>
+            </a:prstGeom>
+            <a:noFill/>
+          </p:spPr>
+          <p:txBody>
+            <a:bodyPr wrap="none" rtlCol="0">
+              <a:spAutoFit/>
+            </a:bodyPr>
+            <a:lstStyle/>
+            <a:p>
+              <a:r>
+                <a:rPr lang="fr-FR" sz="3600" b="1" dirty="0">
+                  <a:ln w="12700">
+                    <a:solidFill>
+                      <a:schemeClr val="tx2">
+                        <a:lumMod val="75000"/>
+                      </a:schemeClr>
+                    </a:solidFill>
+                    <a:prstDash val="solid"/>
+                  </a:ln>
+                  <a:solidFill>
+                    <a:schemeClr val="accent1">
+                      <a:lumMod val="75000"/>
+                    </a:schemeClr>
+                  </a:solidFill>
+                  <a:effectLst>
+                    <a:outerShdw dist="38100" dir="2640000" algn="bl" rotWithShape="0">
+                      <a:schemeClr val="tx2">
+                        <a:lumMod val="75000"/>
+                      </a:schemeClr>
+                    </a:outerShdw>
+                  </a:effectLst>
+                </a:rPr>
+                <a:t>JRE</a:t>
+              </a:r>
+              <a:endParaRPr lang="fr-FR" b="1" dirty="0">
                 <a:ln w="12700">
                   <a:solidFill>
                     <a:schemeClr val="tx2">
@@ -30851,113 +31607,107 @@
                     </a:schemeClr>
                   </a:outerShdw>
                 </a:effectLst>
-              </a:rPr>
-              <a:t>JRE</a:t>
-            </a:r>
-            <a:endParaRPr lang="fr-FR" b="1" dirty="0">
-              <a:ln w="12700">
-                <a:solidFill>
-                  <a:schemeClr val="tx2">
-                    <a:lumMod val="75000"/>
-                  </a:schemeClr>
-                </a:solidFill>
-                <a:prstDash val="solid"/>
-              </a:ln>
+              </a:endParaRPr>
+            </a:p>
+          </p:txBody>
+        </p:sp>
+        <p:sp>
+          <p:nvSpPr>
+            <p:cNvPr id="9" name="Rectangle 8">
+              <a:extLst>
+                <a:ext uri="{FF2B5EF4-FFF2-40B4-BE49-F238E27FC236}">
+                  <a16:creationId xmlns:a16="http://schemas.microsoft.com/office/drawing/2014/main" id="{F62AA80C-5F08-F076-96A0-9D181CC5B41F}"/>
+                </a:ext>
+              </a:extLst>
+            </p:cNvPr>
+            <p:cNvSpPr/>
+            <p:nvPr/>
+          </p:nvSpPr>
+          <p:spPr>
+            <a:xfrm>
+              <a:off x="2463261" y="2247798"/>
+              <a:ext cx="2830300" cy="2846779"/>
+            </a:xfrm>
+            <a:prstGeom prst="rect">
+              <a:avLst/>
+            </a:prstGeom>
+            <a:ln w="76200">
               <a:solidFill>
-                <a:schemeClr val="accent1">
-                  <a:lumMod val="75000"/>
-                </a:schemeClr>
+                <a:srgbClr val="00B050"/>
               </a:solidFill>
-              <a:effectLst>
-                <a:outerShdw dist="38100" dir="2640000" algn="bl" rotWithShape="0">
-                  <a:schemeClr val="tx2">
-                    <a:lumMod val="75000"/>
-                  </a:schemeClr>
-                </a:outerShdw>
-              </a:effectLst>
-            </a:endParaRPr>
-          </a:p>
-        </p:txBody>
-      </p:sp>
-      <p:sp>
-        <p:nvSpPr>
-          <p:cNvPr id="9" name="Rectangle 8">
-            <a:extLst>
-              <a:ext uri="{FF2B5EF4-FFF2-40B4-BE49-F238E27FC236}">
-                <a16:creationId xmlns:a16="http://schemas.microsoft.com/office/drawing/2014/main" id="{F62AA80C-5F08-F076-96A0-9D181CC5B41F}"/>
-              </a:ext>
-            </a:extLst>
-          </p:cNvPr>
-          <p:cNvSpPr/>
-          <p:nvPr/>
-        </p:nvSpPr>
-        <p:spPr>
-          <a:xfrm>
-            <a:off x="2463261" y="2247798"/>
-            <a:ext cx="2830300" cy="2846779"/>
-          </a:xfrm>
-          <a:prstGeom prst="rect">
-            <a:avLst/>
-          </a:prstGeom>
-          <a:ln w="76200">
-            <a:solidFill>
-              <a:srgbClr val="00B050"/>
-            </a:solidFill>
-          </a:ln>
-        </p:spPr>
-        <p:style>
-          <a:lnRef idx="2">
-            <a:schemeClr val="dk1"/>
-          </a:lnRef>
-          <a:fillRef idx="1">
-            <a:schemeClr val="lt1"/>
-          </a:fillRef>
-          <a:effectRef idx="0">
-            <a:schemeClr val="dk1"/>
-          </a:effectRef>
-          <a:fontRef idx="minor">
-            <a:schemeClr val="dk1"/>
-          </a:fontRef>
-        </p:style>
-        <p:txBody>
-          <a:bodyPr rtlCol="0" anchor="ctr"/>
-          <a:lstStyle/>
-          <a:p>
-            <a:pPr algn="ctr"/>
-            <a:endParaRPr lang="fr-FR" dirty="0"/>
-          </a:p>
-        </p:txBody>
-      </p:sp>
-      <p:sp>
-        <p:nvSpPr>
-          <p:cNvPr id="7" name="ZoneTexte 6">
-            <a:extLst>
-              <a:ext uri="{FF2B5EF4-FFF2-40B4-BE49-F238E27FC236}">
-                <a16:creationId xmlns:a16="http://schemas.microsoft.com/office/drawing/2014/main" id="{A9CECA2A-A4E5-BB3B-6449-747D20848109}"/>
-              </a:ext>
-            </a:extLst>
-          </p:cNvPr>
-          <p:cNvSpPr txBox="1"/>
-          <p:nvPr/>
-        </p:nvSpPr>
-        <p:spPr>
-          <a:xfrm>
-            <a:off x="2591247" y="2355006"/>
-            <a:ext cx="739305" cy="461665"/>
-          </a:xfrm>
-          <a:prstGeom prst="rect">
-            <a:avLst/>
-          </a:prstGeom>
-          <a:noFill/>
-        </p:spPr>
-        <p:txBody>
-          <a:bodyPr wrap="none" rtlCol="0">
-            <a:spAutoFit/>
-          </a:bodyPr>
-          <a:lstStyle/>
-          <a:p>
-            <a:r>
-              <a:rPr lang="fr-FR" sz="2400" b="1" dirty="0">
+            </a:ln>
+          </p:spPr>
+          <p:style>
+            <a:lnRef idx="2">
+              <a:schemeClr val="dk1"/>
+            </a:lnRef>
+            <a:fillRef idx="1">
+              <a:schemeClr val="lt1"/>
+            </a:fillRef>
+            <a:effectRef idx="0">
+              <a:schemeClr val="dk1"/>
+            </a:effectRef>
+            <a:fontRef idx="minor">
+              <a:schemeClr val="dk1"/>
+            </a:fontRef>
+          </p:style>
+          <p:txBody>
+            <a:bodyPr rtlCol="0" anchor="ctr"/>
+            <a:lstStyle/>
+            <a:p>
+              <a:pPr algn="ctr"/>
+              <a:endParaRPr lang="fr-FR" dirty="0"/>
+            </a:p>
+          </p:txBody>
+        </p:sp>
+        <p:sp>
+          <p:nvSpPr>
+            <p:cNvPr id="7" name="ZoneTexte 6">
+              <a:extLst>
+                <a:ext uri="{FF2B5EF4-FFF2-40B4-BE49-F238E27FC236}">
+                  <a16:creationId xmlns:a16="http://schemas.microsoft.com/office/drawing/2014/main" id="{A9CECA2A-A4E5-BB3B-6449-747D20848109}"/>
+                </a:ext>
+              </a:extLst>
+            </p:cNvPr>
+            <p:cNvSpPr txBox="1"/>
+            <p:nvPr/>
+          </p:nvSpPr>
+          <p:spPr>
+            <a:xfrm>
+              <a:off x="3230076" y="2247798"/>
+              <a:ext cx="1013419" cy="646331"/>
+            </a:xfrm>
+            <a:prstGeom prst="rect">
+              <a:avLst/>
+            </a:prstGeom>
+            <a:noFill/>
+          </p:spPr>
+          <p:txBody>
+            <a:bodyPr wrap="none" rtlCol="0">
+              <a:spAutoFit/>
+            </a:bodyPr>
+            <a:lstStyle/>
+            <a:p>
+              <a:r>
+                <a:rPr lang="fr-FR" sz="3600" b="1" dirty="0">
+                  <a:ln w="13462">
+                    <a:solidFill>
+                      <a:schemeClr val="bg1"/>
+                    </a:solidFill>
+                    <a:prstDash val="solid"/>
+                  </a:ln>
+                  <a:solidFill>
+                    <a:srgbClr val="00B050"/>
+                  </a:solidFill>
+                  <a:effectLst>
+                    <a:outerShdw dist="38100" dir="2700000" algn="bl" rotWithShape="0">
+                      <a:schemeClr val="accent5"/>
+                    </a:outerShdw>
+                  </a:effectLst>
+                </a:rPr>
+                <a:t>JVM</a:t>
+              </a:r>
+              <a:endParaRPr lang="fr-FR" b="1" dirty="0">
                 <a:ln w="13462">
                   <a:solidFill>
                     <a:schemeClr val="bg1"/>
@@ -30972,242 +31722,714 @@
                     <a:schemeClr val="accent5"/>
                   </a:outerShdw>
                 </a:effectLst>
-              </a:rPr>
-              <a:t>JVM</a:t>
-            </a:r>
-            <a:endParaRPr lang="fr-FR" b="1" dirty="0">
-              <a:ln w="13462">
+              </a:endParaRPr>
+            </a:p>
+          </p:txBody>
+        </p:sp>
+        <p:sp>
+          <p:nvSpPr>
+            <p:cNvPr id="3" name="Ellipse 2">
+              <a:extLst>
+                <a:ext uri="{FF2B5EF4-FFF2-40B4-BE49-F238E27FC236}">
+                  <a16:creationId xmlns:a16="http://schemas.microsoft.com/office/drawing/2014/main" id="{B2D989AC-70B5-EE97-E220-7F7BF4468008}"/>
+                </a:ext>
+              </a:extLst>
+            </p:cNvPr>
+            <p:cNvSpPr/>
+            <p:nvPr/>
+          </p:nvSpPr>
+          <p:spPr>
+            <a:xfrm>
+              <a:off x="5542614" y="2355006"/>
+              <a:ext cx="1957138" cy="1421986"/>
+            </a:xfrm>
+            <a:prstGeom prst="ellipse">
+              <a:avLst/>
+            </a:prstGeom>
+            <a:ln>
+              <a:solidFill>
+                <a:schemeClr val="tx1"/>
+              </a:solidFill>
+            </a:ln>
+          </p:spPr>
+          <p:style>
+            <a:lnRef idx="2">
+              <a:schemeClr val="accent6"/>
+            </a:lnRef>
+            <a:fillRef idx="1">
+              <a:schemeClr val="lt1"/>
+            </a:fillRef>
+            <a:effectRef idx="0">
+              <a:schemeClr val="accent6"/>
+            </a:effectRef>
+            <a:fontRef idx="minor">
+              <a:schemeClr val="dk1"/>
+            </a:fontRef>
+          </p:style>
+          <p:txBody>
+            <a:bodyPr rtlCol="0" anchor="ctr"/>
+            <a:lstStyle/>
+            <a:p>
+              <a:pPr algn="ctr"/>
+              <a:r>
+                <a:rPr lang="fr-FR" sz="2000" b="1" dirty="0"/>
+                <a:t>Java Class Library</a:t>
+              </a:r>
+            </a:p>
+          </p:txBody>
+        </p:sp>
+        <p:sp>
+          <p:nvSpPr>
+            <p:cNvPr id="10" name="Rectangle 9">
+              <a:extLst>
+                <a:ext uri="{FF2B5EF4-FFF2-40B4-BE49-F238E27FC236}">
+                  <a16:creationId xmlns:a16="http://schemas.microsoft.com/office/drawing/2014/main" id="{9957C9F8-7BBA-A0D4-AB93-2C4F2AB4AC91}"/>
+                </a:ext>
+              </a:extLst>
+            </p:cNvPr>
+            <p:cNvSpPr/>
+            <p:nvPr/>
+          </p:nvSpPr>
+          <p:spPr>
+            <a:xfrm>
+              <a:off x="7719696" y="2247798"/>
+              <a:ext cx="1881057" cy="1939190"/>
+            </a:xfrm>
+            <a:prstGeom prst="rect">
+              <a:avLst/>
+            </a:prstGeom>
+            <a:ln w="12700">
+              <a:solidFill>
+                <a:schemeClr val="tx1"/>
+              </a:solidFill>
+            </a:ln>
+          </p:spPr>
+          <p:style>
+            <a:lnRef idx="2">
+              <a:schemeClr val="dk1"/>
+            </a:lnRef>
+            <a:fillRef idx="1">
+              <a:schemeClr val="lt1"/>
+            </a:fillRef>
+            <a:effectRef idx="0">
+              <a:schemeClr val="dk1"/>
+            </a:effectRef>
+            <a:fontRef idx="minor">
+              <a:schemeClr val="dk1"/>
+            </a:fontRef>
+          </p:style>
+          <p:txBody>
+            <a:bodyPr rtlCol="0" anchor="ctr"/>
+            <a:lstStyle/>
+            <a:p>
+              <a:pPr algn="ctr"/>
+              <a:r>
+                <a:rPr lang="fr-FR" sz="2000" b="1" dirty="0"/>
+                <a:t>Outils de développement </a:t>
+              </a:r>
+              <a:r>
+                <a:rPr lang="fr-FR" dirty="0"/>
+                <a:t>(java, </a:t>
+              </a:r>
+              <a:r>
+                <a:rPr lang="fr-FR" dirty="0" err="1"/>
+                <a:t>javac</a:t>
+              </a:r>
+              <a:r>
+                <a:rPr lang="fr-FR" dirty="0"/>
+                <a:t>, </a:t>
+              </a:r>
+              <a:r>
+                <a:rPr lang="fr-FR" dirty="0" err="1"/>
+                <a:t>jdb</a:t>
+              </a:r>
+              <a:r>
+                <a:rPr lang="fr-FR" dirty="0"/>
+                <a:t>, …)</a:t>
+              </a:r>
+            </a:p>
+          </p:txBody>
+        </p:sp>
+        <p:sp>
+          <p:nvSpPr>
+            <p:cNvPr id="5" name="ZoneTexte 4">
+              <a:extLst>
+                <a:ext uri="{FF2B5EF4-FFF2-40B4-BE49-F238E27FC236}">
+                  <a16:creationId xmlns:a16="http://schemas.microsoft.com/office/drawing/2014/main" id="{8972C2AD-BDD6-F625-816B-80E18D2B21D9}"/>
+                </a:ext>
+              </a:extLst>
+            </p:cNvPr>
+            <p:cNvSpPr txBox="1"/>
+            <p:nvPr/>
+          </p:nvSpPr>
+          <p:spPr>
+            <a:xfrm>
+              <a:off x="5639210" y="776518"/>
+              <a:ext cx="881973" cy="646331"/>
+            </a:xfrm>
+            <a:prstGeom prst="rect">
+              <a:avLst/>
+            </a:prstGeom>
+            <a:noFill/>
+          </p:spPr>
+          <p:txBody>
+            <a:bodyPr wrap="none" rtlCol="0">
+              <a:spAutoFit/>
+            </a:bodyPr>
+            <a:lstStyle/>
+            <a:p>
+              <a:r>
+                <a:rPr lang="fr-FR" sz="3600" b="1" dirty="0">
+                  <a:ln w="22225">
+                    <a:solidFill>
+                      <a:schemeClr val="accent2"/>
+                    </a:solidFill>
+                    <a:prstDash val="solid"/>
+                  </a:ln>
+                  <a:solidFill>
+                    <a:schemeClr val="accent4">
+                      <a:lumMod val="50000"/>
+                    </a:schemeClr>
+                  </a:solidFill>
+                </a:rPr>
+                <a:t>JDK</a:t>
+              </a:r>
+              <a:endParaRPr lang="fr-FR" b="1" dirty="0">
                 <a:solidFill>
-                  <a:schemeClr val="bg1"/>
+                  <a:schemeClr val="accent4">
+                    <a:lumMod val="50000"/>
+                  </a:schemeClr>
                 </a:solidFill>
-                <a:prstDash val="solid"/>
-              </a:ln>
-              <a:solidFill>
-                <a:srgbClr val="00B050"/>
-              </a:solidFill>
-              <a:effectLst>
-                <a:outerShdw dist="38100" dir="2700000" algn="bl" rotWithShape="0">
-                  <a:schemeClr val="accent5"/>
-                </a:outerShdw>
-              </a:effectLst>
-            </a:endParaRPr>
-          </a:p>
-        </p:txBody>
-      </p:sp>
-      <p:sp>
-        <p:nvSpPr>
-          <p:cNvPr id="3" name="Ellipse 2">
+              </a:endParaRPr>
+            </a:p>
+          </p:txBody>
+        </p:sp>
+      </p:grpSp>
+      <p:grpSp>
+        <p:nvGrpSpPr>
+          <p:cNvPr id="21" name="Groupe 20">
             <a:extLst>
               <a:ext uri="{FF2B5EF4-FFF2-40B4-BE49-F238E27FC236}">
-                <a16:creationId xmlns:a16="http://schemas.microsoft.com/office/drawing/2014/main" id="{B2D989AC-70B5-EE97-E220-7F7BF4468008}"/>
+                <a16:creationId xmlns:a16="http://schemas.microsoft.com/office/drawing/2014/main" id="{3E8D7C43-3841-F8BB-B29F-0E343C3CA2A5}"/>
               </a:ext>
             </a:extLst>
           </p:cNvPr>
-          <p:cNvSpPr/>
+          <p:cNvGrpSpPr/>
           <p:nvPr/>
-        </p:nvSpPr>
-        <p:spPr>
+        </p:nvGrpSpPr>
+        <p:grpSpPr>
           <a:xfrm>
-            <a:off x="5542614" y="2355006"/>
-            <a:ext cx="1957138" cy="1421986"/>
+            <a:off x="2565670" y="2793835"/>
+            <a:ext cx="2792990" cy="2069843"/>
+            <a:chOff x="2565670" y="2793835"/>
+            <a:chExt cx="2792990" cy="2069843"/>
           </a:xfrm>
-          <a:prstGeom prst="ellipse">
-            <a:avLst/>
-          </a:prstGeom>
-        </p:spPr>
-        <p:style>
-          <a:lnRef idx="2">
-            <a:schemeClr val="accent6"/>
-          </a:lnRef>
-          <a:fillRef idx="1">
-            <a:schemeClr val="lt1"/>
-          </a:fillRef>
-          <a:effectRef idx="0">
-            <a:schemeClr val="accent6"/>
-          </a:effectRef>
-          <a:fontRef idx="minor">
-            <a:schemeClr val="dk1"/>
-          </a:fontRef>
-        </p:style>
-        <p:txBody>
-          <a:bodyPr rtlCol="0" anchor="ctr"/>
-          <a:lstStyle/>
-          <a:p>
-            <a:pPr algn="ctr"/>
-            <a:r>
-              <a:rPr lang="fr-FR" sz="2000" b="1" dirty="0"/>
-              <a:t>Java Class Library</a:t>
-            </a:r>
-          </a:p>
-        </p:txBody>
-      </p:sp>
-      <p:sp>
-        <p:nvSpPr>
-          <p:cNvPr id="10" name="Rectangle 9">
-            <a:extLst>
-              <a:ext uri="{FF2B5EF4-FFF2-40B4-BE49-F238E27FC236}">
-                <a16:creationId xmlns:a16="http://schemas.microsoft.com/office/drawing/2014/main" id="{9957C9F8-7BBA-A0D4-AB93-2C4F2AB4AC91}"/>
-              </a:ext>
-            </a:extLst>
-          </p:cNvPr>
-          <p:cNvSpPr/>
-          <p:nvPr/>
-        </p:nvSpPr>
-        <p:spPr>
-          <a:xfrm>
-            <a:off x="7719696" y="2247798"/>
-            <a:ext cx="1881057" cy="1939190"/>
-          </a:xfrm>
-          <a:prstGeom prst="rect">
-            <a:avLst/>
-          </a:prstGeom>
-          <a:ln w="12700">
-            <a:solidFill>
-              <a:srgbClr val="00B050"/>
-            </a:solidFill>
-          </a:ln>
-        </p:spPr>
-        <p:style>
-          <a:lnRef idx="2">
-            <a:schemeClr val="dk1"/>
-          </a:lnRef>
-          <a:fillRef idx="1">
-            <a:schemeClr val="lt1"/>
-          </a:fillRef>
-          <a:effectRef idx="0">
-            <a:schemeClr val="dk1"/>
-          </a:effectRef>
-          <a:fontRef idx="minor">
-            <a:schemeClr val="dk1"/>
-          </a:fontRef>
-        </p:style>
-        <p:txBody>
-          <a:bodyPr rtlCol="0" anchor="ctr"/>
-          <a:lstStyle/>
-          <a:p>
-            <a:pPr algn="ctr"/>
-            <a:r>
-              <a:rPr lang="fr-FR" sz="2000" b="1" dirty="0"/>
-              <a:t>Outils de développement </a:t>
-            </a:r>
-            <a:r>
-              <a:rPr lang="fr-FR" dirty="0"/>
-              <a:t>(java, </a:t>
-            </a:r>
-            <a:r>
-              <a:rPr lang="fr-FR" dirty="0" err="1"/>
-              <a:t>javac</a:t>
-            </a:r>
-            <a:r>
-              <a:rPr lang="fr-FR" dirty="0"/>
-              <a:t>, </a:t>
-            </a:r>
-            <a:r>
-              <a:rPr lang="fr-FR" dirty="0" err="1"/>
-              <a:t>jdb</a:t>
-            </a:r>
-            <a:r>
-              <a:rPr lang="fr-FR" dirty="0"/>
-              <a:t>, …)</a:t>
-            </a:r>
-          </a:p>
-        </p:txBody>
-      </p:sp>
+        </p:grpSpPr>
+        <p:grpSp>
+          <p:nvGrpSpPr>
+            <p:cNvPr id="12" name="Groupe 11">
+              <a:extLst>
+                <a:ext uri="{FF2B5EF4-FFF2-40B4-BE49-F238E27FC236}">
+                  <a16:creationId xmlns:a16="http://schemas.microsoft.com/office/drawing/2014/main" id="{597BCDC0-F158-2AEA-99FD-8AD4111BC0B4}"/>
+                </a:ext>
+              </a:extLst>
+            </p:cNvPr>
+            <p:cNvGrpSpPr/>
+            <p:nvPr/>
+          </p:nvGrpSpPr>
+          <p:grpSpPr>
+            <a:xfrm>
+              <a:off x="2565670" y="2793835"/>
+              <a:ext cx="2763434" cy="2053801"/>
+              <a:chOff x="3085058" y="1521584"/>
+              <a:chExt cx="2763434" cy="2051073"/>
+            </a:xfrm>
+          </p:grpSpPr>
+          <p:sp>
+            <p:nvSpPr>
+              <p:cNvPr id="14" name="Ellipse 13">
+                <a:extLst>
+                  <a:ext uri="{FF2B5EF4-FFF2-40B4-BE49-F238E27FC236}">
+                    <a16:creationId xmlns:a16="http://schemas.microsoft.com/office/drawing/2014/main" id="{5CCCB32A-2EAE-CC36-9672-27544E5CA951}"/>
+                  </a:ext>
+                </a:extLst>
+              </p:cNvPr>
+              <p:cNvSpPr/>
+              <p:nvPr/>
+            </p:nvSpPr>
+            <p:spPr>
+              <a:xfrm>
+                <a:off x="3134685" y="1521584"/>
+                <a:ext cx="2577816" cy="983157"/>
+              </a:xfrm>
+              <a:prstGeom prst="ellipse">
+                <a:avLst/>
+              </a:prstGeom>
+              <a:ln w="38100">
+                <a:solidFill>
+                  <a:schemeClr val="accent6">
+                    <a:lumMod val="60000"/>
+                    <a:lumOff val="40000"/>
+                  </a:schemeClr>
+                </a:solidFill>
+              </a:ln>
+            </p:spPr>
+            <p:style>
+              <a:lnRef idx="2">
+                <a:schemeClr val="dk1"/>
+              </a:lnRef>
+              <a:fillRef idx="1">
+                <a:schemeClr val="lt1"/>
+              </a:fillRef>
+              <a:effectRef idx="0">
+                <a:schemeClr val="dk1"/>
+              </a:effectRef>
+              <a:fontRef idx="minor">
+                <a:schemeClr val="dk1"/>
+              </a:fontRef>
+            </p:style>
+            <p:txBody>
+              <a:bodyPr rtlCol="0" anchor="ctr"/>
+              <a:lstStyle/>
+              <a:p>
+                <a:pPr algn="ctr"/>
+                <a:endParaRPr lang="fr-FR"/>
+              </a:p>
+            </p:txBody>
+          </p:sp>
+          <p:sp>
+            <p:nvSpPr>
+              <p:cNvPr id="15" name="Rectangle 14">
+                <a:extLst>
+                  <a:ext uri="{FF2B5EF4-FFF2-40B4-BE49-F238E27FC236}">
+                    <a16:creationId xmlns:a16="http://schemas.microsoft.com/office/drawing/2014/main" id="{6886BECB-EBA7-8F1C-A118-7C3487F930FE}"/>
+                  </a:ext>
+                </a:extLst>
+              </p:cNvPr>
+              <p:cNvSpPr>
+                <a:spLocks/>
+              </p:cNvSpPr>
+              <p:nvPr/>
+            </p:nvSpPr>
+            <p:spPr>
+              <a:xfrm>
+                <a:off x="3486964" y="1748692"/>
+                <a:ext cx="826929" cy="528939"/>
+              </a:xfrm>
+              <a:prstGeom prst="rect">
+                <a:avLst/>
+              </a:prstGeom>
+              <a:ln w="28575">
+                <a:solidFill>
+                  <a:schemeClr val="accent6">
+                    <a:lumMod val="75000"/>
+                  </a:schemeClr>
+                </a:solidFill>
+              </a:ln>
+            </p:spPr>
+            <p:style>
+              <a:lnRef idx="2">
+                <a:schemeClr val="dk1"/>
+              </a:lnRef>
+              <a:fillRef idx="1">
+                <a:schemeClr val="lt1"/>
+              </a:fillRef>
+              <a:effectRef idx="0">
+                <a:schemeClr val="dk1"/>
+              </a:effectRef>
+              <a:fontRef idx="minor">
+                <a:schemeClr val="dk1"/>
+              </a:fontRef>
+            </p:style>
+            <p:txBody>
+              <a:bodyPr rtlCol="0" anchor="ctr"/>
+              <a:lstStyle/>
+              <a:p>
+                <a:pPr algn="ctr"/>
+                <a:endParaRPr lang="fr-FR" sz="2000" dirty="0">
+                  <a:solidFill>
+                    <a:schemeClr val="tx1"/>
+                  </a:solidFill>
+                </a:endParaRPr>
+              </a:p>
+              <a:p>
+                <a:pPr algn="ctr"/>
+                <a:r>
+                  <a:rPr lang="fr-FR" dirty="0">
+                    <a:solidFill>
+                      <a:schemeClr val="tx1"/>
+                    </a:solidFill>
+                  </a:rPr>
+                  <a:t>Class loader</a:t>
+                </a:r>
+                <a:endParaRPr lang="fr-FR" dirty="0">
+                  <a:solidFill>
+                    <a:schemeClr val="tx1"/>
+                  </a:solidFill>
+                  <a:effectLst/>
+                </a:endParaRPr>
+              </a:p>
+              <a:p>
+                <a:pPr algn="ctr"/>
+                <a:endParaRPr lang="fr-FR" dirty="0"/>
+              </a:p>
+            </p:txBody>
+          </p:sp>
+          <p:sp>
+            <p:nvSpPr>
+              <p:cNvPr id="16" name="Rectangle 15">
+                <a:extLst>
+                  <a:ext uri="{FF2B5EF4-FFF2-40B4-BE49-F238E27FC236}">
+                    <a16:creationId xmlns:a16="http://schemas.microsoft.com/office/drawing/2014/main" id="{AE48F186-11E8-95BF-5042-93DA90B13DAC}"/>
+                  </a:ext>
+                </a:extLst>
+              </p:cNvPr>
+              <p:cNvSpPr>
+                <a:spLocks/>
+              </p:cNvSpPr>
+              <p:nvPr/>
+            </p:nvSpPr>
+            <p:spPr>
+              <a:xfrm>
+                <a:off x="4368306" y="1758660"/>
+                <a:ext cx="1007112" cy="528939"/>
+              </a:xfrm>
+              <a:prstGeom prst="rect">
+                <a:avLst/>
+              </a:prstGeom>
+              <a:ln w="28575">
+                <a:solidFill>
+                  <a:schemeClr val="accent6">
+                    <a:lumMod val="75000"/>
+                  </a:schemeClr>
+                </a:solidFill>
+              </a:ln>
+            </p:spPr>
+            <p:style>
+              <a:lnRef idx="2">
+                <a:schemeClr val="dk1"/>
+              </a:lnRef>
+              <a:fillRef idx="1">
+                <a:schemeClr val="lt1"/>
+              </a:fillRef>
+              <a:effectRef idx="0">
+                <a:schemeClr val="dk1"/>
+              </a:effectRef>
+              <a:fontRef idx="minor">
+                <a:schemeClr val="dk1"/>
+              </a:fontRef>
+            </p:style>
+            <p:txBody>
+              <a:bodyPr rtlCol="0" anchor="ctr"/>
+              <a:lstStyle/>
+              <a:p>
+                <a:pPr algn="ctr"/>
+                <a:endParaRPr lang="fr-FR" sz="2000" dirty="0">
+                  <a:solidFill>
+                    <a:schemeClr val="tx1"/>
+                  </a:solidFill>
+                </a:endParaRPr>
+              </a:p>
+              <a:p>
+                <a:pPr algn="ctr"/>
+                <a:r>
+                  <a:rPr lang="fr-FR" sz="1600" dirty="0">
+                    <a:solidFill>
+                      <a:schemeClr val="tx1"/>
+                    </a:solidFill>
+                  </a:rPr>
+                  <a:t>bytecode verifier</a:t>
+                </a:r>
+                <a:endParaRPr lang="fr-FR" sz="1600" dirty="0">
+                  <a:solidFill>
+                    <a:schemeClr val="tx1"/>
+                  </a:solidFill>
+                  <a:effectLst/>
+                </a:endParaRPr>
+              </a:p>
+              <a:p>
+                <a:pPr algn="ctr"/>
+                <a:endParaRPr lang="fr-FR" dirty="0"/>
+              </a:p>
+            </p:txBody>
+          </p:sp>
+          <p:sp>
+            <p:nvSpPr>
+              <p:cNvPr id="17" name="Rectangle 16">
+                <a:extLst>
+                  <a:ext uri="{FF2B5EF4-FFF2-40B4-BE49-F238E27FC236}">
+                    <a16:creationId xmlns:a16="http://schemas.microsoft.com/office/drawing/2014/main" id="{7999F9BE-B3DE-3D77-4586-C8B5AFCD5BF8}"/>
+                  </a:ext>
+                </a:extLst>
+              </p:cNvPr>
+              <p:cNvSpPr>
+                <a:spLocks/>
+              </p:cNvSpPr>
+              <p:nvPr/>
+            </p:nvSpPr>
+            <p:spPr>
+              <a:xfrm>
+                <a:off x="4485584" y="2650268"/>
+                <a:ext cx="1362908" cy="492455"/>
+              </a:xfrm>
+              <a:prstGeom prst="rect">
+                <a:avLst/>
+              </a:prstGeom>
+              <a:solidFill>
+                <a:schemeClr val="accent2">
+                  <a:alpha val="50000"/>
+                </a:schemeClr>
+              </a:solidFill>
+              <a:ln>
+                <a:noFill/>
+              </a:ln>
+            </p:spPr>
+            <p:style>
+              <a:lnRef idx="0">
+                <a:scrgbClr r="0" g="0" b="0"/>
+              </a:lnRef>
+              <a:fillRef idx="0">
+                <a:scrgbClr r="0" g="0" b="0"/>
+              </a:fillRef>
+              <a:effectRef idx="0">
+                <a:scrgbClr r="0" g="0" b="0"/>
+              </a:effectRef>
+              <a:fontRef idx="minor">
+                <a:schemeClr val="lt1"/>
+              </a:fontRef>
+            </p:style>
+            <p:txBody>
+              <a:bodyPr rtlCol="0" anchor="ctr"/>
+              <a:lstStyle/>
+              <a:p>
+                <a:pPr algn="ctr"/>
+                <a:endParaRPr lang="fr-FR" sz="2000" dirty="0">
+                  <a:solidFill>
+                    <a:schemeClr val="tx1"/>
+                  </a:solidFill>
+                </a:endParaRPr>
+              </a:p>
+              <a:p>
+                <a:pPr algn="ctr"/>
+                <a:r>
+                  <a:rPr lang="fr-FR" dirty="0">
+                    <a:solidFill>
+                      <a:schemeClr val="tx1"/>
+                    </a:solidFill>
+                  </a:rPr>
+                  <a:t>Compilateur JIT</a:t>
+                </a:r>
+                <a:endParaRPr lang="fr-FR" dirty="0">
+                  <a:solidFill>
+                    <a:schemeClr val="tx1"/>
+                  </a:solidFill>
+                  <a:effectLst/>
+                </a:endParaRPr>
+              </a:p>
+              <a:p>
+                <a:pPr algn="ctr"/>
+                <a:endParaRPr lang="fr-FR" dirty="0"/>
+              </a:p>
+            </p:txBody>
+          </p:sp>
+          <p:sp>
+            <p:nvSpPr>
+              <p:cNvPr id="18" name="Rectangle 17">
+                <a:extLst>
+                  <a:ext uri="{FF2B5EF4-FFF2-40B4-BE49-F238E27FC236}">
+                    <a16:creationId xmlns:a16="http://schemas.microsoft.com/office/drawing/2014/main" id="{4554F0EE-3757-BD72-3E3B-D4C40413B6B2}"/>
+                  </a:ext>
+                </a:extLst>
+              </p:cNvPr>
+              <p:cNvSpPr>
+                <a:spLocks/>
+              </p:cNvSpPr>
+              <p:nvPr/>
+            </p:nvSpPr>
+            <p:spPr>
+              <a:xfrm>
+                <a:off x="3085058" y="3250823"/>
+                <a:ext cx="1994118" cy="321834"/>
+              </a:xfrm>
+              <a:prstGeom prst="rect">
+                <a:avLst/>
+              </a:prstGeom>
+              <a:ln w="28575">
+                <a:solidFill>
+                  <a:srgbClr val="FF0000"/>
+                </a:solidFill>
+              </a:ln>
+            </p:spPr>
+            <p:style>
+              <a:lnRef idx="2">
+                <a:schemeClr val="accent1"/>
+              </a:lnRef>
+              <a:fillRef idx="1">
+                <a:schemeClr val="lt1"/>
+              </a:fillRef>
+              <a:effectRef idx="0">
+                <a:schemeClr val="accent1"/>
+              </a:effectRef>
+              <a:fontRef idx="minor">
+                <a:schemeClr val="dk1"/>
+              </a:fontRef>
+            </p:style>
+            <p:txBody>
+              <a:bodyPr rtlCol="0" anchor="ctr"/>
+              <a:lstStyle/>
+              <a:p>
+                <a:pPr algn="ctr"/>
+                <a:r>
+                  <a:rPr lang="fr-FR" sz="2000" dirty="0">
+                    <a:solidFill>
+                      <a:schemeClr val="tx1"/>
+                    </a:solidFill>
+                  </a:rPr>
+                  <a:t>Runtime système</a:t>
+                </a:r>
+              </a:p>
+            </p:txBody>
+          </p:sp>
+          <p:sp>
+            <p:nvSpPr>
+              <p:cNvPr id="19" name="Rectangle 18">
+                <a:extLst>
+                  <a:ext uri="{FF2B5EF4-FFF2-40B4-BE49-F238E27FC236}">
+                    <a16:creationId xmlns:a16="http://schemas.microsoft.com/office/drawing/2014/main" id="{1004D33D-AD1F-EC25-6AEC-620BAF4E5AEA}"/>
+                  </a:ext>
+                </a:extLst>
+              </p:cNvPr>
+              <p:cNvSpPr>
+                <a:spLocks/>
+              </p:cNvSpPr>
+              <p:nvPr/>
+            </p:nvSpPr>
+            <p:spPr>
+              <a:xfrm>
+                <a:off x="3085058" y="2631555"/>
+                <a:ext cx="1371166" cy="492455"/>
+              </a:xfrm>
+              <a:prstGeom prst="rect">
+                <a:avLst/>
+              </a:prstGeom>
+              <a:solidFill>
+                <a:schemeClr val="accent6">
+                  <a:alpha val="50000"/>
+                </a:schemeClr>
+              </a:solidFill>
+              <a:ln>
+                <a:noFill/>
+              </a:ln>
+            </p:spPr>
+            <p:style>
+              <a:lnRef idx="0">
+                <a:scrgbClr r="0" g="0" b="0"/>
+              </a:lnRef>
+              <a:fillRef idx="0">
+                <a:scrgbClr r="0" g="0" b="0"/>
+              </a:fillRef>
+              <a:effectRef idx="0">
+                <a:scrgbClr r="0" g="0" b="0"/>
+              </a:effectRef>
+              <a:fontRef idx="minor">
+                <a:schemeClr val="lt1"/>
+              </a:fontRef>
+            </p:style>
+            <p:txBody>
+              <a:bodyPr rtlCol="0" anchor="ctr"/>
+              <a:lstStyle/>
+              <a:p>
+                <a:pPr algn="ctr"/>
+                <a:endParaRPr lang="fr-FR" sz="2000" dirty="0">
+                  <a:solidFill>
+                    <a:schemeClr val="tx1"/>
+                  </a:solidFill>
+                </a:endParaRPr>
+              </a:p>
+              <a:p>
+                <a:pPr algn="ctr"/>
+                <a:r>
+                  <a:rPr lang="fr-FR" dirty="0">
+                    <a:solidFill>
+                      <a:schemeClr val="tx1"/>
+                    </a:solidFill>
+                  </a:rPr>
+                  <a:t>Interpréteur Java</a:t>
+                </a:r>
+                <a:endParaRPr lang="fr-FR" dirty="0">
+                  <a:solidFill>
+                    <a:schemeClr val="tx1"/>
+                  </a:solidFill>
+                  <a:effectLst/>
+                </a:endParaRPr>
+              </a:p>
+              <a:p>
+                <a:pPr algn="ctr"/>
+                <a:endParaRPr lang="fr-FR" dirty="0"/>
+              </a:p>
+            </p:txBody>
+          </p:sp>
+        </p:grpSp>
+        <p:sp>
+          <p:nvSpPr>
+            <p:cNvPr id="20" name="Rectangle 19">
+              <a:extLst>
+                <a:ext uri="{FF2B5EF4-FFF2-40B4-BE49-F238E27FC236}">
+                  <a16:creationId xmlns:a16="http://schemas.microsoft.com/office/drawing/2014/main" id="{CB9E96B1-DD27-BCEC-B2A3-48DA0F56C9AF}"/>
+                </a:ext>
+              </a:extLst>
+            </p:cNvPr>
+            <p:cNvSpPr>
+              <a:spLocks/>
+            </p:cNvSpPr>
+            <p:nvPr/>
+          </p:nvSpPr>
+          <p:spPr>
+            <a:xfrm>
+              <a:off x="4606519" y="4509523"/>
+              <a:ext cx="752141" cy="354155"/>
+            </a:xfrm>
+            <a:prstGeom prst="rect">
+              <a:avLst/>
+            </a:prstGeom>
+            <a:ln w="28575"/>
+          </p:spPr>
+          <p:style>
+            <a:lnRef idx="2">
+              <a:schemeClr val="dk1"/>
+            </a:lnRef>
+            <a:fillRef idx="1">
+              <a:schemeClr val="lt1"/>
+            </a:fillRef>
+            <a:effectRef idx="0">
+              <a:schemeClr val="dk1"/>
+            </a:effectRef>
+            <a:fontRef idx="minor">
+              <a:schemeClr val="dk1"/>
+            </a:fontRef>
+          </p:style>
+          <p:txBody>
+            <a:bodyPr rtlCol="0" anchor="ctr"/>
+            <a:lstStyle/>
+            <a:p>
+              <a:pPr algn="ctr"/>
+              <a:r>
+                <a:rPr lang="fr-FR" sz="1200" dirty="0">
+                  <a:solidFill>
+                    <a:schemeClr val="tx1"/>
+                  </a:solidFill>
+                </a:rPr>
+                <a:t>Garbage Collector</a:t>
+              </a:r>
+              <a:endParaRPr lang="fr-FR" sz="1200" dirty="0"/>
+            </a:p>
+          </p:txBody>
+        </p:sp>
+      </p:grpSp>
     </p:spTree>
     <p:extLst>
       <p:ext uri="{BB962C8B-B14F-4D97-AF65-F5344CB8AC3E}">
         <p14:creationId xmlns:p14="http://schemas.microsoft.com/office/powerpoint/2010/main" val="1409772201"/>
-      </p:ext>
-    </p:extLst>
-  </p:cSld>
-  <p:clrMapOvr>
-    <a:masterClrMapping/>
-  </p:clrMapOvr>
-</p:sld>
-</file>
-
-<file path=ppt/slides/slide9.xml><?xml version="1.0" encoding="utf-8"?>
-<p:sld xmlns:a="http://schemas.openxmlformats.org/drawingml/2006/main" xmlns:r="http://schemas.openxmlformats.org/officeDocument/2006/relationships" xmlns:p="http://schemas.openxmlformats.org/presentationml/2006/main">
-  <p:cSld>
-    <p:spTree>
-      <p:nvGrpSpPr>
-        <p:cNvPr id="1" name=""/>
-        <p:cNvGrpSpPr/>
-        <p:nvPr/>
-      </p:nvGrpSpPr>
-      <p:grpSpPr>
-        <a:xfrm>
-          <a:off x="0" y="0"/>
-          <a:ext cx="0" cy="0"/>
-          <a:chOff x="0" y="0"/>
-          <a:chExt cx="0" cy="0"/>
-        </a:xfrm>
-      </p:grpSpPr>
-      <p:sp>
-        <p:nvSpPr>
-          <p:cNvPr id="2" name="Titre 1">
-            <a:extLst>
-              <a:ext uri="{FF2B5EF4-FFF2-40B4-BE49-F238E27FC236}">
-                <a16:creationId xmlns:a16="http://schemas.microsoft.com/office/drawing/2014/main" id="{58BF5858-B382-4ADA-7190-96494181BC03}"/>
-              </a:ext>
-            </a:extLst>
-          </p:cNvPr>
-          <p:cNvSpPr>
-            <a:spLocks noGrp="1"/>
-          </p:cNvSpPr>
-          <p:nvPr>
-            <p:ph type="title"/>
-          </p:nvPr>
-        </p:nvSpPr>
-        <p:spPr>
-          <a:xfrm>
-            <a:off x="838200" y="365126"/>
-            <a:ext cx="10515600" cy="387910"/>
-          </a:xfrm>
-        </p:spPr>
-        <p:txBody>
-          <a:bodyPr>
-            <a:normAutofit fontScale="90000"/>
-          </a:bodyPr>
-          <a:lstStyle/>
-          <a:p>
-            <a:pPr algn="ctr"/>
-            <a:r>
-              <a:rPr lang="fr-FR" sz="2800" b="1" dirty="0"/>
-              <a:t>Title 1</a:t>
-            </a:r>
-          </a:p>
-        </p:txBody>
-      </p:sp>
-      <p:sp>
-        <p:nvSpPr>
-          <p:cNvPr id="3" name="Espace réservé du contenu 2">
-            <a:extLst>
-              <a:ext uri="{FF2B5EF4-FFF2-40B4-BE49-F238E27FC236}">
-                <a16:creationId xmlns:a16="http://schemas.microsoft.com/office/drawing/2014/main" id="{096C347E-3FE9-BDC1-1B6F-F6DAF83108E7}"/>
-              </a:ext>
-            </a:extLst>
-          </p:cNvPr>
-          <p:cNvSpPr>
-            <a:spLocks noGrp="1"/>
-          </p:cNvSpPr>
-          <p:nvPr>
-            <p:ph idx="1"/>
-          </p:nvPr>
-        </p:nvSpPr>
-        <p:spPr/>
-        <p:txBody>
-          <a:bodyPr/>
-          <a:lstStyle/>
-          <a:p>
-            <a:endParaRPr lang="fr-FR" dirty="0"/>
-          </a:p>
-        </p:txBody>
-      </p:sp>
-    </p:spTree>
-    <p:extLst>
-      <p:ext uri="{BB962C8B-B14F-4D97-AF65-F5344CB8AC3E}">
-        <p14:creationId xmlns:p14="http://schemas.microsoft.com/office/powerpoint/2010/main" val="1135151085"/>
       </p:ext>
     </p:extLst>
   </p:cSld>
